--- a/Pre/Group-4-MeetHerePre.pptx
+++ b/Pre/Group-4-MeetHerePre.pptx
@@ -5,34 +5,44 @@
     <p:sldMasterId id="2147483648" r:id="rId1"/>
   </p:sldMasterIdLst>
   <p:notesMasterIdLst>
-    <p:notesMasterId r:id="rId19"/>
+    <p:notesMasterId r:id="rId29"/>
   </p:notesMasterIdLst>
   <p:handoutMasterIdLst>
-    <p:handoutMasterId r:id="rId20"/>
+    <p:handoutMasterId r:id="rId30"/>
   </p:handoutMasterIdLst>
   <p:sldIdLst>
     <p:sldId id="256" r:id="rId2"/>
     <p:sldId id="279" r:id="rId3"/>
     <p:sldId id="323" r:id="rId4"/>
-    <p:sldId id="299" r:id="rId5"/>
+    <p:sldId id="336" r:id="rId5"/>
     <p:sldId id="300" r:id="rId6"/>
-    <p:sldId id="325" r:id="rId7"/>
-    <p:sldId id="326" r:id="rId8"/>
-    <p:sldId id="324" r:id="rId9"/>
-    <p:sldId id="327" r:id="rId10"/>
-    <p:sldId id="328" r:id="rId11"/>
-    <p:sldId id="329" r:id="rId12"/>
-    <p:sldId id="330" r:id="rId13"/>
-    <p:sldId id="331" r:id="rId14"/>
-    <p:sldId id="332" r:id="rId15"/>
-    <p:sldId id="333" r:id="rId16"/>
-    <p:sldId id="334" r:id="rId17"/>
-    <p:sldId id="297" r:id="rId18"/>
+    <p:sldId id="335" r:id="rId7"/>
+    <p:sldId id="325" r:id="rId8"/>
+    <p:sldId id="299" r:id="rId9"/>
+    <p:sldId id="326" r:id="rId10"/>
+    <p:sldId id="338" r:id="rId11"/>
+    <p:sldId id="324" r:id="rId12"/>
+    <p:sldId id="342" r:id="rId13"/>
+    <p:sldId id="341" r:id="rId14"/>
+    <p:sldId id="327" r:id="rId15"/>
+    <p:sldId id="343" r:id="rId16"/>
+    <p:sldId id="328" r:id="rId17"/>
+    <p:sldId id="329" r:id="rId18"/>
+    <p:sldId id="330" r:id="rId19"/>
+    <p:sldId id="344" r:id="rId20"/>
+    <p:sldId id="337" r:id="rId21"/>
+    <p:sldId id="331" r:id="rId22"/>
+    <p:sldId id="332" r:id="rId23"/>
+    <p:sldId id="345" r:id="rId24"/>
+    <p:sldId id="346" r:id="rId25"/>
+    <p:sldId id="340" r:id="rId26"/>
+    <p:sldId id="339" r:id="rId27"/>
+    <p:sldId id="297" r:id="rId28"/>
   </p:sldIdLst>
   <p:sldSz cx="12192000" cy="6858000"/>
   <p:notesSz cx="6858000" cy="9144000"/>
   <p:custDataLst>
-    <p:tags r:id="rId21"/>
+    <p:tags r:id="rId31"/>
   </p:custDataLst>
   <p:defaultTextStyle>
     <a:defPPr>
@@ -236,7 +246,7 @@
                 <a:latin typeface="微软雅黑" panose="020B0503020204020204" charset="-122"/>
                 <a:ea typeface="微软雅黑" panose="020B0503020204020204" charset="-122"/>
               </a:rPr>
-              <a:t>2020/1/2</a:t>
+              <a:t>2020/1/3</a:t>
             </a:fld>
             <a:endParaRPr lang="zh-CN" altLang="en-US">
               <a:latin typeface="微软雅黑" panose="020B0503020204020204" charset="-122"/>
@@ -414,7 +424,7 @@
           <a:p>
             <a:fld id="{1AC49D05-6128-4D0D-A32A-06A5E73B386C}" type="datetimeFigureOut">
               <a:rPr lang="zh-CN" altLang="en-US" smtClean="0"/>
-              <a:t>2020/1/2</a:t>
+              <a:t>2020/1/3</a:t>
             </a:fld>
             <a:endParaRPr lang="zh-CN" altLang="en-US"/>
           </a:p>
@@ -1253,7 +1263,1297 @@
           <a:p>
             <a:fld id="{4AE1D939-3E60-4063-B05E-56844F97CE60}" type="slidenum">
               <a:rPr lang="zh-CN" altLang="en-US" smtClean="0"/>
-              <a:t>17</a:t>
+              <a:t>4</a:t>
+            </a:fld>
+            <a:endParaRPr lang="zh-CN" altLang="en-US"/>
+          </a:p>
+        </p:txBody>
+      </p:sp>
+    </p:spTree>
+    <p:extLst>
+      <p:ext uri="{BB962C8B-B14F-4D97-AF65-F5344CB8AC3E}">
+        <p14:creationId xmlns:p14="http://schemas.microsoft.com/office/powerpoint/2010/main" val="1463770267"/>
+      </p:ext>
+    </p:extLst>
+  </p:cSld>
+  <p:clrMapOvr>
+    <a:masterClrMapping/>
+  </p:clrMapOvr>
+</p:notes>
+</file>
+
+<file path=ppt/notesSlides/notesSlide4.xml><?xml version="1.0" encoding="utf-8"?>
+<p:notes xmlns:a="http://schemas.openxmlformats.org/drawingml/2006/main" xmlns:r="http://schemas.openxmlformats.org/officeDocument/2006/relationships" xmlns:p="http://schemas.openxmlformats.org/presentationml/2006/main">
+  <p:cSld>
+    <p:spTree>
+      <p:nvGrpSpPr>
+        <p:cNvPr id="1" name=""/>
+        <p:cNvGrpSpPr/>
+        <p:nvPr/>
+      </p:nvGrpSpPr>
+      <p:grpSpPr>
+        <a:xfrm>
+          <a:off x="0" y="0"/>
+          <a:ext cx="0" cy="0"/>
+          <a:chOff x="0" y="0"/>
+          <a:chExt cx="0" cy="0"/>
+        </a:xfrm>
+      </p:grpSpPr>
+      <p:sp>
+        <p:nvSpPr>
+          <p:cNvPr id="2" name="幻灯片图像占位符 1"/>
+          <p:cNvSpPr>
+            <a:spLocks noGrp="1" noRot="1" noChangeAspect="1"/>
+          </p:cNvSpPr>
+          <p:nvPr>
+            <p:ph type="sldImg"/>
+          </p:nvPr>
+        </p:nvSpPr>
+        <p:spPr/>
+      </p:sp>
+      <p:sp>
+        <p:nvSpPr>
+          <p:cNvPr id="3" name="备注占位符 2"/>
+          <p:cNvSpPr>
+            <a:spLocks noGrp="1"/>
+          </p:cNvSpPr>
+          <p:nvPr>
+            <p:ph type="body" idx="1"/>
+          </p:nvPr>
+        </p:nvSpPr>
+        <p:spPr/>
+        <p:txBody>
+          <a:bodyPr/>
+          <a:lstStyle/>
+          <a:p>
+            <a:r>
+              <a:rPr lang="zh-CN" altLang="en-US"/>
+              <a:t>使用方法：</a:t>
+            </a:r>
+            <a:br>
+              <a:rPr lang="zh-CN" altLang="en-US"/>
+            </a:br>
+            <a:r>
+              <a:rPr lang="en-US" altLang="zh-CN"/>
+              <a:t>【</a:t>
+            </a:r>
+            <a:r>
+              <a:rPr lang="zh-CN" altLang="en-US"/>
+              <a:t>更改文字</a:t>
+            </a:r>
+            <a:r>
+              <a:rPr lang="en-US" altLang="zh-CN"/>
+              <a:t>】</a:t>
+            </a:r>
+            <a:r>
+              <a:rPr lang="zh-CN" altLang="en-US"/>
+              <a:t>：将标题框及正文框中的文字可直接改为您所需文字</a:t>
+            </a:r>
+            <a:br>
+              <a:rPr lang="zh-CN" altLang="en-US"/>
+            </a:br>
+            <a:r>
+              <a:rPr lang="en-US" altLang="zh-CN"/>
+              <a:t>【</a:t>
+            </a:r>
+            <a:r>
+              <a:rPr lang="zh-CN" altLang="en-US"/>
+              <a:t>更改图片</a:t>
+            </a:r>
+            <a:r>
+              <a:rPr lang="en-US" altLang="zh-CN"/>
+              <a:t>】</a:t>
+            </a:r>
+            <a:r>
+              <a:rPr lang="zh-CN" altLang="en-US"/>
+              <a:t>：点中图片</a:t>
+            </a:r>
+            <a:r>
+              <a:rPr lang="en-US" altLang="zh-CN"/>
+              <a:t>》</a:t>
+            </a:r>
+            <a:r>
+              <a:rPr lang="zh-CN" altLang="en-US"/>
+              <a:t>绘图工具</a:t>
+            </a:r>
+            <a:r>
+              <a:rPr lang="en-US" altLang="zh-CN"/>
+              <a:t>》</a:t>
+            </a:r>
+            <a:r>
+              <a:rPr lang="zh-CN" altLang="en-US"/>
+              <a:t>格式</a:t>
+            </a:r>
+            <a:r>
+              <a:rPr lang="en-US" altLang="zh-CN"/>
+              <a:t>》</a:t>
+            </a:r>
+            <a:r>
+              <a:rPr lang="zh-CN" altLang="en-US"/>
+              <a:t>填充</a:t>
+            </a:r>
+            <a:r>
+              <a:rPr lang="en-US" altLang="zh-CN"/>
+              <a:t>》</a:t>
+            </a:r>
+            <a:r>
+              <a:rPr lang="zh-CN" altLang="en-US"/>
+              <a:t>图片</a:t>
+            </a:r>
+            <a:r>
+              <a:rPr lang="en-US" altLang="zh-CN"/>
+              <a:t>》</a:t>
+            </a:r>
+            <a:r>
+              <a:rPr lang="zh-CN" altLang="en-US"/>
+              <a:t>选择您需要展示的图片</a:t>
+            </a:r>
+            <a:br>
+              <a:rPr lang="zh-CN" altLang="en-US"/>
+            </a:br>
+            <a:r>
+              <a:rPr lang="en-US" altLang="zh-CN"/>
+              <a:t>【</a:t>
+            </a:r>
+            <a:r>
+              <a:rPr lang="zh-CN" altLang="en-US"/>
+              <a:t>增加减少图片</a:t>
+            </a:r>
+            <a:r>
+              <a:rPr lang="en-US" altLang="zh-CN"/>
+              <a:t>】</a:t>
+            </a:r>
+            <a:r>
+              <a:rPr lang="zh-CN" altLang="en-US"/>
+              <a:t>：直接复制粘贴图片来增加图片数，复制后更改方法见</a:t>
+            </a:r>
+            <a:r>
+              <a:rPr lang="en-US" altLang="zh-CN"/>
+              <a:t>【</a:t>
+            </a:r>
+            <a:r>
+              <a:rPr lang="zh-CN" altLang="en-US"/>
+              <a:t>更改图片</a:t>
+            </a:r>
+            <a:r>
+              <a:rPr lang="en-US" altLang="zh-CN"/>
+              <a:t>】</a:t>
+            </a:r>
+            <a:br>
+              <a:rPr lang="en-US" altLang="zh-CN"/>
+            </a:br>
+            <a:r>
+              <a:rPr lang="en-US" altLang="zh-CN"/>
+              <a:t>【</a:t>
+            </a:r>
+            <a:r>
+              <a:rPr lang="zh-CN" altLang="en-US"/>
+              <a:t>更改图片色彩</a:t>
+            </a:r>
+            <a:r>
+              <a:rPr lang="en-US" altLang="zh-CN"/>
+              <a:t>】</a:t>
+            </a:r>
+            <a:r>
+              <a:rPr lang="zh-CN" altLang="en-US"/>
+              <a:t>：点中图片</a:t>
+            </a:r>
+            <a:r>
+              <a:rPr lang="en-US" altLang="zh-CN"/>
+              <a:t>》</a:t>
+            </a:r>
+            <a:r>
+              <a:rPr lang="zh-CN" altLang="en-US"/>
+              <a:t>图片工具</a:t>
+            </a:r>
+            <a:r>
+              <a:rPr lang="en-US" altLang="zh-CN"/>
+              <a:t>》</a:t>
+            </a:r>
+            <a:r>
+              <a:rPr lang="zh-CN" altLang="en-US"/>
+              <a:t>格式</a:t>
+            </a:r>
+            <a:r>
+              <a:rPr lang="en-US" altLang="zh-CN"/>
+              <a:t>》</a:t>
+            </a:r>
+            <a:r>
+              <a:rPr lang="zh-CN" altLang="en-US"/>
+              <a:t>色彩（重新着色）</a:t>
+            </a:r>
+            <a:r>
+              <a:rPr lang="en-US" altLang="zh-CN"/>
+              <a:t>》</a:t>
+            </a:r>
+            <a:r>
+              <a:rPr lang="zh-CN" altLang="en-US"/>
+              <a:t>选择您喜欢的色彩</a:t>
+            </a:r>
+            <a:br>
+              <a:rPr lang="zh-CN" altLang="en-US"/>
+            </a:br>
+            <a:r>
+              <a:rPr lang="zh-CN" altLang="en-US"/>
+              <a:t>下载更多模板、视频教程：</a:t>
+            </a:r>
+            <a:r>
+              <a:rPr lang="en-US"/>
+              <a:t>http://www.mysoeasy.com</a:t>
+            </a:r>
+          </a:p>
+        </p:txBody>
+      </p:sp>
+      <p:sp>
+        <p:nvSpPr>
+          <p:cNvPr id="4" name="灯片编号占位符 3"/>
+          <p:cNvSpPr>
+            <a:spLocks noGrp="1"/>
+          </p:cNvSpPr>
+          <p:nvPr>
+            <p:ph type="sldNum" sz="quarter" idx="10"/>
+          </p:nvPr>
+        </p:nvSpPr>
+        <p:spPr/>
+        <p:txBody>
+          <a:bodyPr/>
+          <a:lstStyle/>
+          <a:p>
+            <a:fld id="{4AE1D939-3E60-4063-B05E-56844F97CE60}" type="slidenum">
+              <a:rPr lang="zh-CN" altLang="en-US" smtClean="0"/>
+              <a:t>10</a:t>
+            </a:fld>
+            <a:endParaRPr lang="zh-CN" altLang="en-US"/>
+          </a:p>
+        </p:txBody>
+      </p:sp>
+    </p:spTree>
+    <p:extLst>
+      <p:ext uri="{BB962C8B-B14F-4D97-AF65-F5344CB8AC3E}">
+        <p14:creationId xmlns:p14="http://schemas.microsoft.com/office/powerpoint/2010/main" val="1397253810"/>
+      </p:ext>
+    </p:extLst>
+  </p:cSld>
+  <p:clrMapOvr>
+    <a:masterClrMapping/>
+  </p:clrMapOvr>
+</p:notes>
+</file>
+
+<file path=ppt/notesSlides/notesSlide5.xml><?xml version="1.0" encoding="utf-8"?>
+<p:notes xmlns:a="http://schemas.openxmlformats.org/drawingml/2006/main" xmlns:r="http://schemas.openxmlformats.org/officeDocument/2006/relationships" xmlns:p="http://schemas.openxmlformats.org/presentationml/2006/main">
+  <p:cSld>
+    <p:spTree>
+      <p:nvGrpSpPr>
+        <p:cNvPr id="1" name=""/>
+        <p:cNvGrpSpPr/>
+        <p:nvPr/>
+      </p:nvGrpSpPr>
+      <p:grpSpPr>
+        <a:xfrm>
+          <a:off x="0" y="0"/>
+          <a:ext cx="0" cy="0"/>
+          <a:chOff x="0" y="0"/>
+          <a:chExt cx="0" cy="0"/>
+        </a:xfrm>
+      </p:grpSpPr>
+      <p:sp>
+        <p:nvSpPr>
+          <p:cNvPr id="2" name="幻灯片图像占位符 1"/>
+          <p:cNvSpPr>
+            <a:spLocks noGrp="1" noRot="1" noChangeAspect="1"/>
+          </p:cNvSpPr>
+          <p:nvPr>
+            <p:ph type="sldImg"/>
+          </p:nvPr>
+        </p:nvSpPr>
+        <p:spPr/>
+      </p:sp>
+      <p:sp>
+        <p:nvSpPr>
+          <p:cNvPr id="3" name="备注占位符 2"/>
+          <p:cNvSpPr>
+            <a:spLocks noGrp="1"/>
+          </p:cNvSpPr>
+          <p:nvPr>
+            <p:ph type="body" idx="1"/>
+          </p:nvPr>
+        </p:nvSpPr>
+        <p:spPr/>
+        <p:txBody>
+          <a:bodyPr/>
+          <a:lstStyle/>
+          <a:p>
+            <a:r>
+              <a:rPr lang="zh-CN" altLang="en-US"/>
+              <a:t>使用方法：</a:t>
+            </a:r>
+            <a:br>
+              <a:rPr lang="zh-CN" altLang="en-US"/>
+            </a:br>
+            <a:r>
+              <a:rPr lang="en-US" altLang="zh-CN"/>
+              <a:t>【</a:t>
+            </a:r>
+            <a:r>
+              <a:rPr lang="zh-CN" altLang="en-US"/>
+              <a:t>更改文字</a:t>
+            </a:r>
+            <a:r>
+              <a:rPr lang="en-US" altLang="zh-CN"/>
+              <a:t>】</a:t>
+            </a:r>
+            <a:r>
+              <a:rPr lang="zh-CN" altLang="en-US"/>
+              <a:t>：将标题框及正文框中的文字可直接改为您所需文字</a:t>
+            </a:r>
+            <a:br>
+              <a:rPr lang="zh-CN" altLang="en-US"/>
+            </a:br>
+            <a:r>
+              <a:rPr lang="en-US" altLang="zh-CN"/>
+              <a:t>【</a:t>
+            </a:r>
+            <a:r>
+              <a:rPr lang="zh-CN" altLang="en-US"/>
+              <a:t>更改图片</a:t>
+            </a:r>
+            <a:r>
+              <a:rPr lang="en-US" altLang="zh-CN"/>
+              <a:t>】</a:t>
+            </a:r>
+            <a:r>
+              <a:rPr lang="zh-CN" altLang="en-US"/>
+              <a:t>：点中图片</a:t>
+            </a:r>
+            <a:r>
+              <a:rPr lang="en-US" altLang="zh-CN"/>
+              <a:t>》</a:t>
+            </a:r>
+            <a:r>
+              <a:rPr lang="zh-CN" altLang="en-US"/>
+              <a:t>绘图工具</a:t>
+            </a:r>
+            <a:r>
+              <a:rPr lang="en-US" altLang="zh-CN"/>
+              <a:t>》</a:t>
+            </a:r>
+            <a:r>
+              <a:rPr lang="zh-CN" altLang="en-US"/>
+              <a:t>格式</a:t>
+            </a:r>
+            <a:r>
+              <a:rPr lang="en-US" altLang="zh-CN"/>
+              <a:t>》</a:t>
+            </a:r>
+            <a:r>
+              <a:rPr lang="zh-CN" altLang="en-US"/>
+              <a:t>填充</a:t>
+            </a:r>
+            <a:r>
+              <a:rPr lang="en-US" altLang="zh-CN"/>
+              <a:t>》</a:t>
+            </a:r>
+            <a:r>
+              <a:rPr lang="zh-CN" altLang="en-US"/>
+              <a:t>图片</a:t>
+            </a:r>
+            <a:r>
+              <a:rPr lang="en-US" altLang="zh-CN"/>
+              <a:t>》</a:t>
+            </a:r>
+            <a:r>
+              <a:rPr lang="zh-CN" altLang="en-US"/>
+              <a:t>选择您需要展示的图片</a:t>
+            </a:r>
+            <a:br>
+              <a:rPr lang="zh-CN" altLang="en-US"/>
+            </a:br>
+            <a:r>
+              <a:rPr lang="en-US" altLang="zh-CN"/>
+              <a:t>【</a:t>
+            </a:r>
+            <a:r>
+              <a:rPr lang="zh-CN" altLang="en-US"/>
+              <a:t>增加减少图片</a:t>
+            </a:r>
+            <a:r>
+              <a:rPr lang="en-US" altLang="zh-CN"/>
+              <a:t>】</a:t>
+            </a:r>
+            <a:r>
+              <a:rPr lang="zh-CN" altLang="en-US"/>
+              <a:t>：直接复制粘贴图片来增加图片数，复制后更改方法见</a:t>
+            </a:r>
+            <a:r>
+              <a:rPr lang="en-US" altLang="zh-CN"/>
+              <a:t>【</a:t>
+            </a:r>
+            <a:r>
+              <a:rPr lang="zh-CN" altLang="en-US"/>
+              <a:t>更改图片</a:t>
+            </a:r>
+            <a:r>
+              <a:rPr lang="en-US" altLang="zh-CN"/>
+              <a:t>】</a:t>
+            </a:r>
+            <a:br>
+              <a:rPr lang="en-US" altLang="zh-CN"/>
+            </a:br>
+            <a:r>
+              <a:rPr lang="en-US" altLang="zh-CN"/>
+              <a:t>【</a:t>
+            </a:r>
+            <a:r>
+              <a:rPr lang="zh-CN" altLang="en-US"/>
+              <a:t>更改图片色彩</a:t>
+            </a:r>
+            <a:r>
+              <a:rPr lang="en-US" altLang="zh-CN"/>
+              <a:t>】</a:t>
+            </a:r>
+            <a:r>
+              <a:rPr lang="zh-CN" altLang="en-US"/>
+              <a:t>：点中图片</a:t>
+            </a:r>
+            <a:r>
+              <a:rPr lang="en-US" altLang="zh-CN"/>
+              <a:t>》</a:t>
+            </a:r>
+            <a:r>
+              <a:rPr lang="zh-CN" altLang="en-US"/>
+              <a:t>图片工具</a:t>
+            </a:r>
+            <a:r>
+              <a:rPr lang="en-US" altLang="zh-CN"/>
+              <a:t>》</a:t>
+            </a:r>
+            <a:r>
+              <a:rPr lang="zh-CN" altLang="en-US"/>
+              <a:t>格式</a:t>
+            </a:r>
+            <a:r>
+              <a:rPr lang="en-US" altLang="zh-CN"/>
+              <a:t>》</a:t>
+            </a:r>
+            <a:r>
+              <a:rPr lang="zh-CN" altLang="en-US"/>
+              <a:t>色彩（重新着色）</a:t>
+            </a:r>
+            <a:r>
+              <a:rPr lang="en-US" altLang="zh-CN"/>
+              <a:t>》</a:t>
+            </a:r>
+            <a:r>
+              <a:rPr lang="zh-CN" altLang="en-US"/>
+              <a:t>选择您喜欢的色彩</a:t>
+            </a:r>
+            <a:br>
+              <a:rPr lang="zh-CN" altLang="en-US"/>
+            </a:br>
+            <a:r>
+              <a:rPr lang="zh-CN" altLang="en-US"/>
+              <a:t>下载更多模板、视频教程：</a:t>
+            </a:r>
+            <a:r>
+              <a:rPr lang="en-US"/>
+              <a:t>http://www.mysoeasy.com</a:t>
+            </a:r>
+          </a:p>
+        </p:txBody>
+      </p:sp>
+      <p:sp>
+        <p:nvSpPr>
+          <p:cNvPr id="4" name="灯片编号占位符 3"/>
+          <p:cNvSpPr>
+            <a:spLocks noGrp="1"/>
+          </p:cNvSpPr>
+          <p:nvPr>
+            <p:ph type="sldNum" sz="quarter" idx="10"/>
+          </p:nvPr>
+        </p:nvSpPr>
+        <p:spPr/>
+        <p:txBody>
+          <a:bodyPr/>
+          <a:lstStyle/>
+          <a:p>
+            <a:fld id="{4AE1D939-3E60-4063-B05E-56844F97CE60}" type="slidenum">
+              <a:rPr lang="zh-CN" altLang="en-US" smtClean="0"/>
+              <a:t>20</a:t>
+            </a:fld>
+            <a:endParaRPr lang="zh-CN" altLang="en-US"/>
+          </a:p>
+        </p:txBody>
+      </p:sp>
+    </p:spTree>
+    <p:extLst>
+      <p:ext uri="{BB962C8B-B14F-4D97-AF65-F5344CB8AC3E}">
+        <p14:creationId xmlns:p14="http://schemas.microsoft.com/office/powerpoint/2010/main" val="1942257320"/>
+      </p:ext>
+    </p:extLst>
+  </p:cSld>
+  <p:clrMapOvr>
+    <a:masterClrMapping/>
+  </p:clrMapOvr>
+</p:notes>
+</file>
+
+<file path=ppt/notesSlides/notesSlide6.xml><?xml version="1.0" encoding="utf-8"?>
+<p:notes xmlns:a="http://schemas.openxmlformats.org/drawingml/2006/main" xmlns:r="http://schemas.openxmlformats.org/officeDocument/2006/relationships" xmlns:p="http://schemas.openxmlformats.org/presentationml/2006/main">
+  <p:cSld>
+    <p:spTree>
+      <p:nvGrpSpPr>
+        <p:cNvPr id="1" name=""/>
+        <p:cNvGrpSpPr/>
+        <p:nvPr/>
+      </p:nvGrpSpPr>
+      <p:grpSpPr>
+        <a:xfrm>
+          <a:off x="0" y="0"/>
+          <a:ext cx="0" cy="0"/>
+          <a:chOff x="0" y="0"/>
+          <a:chExt cx="0" cy="0"/>
+        </a:xfrm>
+      </p:grpSpPr>
+      <p:sp>
+        <p:nvSpPr>
+          <p:cNvPr id="2" name="幻灯片图像占位符 1"/>
+          <p:cNvSpPr>
+            <a:spLocks noGrp="1" noRot="1" noChangeAspect="1"/>
+          </p:cNvSpPr>
+          <p:nvPr>
+            <p:ph type="sldImg"/>
+          </p:nvPr>
+        </p:nvSpPr>
+        <p:spPr/>
+      </p:sp>
+      <p:sp>
+        <p:nvSpPr>
+          <p:cNvPr id="3" name="备注占位符 2"/>
+          <p:cNvSpPr>
+            <a:spLocks noGrp="1"/>
+          </p:cNvSpPr>
+          <p:nvPr>
+            <p:ph type="body" idx="1"/>
+          </p:nvPr>
+        </p:nvSpPr>
+        <p:spPr/>
+        <p:txBody>
+          <a:bodyPr/>
+          <a:lstStyle/>
+          <a:p>
+            <a:r>
+              <a:rPr lang="zh-CN" altLang="en-US"/>
+              <a:t>使用方法：</a:t>
+            </a:r>
+            <a:br>
+              <a:rPr lang="zh-CN" altLang="en-US"/>
+            </a:br>
+            <a:r>
+              <a:rPr lang="en-US" altLang="zh-CN"/>
+              <a:t>【</a:t>
+            </a:r>
+            <a:r>
+              <a:rPr lang="zh-CN" altLang="en-US"/>
+              <a:t>更改文字</a:t>
+            </a:r>
+            <a:r>
+              <a:rPr lang="en-US" altLang="zh-CN"/>
+              <a:t>】</a:t>
+            </a:r>
+            <a:r>
+              <a:rPr lang="zh-CN" altLang="en-US"/>
+              <a:t>：将标题框及正文框中的文字可直接改为您所需文字</a:t>
+            </a:r>
+            <a:br>
+              <a:rPr lang="zh-CN" altLang="en-US"/>
+            </a:br>
+            <a:r>
+              <a:rPr lang="en-US" altLang="zh-CN"/>
+              <a:t>【</a:t>
+            </a:r>
+            <a:r>
+              <a:rPr lang="zh-CN" altLang="en-US"/>
+              <a:t>更改图片</a:t>
+            </a:r>
+            <a:r>
+              <a:rPr lang="en-US" altLang="zh-CN"/>
+              <a:t>】</a:t>
+            </a:r>
+            <a:r>
+              <a:rPr lang="zh-CN" altLang="en-US"/>
+              <a:t>：点中图片</a:t>
+            </a:r>
+            <a:r>
+              <a:rPr lang="en-US" altLang="zh-CN"/>
+              <a:t>》</a:t>
+            </a:r>
+            <a:r>
+              <a:rPr lang="zh-CN" altLang="en-US"/>
+              <a:t>绘图工具</a:t>
+            </a:r>
+            <a:r>
+              <a:rPr lang="en-US" altLang="zh-CN"/>
+              <a:t>》</a:t>
+            </a:r>
+            <a:r>
+              <a:rPr lang="zh-CN" altLang="en-US"/>
+              <a:t>格式</a:t>
+            </a:r>
+            <a:r>
+              <a:rPr lang="en-US" altLang="zh-CN"/>
+              <a:t>》</a:t>
+            </a:r>
+            <a:r>
+              <a:rPr lang="zh-CN" altLang="en-US"/>
+              <a:t>填充</a:t>
+            </a:r>
+            <a:r>
+              <a:rPr lang="en-US" altLang="zh-CN"/>
+              <a:t>》</a:t>
+            </a:r>
+            <a:r>
+              <a:rPr lang="zh-CN" altLang="en-US"/>
+              <a:t>图片</a:t>
+            </a:r>
+            <a:r>
+              <a:rPr lang="en-US" altLang="zh-CN"/>
+              <a:t>》</a:t>
+            </a:r>
+            <a:r>
+              <a:rPr lang="zh-CN" altLang="en-US"/>
+              <a:t>选择您需要展示的图片</a:t>
+            </a:r>
+            <a:br>
+              <a:rPr lang="zh-CN" altLang="en-US"/>
+            </a:br>
+            <a:r>
+              <a:rPr lang="en-US" altLang="zh-CN"/>
+              <a:t>【</a:t>
+            </a:r>
+            <a:r>
+              <a:rPr lang="zh-CN" altLang="en-US"/>
+              <a:t>增加减少图片</a:t>
+            </a:r>
+            <a:r>
+              <a:rPr lang="en-US" altLang="zh-CN"/>
+              <a:t>】</a:t>
+            </a:r>
+            <a:r>
+              <a:rPr lang="zh-CN" altLang="en-US"/>
+              <a:t>：直接复制粘贴图片来增加图片数，复制后更改方法见</a:t>
+            </a:r>
+            <a:r>
+              <a:rPr lang="en-US" altLang="zh-CN"/>
+              <a:t>【</a:t>
+            </a:r>
+            <a:r>
+              <a:rPr lang="zh-CN" altLang="en-US"/>
+              <a:t>更改图片</a:t>
+            </a:r>
+            <a:r>
+              <a:rPr lang="en-US" altLang="zh-CN"/>
+              <a:t>】</a:t>
+            </a:r>
+            <a:br>
+              <a:rPr lang="en-US" altLang="zh-CN"/>
+            </a:br>
+            <a:r>
+              <a:rPr lang="en-US" altLang="zh-CN"/>
+              <a:t>【</a:t>
+            </a:r>
+            <a:r>
+              <a:rPr lang="zh-CN" altLang="en-US"/>
+              <a:t>更改图片色彩</a:t>
+            </a:r>
+            <a:r>
+              <a:rPr lang="en-US" altLang="zh-CN"/>
+              <a:t>】</a:t>
+            </a:r>
+            <a:r>
+              <a:rPr lang="zh-CN" altLang="en-US"/>
+              <a:t>：点中图片</a:t>
+            </a:r>
+            <a:r>
+              <a:rPr lang="en-US" altLang="zh-CN"/>
+              <a:t>》</a:t>
+            </a:r>
+            <a:r>
+              <a:rPr lang="zh-CN" altLang="en-US"/>
+              <a:t>图片工具</a:t>
+            </a:r>
+            <a:r>
+              <a:rPr lang="en-US" altLang="zh-CN"/>
+              <a:t>》</a:t>
+            </a:r>
+            <a:r>
+              <a:rPr lang="zh-CN" altLang="en-US"/>
+              <a:t>格式</a:t>
+            </a:r>
+            <a:r>
+              <a:rPr lang="en-US" altLang="zh-CN"/>
+              <a:t>》</a:t>
+            </a:r>
+            <a:r>
+              <a:rPr lang="zh-CN" altLang="en-US"/>
+              <a:t>色彩（重新着色）</a:t>
+            </a:r>
+            <a:r>
+              <a:rPr lang="en-US" altLang="zh-CN"/>
+              <a:t>》</a:t>
+            </a:r>
+            <a:r>
+              <a:rPr lang="zh-CN" altLang="en-US"/>
+              <a:t>选择您喜欢的色彩</a:t>
+            </a:r>
+            <a:br>
+              <a:rPr lang="zh-CN" altLang="en-US"/>
+            </a:br>
+            <a:r>
+              <a:rPr lang="zh-CN" altLang="en-US"/>
+              <a:t>下载更多模板、视频教程：</a:t>
+            </a:r>
+            <a:r>
+              <a:rPr lang="en-US"/>
+              <a:t>http://www.mysoeasy.com</a:t>
+            </a:r>
+          </a:p>
+        </p:txBody>
+      </p:sp>
+      <p:sp>
+        <p:nvSpPr>
+          <p:cNvPr id="4" name="灯片编号占位符 3"/>
+          <p:cNvSpPr>
+            <a:spLocks noGrp="1"/>
+          </p:cNvSpPr>
+          <p:nvPr>
+            <p:ph type="sldNum" sz="quarter" idx="10"/>
+          </p:nvPr>
+        </p:nvSpPr>
+        <p:spPr/>
+        <p:txBody>
+          <a:bodyPr/>
+          <a:lstStyle/>
+          <a:p>
+            <a:fld id="{4AE1D939-3E60-4063-B05E-56844F97CE60}" type="slidenum">
+              <a:rPr lang="zh-CN" altLang="en-US" smtClean="0"/>
+              <a:t>25</a:t>
+            </a:fld>
+            <a:endParaRPr lang="zh-CN" altLang="en-US"/>
+          </a:p>
+        </p:txBody>
+      </p:sp>
+    </p:spTree>
+    <p:extLst>
+      <p:ext uri="{BB962C8B-B14F-4D97-AF65-F5344CB8AC3E}">
+        <p14:creationId xmlns:p14="http://schemas.microsoft.com/office/powerpoint/2010/main" val="308154095"/>
+      </p:ext>
+    </p:extLst>
+  </p:cSld>
+  <p:clrMapOvr>
+    <a:masterClrMapping/>
+  </p:clrMapOvr>
+</p:notes>
+</file>
+
+<file path=ppt/notesSlides/notesSlide7.xml><?xml version="1.0" encoding="utf-8"?>
+<p:notes xmlns:a="http://schemas.openxmlformats.org/drawingml/2006/main" xmlns:r="http://schemas.openxmlformats.org/officeDocument/2006/relationships" xmlns:p="http://schemas.openxmlformats.org/presentationml/2006/main">
+  <p:cSld>
+    <p:spTree>
+      <p:nvGrpSpPr>
+        <p:cNvPr id="1" name=""/>
+        <p:cNvGrpSpPr/>
+        <p:nvPr/>
+      </p:nvGrpSpPr>
+      <p:grpSpPr>
+        <a:xfrm>
+          <a:off x="0" y="0"/>
+          <a:ext cx="0" cy="0"/>
+          <a:chOff x="0" y="0"/>
+          <a:chExt cx="0" cy="0"/>
+        </a:xfrm>
+      </p:grpSpPr>
+      <p:sp>
+        <p:nvSpPr>
+          <p:cNvPr id="2" name="幻灯片图像占位符 1"/>
+          <p:cNvSpPr>
+            <a:spLocks noGrp="1" noRot="1" noChangeAspect="1"/>
+          </p:cNvSpPr>
+          <p:nvPr>
+            <p:ph type="sldImg"/>
+          </p:nvPr>
+        </p:nvSpPr>
+        <p:spPr/>
+      </p:sp>
+      <p:sp>
+        <p:nvSpPr>
+          <p:cNvPr id="3" name="备注占位符 2"/>
+          <p:cNvSpPr>
+            <a:spLocks noGrp="1"/>
+          </p:cNvSpPr>
+          <p:nvPr>
+            <p:ph type="body" idx="1"/>
+          </p:nvPr>
+        </p:nvSpPr>
+        <p:spPr/>
+        <p:txBody>
+          <a:bodyPr/>
+          <a:lstStyle/>
+          <a:p>
+            <a:r>
+              <a:rPr lang="zh-CN" altLang="en-US"/>
+              <a:t>使用方法：</a:t>
+            </a:r>
+            <a:br>
+              <a:rPr lang="zh-CN" altLang="en-US"/>
+            </a:br>
+            <a:r>
+              <a:rPr lang="en-US" altLang="zh-CN"/>
+              <a:t>【</a:t>
+            </a:r>
+            <a:r>
+              <a:rPr lang="zh-CN" altLang="en-US"/>
+              <a:t>更改文字</a:t>
+            </a:r>
+            <a:r>
+              <a:rPr lang="en-US" altLang="zh-CN"/>
+              <a:t>】</a:t>
+            </a:r>
+            <a:r>
+              <a:rPr lang="zh-CN" altLang="en-US"/>
+              <a:t>：将标题框及正文框中的文字可直接改为您所需文字</a:t>
+            </a:r>
+            <a:br>
+              <a:rPr lang="zh-CN" altLang="en-US"/>
+            </a:br>
+            <a:r>
+              <a:rPr lang="en-US" altLang="zh-CN"/>
+              <a:t>【</a:t>
+            </a:r>
+            <a:r>
+              <a:rPr lang="zh-CN" altLang="en-US"/>
+              <a:t>更改图片</a:t>
+            </a:r>
+            <a:r>
+              <a:rPr lang="en-US" altLang="zh-CN"/>
+              <a:t>】</a:t>
+            </a:r>
+            <a:r>
+              <a:rPr lang="zh-CN" altLang="en-US"/>
+              <a:t>：点中图片</a:t>
+            </a:r>
+            <a:r>
+              <a:rPr lang="en-US" altLang="zh-CN"/>
+              <a:t>》</a:t>
+            </a:r>
+            <a:r>
+              <a:rPr lang="zh-CN" altLang="en-US"/>
+              <a:t>绘图工具</a:t>
+            </a:r>
+            <a:r>
+              <a:rPr lang="en-US" altLang="zh-CN"/>
+              <a:t>》</a:t>
+            </a:r>
+            <a:r>
+              <a:rPr lang="zh-CN" altLang="en-US"/>
+              <a:t>格式</a:t>
+            </a:r>
+            <a:r>
+              <a:rPr lang="en-US" altLang="zh-CN"/>
+              <a:t>》</a:t>
+            </a:r>
+            <a:r>
+              <a:rPr lang="zh-CN" altLang="en-US"/>
+              <a:t>填充</a:t>
+            </a:r>
+            <a:r>
+              <a:rPr lang="en-US" altLang="zh-CN"/>
+              <a:t>》</a:t>
+            </a:r>
+            <a:r>
+              <a:rPr lang="zh-CN" altLang="en-US"/>
+              <a:t>图片</a:t>
+            </a:r>
+            <a:r>
+              <a:rPr lang="en-US" altLang="zh-CN"/>
+              <a:t>》</a:t>
+            </a:r>
+            <a:r>
+              <a:rPr lang="zh-CN" altLang="en-US"/>
+              <a:t>选择您需要展示的图片</a:t>
+            </a:r>
+            <a:br>
+              <a:rPr lang="zh-CN" altLang="en-US"/>
+            </a:br>
+            <a:r>
+              <a:rPr lang="en-US" altLang="zh-CN"/>
+              <a:t>【</a:t>
+            </a:r>
+            <a:r>
+              <a:rPr lang="zh-CN" altLang="en-US"/>
+              <a:t>增加减少图片</a:t>
+            </a:r>
+            <a:r>
+              <a:rPr lang="en-US" altLang="zh-CN"/>
+              <a:t>】</a:t>
+            </a:r>
+            <a:r>
+              <a:rPr lang="zh-CN" altLang="en-US"/>
+              <a:t>：直接复制粘贴图片来增加图片数，复制后更改方法见</a:t>
+            </a:r>
+            <a:r>
+              <a:rPr lang="en-US" altLang="zh-CN"/>
+              <a:t>【</a:t>
+            </a:r>
+            <a:r>
+              <a:rPr lang="zh-CN" altLang="en-US"/>
+              <a:t>更改图片</a:t>
+            </a:r>
+            <a:r>
+              <a:rPr lang="en-US" altLang="zh-CN"/>
+              <a:t>】</a:t>
+            </a:r>
+            <a:br>
+              <a:rPr lang="en-US" altLang="zh-CN"/>
+            </a:br>
+            <a:r>
+              <a:rPr lang="en-US" altLang="zh-CN"/>
+              <a:t>【</a:t>
+            </a:r>
+            <a:r>
+              <a:rPr lang="zh-CN" altLang="en-US"/>
+              <a:t>更改图片色彩</a:t>
+            </a:r>
+            <a:r>
+              <a:rPr lang="en-US" altLang="zh-CN"/>
+              <a:t>】</a:t>
+            </a:r>
+            <a:r>
+              <a:rPr lang="zh-CN" altLang="en-US"/>
+              <a:t>：点中图片</a:t>
+            </a:r>
+            <a:r>
+              <a:rPr lang="en-US" altLang="zh-CN"/>
+              <a:t>》</a:t>
+            </a:r>
+            <a:r>
+              <a:rPr lang="zh-CN" altLang="en-US"/>
+              <a:t>图片工具</a:t>
+            </a:r>
+            <a:r>
+              <a:rPr lang="en-US" altLang="zh-CN"/>
+              <a:t>》</a:t>
+            </a:r>
+            <a:r>
+              <a:rPr lang="zh-CN" altLang="en-US"/>
+              <a:t>格式</a:t>
+            </a:r>
+            <a:r>
+              <a:rPr lang="en-US" altLang="zh-CN"/>
+              <a:t>》</a:t>
+            </a:r>
+            <a:r>
+              <a:rPr lang="zh-CN" altLang="en-US"/>
+              <a:t>色彩（重新着色）</a:t>
+            </a:r>
+            <a:r>
+              <a:rPr lang="en-US" altLang="zh-CN"/>
+              <a:t>》</a:t>
+            </a:r>
+            <a:r>
+              <a:rPr lang="zh-CN" altLang="en-US"/>
+              <a:t>选择您喜欢的色彩</a:t>
+            </a:r>
+            <a:br>
+              <a:rPr lang="zh-CN" altLang="en-US"/>
+            </a:br>
+            <a:r>
+              <a:rPr lang="zh-CN" altLang="en-US"/>
+              <a:t>下载更多模板、视频教程：</a:t>
+            </a:r>
+            <a:r>
+              <a:rPr lang="en-US"/>
+              <a:t>http://www.mysoeasy.com</a:t>
+            </a:r>
+          </a:p>
+        </p:txBody>
+      </p:sp>
+      <p:sp>
+        <p:nvSpPr>
+          <p:cNvPr id="4" name="灯片编号占位符 3"/>
+          <p:cNvSpPr>
+            <a:spLocks noGrp="1"/>
+          </p:cNvSpPr>
+          <p:nvPr>
+            <p:ph type="sldNum" sz="quarter" idx="10"/>
+          </p:nvPr>
+        </p:nvSpPr>
+        <p:spPr/>
+        <p:txBody>
+          <a:bodyPr/>
+          <a:lstStyle/>
+          <a:p>
+            <a:fld id="{4AE1D939-3E60-4063-B05E-56844F97CE60}" type="slidenum">
+              <a:rPr lang="zh-CN" altLang="en-US" smtClean="0"/>
+              <a:t>26</a:t>
+            </a:fld>
+            <a:endParaRPr lang="zh-CN" altLang="en-US"/>
+          </a:p>
+        </p:txBody>
+      </p:sp>
+    </p:spTree>
+    <p:extLst>
+      <p:ext uri="{BB962C8B-B14F-4D97-AF65-F5344CB8AC3E}">
+        <p14:creationId xmlns:p14="http://schemas.microsoft.com/office/powerpoint/2010/main" val="19311030"/>
+      </p:ext>
+    </p:extLst>
+  </p:cSld>
+  <p:clrMapOvr>
+    <a:masterClrMapping/>
+  </p:clrMapOvr>
+</p:notes>
+</file>
+
+<file path=ppt/notesSlides/notesSlide8.xml><?xml version="1.0" encoding="utf-8"?>
+<p:notes xmlns:a="http://schemas.openxmlformats.org/drawingml/2006/main" xmlns:r="http://schemas.openxmlformats.org/officeDocument/2006/relationships" xmlns:p="http://schemas.openxmlformats.org/presentationml/2006/main">
+  <p:cSld>
+    <p:spTree>
+      <p:nvGrpSpPr>
+        <p:cNvPr id="1" name=""/>
+        <p:cNvGrpSpPr/>
+        <p:nvPr/>
+      </p:nvGrpSpPr>
+      <p:grpSpPr>
+        <a:xfrm>
+          <a:off x="0" y="0"/>
+          <a:ext cx="0" cy="0"/>
+          <a:chOff x="0" y="0"/>
+          <a:chExt cx="0" cy="0"/>
+        </a:xfrm>
+      </p:grpSpPr>
+      <p:sp>
+        <p:nvSpPr>
+          <p:cNvPr id="2" name="幻灯片图像占位符 1"/>
+          <p:cNvSpPr>
+            <a:spLocks noGrp="1" noRot="1" noChangeAspect="1"/>
+          </p:cNvSpPr>
+          <p:nvPr>
+            <p:ph type="sldImg"/>
+          </p:nvPr>
+        </p:nvSpPr>
+        <p:spPr/>
+      </p:sp>
+      <p:sp>
+        <p:nvSpPr>
+          <p:cNvPr id="3" name="备注占位符 2"/>
+          <p:cNvSpPr>
+            <a:spLocks noGrp="1"/>
+          </p:cNvSpPr>
+          <p:nvPr>
+            <p:ph type="body" idx="1"/>
+          </p:nvPr>
+        </p:nvSpPr>
+        <p:spPr/>
+        <p:txBody>
+          <a:bodyPr/>
+          <a:lstStyle/>
+          <a:p>
+            <a:r>
+              <a:rPr lang="zh-CN" altLang="en-US"/>
+              <a:t>使用方法：</a:t>
+            </a:r>
+            <a:br>
+              <a:rPr lang="zh-CN" altLang="en-US"/>
+            </a:br>
+            <a:r>
+              <a:rPr lang="en-US" altLang="zh-CN"/>
+              <a:t>【</a:t>
+            </a:r>
+            <a:r>
+              <a:rPr lang="zh-CN" altLang="en-US"/>
+              <a:t>更改文字</a:t>
+            </a:r>
+            <a:r>
+              <a:rPr lang="en-US" altLang="zh-CN"/>
+              <a:t>】</a:t>
+            </a:r>
+            <a:r>
+              <a:rPr lang="zh-CN" altLang="en-US"/>
+              <a:t>：将标题框及正文框中的文字可直接改为您所需文字</a:t>
+            </a:r>
+            <a:br>
+              <a:rPr lang="zh-CN" altLang="en-US"/>
+            </a:br>
+            <a:r>
+              <a:rPr lang="en-US" altLang="zh-CN"/>
+              <a:t>【</a:t>
+            </a:r>
+            <a:r>
+              <a:rPr lang="zh-CN" altLang="en-US"/>
+              <a:t>更改图片</a:t>
+            </a:r>
+            <a:r>
+              <a:rPr lang="en-US" altLang="zh-CN"/>
+              <a:t>】</a:t>
+            </a:r>
+            <a:r>
+              <a:rPr lang="zh-CN" altLang="en-US"/>
+              <a:t>：点中图片</a:t>
+            </a:r>
+            <a:r>
+              <a:rPr lang="en-US" altLang="zh-CN"/>
+              <a:t>》</a:t>
+            </a:r>
+            <a:r>
+              <a:rPr lang="zh-CN" altLang="en-US"/>
+              <a:t>绘图工具</a:t>
+            </a:r>
+            <a:r>
+              <a:rPr lang="en-US" altLang="zh-CN"/>
+              <a:t>》</a:t>
+            </a:r>
+            <a:r>
+              <a:rPr lang="zh-CN" altLang="en-US"/>
+              <a:t>格式</a:t>
+            </a:r>
+            <a:r>
+              <a:rPr lang="en-US" altLang="zh-CN"/>
+              <a:t>》</a:t>
+            </a:r>
+            <a:r>
+              <a:rPr lang="zh-CN" altLang="en-US"/>
+              <a:t>填充</a:t>
+            </a:r>
+            <a:r>
+              <a:rPr lang="en-US" altLang="zh-CN"/>
+              <a:t>》</a:t>
+            </a:r>
+            <a:r>
+              <a:rPr lang="zh-CN" altLang="en-US"/>
+              <a:t>图片</a:t>
+            </a:r>
+            <a:r>
+              <a:rPr lang="en-US" altLang="zh-CN"/>
+              <a:t>》</a:t>
+            </a:r>
+            <a:r>
+              <a:rPr lang="zh-CN" altLang="en-US"/>
+              <a:t>选择您需要展示的图片</a:t>
+            </a:r>
+            <a:br>
+              <a:rPr lang="zh-CN" altLang="en-US"/>
+            </a:br>
+            <a:r>
+              <a:rPr lang="en-US" altLang="zh-CN"/>
+              <a:t>【</a:t>
+            </a:r>
+            <a:r>
+              <a:rPr lang="zh-CN" altLang="en-US"/>
+              <a:t>增加减少图片</a:t>
+            </a:r>
+            <a:r>
+              <a:rPr lang="en-US" altLang="zh-CN"/>
+              <a:t>】</a:t>
+            </a:r>
+            <a:r>
+              <a:rPr lang="zh-CN" altLang="en-US"/>
+              <a:t>：直接复制粘贴图片来增加图片数，复制后更改方法见</a:t>
+            </a:r>
+            <a:r>
+              <a:rPr lang="en-US" altLang="zh-CN"/>
+              <a:t>【</a:t>
+            </a:r>
+            <a:r>
+              <a:rPr lang="zh-CN" altLang="en-US"/>
+              <a:t>更改图片</a:t>
+            </a:r>
+            <a:r>
+              <a:rPr lang="en-US" altLang="zh-CN"/>
+              <a:t>】</a:t>
+            </a:r>
+            <a:br>
+              <a:rPr lang="en-US" altLang="zh-CN"/>
+            </a:br>
+            <a:r>
+              <a:rPr lang="en-US" altLang="zh-CN"/>
+              <a:t>【</a:t>
+            </a:r>
+            <a:r>
+              <a:rPr lang="zh-CN" altLang="en-US"/>
+              <a:t>更改图片色彩</a:t>
+            </a:r>
+            <a:r>
+              <a:rPr lang="en-US" altLang="zh-CN"/>
+              <a:t>】</a:t>
+            </a:r>
+            <a:r>
+              <a:rPr lang="zh-CN" altLang="en-US"/>
+              <a:t>：点中图片</a:t>
+            </a:r>
+            <a:r>
+              <a:rPr lang="en-US" altLang="zh-CN"/>
+              <a:t>》</a:t>
+            </a:r>
+            <a:r>
+              <a:rPr lang="zh-CN" altLang="en-US"/>
+              <a:t>图片工具</a:t>
+            </a:r>
+            <a:r>
+              <a:rPr lang="en-US" altLang="zh-CN"/>
+              <a:t>》</a:t>
+            </a:r>
+            <a:r>
+              <a:rPr lang="zh-CN" altLang="en-US"/>
+              <a:t>格式</a:t>
+            </a:r>
+            <a:r>
+              <a:rPr lang="en-US" altLang="zh-CN"/>
+              <a:t>》</a:t>
+            </a:r>
+            <a:r>
+              <a:rPr lang="zh-CN" altLang="en-US"/>
+              <a:t>色彩（重新着色）</a:t>
+            </a:r>
+            <a:r>
+              <a:rPr lang="en-US" altLang="zh-CN"/>
+              <a:t>》</a:t>
+            </a:r>
+            <a:r>
+              <a:rPr lang="zh-CN" altLang="en-US"/>
+              <a:t>选择您喜欢的色彩</a:t>
+            </a:r>
+            <a:br>
+              <a:rPr lang="zh-CN" altLang="en-US"/>
+            </a:br>
+            <a:r>
+              <a:rPr lang="zh-CN" altLang="en-US"/>
+              <a:t>下载更多模板、视频教程：</a:t>
+            </a:r>
+            <a:r>
+              <a:rPr lang="en-US"/>
+              <a:t>http://www.mysoeasy.com</a:t>
+            </a:r>
+          </a:p>
+        </p:txBody>
+      </p:sp>
+      <p:sp>
+        <p:nvSpPr>
+          <p:cNvPr id="4" name="灯片编号占位符 3"/>
+          <p:cNvSpPr>
+            <a:spLocks noGrp="1"/>
+          </p:cNvSpPr>
+          <p:nvPr>
+            <p:ph type="sldNum" sz="quarter" idx="10"/>
+          </p:nvPr>
+        </p:nvSpPr>
+        <p:spPr/>
+        <p:txBody>
+          <a:bodyPr/>
+          <a:lstStyle/>
+          <a:p>
+            <a:fld id="{4AE1D939-3E60-4063-B05E-56844F97CE60}" type="slidenum">
+              <a:rPr lang="zh-CN" altLang="en-US" smtClean="0"/>
+              <a:t>27</a:t>
             </a:fld>
             <a:endParaRPr lang="zh-CN" altLang="en-US"/>
           </a:p>
@@ -1425,7 +2725,7 @@
           <a:p>
             <a:fld id="{760FBDFE-C587-4B4C-A407-44438C67B59E}" type="datetimeFigureOut">
               <a:rPr lang="zh-CN" altLang="en-US" smtClean="0"/>
-              <a:t>2020/1/2</a:t>
+              <a:t>2020/1/3</a:t>
             </a:fld>
             <a:endParaRPr lang="zh-CN" altLang="en-US"/>
           </a:p>
@@ -1524,7 +2824,7 @@
           <a:p>
             <a:fld id="{760FBDFE-C587-4B4C-A407-44438C67B59E}" type="datetimeFigureOut">
               <a:rPr lang="zh-CN" altLang="en-US" smtClean="0"/>
-              <a:t>2020/1/2</a:t>
+              <a:t>2020/1/3</a:t>
             </a:fld>
             <a:endParaRPr lang="zh-CN" altLang="en-US"/>
           </a:p>
@@ -1733,7 +3033,7 @@
           <a:p>
             <a:fld id="{760FBDFE-C587-4B4C-A407-44438C67B59E}" type="datetimeFigureOut">
               <a:rPr lang="zh-CN" altLang="en-US" smtClean="0"/>
-              <a:t>2020/1/2</a:t>
+              <a:t>2020/1/3</a:t>
             </a:fld>
             <a:endParaRPr lang="zh-CN" altLang="en-US"/>
           </a:p>
@@ -2148,7 +3448,7 @@
           <a:p>
             <a:fld id="{760FBDFE-C587-4B4C-A407-44438C67B59E}" type="datetimeFigureOut">
               <a:rPr lang="zh-CN" altLang="en-US" smtClean="0"/>
-              <a:t>2020/1/2</a:t>
+              <a:t>2020/1/3</a:t>
             </a:fld>
             <a:endParaRPr lang="zh-CN" altLang="en-US"/>
           </a:p>
@@ -2422,7 +3722,7 @@
           <a:p>
             <a:fld id="{760FBDFE-C587-4B4C-A407-44438C67B59E}" type="datetimeFigureOut">
               <a:rPr lang="zh-CN" altLang="en-US" smtClean="0"/>
-              <a:t>2020/1/2</a:t>
+              <a:t>2020/1/3</a:t>
             </a:fld>
             <a:endParaRPr lang="zh-CN" altLang="en-US"/>
           </a:p>
@@ -2890,7 +4190,7 @@
           <a:p>
             <a:fld id="{760FBDFE-C587-4B4C-A407-44438C67B59E}" type="datetimeFigureOut">
               <a:rPr lang="zh-CN" altLang="en-US" smtClean="0"/>
-              <a:t>2020/1/2</a:t>
+              <a:t>2020/1/3</a:t>
             </a:fld>
             <a:endParaRPr lang="zh-CN" altLang="en-US"/>
           </a:p>
@@ -3623,7 +4923,7 @@
           <a:p>
             <a:fld id="{760FBDFE-C587-4B4C-A407-44438C67B59E}" type="datetimeFigureOut">
               <a:rPr lang="zh-CN" altLang="en-US" smtClean="0"/>
-              <a:t>2020/1/2</a:t>
+              <a:t>2020/1/3</a:t>
             </a:fld>
             <a:endParaRPr lang="zh-CN" altLang="en-US"/>
           </a:p>
@@ -3769,7 +5069,7 @@
           <a:p>
             <a:fld id="{760FBDFE-C587-4B4C-A407-44438C67B59E}" type="datetimeFigureOut">
               <a:rPr lang="zh-CN" altLang="en-US" smtClean="0"/>
-              <a:t>2020/1/2</a:t>
+              <a:t>2020/1/3</a:t>
             </a:fld>
             <a:endParaRPr lang="zh-CN" altLang="en-US"/>
           </a:p>
@@ -3868,7 +5168,7 @@
           <a:p>
             <a:fld id="{760FBDFE-C587-4B4C-A407-44438C67B59E}" type="datetimeFigureOut">
               <a:rPr lang="zh-CN" altLang="en-US" smtClean="0"/>
-              <a:t>2020/1/2</a:t>
+              <a:t>2020/1/3</a:t>
             </a:fld>
             <a:endParaRPr lang="zh-CN" altLang="en-US"/>
           </a:p>
@@ -4183,7 +5483,7 @@
           <a:p>
             <a:fld id="{9EFD9D74-47D9-4702-A33C-335B63B48DBF}" type="datetimeFigureOut">
               <a:rPr lang="zh-CN" altLang="en-US" smtClean="0"/>
-              <a:t>2020/1/2</a:t>
+              <a:t>2020/1/3</a:t>
             </a:fld>
             <a:endParaRPr lang="zh-CN" altLang="en-US" dirty="0"/>
           </a:p>
@@ -4472,7 +5772,7 @@
           <a:p>
             <a:fld id="{760FBDFE-C587-4B4C-A407-44438C67B59E}" type="datetimeFigureOut">
               <a:rPr lang="zh-CN" altLang="en-US" smtClean="0"/>
-              <a:t>2020/1/2</a:t>
+              <a:t>2020/1/3</a:t>
             </a:fld>
             <a:endParaRPr lang="zh-CN" altLang="en-US"/>
           </a:p>
@@ -4706,7 +6006,7 @@
           <a:p>
             <a:fld id="{760FBDFE-C587-4B4C-A407-44438C67B59E}" type="datetimeFigureOut">
               <a:rPr lang="zh-CN" altLang="en-US" smtClean="0"/>
-              <a:t>2020/1/2</a:t>
+              <a:t>2020/1/3</a:t>
             </a:fld>
             <a:endParaRPr lang="zh-CN" altLang="en-US"/>
           </a:p>
@@ -11260,6 +12560,1649 @@
           <a:chExt cx="0" cy="0"/>
         </a:xfrm>
       </p:grpSpPr>
+      <p:pic>
+        <p:nvPicPr>
+          <p:cNvPr id="23" name="Picture 3"/>
+          <p:cNvPicPr>
+            <a:picLocks noChangeAspect="1" noChangeArrowheads="1"/>
+          </p:cNvPicPr>
+          <p:nvPr/>
+        </p:nvPicPr>
+        <p:blipFill rotWithShape="1">
+          <a:blip r:embed="rId3" cstate="print">
+            <a:extLst>
+              <a:ext uri="{28A0092B-C50C-407E-A947-70E740481C1C}">
+                <a14:useLocalDpi xmlns:a14="http://schemas.microsoft.com/office/drawing/2010/main" val="0"/>
+              </a:ext>
+            </a:extLst>
+          </a:blip>
+          <a:srcRect l="2767" r="7205" b="57679"/>
+          <a:stretch>
+            <a:fillRect/>
+          </a:stretch>
+        </p:blipFill>
+        <p:spPr bwMode="auto">
+          <a:xfrm rot="10800000" flipH="1" flipV="1">
+            <a:off x="1187150" y="4617245"/>
+            <a:ext cx="9295641" cy="251915"/>
+          </a:xfrm>
+          <a:prstGeom prst="rect">
+            <a:avLst/>
+          </a:prstGeom>
+          <a:noFill/>
+          <a:ln>
+            <a:noFill/>
+          </a:ln>
+          <a:effectLst/>
+          <a:extLst>
+            <a:ext uri="{909E8E84-426E-40DD-AFC4-6F175D3DCCD1}">
+              <a14:hiddenFill xmlns:a14="http://schemas.microsoft.com/office/drawing/2010/main">
+                <a:solidFill>
+                  <a:schemeClr val="accent1"/>
+                </a:solidFill>
+              </a14:hiddenFill>
+            </a:ext>
+            <a:ext uri="{91240B29-F687-4F45-9708-019B960494DF}">
+              <a14:hiddenLine xmlns:a14="http://schemas.microsoft.com/office/drawing/2010/main" w="9525">
+                <a:solidFill>
+                  <a:schemeClr val="tx1"/>
+                </a:solidFill>
+                <a:miter lim="800000"/>
+                <a:headEnd/>
+                <a:tailEnd/>
+              </a14:hiddenLine>
+            </a:ext>
+            <a:ext uri="{AF507438-7753-43E0-B8FC-AC1667EBCBE1}">
+              <a14:hiddenEffects xmlns:a14="http://schemas.microsoft.com/office/drawing/2010/main">
+                <a:effectLst>
+                  <a:outerShdw dist="35921" dir="2700000" algn="ctr" rotWithShape="0">
+                    <a:schemeClr val="bg2"/>
+                  </a:outerShdw>
+                </a:effectLst>
+              </a14:hiddenEffects>
+            </a:ext>
+          </a:extLst>
+        </p:spPr>
+      </p:pic>
+      <p:sp>
+        <p:nvSpPr>
+          <p:cNvPr id="24" name="圆角矩形 23"/>
+          <p:cNvSpPr/>
+          <p:nvPr/>
+        </p:nvSpPr>
+        <p:spPr>
+          <a:xfrm rot="20935880">
+            <a:off x="4381264" y="3172417"/>
+            <a:ext cx="193241" cy="2366303"/>
+          </a:xfrm>
+          <a:prstGeom prst="roundRect">
+            <a:avLst>
+              <a:gd name="adj" fmla="val 50000"/>
+            </a:avLst>
+          </a:prstGeom>
+          <a:gradFill flip="none" rotWithShape="1">
+            <a:gsLst>
+              <a:gs pos="100000">
+                <a:srgbClr val="878787"/>
+              </a:gs>
+              <a:gs pos="0">
+                <a:sysClr val="window" lastClr="FFFFFF">
+                  <a:lumMod val="85000"/>
+                  <a:shade val="30000"/>
+                  <a:satMod val="115000"/>
+                </a:sysClr>
+              </a:gs>
+              <a:gs pos="45000">
+                <a:sysClr val="window" lastClr="FFFFFF">
+                  <a:lumMod val="85000"/>
+                  <a:shade val="67500"/>
+                  <a:satMod val="115000"/>
+                </a:sysClr>
+              </a:gs>
+              <a:gs pos="62000">
+                <a:sysClr val="window" lastClr="FFFFFF">
+                  <a:lumMod val="85000"/>
+                  <a:shade val="100000"/>
+                  <a:satMod val="115000"/>
+                </a:sysClr>
+              </a:gs>
+            </a:gsLst>
+            <a:lin ang="10800000" scaled="1"/>
+            <a:tileRect/>
+          </a:gradFill>
+          <a:ln w="25400" cap="flat" cmpd="sng" algn="ctr">
+            <a:noFill/>
+            <a:prstDash val="solid"/>
+          </a:ln>
+          <a:effectLst/>
+        </p:spPr>
+        <p:txBody>
+          <a:bodyPr rot="0" spcFirstLastPara="0" vertOverflow="overflow" horzOverflow="overflow" vert="horz" wrap="square" lIns="91440" tIns="45720" rIns="91440" bIns="45720" numCol="1" spcCol="0" rtlCol="0" fromWordArt="0" anchor="ctr" anchorCtr="0" forceAA="0" compatLnSpc="1">
+            <a:noAutofit/>
+          </a:bodyPr>
+          <a:lstStyle/>
+          <a:p>
+            <a:pPr marL="0" marR="0" lvl="0" indent="0" algn="ctr" defTabSz="914400" eaLnBrk="1" fontAlgn="auto" latinLnBrk="0" hangingPunct="1">
+              <a:lnSpc>
+                <a:spcPct val="100000"/>
+              </a:lnSpc>
+              <a:spcBef>
+                <a:spcPts val="0"/>
+              </a:spcBef>
+              <a:spcAft>
+                <a:spcPts val="0"/>
+              </a:spcAft>
+              <a:buClrTx/>
+              <a:buSzTx/>
+              <a:buFontTx/>
+              <a:buNone/>
+              <a:defRPr/>
+            </a:pPr>
+            <a:endParaRPr kumimoji="0" lang="en-US" sz="1800" b="0" i="0" u="none" strike="noStrike" kern="0" cap="none" spc="0" normalizeH="0" baseline="0" noProof="0">
+              <a:ln>
+                <a:noFill/>
+              </a:ln>
+              <a:solidFill>
+                <a:sysClr val="windowText" lastClr="000000"/>
+              </a:solidFill>
+              <a:effectLst/>
+              <a:uLnTx/>
+              <a:uFillTx/>
+              <a:latin typeface="Calibri" panose="020F0502020204030204"/>
+              <a:ea typeface="+mn-ea"/>
+              <a:cs typeface="+mn-cs"/>
+            </a:endParaRPr>
+          </a:p>
+        </p:txBody>
+      </p:sp>
+      <p:sp>
+        <p:nvSpPr>
+          <p:cNvPr id="28" name="圆角矩形 27"/>
+          <p:cNvSpPr/>
+          <p:nvPr/>
+        </p:nvSpPr>
+        <p:spPr>
+          <a:xfrm rot="963333">
+            <a:off x="7468164" y="2895766"/>
+            <a:ext cx="224541" cy="2664296"/>
+          </a:xfrm>
+          <a:prstGeom prst="roundRect">
+            <a:avLst>
+              <a:gd name="adj" fmla="val 50000"/>
+            </a:avLst>
+          </a:prstGeom>
+          <a:gradFill flip="none" rotWithShape="1">
+            <a:gsLst>
+              <a:gs pos="100000">
+                <a:srgbClr val="878787"/>
+              </a:gs>
+              <a:gs pos="0">
+                <a:sysClr val="window" lastClr="FFFFFF">
+                  <a:lumMod val="85000"/>
+                  <a:shade val="30000"/>
+                  <a:satMod val="115000"/>
+                </a:sysClr>
+              </a:gs>
+              <a:gs pos="45000">
+                <a:sysClr val="window" lastClr="FFFFFF">
+                  <a:lumMod val="85000"/>
+                  <a:shade val="67500"/>
+                  <a:satMod val="115000"/>
+                </a:sysClr>
+              </a:gs>
+              <a:gs pos="62000">
+                <a:sysClr val="window" lastClr="FFFFFF">
+                  <a:lumMod val="85000"/>
+                  <a:shade val="100000"/>
+                  <a:satMod val="115000"/>
+                </a:sysClr>
+              </a:gs>
+            </a:gsLst>
+            <a:lin ang="10800000" scaled="1"/>
+            <a:tileRect/>
+          </a:gradFill>
+          <a:ln w="25400" cap="flat" cmpd="sng" algn="ctr">
+            <a:noFill/>
+            <a:prstDash val="solid"/>
+          </a:ln>
+          <a:effectLst/>
+        </p:spPr>
+        <p:txBody>
+          <a:bodyPr rot="0" spcFirstLastPara="0" vertOverflow="overflow" horzOverflow="overflow" vert="horz" wrap="square" lIns="91440" tIns="45720" rIns="91440" bIns="45720" numCol="1" spcCol="0" rtlCol="0" fromWordArt="0" anchor="ctr" anchorCtr="0" forceAA="0" compatLnSpc="1">
+            <a:noAutofit/>
+          </a:bodyPr>
+          <a:lstStyle/>
+          <a:p>
+            <a:pPr marL="0" marR="0" lvl="0" indent="0" algn="ctr" defTabSz="914400" eaLnBrk="1" fontAlgn="auto" latinLnBrk="0" hangingPunct="1">
+              <a:lnSpc>
+                <a:spcPct val="100000"/>
+              </a:lnSpc>
+              <a:spcBef>
+                <a:spcPts val="0"/>
+              </a:spcBef>
+              <a:spcAft>
+                <a:spcPts val="0"/>
+              </a:spcAft>
+              <a:buClrTx/>
+              <a:buSzTx/>
+              <a:buFontTx/>
+              <a:buNone/>
+              <a:defRPr/>
+            </a:pPr>
+            <a:endParaRPr kumimoji="0" lang="en-US" sz="1800" b="0" i="0" u="none" strike="noStrike" kern="0" cap="none" spc="0" normalizeH="0" baseline="0" noProof="0">
+              <a:ln>
+                <a:noFill/>
+              </a:ln>
+              <a:solidFill>
+                <a:sysClr val="windowText" lastClr="000000"/>
+              </a:solidFill>
+              <a:effectLst/>
+              <a:uLnTx/>
+              <a:uFillTx/>
+              <a:latin typeface="Calibri" panose="020F0502020204030204"/>
+              <a:ea typeface="+mn-ea"/>
+              <a:cs typeface="+mn-cs"/>
+            </a:endParaRPr>
+          </a:p>
+        </p:txBody>
+      </p:sp>
+      <p:sp>
+        <p:nvSpPr>
+          <p:cNvPr id="33" name="矩形 32"/>
+          <p:cNvSpPr/>
+          <p:nvPr/>
+        </p:nvSpPr>
+        <p:spPr>
+          <a:xfrm>
+            <a:off x="1524000" y="4869160"/>
+            <a:ext cx="9144000" cy="1656184"/>
+          </a:xfrm>
+          <a:prstGeom prst="rect">
+            <a:avLst/>
+          </a:prstGeom>
+          <a:gradFill flip="none" rotWithShape="1">
+            <a:gsLst>
+              <a:gs pos="48320">
+                <a:srgbClr val="E6C29A"/>
+              </a:gs>
+              <a:gs pos="100000">
+                <a:srgbClr val="8C6233"/>
+              </a:gs>
+              <a:gs pos="0">
+                <a:srgbClr val="DEA464">
+                  <a:shade val="30000"/>
+                  <a:satMod val="115000"/>
+                </a:srgbClr>
+              </a:gs>
+              <a:gs pos="8000">
+                <a:srgbClr val="DEA464">
+                  <a:shade val="67500"/>
+                  <a:satMod val="115000"/>
+                </a:srgbClr>
+              </a:gs>
+              <a:gs pos="92000">
+                <a:srgbClr val="DEA464">
+                  <a:shade val="100000"/>
+                  <a:satMod val="115000"/>
+                </a:srgbClr>
+              </a:gs>
+            </a:gsLst>
+            <a:lin ang="0" scaled="1"/>
+            <a:tileRect/>
+          </a:gradFill>
+          <a:ln w="25400" cap="flat" cmpd="sng" algn="ctr">
+            <a:noFill/>
+            <a:prstDash val="solid"/>
+          </a:ln>
+          <a:effectLst>
+            <a:outerShdw blurRad="50800" dist="38100" dir="16200000" rotWithShape="0">
+              <a:prstClr val="black">
+                <a:alpha val="40000"/>
+              </a:prstClr>
+            </a:outerShdw>
+          </a:effectLst>
+        </p:spPr>
+        <p:txBody>
+          <a:bodyPr rot="0" spcFirstLastPara="0" vertOverflow="overflow" horzOverflow="overflow" vert="horz" wrap="square" lIns="91440" tIns="45720" rIns="91440" bIns="45720" numCol="1" spcCol="0" rtlCol="0" fromWordArt="0" anchor="ctr" anchorCtr="0" forceAA="0" compatLnSpc="1">
+            <a:noAutofit/>
+          </a:bodyPr>
+          <a:lstStyle/>
+          <a:p>
+            <a:pPr marL="0" marR="0" lvl="0" indent="0" algn="ctr" defTabSz="914400" eaLnBrk="1" fontAlgn="auto" latinLnBrk="0" hangingPunct="1">
+              <a:lnSpc>
+                <a:spcPct val="100000"/>
+              </a:lnSpc>
+              <a:spcBef>
+                <a:spcPts val="0"/>
+              </a:spcBef>
+              <a:spcAft>
+                <a:spcPts val="0"/>
+              </a:spcAft>
+              <a:buClrTx/>
+              <a:buSzTx/>
+              <a:buFontTx/>
+              <a:buNone/>
+              <a:defRPr/>
+            </a:pPr>
+            <a:endParaRPr kumimoji="0" lang="en-US" sz="1800" b="0" i="0" u="none" strike="noStrike" kern="0" cap="none" spc="0" normalizeH="0" baseline="0" noProof="0">
+              <a:ln>
+                <a:noFill/>
+              </a:ln>
+              <a:solidFill>
+                <a:sysClr val="windowText" lastClr="000000"/>
+              </a:solidFill>
+              <a:effectLst/>
+              <a:uLnTx/>
+              <a:uFillTx/>
+              <a:latin typeface="Calibri" panose="020F0502020204030204"/>
+              <a:ea typeface="+mn-ea"/>
+              <a:cs typeface="+mn-cs"/>
+            </a:endParaRPr>
+          </a:p>
+        </p:txBody>
+      </p:sp>
+      <p:sp>
+        <p:nvSpPr>
+          <p:cNvPr id="43" name="TextBox 42"/>
+          <p:cNvSpPr txBox="1"/>
+          <p:nvPr/>
+        </p:nvSpPr>
+        <p:spPr>
+          <a:xfrm>
+            <a:off x="3137126" y="5260390"/>
+            <a:ext cx="5688632" cy="884794"/>
+          </a:xfrm>
+          <a:prstGeom prst="rect">
+            <a:avLst/>
+          </a:prstGeom>
+          <a:noFill/>
+        </p:spPr>
+        <p:txBody>
+          <a:bodyPr wrap="square" rtlCol="0">
+            <a:spAutoFit/>
+          </a:bodyPr>
+          <a:lstStyle>
+            <a:defPPr>
+              <a:defRPr lang="en-US"/>
+            </a:defPPr>
+            <a:lvl1pPr>
+              <a:lnSpc>
+                <a:spcPct val="130000"/>
+              </a:lnSpc>
+              <a:defRPr sz="5400" b="1">
+                <a:solidFill>
+                  <a:schemeClr val="tx1">
+                    <a:lumMod val="65000"/>
+                    <a:lumOff val="35000"/>
+                  </a:schemeClr>
+                </a:solidFill>
+                <a:latin typeface="Agency FB" pitchFamily="34" charset="0"/>
+                <a:ea typeface="微软雅黑" panose="020B0503020204020204" charset="-122"/>
+                <a:cs typeface="Calibri" panose="020F0502020204030204" pitchFamily="34" charset="0"/>
+              </a:defRPr>
+            </a:lvl1pPr>
+          </a:lstStyle>
+          <a:p>
+            <a:pPr marL="0" marR="0" lvl="0" indent="0" algn="ctr" defTabSz="914400" eaLnBrk="1" fontAlgn="auto" latinLnBrk="0" hangingPunct="1">
+              <a:lnSpc>
+                <a:spcPct val="130000"/>
+              </a:lnSpc>
+              <a:spcBef>
+                <a:spcPts val="0"/>
+              </a:spcBef>
+              <a:spcAft>
+                <a:spcPts val="0"/>
+              </a:spcAft>
+              <a:buClrTx/>
+              <a:buSzTx/>
+              <a:buFontTx/>
+              <a:buNone/>
+              <a:defRPr/>
+            </a:pPr>
+            <a:r>
+              <a:rPr lang="zh-CN" altLang="en-US" sz="4400" dirty="0" smtClean="0">
+                <a:sym typeface="+mn-ea"/>
+              </a:rPr>
+              <a:t>单元测试</a:t>
+            </a:r>
+            <a:endParaRPr kumimoji="0" lang="zh-CN" altLang="en-US" sz="4400" b="1" i="0" u="none" strike="noStrike" kern="0" cap="none" spc="0" normalizeH="0" baseline="0" noProof="0" dirty="0">
+              <a:ln>
+                <a:noFill/>
+              </a:ln>
+              <a:solidFill>
+                <a:sysClr val="windowText" lastClr="000000">
+                  <a:lumMod val="75000"/>
+                  <a:lumOff val="25000"/>
+                </a:sysClr>
+              </a:solidFill>
+              <a:effectLst>
+                <a:outerShdw dist="38100" dir="5400000" algn="t" rotWithShape="0">
+                  <a:sysClr val="window" lastClr="FFFFFF">
+                    <a:alpha val="48000"/>
+                  </a:sysClr>
+                </a:outerShdw>
+              </a:effectLst>
+              <a:uLnTx/>
+              <a:uFillTx/>
+              <a:latin typeface="Agency FB" pitchFamily="34" charset="0"/>
+              <a:ea typeface="微软雅黑" panose="020B0503020204020204" charset="-122"/>
+              <a:cs typeface="Calibri" panose="020F0502020204030204" pitchFamily="34" charset="0"/>
+            </a:endParaRPr>
+          </a:p>
+        </p:txBody>
+      </p:sp>
+    </p:spTree>
+    <p:extLst>
+      <p:ext uri="{BB962C8B-B14F-4D97-AF65-F5344CB8AC3E}">
+        <p14:creationId xmlns:p14="http://schemas.microsoft.com/office/powerpoint/2010/main" val="1095610284"/>
+      </p:ext>
+    </p:extLst>
+  </p:cSld>
+  <p:clrMapOvr>
+    <a:masterClrMapping/>
+  </p:clrMapOvr>
+</p:sld>
+</file>
+
+<file path=ppt/slides/slide11.xml><?xml version="1.0" encoding="utf-8"?>
+<p:sld xmlns:a="http://schemas.openxmlformats.org/drawingml/2006/main" xmlns:r="http://schemas.openxmlformats.org/officeDocument/2006/relationships" xmlns:p="http://schemas.openxmlformats.org/presentationml/2006/main">
+  <p:cSld>
+    <p:spTree>
+      <p:nvGrpSpPr>
+        <p:cNvPr id="1" name=""/>
+        <p:cNvGrpSpPr/>
+        <p:nvPr/>
+      </p:nvGrpSpPr>
+      <p:grpSpPr>
+        <a:xfrm>
+          <a:off x="0" y="0"/>
+          <a:ext cx="0" cy="0"/>
+          <a:chOff x="0" y="0"/>
+          <a:chExt cx="0" cy="0"/>
+        </a:xfrm>
+      </p:grpSpPr>
+      <p:pic>
+        <p:nvPicPr>
+          <p:cNvPr id="4" name="图片 3"/>
+          <p:cNvPicPr>
+            <a:picLocks noChangeAspect="1"/>
+          </p:cNvPicPr>
+          <p:nvPr/>
+        </p:nvPicPr>
+        <p:blipFill>
+          <a:blip r:embed="rId2">
+            <a:extLst>
+              <a:ext uri="{28A0092B-C50C-407E-A947-70E740481C1C}">
+                <a14:useLocalDpi xmlns:a14="http://schemas.microsoft.com/office/drawing/2010/main" val="0"/>
+              </a:ext>
+            </a:extLst>
+          </a:blip>
+          <a:stretch>
+            <a:fillRect/>
+          </a:stretch>
+        </p:blipFill>
+        <p:spPr>
+          <a:xfrm>
+            <a:off x="0" y="0"/>
+            <a:ext cx="12192000" cy="6858001"/>
+          </a:xfrm>
+          <a:prstGeom prst="rect">
+            <a:avLst/>
+          </a:prstGeom>
+        </p:spPr>
+      </p:pic>
+      <p:sp>
+        <p:nvSpPr>
+          <p:cNvPr id="13" name="标题 1">
+            <a:extLst>
+              <a:ext uri="{FF2B5EF4-FFF2-40B4-BE49-F238E27FC236}">
+                <a16:creationId xmlns:a16="http://schemas.microsoft.com/office/drawing/2014/main" xmlns="" id="{D85B6B2A-FBF0-41F4-B80B-0F7EFDDBBFDA}"/>
+              </a:ext>
+            </a:extLst>
+          </p:cNvPr>
+          <p:cNvSpPr txBox="1">
+            <a:spLocks/>
+          </p:cNvSpPr>
+          <p:nvPr/>
+        </p:nvSpPr>
+        <p:spPr>
+          <a:xfrm>
+            <a:off x="822282" y="584400"/>
+            <a:ext cx="10852237" cy="648000"/>
+          </a:xfrm>
+          <a:prstGeom prst="rect">
+            <a:avLst/>
+          </a:prstGeom>
+        </p:spPr>
+        <p:txBody>
+          <a:bodyPr vert="horz" lIns="101600" tIns="38100" rIns="76200" bIns="38100" rtlCol="0" anchor="ctr" anchorCtr="0">
+            <a:noAutofit/>
+          </a:bodyPr>
+          <a:lstStyle>
+            <a:lvl1pPr marL="0" marR="0" lvl="0" algn="l" defTabSz="914400" rtl="0" eaLnBrk="1" fontAlgn="auto" latinLnBrk="0" hangingPunct="1">
+              <a:lnSpc>
+                <a:spcPct val="100000"/>
+              </a:lnSpc>
+              <a:spcBef>
+                <a:spcPct val="0"/>
+              </a:spcBef>
+              <a:buNone/>
+              <a:defRPr kumimoji="0" lang="zh-CN" altLang="en-US" sz="2800" b="1" i="0" u="none" strike="noStrike" kern="1200" cap="none" spc="200" normalizeH="0" baseline="0" noProof="1" dirty="0">
+                <a:solidFill>
+                  <a:schemeClr val="tx1"/>
+                </a:solidFill>
+                <a:uFillTx/>
+                <a:latin typeface="+mj-lt"/>
+                <a:ea typeface="+mj-ea"/>
+                <a:cs typeface="+mj-cs"/>
+                <a:sym typeface="+mn-ea"/>
+              </a:defRPr>
+            </a:lvl1pPr>
+          </a:lstStyle>
+          <a:p>
+            <a:r>
+              <a:rPr lang="zh-CN" altLang="en-US" dirty="0" smtClean="0">
+                <a:solidFill>
+                  <a:schemeClr val="bg1"/>
+                </a:solidFill>
+              </a:rPr>
+              <a:t>单元测试</a:t>
+            </a:r>
+            <a:r>
+              <a:rPr lang="en-US" altLang="zh-CN" dirty="0" smtClean="0">
+                <a:solidFill>
+                  <a:schemeClr val="bg1"/>
+                </a:solidFill>
+              </a:rPr>
+              <a:t>-DAO</a:t>
+            </a:r>
+            <a:r>
+              <a:rPr lang="zh-CN" altLang="en-US" dirty="0" smtClean="0">
+                <a:solidFill>
+                  <a:schemeClr val="bg1"/>
+                </a:solidFill>
+              </a:rPr>
+              <a:t>层</a:t>
+            </a:r>
+            <a:endParaRPr lang="zh-CN" altLang="en-US" dirty="0">
+              <a:solidFill>
+                <a:schemeClr val="bg1"/>
+              </a:solidFill>
+            </a:endParaRPr>
+          </a:p>
+        </p:txBody>
+      </p:sp>
+      <p:sp>
+        <p:nvSpPr>
+          <p:cNvPr id="14" name="矩形 13"/>
+          <p:cNvSpPr/>
+          <p:nvPr/>
+        </p:nvSpPr>
+        <p:spPr>
+          <a:xfrm>
+            <a:off x="822282" y="1447468"/>
+            <a:ext cx="3672800" cy="369332"/>
+          </a:xfrm>
+          <a:prstGeom prst="rect">
+            <a:avLst/>
+          </a:prstGeom>
+        </p:spPr>
+        <p:txBody>
+          <a:bodyPr wrap="none">
+            <a:spAutoFit/>
+          </a:bodyPr>
+          <a:lstStyle/>
+          <a:p>
+            <a:r>
+              <a:rPr lang="en-US" altLang="zh-CN" dirty="0">
+                <a:solidFill>
+                  <a:schemeClr val="bg1"/>
+                </a:solidFill>
+              </a:rPr>
+              <a:t>DAO</a:t>
+            </a:r>
+            <a:r>
+              <a:rPr lang="zh-CN" altLang="en-US" dirty="0">
+                <a:solidFill>
+                  <a:schemeClr val="bg1"/>
+                </a:solidFill>
+              </a:rPr>
+              <a:t>层设计</a:t>
+            </a:r>
+            <a:r>
+              <a:rPr lang="en-US" altLang="zh-CN" dirty="0">
+                <a:solidFill>
+                  <a:schemeClr val="bg1"/>
+                </a:solidFill>
+              </a:rPr>
+              <a:t>-</a:t>
+            </a:r>
+            <a:r>
+              <a:rPr lang="zh-CN" altLang="en-US" dirty="0">
+                <a:solidFill>
+                  <a:schemeClr val="bg1"/>
+                </a:solidFill>
+              </a:rPr>
+              <a:t>用例</a:t>
+            </a:r>
+            <a:r>
+              <a:rPr lang="zh-CN" altLang="en-US" dirty="0" smtClean="0">
+                <a:solidFill>
+                  <a:schemeClr val="bg1"/>
+                </a:solidFill>
+              </a:rPr>
+              <a:t>设计</a:t>
+            </a:r>
+            <a:r>
+              <a:rPr lang="en-US" altLang="zh-CN" dirty="0" smtClean="0">
+                <a:solidFill>
+                  <a:schemeClr val="bg1"/>
+                </a:solidFill>
+              </a:rPr>
+              <a:t>-</a:t>
+            </a:r>
+            <a:r>
+              <a:rPr lang="zh-CN" altLang="en-US" dirty="0" smtClean="0">
+                <a:solidFill>
+                  <a:schemeClr val="bg1"/>
+                </a:solidFill>
+              </a:rPr>
+              <a:t>启发式原则 </a:t>
+            </a:r>
+            <a:endParaRPr lang="zh-CN" altLang="en-US" dirty="0">
+              <a:solidFill>
+                <a:schemeClr val="bg1"/>
+              </a:solidFill>
+            </a:endParaRPr>
+          </a:p>
+        </p:txBody>
+      </p:sp>
+    </p:spTree>
+    <p:extLst>
+      <p:ext uri="{BB962C8B-B14F-4D97-AF65-F5344CB8AC3E}">
+        <p14:creationId xmlns:p14="http://schemas.microsoft.com/office/powerpoint/2010/main" val="3148062056"/>
+      </p:ext>
+    </p:extLst>
+  </p:cSld>
+  <p:clrMapOvr>
+    <a:masterClrMapping/>
+  </p:clrMapOvr>
+</p:sld>
+</file>
+
+<file path=ppt/slides/slide12.xml><?xml version="1.0" encoding="utf-8"?>
+<p:sld xmlns:a="http://schemas.openxmlformats.org/drawingml/2006/main" xmlns:r="http://schemas.openxmlformats.org/officeDocument/2006/relationships" xmlns:p="http://schemas.openxmlformats.org/presentationml/2006/main">
+  <p:cSld>
+    <p:spTree>
+      <p:nvGrpSpPr>
+        <p:cNvPr id="1" name=""/>
+        <p:cNvGrpSpPr/>
+        <p:nvPr/>
+      </p:nvGrpSpPr>
+      <p:grpSpPr>
+        <a:xfrm>
+          <a:off x="0" y="0"/>
+          <a:ext cx="0" cy="0"/>
+          <a:chOff x="0" y="0"/>
+          <a:chExt cx="0" cy="0"/>
+        </a:xfrm>
+      </p:grpSpPr>
+      <p:sp>
+        <p:nvSpPr>
+          <p:cNvPr id="10" name="标题 8"/>
+          <p:cNvSpPr>
+            <a:spLocks noGrp="1"/>
+          </p:cNvSpPr>
+          <p:nvPr>
+            <p:ph type="title"/>
+          </p:nvPr>
+        </p:nvSpPr>
+        <p:spPr>
+          <a:xfrm>
+            <a:off x="669882" y="432000"/>
+            <a:ext cx="10852237" cy="648000"/>
+          </a:xfrm>
+        </p:spPr>
+        <p:txBody>
+          <a:bodyPr/>
+          <a:lstStyle/>
+          <a:p>
+            <a:r>
+              <a:rPr kumimoji="1" lang="en-US" altLang="zh-CN" dirty="0" smtClean="0">
+                <a:solidFill>
+                  <a:schemeClr val="bg1"/>
+                </a:solidFill>
+              </a:rPr>
+              <a:t>DAO</a:t>
+            </a:r>
+            <a:r>
+              <a:rPr kumimoji="1" lang="zh-CN" altLang="en-US" dirty="0" smtClean="0">
+                <a:solidFill>
+                  <a:schemeClr val="bg1"/>
+                </a:solidFill>
+              </a:rPr>
+              <a:t>层测试</a:t>
+            </a:r>
+            <a:r>
+              <a:rPr kumimoji="1" lang="en-US" altLang="zh-CN" dirty="0" smtClean="0">
+                <a:solidFill>
+                  <a:schemeClr val="bg1"/>
+                </a:solidFill>
+              </a:rPr>
+              <a:t>-</a:t>
+            </a:r>
+            <a:r>
+              <a:rPr kumimoji="1" lang="zh-CN" altLang="en-US" dirty="0" smtClean="0">
+                <a:solidFill>
+                  <a:schemeClr val="bg1"/>
+                </a:solidFill>
+              </a:rPr>
+              <a:t>用例设计</a:t>
+            </a:r>
+            <a:endParaRPr kumimoji="1" lang="zh-CN" altLang="en-US" dirty="0">
+              <a:solidFill>
+                <a:schemeClr val="bg1"/>
+              </a:solidFill>
+            </a:endParaRPr>
+          </a:p>
+        </p:txBody>
+      </p:sp>
+      <p:pic>
+        <p:nvPicPr>
+          <p:cNvPr id="2" name="图片 1"/>
+          <p:cNvPicPr>
+            <a:picLocks noChangeAspect="1"/>
+          </p:cNvPicPr>
+          <p:nvPr/>
+        </p:nvPicPr>
+        <p:blipFill>
+          <a:blip r:embed="rId2">
+            <a:extLst>
+              <a:ext uri="{28A0092B-C50C-407E-A947-70E740481C1C}">
+                <a14:useLocalDpi xmlns:a14="http://schemas.microsoft.com/office/drawing/2010/main" val="0"/>
+              </a:ext>
+            </a:extLst>
+          </a:blip>
+          <a:stretch>
+            <a:fillRect/>
+          </a:stretch>
+        </p:blipFill>
+        <p:spPr>
+          <a:xfrm>
+            <a:off x="0" y="0"/>
+            <a:ext cx="12192000" cy="6858000"/>
+          </a:xfrm>
+          <a:prstGeom prst="rect">
+            <a:avLst/>
+          </a:prstGeom>
+          <a:ln>
+            <a:solidFill>
+              <a:schemeClr val="accent1">
+                <a:shade val="50000"/>
+              </a:schemeClr>
+            </a:solidFill>
+          </a:ln>
+        </p:spPr>
+      </p:pic>
+      <p:sp>
+        <p:nvSpPr>
+          <p:cNvPr id="7" name="标题 1">
+            <a:extLst>
+              <a:ext uri="{FF2B5EF4-FFF2-40B4-BE49-F238E27FC236}">
+                <a16:creationId xmlns:a16="http://schemas.microsoft.com/office/drawing/2014/main" xmlns="" id="{D85B6B2A-FBF0-41F4-B80B-0F7EFDDBBFDA}"/>
+              </a:ext>
+            </a:extLst>
+          </p:cNvPr>
+          <p:cNvSpPr txBox="1">
+            <a:spLocks/>
+          </p:cNvSpPr>
+          <p:nvPr/>
+        </p:nvSpPr>
+        <p:spPr>
+          <a:xfrm>
+            <a:off x="822282" y="584400"/>
+            <a:ext cx="10852237" cy="648000"/>
+          </a:xfrm>
+          <a:prstGeom prst="rect">
+            <a:avLst/>
+          </a:prstGeom>
+        </p:spPr>
+        <p:txBody>
+          <a:bodyPr vert="horz" lIns="101600" tIns="38100" rIns="76200" bIns="38100" rtlCol="0" anchor="ctr" anchorCtr="0">
+            <a:noAutofit/>
+          </a:bodyPr>
+          <a:lstStyle>
+            <a:lvl1pPr marL="0" marR="0" lvl="0" algn="l" defTabSz="914400" rtl="0" eaLnBrk="1" fontAlgn="auto" latinLnBrk="0" hangingPunct="1">
+              <a:lnSpc>
+                <a:spcPct val="100000"/>
+              </a:lnSpc>
+              <a:spcBef>
+                <a:spcPct val="0"/>
+              </a:spcBef>
+              <a:buNone/>
+              <a:defRPr kumimoji="0" lang="zh-CN" altLang="en-US" sz="2800" b="1" i="0" u="none" strike="noStrike" kern="1200" cap="none" spc="200" normalizeH="0" baseline="0" noProof="1" dirty="0">
+                <a:solidFill>
+                  <a:schemeClr val="tx1"/>
+                </a:solidFill>
+                <a:uFillTx/>
+                <a:latin typeface="+mj-lt"/>
+                <a:ea typeface="+mj-ea"/>
+                <a:cs typeface="+mj-cs"/>
+                <a:sym typeface="+mn-ea"/>
+              </a:defRPr>
+            </a:lvl1pPr>
+          </a:lstStyle>
+          <a:p>
+            <a:r>
+              <a:rPr lang="zh-CN" altLang="en-US" dirty="0" smtClean="0">
+                <a:solidFill>
+                  <a:schemeClr val="bg1"/>
+                </a:solidFill>
+              </a:rPr>
+              <a:t>单元测试</a:t>
+            </a:r>
+            <a:r>
+              <a:rPr lang="en-US" altLang="zh-CN" dirty="0" smtClean="0">
+                <a:solidFill>
+                  <a:schemeClr val="bg1"/>
+                </a:solidFill>
+              </a:rPr>
+              <a:t>-DAO</a:t>
+            </a:r>
+            <a:r>
+              <a:rPr lang="zh-CN" altLang="en-US" dirty="0" smtClean="0">
+                <a:solidFill>
+                  <a:schemeClr val="bg1"/>
+                </a:solidFill>
+              </a:rPr>
+              <a:t>层</a:t>
+            </a:r>
+            <a:endParaRPr lang="zh-CN" altLang="en-US" dirty="0">
+              <a:solidFill>
+                <a:schemeClr val="bg1"/>
+              </a:solidFill>
+            </a:endParaRPr>
+          </a:p>
+        </p:txBody>
+      </p:sp>
+      <p:sp>
+        <p:nvSpPr>
+          <p:cNvPr id="5" name="矩形 4"/>
+          <p:cNvSpPr/>
+          <p:nvPr/>
+        </p:nvSpPr>
+        <p:spPr>
+          <a:xfrm>
+            <a:off x="822282" y="1295068"/>
+            <a:ext cx="2916183" cy="369332"/>
+          </a:xfrm>
+          <a:prstGeom prst="rect">
+            <a:avLst/>
+          </a:prstGeom>
+        </p:spPr>
+        <p:txBody>
+          <a:bodyPr wrap="none">
+            <a:spAutoFit/>
+          </a:bodyPr>
+          <a:lstStyle/>
+          <a:p>
+            <a:r>
+              <a:rPr lang="en-US" altLang="zh-CN" dirty="0" smtClean="0">
+                <a:solidFill>
+                  <a:schemeClr val="bg1"/>
+                </a:solidFill>
+              </a:rPr>
+              <a:t>DAO</a:t>
+            </a:r>
+            <a:r>
+              <a:rPr lang="zh-CN" altLang="en-US" dirty="0" smtClean="0">
+                <a:solidFill>
+                  <a:schemeClr val="bg1"/>
+                </a:solidFill>
+              </a:rPr>
+              <a:t>层设计</a:t>
+            </a:r>
+            <a:r>
+              <a:rPr lang="en-US" altLang="zh-CN" dirty="0">
+                <a:solidFill>
+                  <a:schemeClr val="bg1"/>
+                </a:solidFill>
+              </a:rPr>
+              <a:t>-</a:t>
+            </a:r>
+            <a:r>
+              <a:rPr lang="zh-CN" altLang="en-US" dirty="0">
+                <a:solidFill>
+                  <a:schemeClr val="bg1"/>
+                </a:solidFill>
+              </a:rPr>
+              <a:t>用例设计展开</a:t>
+            </a:r>
+          </a:p>
+        </p:txBody>
+      </p:sp>
+      <p:sp>
+        <p:nvSpPr>
+          <p:cNvPr id="9" name="圆角矩形 8"/>
+          <p:cNvSpPr/>
+          <p:nvPr/>
+        </p:nvSpPr>
+        <p:spPr>
+          <a:xfrm>
+            <a:off x="6539948" y="432000"/>
+            <a:ext cx="1888435" cy="2748522"/>
+          </a:xfrm>
+          <a:prstGeom prst="roundRect">
+            <a:avLst/>
+          </a:prstGeom>
+          <a:noFill/>
+          <a:ln>
+            <a:solidFill>
+              <a:srgbClr val="FF0000"/>
+            </a:solidFill>
+          </a:ln>
+        </p:spPr>
+        <p:style>
+          <a:lnRef idx="2">
+            <a:schemeClr val="accent1">
+              <a:shade val="50000"/>
+            </a:schemeClr>
+          </a:lnRef>
+          <a:fillRef idx="1">
+            <a:schemeClr val="accent1"/>
+          </a:fillRef>
+          <a:effectRef idx="0">
+            <a:schemeClr val="accent1"/>
+          </a:effectRef>
+          <a:fontRef idx="minor">
+            <a:schemeClr val="lt1"/>
+          </a:fontRef>
+        </p:style>
+        <p:txBody>
+          <a:bodyPr rot="0" spcFirstLastPara="0" vertOverflow="overflow" horzOverflow="overflow" vert="horz" wrap="square" lIns="91440" tIns="45720" rIns="91440" bIns="45720" numCol="1" spcCol="0" rtlCol="0" fromWordArt="0" anchor="ctr" anchorCtr="0" forceAA="0" compatLnSpc="1">
+            <a:prstTxWarp prst="textNoShape">
+              <a:avLst/>
+            </a:prstTxWarp>
+            <a:noAutofit/>
+          </a:bodyPr>
+          <a:lstStyle/>
+          <a:p>
+            <a:pPr algn="ctr"/>
+            <a:endParaRPr kumimoji="1" lang="zh-CN" altLang="en-US">
+              <a:solidFill>
+                <a:schemeClr val="tx1"/>
+              </a:solidFill>
+            </a:endParaRPr>
+          </a:p>
+        </p:txBody>
+      </p:sp>
+    </p:spTree>
+    <p:extLst>
+      <p:ext uri="{BB962C8B-B14F-4D97-AF65-F5344CB8AC3E}">
+        <p14:creationId xmlns:p14="http://schemas.microsoft.com/office/powerpoint/2010/main" val="1032437831"/>
+      </p:ext>
+    </p:extLst>
+  </p:cSld>
+  <p:clrMapOvr>
+    <a:masterClrMapping/>
+  </p:clrMapOvr>
+</p:sld>
+</file>
+
+<file path=ppt/slides/slide13.xml><?xml version="1.0" encoding="utf-8"?>
+<p:sld xmlns:a="http://schemas.openxmlformats.org/drawingml/2006/main" xmlns:r="http://schemas.openxmlformats.org/officeDocument/2006/relationships" xmlns:p="http://schemas.openxmlformats.org/presentationml/2006/main">
+  <p:cSld>
+    <p:spTree>
+      <p:nvGrpSpPr>
+        <p:cNvPr id="1" name=""/>
+        <p:cNvGrpSpPr/>
+        <p:nvPr/>
+      </p:nvGrpSpPr>
+      <p:grpSpPr>
+        <a:xfrm>
+          <a:off x="0" y="0"/>
+          <a:ext cx="0" cy="0"/>
+          <a:chOff x="0" y="0"/>
+          <a:chExt cx="0" cy="0"/>
+        </a:xfrm>
+      </p:grpSpPr>
+      <p:sp>
+        <p:nvSpPr>
+          <p:cNvPr id="2" name="标题 1">
+            <a:extLst>
+              <a:ext uri="{FF2B5EF4-FFF2-40B4-BE49-F238E27FC236}">
+                <a16:creationId xmlns:a16="http://schemas.microsoft.com/office/drawing/2014/main" xmlns="" id="{D85B6B2A-FBF0-41F4-B80B-0F7EFDDBBFDA}"/>
+              </a:ext>
+            </a:extLst>
+          </p:cNvPr>
+          <p:cNvSpPr>
+            <a:spLocks noGrp="1"/>
+          </p:cNvSpPr>
+          <p:nvPr>
+            <p:ph type="title"/>
+          </p:nvPr>
+        </p:nvSpPr>
+        <p:spPr/>
+        <p:txBody>
+          <a:bodyPr/>
+          <a:lstStyle/>
+          <a:p>
+            <a:r>
+              <a:rPr lang="zh-CN" altLang="en-US" dirty="0"/>
+              <a:t>单元测试</a:t>
+            </a:r>
+            <a:r>
+              <a:rPr lang="en-US" altLang="zh-CN" dirty="0"/>
+              <a:t>-Dao</a:t>
+            </a:r>
+            <a:r>
+              <a:rPr lang="zh-CN" altLang="en-US" dirty="0"/>
+              <a:t>层</a:t>
+            </a:r>
+          </a:p>
+        </p:txBody>
+      </p:sp>
+      <p:sp>
+        <p:nvSpPr>
+          <p:cNvPr id="3" name="文本框 2">
+            <a:extLst>
+              <a:ext uri="{FF2B5EF4-FFF2-40B4-BE49-F238E27FC236}">
+                <a16:creationId xmlns:a16="http://schemas.microsoft.com/office/drawing/2014/main" xmlns="" id="{C5BF1C69-6244-4E4F-A59F-6EA535E7CB97}"/>
+              </a:ext>
+            </a:extLst>
+          </p:cNvPr>
+          <p:cNvSpPr txBox="1"/>
+          <p:nvPr/>
+        </p:nvSpPr>
+        <p:spPr>
+          <a:xfrm>
+            <a:off x="669882" y="1332035"/>
+            <a:ext cx="5855205" cy="369332"/>
+          </a:xfrm>
+          <a:prstGeom prst="rect">
+            <a:avLst/>
+          </a:prstGeom>
+          <a:noFill/>
+        </p:spPr>
+        <p:txBody>
+          <a:bodyPr wrap="square" rtlCol="0">
+            <a:spAutoFit/>
+          </a:bodyPr>
+          <a:lstStyle/>
+          <a:p>
+            <a:r>
+              <a:rPr lang="en-US" altLang="zh-CN" dirty="0" smtClean="0">
+                <a:latin typeface="+mn-ea"/>
+              </a:rPr>
+              <a:t>Dao</a:t>
+            </a:r>
+            <a:r>
+              <a:rPr lang="zh-CN" altLang="en-US" dirty="0" smtClean="0">
+                <a:latin typeface="+mn-ea"/>
+              </a:rPr>
+              <a:t>测试</a:t>
+            </a:r>
+            <a:r>
+              <a:rPr lang="en-US" altLang="zh-CN" dirty="0" smtClean="0">
+                <a:latin typeface="+mn-ea"/>
+              </a:rPr>
+              <a:t>-</a:t>
+            </a:r>
+            <a:r>
+              <a:rPr lang="zh-CN" altLang="zh-CN" dirty="0" smtClean="0">
+                <a:solidFill>
+                  <a:srgbClr val="808000"/>
+                </a:solidFill>
+                <a:latin typeface="+mn-ea"/>
+              </a:rPr>
+              <a:t>@DataJpaTest</a:t>
+            </a:r>
+            <a:endParaRPr lang="zh-CN" altLang="en-US" dirty="0"/>
+          </a:p>
+        </p:txBody>
+      </p:sp>
+      <p:pic>
+        <p:nvPicPr>
+          <p:cNvPr id="4" name="图片 3"/>
+          <p:cNvPicPr>
+            <a:picLocks noChangeAspect="1"/>
+          </p:cNvPicPr>
+          <p:nvPr/>
+        </p:nvPicPr>
+        <p:blipFill>
+          <a:blip r:embed="rId2">
+            <a:extLst>
+              <a:ext uri="{28A0092B-C50C-407E-A947-70E740481C1C}">
+                <a14:useLocalDpi xmlns:a14="http://schemas.microsoft.com/office/drawing/2010/main" val="0"/>
+              </a:ext>
+            </a:extLst>
+          </a:blip>
+          <a:stretch>
+            <a:fillRect/>
+          </a:stretch>
+        </p:blipFill>
+        <p:spPr>
+          <a:xfrm>
+            <a:off x="4256157" y="598556"/>
+            <a:ext cx="7416800" cy="5727700"/>
+          </a:xfrm>
+          <a:prstGeom prst="rect">
+            <a:avLst/>
+          </a:prstGeom>
+        </p:spPr>
+      </p:pic>
+    </p:spTree>
+    <p:extLst>
+      <p:ext uri="{BB962C8B-B14F-4D97-AF65-F5344CB8AC3E}">
+        <p14:creationId xmlns:p14="http://schemas.microsoft.com/office/powerpoint/2010/main" val="222790153"/>
+      </p:ext>
+    </p:extLst>
+  </p:cSld>
+  <p:clrMapOvr>
+    <a:masterClrMapping/>
+  </p:clrMapOvr>
+</p:sld>
+</file>
+
+<file path=ppt/slides/slide14.xml><?xml version="1.0" encoding="utf-8"?>
+<p:sld xmlns:a="http://schemas.openxmlformats.org/drawingml/2006/main" xmlns:r="http://schemas.openxmlformats.org/officeDocument/2006/relationships" xmlns:p="http://schemas.openxmlformats.org/presentationml/2006/main">
+  <p:cSld>
+    <p:spTree>
+      <p:nvGrpSpPr>
+        <p:cNvPr id="1" name=""/>
+        <p:cNvGrpSpPr/>
+        <p:nvPr/>
+      </p:nvGrpSpPr>
+      <p:grpSpPr>
+        <a:xfrm>
+          <a:off x="0" y="0"/>
+          <a:ext cx="0" cy="0"/>
+          <a:chOff x="0" y="0"/>
+          <a:chExt cx="0" cy="0"/>
+        </a:xfrm>
+      </p:grpSpPr>
+      <p:pic>
+        <p:nvPicPr>
+          <p:cNvPr id="3" name="图片 2">
+            <a:extLst>
+              <a:ext uri="{FF2B5EF4-FFF2-40B4-BE49-F238E27FC236}">
+                <a16:creationId xmlns:a16="http://schemas.microsoft.com/office/drawing/2014/main" xmlns="" id="{E37709C7-CECD-4BFF-88E6-521DB3410389}"/>
+              </a:ext>
+            </a:extLst>
+          </p:cNvPr>
+          <p:cNvPicPr>
+            <a:picLocks noChangeAspect="1"/>
+          </p:cNvPicPr>
+          <p:nvPr/>
+        </p:nvPicPr>
+        <p:blipFill>
+          <a:blip r:embed="rId2"/>
+          <a:stretch>
+            <a:fillRect/>
+          </a:stretch>
+        </p:blipFill>
+        <p:spPr>
+          <a:xfrm>
+            <a:off x="905960" y="1953402"/>
+            <a:ext cx="8748518" cy="3581710"/>
+          </a:xfrm>
+          <a:prstGeom prst="rect">
+            <a:avLst/>
+          </a:prstGeom>
+        </p:spPr>
+      </p:pic>
+      <p:sp>
+        <p:nvSpPr>
+          <p:cNvPr id="5" name="标题 1">
+            <a:extLst>
+              <a:ext uri="{FF2B5EF4-FFF2-40B4-BE49-F238E27FC236}">
+                <a16:creationId xmlns:a16="http://schemas.microsoft.com/office/drawing/2014/main" xmlns="" id="{D85B6B2A-FBF0-41F4-B80B-0F7EFDDBBFDA}"/>
+              </a:ext>
+            </a:extLst>
+          </p:cNvPr>
+          <p:cNvSpPr>
+            <a:spLocks noGrp="1"/>
+          </p:cNvSpPr>
+          <p:nvPr>
+            <p:ph type="title"/>
+          </p:nvPr>
+        </p:nvSpPr>
+        <p:spPr>
+          <a:xfrm>
+            <a:off x="669882" y="432000"/>
+            <a:ext cx="10852237" cy="648000"/>
+          </a:xfrm>
+        </p:spPr>
+        <p:txBody>
+          <a:bodyPr/>
+          <a:lstStyle/>
+          <a:p>
+            <a:r>
+              <a:rPr lang="zh-CN" altLang="en-US" dirty="0"/>
+              <a:t>单元测试</a:t>
+            </a:r>
+            <a:r>
+              <a:rPr lang="en-US" altLang="zh-CN" dirty="0"/>
+              <a:t>-Dao</a:t>
+            </a:r>
+            <a:r>
+              <a:rPr lang="zh-CN" altLang="en-US" dirty="0"/>
+              <a:t>层</a:t>
+            </a:r>
+          </a:p>
+        </p:txBody>
+      </p:sp>
+      <p:sp>
+        <p:nvSpPr>
+          <p:cNvPr id="6" name="文本框 5">
+            <a:extLst>
+              <a:ext uri="{FF2B5EF4-FFF2-40B4-BE49-F238E27FC236}">
+                <a16:creationId xmlns:a16="http://schemas.microsoft.com/office/drawing/2014/main" xmlns="" id="{C5BF1C69-6244-4E4F-A59F-6EA535E7CB97}"/>
+              </a:ext>
+            </a:extLst>
+          </p:cNvPr>
+          <p:cNvSpPr txBox="1"/>
+          <p:nvPr/>
+        </p:nvSpPr>
+        <p:spPr>
+          <a:xfrm>
+            <a:off x="669882" y="1332035"/>
+            <a:ext cx="5855205" cy="369332"/>
+          </a:xfrm>
+          <a:prstGeom prst="rect">
+            <a:avLst/>
+          </a:prstGeom>
+          <a:noFill/>
+        </p:spPr>
+        <p:txBody>
+          <a:bodyPr wrap="square" rtlCol="0">
+            <a:spAutoFit/>
+          </a:bodyPr>
+          <a:lstStyle/>
+          <a:p>
+            <a:r>
+              <a:rPr lang="en-US" altLang="zh-CN" dirty="0" smtClean="0">
+                <a:latin typeface="+mn-ea"/>
+              </a:rPr>
+              <a:t>Dao</a:t>
+            </a:r>
+            <a:r>
+              <a:rPr lang="zh-CN" altLang="en-US" dirty="0" smtClean="0">
+                <a:latin typeface="+mn-ea"/>
+              </a:rPr>
+              <a:t>测试</a:t>
+            </a:r>
+            <a:r>
+              <a:rPr lang="en-US" altLang="zh-CN" dirty="0" smtClean="0">
+                <a:latin typeface="+mn-ea"/>
+              </a:rPr>
+              <a:t>-</a:t>
+            </a:r>
+            <a:r>
+              <a:rPr lang="zh-CN" altLang="zh-CN" dirty="0" smtClean="0">
+                <a:solidFill>
+                  <a:srgbClr val="808000"/>
+                </a:solidFill>
+                <a:latin typeface="+mn-ea"/>
+              </a:rPr>
+              <a:t>@</a:t>
+            </a:r>
+            <a:r>
+              <a:rPr lang="en-US" altLang="zh-CN" dirty="0" err="1" smtClean="0"/>
+              <a:t>ParamerizedTest</a:t>
+            </a:r>
+            <a:endParaRPr lang="zh-CN" altLang="en-US" dirty="0"/>
+          </a:p>
+        </p:txBody>
+      </p:sp>
+    </p:spTree>
+    <p:extLst>
+      <p:ext uri="{BB962C8B-B14F-4D97-AF65-F5344CB8AC3E}">
+        <p14:creationId xmlns:p14="http://schemas.microsoft.com/office/powerpoint/2010/main" val="3218024585"/>
+      </p:ext>
+    </p:extLst>
+  </p:cSld>
+  <p:clrMapOvr>
+    <a:masterClrMapping/>
+  </p:clrMapOvr>
+</p:sld>
+</file>
+
+<file path=ppt/slides/slide15.xml><?xml version="1.0" encoding="utf-8"?>
+<p:sld xmlns:a="http://schemas.openxmlformats.org/drawingml/2006/main" xmlns:r="http://schemas.openxmlformats.org/officeDocument/2006/relationships" xmlns:p="http://schemas.openxmlformats.org/presentationml/2006/main">
+  <p:cSld>
+    <p:spTree>
+      <p:nvGrpSpPr>
+        <p:cNvPr id="1" name=""/>
+        <p:cNvGrpSpPr/>
+        <p:nvPr/>
+      </p:nvGrpSpPr>
+      <p:grpSpPr>
+        <a:xfrm>
+          <a:off x="0" y="0"/>
+          <a:ext cx="0" cy="0"/>
+          <a:chOff x="0" y="0"/>
+          <a:chExt cx="0" cy="0"/>
+        </a:xfrm>
+      </p:grpSpPr>
+      <p:sp>
+        <p:nvSpPr>
+          <p:cNvPr id="5" name="标题 1">
+            <a:extLst>
+              <a:ext uri="{FF2B5EF4-FFF2-40B4-BE49-F238E27FC236}">
+                <a16:creationId xmlns:a16="http://schemas.microsoft.com/office/drawing/2014/main" xmlns="" id="{D85B6B2A-FBF0-41F4-B80B-0F7EFDDBBFDA}"/>
+              </a:ext>
+            </a:extLst>
+          </p:cNvPr>
+          <p:cNvSpPr>
+            <a:spLocks noGrp="1"/>
+          </p:cNvSpPr>
+          <p:nvPr>
+            <p:ph type="title"/>
+          </p:nvPr>
+        </p:nvSpPr>
+        <p:spPr>
+          <a:xfrm>
+            <a:off x="669882" y="432000"/>
+            <a:ext cx="10852237" cy="648000"/>
+          </a:xfrm>
+        </p:spPr>
+        <p:txBody>
+          <a:bodyPr/>
+          <a:lstStyle/>
+          <a:p>
+            <a:r>
+              <a:rPr lang="zh-CN" altLang="en-US" dirty="0"/>
+              <a:t>单元测试</a:t>
+            </a:r>
+            <a:r>
+              <a:rPr lang="en-US" altLang="zh-CN" dirty="0"/>
+              <a:t>-Dao</a:t>
+            </a:r>
+            <a:r>
+              <a:rPr lang="zh-CN" altLang="en-US" dirty="0"/>
+              <a:t>层</a:t>
+            </a:r>
+          </a:p>
+        </p:txBody>
+      </p:sp>
+      <p:sp>
+        <p:nvSpPr>
+          <p:cNvPr id="6" name="文本框 5">
+            <a:extLst>
+              <a:ext uri="{FF2B5EF4-FFF2-40B4-BE49-F238E27FC236}">
+                <a16:creationId xmlns:a16="http://schemas.microsoft.com/office/drawing/2014/main" xmlns="" id="{C5BF1C69-6244-4E4F-A59F-6EA535E7CB97}"/>
+              </a:ext>
+            </a:extLst>
+          </p:cNvPr>
+          <p:cNvSpPr txBox="1"/>
+          <p:nvPr/>
+        </p:nvSpPr>
+        <p:spPr>
+          <a:xfrm>
+            <a:off x="669882" y="1332035"/>
+            <a:ext cx="5855205" cy="369332"/>
+          </a:xfrm>
+          <a:prstGeom prst="rect">
+            <a:avLst/>
+          </a:prstGeom>
+          <a:noFill/>
+        </p:spPr>
+        <p:txBody>
+          <a:bodyPr wrap="square" rtlCol="0">
+            <a:spAutoFit/>
+          </a:bodyPr>
+          <a:lstStyle/>
+          <a:p>
+            <a:r>
+              <a:rPr lang="en-US" altLang="zh-CN" dirty="0" smtClean="0">
+                <a:latin typeface="+mn-ea"/>
+              </a:rPr>
+              <a:t>Dao</a:t>
+            </a:r>
+            <a:r>
+              <a:rPr lang="zh-CN" altLang="en-US" dirty="0" smtClean="0">
+                <a:latin typeface="+mn-ea"/>
+              </a:rPr>
+              <a:t>测试</a:t>
+            </a:r>
+            <a:r>
+              <a:rPr lang="en-US" altLang="zh-CN" dirty="0" smtClean="0">
+                <a:latin typeface="+mn-ea"/>
+              </a:rPr>
+              <a:t>-</a:t>
+            </a:r>
+            <a:r>
+              <a:rPr lang="en-US" altLang="zh-CN" dirty="0" smtClean="0">
+                <a:solidFill>
+                  <a:srgbClr val="808000"/>
+                </a:solidFill>
+                <a:latin typeface="+mn-ea"/>
+              </a:rPr>
+              <a:t>ISSUES</a:t>
+            </a:r>
+            <a:endParaRPr lang="zh-CN" altLang="en-US" dirty="0"/>
+          </a:p>
+        </p:txBody>
+      </p:sp>
+      <p:sp>
+        <p:nvSpPr>
+          <p:cNvPr id="2" name="文本框 1"/>
+          <p:cNvSpPr txBox="1"/>
+          <p:nvPr/>
+        </p:nvSpPr>
+        <p:spPr>
+          <a:xfrm>
+            <a:off x="669882" y="2629263"/>
+            <a:ext cx="10084257" cy="3139321"/>
+          </a:xfrm>
+          <a:prstGeom prst="rect">
+            <a:avLst/>
+          </a:prstGeom>
+          <a:noFill/>
+        </p:spPr>
+        <p:txBody>
+          <a:bodyPr wrap="square" rtlCol="0">
+            <a:spAutoFit/>
+          </a:bodyPr>
+          <a:lstStyle/>
+          <a:p>
+            <a:r>
+              <a:rPr lang="en-US" altLang="zh-CN" b="1" dirty="0"/>
+              <a:t>ISSUE-1 : </a:t>
+            </a:r>
+            <a:r>
+              <a:rPr lang="zh-CN" altLang="en-US" b="1" dirty="0"/>
+              <a:t>查询可用场馆时，查询出的场馆结果少于实际</a:t>
+            </a:r>
+            <a:r>
+              <a:rPr lang="zh-CN" altLang="en-US" b="1" dirty="0" smtClean="0"/>
+              <a:t>可用</a:t>
+            </a:r>
+            <a:r>
+              <a:rPr lang="zh-CN" altLang="en-US" b="1" dirty="0"/>
+              <a:t>场馆</a:t>
+            </a:r>
+            <a:r>
+              <a:rPr lang="zh-CN" altLang="en-US" b="1" dirty="0" smtClean="0"/>
+              <a:t>。</a:t>
+            </a:r>
+            <a:endParaRPr lang="en-US" altLang="zh-CN" b="1" dirty="0" smtClean="0"/>
+          </a:p>
+          <a:p>
+            <a:endParaRPr lang="en-US" altLang="zh-CN" b="1" dirty="0"/>
+          </a:p>
+          <a:p>
+            <a:r>
+              <a:rPr lang="en-US" altLang="zh-CN" b="1" dirty="0" smtClean="0"/>
+              <a:t>ISSUE-2: </a:t>
+            </a:r>
+            <a:r>
+              <a:rPr lang="zh-CN" altLang="en-US" b="1" dirty="0" smtClean="0"/>
+              <a:t> 查询</a:t>
+            </a:r>
+            <a:r>
+              <a:rPr lang="zh-CN" altLang="en-US" b="1" dirty="0"/>
+              <a:t>可用场馆时，</a:t>
+            </a:r>
+            <a:r>
+              <a:rPr lang="en-US" altLang="zh-CN" b="1" dirty="0"/>
+              <a:t>weekday </a:t>
+            </a:r>
+            <a:r>
+              <a:rPr lang="zh-CN" altLang="en-US" b="1" dirty="0"/>
+              <a:t>参数不合规范，返 </a:t>
+            </a:r>
+            <a:r>
+              <a:rPr lang="zh-CN" altLang="en-US" b="1" dirty="0" smtClean="0"/>
+              <a:t>回</a:t>
+            </a:r>
+            <a:r>
+              <a:rPr lang="zh-CN" altLang="en-US" b="1" dirty="0"/>
+              <a:t>全部场馆，而不是返回空结果</a:t>
+            </a:r>
+            <a:r>
+              <a:rPr lang="zh-CN" altLang="en-US" b="1" dirty="0" smtClean="0"/>
+              <a:t>。</a:t>
+            </a:r>
+            <a:endParaRPr lang="en-US" altLang="zh-CN" b="1" dirty="0" smtClean="0"/>
+          </a:p>
+          <a:p>
+            <a:endParaRPr lang="en-US" altLang="zh-CN" b="1" dirty="0"/>
+          </a:p>
+          <a:p>
+            <a:r>
+              <a:rPr lang="en-US" altLang="zh-CN" b="1" dirty="0"/>
+              <a:t>ISSUE-3 : </a:t>
+            </a:r>
+            <a:r>
+              <a:rPr lang="en-US" altLang="zh-CN" b="1" dirty="0" err="1"/>
+              <a:t>ReserveDao</a:t>
+            </a:r>
+            <a:r>
+              <a:rPr lang="en-US" altLang="zh-CN" b="1" dirty="0"/>
+              <a:t> </a:t>
+            </a:r>
+            <a:r>
+              <a:rPr lang="zh-CN" altLang="en-US" b="1" dirty="0"/>
+              <a:t>中查询全部预约纪录时，同一条</a:t>
+            </a:r>
+            <a:r>
+              <a:rPr lang="zh-CN" altLang="en-US" b="1" dirty="0" smtClean="0"/>
+              <a:t>纪录</a:t>
+            </a:r>
+            <a:r>
+              <a:rPr lang="zh-CN" altLang="en-US" b="1" dirty="0"/>
+              <a:t>会返回两次</a:t>
+            </a:r>
+            <a:r>
+              <a:rPr lang="zh-CN" altLang="en-US" b="1" dirty="0" smtClean="0"/>
+              <a:t>。</a:t>
+            </a:r>
+            <a:endParaRPr lang="en-US" altLang="zh-CN" b="1" dirty="0" smtClean="0"/>
+          </a:p>
+          <a:p>
+            <a:endParaRPr lang="en-US" altLang="zh-CN" b="1" dirty="0"/>
+          </a:p>
+          <a:p>
+            <a:r>
+              <a:rPr lang="en-US" altLang="zh-CN" b="1" dirty="0"/>
+              <a:t>ISSUE-4 : </a:t>
+            </a:r>
+            <a:r>
+              <a:rPr lang="en-US" altLang="zh-CN" b="1" dirty="0" err="1" smtClean="0"/>
+              <a:t>TeachDao</a:t>
+            </a:r>
+            <a:r>
+              <a:rPr lang="en-US" altLang="zh-CN" b="1" dirty="0" smtClean="0"/>
+              <a:t> </a:t>
+            </a:r>
+            <a:r>
+              <a:rPr lang="zh-CN" altLang="en-US" b="1" dirty="0"/>
+              <a:t>中 </a:t>
+            </a:r>
+            <a:r>
+              <a:rPr lang="en-US" altLang="zh-CN" b="1" dirty="0" err="1"/>
+              <a:t>int</a:t>
+            </a:r>
+            <a:r>
+              <a:rPr lang="en-US" altLang="zh-CN" b="1" dirty="0"/>
+              <a:t> </a:t>
+            </a:r>
+            <a:r>
+              <a:rPr lang="en-US" altLang="zh-CN" b="1" dirty="0" err="1"/>
+              <a:t>findUserIdByCourseId</a:t>
+            </a:r>
+            <a:r>
+              <a:rPr lang="en-US" altLang="zh-CN" b="1" dirty="0"/>
+              <a:t>(</a:t>
+            </a:r>
+            <a:r>
+              <a:rPr lang="en-US" altLang="zh-CN" b="1" dirty="0" err="1"/>
+              <a:t>int</a:t>
+            </a:r>
+            <a:r>
+              <a:rPr lang="en-US" altLang="zh-CN" b="1" dirty="0"/>
+              <a:t> </a:t>
+            </a:r>
+            <a:r>
+              <a:rPr lang="en-US" altLang="zh-CN" b="1" dirty="0" err="1" smtClean="0"/>
+              <a:t>courseId</a:t>
+            </a:r>
+            <a:r>
+              <a:rPr lang="en-US" altLang="zh-CN" b="1" dirty="0" smtClean="0"/>
+              <a:t> </a:t>
+            </a:r>
+            <a:r>
+              <a:rPr lang="zh-CN" altLang="en-US" b="1" dirty="0"/>
+              <a:t>方法调用时无有效响应。</a:t>
+            </a:r>
+            <a:endParaRPr lang="en-US" altLang="zh-CN" dirty="0"/>
+          </a:p>
+          <a:p>
+            <a:endParaRPr lang="zh-CN" altLang="en-US" dirty="0"/>
+          </a:p>
+          <a:p>
+            <a:endParaRPr lang="zh-CN" altLang="en-US" dirty="0"/>
+          </a:p>
+          <a:p>
+            <a:endParaRPr lang="zh-CN" altLang="en-US" dirty="0"/>
+          </a:p>
+          <a:p>
+            <a:endParaRPr kumimoji="1" lang="zh-CN" altLang="en-US" dirty="0"/>
+          </a:p>
+        </p:txBody>
+      </p:sp>
+    </p:spTree>
+    <p:extLst>
+      <p:ext uri="{BB962C8B-B14F-4D97-AF65-F5344CB8AC3E}">
+        <p14:creationId xmlns:p14="http://schemas.microsoft.com/office/powerpoint/2010/main" val="2060023293"/>
+      </p:ext>
+    </p:extLst>
+  </p:cSld>
+  <p:clrMapOvr>
+    <a:masterClrMapping/>
+  </p:clrMapOvr>
+</p:sld>
+</file>
+
+<file path=ppt/slides/slide16.xml><?xml version="1.0" encoding="utf-8"?>
+<p:sld xmlns:a="http://schemas.openxmlformats.org/drawingml/2006/main" xmlns:r="http://schemas.openxmlformats.org/officeDocument/2006/relationships" xmlns:p="http://schemas.openxmlformats.org/presentationml/2006/main">
+  <p:cSld>
+    <p:spTree>
+      <p:nvGrpSpPr>
+        <p:cNvPr id="1" name=""/>
+        <p:cNvGrpSpPr/>
+        <p:nvPr/>
+      </p:nvGrpSpPr>
+      <p:grpSpPr>
+        <a:xfrm>
+          <a:off x="0" y="0"/>
+          <a:ext cx="0" cy="0"/>
+          <a:chOff x="0" y="0"/>
+          <a:chExt cx="0" cy="0"/>
+        </a:xfrm>
+      </p:grpSpPr>
       <p:sp>
         <p:nvSpPr>
           <p:cNvPr id="2" name="标题 1">
@@ -11417,7 +14360,7 @@
 </p:sld>
 </file>
 
-<file path=ppt/slides/slide11.xml><?xml version="1.0" encoding="utf-8"?>
+<file path=ppt/slides/slide17.xml><?xml version="1.0" encoding="utf-8"?>
 <p:sld xmlns:a="http://schemas.openxmlformats.org/drawingml/2006/main" xmlns:r="http://schemas.openxmlformats.org/officeDocument/2006/relationships" xmlns:p="http://schemas.openxmlformats.org/presentationml/2006/main">
   <p:cSld>
     <p:spTree>
@@ -11567,7 +14510,7 @@
 </p:sld>
 </file>
 
-<file path=ppt/slides/slide12.xml><?xml version="1.0" encoding="utf-8"?>
+<file path=ppt/slides/slide18.xml><?xml version="1.0" encoding="utf-8"?>
 <p:sld xmlns:a="http://schemas.openxmlformats.org/drawingml/2006/main" xmlns:r="http://schemas.openxmlformats.org/officeDocument/2006/relationships" xmlns:p="http://schemas.openxmlformats.org/presentationml/2006/main">
   <p:cSld>
     <p:spTree>
@@ -11851,7 +14794,7 @@
 </p:sld>
 </file>
 
-<file path=ppt/slides/slide13.xml><?xml version="1.0" encoding="utf-8"?>
+<file path=ppt/slides/slide19.xml><?xml version="1.0" encoding="utf-8"?>
 <p:sld xmlns:a="http://schemas.openxmlformats.org/drawingml/2006/main" xmlns:r="http://schemas.openxmlformats.org/officeDocument/2006/relationships" xmlns:p="http://schemas.openxmlformats.org/presentationml/2006/main">
   <p:cSld>
     <p:spTree>
@@ -11873,7 +14816,7 @@
           <p:cNvPr id="2" name="标题 1">
             <a:extLst>
               <a:ext uri="{FF2B5EF4-FFF2-40B4-BE49-F238E27FC236}">
-                <a16:creationId xmlns:a16="http://schemas.microsoft.com/office/drawing/2014/main" xmlns="" id="{8618B29A-C5E3-4C69-AFA7-60B61ACF11B6}"/>
+                <a16:creationId xmlns:a16="http://schemas.microsoft.com/office/drawing/2014/main" xmlns="" id="{8A48BC13-7541-4B4B-8DBF-3130F469FE00}"/>
               </a:ext>
             </a:extLst>
           </p:cNvPr>
@@ -11891,13 +14834,16 @@
           <a:p>
             <a:r>
               <a:rPr lang="zh-CN" altLang="en-US" dirty="0"/>
-              <a:t>接口测试</a:t>
+              <a:t>单元测试</a:t>
             </a:r>
             <a:r>
               <a:rPr lang="en-US" altLang="zh-CN" dirty="0"/>
-              <a:t>-Postman</a:t>
-            </a:r>
-            <a:endParaRPr lang="zh-CN" altLang="en-US" dirty="0"/>
+              <a:t>-Controller</a:t>
+            </a:r>
+            <a:r>
+              <a:rPr lang="zh-CN" altLang="en-US" dirty="0"/>
+              <a:t>层</a:t>
+            </a:r>
           </a:p>
         </p:txBody>
       </p:sp>
@@ -11906,7 +14852,7 @@
           <p:cNvPr id="3" name="文本框 2">
             <a:extLst>
               <a:ext uri="{FF2B5EF4-FFF2-40B4-BE49-F238E27FC236}">
-                <a16:creationId xmlns:a16="http://schemas.microsoft.com/office/drawing/2014/main" xmlns="" id="{64344D9A-E65D-4102-968E-6100AA67FEF5}"/>
+                <a16:creationId xmlns:a16="http://schemas.microsoft.com/office/drawing/2014/main" xmlns="" id="{359C034D-0E69-40E3-A359-EA3FF6722468}"/>
               </a:ext>
             </a:extLst>
           </p:cNvPr>
@@ -11916,7 +14862,7 @@
         <p:spPr>
           <a:xfrm>
             <a:off x="669882" y="1393793"/>
-            <a:ext cx="10595881" cy="923330"/>
+            <a:ext cx="10595881" cy="646331"/>
           </a:xfrm>
           <a:prstGeom prst="rect">
             <a:avLst/>
@@ -11930,40 +14876,8 @@
           <a:lstStyle/>
           <a:p>
             <a:r>
-              <a:rPr lang="zh-CN" altLang="en-US" dirty="0"/>
-              <a:t>因为</a:t>
-            </a:r>
-            <a:r>
-              <a:rPr lang="en-US" altLang="zh-CN" dirty="0"/>
-              <a:t>Security</a:t>
-            </a:r>
-            <a:r>
-              <a:rPr lang="zh-CN" altLang="en-US" dirty="0"/>
-              <a:t>安全验证，所以需要登录后获取</a:t>
-            </a:r>
-            <a:r>
-              <a:rPr lang="en-US" altLang="zh-CN" dirty="0"/>
-              <a:t>cookie</a:t>
-            </a:r>
-            <a:r>
-              <a:rPr lang="zh-CN" altLang="en-US" dirty="0"/>
-              <a:t>，在接下来的接口访问中将</a:t>
-            </a:r>
-            <a:r>
-              <a:rPr lang="en-US" altLang="zh-CN" dirty="0"/>
-              <a:t>cookie</a:t>
-            </a:r>
-            <a:r>
-              <a:rPr lang="zh-CN" altLang="en-US" dirty="0"/>
-              <a:t>填入</a:t>
-            </a:r>
-            <a:r>
-              <a:rPr lang="en-US" altLang="zh-CN" dirty="0"/>
-              <a:t>Headers</a:t>
-            </a:r>
-            <a:r>
-              <a:rPr lang="zh-CN" altLang="en-US" dirty="0"/>
-              <a:t>中才能正常测试。</a:t>
+              <a:rPr lang="zh-CN" altLang="en-US" dirty="0" smtClean="0"/>
+              <a:t>学生用户可以正常添加课程的功能，而游客会被禁止。</a:t>
             </a:r>
             <a:endParaRPr lang="zh-CN" altLang="zh-CN" sz="4400" dirty="0">
               <a:latin typeface="Arial" panose="020B0604020202020204" pitchFamily="34" charset="0"/>
@@ -11976,310 +14890,14 @@
       </p:sp>
       <p:pic>
         <p:nvPicPr>
-          <p:cNvPr id="4" name="图片 3">
-            <a:extLst>
-              <a:ext uri="{FF2B5EF4-FFF2-40B4-BE49-F238E27FC236}">
-                <a16:creationId xmlns:a16="http://schemas.microsoft.com/office/drawing/2014/main" xmlns="" id="{CAAFE79E-C660-48C7-BDC5-F08BFB71C634}"/>
-              </a:ext>
-            </a:extLst>
-          </p:cNvPr>
+          <p:cNvPr id="4" name="图片 3"/>
           <p:cNvPicPr>
             <a:picLocks noChangeAspect="1"/>
           </p:cNvPicPr>
           <p:nvPr/>
         </p:nvPicPr>
         <p:blipFill>
-          <a:blip r:embed="rId2"/>
-          <a:stretch>
-            <a:fillRect/>
-          </a:stretch>
-        </p:blipFill>
-        <p:spPr>
-          <a:xfrm>
-            <a:off x="327003" y="2372608"/>
-            <a:ext cx="11751058" cy="3558848"/>
-          </a:xfrm>
-          <a:prstGeom prst="rect">
-            <a:avLst/>
-          </a:prstGeom>
-        </p:spPr>
-      </p:pic>
-    </p:spTree>
-    <p:extLst>
-      <p:ext uri="{BB962C8B-B14F-4D97-AF65-F5344CB8AC3E}">
-        <p14:creationId xmlns:p14="http://schemas.microsoft.com/office/powerpoint/2010/main" val="3668166307"/>
-      </p:ext>
-    </p:extLst>
-  </p:cSld>
-  <p:clrMapOvr>
-    <a:masterClrMapping/>
-  </p:clrMapOvr>
-</p:sld>
-</file>
-
-<file path=ppt/slides/slide14.xml><?xml version="1.0" encoding="utf-8"?>
-<p:sld xmlns:a="http://schemas.openxmlformats.org/drawingml/2006/main" xmlns:r="http://schemas.openxmlformats.org/officeDocument/2006/relationships" xmlns:p="http://schemas.openxmlformats.org/presentationml/2006/main">
-  <p:cSld>
-    <p:spTree>
-      <p:nvGrpSpPr>
-        <p:cNvPr id="1" name=""/>
-        <p:cNvGrpSpPr/>
-        <p:nvPr/>
-      </p:nvGrpSpPr>
-      <p:grpSpPr>
-        <a:xfrm>
-          <a:off x="0" y="0"/>
-          <a:ext cx="0" cy="0"/>
-          <a:chOff x="0" y="0"/>
-          <a:chExt cx="0" cy="0"/>
-        </a:xfrm>
-      </p:grpSpPr>
-      <p:pic>
-        <p:nvPicPr>
-          <p:cNvPr id="4" name="图片 3">
-            <a:extLst>
-              <a:ext uri="{FF2B5EF4-FFF2-40B4-BE49-F238E27FC236}">
-                <a16:creationId xmlns:a16="http://schemas.microsoft.com/office/drawing/2014/main" xmlns="" id="{70EFF4DA-9003-4F3A-8799-77404567CE52}"/>
-              </a:ext>
-            </a:extLst>
-          </p:cNvPr>
-          <p:cNvPicPr>
-            <a:picLocks noChangeAspect="1"/>
-          </p:cNvPicPr>
-          <p:nvPr/>
-        </p:nvPicPr>
-        <p:blipFill>
-          <a:blip r:embed="rId2"/>
-          <a:stretch>
-            <a:fillRect/>
-          </a:stretch>
-        </p:blipFill>
-        <p:spPr>
-          <a:xfrm>
-            <a:off x="314354" y="417779"/>
-            <a:ext cx="11705334" cy="2293819"/>
-          </a:xfrm>
-          <a:prstGeom prst="rect">
-            <a:avLst/>
-          </a:prstGeom>
-        </p:spPr>
-      </p:pic>
-      <p:pic>
-        <p:nvPicPr>
-          <p:cNvPr id="5" name="图片 4">
-            <a:extLst>
-              <a:ext uri="{FF2B5EF4-FFF2-40B4-BE49-F238E27FC236}">
-                <a16:creationId xmlns:a16="http://schemas.microsoft.com/office/drawing/2014/main" xmlns="" id="{34936AC6-D30F-426E-8EDB-8E8F29B2DE13}"/>
-              </a:ext>
-            </a:extLst>
-          </p:cNvPr>
-          <p:cNvPicPr>
-            <a:picLocks noChangeAspect="1"/>
-          </p:cNvPicPr>
-          <p:nvPr/>
-        </p:nvPicPr>
-        <p:blipFill>
-          <a:blip r:embed="rId3"/>
-          <a:stretch>
-            <a:fillRect/>
-          </a:stretch>
-        </p:blipFill>
-        <p:spPr>
-          <a:xfrm>
-            <a:off x="2009950" y="2775272"/>
-            <a:ext cx="7746609" cy="3926019"/>
-          </a:xfrm>
-          <a:prstGeom prst="rect">
-            <a:avLst/>
-          </a:prstGeom>
-        </p:spPr>
-      </p:pic>
-    </p:spTree>
-    <p:extLst>
-      <p:ext uri="{BB962C8B-B14F-4D97-AF65-F5344CB8AC3E}">
-        <p14:creationId xmlns:p14="http://schemas.microsoft.com/office/powerpoint/2010/main" val="2330282179"/>
-      </p:ext>
-    </p:extLst>
-  </p:cSld>
-  <p:clrMapOvr>
-    <a:masterClrMapping/>
-  </p:clrMapOvr>
-</p:sld>
-</file>
-
-<file path=ppt/slides/slide15.xml><?xml version="1.0" encoding="utf-8"?>
-<p:sld xmlns:a="http://schemas.openxmlformats.org/drawingml/2006/main" xmlns:r="http://schemas.openxmlformats.org/officeDocument/2006/relationships" xmlns:p="http://schemas.openxmlformats.org/presentationml/2006/main">
-  <p:cSld>
-    <p:spTree>
-      <p:nvGrpSpPr>
-        <p:cNvPr id="1" name=""/>
-        <p:cNvGrpSpPr/>
-        <p:nvPr/>
-      </p:nvGrpSpPr>
-      <p:grpSpPr>
-        <a:xfrm>
-          <a:off x="0" y="0"/>
-          <a:ext cx="0" cy="0"/>
-          <a:chOff x="0" y="0"/>
-          <a:chExt cx="0" cy="0"/>
-        </a:xfrm>
-      </p:grpSpPr>
-      <p:sp>
-        <p:nvSpPr>
-          <p:cNvPr id="2" name="标题 1">
-            <a:extLst>
-              <a:ext uri="{FF2B5EF4-FFF2-40B4-BE49-F238E27FC236}">
-                <a16:creationId xmlns:a16="http://schemas.microsoft.com/office/drawing/2014/main" xmlns="" id="{8618B29A-C5E3-4C69-AFA7-60B61ACF11B6}"/>
-              </a:ext>
-            </a:extLst>
-          </p:cNvPr>
-          <p:cNvSpPr>
-            <a:spLocks noGrp="1"/>
-          </p:cNvSpPr>
-          <p:nvPr>
-            <p:ph type="title"/>
-          </p:nvPr>
-        </p:nvSpPr>
-        <p:spPr/>
-        <p:txBody>
-          <a:bodyPr/>
-          <a:lstStyle/>
-          <a:p>
-            <a:r>
-              <a:rPr lang="zh-CN" altLang="en-US" dirty="0" smtClean="0"/>
-              <a:t>系统测试</a:t>
-            </a:r>
-            <a:r>
-              <a:rPr lang="zh-CN" altLang="en-US" dirty="0"/>
-              <a:t> </a:t>
-            </a:r>
-            <a:r>
-              <a:rPr lang="en-US" altLang="zh-CN" dirty="0" smtClean="0"/>
-              <a:t>-</a:t>
-            </a:r>
-            <a:r>
-              <a:rPr lang="zh-CN" altLang="en-US" dirty="0" smtClean="0"/>
-              <a:t> </a:t>
-            </a:r>
-            <a:r>
-              <a:rPr lang="en-US" altLang="zh-CN" dirty="0" err="1" smtClean="0"/>
-              <a:t>ChromeDriver</a:t>
-            </a:r>
-            <a:endParaRPr lang="zh-CN" altLang="en-US" dirty="0"/>
-          </a:p>
-        </p:txBody>
-      </p:sp>
-    </p:spTree>
-    <p:extLst>
-      <p:ext uri="{BB962C8B-B14F-4D97-AF65-F5344CB8AC3E}">
-        <p14:creationId xmlns:p14="http://schemas.microsoft.com/office/powerpoint/2010/main" val="861057579"/>
-      </p:ext>
-    </p:extLst>
-  </p:cSld>
-  <p:clrMapOvr>
-    <a:masterClrMapping/>
-  </p:clrMapOvr>
-</p:sld>
-</file>
-
-<file path=ppt/slides/slide16.xml><?xml version="1.0" encoding="utf-8"?>
-<p:sld xmlns:a="http://schemas.openxmlformats.org/drawingml/2006/main" xmlns:r="http://schemas.openxmlformats.org/officeDocument/2006/relationships" xmlns:p="http://schemas.openxmlformats.org/presentationml/2006/main">
-  <p:cSld>
-    <p:spTree>
-      <p:nvGrpSpPr>
-        <p:cNvPr id="1" name=""/>
-        <p:cNvGrpSpPr/>
-        <p:nvPr/>
-      </p:nvGrpSpPr>
-      <p:grpSpPr>
-        <a:xfrm>
-          <a:off x="0" y="0"/>
-          <a:ext cx="0" cy="0"/>
-          <a:chOff x="0" y="0"/>
-          <a:chExt cx="0" cy="0"/>
-        </a:xfrm>
-      </p:grpSpPr>
-      <p:sp>
-        <p:nvSpPr>
-          <p:cNvPr id="2" name="标题 1">
-            <a:extLst>
-              <a:ext uri="{FF2B5EF4-FFF2-40B4-BE49-F238E27FC236}">
-                <a16:creationId xmlns:a16="http://schemas.microsoft.com/office/drawing/2014/main" xmlns="" id="{8618B29A-C5E3-4C69-AFA7-60B61ACF11B6}"/>
-              </a:ext>
-            </a:extLst>
-          </p:cNvPr>
-          <p:cNvSpPr>
-            <a:spLocks noGrp="1"/>
-          </p:cNvSpPr>
-          <p:nvPr>
-            <p:ph type="title"/>
-          </p:nvPr>
-        </p:nvSpPr>
-        <p:spPr/>
-        <p:txBody>
-          <a:bodyPr/>
-          <a:lstStyle/>
-          <a:p>
-            <a:r>
-              <a:rPr lang="zh-CN" altLang="en-US" dirty="0" smtClean="0"/>
-              <a:t>性能测试</a:t>
-            </a:r>
-            <a:r>
-              <a:rPr lang="en-US" altLang="zh-CN" dirty="0" smtClean="0"/>
-              <a:t>-</a:t>
-            </a:r>
-            <a:r>
-              <a:rPr lang="zh-CN" altLang="en-US" dirty="0" smtClean="0"/>
-              <a:t> </a:t>
-            </a:r>
-            <a:r>
-              <a:rPr lang="en-US" altLang="zh-CN" dirty="0" err="1" smtClean="0"/>
-              <a:t>ChromeDriver</a:t>
-            </a:r>
-            <a:endParaRPr lang="zh-CN" altLang="en-US" dirty="0"/>
-          </a:p>
-        </p:txBody>
-      </p:sp>
-    </p:spTree>
-    <p:extLst>
-      <p:ext uri="{BB962C8B-B14F-4D97-AF65-F5344CB8AC3E}">
-        <p14:creationId xmlns:p14="http://schemas.microsoft.com/office/powerpoint/2010/main" val="1057100351"/>
-      </p:ext>
-    </p:extLst>
-  </p:cSld>
-  <p:clrMapOvr>
-    <a:masterClrMapping/>
-  </p:clrMapOvr>
-</p:sld>
-</file>
-
-<file path=ppt/slides/slide17.xml><?xml version="1.0" encoding="utf-8"?>
-<p:sld xmlns:a="http://schemas.openxmlformats.org/drawingml/2006/main" xmlns:r="http://schemas.openxmlformats.org/officeDocument/2006/relationships" xmlns:p="http://schemas.openxmlformats.org/presentationml/2006/main">
-  <p:cSld>
-    <p:spTree>
-      <p:nvGrpSpPr>
-        <p:cNvPr id="1" name=""/>
-        <p:cNvGrpSpPr/>
-        <p:nvPr/>
-      </p:nvGrpSpPr>
-      <p:grpSpPr>
-        <a:xfrm>
-          <a:off x="0" y="0"/>
-          <a:ext cx="0" cy="0"/>
-          <a:chOff x="0" y="0"/>
-          <a:chExt cx="0" cy="0"/>
-        </a:xfrm>
-      </p:grpSpPr>
-      <p:pic>
-        <p:nvPicPr>
-          <p:cNvPr id="9" name="图片 8"/>
-          <p:cNvPicPr>
-            <a:picLocks noChangeAspect="1"/>
-          </p:cNvPicPr>
-          <p:nvPr/>
-        </p:nvPicPr>
-        <p:blipFill>
-          <a:blip r:embed="rId3">
+          <a:blip r:embed="rId2">
             <a:extLst>
               <a:ext uri="{28A0092B-C50C-407E-A947-70E740481C1C}">
                 <a14:useLocalDpi xmlns:a14="http://schemas.microsoft.com/office/drawing/2010/main" val="0"/>
@@ -12292,96 +14910,20 @@
         </p:blipFill>
         <p:spPr>
           <a:xfrm>
-            <a:off x="2268220" y="676275"/>
-            <a:ext cx="7352665" cy="5871210"/>
+            <a:off x="831574" y="2040124"/>
+            <a:ext cx="9296400" cy="3810000"/>
           </a:xfrm>
           <a:prstGeom prst="rect">
             <a:avLst/>
           </a:prstGeom>
         </p:spPr>
       </p:pic>
-      <p:sp>
-        <p:nvSpPr>
-          <p:cNvPr id="11" name="TextBox 10"/>
-          <p:cNvSpPr txBox="1"/>
-          <p:nvPr/>
-        </p:nvSpPr>
-        <p:spPr>
-          <a:xfrm rot="331225" flipH="1">
-            <a:off x="2888615" y="3402965"/>
-            <a:ext cx="5931535" cy="829945"/>
-          </a:xfrm>
-          <a:prstGeom prst="rect">
-            <a:avLst/>
-          </a:prstGeom>
-          <a:noFill/>
-        </p:spPr>
-        <p:txBody>
-          <a:bodyPr wrap="square" rtlCol="0">
-            <a:spAutoFit/>
-          </a:bodyPr>
-          <a:lstStyle>
-            <a:defPPr>
-              <a:defRPr lang="en-US"/>
-            </a:defPPr>
-            <a:lvl1pPr lvl="0">
-              <a:lnSpc>
-                <a:spcPct val="80000"/>
-              </a:lnSpc>
-              <a:defRPr sz="4400" b="1" kern="0">
-                <a:ln w="18415" cmpd="sng">
-                  <a:noFill/>
-                  <a:prstDash val="solid"/>
-                </a:ln>
-                <a:solidFill>
-                  <a:srgbClr val="FFC000"/>
-                </a:solidFill>
-                <a:latin typeface="Agency FB" pitchFamily="34" charset="0"/>
-                <a:ea typeface="微软雅黑" panose="020B0503020204020204" charset="-122"/>
-              </a:defRPr>
-            </a:lvl1pPr>
-          </a:lstStyle>
-          <a:p>
-            <a:pPr marL="0" marR="0" lvl="0" indent="0" defTabSz="914400" eaLnBrk="1" fontAlgn="auto" latinLnBrk="0" hangingPunct="1">
-              <a:lnSpc>
-                <a:spcPct val="80000"/>
-              </a:lnSpc>
-              <a:spcBef>
-                <a:spcPts val="0"/>
-              </a:spcBef>
-              <a:spcAft>
-                <a:spcPts val="0"/>
-              </a:spcAft>
-              <a:buClrTx/>
-              <a:buSzTx/>
-              <a:buFontTx/>
-              <a:buNone/>
-              <a:defRPr/>
-            </a:pPr>
-            <a:r>
-              <a:rPr kumimoji="0" lang="zh-CN" sz="6000" b="1" i="0" u="none" strike="noStrike" kern="0" cap="none" spc="0" normalizeH="0" baseline="0" noProof="0" dirty="0">
-                <a:ln w="18415" cmpd="sng">
-                  <a:noFill/>
-                  <a:prstDash val="solid"/>
-                </a:ln>
-                <a:solidFill>
-                  <a:srgbClr val="C0504D">
-                    <a:lumMod val="75000"/>
-                  </a:srgbClr>
-                </a:solidFill>
-                <a:effectLst/>
-                <a:uLnTx/>
-                <a:uFillTx/>
-                <a:latin typeface="Arial Rounded MT Bold" pitchFamily="34" charset="0"/>
-                <a:ea typeface="微软雅黑" panose="020B0503020204020204" charset="-122"/>
-                <a:cs typeface="Times New Roman" panose="02020603050405020304" pitchFamily="18" charset="0"/>
-              </a:rPr>
-              <a:t>谢谢各位的聆听</a:t>
-            </a:r>
-          </a:p>
-        </p:txBody>
-      </p:sp>
     </p:spTree>
+    <p:extLst>
+      <p:ext uri="{BB962C8B-B14F-4D97-AF65-F5344CB8AC3E}">
+        <p14:creationId xmlns:p14="http://schemas.microsoft.com/office/powerpoint/2010/main" val="1642466672"/>
+      </p:ext>
+    </p:extLst>
   </p:cSld>
   <p:clrMapOvr>
     <a:masterClrMapping/>
@@ -13264,6 +15806,2231 @@
               <a:ea typeface="微软雅黑" panose="020B0503020204020204" charset="-122"/>
               <a:cs typeface="Calibri" panose="020F0502020204030204" pitchFamily="34" charset="0"/>
             </a:endParaRPr>
+          </a:p>
+        </p:txBody>
+      </p:sp>
+    </p:spTree>
+  </p:cSld>
+  <p:clrMapOvr>
+    <a:masterClrMapping/>
+  </p:clrMapOvr>
+</p:sld>
+</file>
+
+<file path=ppt/slides/slide20.xml><?xml version="1.0" encoding="utf-8"?>
+<p:sld xmlns:a="http://schemas.openxmlformats.org/drawingml/2006/main" xmlns:r="http://schemas.openxmlformats.org/officeDocument/2006/relationships" xmlns:p="http://schemas.openxmlformats.org/presentationml/2006/main">
+  <p:cSld>
+    <p:spTree>
+      <p:nvGrpSpPr>
+        <p:cNvPr id="1" name=""/>
+        <p:cNvGrpSpPr/>
+        <p:nvPr/>
+      </p:nvGrpSpPr>
+      <p:grpSpPr>
+        <a:xfrm>
+          <a:off x="0" y="0"/>
+          <a:ext cx="0" cy="0"/>
+          <a:chOff x="0" y="0"/>
+          <a:chExt cx="0" cy="0"/>
+        </a:xfrm>
+      </p:grpSpPr>
+      <p:pic>
+        <p:nvPicPr>
+          <p:cNvPr id="23" name="Picture 3"/>
+          <p:cNvPicPr>
+            <a:picLocks noChangeAspect="1" noChangeArrowheads="1"/>
+          </p:cNvPicPr>
+          <p:nvPr/>
+        </p:nvPicPr>
+        <p:blipFill rotWithShape="1">
+          <a:blip r:embed="rId3" cstate="print">
+            <a:extLst>
+              <a:ext uri="{28A0092B-C50C-407E-A947-70E740481C1C}">
+                <a14:useLocalDpi xmlns:a14="http://schemas.microsoft.com/office/drawing/2010/main" val="0"/>
+              </a:ext>
+            </a:extLst>
+          </a:blip>
+          <a:srcRect l="2767" r="7205" b="57679"/>
+          <a:stretch>
+            <a:fillRect/>
+          </a:stretch>
+        </p:blipFill>
+        <p:spPr bwMode="auto">
+          <a:xfrm rot="10800000" flipH="1" flipV="1">
+            <a:off x="1187150" y="4617245"/>
+            <a:ext cx="9295641" cy="251915"/>
+          </a:xfrm>
+          <a:prstGeom prst="rect">
+            <a:avLst/>
+          </a:prstGeom>
+          <a:noFill/>
+          <a:ln>
+            <a:noFill/>
+          </a:ln>
+          <a:effectLst/>
+          <a:extLst>
+            <a:ext uri="{909E8E84-426E-40DD-AFC4-6F175D3DCCD1}">
+              <a14:hiddenFill xmlns:a14="http://schemas.microsoft.com/office/drawing/2010/main">
+                <a:solidFill>
+                  <a:schemeClr val="accent1"/>
+                </a:solidFill>
+              </a14:hiddenFill>
+            </a:ext>
+            <a:ext uri="{91240B29-F687-4F45-9708-019B960494DF}">
+              <a14:hiddenLine xmlns:a14="http://schemas.microsoft.com/office/drawing/2010/main" w="9525">
+                <a:solidFill>
+                  <a:schemeClr val="tx1"/>
+                </a:solidFill>
+                <a:miter lim="800000"/>
+                <a:headEnd/>
+                <a:tailEnd/>
+              </a14:hiddenLine>
+            </a:ext>
+            <a:ext uri="{AF507438-7753-43E0-B8FC-AC1667EBCBE1}">
+              <a14:hiddenEffects xmlns:a14="http://schemas.microsoft.com/office/drawing/2010/main">
+                <a:effectLst>
+                  <a:outerShdw dist="35921" dir="2700000" algn="ctr" rotWithShape="0">
+                    <a:schemeClr val="bg2"/>
+                  </a:outerShdw>
+                </a:effectLst>
+              </a14:hiddenEffects>
+            </a:ext>
+          </a:extLst>
+        </p:spPr>
+      </p:pic>
+      <p:sp>
+        <p:nvSpPr>
+          <p:cNvPr id="24" name="圆角矩形 23"/>
+          <p:cNvSpPr/>
+          <p:nvPr/>
+        </p:nvSpPr>
+        <p:spPr>
+          <a:xfrm rot="20935880">
+            <a:off x="4381264" y="3172417"/>
+            <a:ext cx="193241" cy="2366303"/>
+          </a:xfrm>
+          <a:prstGeom prst="roundRect">
+            <a:avLst>
+              <a:gd name="adj" fmla="val 50000"/>
+            </a:avLst>
+          </a:prstGeom>
+          <a:gradFill flip="none" rotWithShape="1">
+            <a:gsLst>
+              <a:gs pos="100000">
+                <a:srgbClr val="878787"/>
+              </a:gs>
+              <a:gs pos="0">
+                <a:sysClr val="window" lastClr="FFFFFF">
+                  <a:lumMod val="85000"/>
+                  <a:shade val="30000"/>
+                  <a:satMod val="115000"/>
+                </a:sysClr>
+              </a:gs>
+              <a:gs pos="45000">
+                <a:sysClr val="window" lastClr="FFFFFF">
+                  <a:lumMod val="85000"/>
+                  <a:shade val="67500"/>
+                  <a:satMod val="115000"/>
+                </a:sysClr>
+              </a:gs>
+              <a:gs pos="62000">
+                <a:sysClr val="window" lastClr="FFFFFF">
+                  <a:lumMod val="85000"/>
+                  <a:shade val="100000"/>
+                  <a:satMod val="115000"/>
+                </a:sysClr>
+              </a:gs>
+            </a:gsLst>
+            <a:lin ang="10800000" scaled="1"/>
+            <a:tileRect/>
+          </a:gradFill>
+          <a:ln w="25400" cap="flat" cmpd="sng" algn="ctr">
+            <a:noFill/>
+            <a:prstDash val="solid"/>
+          </a:ln>
+          <a:effectLst/>
+        </p:spPr>
+        <p:txBody>
+          <a:bodyPr rot="0" spcFirstLastPara="0" vertOverflow="overflow" horzOverflow="overflow" vert="horz" wrap="square" lIns="91440" tIns="45720" rIns="91440" bIns="45720" numCol="1" spcCol="0" rtlCol="0" fromWordArt="0" anchor="ctr" anchorCtr="0" forceAA="0" compatLnSpc="1">
+            <a:noAutofit/>
+          </a:bodyPr>
+          <a:lstStyle/>
+          <a:p>
+            <a:pPr marL="0" marR="0" lvl="0" indent="0" algn="ctr" defTabSz="914400" eaLnBrk="1" fontAlgn="auto" latinLnBrk="0" hangingPunct="1">
+              <a:lnSpc>
+                <a:spcPct val="100000"/>
+              </a:lnSpc>
+              <a:spcBef>
+                <a:spcPts val="0"/>
+              </a:spcBef>
+              <a:spcAft>
+                <a:spcPts val="0"/>
+              </a:spcAft>
+              <a:buClrTx/>
+              <a:buSzTx/>
+              <a:buFontTx/>
+              <a:buNone/>
+              <a:defRPr/>
+            </a:pPr>
+            <a:endParaRPr kumimoji="0" lang="en-US" sz="1800" b="0" i="0" u="none" strike="noStrike" kern="0" cap="none" spc="0" normalizeH="0" baseline="0" noProof="0">
+              <a:ln>
+                <a:noFill/>
+              </a:ln>
+              <a:solidFill>
+                <a:sysClr val="windowText" lastClr="000000"/>
+              </a:solidFill>
+              <a:effectLst/>
+              <a:uLnTx/>
+              <a:uFillTx/>
+              <a:latin typeface="Calibri" panose="020F0502020204030204"/>
+              <a:ea typeface="+mn-ea"/>
+              <a:cs typeface="+mn-cs"/>
+            </a:endParaRPr>
+          </a:p>
+        </p:txBody>
+      </p:sp>
+      <p:sp>
+        <p:nvSpPr>
+          <p:cNvPr id="28" name="圆角矩形 27"/>
+          <p:cNvSpPr/>
+          <p:nvPr/>
+        </p:nvSpPr>
+        <p:spPr>
+          <a:xfrm rot="963333">
+            <a:off x="7468164" y="2895766"/>
+            <a:ext cx="224541" cy="2664296"/>
+          </a:xfrm>
+          <a:prstGeom prst="roundRect">
+            <a:avLst>
+              <a:gd name="adj" fmla="val 50000"/>
+            </a:avLst>
+          </a:prstGeom>
+          <a:gradFill flip="none" rotWithShape="1">
+            <a:gsLst>
+              <a:gs pos="100000">
+                <a:srgbClr val="878787"/>
+              </a:gs>
+              <a:gs pos="0">
+                <a:sysClr val="window" lastClr="FFFFFF">
+                  <a:lumMod val="85000"/>
+                  <a:shade val="30000"/>
+                  <a:satMod val="115000"/>
+                </a:sysClr>
+              </a:gs>
+              <a:gs pos="45000">
+                <a:sysClr val="window" lastClr="FFFFFF">
+                  <a:lumMod val="85000"/>
+                  <a:shade val="67500"/>
+                  <a:satMod val="115000"/>
+                </a:sysClr>
+              </a:gs>
+              <a:gs pos="62000">
+                <a:sysClr val="window" lastClr="FFFFFF">
+                  <a:lumMod val="85000"/>
+                  <a:shade val="100000"/>
+                  <a:satMod val="115000"/>
+                </a:sysClr>
+              </a:gs>
+            </a:gsLst>
+            <a:lin ang="10800000" scaled="1"/>
+            <a:tileRect/>
+          </a:gradFill>
+          <a:ln w="25400" cap="flat" cmpd="sng" algn="ctr">
+            <a:noFill/>
+            <a:prstDash val="solid"/>
+          </a:ln>
+          <a:effectLst/>
+        </p:spPr>
+        <p:txBody>
+          <a:bodyPr rot="0" spcFirstLastPara="0" vertOverflow="overflow" horzOverflow="overflow" vert="horz" wrap="square" lIns="91440" tIns="45720" rIns="91440" bIns="45720" numCol="1" spcCol="0" rtlCol="0" fromWordArt="0" anchor="ctr" anchorCtr="0" forceAA="0" compatLnSpc="1">
+            <a:noAutofit/>
+          </a:bodyPr>
+          <a:lstStyle/>
+          <a:p>
+            <a:pPr marL="0" marR="0" lvl="0" indent="0" algn="ctr" defTabSz="914400" eaLnBrk="1" fontAlgn="auto" latinLnBrk="0" hangingPunct="1">
+              <a:lnSpc>
+                <a:spcPct val="100000"/>
+              </a:lnSpc>
+              <a:spcBef>
+                <a:spcPts val="0"/>
+              </a:spcBef>
+              <a:spcAft>
+                <a:spcPts val="0"/>
+              </a:spcAft>
+              <a:buClrTx/>
+              <a:buSzTx/>
+              <a:buFontTx/>
+              <a:buNone/>
+              <a:defRPr/>
+            </a:pPr>
+            <a:endParaRPr kumimoji="0" lang="en-US" sz="1800" b="0" i="0" u="none" strike="noStrike" kern="0" cap="none" spc="0" normalizeH="0" baseline="0" noProof="0">
+              <a:ln>
+                <a:noFill/>
+              </a:ln>
+              <a:solidFill>
+                <a:sysClr val="windowText" lastClr="000000"/>
+              </a:solidFill>
+              <a:effectLst/>
+              <a:uLnTx/>
+              <a:uFillTx/>
+              <a:latin typeface="Calibri" panose="020F0502020204030204"/>
+              <a:ea typeface="+mn-ea"/>
+              <a:cs typeface="+mn-cs"/>
+            </a:endParaRPr>
+          </a:p>
+        </p:txBody>
+      </p:sp>
+      <p:sp>
+        <p:nvSpPr>
+          <p:cNvPr id="33" name="矩形 32"/>
+          <p:cNvSpPr/>
+          <p:nvPr/>
+        </p:nvSpPr>
+        <p:spPr>
+          <a:xfrm>
+            <a:off x="1524000" y="4869160"/>
+            <a:ext cx="9144000" cy="1656184"/>
+          </a:xfrm>
+          <a:prstGeom prst="rect">
+            <a:avLst/>
+          </a:prstGeom>
+          <a:gradFill flip="none" rotWithShape="1">
+            <a:gsLst>
+              <a:gs pos="48320">
+                <a:srgbClr val="E6C29A"/>
+              </a:gs>
+              <a:gs pos="100000">
+                <a:srgbClr val="8C6233"/>
+              </a:gs>
+              <a:gs pos="0">
+                <a:srgbClr val="DEA464">
+                  <a:shade val="30000"/>
+                  <a:satMod val="115000"/>
+                </a:srgbClr>
+              </a:gs>
+              <a:gs pos="8000">
+                <a:srgbClr val="DEA464">
+                  <a:shade val="67500"/>
+                  <a:satMod val="115000"/>
+                </a:srgbClr>
+              </a:gs>
+              <a:gs pos="92000">
+                <a:srgbClr val="DEA464">
+                  <a:shade val="100000"/>
+                  <a:satMod val="115000"/>
+                </a:srgbClr>
+              </a:gs>
+            </a:gsLst>
+            <a:lin ang="0" scaled="1"/>
+            <a:tileRect/>
+          </a:gradFill>
+          <a:ln w="25400" cap="flat" cmpd="sng" algn="ctr">
+            <a:noFill/>
+            <a:prstDash val="solid"/>
+          </a:ln>
+          <a:effectLst>
+            <a:outerShdw blurRad="50800" dist="38100" dir="16200000" rotWithShape="0">
+              <a:prstClr val="black">
+                <a:alpha val="40000"/>
+              </a:prstClr>
+            </a:outerShdw>
+          </a:effectLst>
+        </p:spPr>
+        <p:txBody>
+          <a:bodyPr rot="0" spcFirstLastPara="0" vertOverflow="overflow" horzOverflow="overflow" vert="horz" wrap="square" lIns="91440" tIns="45720" rIns="91440" bIns="45720" numCol="1" spcCol="0" rtlCol="0" fromWordArt="0" anchor="ctr" anchorCtr="0" forceAA="0" compatLnSpc="1">
+            <a:noAutofit/>
+          </a:bodyPr>
+          <a:lstStyle/>
+          <a:p>
+            <a:pPr marL="0" marR="0" lvl="0" indent="0" algn="ctr" defTabSz="914400" eaLnBrk="1" fontAlgn="auto" latinLnBrk="0" hangingPunct="1">
+              <a:lnSpc>
+                <a:spcPct val="100000"/>
+              </a:lnSpc>
+              <a:spcBef>
+                <a:spcPts val="0"/>
+              </a:spcBef>
+              <a:spcAft>
+                <a:spcPts val="0"/>
+              </a:spcAft>
+              <a:buClrTx/>
+              <a:buSzTx/>
+              <a:buFontTx/>
+              <a:buNone/>
+              <a:defRPr/>
+            </a:pPr>
+            <a:endParaRPr kumimoji="0" lang="en-US" sz="1800" b="0" i="0" u="none" strike="noStrike" kern="0" cap="none" spc="0" normalizeH="0" baseline="0" noProof="0">
+              <a:ln>
+                <a:noFill/>
+              </a:ln>
+              <a:solidFill>
+                <a:sysClr val="windowText" lastClr="000000"/>
+              </a:solidFill>
+              <a:effectLst/>
+              <a:uLnTx/>
+              <a:uFillTx/>
+              <a:latin typeface="Calibri" panose="020F0502020204030204"/>
+              <a:ea typeface="+mn-ea"/>
+              <a:cs typeface="+mn-cs"/>
+            </a:endParaRPr>
+          </a:p>
+        </p:txBody>
+      </p:sp>
+      <p:sp>
+        <p:nvSpPr>
+          <p:cNvPr id="43" name="TextBox 42"/>
+          <p:cNvSpPr txBox="1"/>
+          <p:nvPr/>
+        </p:nvSpPr>
+        <p:spPr>
+          <a:xfrm>
+            <a:off x="3137126" y="5260390"/>
+            <a:ext cx="5688632" cy="884794"/>
+          </a:xfrm>
+          <a:prstGeom prst="rect">
+            <a:avLst/>
+          </a:prstGeom>
+          <a:noFill/>
+        </p:spPr>
+        <p:txBody>
+          <a:bodyPr wrap="square" rtlCol="0">
+            <a:spAutoFit/>
+          </a:bodyPr>
+          <a:lstStyle>
+            <a:defPPr>
+              <a:defRPr lang="en-US"/>
+            </a:defPPr>
+            <a:lvl1pPr>
+              <a:lnSpc>
+                <a:spcPct val="130000"/>
+              </a:lnSpc>
+              <a:defRPr sz="5400" b="1">
+                <a:solidFill>
+                  <a:schemeClr val="tx1">
+                    <a:lumMod val="65000"/>
+                    <a:lumOff val="35000"/>
+                  </a:schemeClr>
+                </a:solidFill>
+                <a:latin typeface="Agency FB" pitchFamily="34" charset="0"/>
+                <a:ea typeface="微软雅黑" panose="020B0503020204020204" charset="-122"/>
+                <a:cs typeface="Calibri" panose="020F0502020204030204" pitchFamily="34" charset="0"/>
+              </a:defRPr>
+            </a:lvl1pPr>
+          </a:lstStyle>
+          <a:p>
+            <a:pPr marL="0" marR="0" lvl="0" indent="0" algn="ctr" defTabSz="914400" eaLnBrk="1" fontAlgn="auto" latinLnBrk="0" hangingPunct="1">
+              <a:lnSpc>
+                <a:spcPct val="130000"/>
+              </a:lnSpc>
+              <a:spcBef>
+                <a:spcPts val="0"/>
+              </a:spcBef>
+              <a:spcAft>
+                <a:spcPts val="0"/>
+              </a:spcAft>
+              <a:buClrTx/>
+              <a:buSzTx/>
+              <a:buFontTx/>
+              <a:buNone/>
+              <a:defRPr/>
+            </a:pPr>
+            <a:r>
+              <a:rPr lang="zh-CN" altLang="en-US" sz="4400" dirty="0" smtClean="0">
+                <a:sym typeface="+mn-ea"/>
+              </a:rPr>
+              <a:t>接口测试</a:t>
+            </a:r>
+            <a:endParaRPr kumimoji="0" lang="zh-CN" altLang="en-US" sz="4400" b="1" i="0" u="none" strike="noStrike" kern="0" cap="none" spc="0" normalizeH="0" baseline="0" noProof="0" dirty="0">
+              <a:ln>
+                <a:noFill/>
+              </a:ln>
+              <a:solidFill>
+                <a:sysClr val="windowText" lastClr="000000">
+                  <a:lumMod val="75000"/>
+                  <a:lumOff val="25000"/>
+                </a:sysClr>
+              </a:solidFill>
+              <a:effectLst>
+                <a:outerShdw dist="38100" dir="5400000" algn="t" rotWithShape="0">
+                  <a:sysClr val="window" lastClr="FFFFFF">
+                    <a:alpha val="48000"/>
+                  </a:sysClr>
+                </a:outerShdw>
+              </a:effectLst>
+              <a:uLnTx/>
+              <a:uFillTx/>
+              <a:latin typeface="Agency FB" pitchFamily="34" charset="0"/>
+              <a:ea typeface="微软雅黑" panose="020B0503020204020204" charset="-122"/>
+              <a:cs typeface="Calibri" panose="020F0502020204030204" pitchFamily="34" charset="0"/>
+            </a:endParaRPr>
+          </a:p>
+        </p:txBody>
+      </p:sp>
+    </p:spTree>
+    <p:extLst>
+      <p:ext uri="{BB962C8B-B14F-4D97-AF65-F5344CB8AC3E}">
+        <p14:creationId xmlns:p14="http://schemas.microsoft.com/office/powerpoint/2010/main" val="488975706"/>
+      </p:ext>
+    </p:extLst>
+  </p:cSld>
+  <p:clrMapOvr>
+    <a:masterClrMapping/>
+  </p:clrMapOvr>
+</p:sld>
+</file>
+
+<file path=ppt/slides/slide21.xml><?xml version="1.0" encoding="utf-8"?>
+<p:sld xmlns:a="http://schemas.openxmlformats.org/drawingml/2006/main" xmlns:r="http://schemas.openxmlformats.org/officeDocument/2006/relationships" xmlns:p="http://schemas.openxmlformats.org/presentationml/2006/main">
+  <p:cSld>
+    <p:spTree>
+      <p:nvGrpSpPr>
+        <p:cNvPr id="1" name=""/>
+        <p:cNvGrpSpPr/>
+        <p:nvPr/>
+      </p:nvGrpSpPr>
+      <p:grpSpPr>
+        <a:xfrm>
+          <a:off x="0" y="0"/>
+          <a:ext cx="0" cy="0"/>
+          <a:chOff x="0" y="0"/>
+          <a:chExt cx="0" cy="0"/>
+        </a:xfrm>
+      </p:grpSpPr>
+      <p:sp>
+        <p:nvSpPr>
+          <p:cNvPr id="2" name="标题 1">
+            <a:extLst>
+              <a:ext uri="{FF2B5EF4-FFF2-40B4-BE49-F238E27FC236}">
+                <a16:creationId xmlns:a16="http://schemas.microsoft.com/office/drawing/2014/main" xmlns="" id="{8618B29A-C5E3-4C69-AFA7-60B61ACF11B6}"/>
+              </a:ext>
+            </a:extLst>
+          </p:cNvPr>
+          <p:cNvSpPr>
+            <a:spLocks noGrp="1"/>
+          </p:cNvSpPr>
+          <p:nvPr>
+            <p:ph type="title"/>
+          </p:nvPr>
+        </p:nvSpPr>
+        <p:spPr/>
+        <p:txBody>
+          <a:bodyPr/>
+          <a:lstStyle/>
+          <a:p>
+            <a:r>
+              <a:rPr lang="zh-CN" altLang="en-US" dirty="0"/>
+              <a:t>接口测试</a:t>
+            </a:r>
+            <a:r>
+              <a:rPr lang="en-US" altLang="zh-CN" dirty="0"/>
+              <a:t>-Postman</a:t>
+            </a:r>
+            <a:endParaRPr lang="zh-CN" altLang="en-US" dirty="0"/>
+          </a:p>
+        </p:txBody>
+      </p:sp>
+      <p:sp>
+        <p:nvSpPr>
+          <p:cNvPr id="3" name="文本框 2">
+            <a:extLst>
+              <a:ext uri="{FF2B5EF4-FFF2-40B4-BE49-F238E27FC236}">
+                <a16:creationId xmlns:a16="http://schemas.microsoft.com/office/drawing/2014/main" xmlns="" id="{64344D9A-E65D-4102-968E-6100AA67FEF5}"/>
+              </a:ext>
+            </a:extLst>
+          </p:cNvPr>
+          <p:cNvSpPr txBox="1"/>
+          <p:nvPr/>
+        </p:nvSpPr>
+        <p:spPr>
+          <a:xfrm>
+            <a:off x="669882" y="1393793"/>
+            <a:ext cx="10595881" cy="923330"/>
+          </a:xfrm>
+          <a:prstGeom prst="rect">
+            <a:avLst/>
+          </a:prstGeom>
+          <a:noFill/>
+        </p:spPr>
+        <p:txBody>
+          <a:bodyPr wrap="square" rtlCol="0">
+            <a:spAutoFit/>
+          </a:bodyPr>
+          <a:lstStyle/>
+          <a:p>
+            <a:r>
+              <a:rPr lang="zh-CN" altLang="en-US" dirty="0" smtClean="0"/>
+              <a:t>登陆：因为</a:t>
+            </a:r>
+            <a:r>
+              <a:rPr lang="en-US" altLang="zh-CN" dirty="0"/>
+              <a:t>Security</a:t>
+            </a:r>
+            <a:r>
+              <a:rPr lang="zh-CN" altLang="en-US" dirty="0"/>
+              <a:t>安全验证，所以需要登录后获取</a:t>
+            </a:r>
+            <a:r>
+              <a:rPr lang="en-US" altLang="zh-CN" dirty="0"/>
+              <a:t>cookie</a:t>
+            </a:r>
+            <a:r>
+              <a:rPr lang="zh-CN" altLang="en-US" dirty="0"/>
+              <a:t>，在接下来的接口访问中将</a:t>
+            </a:r>
+            <a:r>
+              <a:rPr lang="en-US" altLang="zh-CN" dirty="0"/>
+              <a:t>cookie</a:t>
+            </a:r>
+            <a:r>
+              <a:rPr lang="zh-CN" altLang="en-US" dirty="0"/>
+              <a:t>填入</a:t>
+            </a:r>
+            <a:r>
+              <a:rPr lang="en-US" altLang="zh-CN" dirty="0"/>
+              <a:t>Headers</a:t>
+            </a:r>
+            <a:r>
+              <a:rPr lang="zh-CN" altLang="en-US" dirty="0"/>
+              <a:t>中才能正常测试。</a:t>
+            </a:r>
+            <a:endParaRPr lang="zh-CN" altLang="zh-CN" sz="4400" dirty="0">
+              <a:latin typeface="Arial" panose="020B0604020202020204" pitchFamily="34" charset="0"/>
+            </a:endParaRPr>
+          </a:p>
+          <a:p>
+            <a:endParaRPr lang="zh-CN" altLang="en-US" dirty="0"/>
+          </a:p>
+        </p:txBody>
+      </p:sp>
+      <p:pic>
+        <p:nvPicPr>
+          <p:cNvPr id="4" name="图片 3">
+            <a:extLst>
+              <a:ext uri="{FF2B5EF4-FFF2-40B4-BE49-F238E27FC236}">
+                <a16:creationId xmlns:a16="http://schemas.microsoft.com/office/drawing/2014/main" xmlns="" id="{CAAFE79E-C660-48C7-BDC5-F08BFB71C634}"/>
+              </a:ext>
+            </a:extLst>
+          </p:cNvPr>
+          <p:cNvPicPr>
+            <a:picLocks noChangeAspect="1"/>
+          </p:cNvPicPr>
+          <p:nvPr/>
+        </p:nvPicPr>
+        <p:blipFill>
+          <a:blip r:embed="rId2"/>
+          <a:stretch>
+            <a:fillRect/>
+          </a:stretch>
+        </p:blipFill>
+        <p:spPr>
+          <a:xfrm>
+            <a:off x="327003" y="2372608"/>
+            <a:ext cx="11751058" cy="3558848"/>
+          </a:xfrm>
+          <a:prstGeom prst="rect">
+            <a:avLst/>
+          </a:prstGeom>
+        </p:spPr>
+      </p:pic>
+    </p:spTree>
+    <p:extLst>
+      <p:ext uri="{BB962C8B-B14F-4D97-AF65-F5344CB8AC3E}">
+        <p14:creationId xmlns:p14="http://schemas.microsoft.com/office/powerpoint/2010/main" val="3668166307"/>
+      </p:ext>
+    </p:extLst>
+  </p:cSld>
+  <p:clrMapOvr>
+    <a:masterClrMapping/>
+  </p:clrMapOvr>
+</p:sld>
+</file>
+
+<file path=ppt/slides/slide22.xml><?xml version="1.0" encoding="utf-8"?>
+<p:sld xmlns:a="http://schemas.openxmlformats.org/drawingml/2006/main" xmlns:r="http://schemas.openxmlformats.org/officeDocument/2006/relationships" xmlns:p="http://schemas.openxmlformats.org/presentationml/2006/main">
+  <p:cSld>
+    <p:spTree>
+      <p:nvGrpSpPr>
+        <p:cNvPr id="1" name=""/>
+        <p:cNvGrpSpPr/>
+        <p:nvPr/>
+      </p:nvGrpSpPr>
+      <p:grpSpPr>
+        <a:xfrm>
+          <a:off x="0" y="0"/>
+          <a:ext cx="0" cy="0"/>
+          <a:chOff x="0" y="0"/>
+          <a:chExt cx="0" cy="0"/>
+        </a:xfrm>
+      </p:grpSpPr>
+      <p:pic>
+        <p:nvPicPr>
+          <p:cNvPr id="4" name="图片 3">
+            <a:extLst>
+              <a:ext uri="{FF2B5EF4-FFF2-40B4-BE49-F238E27FC236}">
+                <a16:creationId xmlns:a16="http://schemas.microsoft.com/office/drawing/2014/main" xmlns="" id="{70EFF4DA-9003-4F3A-8799-77404567CE52}"/>
+              </a:ext>
+            </a:extLst>
+          </p:cNvPr>
+          <p:cNvPicPr>
+            <a:picLocks noChangeAspect="1"/>
+          </p:cNvPicPr>
+          <p:nvPr/>
+        </p:nvPicPr>
+        <p:blipFill>
+          <a:blip r:embed="rId2"/>
+          <a:stretch>
+            <a:fillRect/>
+          </a:stretch>
+        </p:blipFill>
+        <p:spPr>
+          <a:xfrm>
+            <a:off x="314354" y="417779"/>
+            <a:ext cx="11705334" cy="2293819"/>
+          </a:xfrm>
+          <a:prstGeom prst="rect">
+            <a:avLst/>
+          </a:prstGeom>
+        </p:spPr>
+      </p:pic>
+      <p:pic>
+        <p:nvPicPr>
+          <p:cNvPr id="5" name="图片 4">
+            <a:extLst>
+              <a:ext uri="{FF2B5EF4-FFF2-40B4-BE49-F238E27FC236}">
+                <a16:creationId xmlns:a16="http://schemas.microsoft.com/office/drawing/2014/main" xmlns="" id="{34936AC6-D30F-426E-8EDB-8E8F29B2DE13}"/>
+              </a:ext>
+            </a:extLst>
+          </p:cNvPr>
+          <p:cNvPicPr>
+            <a:picLocks noChangeAspect="1"/>
+          </p:cNvPicPr>
+          <p:nvPr/>
+        </p:nvPicPr>
+        <p:blipFill>
+          <a:blip r:embed="rId3"/>
+          <a:stretch>
+            <a:fillRect/>
+          </a:stretch>
+        </p:blipFill>
+        <p:spPr>
+          <a:xfrm>
+            <a:off x="2009950" y="2775272"/>
+            <a:ext cx="7746609" cy="3926019"/>
+          </a:xfrm>
+          <a:prstGeom prst="rect">
+            <a:avLst/>
+          </a:prstGeom>
+        </p:spPr>
+      </p:pic>
+    </p:spTree>
+    <p:extLst>
+      <p:ext uri="{BB962C8B-B14F-4D97-AF65-F5344CB8AC3E}">
+        <p14:creationId xmlns:p14="http://schemas.microsoft.com/office/powerpoint/2010/main" val="2330282179"/>
+      </p:ext>
+    </p:extLst>
+  </p:cSld>
+  <p:clrMapOvr>
+    <a:masterClrMapping/>
+  </p:clrMapOvr>
+</p:sld>
+</file>
+
+<file path=ppt/slides/slide23.xml><?xml version="1.0" encoding="utf-8"?>
+<p:sld xmlns:a="http://schemas.openxmlformats.org/drawingml/2006/main" xmlns:r="http://schemas.openxmlformats.org/officeDocument/2006/relationships" xmlns:p="http://schemas.openxmlformats.org/presentationml/2006/main">
+  <p:cSld>
+    <p:spTree>
+      <p:nvGrpSpPr>
+        <p:cNvPr id="1" name=""/>
+        <p:cNvGrpSpPr/>
+        <p:nvPr/>
+      </p:nvGrpSpPr>
+      <p:grpSpPr>
+        <a:xfrm>
+          <a:off x="0" y="0"/>
+          <a:ext cx="0" cy="0"/>
+          <a:chOff x="0" y="0"/>
+          <a:chExt cx="0" cy="0"/>
+        </a:xfrm>
+      </p:grpSpPr>
+      <p:pic>
+        <p:nvPicPr>
+          <p:cNvPr id="3" name="图片 2"/>
+          <p:cNvPicPr>
+            <a:picLocks noChangeAspect="1"/>
+          </p:cNvPicPr>
+          <p:nvPr/>
+        </p:nvPicPr>
+        <p:blipFill>
+          <a:blip r:embed="rId2">
+            <a:extLst>
+              <a:ext uri="{28A0092B-C50C-407E-A947-70E740481C1C}">
+                <a14:useLocalDpi xmlns:a14="http://schemas.microsoft.com/office/drawing/2010/main" val="0"/>
+              </a:ext>
+            </a:extLst>
+          </a:blip>
+          <a:stretch>
+            <a:fillRect/>
+          </a:stretch>
+        </p:blipFill>
+        <p:spPr>
+          <a:xfrm>
+            <a:off x="0" y="0"/>
+            <a:ext cx="12192000" cy="6858000"/>
+          </a:xfrm>
+          <a:prstGeom prst="rect">
+            <a:avLst/>
+          </a:prstGeom>
+        </p:spPr>
+      </p:pic>
+      <p:sp>
+        <p:nvSpPr>
+          <p:cNvPr id="2" name="标题 1">
+            <a:extLst>
+              <a:ext uri="{FF2B5EF4-FFF2-40B4-BE49-F238E27FC236}">
+                <a16:creationId xmlns:a16="http://schemas.microsoft.com/office/drawing/2014/main" xmlns="" id="{8618B29A-C5E3-4C69-AFA7-60B61ACF11B6}"/>
+              </a:ext>
+            </a:extLst>
+          </p:cNvPr>
+          <p:cNvSpPr txBox="1">
+            <a:spLocks/>
+          </p:cNvSpPr>
+          <p:nvPr/>
+        </p:nvSpPr>
+        <p:spPr>
+          <a:xfrm>
+            <a:off x="510855" y="173582"/>
+            <a:ext cx="10852237" cy="648000"/>
+          </a:xfrm>
+          <a:prstGeom prst="rect">
+            <a:avLst/>
+          </a:prstGeom>
+        </p:spPr>
+        <p:txBody>
+          <a:bodyPr/>
+          <a:lstStyle>
+            <a:lvl1pPr algn="l" defTabSz="914400" rtl="0" eaLnBrk="1" fontAlgn="auto" latinLnBrk="0" hangingPunct="1">
+              <a:lnSpc>
+                <a:spcPct val="100000"/>
+              </a:lnSpc>
+              <a:spcBef>
+                <a:spcPct val="0"/>
+              </a:spcBef>
+              <a:buNone/>
+              <a:defRPr sz="2800" b="1" u="none" strike="noStrike" kern="1200" cap="none" spc="200" normalizeH="0">
+                <a:solidFill>
+                  <a:schemeClr val="tx1"/>
+                </a:solidFill>
+                <a:uFillTx/>
+                <a:latin typeface="+mj-lt"/>
+                <a:ea typeface="+mj-ea"/>
+                <a:cs typeface="+mj-cs"/>
+              </a:defRPr>
+            </a:lvl1pPr>
+          </a:lstStyle>
+          <a:p>
+            <a:r>
+              <a:rPr lang="zh-CN" altLang="en-US" dirty="0" smtClean="0">
+                <a:solidFill>
+                  <a:schemeClr val="bg1"/>
+                </a:solidFill>
+              </a:rPr>
+              <a:t>接口测试</a:t>
+            </a:r>
+            <a:r>
+              <a:rPr lang="en-US" altLang="zh-CN" dirty="0" smtClean="0">
+                <a:solidFill>
+                  <a:schemeClr val="bg1"/>
+                </a:solidFill>
+              </a:rPr>
+              <a:t>-</a:t>
+            </a:r>
+            <a:r>
+              <a:rPr lang="zh-CN" altLang="en-US" dirty="0" smtClean="0">
+                <a:solidFill>
+                  <a:schemeClr val="bg1"/>
+                </a:solidFill>
+              </a:rPr>
+              <a:t>用例设计</a:t>
+            </a:r>
+            <a:endParaRPr lang="en-US" altLang="zh-CN" dirty="0" smtClean="0">
+              <a:solidFill>
+                <a:schemeClr val="bg1"/>
+              </a:solidFill>
+            </a:endParaRPr>
+          </a:p>
+        </p:txBody>
+      </p:sp>
+    </p:spTree>
+    <p:extLst>
+      <p:ext uri="{BB962C8B-B14F-4D97-AF65-F5344CB8AC3E}">
+        <p14:creationId xmlns:p14="http://schemas.microsoft.com/office/powerpoint/2010/main" val="747540685"/>
+      </p:ext>
+    </p:extLst>
+  </p:cSld>
+  <p:clrMapOvr>
+    <a:masterClrMapping/>
+  </p:clrMapOvr>
+</p:sld>
+</file>
+
+<file path=ppt/slides/slide24.xml><?xml version="1.0" encoding="utf-8"?>
+<p:sld xmlns:a="http://schemas.openxmlformats.org/drawingml/2006/main" xmlns:r="http://schemas.openxmlformats.org/officeDocument/2006/relationships" xmlns:p="http://schemas.openxmlformats.org/presentationml/2006/main">
+  <p:cSld>
+    <p:spTree>
+      <p:nvGrpSpPr>
+        <p:cNvPr id="1" name=""/>
+        <p:cNvGrpSpPr/>
+        <p:nvPr/>
+      </p:nvGrpSpPr>
+      <p:grpSpPr>
+        <a:xfrm>
+          <a:off x="0" y="0"/>
+          <a:ext cx="0" cy="0"/>
+          <a:chOff x="0" y="0"/>
+          <a:chExt cx="0" cy="0"/>
+        </a:xfrm>
+      </p:grpSpPr>
+      <p:sp>
+        <p:nvSpPr>
+          <p:cNvPr id="5" name="标题 1">
+            <a:extLst>
+              <a:ext uri="{FF2B5EF4-FFF2-40B4-BE49-F238E27FC236}">
+                <a16:creationId xmlns:a16="http://schemas.microsoft.com/office/drawing/2014/main" xmlns="" id="{D85B6B2A-FBF0-41F4-B80B-0F7EFDDBBFDA}"/>
+              </a:ext>
+            </a:extLst>
+          </p:cNvPr>
+          <p:cNvSpPr>
+            <a:spLocks noGrp="1"/>
+          </p:cNvSpPr>
+          <p:nvPr>
+            <p:ph type="title"/>
+          </p:nvPr>
+        </p:nvSpPr>
+        <p:spPr>
+          <a:xfrm>
+            <a:off x="669882" y="432000"/>
+            <a:ext cx="10852237" cy="648000"/>
+          </a:xfrm>
+        </p:spPr>
+        <p:txBody>
+          <a:bodyPr/>
+          <a:lstStyle/>
+          <a:p>
+            <a:r>
+              <a:rPr lang="zh-CN" altLang="en-US" dirty="0" smtClean="0"/>
+              <a:t>接口测试</a:t>
+            </a:r>
+            <a:endParaRPr lang="zh-CN" altLang="en-US" dirty="0"/>
+          </a:p>
+        </p:txBody>
+      </p:sp>
+      <p:sp>
+        <p:nvSpPr>
+          <p:cNvPr id="6" name="文本框 5">
+            <a:extLst>
+              <a:ext uri="{FF2B5EF4-FFF2-40B4-BE49-F238E27FC236}">
+                <a16:creationId xmlns:a16="http://schemas.microsoft.com/office/drawing/2014/main" xmlns="" id="{C5BF1C69-6244-4E4F-A59F-6EA535E7CB97}"/>
+              </a:ext>
+            </a:extLst>
+          </p:cNvPr>
+          <p:cNvSpPr txBox="1"/>
+          <p:nvPr/>
+        </p:nvSpPr>
+        <p:spPr>
+          <a:xfrm>
+            <a:off x="669882" y="1332035"/>
+            <a:ext cx="5855205" cy="369332"/>
+          </a:xfrm>
+          <a:prstGeom prst="rect">
+            <a:avLst/>
+          </a:prstGeom>
+          <a:noFill/>
+        </p:spPr>
+        <p:txBody>
+          <a:bodyPr wrap="square" rtlCol="0">
+            <a:spAutoFit/>
+          </a:bodyPr>
+          <a:lstStyle/>
+          <a:p>
+            <a:r>
+              <a:rPr lang="zh-CN" altLang="en-US" dirty="0" smtClean="0">
+                <a:latin typeface="+mn-ea"/>
+              </a:rPr>
+              <a:t>接口测试</a:t>
+            </a:r>
+            <a:r>
+              <a:rPr lang="en-US" altLang="zh-CN" dirty="0" smtClean="0">
+                <a:latin typeface="+mn-ea"/>
+              </a:rPr>
+              <a:t>-</a:t>
+            </a:r>
+            <a:r>
+              <a:rPr lang="en-US" altLang="zh-CN" dirty="0" smtClean="0">
+                <a:solidFill>
+                  <a:srgbClr val="808000"/>
+                </a:solidFill>
+                <a:latin typeface="+mn-ea"/>
+              </a:rPr>
+              <a:t>ISSUES</a:t>
+            </a:r>
+            <a:endParaRPr lang="zh-CN" altLang="en-US" dirty="0"/>
+          </a:p>
+        </p:txBody>
+      </p:sp>
+      <p:sp>
+        <p:nvSpPr>
+          <p:cNvPr id="2" name="文本框 1"/>
+          <p:cNvSpPr txBox="1"/>
+          <p:nvPr/>
+        </p:nvSpPr>
+        <p:spPr>
+          <a:xfrm>
+            <a:off x="669882" y="2629263"/>
+            <a:ext cx="10084257" cy="4524315"/>
+          </a:xfrm>
+          <a:prstGeom prst="rect">
+            <a:avLst/>
+          </a:prstGeom>
+          <a:noFill/>
+        </p:spPr>
+        <p:txBody>
+          <a:bodyPr wrap="square" rtlCol="0">
+            <a:spAutoFit/>
+          </a:bodyPr>
+          <a:lstStyle/>
+          <a:p>
+            <a:r>
+              <a:rPr lang="en-US" altLang="zh-CN" b="1" dirty="0"/>
+              <a:t>ISSUE-1: </a:t>
+            </a:r>
+            <a:r>
+              <a:rPr lang="zh-CN" altLang="en-US" b="1" dirty="0"/>
+              <a:t>在 </a:t>
+            </a:r>
+            <a:r>
+              <a:rPr lang="en-US" altLang="zh-CN" b="1" dirty="0" err="1"/>
+              <a:t>TeacherController</a:t>
+            </a:r>
+            <a:r>
+              <a:rPr lang="en-US" altLang="zh-CN" b="1" dirty="0"/>
+              <a:t> </a:t>
+            </a:r>
+            <a:r>
+              <a:rPr lang="zh-CN" altLang="en-US" b="1" dirty="0"/>
+              <a:t>接口测试中发现：当老师 </a:t>
+            </a:r>
+            <a:r>
+              <a:rPr lang="zh-CN" altLang="en-US" b="1" dirty="0" smtClean="0"/>
+              <a:t>查询</a:t>
+            </a:r>
+            <a:r>
+              <a:rPr lang="zh-CN" altLang="en-US" b="1" dirty="0"/>
+              <a:t>可用场馆时，</a:t>
+            </a:r>
+            <a:r>
+              <a:rPr lang="zh-CN" altLang="en-US" b="1" dirty="0">
+                <a:solidFill>
+                  <a:srgbClr val="FF0000"/>
+                </a:solidFill>
+              </a:rPr>
+              <a:t>程序出错：无法准备 </a:t>
+            </a:r>
+            <a:r>
+              <a:rPr lang="en-US" altLang="zh-CN" b="1" dirty="0">
+                <a:solidFill>
+                  <a:srgbClr val="FF0000"/>
+                </a:solidFill>
+              </a:rPr>
+              <a:t>SQL</a:t>
+            </a:r>
+            <a:r>
+              <a:rPr lang="zh-CN" altLang="en-US" b="1" dirty="0">
+                <a:solidFill>
+                  <a:srgbClr val="FF0000"/>
+                </a:solidFill>
+              </a:rPr>
+              <a:t>。</a:t>
+            </a:r>
+            <a:endParaRPr lang="zh-CN" altLang="en-US" dirty="0">
+              <a:solidFill>
+                <a:srgbClr val="FF0000"/>
+              </a:solidFill>
+            </a:endParaRPr>
+          </a:p>
+          <a:p>
+            <a:endParaRPr lang="zh-CN" altLang="en-US" dirty="0"/>
+          </a:p>
+          <a:p>
+            <a:r>
+              <a:rPr lang="en-US" altLang="zh-CN" b="1" dirty="0"/>
+              <a:t>ISSUE-2: </a:t>
+            </a:r>
+            <a:r>
+              <a:rPr lang="zh-CN" altLang="en-US" b="1" dirty="0"/>
+              <a:t>在 </a:t>
+            </a:r>
+            <a:r>
+              <a:rPr lang="en-US" altLang="zh-CN" b="1" dirty="0"/>
+              <a:t>Student Controller </a:t>
+            </a:r>
+            <a:r>
+              <a:rPr lang="zh-CN" altLang="en-US" b="1" dirty="0"/>
+              <a:t>接口测试中发现：某个学 </a:t>
+            </a:r>
+            <a:r>
+              <a:rPr lang="zh-CN" altLang="en-US" b="1" dirty="0" smtClean="0"/>
+              <a:t>生</a:t>
+            </a:r>
+            <a:r>
+              <a:rPr lang="zh-CN" altLang="en-US" b="1" dirty="0"/>
+              <a:t>尝试加入自己已经加入的课程，仍然会提示加入</a:t>
+            </a:r>
+            <a:r>
+              <a:rPr lang="zh-CN" altLang="en-US" b="1" dirty="0" smtClean="0"/>
+              <a:t>成功。</a:t>
+            </a:r>
+            <a:endParaRPr lang="en-US" altLang="zh-CN" b="1" dirty="0" smtClean="0"/>
+          </a:p>
+          <a:p>
+            <a:endParaRPr lang="en-US" altLang="zh-CN" b="1" dirty="0"/>
+          </a:p>
+          <a:p>
+            <a:r>
+              <a:rPr lang="en-US" altLang="zh-CN" b="1" dirty="0"/>
+              <a:t>ISSUE-3: </a:t>
+            </a:r>
+            <a:r>
+              <a:rPr lang="zh-CN" altLang="en-US" b="1" dirty="0"/>
+              <a:t>在 </a:t>
+            </a:r>
+            <a:r>
+              <a:rPr lang="en-US" altLang="zh-CN" b="1" dirty="0"/>
+              <a:t>Student Controller </a:t>
+            </a:r>
+            <a:r>
+              <a:rPr lang="zh-CN" altLang="en-US" b="1" dirty="0"/>
+              <a:t>接口测试中发现：某个学 </a:t>
+            </a:r>
+            <a:r>
+              <a:rPr lang="zh-CN" altLang="en-US" b="1" dirty="0" smtClean="0"/>
+              <a:t>生</a:t>
+            </a:r>
+            <a:r>
+              <a:rPr lang="zh-CN" altLang="en-US" b="1" dirty="0"/>
+              <a:t>尝试删除自己已经加入的课程，程序会出错。</a:t>
+            </a:r>
+            <a:endParaRPr lang="zh-CN" altLang="en-US" dirty="0"/>
+          </a:p>
+          <a:p>
+            <a:endParaRPr lang="en-US" altLang="zh-CN" dirty="0" smtClean="0"/>
+          </a:p>
+          <a:p>
+            <a:r>
+              <a:rPr lang="en-US" altLang="zh-CN" b="1" dirty="0"/>
+              <a:t>ISSUE-4: </a:t>
+            </a:r>
+            <a:r>
+              <a:rPr lang="zh-CN" altLang="en-US" b="1" dirty="0"/>
+              <a:t>在 </a:t>
+            </a:r>
+            <a:r>
+              <a:rPr lang="en-US" altLang="zh-CN" b="1" dirty="0"/>
+              <a:t>Student Controller </a:t>
+            </a:r>
+            <a:r>
+              <a:rPr lang="zh-CN" altLang="en-US" b="1" dirty="0"/>
+              <a:t>接口测试中发现：某个学 </a:t>
+            </a:r>
+            <a:r>
+              <a:rPr lang="zh-CN" altLang="en-US" b="1" dirty="0" smtClean="0"/>
+              <a:t>生</a:t>
+            </a:r>
+            <a:r>
+              <a:rPr lang="zh-CN" altLang="en-US" b="1" dirty="0"/>
+              <a:t>尝试加入不存在课程，程序会返回成功。 </a:t>
+            </a:r>
+            <a:endParaRPr lang="zh-CN" altLang="en-US" dirty="0"/>
+          </a:p>
+          <a:p>
+            <a:endParaRPr lang="en-US" altLang="zh-CN" dirty="0" smtClean="0"/>
+          </a:p>
+          <a:p>
+            <a:r>
+              <a:rPr lang="mr-IN" altLang="zh-CN" dirty="0" smtClean="0"/>
+              <a:t>……</a:t>
+            </a:r>
+            <a:endParaRPr lang="zh-CN" altLang="en-US" dirty="0"/>
+          </a:p>
+          <a:p>
+            <a:endParaRPr lang="zh-CN" altLang="en-US" dirty="0"/>
+          </a:p>
+          <a:p>
+            <a:endParaRPr lang="zh-CN" altLang="en-US" dirty="0"/>
+          </a:p>
+          <a:p>
+            <a:endParaRPr kumimoji="1" lang="zh-CN" altLang="en-US" dirty="0"/>
+          </a:p>
+        </p:txBody>
+      </p:sp>
+    </p:spTree>
+    <p:extLst>
+      <p:ext uri="{BB962C8B-B14F-4D97-AF65-F5344CB8AC3E}">
+        <p14:creationId xmlns:p14="http://schemas.microsoft.com/office/powerpoint/2010/main" val="468912094"/>
+      </p:ext>
+    </p:extLst>
+  </p:cSld>
+  <p:clrMapOvr>
+    <a:masterClrMapping/>
+  </p:clrMapOvr>
+</p:sld>
+</file>
+
+<file path=ppt/slides/slide25.xml><?xml version="1.0" encoding="utf-8"?>
+<p:sld xmlns:a="http://schemas.openxmlformats.org/drawingml/2006/main" xmlns:r="http://schemas.openxmlformats.org/officeDocument/2006/relationships" xmlns:p="http://schemas.openxmlformats.org/presentationml/2006/main">
+  <p:cSld>
+    <p:spTree>
+      <p:nvGrpSpPr>
+        <p:cNvPr id="1" name=""/>
+        <p:cNvGrpSpPr/>
+        <p:nvPr/>
+      </p:nvGrpSpPr>
+      <p:grpSpPr>
+        <a:xfrm>
+          <a:off x="0" y="0"/>
+          <a:ext cx="0" cy="0"/>
+          <a:chOff x="0" y="0"/>
+          <a:chExt cx="0" cy="0"/>
+        </a:xfrm>
+      </p:grpSpPr>
+      <p:pic>
+        <p:nvPicPr>
+          <p:cNvPr id="23" name="Picture 3"/>
+          <p:cNvPicPr>
+            <a:picLocks noChangeAspect="1" noChangeArrowheads="1"/>
+          </p:cNvPicPr>
+          <p:nvPr/>
+        </p:nvPicPr>
+        <p:blipFill rotWithShape="1">
+          <a:blip r:embed="rId3" cstate="print">
+            <a:extLst>
+              <a:ext uri="{28A0092B-C50C-407E-A947-70E740481C1C}">
+                <a14:useLocalDpi xmlns:a14="http://schemas.microsoft.com/office/drawing/2010/main" val="0"/>
+              </a:ext>
+            </a:extLst>
+          </a:blip>
+          <a:srcRect l="2767" r="7205" b="57679"/>
+          <a:stretch>
+            <a:fillRect/>
+          </a:stretch>
+        </p:blipFill>
+        <p:spPr bwMode="auto">
+          <a:xfrm rot="10800000" flipH="1" flipV="1">
+            <a:off x="1187150" y="4617245"/>
+            <a:ext cx="9295641" cy="251915"/>
+          </a:xfrm>
+          <a:prstGeom prst="rect">
+            <a:avLst/>
+          </a:prstGeom>
+          <a:noFill/>
+          <a:ln>
+            <a:noFill/>
+          </a:ln>
+          <a:effectLst/>
+          <a:extLst>
+            <a:ext uri="{909E8E84-426E-40DD-AFC4-6F175D3DCCD1}">
+              <a14:hiddenFill xmlns:a14="http://schemas.microsoft.com/office/drawing/2010/main">
+                <a:solidFill>
+                  <a:schemeClr val="accent1"/>
+                </a:solidFill>
+              </a14:hiddenFill>
+            </a:ext>
+            <a:ext uri="{91240B29-F687-4F45-9708-019B960494DF}">
+              <a14:hiddenLine xmlns:a14="http://schemas.microsoft.com/office/drawing/2010/main" w="9525">
+                <a:solidFill>
+                  <a:schemeClr val="tx1"/>
+                </a:solidFill>
+                <a:miter lim="800000"/>
+                <a:headEnd/>
+                <a:tailEnd/>
+              </a14:hiddenLine>
+            </a:ext>
+            <a:ext uri="{AF507438-7753-43E0-B8FC-AC1667EBCBE1}">
+              <a14:hiddenEffects xmlns:a14="http://schemas.microsoft.com/office/drawing/2010/main">
+                <a:effectLst>
+                  <a:outerShdw dist="35921" dir="2700000" algn="ctr" rotWithShape="0">
+                    <a:schemeClr val="bg2"/>
+                  </a:outerShdw>
+                </a:effectLst>
+              </a14:hiddenEffects>
+            </a:ext>
+          </a:extLst>
+        </p:spPr>
+      </p:pic>
+      <p:sp>
+        <p:nvSpPr>
+          <p:cNvPr id="24" name="圆角矩形 23"/>
+          <p:cNvSpPr/>
+          <p:nvPr/>
+        </p:nvSpPr>
+        <p:spPr>
+          <a:xfrm rot="20935880">
+            <a:off x="4381264" y="3172417"/>
+            <a:ext cx="193241" cy="2366303"/>
+          </a:xfrm>
+          <a:prstGeom prst="roundRect">
+            <a:avLst>
+              <a:gd name="adj" fmla="val 50000"/>
+            </a:avLst>
+          </a:prstGeom>
+          <a:gradFill flip="none" rotWithShape="1">
+            <a:gsLst>
+              <a:gs pos="100000">
+                <a:srgbClr val="878787"/>
+              </a:gs>
+              <a:gs pos="0">
+                <a:sysClr val="window" lastClr="FFFFFF">
+                  <a:lumMod val="85000"/>
+                  <a:shade val="30000"/>
+                  <a:satMod val="115000"/>
+                </a:sysClr>
+              </a:gs>
+              <a:gs pos="45000">
+                <a:sysClr val="window" lastClr="FFFFFF">
+                  <a:lumMod val="85000"/>
+                  <a:shade val="67500"/>
+                  <a:satMod val="115000"/>
+                </a:sysClr>
+              </a:gs>
+              <a:gs pos="62000">
+                <a:sysClr val="window" lastClr="FFFFFF">
+                  <a:lumMod val="85000"/>
+                  <a:shade val="100000"/>
+                  <a:satMod val="115000"/>
+                </a:sysClr>
+              </a:gs>
+            </a:gsLst>
+            <a:lin ang="10800000" scaled="1"/>
+            <a:tileRect/>
+          </a:gradFill>
+          <a:ln w="25400" cap="flat" cmpd="sng" algn="ctr">
+            <a:noFill/>
+            <a:prstDash val="solid"/>
+          </a:ln>
+          <a:effectLst/>
+        </p:spPr>
+        <p:txBody>
+          <a:bodyPr rot="0" spcFirstLastPara="0" vertOverflow="overflow" horzOverflow="overflow" vert="horz" wrap="square" lIns="91440" tIns="45720" rIns="91440" bIns="45720" numCol="1" spcCol="0" rtlCol="0" fromWordArt="0" anchor="ctr" anchorCtr="0" forceAA="0" compatLnSpc="1">
+            <a:noAutofit/>
+          </a:bodyPr>
+          <a:lstStyle/>
+          <a:p>
+            <a:pPr marL="0" marR="0" lvl="0" indent="0" algn="ctr" defTabSz="914400" eaLnBrk="1" fontAlgn="auto" latinLnBrk="0" hangingPunct="1">
+              <a:lnSpc>
+                <a:spcPct val="100000"/>
+              </a:lnSpc>
+              <a:spcBef>
+                <a:spcPts val="0"/>
+              </a:spcBef>
+              <a:spcAft>
+                <a:spcPts val="0"/>
+              </a:spcAft>
+              <a:buClrTx/>
+              <a:buSzTx/>
+              <a:buFontTx/>
+              <a:buNone/>
+              <a:defRPr/>
+            </a:pPr>
+            <a:endParaRPr kumimoji="0" lang="en-US" sz="1800" b="0" i="0" u="none" strike="noStrike" kern="0" cap="none" spc="0" normalizeH="0" baseline="0" noProof="0">
+              <a:ln>
+                <a:noFill/>
+              </a:ln>
+              <a:solidFill>
+                <a:sysClr val="windowText" lastClr="000000"/>
+              </a:solidFill>
+              <a:effectLst/>
+              <a:uLnTx/>
+              <a:uFillTx/>
+              <a:latin typeface="Calibri" panose="020F0502020204030204"/>
+              <a:ea typeface="+mn-ea"/>
+              <a:cs typeface="+mn-cs"/>
+            </a:endParaRPr>
+          </a:p>
+        </p:txBody>
+      </p:sp>
+      <p:sp>
+        <p:nvSpPr>
+          <p:cNvPr id="28" name="圆角矩形 27"/>
+          <p:cNvSpPr/>
+          <p:nvPr/>
+        </p:nvSpPr>
+        <p:spPr>
+          <a:xfrm rot="963333">
+            <a:off x="7468164" y="2895766"/>
+            <a:ext cx="224541" cy="2664296"/>
+          </a:xfrm>
+          <a:prstGeom prst="roundRect">
+            <a:avLst>
+              <a:gd name="adj" fmla="val 50000"/>
+            </a:avLst>
+          </a:prstGeom>
+          <a:gradFill flip="none" rotWithShape="1">
+            <a:gsLst>
+              <a:gs pos="100000">
+                <a:srgbClr val="878787"/>
+              </a:gs>
+              <a:gs pos="0">
+                <a:sysClr val="window" lastClr="FFFFFF">
+                  <a:lumMod val="85000"/>
+                  <a:shade val="30000"/>
+                  <a:satMod val="115000"/>
+                </a:sysClr>
+              </a:gs>
+              <a:gs pos="45000">
+                <a:sysClr val="window" lastClr="FFFFFF">
+                  <a:lumMod val="85000"/>
+                  <a:shade val="67500"/>
+                  <a:satMod val="115000"/>
+                </a:sysClr>
+              </a:gs>
+              <a:gs pos="62000">
+                <a:sysClr val="window" lastClr="FFFFFF">
+                  <a:lumMod val="85000"/>
+                  <a:shade val="100000"/>
+                  <a:satMod val="115000"/>
+                </a:sysClr>
+              </a:gs>
+            </a:gsLst>
+            <a:lin ang="10800000" scaled="1"/>
+            <a:tileRect/>
+          </a:gradFill>
+          <a:ln w="25400" cap="flat" cmpd="sng" algn="ctr">
+            <a:noFill/>
+            <a:prstDash val="solid"/>
+          </a:ln>
+          <a:effectLst/>
+        </p:spPr>
+        <p:txBody>
+          <a:bodyPr rot="0" spcFirstLastPara="0" vertOverflow="overflow" horzOverflow="overflow" vert="horz" wrap="square" lIns="91440" tIns="45720" rIns="91440" bIns="45720" numCol="1" spcCol="0" rtlCol="0" fromWordArt="0" anchor="ctr" anchorCtr="0" forceAA="0" compatLnSpc="1">
+            <a:noAutofit/>
+          </a:bodyPr>
+          <a:lstStyle/>
+          <a:p>
+            <a:pPr marL="0" marR="0" lvl="0" indent="0" algn="ctr" defTabSz="914400" eaLnBrk="1" fontAlgn="auto" latinLnBrk="0" hangingPunct="1">
+              <a:lnSpc>
+                <a:spcPct val="100000"/>
+              </a:lnSpc>
+              <a:spcBef>
+                <a:spcPts val="0"/>
+              </a:spcBef>
+              <a:spcAft>
+                <a:spcPts val="0"/>
+              </a:spcAft>
+              <a:buClrTx/>
+              <a:buSzTx/>
+              <a:buFontTx/>
+              <a:buNone/>
+              <a:defRPr/>
+            </a:pPr>
+            <a:endParaRPr kumimoji="0" lang="en-US" sz="1800" b="0" i="0" u="none" strike="noStrike" kern="0" cap="none" spc="0" normalizeH="0" baseline="0" noProof="0">
+              <a:ln>
+                <a:noFill/>
+              </a:ln>
+              <a:solidFill>
+                <a:sysClr val="windowText" lastClr="000000"/>
+              </a:solidFill>
+              <a:effectLst/>
+              <a:uLnTx/>
+              <a:uFillTx/>
+              <a:latin typeface="Calibri" panose="020F0502020204030204"/>
+              <a:ea typeface="+mn-ea"/>
+              <a:cs typeface="+mn-cs"/>
+            </a:endParaRPr>
+          </a:p>
+        </p:txBody>
+      </p:sp>
+      <p:sp>
+        <p:nvSpPr>
+          <p:cNvPr id="33" name="矩形 32"/>
+          <p:cNvSpPr/>
+          <p:nvPr/>
+        </p:nvSpPr>
+        <p:spPr>
+          <a:xfrm>
+            <a:off x="1524000" y="4869160"/>
+            <a:ext cx="9144000" cy="1656184"/>
+          </a:xfrm>
+          <a:prstGeom prst="rect">
+            <a:avLst/>
+          </a:prstGeom>
+          <a:gradFill flip="none" rotWithShape="1">
+            <a:gsLst>
+              <a:gs pos="48320">
+                <a:srgbClr val="E6C29A"/>
+              </a:gs>
+              <a:gs pos="100000">
+                <a:srgbClr val="8C6233"/>
+              </a:gs>
+              <a:gs pos="0">
+                <a:srgbClr val="DEA464">
+                  <a:shade val="30000"/>
+                  <a:satMod val="115000"/>
+                </a:srgbClr>
+              </a:gs>
+              <a:gs pos="8000">
+                <a:srgbClr val="DEA464">
+                  <a:shade val="67500"/>
+                  <a:satMod val="115000"/>
+                </a:srgbClr>
+              </a:gs>
+              <a:gs pos="92000">
+                <a:srgbClr val="DEA464">
+                  <a:shade val="100000"/>
+                  <a:satMod val="115000"/>
+                </a:srgbClr>
+              </a:gs>
+            </a:gsLst>
+            <a:lin ang="0" scaled="1"/>
+            <a:tileRect/>
+          </a:gradFill>
+          <a:ln w="25400" cap="flat" cmpd="sng" algn="ctr">
+            <a:noFill/>
+            <a:prstDash val="solid"/>
+          </a:ln>
+          <a:effectLst>
+            <a:outerShdw blurRad="50800" dist="38100" dir="16200000" rotWithShape="0">
+              <a:prstClr val="black">
+                <a:alpha val="40000"/>
+              </a:prstClr>
+            </a:outerShdw>
+          </a:effectLst>
+        </p:spPr>
+        <p:txBody>
+          <a:bodyPr rot="0" spcFirstLastPara="0" vertOverflow="overflow" horzOverflow="overflow" vert="horz" wrap="square" lIns="91440" tIns="45720" rIns="91440" bIns="45720" numCol="1" spcCol="0" rtlCol="0" fromWordArt="0" anchor="ctr" anchorCtr="0" forceAA="0" compatLnSpc="1">
+            <a:noAutofit/>
+          </a:bodyPr>
+          <a:lstStyle/>
+          <a:p>
+            <a:pPr marL="0" marR="0" lvl="0" indent="0" algn="ctr" defTabSz="914400" eaLnBrk="1" fontAlgn="auto" latinLnBrk="0" hangingPunct="1">
+              <a:lnSpc>
+                <a:spcPct val="100000"/>
+              </a:lnSpc>
+              <a:spcBef>
+                <a:spcPts val="0"/>
+              </a:spcBef>
+              <a:spcAft>
+                <a:spcPts val="0"/>
+              </a:spcAft>
+              <a:buClrTx/>
+              <a:buSzTx/>
+              <a:buFontTx/>
+              <a:buNone/>
+              <a:defRPr/>
+            </a:pPr>
+            <a:endParaRPr kumimoji="0" lang="en-US" sz="1800" b="0" i="0" u="none" strike="noStrike" kern="0" cap="none" spc="0" normalizeH="0" baseline="0" noProof="0">
+              <a:ln>
+                <a:noFill/>
+              </a:ln>
+              <a:solidFill>
+                <a:sysClr val="windowText" lastClr="000000"/>
+              </a:solidFill>
+              <a:effectLst/>
+              <a:uLnTx/>
+              <a:uFillTx/>
+              <a:latin typeface="Calibri" panose="020F0502020204030204"/>
+              <a:ea typeface="+mn-ea"/>
+              <a:cs typeface="+mn-cs"/>
+            </a:endParaRPr>
+          </a:p>
+        </p:txBody>
+      </p:sp>
+      <p:sp>
+        <p:nvSpPr>
+          <p:cNvPr id="43" name="TextBox 42"/>
+          <p:cNvSpPr txBox="1"/>
+          <p:nvPr/>
+        </p:nvSpPr>
+        <p:spPr>
+          <a:xfrm>
+            <a:off x="3137126" y="5260390"/>
+            <a:ext cx="5688632" cy="884794"/>
+          </a:xfrm>
+          <a:prstGeom prst="rect">
+            <a:avLst/>
+          </a:prstGeom>
+          <a:noFill/>
+        </p:spPr>
+        <p:txBody>
+          <a:bodyPr wrap="square" rtlCol="0">
+            <a:spAutoFit/>
+          </a:bodyPr>
+          <a:lstStyle>
+            <a:defPPr>
+              <a:defRPr lang="en-US"/>
+            </a:defPPr>
+            <a:lvl1pPr>
+              <a:lnSpc>
+                <a:spcPct val="130000"/>
+              </a:lnSpc>
+              <a:defRPr sz="5400" b="1">
+                <a:solidFill>
+                  <a:schemeClr val="tx1">
+                    <a:lumMod val="65000"/>
+                    <a:lumOff val="35000"/>
+                  </a:schemeClr>
+                </a:solidFill>
+                <a:latin typeface="Agency FB" pitchFamily="34" charset="0"/>
+                <a:ea typeface="微软雅黑" panose="020B0503020204020204" charset="-122"/>
+                <a:cs typeface="Calibri" panose="020F0502020204030204" pitchFamily="34" charset="0"/>
+              </a:defRPr>
+            </a:lvl1pPr>
+          </a:lstStyle>
+          <a:p>
+            <a:pPr marL="0" marR="0" lvl="0" indent="0" algn="ctr" defTabSz="914400" eaLnBrk="1" fontAlgn="auto" latinLnBrk="0" hangingPunct="1">
+              <a:lnSpc>
+                <a:spcPct val="130000"/>
+              </a:lnSpc>
+              <a:spcBef>
+                <a:spcPts val="0"/>
+              </a:spcBef>
+              <a:spcAft>
+                <a:spcPts val="0"/>
+              </a:spcAft>
+              <a:buClrTx/>
+              <a:buSzTx/>
+              <a:buFontTx/>
+              <a:buNone/>
+              <a:defRPr/>
+            </a:pPr>
+            <a:r>
+              <a:rPr lang="zh-CN" altLang="en-US" sz="4400" dirty="0" smtClean="0">
+                <a:sym typeface="+mn-ea"/>
+              </a:rPr>
+              <a:t>系统测试</a:t>
+            </a:r>
+            <a:endParaRPr kumimoji="0" lang="zh-CN" altLang="en-US" sz="4400" b="1" i="0" u="none" strike="noStrike" kern="0" cap="none" spc="0" normalizeH="0" baseline="0" noProof="0" dirty="0">
+              <a:ln>
+                <a:noFill/>
+              </a:ln>
+              <a:solidFill>
+                <a:sysClr val="windowText" lastClr="000000">
+                  <a:lumMod val="75000"/>
+                  <a:lumOff val="25000"/>
+                </a:sysClr>
+              </a:solidFill>
+              <a:effectLst>
+                <a:outerShdw dist="38100" dir="5400000" algn="t" rotWithShape="0">
+                  <a:sysClr val="window" lastClr="FFFFFF">
+                    <a:alpha val="48000"/>
+                  </a:sysClr>
+                </a:outerShdw>
+              </a:effectLst>
+              <a:uLnTx/>
+              <a:uFillTx/>
+              <a:latin typeface="Agency FB" pitchFamily="34" charset="0"/>
+              <a:ea typeface="微软雅黑" panose="020B0503020204020204" charset="-122"/>
+              <a:cs typeface="Calibri" panose="020F0502020204030204" pitchFamily="34" charset="0"/>
+            </a:endParaRPr>
+          </a:p>
+        </p:txBody>
+      </p:sp>
+    </p:spTree>
+    <p:extLst>
+      <p:ext uri="{BB962C8B-B14F-4D97-AF65-F5344CB8AC3E}">
+        <p14:creationId xmlns:p14="http://schemas.microsoft.com/office/powerpoint/2010/main" val="265147660"/>
+      </p:ext>
+    </p:extLst>
+  </p:cSld>
+  <p:clrMapOvr>
+    <a:masterClrMapping/>
+  </p:clrMapOvr>
+</p:sld>
+</file>
+
+<file path=ppt/slides/slide26.xml><?xml version="1.0" encoding="utf-8"?>
+<p:sld xmlns:a="http://schemas.openxmlformats.org/drawingml/2006/main" xmlns:r="http://schemas.openxmlformats.org/officeDocument/2006/relationships" xmlns:p="http://schemas.openxmlformats.org/presentationml/2006/main">
+  <p:cSld>
+    <p:spTree>
+      <p:nvGrpSpPr>
+        <p:cNvPr id="1" name=""/>
+        <p:cNvGrpSpPr/>
+        <p:nvPr/>
+      </p:nvGrpSpPr>
+      <p:grpSpPr>
+        <a:xfrm>
+          <a:off x="0" y="0"/>
+          <a:ext cx="0" cy="0"/>
+          <a:chOff x="0" y="0"/>
+          <a:chExt cx="0" cy="0"/>
+        </a:xfrm>
+      </p:grpSpPr>
+      <p:pic>
+        <p:nvPicPr>
+          <p:cNvPr id="23" name="Picture 3"/>
+          <p:cNvPicPr>
+            <a:picLocks noChangeAspect="1" noChangeArrowheads="1"/>
+          </p:cNvPicPr>
+          <p:nvPr/>
+        </p:nvPicPr>
+        <p:blipFill rotWithShape="1">
+          <a:blip r:embed="rId3" cstate="print">
+            <a:extLst>
+              <a:ext uri="{28A0092B-C50C-407E-A947-70E740481C1C}">
+                <a14:useLocalDpi xmlns:a14="http://schemas.microsoft.com/office/drawing/2010/main" val="0"/>
+              </a:ext>
+            </a:extLst>
+          </a:blip>
+          <a:srcRect l="2767" r="7205" b="57679"/>
+          <a:stretch>
+            <a:fillRect/>
+          </a:stretch>
+        </p:blipFill>
+        <p:spPr bwMode="auto">
+          <a:xfrm rot="10800000" flipH="1" flipV="1">
+            <a:off x="1187150" y="4617245"/>
+            <a:ext cx="9295641" cy="251915"/>
+          </a:xfrm>
+          <a:prstGeom prst="rect">
+            <a:avLst/>
+          </a:prstGeom>
+          <a:noFill/>
+          <a:ln>
+            <a:noFill/>
+          </a:ln>
+          <a:effectLst/>
+          <a:extLst>
+            <a:ext uri="{909E8E84-426E-40DD-AFC4-6F175D3DCCD1}">
+              <a14:hiddenFill xmlns:a14="http://schemas.microsoft.com/office/drawing/2010/main">
+                <a:solidFill>
+                  <a:schemeClr val="accent1"/>
+                </a:solidFill>
+              </a14:hiddenFill>
+            </a:ext>
+            <a:ext uri="{91240B29-F687-4F45-9708-019B960494DF}">
+              <a14:hiddenLine xmlns:a14="http://schemas.microsoft.com/office/drawing/2010/main" w="9525">
+                <a:solidFill>
+                  <a:schemeClr val="tx1"/>
+                </a:solidFill>
+                <a:miter lim="800000"/>
+                <a:headEnd/>
+                <a:tailEnd/>
+              </a14:hiddenLine>
+            </a:ext>
+            <a:ext uri="{AF507438-7753-43E0-B8FC-AC1667EBCBE1}">
+              <a14:hiddenEffects xmlns:a14="http://schemas.microsoft.com/office/drawing/2010/main">
+                <a:effectLst>
+                  <a:outerShdw dist="35921" dir="2700000" algn="ctr" rotWithShape="0">
+                    <a:schemeClr val="bg2"/>
+                  </a:outerShdw>
+                </a:effectLst>
+              </a14:hiddenEffects>
+            </a:ext>
+          </a:extLst>
+        </p:spPr>
+      </p:pic>
+      <p:sp>
+        <p:nvSpPr>
+          <p:cNvPr id="24" name="圆角矩形 23"/>
+          <p:cNvSpPr/>
+          <p:nvPr/>
+        </p:nvSpPr>
+        <p:spPr>
+          <a:xfrm rot="20935880">
+            <a:off x="4381264" y="3172417"/>
+            <a:ext cx="193241" cy="2366303"/>
+          </a:xfrm>
+          <a:prstGeom prst="roundRect">
+            <a:avLst>
+              <a:gd name="adj" fmla="val 50000"/>
+            </a:avLst>
+          </a:prstGeom>
+          <a:gradFill flip="none" rotWithShape="1">
+            <a:gsLst>
+              <a:gs pos="100000">
+                <a:srgbClr val="878787"/>
+              </a:gs>
+              <a:gs pos="0">
+                <a:sysClr val="window" lastClr="FFFFFF">
+                  <a:lumMod val="85000"/>
+                  <a:shade val="30000"/>
+                  <a:satMod val="115000"/>
+                </a:sysClr>
+              </a:gs>
+              <a:gs pos="45000">
+                <a:sysClr val="window" lastClr="FFFFFF">
+                  <a:lumMod val="85000"/>
+                  <a:shade val="67500"/>
+                  <a:satMod val="115000"/>
+                </a:sysClr>
+              </a:gs>
+              <a:gs pos="62000">
+                <a:sysClr val="window" lastClr="FFFFFF">
+                  <a:lumMod val="85000"/>
+                  <a:shade val="100000"/>
+                  <a:satMod val="115000"/>
+                </a:sysClr>
+              </a:gs>
+            </a:gsLst>
+            <a:lin ang="10800000" scaled="1"/>
+            <a:tileRect/>
+          </a:gradFill>
+          <a:ln w="25400" cap="flat" cmpd="sng" algn="ctr">
+            <a:noFill/>
+            <a:prstDash val="solid"/>
+          </a:ln>
+          <a:effectLst/>
+        </p:spPr>
+        <p:txBody>
+          <a:bodyPr rot="0" spcFirstLastPara="0" vertOverflow="overflow" horzOverflow="overflow" vert="horz" wrap="square" lIns="91440" tIns="45720" rIns="91440" bIns="45720" numCol="1" spcCol="0" rtlCol="0" fromWordArt="0" anchor="ctr" anchorCtr="0" forceAA="0" compatLnSpc="1">
+            <a:noAutofit/>
+          </a:bodyPr>
+          <a:lstStyle/>
+          <a:p>
+            <a:pPr marL="0" marR="0" lvl="0" indent="0" algn="ctr" defTabSz="914400" eaLnBrk="1" fontAlgn="auto" latinLnBrk="0" hangingPunct="1">
+              <a:lnSpc>
+                <a:spcPct val="100000"/>
+              </a:lnSpc>
+              <a:spcBef>
+                <a:spcPts val="0"/>
+              </a:spcBef>
+              <a:spcAft>
+                <a:spcPts val="0"/>
+              </a:spcAft>
+              <a:buClrTx/>
+              <a:buSzTx/>
+              <a:buFontTx/>
+              <a:buNone/>
+              <a:defRPr/>
+            </a:pPr>
+            <a:endParaRPr kumimoji="0" lang="en-US" sz="1800" b="0" i="0" u="none" strike="noStrike" kern="0" cap="none" spc="0" normalizeH="0" baseline="0" noProof="0">
+              <a:ln>
+                <a:noFill/>
+              </a:ln>
+              <a:solidFill>
+                <a:sysClr val="windowText" lastClr="000000"/>
+              </a:solidFill>
+              <a:effectLst/>
+              <a:uLnTx/>
+              <a:uFillTx/>
+              <a:latin typeface="Calibri" panose="020F0502020204030204"/>
+              <a:ea typeface="+mn-ea"/>
+              <a:cs typeface="+mn-cs"/>
+            </a:endParaRPr>
+          </a:p>
+        </p:txBody>
+      </p:sp>
+      <p:sp>
+        <p:nvSpPr>
+          <p:cNvPr id="28" name="圆角矩形 27"/>
+          <p:cNvSpPr/>
+          <p:nvPr/>
+        </p:nvSpPr>
+        <p:spPr>
+          <a:xfrm rot="963333">
+            <a:off x="7468164" y="2895766"/>
+            <a:ext cx="224541" cy="2664296"/>
+          </a:xfrm>
+          <a:prstGeom prst="roundRect">
+            <a:avLst>
+              <a:gd name="adj" fmla="val 50000"/>
+            </a:avLst>
+          </a:prstGeom>
+          <a:gradFill flip="none" rotWithShape="1">
+            <a:gsLst>
+              <a:gs pos="100000">
+                <a:srgbClr val="878787"/>
+              </a:gs>
+              <a:gs pos="0">
+                <a:sysClr val="window" lastClr="FFFFFF">
+                  <a:lumMod val="85000"/>
+                  <a:shade val="30000"/>
+                  <a:satMod val="115000"/>
+                </a:sysClr>
+              </a:gs>
+              <a:gs pos="45000">
+                <a:sysClr val="window" lastClr="FFFFFF">
+                  <a:lumMod val="85000"/>
+                  <a:shade val="67500"/>
+                  <a:satMod val="115000"/>
+                </a:sysClr>
+              </a:gs>
+              <a:gs pos="62000">
+                <a:sysClr val="window" lastClr="FFFFFF">
+                  <a:lumMod val="85000"/>
+                  <a:shade val="100000"/>
+                  <a:satMod val="115000"/>
+                </a:sysClr>
+              </a:gs>
+            </a:gsLst>
+            <a:lin ang="10800000" scaled="1"/>
+            <a:tileRect/>
+          </a:gradFill>
+          <a:ln w="25400" cap="flat" cmpd="sng" algn="ctr">
+            <a:noFill/>
+            <a:prstDash val="solid"/>
+          </a:ln>
+          <a:effectLst/>
+        </p:spPr>
+        <p:txBody>
+          <a:bodyPr rot="0" spcFirstLastPara="0" vertOverflow="overflow" horzOverflow="overflow" vert="horz" wrap="square" lIns="91440" tIns="45720" rIns="91440" bIns="45720" numCol="1" spcCol="0" rtlCol="0" fromWordArt="0" anchor="ctr" anchorCtr="0" forceAA="0" compatLnSpc="1">
+            <a:noAutofit/>
+          </a:bodyPr>
+          <a:lstStyle/>
+          <a:p>
+            <a:pPr marL="0" marR="0" lvl="0" indent="0" algn="ctr" defTabSz="914400" eaLnBrk="1" fontAlgn="auto" latinLnBrk="0" hangingPunct="1">
+              <a:lnSpc>
+                <a:spcPct val="100000"/>
+              </a:lnSpc>
+              <a:spcBef>
+                <a:spcPts val="0"/>
+              </a:spcBef>
+              <a:spcAft>
+                <a:spcPts val="0"/>
+              </a:spcAft>
+              <a:buClrTx/>
+              <a:buSzTx/>
+              <a:buFontTx/>
+              <a:buNone/>
+              <a:defRPr/>
+            </a:pPr>
+            <a:endParaRPr kumimoji="0" lang="en-US" sz="1800" b="0" i="0" u="none" strike="noStrike" kern="0" cap="none" spc="0" normalizeH="0" baseline="0" noProof="0">
+              <a:ln>
+                <a:noFill/>
+              </a:ln>
+              <a:solidFill>
+                <a:sysClr val="windowText" lastClr="000000"/>
+              </a:solidFill>
+              <a:effectLst/>
+              <a:uLnTx/>
+              <a:uFillTx/>
+              <a:latin typeface="Calibri" panose="020F0502020204030204"/>
+              <a:ea typeface="+mn-ea"/>
+              <a:cs typeface="+mn-cs"/>
+            </a:endParaRPr>
+          </a:p>
+        </p:txBody>
+      </p:sp>
+      <p:sp>
+        <p:nvSpPr>
+          <p:cNvPr id="33" name="矩形 32"/>
+          <p:cNvSpPr/>
+          <p:nvPr/>
+        </p:nvSpPr>
+        <p:spPr>
+          <a:xfrm>
+            <a:off x="1524000" y="4869160"/>
+            <a:ext cx="9144000" cy="1656184"/>
+          </a:xfrm>
+          <a:prstGeom prst="rect">
+            <a:avLst/>
+          </a:prstGeom>
+          <a:gradFill flip="none" rotWithShape="1">
+            <a:gsLst>
+              <a:gs pos="48320">
+                <a:srgbClr val="E6C29A"/>
+              </a:gs>
+              <a:gs pos="100000">
+                <a:srgbClr val="8C6233"/>
+              </a:gs>
+              <a:gs pos="0">
+                <a:srgbClr val="DEA464">
+                  <a:shade val="30000"/>
+                  <a:satMod val="115000"/>
+                </a:srgbClr>
+              </a:gs>
+              <a:gs pos="8000">
+                <a:srgbClr val="DEA464">
+                  <a:shade val="67500"/>
+                  <a:satMod val="115000"/>
+                </a:srgbClr>
+              </a:gs>
+              <a:gs pos="92000">
+                <a:srgbClr val="DEA464">
+                  <a:shade val="100000"/>
+                  <a:satMod val="115000"/>
+                </a:srgbClr>
+              </a:gs>
+            </a:gsLst>
+            <a:lin ang="0" scaled="1"/>
+            <a:tileRect/>
+          </a:gradFill>
+          <a:ln w="25400" cap="flat" cmpd="sng" algn="ctr">
+            <a:noFill/>
+            <a:prstDash val="solid"/>
+          </a:ln>
+          <a:effectLst>
+            <a:outerShdw blurRad="50800" dist="38100" dir="16200000" rotWithShape="0">
+              <a:prstClr val="black">
+                <a:alpha val="40000"/>
+              </a:prstClr>
+            </a:outerShdw>
+          </a:effectLst>
+        </p:spPr>
+        <p:txBody>
+          <a:bodyPr rot="0" spcFirstLastPara="0" vertOverflow="overflow" horzOverflow="overflow" vert="horz" wrap="square" lIns="91440" tIns="45720" rIns="91440" bIns="45720" numCol="1" spcCol="0" rtlCol="0" fromWordArt="0" anchor="ctr" anchorCtr="0" forceAA="0" compatLnSpc="1">
+            <a:noAutofit/>
+          </a:bodyPr>
+          <a:lstStyle/>
+          <a:p>
+            <a:pPr marL="0" marR="0" lvl="0" indent="0" algn="ctr" defTabSz="914400" eaLnBrk="1" fontAlgn="auto" latinLnBrk="0" hangingPunct="1">
+              <a:lnSpc>
+                <a:spcPct val="100000"/>
+              </a:lnSpc>
+              <a:spcBef>
+                <a:spcPts val="0"/>
+              </a:spcBef>
+              <a:spcAft>
+                <a:spcPts val="0"/>
+              </a:spcAft>
+              <a:buClrTx/>
+              <a:buSzTx/>
+              <a:buFontTx/>
+              <a:buNone/>
+              <a:defRPr/>
+            </a:pPr>
+            <a:endParaRPr kumimoji="0" lang="en-US" sz="1800" b="0" i="0" u="none" strike="noStrike" kern="0" cap="none" spc="0" normalizeH="0" baseline="0" noProof="0">
+              <a:ln>
+                <a:noFill/>
+              </a:ln>
+              <a:solidFill>
+                <a:sysClr val="windowText" lastClr="000000"/>
+              </a:solidFill>
+              <a:effectLst/>
+              <a:uLnTx/>
+              <a:uFillTx/>
+              <a:latin typeface="Calibri" panose="020F0502020204030204"/>
+              <a:ea typeface="+mn-ea"/>
+              <a:cs typeface="+mn-cs"/>
+            </a:endParaRPr>
+          </a:p>
+        </p:txBody>
+      </p:sp>
+      <p:sp>
+        <p:nvSpPr>
+          <p:cNvPr id="43" name="TextBox 42"/>
+          <p:cNvSpPr txBox="1"/>
+          <p:nvPr/>
+        </p:nvSpPr>
+        <p:spPr>
+          <a:xfrm>
+            <a:off x="3137126" y="5260390"/>
+            <a:ext cx="5688632" cy="884794"/>
+          </a:xfrm>
+          <a:prstGeom prst="rect">
+            <a:avLst/>
+          </a:prstGeom>
+          <a:noFill/>
+        </p:spPr>
+        <p:txBody>
+          <a:bodyPr wrap="square" rtlCol="0">
+            <a:spAutoFit/>
+          </a:bodyPr>
+          <a:lstStyle>
+            <a:defPPr>
+              <a:defRPr lang="en-US"/>
+            </a:defPPr>
+            <a:lvl1pPr>
+              <a:lnSpc>
+                <a:spcPct val="130000"/>
+              </a:lnSpc>
+              <a:defRPr sz="5400" b="1">
+                <a:solidFill>
+                  <a:schemeClr val="tx1">
+                    <a:lumMod val="65000"/>
+                    <a:lumOff val="35000"/>
+                  </a:schemeClr>
+                </a:solidFill>
+                <a:latin typeface="Agency FB" pitchFamily="34" charset="0"/>
+                <a:ea typeface="微软雅黑" panose="020B0503020204020204" charset="-122"/>
+                <a:cs typeface="Calibri" panose="020F0502020204030204" pitchFamily="34" charset="0"/>
+              </a:defRPr>
+            </a:lvl1pPr>
+          </a:lstStyle>
+          <a:p>
+            <a:pPr marL="0" marR="0" lvl="0" indent="0" algn="ctr" defTabSz="914400" eaLnBrk="1" fontAlgn="auto" latinLnBrk="0" hangingPunct="1">
+              <a:lnSpc>
+                <a:spcPct val="130000"/>
+              </a:lnSpc>
+              <a:spcBef>
+                <a:spcPts val="0"/>
+              </a:spcBef>
+              <a:spcAft>
+                <a:spcPts val="0"/>
+              </a:spcAft>
+              <a:buClrTx/>
+              <a:buSzTx/>
+              <a:buFontTx/>
+              <a:buNone/>
+              <a:defRPr/>
+            </a:pPr>
+            <a:r>
+              <a:rPr lang="zh-CN" altLang="en-US" sz="4400" dirty="0" smtClean="0">
+                <a:sym typeface="+mn-ea"/>
+              </a:rPr>
+              <a:t>性能测试</a:t>
+            </a:r>
+            <a:endParaRPr kumimoji="0" lang="zh-CN" altLang="en-US" sz="4400" b="1" i="0" u="none" strike="noStrike" kern="0" cap="none" spc="0" normalizeH="0" baseline="0" noProof="0" dirty="0">
+              <a:ln>
+                <a:noFill/>
+              </a:ln>
+              <a:solidFill>
+                <a:sysClr val="windowText" lastClr="000000">
+                  <a:lumMod val="75000"/>
+                  <a:lumOff val="25000"/>
+                </a:sysClr>
+              </a:solidFill>
+              <a:effectLst>
+                <a:outerShdw dist="38100" dir="5400000" algn="t" rotWithShape="0">
+                  <a:sysClr val="window" lastClr="FFFFFF">
+                    <a:alpha val="48000"/>
+                  </a:sysClr>
+                </a:outerShdw>
+              </a:effectLst>
+              <a:uLnTx/>
+              <a:uFillTx/>
+              <a:latin typeface="Agency FB" pitchFamily="34" charset="0"/>
+              <a:ea typeface="微软雅黑" panose="020B0503020204020204" charset="-122"/>
+              <a:cs typeface="Calibri" panose="020F0502020204030204" pitchFamily="34" charset="0"/>
+            </a:endParaRPr>
+          </a:p>
+        </p:txBody>
+      </p:sp>
+    </p:spTree>
+    <p:extLst>
+      <p:ext uri="{BB962C8B-B14F-4D97-AF65-F5344CB8AC3E}">
+        <p14:creationId xmlns:p14="http://schemas.microsoft.com/office/powerpoint/2010/main" val="812510729"/>
+      </p:ext>
+    </p:extLst>
+  </p:cSld>
+  <p:clrMapOvr>
+    <a:masterClrMapping/>
+  </p:clrMapOvr>
+</p:sld>
+</file>
+
+<file path=ppt/slides/slide27.xml><?xml version="1.0" encoding="utf-8"?>
+<p:sld xmlns:a="http://schemas.openxmlformats.org/drawingml/2006/main" xmlns:r="http://schemas.openxmlformats.org/officeDocument/2006/relationships" xmlns:p="http://schemas.openxmlformats.org/presentationml/2006/main">
+  <p:cSld>
+    <p:spTree>
+      <p:nvGrpSpPr>
+        <p:cNvPr id="1" name=""/>
+        <p:cNvGrpSpPr/>
+        <p:nvPr/>
+      </p:nvGrpSpPr>
+      <p:grpSpPr>
+        <a:xfrm>
+          <a:off x="0" y="0"/>
+          <a:ext cx="0" cy="0"/>
+          <a:chOff x="0" y="0"/>
+          <a:chExt cx="0" cy="0"/>
+        </a:xfrm>
+      </p:grpSpPr>
+      <p:pic>
+        <p:nvPicPr>
+          <p:cNvPr id="9" name="图片 8"/>
+          <p:cNvPicPr>
+            <a:picLocks noChangeAspect="1"/>
+          </p:cNvPicPr>
+          <p:nvPr/>
+        </p:nvPicPr>
+        <p:blipFill>
+          <a:blip r:embed="rId3">
+            <a:extLst>
+              <a:ext uri="{28A0092B-C50C-407E-A947-70E740481C1C}">
+                <a14:useLocalDpi xmlns:a14="http://schemas.microsoft.com/office/drawing/2010/main" val="0"/>
+              </a:ext>
+            </a:extLst>
+          </a:blip>
+          <a:stretch>
+            <a:fillRect/>
+          </a:stretch>
+        </p:blipFill>
+        <p:spPr>
+          <a:xfrm>
+            <a:off x="2268220" y="676275"/>
+            <a:ext cx="7352665" cy="5871210"/>
+          </a:xfrm>
+          <a:prstGeom prst="rect">
+            <a:avLst/>
+          </a:prstGeom>
+        </p:spPr>
+      </p:pic>
+      <p:sp>
+        <p:nvSpPr>
+          <p:cNvPr id="11" name="TextBox 10"/>
+          <p:cNvSpPr txBox="1"/>
+          <p:nvPr/>
+        </p:nvSpPr>
+        <p:spPr>
+          <a:xfrm rot="331225" flipH="1">
+            <a:off x="2888615" y="3402965"/>
+            <a:ext cx="5931535" cy="829945"/>
+          </a:xfrm>
+          <a:prstGeom prst="rect">
+            <a:avLst/>
+          </a:prstGeom>
+          <a:noFill/>
+        </p:spPr>
+        <p:txBody>
+          <a:bodyPr wrap="square" rtlCol="0">
+            <a:spAutoFit/>
+          </a:bodyPr>
+          <a:lstStyle>
+            <a:defPPr>
+              <a:defRPr lang="en-US"/>
+            </a:defPPr>
+            <a:lvl1pPr lvl="0">
+              <a:lnSpc>
+                <a:spcPct val="80000"/>
+              </a:lnSpc>
+              <a:defRPr sz="4400" b="1" kern="0">
+                <a:ln w="18415" cmpd="sng">
+                  <a:noFill/>
+                  <a:prstDash val="solid"/>
+                </a:ln>
+                <a:solidFill>
+                  <a:srgbClr val="FFC000"/>
+                </a:solidFill>
+                <a:latin typeface="Agency FB" pitchFamily="34" charset="0"/>
+                <a:ea typeface="微软雅黑" panose="020B0503020204020204" charset="-122"/>
+              </a:defRPr>
+            </a:lvl1pPr>
+          </a:lstStyle>
+          <a:p>
+            <a:pPr marL="0" marR="0" lvl="0" indent="0" defTabSz="914400" eaLnBrk="1" fontAlgn="auto" latinLnBrk="0" hangingPunct="1">
+              <a:lnSpc>
+                <a:spcPct val="80000"/>
+              </a:lnSpc>
+              <a:spcBef>
+                <a:spcPts val="0"/>
+              </a:spcBef>
+              <a:spcAft>
+                <a:spcPts val="0"/>
+              </a:spcAft>
+              <a:buClrTx/>
+              <a:buSzTx/>
+              <a:buFontTx/>
+              <a:buNone/>
+              <a:defRPr/>
+            </a:pPr>
+            <a:r>
+              <a:rPr kumimoji="0" lang="zh-CN" sz="6000" b="1" i="0" u="none" strike="noStrike" kern="0" cap="none" spc="0" normalizeH="0" baseline="0" noProof="0" dirty="0">
+                <a:ln w="18415" cmpd="sng">
+                  <a:noFill/>
+                  <a:prstDash val="solid"/>
+                </a:ln>
+                <a:solidFill>
+                  <a:srgbClr val="C0504D">
+                    <a:lumMod val="75000"/>
+                  </a:srgbClr>
+                </a:solidFill>
+                <a:effectLst/>
+                <a:uLnTx/>
+                <a:uFillTx/>
+                <a:latin typeface="Arial Rounded MT Bold" pitchFamily="34" charset="0"/>
+                <a:ea typeface="微软雅黑" panose="020B0503020204020204" charset="-122"/>
+                <a:cs typeface="Times New Roman" panose="02020603050405020304" pitchFamily="18" charset="0"/>
+              </a:rPr>
+              <a:t>谢谢各位的聆听</a:t>
+            </a:r>
           </a:p>
         </p:txBody>
       </p:sp>
@@ -14654,6 +19421,467 @@
           <a:chExt cx="0" cy="0"/>
         </a:xfrm>
       </p:grpSpPr>
+      <p:pic>
+        <p:nvPicPr>
+          <p:cNvPr id="23" name="Picture 3"/>
+          <p:cNvPicPr>
+            <a:picLocks noChangeAspect="1" noChangeArrowheads="1"/>
+          </p:cNvPicPr>
+          <p:nvPr/>
+        </p:nvPicPr>
+        <p:blipFill rotWithShape="1">
+          <a:blip r:embed="rId3" cstate="print">
+            <a:extLst>
+              <a:ext uri="{28A0092B-C50C-407E-A947-70E740481C1C}">
+                <a14:useLocalDpi xmlns:a14="http://schemas.microsoft.com/office/drawing/2010/main" val="0"/>
+              </a:ext>
+            </a:extLst>
+          </a:blip>
+          <a:srcRect l="2767" r="7205" b="57679"/>
+          <a:stretch>
+            <a:fillRect/>
+          </a:stretch>
+        </p:blipFill>
+        <p:spPr bwMode="auto">
+          <a:xfrm rot="10800000" flipH="1" flipV="1">
+            <a:off x="1187150" y="4617245"/>
+            <a:ext cx="9295641" cy="251915"/>
+          </a:xfrm>
+          <a:prstGeom prst="rect">
+            <a:avLst/>
+          </a:prstGeom>
+          <a:noFill/>
+          <a:ln>
+            <a:noFill/>
+          </a:ln>
+          <a:effectLst/>
+          <a:extLst>
+            <a:ext uri="{909E8E84-426E-40DD-AFC4-6F175D3DCCD1}">
+              <a14:hiddenFill xmlns:a14="http://schemas.microsoft.com/office/drawing/2010/main">
+                <a:solidFill>
+                  <a:schemeClr val="accent1"/>
+                </a:solidFill>
+              </a14:hiddenFill>
+            </a:ext>
+            <a:ext uri="{91240B29-F687-4F45-9708-019B960494DF}">
+              <a14:hiddenLine xmlns:a14="http://schemas.microsoft.com/office/drawing/2010/main" w="9525">
+                <a:solidFill>
+                  <a:schemeClr val="tx1"/>
+                </a:solidFill>
+                <a:miter lim="800000"/>
+                <a:headEnd/>
+                <a:tailEnd/>
+              </a14:hiddenLine>
+            </a:ext>
+            <a:ext uri="{AF507438-7753-43E0-B8FC-AC1667EBCBE1}">
+              <a14:hiddenEffects xmlns:a14="http://schemas.microsoft.com/office/drawing/2010/main">
+                <a:effectLst>
+                  <a:outerShdw dist="35921" dir="2700000" algn="ctr" rotWithShape="0">
+                    <a:schemeClr val="bg2"/>
+                  </a:outerShdw>
+                </a:effectLst>
+              </a14:hiddenEffects>
+            </a:ext>
+          </a:extLst>
+        </p:spPr>
+      </p:pic>
+      <p:sp>
+        <p:nvSpPr>
+          <p:cNvPr id="24" name="圆角矩形 23"/>
+          <p:cNvSpPr/>
+          <p:nvPr/>
+        </p:nvSpPr>
+        <p:spPr>
+          <a:xfrm rot="20935880">
+            <a:off x="4381264" y="3172417"/>
+            <a:ext cx="193241" cy="2366303"/>
+          </a:xfrm>
+          <a:prstGeom prst="roundRect">
+            <a:avLst>
+              <a:gd name="adj" fmla="val 50000"/>
+            </a:avLst>
+          </a:prstGeom>
+          <a:gradFill flip="none" rotWithShape="1">
+            <a:gsLst>
+              <a:gs pos="100000">
+                <a:srgbClr val="878787"/>
+              </a:gs>
+              <a:gs pos="0">
+                <a:sysClr val="window" lastClr="FFFFFF">
+                  <a:lumMod val="85000"/>
+                  <a:shade val="30000"/>
+                  <a:satMod val="115000"/>
+                </a:sysClr>
+              </a:gs>
+              <a:gs pos="45000">
+                <a:sysClr val="window" lastClr="FFFFFF">
+                  <a:lumMod val="85000"/>
+                  <a:shade val="67500"/>
+                  <a:satMod val="115000"/>
+                </a:sysClr>
+              </a:gs>
+              <a:gs pos="62000">
+                <a:sysClr val="window" lastClr="FFFFFF">
+                  <a:lumMod val="85000"/>
+                  <a:shade val="100000"/>
+                  <a:satMod val="115000"/>
+                </a:sysClr>
+              </a:gs>
+            </a:gsLst>
+            <a:lin ang="10800000" scaled="1"/>
+            <a:tileRect/>
+          </a:gradFill>
+          <a:ln w="25400" cap="flat" cmpd="sng" algn="ctr">
+            <a:noFill/>
+            <a:prstDash val="solid"/>
+          </a:ln>
+          <a:effectLst/>
+        </p:spPr>
+        <p:txBody>
+          <a:bodyPr rot="0" spcFirstLastPara="0" vertOverflow="overflow" horzOverflow="overflow" vert="horz" wrap="square" lIns="91440" tIns="45720" rIns="91440" bIns="45720" numCol="1" spcCol="0" rtlCol="0" fromWordArt="0" anchor="ctr" anchorCtr="0" forceAA="0" compatLnSpc="1">
+            <a:noAutofit/>
+          </a:bodyPr>
+          <a:lstStyle/>
+          <a:p>
+            <a:pPr marL="0" marR="0" lvl="0" indent="0" algn="ctr" defTabSz="914400" eaLnBrk="1" fontAlgn="auto" latinLnBrk="0" hangingPunct="1">
+              <a:lnSpc>
+                <a:spcPct val="100000"/>
+              </a:lnSpc>
+              <a:spcBef>
+                <a:spcPts val="0"/>
+              </a:spcBef>
+              <a:spcAft>
+                <a:spcPts val="0"/>
+              </a:spcAft>
+              <a:buClrTx/>
+              <a:buSzTx/>
+              <a:buFontTx/>
+              <a:buNone/>
+              <a:defRPr/>
+            </a:pPr>
+            <a:endParaRPr kumimoji="0" lang="en-US" sz="1800" b="0" i="0" u="none" strike="noStrike" kern="0" cap="none" spc="0" normalizeH="0" baseline="0" noProof="0">
+              <a:ln>
+                <a:noFill/>
+              </a:ln>
+              <a:solidFill>
+                <a:sysClr val="windowText" lastClr="000000"/>
+              </a:solidFill>
+              <a:effectLst/>
+              <a:uLnTx/>
+              <a:uFillTx/>
+              <a:latin typeface="Calibri" panose="020F0502020204030204"/>
+              <a:ea typeface="+mn-ea"/>
+              <a:cs typeface="+mn-cs"/>
+            </a:endParaRPr>
+          </a:p>
+        </p:txBody>
+      </p:sp>
+      <p:sp>
+        <p:nvSpPr>
+          <p:cNvPr id="28" name="圆角矩形 27"/>
+          <p:cNvSpPr/>
+          <p:nvPr/>
+        </p:nvSpPr>
+        <p:spPr>
+          <a:xfrm rot="963333">
+            <a:off x="7468164" y="2895766"/>
+            <a:ext cx="224541" cy="2664296"/>
+          </a:xfrm>
+          <a:prstGeom prst="roundRect">
+            <a:avLst>
+              <a:gd name="adj" fmla="val 50000"/>
+            </a:avLst>
+          </a:prstGeom>
+          <a:gradFill flip="none" rotWithShape="1">
+            <a:gsLst>
+              <a:gs pos="100000">
+                <a:srgbClr val="878787"/>
+              </a:gs>
+              <a:gs pos="0">
+                <a:sysClr val="window" lastClr="FFFFFF">
+                  <a:lumMod val="85000"/>
+                  <a:shade val="30000"/>
+                  <a:satMod val="115000"/>
+                </a:sysClr>
+              </a:gs>
+              <a:gs pos="45000">
+                <a:sysClr val="window" lastClr="FFFFFF">
+                  <a:lumMod val="85000"/>
+                  <a:shade val="67500"/>
+                  <a:satMod val="115000"/>
+                </a:sysClr>
+              </a:gs>
+              <a:gs pos="62000">
+                <a:sysClr val="window" lastClr="FFFFFF">
+                  <a:lumMod val="85000"/>
+                  <a:shade val="100000"/>
+                  <a:satMod val="115000"/>
+                </a:sysClr>
+              </a:gs>
+            </a:gsLst>
+            <a:lin ang="10800000" scaled="1"/>
+            <a:tileRect/>
+          </a:gradFill>
+          <a:ln w="25400" cap="flat" cmpd="sng" algn="ctr">
+            <a:noFill/>
+            <a:prstDash val="solid"/>
+          </a:ln>
+          <a:effectLst/>
+        </p:spPr>
+        <p:txBody>
+          <a:bodyPr rot="0" spcFirstLastPara="0" vertOverflow="overflow" horzOverflow="overflow" vert="horz" wrap="square" lIns="91440" tIns="45720" rIns="91440" bIns="45720" numCol="1" spcCol="0" rtlCol="0" fromWordArt="0" anchor="ctr" anchorCtr="0" forceAA="0" compatLnSpc="1">
+            <a:noAutofit/>
+          </a:bodyPr>
+          <a:lstStyle/>
+          <a:p>
+            <a:pPr marL="0" marR="0" lvl="0" indent="0" algn="ctr" defTabSz="914400" eaLnBrk="1" fontAlgn="auto" latinLnBrk="0" hangingPunct="1">
+              <a:lnSpc>
+                <a:spcPct val="100000"/>
+              </a:lnSpc>
+              <a:spcBef>
+                <a:spcPts val="0"/>
+              </a:spcBef>
+              <a:spcAft>
+                <a:spcPts val="0"/>
+              </a:spcAft>
+              <a:buClrTx/>
+              <a:buSzTx/>
+              <a:buFontTx/>
+              <a:buNone/>
+              <a:defRPr/>
+            </a:pPr>
+            <a:endParaRPr kumimoji="0" lang="en-US" sz="1800" b="0" i="0" u="none" strike="noStrike" kern="0" cap="none" spc="0" normalizeH="0" baseline="0" noProof="0">
+              <a:ln>
+                <a:noFill/>
+              </a:ln>
+              <a:solidFill>
+                <a:sysClr val="windowText" lastClr="000000"/>
+              </a:solidFill>
+              <a:effectLst/>
+              <a:uLnTx/>
+              <a:uFillTx/>
+              <a:latin typeface="Calibri" panose="020F0502020204030204"/>
+              <a:ea typeface="+mn-ea"/>
+              <a:cs typeface="+mn-cs"/>
+            </a:endParaRPr>
+          </a:p>
+        </p:txBody>
+      </p:sp>
+      <p:sp>
+        <p:nvSpPr>
+          <p:cNvPr id="33" name="矩形 32"/>
+          <p:cNvSpPr/>
+          <p:nvPr/>
+        </p:nvSpPr>
+        <p:spPr>
+          <a:xfrm>
+            <a:off x="1524000" y="4869160"/>
+            <a:ext cx="9144000" cy="1656184"/>
+          </a:xfrm>
+          <a:prstGeom prst="rect">
+            <a:avLst/>
+          </a:prstGeom>
+          <a:gradFill flip="none" rotWithShape="1">
+            <a:gsLst>
+              <a:gs pos="48320">
+                <a:srgbClr val="E6C29A"/>
+              </a:gs>
+              <a:gs pos="100000">
+                <a:srgbClr val="8C6233"/>
+              </a:gs>
+              <a:gs pos="0">
+                <a:srgbClr val="DEA464">
+                  <a:shade val="30000"/>
+                  <a:satMod val="115000"/>
+                </a:srgbClr>
+              </a:gs>
+              <a:gs pos="8000">
+                <a:srgbClr val="DEA464">
+                  <a:shade val="67500"/>
+                  <a:satMod val="115000"/>
+                </a:srgbClr>
+              </a:gs>
+              <a:gs pos="92000">
+                <a:srgbClr val="DEA464">
+                  <a:shade val="100000"/>
+                  <a:satMod val="115000"/>
+                </a:srgbClr>
+              </a:gs>
+            </a:gsLst>
+            <a:lin ang="0" scaled="1"/>
+            <a:tileRect/>
+          </a:gradFill>
+          <a:ln w="25400" cap="flat" cmpd="sng" algn="ctr">
+            <a:noFill/>
+            <a:prstDash val="solid"/>
+          </a:ln>
+          <a:effectLst>
+            <a:outerShdw blurRad="50800" dist="38100" dir="16200000" rotWithShape="0">
+              <a:prstClr val="black">
+                <a:alpha val="40000"/>
+              </a:prstClr>
+            </a:outerShdw>
+          </a:effectLst>
+        </p:spPr>
+        <p:txBody>
+          <a:bodyPr rot="0" spcFirstLastPara="0" vertOverflow="overflow" horzOverflow="overflow" vert="horz" wrap="square" lIns="91440" tIns="45720" rIns="91440" bIns="45720" numCol="1" spcCol="0" rtlCol="0" fromWordArt="0" anchor="ctr" anchorCtr="0" forceAA="0" compatLnSpc="1">
+            <a:noAutofit/>
+          </a:bodyPr>
+          <a:lstStyle/>
+          <a:p>
+            <a:pPr marL="0" marR="0" lvl="0" indent="0" algn="ctr" defTabSz="914400" eaLnBrk="1" fontAlgn="auto" latinLnBrk="0" hangingPunct="1">
+              <a:lnSpc>
+                <a:spcPct val="100000"/>
+              </a:lnSpc>
+              <a:spcBef>
+                <a:spcPts val="0"/>
+              </a:spcBef>
+              <a:spcAft>
+                <a:spcPts val="0"/>
+              </a:spcAft>
+              <a:buClrTx/>
+              <a:buSzTx/>
+              <a:buFontTx/>
+              <a:buNone/>
+              <a:defRPr/>
+            </a:pPr>
+            <a:endParaRPr kumimoji="0" lang="en-US" sz="1800" b="0" i="0" u="none" strike="noStrike" kern="0" cap="none" spc="0" normalizeH="0" baseline="0" noProof="0">
+              <a:ln>
+                <a:noFill/>
+              </a:ln>
+              <a:solidFill>
+                <a:sysClr val="windowText" lastClr="000000"/>
+              </a:solidFill>
+              <a:effectLst/>
+              <a:uLnTx/>
+              <a:uFillTx/>
+              <a:latin typeface="Calibri" panose="020F0502020204030204"/>
+              <a:ea typeface="+mn-ea"/>
+              <a:cs typeface="+mn-cs"/>
+            </a:endParaRPr>
+          </a:p>
+        </p:txBody>
+      </p:sp>
+      <p:sp>
+        <p:nvSpPr>
+          <p:cNvPr id="43" name="TextBox 42"/>
+          <p:cNvSpPr txBox="1"/>
+          <p:nvPr/>
+        </p:nvSpPr>
+        <p:spPr>
+          <a:xfrm>
+            <a:off x="3137126" y="5260390"/>
+            <a:ext cx="5688632" cy="884794"/>
+          </a:xfrm>
+          <a:prstGeom prst="rect">
+            <a:avLst/>
+          </a:prstGeom>
+          <a:noFill/>
+        </p:spPr>
+        <p:txBody>
+          <a:bodyPr wrap="square" rtlCol="0">
+            <a:spAutoFit/>
+          </a:bodyPr>
+          <a:lstStyle>
+            <a:defPPr>
+              <a:defRPr lang="en-US"/>
+            </a:defPPr>
+            <a:lvl1pPr>
+              <a:lnSpc>
+                <a:spcPct val="130000"/>
+              </a:lnSpc>
+              <a:defRPr sz="5400" b="1">
+                <a:solidFill>
+                  <a:schemeClr val="tx1">
+                    <a:lumMod val="65000"/>
+                    <a:lumOff val="35000"/>
+                  </a:schemeClr>
+                </a:solidFill>
+                <a:latin typeface="Agency FB" pitchFamily="34" charset="0"/>
+                <a:ea typeface="微软雅黑" panose="020B0503020204020204" charset="-122"/>
+                <a:cs typeface="Calibri" panose="020F0502020204030204" pitchFamily="34" charset="0"/>
+              </a:defRPr>
+            </a:lvl1pPr>
+          </a:lstStyle>
+          <a:p>
+            <a:pPr marL="0" marR="0" lvl="0" indent="0" algn="ctr" defTabSz="914400" eaLnBrk="1" fontAlgn="auto" latinLnBrk="0" hangingPunct="1">
+              <a:lnSpc>
+                <a:spcPct val="130000"/>
+              </a:lnSpc>
+              <a:spcBef>
+                <a:spcPts val="0"/>
+              </a:spcBef>
+              <a:spcAft>
+                <a:spcPts val="0"/>
+              </a:spcAft>
+              <a:buClrTx/>
+              <a:buSzTx/>
+              <a:buFontTx/>
+              <a:buNone/>
+              <a:defRPr/>
+            </a:pPr>
+            <a:r>
+              <a:rPr lang="en-US" altLang="zh-CN" sz="4400" dirty="0" smtClean="0">
+                <a:sym typeface="+mn-ea"/>
+              </a:rPr>
+              <a:t>DEMO</a:t>
+            </a:r>
+            <a:endParaRPr kumimoji="0" lang="zh-CN" altLang="en-US" sz="4400" b="1" i="0" u="none" strike="noStrike" kern="0" cap="none" spc="0" normalizeH="0" baseline="0" noProof="0" dirty="0">
+              <a:ln>
+                <a:noFill/>
+              </a:ln>
+              <a:solidFill>
+                <a:sysClr val="windowText" lastClr="000000">
+                  <a:lumMod val="75000"/>
+                  <a:lumOff val="25000"/>
+                </a:sysClr>
+              </a:solidFill>
+              <a:effectLst>
+                <a:outerShdw dist="38100" dir="5400000" algn="t" rotWithShape="0">
+                  <a:sysClr val="window" lastClr="FFFFFF">
+                    <a:alpha val="48000"/>
+                  </a:sysClr>
+                </a:outerShdw>
+              </a:effectLst>
+              <a:uLnTx/>
+              <a:uFillTx/>
+              <a:latin typeface="Agency FB" pitchFamily="34" charset="0"/>
+              <a:ea typeface="微软雅黑" panose="020B0503020204020204" charset="-122"/>
+              <a:cs typeface="Calibri" panose="020F0502020204030204" pitchFamily="34" charset="0"/>
+            </a:endParaRPr>
+          </a:p>
+        </p:txBody>
+      </p:sp>
+    </p:spTree>
+    <p:extLst>
+      <p:ext uri="{BB962C8B-B14F-4D97-AF65-F5344CB8AC3E}">
+        <p14:creationId xmlns:p14="http://schemas.microsoft.com/office/powerpoint/2010/main" val="1260186083"/>
+      </p:ext>
+    </p:extLst>
+  </p:cSld>
+  <p:clrMapOvr>
+    <a:masterClrMapping/>
+  </p:clrMapOvr>
+</p:sld>
+</file>
+
+<file path=ppt/slides/slide5.xml><?xml version="1.0" encoding="utf-8"?>
+<p:sld xmlns:a="http://schemas.openxmlformats.org/drawingml/2006/main" xmlns:r="http://schemas.openxmlformats.org/officeDocument/2006/relationships" xmlns:p="http://schemas.openxmlformats.org/presentationml/2006/main">
+  <p:cSld>
+    <p:spTree>
+      <p:nvGrpSpPr>
+        <p:cNvPr id="1" name=""/>
+        <p:cNvGrpSpPr/>
+        <p:nvPr/>
+      </p:nvGrpSpPr>
+      <p:grpSpPr>
+        <a:xfrm>
+          <a:off x="0" y="0"/>
+          <a:ext cx="0" cy="0"/>
+          <a:chOff x="0" y="0"/>
+          <a:chExt cx="0" cy="0"/>
+        </a:xfrm>
+      </p:grpSpPr>
       <p:sp>
         <p:nvSpPr>
           <p:cNvPr id="2" name="标题 1"/>
@@ -14670,45 +19898,82 @@
           <a:lstStyle/>
           <a:p>
             <a:r>
-              <a:rPr lang="en-US" altLang="zh-CN" sz="3200">
+              <a:rPr lang="en-US" altLang="zh-CN" sz="3200" dirty="0">
                 <a:sym typeface="+mn-ea"/>
               </a:rPr>
               <a:t>项</a:t>
             </a:r>
             <a:r>
-              <a:rPr sz="3200">
+              <a:rPr sz="3200" dirty="0">
                 <a:sym typeface="+mn-ea"/>
               </a:rPr>
               <a:t>目内容</a:t>
             </a:r>
             <a:r>
-              <a:rPr lang="en-US" altLang="zh-CN" sz="3200">
+              <a:rPr lang="en-US" altLang="zh-CN" sz="3200" dirty="0" smtClean="0">
                 <a:sym typeface="+mn-ea"/>
               </a:rPr>
               <a:t>——</a:t>
             </a:r>
             <a:r>
-              <a:rPr sz="3200">
+              <a:rPr lang="zh-CN" altLang="en-US" sz="3200" dirty="0" smtClean="0">
                 <a:sym typeface="+mn-ea"/>
               </a:rPr>
-              <a:t>数据库关系模型设计</a:t>
-            </a:r>
-            <a:endParaRPr lang="zh-CN" altLang="en-US" sz="3200">
+              <a:t>项目后端结构</a:t>
+            </a:r>
+            <a:endParaRPr lang="zh-CN" altLang="en-US" sz="3200" dirty="0">
               <a:sym typeface="+mn-ea"/>
             </a:endParaRPr>
           </a:p>
         </p:txBody>
       </p:sp>
+      <p:pic>
+        <p:nvPicPr>
+          <p:cNvPr id="54" name="图片 53"/>
+          <p:cNvPicPr>
+            <a:picLocks noChangeAspect="1"/>
+          </p:cNvPicPr>
+          <p:nvPr/>
+        </p:nvPicPr>
+        <p:blipFill rotWithShape="1">
+          <a:blip r:embed="rId2">
+            <a:extLst>
+              <a:ext uri="{28A0092B-C50C-407E-A947-70E740481C1C}">
+                <a14:useLocalDpi xmlns:a14="http://schemas.microsoft.com/office/drawing/2010/main" val="0"/>
+              </a:ext>
+            </a:extLst>
+          </a:blip>
+          <a:srcRect l="9129" t="30570" r="14652" b="33128"/>
+          <a:stretch>
+            <a:fillRect/>
+          </a:stretch>
+        </p:blipFill>
+        <p:spPr>
+          <a:xfrm>
+            <a:off x="10400177" y="668803"/>
+            <a:ext cx="1791823" cy="1531869"/>
+          </a:xfrm>
+          <a:prstGeom prst="rect">
+            <a:avLst/>
+          </a:prstGeom>
+        </p:spPr>
+      </p:pic>
       <p:sp>
         <p:nvSpPr>
-          <p:cNvPr id="3" name="文本框 2"/>
+          <p:cNvPr id="5" name="文本框 4">
+            <a:extLst>
+              <a:ext uri="{FF2B5EF4-FFF2-40B4-BE49-F238E27FC236}">
+                <a16:creationId xmlns:a16="http://schemas.microsoft.com/office/drawing/2014/main" xmlns="" id="{99B000F1-5A15-40A1-B27A-AC19C9A215F2}"/>
+              </a:ext>
+            </a:extLst>
+          </p:cNvPr>
           <p:cNvSpPr txBox="1"/>
           <p:nvPr/>
         </p:nvSpPr>
         <p:spPr>
           <a:xfrm>
-            <a:off x="421640" y="1255395"/>
-            <a:ext cx="5994400" cy="6185535"/>
+            <a:off x="10517548" y="1250071"/>
+            <a:ext cx="2308194" cy="369332"/>
           </a:xfrm>
           <a:prstGeom prst="rect">
             <a:avLst/>
@@ -14722,266 +19987,87 @@
           <a:lstStyle/>
           <a:p>
             <a:r>
-              <a:rPr lang="zh-CN" altLang="en-US" dirty="0"/>
-              <a:t>role(role_id,name)  </a:t>
-            </a:r>
-          </a:p>
-          <a:p>
-            <a:r>
-              <a:rPr lang="zh-CN" altLang="en-US" dirty="0"/>
-              <a:t>primary key role_id</a:t>
-            </a:r>
-          </a:p>
-          <a:p>
-            <a:endParaRPr lang="zh-CN" altLang="en-US" dirty="0"/>
-          </a:p>
-          <a:p>
-            <a:r>
-              <a:rPr lang="zh-CN" altLang="en-US" dirty="0"/>
-              <a:t>user(user_id,username,password,name,dept,role_id) </a:t>
-            </a:r>
-          </a:p>
-          <a:p>
-            <a:r>
-              <a:rPr lang="zh-CN" altLang="en-US" dirty="0"/>
-              <a:t>primary key user_id</a:t>
-            </a:r>
-          </a:p>
-          <a:p>
-            <a:r>
-              <a:rPr lang="zh-CN" altLang="en-US" dirty="0"/>
-              <a:t>foreign key role_id references role(role_id)</a:t>
-            </a:r>
-          </a:p>
-          <a:p>
-            <a:endParaRPr lang="zh-CN" altLang="en-US" dirty="0"/>
-          </a:p>
-          <a:p>
-            <a:r>
-              <a:rPr lang="zh-CN" altLang="en-US" dirty="0"/>
-              <a:t>gym(gym_id,name,starttime,endtime)</a:t>
-            </a:r>
-          </a:p>
-          <a:p>
-            <a:r>
-              <a:rPr lang="zh-CN" altLang="en-US" dirty="0"/>
-              <a:t>primary_key gym_id</a:t>
-            </a:r>
-          </a:p>
-          <a:p>
-            <a:endParaRPr lang="zh-CN" altLang="en-US" dirty="0"/>
-          </a:p>
-          <a:p>
-            <a:r>
-              <a:rPr lang="zh-CN" altLang="en-US" dirty="0"/>
-              <a:t>field(gym_id,field_id,name)</a:t>
-            </a:r>
-          </a:p>
-          <a:p>
-            <a:r>
-              <a:rPr lang="zh-CN" altLang="en-US" dirty="0"/>
-              <a:t>primary key(gym_id,field_id)</a:t>
-            </a:r>
-          </a:p>
-          <a:p>
-            <a:r>
-              <a:rPr lang="zh-CN" altLang="en-US" dirty="0"/>
-              <a:t>foreign key gym_id references gym(gym_id)</a:t>
-            </a:r>
-          </a:p>
-          <a:p>
-            <a:endParaRPr lang="zh-CN" altLang="en-US" dirty="0"/>
-          </a:p>
-          <a:p>
-            <a:r>
-              <a:rPr lang="zh-CN" altLang="en-US" dirty="0"/>
-              <a:t>reserve(reserve_id,user_id,gym_id,field_id,date,starttime,endtime)</a:t>
-            </a:r>
-          </a:p>
-          <a:p>
-            <a:r>
-              <a:rPr lang="zh-CN" altLang="en-US" dirty="0"/>
-              <a:t>primary key(reserve_id)</a:t>
-            </a:r>
-          </a:p>
-          <a:p>
-            <a:r>
-              <a:rPr lang="zh-CN" altLang="en-US" dirty="0"/>
-              <a:t>foreign key user_id references user(user_id)</a:t>
-            </a:r>
-          </a:p>
-          <a:p>
-            <a:r>
-              <a:rPr lang="zh-CN" altLang="en-US" dirty="0"/>
-              <a:t>foreign key gym_id references user(gym_id)</a:t>
-            </a:r>
-          </a:p>
-          <a:p>
-            <a:r>
-              <a:rPr lang="zh-CN" altLang="en-US" dirty="0"/>
-              <a:t>foreign key field_id references user(field_id)</a:t>
-            </a:r>
-          </a:p>
-          <a:p>
-            <a:endParaRPr lang="zh-CN" altLang="en-US" dirty="0"/>
-          </a:p>
-          <a:p>
+              <a:rPr lang="en-US" altLang="zh-CN" smtClean="0"/>
+              <a:t>Springboot</a:t>
+            </a:r>
             <a:endParaRPr lang="zh-CN" altLang="en-US" dirty="0"/>
           </a:p>
         </p:txBody>
       </p:sp>
+      <p:pic>
+        <p:nvPicPr>
+          <p:cNvPr id="4" name="图片 3"/>
+          <p:cNvPicPr>
+            <a:picLocks noChangeAspect="1"/>
+          </p:cNvPicPr>
+          <p:nvPr/>
+        </p:nvPicPr>
+        <p:blipFill>
+          <a:blip r:embed="rId3">
+            <a:extLst>
+              <a:ext uri="{28A0092B-C50C-407E-A947-70E740481C1C}">
+                <a14:useLocalDpi xmlns:a14="http://schemas.microsoft.com/office/drawing/2010/main" val="0"/>
+              </a:ext>
+            </a:extLst>
+          </a:blip>
+          <a:stretch>
+            <a:fillRect/>
+          </a:stretch>
+        </p:blipFill>
+        <p:spPr>
+          <a:xfrm>
+            <a:off x="1540880" y="1434737"/>
+            <a:ext cx="7988300" cy="4851400"/>
+          </a:xfrm>
+          <a:prstGeom prst="rect">
+            <a:avLst/>
+          </a:prstGeom>
+        </p:spPr>
+      </p:pic>
       <p:sp>
         <p:nvSpPr>
-          <p:cNvPr id="4" name="文本框 3"/>
-          <p:cNvSpPr txBox="1"/>
+          <p:cNvPr id="8" name="上箭头 7"/>
+          <p:cNvSpPr/>
           <p:nvPr/>
         </p:nvSpPr>
         <p:spPr>
           <a:xfrm>
-            <a:off x="6608445" y="1255395"/>
-            <a:ext cx="5445125" cy="5354320"/>
+            <a:off x="4075044" y="1882550"/>
+            <a:ext cx="258417" cy="3955774"/>
           </a:xfrm>
-          <a:prstGeom prst="rect">
+          <a:prstGeom prst="upArrow">
             <a:avLst/>
           </a:prstGeom>
-          <a:noFill/>
+          <a:solidFill>
+            <a:srgbClr val="FFC000"/>
+          </a:solidFill>
         </p:spPr>
+        <p:style>
+          <a:lnRef idx="2">
+            <a:schemeClr val="accent1">
+              <a:shade val="50000"/>
+            </a:schemeClr>
+          </a:lnRef>
+          <a:fillRef idx="1">
+            <a:schemeClr val="accent1"/>
+          </a:fillRef>
+          <a:effectRef idx="0">
+            <a:schemeClr val="accent1"/>
+          </a:effectRef>
+          <a:fontRef idx="minor">
+            <a:schemeClr val="lt1"/>
+          </a:fontRef>
+        </p:style>
         <p:txBody>
-          <a:bodyPr wrap="square" rtlCol="0">
-            <a:spAutoFit/>
-          </a:bodyPr>
+          <a:bodyPr rtlCol="0" anchor="ctr"/>
           <a:lstStyle/>
           <a:p>
-            <a:r>
-              <a:rPr lang="zh-CN" altLang="en-US" dirty="0">
-                <a:sym typeface="+mn-ea"/>
-              </a:rPr>
-              <a:t>course(course_id,gym_id,weekday,name,starttime,endtime)</a:t>
-            </a:r>
-            <a:endParaRPr lang="zh-CN" altLang="en-US" dirty="0"/>
-          </a:p>
-          <a:p>
-            <a:r>
-              <a:rPr lang="zh-CN" altLang="en-US" dirty="0">
-                <a:sym typeface="+mn-ea"/>
-              </a:rPr>
-              <a:t>primary key course_id</a:t>
-            </a:r>
-            <a:endParaRPr lang="zh-CN" altLang="en-US" dirty="0"/>
-          </a:p>
-          <a:p>
-            <a:r>
-              <a:rPr lang="zh-CN" altLang="en-US" dirty="0">
-                <a:sym typeface="+mn-ea"/>
-              </a:rPr>
-              <a:t>foreign key gmy_id references gym(gym_id)</a:t>
-            </a:r>
-            <a:endParaRPr lang="zh-CN" altLang="en-US" dirty="0"/>
-          </a:p>
-          <a:p>
-            <a:endParaRPr lang="zh-CN" altLang="en-US" dirty="0"/>
-          </a:p>
-          <a:p>
-            <a:r>
-              <a:rPr lang="zh-CN" altLang="en-US" dirty="0">
-                <a:sym typeface="+mn-ea"/>
-              </a:rPr>
-              <a:t>take(user_id,course_id)</a:t>
-            </a:r>
-            <a:endParaRPr lang="zh-CN" altLang="en-US" dirty="0"/>
-          </a:p>
-          <a:p>
-            <a:r>
-              <a:rPr lang="zh-CN" altLang="en-US" dirty="0">
-                <a:sym typeface="+mn-ea"/>
-              </a:rPr>
-              <a:t>primary key (user_id,course_id)</a:t>
-            </a:r>
-            <a:endParaRPr lang="zh-CN" altLang="en-US" dirty="0"/>
-          </a:p>
-          <a:p>
-            <a:r>
-              <a:rPr lang="zh-CN" altLang="en-US" dirty="0">
-                <a:sym typeface="+mn-ea"/>
-              </a:rPr>
-              <a:t>foreign key user_id references user(user_id)</a:t>
-            </a:r>
-            <a:endParaRPr lang="zh-CN" altLang="en-US" dirty="0"/>
-          </a:p>
-          <a:p>
-            <a:r>
-              <a:rPr lang="zh-CN" altLang="en-US" dirty="0">
-                <a:sym typeface="+mn-ea"/>
-              </a:rPr>
-              <a:t>foreign key course_id references course(course_id)</a:t>
-            </a:r>
-            <a:endParaRPr lang="zh-CN" altLang="en-US" dirty="0"/>
-          </a:p>
-          <a:p>
-            <a:endParaRPr lang="zh-CN" altLang="en-US" dirty="0"/>
-          </a:p>
-          <a:p>
-            <a:r>
-              <a:rPr lang="zh-CN" altLang="en-US" dirty="0">
-                <a:sym typeface="+mn-ea"/>
-              </a:rPr>
-              <a:t>teach(user_id,course_id)</a:t>
-            </a:r>
-            <a:endParaRPr lang="zh-CN" altLang="en-US" dirty="0"/>
-          </a:p>
-          <a:p>
-            <a:r>
-              <a:rPr lang="zh-CN" altLang="en-US" dirty="0">
-                <a:sym typeface="+mn-ea"/>
-              </a:rPr>
-              <a:t>primary key (user_id,course_id)</a:t>
-            </a:r>
-            <a:endParaRPr lang="zh-CN" altLang="en-US" dirty="0"/>
-          </a:p>
-          <a:p>
-            <a:r>
-              <a:rPr lang="zh-CN" altLang="en-US" dirty="0">
-                <a:sym typeface="+mn-ea"/>
-              </a:rPr>
-              <a:t>foreign key user_id references user(user_id)</a:t>
-            </a:r>
-            <a:endParaRPr lang="zh-CN" altLang="en-US" dirty="0"/>
-          </a:p>
-          <a:p>
-            <a:r>
-              <a:rPr lang="zh-CN" altLang="en-US" dirty="0">
-                <a:sym typeface="+mn-ea"/>
-              </a:rPr>
-              <a:t>foreign key course_id references course(course_id)</a:t>
-            </a:r>
-            <a:endParaRPr lang="zh-CN" altLang="en-US" dirty="0"/>
-          </a:p>
-          <a:p>
-            <a:endParaRPr lang="zh-CN" altLang="en-US" dirty="0"/>
-          </a:p>
-          <a:p>
-            <a:r>
-              <a:rPr lang="zh-CN" altLang="en-US" dirty="0">
-                <a:sym typeface="+mn-ea"/>
-              </a:rPr>
-              <a:t>announce(id,time,content)</a:t>
-            </a:r>
-            <a:endParaRPr lang="zh-CN" altLang="en-US" dirty="0"/>
-          </a:p>
-          <a:p>
-            <a:r>
-              <a:rPr lang="zh-CN" altLang="en-US" dirty="0">
-                <a:sym typeface="+mn-ea"/>
-              </a:rPr>
-              <a:t>primary key (id)</a:t>
-            </a:r>
-            <a:endParaRPr lang="zh-CN" altLang="en-US" dirty="0"/>
-          </a:p>
-          <a:p>
-            <a:endParaRPr lang="zh-CN" altLang="en-US" dirty="0"/>
-          </a:p>
-          <a:p>
-            <a:endParaRPr lang="zh-CN" altLang="en-US" dirty="0"/>
+            <a:pPr algn="ctr"/>
+            <a:endParaRPr kumimoji="1" lang="zh-CN" altLang="en-US">
+              <a:solidFill>
+                <a:schemeClr val="tx1"/>
+              </a:solidFill>
+            </a:endParaRPr>
           </a:p>
         </p:txBody>
       </p:sp>
@@ -14990,10 +20076,17 @@
   <p:clrMapOvr>
     <a:masterClrMapping/>
   </p:clrMapOvr>
+  <p:timing>
+    <p:tnLst>
+      <p:par>
+        <p:cTn id="1" dur="indefinite" restart="never" nodeType="tmRoot"/>
+      </p:par>
+    </p:tnLst>
+  </p:timing>
 </p:sld>
 </file>
 
-<file path=ppt/slides/slide5.xml><?xml version="1.0" encoding="utf-8"?>
+<file path=ppt/slides/slide6.xml><?xml version="1.0" encoding="utf-8"?>
 <p:sld xmlns:a="http://schemas.openxmlformats.org/drawingml/2006/main" xmlns:r="http://schemas.openxmlformats.org/officeDocument/2006/relationships" xmlns:p="http://schemas.openxmlformats.org/presentationml/2006/main">
   <p:cSld>
     <p:spTree>
@@ -15389,14 +20482,26 @@
         </p:txBody>
       </p:sp>
     </p:spTree>
+    <p:extLst>
+      <p:ext uri="{BB962C8B-B14F-4D97-AF65-F5344CB8AC3E}">
+        <p14:creationId xmlns:p14="http://schemas.microsoft.com/office/powerpoint/2010/main" val="205063588"/>
+      </p:ext>
+    </p:extLst>
   </p:cSld>
   <p:clrMapOvr>
     <a:masterClrMapping/>
   </p:clrMapOvr>
+  <p:timing>
+    <p:tnLst>
+      <p:par>
+        <p:cTn id="1" dur="indefinite" restart="never" nodeType="tmRoot"/>
+      </p:par>
+    </p:tnLst>
+  </p:timing>
 </p:sld>
 </file>
 
-<file path=ppt/slides/slide6.xml><?xml version="1.0" encoding="utf-8"?>
+<file path=ppt/slides/slide7.xml><?xml version="1.0" encoding="utf-8"?>
 <p:sld xmlns:a="http://schemas.openxmlformats.org/drawingml/2006/main" xmlns:r="http://schemas.openxmlformats.org/officeDocument/2006/relationships" xmlns:p="http://schemas.openxmlformats.org/presentationml/2006/main">
   <p:cSld>
     <p:spTree>
@@ -15575,10 +20680,373 @@
   <p:clrMapOvr>
     <a:masterClrMapping/>
   </p:clrMapOvr>
+  <p:timing>
+    <p:tnLst>
+      <p:par>
+        <p:cTn id="1" dur="indefinite" restart="never" nodeType="tmRoot"/>
+      </p:par>
+    </p:tnLst>
+  </p:timing>
 </p:sld>
 </file>
 
-<file path=ppt/slides/slide7.xml><?xml version="1.0" encoding="utf-8"?>
+<file path=ppt/slides/slide8.xml><?xml version="1.0" encoding="utf-8"?>
+<p:sld xmlns:a="http://schemas.openxmlformats.org/drawingml/2006/main" xmlns:r="http://schemas.openxmlformats.org/officeDocument/2006/relationships" xmlns:p="http://schemas.openxmlformats.org/presentationml/2006/main">
+  <p:cSld>
+    <p:spTree>
+      <p:nvGrpSpPr>
+        <p:cNvPr id="1" name=""/>
+        <p:cNvGrpSpPr/>
+        <p:nvPr/>
+      </p:nvGrpSpPr>
+      <p:grpSpPr>
+        <a:xfrm>
+          <a:off x="0" y="0"/>
+          <a:ext cx="0" cy="0"/>
+          <a:chOff x="0" y="0"/>
+          <a:chExt cx="0" cy="0"/>
+        </a:xfrm>
+      </p:grpSpPr>
+      <p:sp>
+        <p:nvSpPr>
+          <p:cNvPr id="2" name="标题 1"/>
+          <p:cNvSpPr>
+            <a:spLocks noGrp="1"/>
+          </p:cNvSpPr>
+          <p:nvPr>
+            <p:ph type="title"/>
+          </p:nvPr>
+        </p:nvSpPr>
+        <p:spPr/>
+        <p:txBody>
+          <a:bodyPr/>
+          <a:lstStyle/>
+          <a:p>
+            <a:r>
+              <a:rPr lang="en-US" altLang="zh-CN" sz="3200">
+                <a:sym typeface="+mn-ea"/>
+              </a:rPr>
+              <a:t>项</a:t>
+            </a:r>
+            <a:r>
+              <a:rPr sz="3200">
+                <a:sym typeface="+mn-ea"/>
+              </a:rPr>
+              <a:t>目内容</a:t>
+            </a:r>
+            <a:r>
+              <a:rPr lang="en-US" altLang="zh-CN" sz="3200">
+                <a:sym typeface="+mn-ea"/>
+              </a:rPr>
+              <a:t>——</a:t>
+            </a:r>
+            <a:r>
+              <a:rPr sz="3200">
+                <a:sym typeface="+mn-ea"/>
+              </a:rPr>
+              <a:t>数据库关系模型设计</a:t>
+            </a:r>
+            <a:endParaRPr lang="zh-CN" altLang="en-US" sz="3200">
+              <a:sym typeface="+mn-ea"/>
+            </a:endParaRPr>
+          </a:p>
+        </p:txBody>
+      </p:sp>
+      <p:sp>
+        <p:nvSpPr>
+          <p:cNvPr id="3" name="文本框 2"/>
+          <p:cNvSpPr txBox="1"/>
+          <p:nvPr/>
+        </p:nvSpPr>
+        <p:spPr>
+          <a:xfrm>
+            <a:off x="421640" y="1255395"/>
+            <a:ext cx="5994400" cy="6185535"/>
+          </a:xfrm>
+          <a:prstGeom prst="rect">
+            <a:avLst/>
+          </a:prstGeom>
+          <a:noFill/>
+        </p:spPr>
+        <p:txBody>
+          <a:bodyPr wrap="square" rtlCol="0">
+            <a:spAutoFit/>
+          </a:bodyPr>
+          <a:lstStyle/>
+          <a:p>
+            <a:r>
+              <a:rPr lang="zh-CN" altLang="en-US" dirty="0"/>
+              <a:t>role(role_id,name)  </a:t>
+            </a:r>
+          </a:p>
+          <a:p>
+            <a:r>
+              <a:rPr lang="zh-CN" altLang="en-US" dirty="0"/>
+              <a:t>primary key role_id</a:t>
+            </a:r>
+          </a:p>
+          <a:p>
+            <a:endParaRPr lang="zh-CN" altLang="en-US" dirty="0"/>
+          </a:p>
+          <a:p>
+            <a:r>
+              <a:rPr lang="zh-CN" altLang="en-US" dirty="0"/>
+              <a:t>user(user_id,username,password,name,dept,role_id) </a:t>
+            </a:r>
+          </a:p>
+          <a:p>
+            <a:r>
+              <a:rPr lang="zh-CN" altLang="en-US" dirty="0"/>
+              <a:t>primary key user_id</a:t>
+            </a:r>
+          </a:p>
+          <a:p>
+            <a:r>
+              <a:rPr lang="zh-CN" altLang="en-US" dirty="0"/>
+              <a:t>foreign key role_id references role(role_id)</a:t>
+            </a:r>
+          </a:p>
+          <a:p>
+            <a:endParaRPr lang="zh-CN" altLang="en-US" dirty="0"/>
+          </a:p>
+          <a:p>
+            <a:r>
+              <a:rPr lang="zh-CN" altLang="en-US" dirty="0"/>
+              <a:t>gym(gym_id,name,starttime,endtime)</a:t>
+            </a:r>
+          </a:p>
+          <a:p>
+            <a:r>
+              <a:rPr lang="zh-CN" altLang="en-US" dirty="0"/>
+              <a:t>primary_key gym_id</a:t>
+            </a:r>
+          </a:p>
+          <a:p>
+            <a:endParaRPr lang="zh-CN" altLang="en-US" dirty="0"/>
+          </a:p>
+          <a:p>
+            <a:r>
+              <a:rPr lang="zh-CN" altLang="en-US" dirty="0"/>
+              <a:t>field(gym_id,field_id,name)</a:t>
+            </a:r>
+          </a:p>
+          <a:p>
+            <a:r>
+              <a:rPr lang="zh-CN" altLang="en-US" dirty="0"/>
+              <a:t>primary key(gym_id,field_id)</a:t>
+            </a:r>
+          </a:p>
+          <a:p>
+            <a:r>
+              <a:rPr lang="zh-CN" altLang="en-US" dirty="0"/>
+              <a:t>foreign key gym_id references gym(gym_id)</a:t>
+            </a:r>
+          </a:p>
+          <a:p>
+            <a:endParaRPr lang="zh-CN" altLang="en-US" dirty="0"/>
+          </a:p>
+          <a:p>
+            <a:r>
+              <a:rPr lang="zh-CN" altLang="en-US" dirty="0"/>
+              <a:t>reserve(reserve_id,user_id,gym_id,field_id,date,starttime,endtime)</a:t>
+            </a:r>
+          </a:p>
+          <a:p>
+            <a:r>
+              <a:rPr lang="zh-CN" altLang="en-US" dirty="0"/>
+              <a:t>primary key(reserve_id)</a:t>
+            </a:r>
+          </a:p>
+          <a:p>
+            <a:r>
+              <a:rPr lang="zh-CN" altLang="en-US" dirty="0"/>
+              <a:t>foreign key user_id references user(user_id)</a:t>
+            </a:r>
+          </a:p>
+          <a:p>
+            <a:r>
+              <a:rPr lang="zh-CN" altLang="en-US" dirty="0"/>
+              <a:t>foreign key gym_id references user(gym_id)</a:t>
+            </a:r>
+          </a:p>
+          <a:p>
+            <a:r>
+              <a:rPr lang="zh-CN" altLang="en-US" dirty="0"/>
+              <a:t>foreign key field_id references user(field_id)</a:t>
+            </a:r>
+          </a:p>
+          <a:p>
+            <a:endParaRPr lang="zh-CN" altLang="en-US" dirty="0"/>
+          </a:p>
+          <a:p>
+            <a:endParaRPr lang="zh-CN" altLang="en-US" dirty="0"/>
+          </a:p>
+        </p:txBody>
+      </p:sp>
+      <p:sp>
+        <p:nvSpPr>
+          <p:cNvPr id="4" name="文本框 3"/>
+          <p:cNvSpPr txBox="1"/>
+          <p:nvPr/>
+        </p:nvSpPr>
+        <p:spPr>
+          <a:xfrm>
+            <a:off x="6608445" y="1255395"/>
+            <a:ext cx="5445125" cy="5354320"/>
+          </a:xfrm>
+          <a:prstGeom prst="rect">
+            <a:avLst/>
+          </a:prstGeom>
+          <a:noFill/>
+        </p:spPr>
+        <p:txBody>
+          <a:bodyPr wrap="square" rtlCol="0">
+            <a:spAutoFit/>
+          </a:bodyPr>
+          <a:lstStyle/>
+          <a:p>
+            <a:r>
+              <a:rPr lang="zh-CN" altLang="en-US" dirty="0">
+                <a:sym typeface="+mn-ea"/>
+              </a:rPr>
+              <a:t>course(course_id,gym_id,weekday,name,starttime,endtime)</a:t>
+            </a:r>
+            <a:endParaRPr lang="zh-CN" altLang="en-US" dirty="0"/>
+          </a:p>
+          <a:p>
+            <a:r>
+              <a:rPr lang="zh-CN" altLang="en-US" dirty="0">
+                <a:sym typeface="+mn-ea"/>
+              </a:rPr>
+              <a:t>primary key course_id</a:t>
+            </a:r>
+            <a:endParaRPr lang="zh-CN" altLang="en-US" dirty="0"/>
+          </a:p>
+          <a:p>
+            <a:r>
+              <a:rPr lang="zh-CN" altLang="en-US" dirty="0">
+                <a:sym typeface="+mn-ea"/>
+              </a:rPr>
+              <a:t>foreign key gmy_id references gym(gym_id)</a:t>
+            </a:r>
+            <a:endParaRPr lang="zh-CN" altLang="en-US" dirty="0"/>
+          </a:p>
+          <a:p>
+            <a:endParaRPr lang="zh-CN" altLang="en-US" dirty="0"/>
+          </a:p>
+          <a:p>
+            <a:r>
+              <a:rPr lang="zh-CN" altLang="en-US" dirty="0">
+                <a:sym typeface="+mn-ea"/>
+              </a:rPr>
+              <a:t>take(user_id,course_id)</a:t>
+            </a:r>
+            <a:endParaRPr lang="zh-CN" altLang="en-US" dirty="0"/>
+          </a:p>
+          <a:p>
+            <a:r>
+              <a:rPr lang="zh-CN" altLang="en-US" dirty="0">
+                <a:sym typeface="+mn-ea"/>
+              </a:rPr>
+              <a:t>primary key (user_id,course_id)</a:t>
+            </a:r>
+            <a:endParaRPr lang="zh-CN" altLang="en-US" dirty="0"/>
+          </a:p>
+          <a:p>
+            <a:r>
+              <a:rPr lang="zh-CN" altLang="en-US" dirty="0">
+                <a:sym typeface="+mn-ea"/>
+              </a:rPr>
+              <a:t>foreign key user_id references user(user_id)</a:t>
+            </a:r>
+            <a:endParaRPr lang="zh-CN" altLang="en-US" dirty="0"/>
+          </a:p>
+          <a:p>
+            <a:r>
+              <a:rPr lang="zh-CN" altLang="en-US" dirty="0">
+                <a:sym typeface="+mn-ea"/>
+              </a:rPr>
+              <a:t>foreign key course_id references course(course_id)</a:t>
+            </a:r>
+            <a:endParaRPr lang="zh-CN" altLang="en-US" dirty="0"/>
+          </a:p>
+          <a:p>
+            <a:endParaRPr lang="zh-CN" altLang="en-US" dirty="0"/>
+          </a:p>
+          <a:p>
+            <a:r>
+              <a:rPr lang="zh-CN" altLang="en-US" dirty="0">
+                <a:sym typeface="+mn-ea"/>
+              </a:rPr>
+              <a:t>teach(user_id,course_id)</a:t>
+            </a:r>
+            <a:endParaRPr lang="zh-CN" altLang="en-US" dirty="0"/>
+          </a:p>
+          <a:p>
+            <a:r>
+              <a:rPr lang="zh-CN" altLang="en-US" dirty="0">
+                <a:sym typeface="+mn-ea"/>
+              </a:rPr>
+              <a:t>primary key (user_id,course_id)</a:t>
+            </a:r>
+            <a:endParaRPr lang="zh-CN" altLang="en-US" dirty="0"/>
+          </a:p>
+          <a:p>
+            <a:r>
+              <a:rPr lang="zh-CN" altLang="en-US" dirty="0">
+                <a:sym typeface="+mn-ea"/>
+              </a:rPr>
+              <a:t>foreign key user_id references user(user_id)</a:t>
+            </a:r>
+            <a:endParaRPr lang="zh-CN" altLang="en-US" dirty="0"/>
+          </a:p>
+          <a:p>
+            <a:r>
+              <a:rPr lang="zh-CN" altLang="en-US" dirty="0">
+                <a:sym typeface="+mn-ea"/>
+              </a:rPr>
+              <a:t>foreign key course_id references course(course_id)</a:t>
+            </a:r>
+            <a:endParaRPr lang="zh-CN" altLang="en-US" dirty="0"/>
+          </a:p>
+          <a:p>
+            <a:endParaRPr lang="zh-CN" altLang="en-US" dirty="0"/>
+          </a:p>
+          <a:p>
+            <a:r>
+              <a:rPr lang="zh-CN" altLang="en-US" dirty="0">
+                <a:sym typeface="+mn-ea"/>
+              </a:rPr>
+              <a:t>announce(id,time,content)</a:t>
+            </a:r>
+            <a:endParaRPr lang="zh-CN" altLang="en-US" dirty="0"/>
+          </a:p>
+          <a:p>
+            <a:r>
+              <a:rPr lang="zh-CN" altLang="en-US" dirty="0">
+                <a:sym typeface="+mn-ea"/>
+              </a:rPr>
+              <a:t>primary key (id)</a:t>
+            </a:r>
+            <a:endParaRPr lang="zh-CN" altLang="en-US" dirty="0"/>
+          </a:p>
+          <a:p>
+            <a:endParaRPr lang="zh-CN" altLang="en-US" dirty="0"/>
+          </a:p>
+          <a:p>
+            <a:endParaRPr lang="zh-CN" altLang="en-US" dirty="0"/>
+          </a:p>
+        </p:txBody>
+      </p:sp>
+    </p:spTree>
+  </p:cSld>
+  <p:clrMapOvr>
+    <a:masterClrMapping/>
+  </p:clrMapOvr>
+</p:sld>
+</file>
+
+<file path=ppt/slides/slide9.xml><?xml version="1.0" encoding="utf-8"?>
 <p:sld xmlns:a="http://schemas.openxmlformats.org/drawingml/2006/main" xmlns:r="http://schemas.openxmlformats.org/officeDocument/2006/relationships" xmlns:p="http://schemas.openxmlformats.org/presentationml/2006/main">
   <p:cSld>
     <p:spTree>
@@ -15683,323 +21151,6 @@
     <p:extLst>
       <p:ext uri="{BB962C8B-B14F-4D97-AF65-F5344CB8AC3E}">
         <p14:creationId xmlns:p14="http://schemas.microsoft.com/office/powerpoint/2010/main" val="3549635268"/>
-      </p:ext>
-    </p:extLst>
-  </p:cSld>
-  <p:clrMapOvr>
-    <a:masterClrMapping/>
-  </p:clrMapOvr>
-</p:sld>
-</file>
-
-<file path=ppt/slides/slide8.xml><?xml version="1.0" encoding="utf-8"?>
-<p:sld xmlns:a="http://schemas.openxmlformats.org/drawingml/2006/main" xmlns:r="http://schemas.openxmlformats.org/officeDocument/2006/relationships" xmlns:p="http://schemas.openxmlformats.org/presentationml/2006/main">
-  <p:cSld>
-    <p:spTree>
-      <p:nvGrpSpPr>
-        <p:cNvPr id="1" name=""/>
-        <p:cNvGrpSpPr/>
-        <p:nvPr/>
-      </p:nvGrpSpPr>
-      <p:grpSpPr>
-        <a:xfrm>
-          <a:off x="0" y="0"/>
-          <a:ext cx="0" cy="0"/>
-          <a:chOff x="0" y="0"/>
-          <a:chExt cx="0" cy="0"/>
-        </a:xfrm>
-      </p:grpSpPr>
-      <p:sp>
-        <p:nvSpPr>
-          <p:cNvPr id="2" name="标题 1">
-            <a:extLst>
-              <a:ext uri="{FF2B5EF4-FFF2-40B4-BE49-F238E27FC236}">
-                <a16:creationId xmlns:a16="http://schemas.microsoft.com/office/drawing/2014/main" xmlns="" id="{D85B6B2A-FBF0-41F4-B80B-0F7EFDDBBFDA}"/>
-              </a:ext>
-            </a:extLst>
-          </p:cNvPr>
-          <p:cNvSpPr>
-            <a:spLocks noGrp="1"/>
-          </p:cNvSpPr>
-          <p:nvPr>
-            <p:ph type="title"/>
-          </p:nvPr>
-        </p:nvSpPr>
-        <p:spPr/>
-        <p:txBody>
-          <a:bodyPr/>
-          <a:lstStyle/>
-          <a:p>
-            <a:r>
-              <a:rPr lang="zh-CN" altLang="en-US" dirty="0"/>
-              <a:t>单元测试</a:t>
-            </a:r>
-            <a:r>
-              <a:rPr lang="en-US" altLang="zh-CN" dirty="0"/>
-              <a:t>-Dao</a:t>
-            </a:r>
-            <a:r>
-              <a:rPr lang="zh-CN" altLang="en-US" dirty="0"/>
-              <a:t>层</a:t>
-            </a:r>
-          </a:p>
-        </p:txBody>
-      </p:sp>
-      <p:sp>
-        <p:nvSpPr>
-          <p:cNvPr id="3" name="文本框 2">
-            <a:extLst>
-              <a:ext uri="{FF2B5EF4-FFF2-40B4-BE49-F238E27FC236}">
-                <a16:creationId xmlns:a16="http://schemas.microsoft.com/office/drawing/2014/main" xmlns="" id="{C5BF1C69-6244-4E4F-A59F-6EA535E7CB97}"/>
-              </a:ext>
-            </a:extLst>
-          </p:cNvPr>
-          <p:cNvSpPr txBox="1"/>
-          <p:nvPr/>
-        </p:nvSpPr>
-        <p:spPr>
-          <a:xfrm>
-            <a:off x="669882" y="1393793"/>
-            <a:ext cx="5855205" cy="646331"/>
-          </a:xfrm>
-          <a:prstGeom prst="rect">
-            <a:avLst/>
-          </a:prstGeom>
-          <a:noFill/>
-        </p:spPr>
-        <p:txBody>
-          <a:bodyPr wrap="square" rtlCol="0">
-            <a:spAutoFit/>
-          </a:bodyPr>
-          <a:lstStyle/>
-          <a:p>
-            <a:r>
-              <a:rPr lang="zh-CN" altLang="en-US" dirty="0">
-                <a:latin typeface="+mn-ea"/>
-              </a:rPr>
-              <a:t>应用</a:t>
-            </a:r>
-            <a:r>
-              <a:rPr lang="zh-CN" altLang="zh-CN" dirty="0">
-                <a:solidFill>
-                  <a:srgbClr val="808000"/>
-                </a:solidFill>
-                <a:latin typeface="+mn-ea"/>
-              </a:rPr>
-              <a:t>@DataJpaTest</a:t>
-            </a:r>
-            <a:r>
-              <a:rPr lang="zh-CN" altLang="en-US" dirty="0">
-                <a:solidFill>
-                  <a:srgbClr val="808000"/>
-                </a:solidFill>
-                <a:latin typeface="+mn-ea"/>
-              </a:rPr>
-              <a:t>，</a:t>
-            </a:r>
-            <a:r>
-              <a:rPr lang="zh-CN" altLang="en-US" dirty="0">
-                <a:latin typeface="+mn-ea"/>
-              </a:rPr>
-              <a:t>并进行参数化测试</a:t>
-            </a:r>
-            <a:endParaRPr lang="zh-CN" altLang="zh-CN" sz="4400" dirty="0">
-              <a:latin typeface="+mn-ea"/>
-            </a:endParaRPr>
-          </a:p>
-          <a:p>
-            <a:endParaRPr lang="zh-CN" altLang="en-US" dirty="0"/>
-          </a:p>
-        </p:txBody>
-      </p:sp>
-      <p:pic>
-        <p:nvPicPr>
-          <p:cNvPr id="6" name="图片 5">
-            <a:extLst>
-              <a:ext uri="{FF2B5EF4-FFF2-40B4-BE49-F238E27FC236}">
-                <a16:creationId xmlns:a16="http://schemas.microsoft.com/office/drawing/2014/main" xmlns="" id="{AAE8F1F7-771F-478F-A5B5-61EDC6DCE69F}"/>
-              </a:ext>
-            </a:extLst>
-          </p:cNvPr>
-          <p:cNvPicPr>
-            <a:picLocks noChangeAspect="1"/>
-          </p:cNvPicPr>
-          <p:nvPr/>
-        </p:nvPicPr>
-        <p:blipFill>
-          <a:blip r:embed="rId2"/>
-          <a:stretch>
-            <a:fillRect/>
-          </a:stretch>
-        </p:blipFill>
-        <p:spPr>
-          <a:xfrm>
-            <a:off x="2258519" y="1716958"/>
-            <a:ext cx="7674962" cy="4647285"/>
-          </a:xfrm>
-          <a:prstGeom prst="rect">
-            <a:avLst/>
-          </a:prstGeom>
-        </p:spPr>
-      </p:pic>
-      <p:sp>
-        <p:nvSpPr>
-          <p:cNvPr id="7" name="文本框 6">
-            <a:extLst>
-              <a:ext uri="{FF2B5EF4-FFF2-40B4-BE49-F238E27FC236}">
-                <a16:creationId xmlns:a16="http://schemas.microsoft.com/office/drawing/2014/main" xmlns="" id="{15F80CCD-174B-4A24-8FA1-873C1B72A321}"/>
-              </a:ext>
-            </a:extLst>
-          </p:cNvPr>
-          <p:cNvSpPr txBox="1"/>
-          <p:nvPr/>
-        </p:nvSpPr>
-        <p:spPr>
-          <a:xfrm>
-            <a:off x="3597484" y="6426000"/>
-            <a:ext cx="6924583" cy="369332"/>
-          </a:xfrm>
-          <a:prstGeom prst="rect">
-            <a:avLst/>
-          </a:prstGeom>
-          <a:noFill/>
-        </p:spPr>
-        <p:txBody>
-          <a:bodyPr wrap="square" rtlCol="0">
-            <a:spAutoFit/>
-          </a:bodyPr>
-          <a:lstStyle/>
-          <a:p>
-            <a:r>
-              <a:rPr lang="en-US" altLang="zh-CN" dirty="0" err="1"/>
-              <a:t>fieldDao.queryFieldById</a:t>
-            </a:r>
-            <a:r>
-              <a:rPr lang="zh-CN" altLang="en-US" dirty="0"/>
-              <a:t>的</a:t>
-            </a:r>
-            <a:r>
-              <a:rPr lang="en-US" altLang="zh-CN" dirty="0"/>
-              <a:t>Happy Path</a:t>
-            </a:r>
-            <a:r>
-              <a:rPr lang="zh-CN" altLang="en-US" dirty="0"/>
-              <a:t>测试</a:t>
-            </a:r>
-          </a:p>
-        </p:txBody>
-      </p:sp>
-    </p:spTree>
-    <p:extLst>
-      <p:ext uri="{BB962C8B-B14F-4D97-AF65-F5344CB8AC3E}">
-        <p14:creationId xmlns:p14="http://schemas.microsoft.com/office/powerpoint/2010/main" val="3148062056"/>
-      </p:ext>
-    </p:extLst>
-  </p:cSld>
-  <p:clrMapOvr>
-    <a:masterClrMapping/>
-  </p:clrMapOvr>
-</p:sld>
-</file>
-
-<file path=ppt/slides/slide9.xml><?xml version="1.0" encoding="utf-8"?>
-<p:sld xmlns:a="http://schemas.openxmlformats.org/drawingml/2006/main" xmlns:r="http://schemas.openxmlformats.org/officeDocument/2006/relationships" xmlns:p="http://schemas.openxmlformats.org/presentationml/2006/main">
-  <p:cSld>
-    <p:spTree>
-      <p:nvGrpSpPr>
-        <p:cNvPr id="1" name=""/>
-        <p:cNvGrpSpPr/>
-        <p:nvPr/>
-      </p:nvGrpSpPr>
-      <p:grpSpPr>
-        <a:xfrm>
-          <a:off x="0" y="0"/>
-          <a:ext cx="0" cy="0"/>
-          <a:chOff x="0" y="0"/>
-          <a:chExt cx="0" cy="0"/>
-        </a:xfrm>
-      </p:grpSpPr>
-      <p:pic>
-        <p:nvPicPr>
-          <p:cNvPr id="3" name="图片 2">
-            <a:extLst>
-              <a:ext uri="{FF2B5EF4-FFF2-40B4-BE49-F238E27FC236}">
-                <a16:creationId xmlns:a16="http://schemas.microsoft.com/office/drawing/2014/main" xmlns="" id="{E37709C7-CECD-4BFF-88E6-521DB3410389}"/>
-              </a:ext>
-            </a:extLst>
-          </p:cNvPr>
-          <p:cNvPicPr>
-            <a:picLocks noChangeAspect="1"/>
-          </p:cNvPicPr>
-          <p:nvPr/>
-        </p:nvPicPr>
-        <p:blipFill>
-          <a:blip r:embed="rId2"/>
-          <a:stretch>
-            <a:fillRect/>
-          </a:stretch>
-        </p:blipFill>
-        <p:spPr>
-          <a:xfrm>
-            <a:off x="1561943" y="1007830"/>
-            <a:ext cx="8748518" cy="3581710"/>
-          </a:xfrm>
-          <a:prstGeom prst="rect">
-            <a:avLst/>
-          </a:prstGeom>
-        </p:spPr>
-      </p:pic>
-      <p:sp>
-        <p:nvSpPr>
-          <p:cNvPr id="4" name="文本框 3">
-            <a:extLst>
-              <a:ext uri="{FF2B5EF4-FFF2-40B4-BE49-F238E27FC236}">
-                <a16:creationId xmlns:a16="http://schemas.microsoft.com/office/drawing/2014/main" xmlns="" id="{39D81E3F-68B6-4FBC-A320-0149DDE9E45B}"/>
-              </a:ext>
-            </a:extLst>
-          </p:cNvPr>
-          <p:cNvSpPr txBox="1"/>
-          <p:nvPr/>
-        </p:nvSpPr>
-        <p:spPr>
-          <a:xfrm>
-            <a:off x="3650750" y="4899041"/>
-            <a:ext cx="6924583" cy="369332"/>
-          </a:xfrm>
-          <a:prstGeom prst="rect">
-            <a:avLst/>
-          </a:prstGeom>
-          <a:noFill/>
-        </p:spPr>
-        <p:txBody>
-          <a:bodyPr wrap="square" rtlCol="0">
-            <a:spAutoFit/>
-          </a:bodyPr>
-          <a:lstStyle/>
-          <a:p>
-            <a:r>
-              <a:rPr lang="en-US" altLang="zh-CN" dirty="0" err="1"/>
-              <a:t>fieldDao.queryFieldById</a:t>
-            </a:r>
-            <a:r>
-              <a:rPr lang="zh-CN" altLang="en-US" dirty="0"/>
-              <a:t>的</a:t>
-            </a:r>
-            <a:r>
-              <a:rPr lang="en-US" altLang="zh-CN" dirty="0"/>
-              <a:t>Corner Case</a:t>
-            </a:r>
-            <a:r>
-              <a:rPr lang="zh-CN" altLang="en-US" dirty="0"/>
-              <a:t>测试</a:t>
-            </a:r>
-          </a:p>
-        </p:txBody>
-      </p:sp>
-    </p:spTree>
-    <p:extLst>
-      <p:ext uri="{BB962C8B-B14F-4D97-AF65-F5344CB8AC3E}">
-        <p14:creationId xmlns:p14="http://schemas.microsoft.com/office/powerpoint/2010/main" val="3218024585"/>
       </p:ext>
     </p:extLst>
   </p:cSld>
@@ -17040,7 +22191,37 @@
       </a:bgFillStyleLst>
     </a:fmtScheme>
   </a:themeElements>
-  <a:objectDefaults/>
+  <a:objectDefaults>
+    <a:spDef>
+      <a:spPr/>
+      <a:bodyPr rtlCol="0" anchor="ctr"/>
+      <a:lstStyle>
+        <a:defPPr algn="ctr">
+          <a:defRPr kumimoji="1">
+            <a:solidFill>
+              <a:schemeClr val="tx1"/>
+            </a:solidFill>
+          </a:defRPr>
+        </a:defPPr>
+      </a:lstStyle>
+      <a:style>
+        <a:lnRef idx="2">
+          <a:schemeClr val="accent1">
+            <a:shade val="50000"/>
+          </a:schemeClr>
+        </a:lnRef>
+        <a:fillRef idx="1">
+          <a:schemeClr val="accent1"/>
+        </a:fillRef>
+        <a:effectRef idx="0">
+          <a:schemeClr val="accent1"/>
+        </a:effectRef>
+        <a:fontRef idx="minor">
+          <a:schemeClr val="lt1"/>
+        </a:fontRef>
+      </a:style>
+    </a:spDef>
+  </a:objectDefaults>
   <a:extraClrSchemeLst/>
   <a:extLst>
     <a:ext uri="{05A4C25C-085E-4340-85A3-A5531E510DB2}">

--- a/Pre/Group-4-MeetHerePre.pptx
+++ b/Pre/Group-4-MeetHerePre.pptx
@@ -5,10 +5,10 @@
     <p:sldMasterId id="2147483648" r:id="rId1"/>
   </p:sldMasterIdLst>
   <p:notesMasterIdLst>
-    <p:notesMasterId r:id="rId29"/>
+    <p:notesMasterId r:id="rId45"/>
   </p:notesMasterIdLst>
   <p:handoutMasterIdLst>
-    <p:handoutMasterId r:id="rId30"/>
+    <p:handoutMasterId r:id="rId46"/>
   </p:handoutMasterIdLst>
   <p:sldIdLst>
     <p:sldId id="256" r:id="rId2"/>
@@ -36,13 +36,29 @@
     <p:sldId id="345" r:id="rId24"/>
     <p:sldId id="346" r:id="rId25"/>
     <p:sldId id="340" r:id="rId26"/>
-    <p:sldId id="339" r:id="rId27"/>
-    <p:sldId id="297" r:id="rId28"/>
+    <p:sldId id="347" r:id="rId27"/>
+    <p:sldId id="349" r:id="rId28"/>
+    <p:sldId id="350" r:id="rId29"/>
+    <p:sldId id="351" r:id="rId30"/>
+    <p:sldId id="353" r:id="rId31"/>
+    <p:sldId id="355" r:id="rId32"/>
+    <p:sldId id="354" r:id="rId33"/>
+    <p:sldId id="356" r:id="rId34"/>
+    <p:sldId id="357" r:id="rId35"/>
+    <p:sldId id="352" r:id="rId36"/>
+    <p:sldId id="339" r:id="rId37"/>
+    <p:sldId id="358" r:id="rId38"/>
+    <p:sldId id="359" r:id="rId39"/>
+    <p:sldId id="360" r:id="rId40"/>
+    <p:sldId id="361" r:id="rId41"/>
+    <p:sldId id="362" r:id="rId42"/>
+    <p:sldId id="363" r:id="rId43"/>
+    <p:sldId id="297" r:id="rId44"/>
   </p:sldIdLst>
   <p:sldSz cx="12192000" cy="6858000"/>
   <p:notesSz cx="6858000" cy="9144000"/>
   <p:custDataLst>
-    <p:tags r:id="rId31"/>
+    <p:tags r:id="rId47"/>
   </p:custDataLst>
   <p:defaultTextStyle>
     <a:defPPr>
@@ -2295,7 +2311,7 @@
           <a:p>
             <a:fld id="{4AE1D939-3E60-4063-B05E-56844F97CE60}" type="slidenum">
               <a:rPr lang="zh-CN" altLang="en-US" smtClean="0"/>
-              <a:t>26</a:t>
+              <a:t>36</a:t>
             </a:fld>
             <a:endParaRPr lang="zh-CN" altLang="en-US"/>
           </a:p>
@@ -2553,7 +2569,7 @@
           <a:p>
             <a:fld id="{4AE1D939-3E60-4063-B05E-56844F97CE60}" type="slidenum">
               <a:rPr lang="zh-CN" altLang="en-US" smtClean="0"/>
-              <a:t>27</a:t>
+              <a:t>43</a:t>
             </a:fld>
             <a:endParaRPr lang="zh-CN" altLang="en-US"/>
           </a:p>
@@ -6508,7 +6524,7 @@
           <a:lstStyle/>
           <a:p>
             <a:r>
-              <a:rPr lang="zh-CN" altLang="en-US" b="1" dirty="0" smtClean="0">
+              <a:rPr lang="zh-CN" altLang="en-US" b="1" dirty="0">
                 <a:solidFill>
                   <a:schemeClr val="tx1"/>
                 </a:solidFill>
@@ -6519,20 +6535,8 @@
               </a:rPr>
               <a:t>体育馆场馆管理系统</a:t>
             </a:r>
-            <a:r>
-              <a:rPr lang="en-US" altLang="zh-CN" b="1" dirty="0" smtClean="0">
-                <a:solidFill>
-                  <a:schemeClr val="tx1"/>
-                </a:solidFill>
-                <a:latin typeface="+mj-ea"/>
-                <a:ea typeface="+mj-ea"/>
-                <a:cs typeface="+mj-ea"/>
-                <a:sym typeface="微软雅黑" panose="020B0503020204020204" charset="-122"/>
-              </a:rPr>
-              <a:t/>
-            </a:r>
             <a:br>
-              <a:rPr lang="en-US" altLang="zh-CN" b="1" dirty="0" smtClean="0">
+              <a:rPr lang="en-US" altLang="zh-CN" b="1" dirty="0">
                 <a:solidFill>
                   <a:schemeClr val="tx1"/>
                 </a:solidFill>
@@ -6543,7 +6547,7 @@
               </a:rPr>
             </a:br>
             <a:r>
-              <a:rPr lang="en-US" altLang="zh-CN" b="1" dirty="0" err="1" smtClean="0">
+              <a:rPr lang="en-US" altLang="zh-CN" b="1" dirty="0" err="1">
                 <a:solidFill>
                   <a:schemeClr val="tx1"/>
                 </a:solidFill>
@@ -6553,18 +6557,6 @@
                 <a:sym typeface="微软雅黑" panose="020B0503020204020204" charset="-122"/>
               </a:rPr>
               <a:t>MeetHere</a:t>
-            </a:r>
-            <a:r>
-              <a:rPr lang="en-US" altLang="zh-CN" b="1" dirty="0">
-                <a:solidFill>
-                  <a:schemeClr val="bg1"/>
-                </a:solidFill>
-                <a:latin typeface="+mj-ea"/>
-                <a:ea typeface="+mj-ea"/>
-                <a:cs typeface="+mj-ea"/>
-                <a:sym typeface="微软雅黑" panose="020B0503020204020204" charset="-122"/>
-              </a:rPr>
-              <a:t/>
             </a:r>
             <a:br>
               <a:rPr lang="en-US" altLang="zh-CN" b="1" dirty="0">
@@ -12960,7 +12952,7 @@
               <a:defRPr/>
             </a:pPr>
             <a:r>
-              <a:rPr lang="zh-CN" altLang="en-US" sz="4400" dirty="0" smtClean="0">
+              <a:rPr lang="zh-CN" altLang="en-US" sz="4400" dirty="0">
                 <a:sym typeface="+mn-ea"/>
               </a:rPr>
               <a:t>单元测试</a:t>
@@ -13056,7 +13048,7 @@
           <p:cNvPr id="13" name="标题 1">
             <a:extLst>
               <a:ext uri="{FF2B5EF4-FFF2-40B4-BE49-F238E27FC236}">
-                <a16:creationId xmlns:a16="http://schemas.microsoft.com/office/drawing/2014/main" xmlns="" id="{D85B6B2A-FBF0-41F4-B80B-0F7EFDDBBFDA}"/>
+                <a16:creationId xmlns:a16="http://schemas.microsoft.com/office/drawing/2014/main" id="{D85B6B2A-FBF0-41F4-B80B-0F7EFDDBBFDA}"/>
               </a:ext>
             </a:extLst>
           </p:cNvPr>
@@ -13101,7 +13093,7 @@
           </a:lstStyle>
           <a:p>
             <a:r>
-              <a:rPr lang="zh-CN" altLang="en-US" dirty="0" smtClean="0">
+              <a:rPr lang="zh-CN" altLang="en-US" dirty="0">
                 <a:solidFill>
                   <a:schemeClr val="bg1"/>
                 </a:solidFill>
@@ -13109,7 +13101,7 @@
               <a:t>单元测试</a:t>
             </a:r>
             <a:r>
-              <a:rPr lang="en-US" altLang="zh-CN" dirty="0" smtClean="0">
+              <a:rPr lang="en-US" altLang="zh-CN" dirty="0">
                 <a:solidFill>
                   <a:schemeClr val="bg1"/>
                 </a:solidFill>
@@ -13117,18 +13109,13 @@
               <a:t>-DAO</a:t>
             </a:r>
             <a:r>
-              <a:rPr lang="zh-CN" altLang="en-US" dirty="0" smtClean="0">
+              <a:rPr lang="zh-CN" altLang="en-US" dirty="0">
                 <a:solidFill>
                   <a:schemeClr val="bg1"/>
                 </a:solidFill>
               </a:rPr>
               <a:t>层</a:t>
             </a:r>
-            <a:endParaRPr lang="zh-CN" altLang="en-US" dirty="0">
-              <a:solidFill>
-                <a:schemeClr val="bg1"/>
-              </a:solidFill>
-            </a:endParaRPr>
           </a:p>
         </p:txBody>
       </p:sp>
@@ -13183,18 +13170,10 @@
                   <a:schemeClr val="bg1"/>
                 </a:solidFill>
               </a:rPr>
-              <a:t>用例</a:t>
-            </a:r>
-            <a:r>
-              <a:rPr lang="zh-CN" altLang="en-US" dirty="0" smtClean="0">
-                <a:solidFill>
-                  <a:schemeClr val="bg1"/>
-                </a:solidFill>
-              </a:rPr>
-              <a:t>设计</a:t>
-            </a:r>
-            <a:r>
-              <a:rPr lang="en-US" altLang="zh-CN" dirty="0" smtClean="0">
+              <a:t>用例设计</a:t>
+            </a:r>
+            <a:r>
+              <a:rPr lang="en-US" altLang="zh-CN" dirty="0">
                 <a:solidFill>
                   <a:schemeClr val="bg1"/>
                 </a:solidFill>
@@ -13202,18 +13181,13 @@
               <a:t>-</a:t>
             </a:r>
             <a:r>
-              <a:rPr lang="zh-CN" altLang="en-US" dirty="0" smtClean="0">
+              <a:rPr lang="zh-CN" altLang="en-US" dirty="0">
                 <a:solidFill>
                   <a:schemeClr val="bg1"/>
                 </a:solidFill>
               </a:rPr>
               <a:t>启发式原则 </a:t>
             </a:r>
-            <a:endParaRPr lang="zh-CN" altLang="en-US" dirty="0">
-              <a:solidFill>
-                <a:schemeClr val="bg1"/>
-              </a:solidFill>
-            </a:endParaRPr>
           </a:p>
         </p:txBody>
       </p:sp>
@@ -13268,7 +13242,7 @@
           <a:lstStyle/>
           <a:p>
             <a:r>
-              <a:rPr kumimoji="1" lang="en-US" altLang="zh-CN" dirty="0" smtClean="0">
+              <a:rPr kumimoji="1" lang="en-US" altLang="zh-CN" dirty="0">
                 <a:solidFill>
                   <a:schemeClr val="bg1"/>
                 </a:solidFill>
@@ -13276,7 +13250,7 @@
               <a:t>DAO</a:t>
             </a:r>
             <a:r>
-              <a:rPr kumimoji="1" lang="zh-CN" altLang="en-US" dirty="0" smtClean="0">
+              <a:rPr kumimoji="1" lang="zh-CN" altLang="en-US" dirty="0">
                 <a:solidFill>
                   <a:schemeClr val="bg1"/>
                 </a:solidFill>
@@ -13284,7 +13258,7 @@
               <a:t>层测试</a:t>
             </a:r>
             <a:r>
-              <a:rPr kumimoji="1" lang="en-US" altLang="zh-CN" dirty="0" smtClean="0">
+              <a:rPr kumimoji="1" lang="en-US" altLang="zh-CN" dirty="0">
                 <a:solidFill>
                   <a:schemeClr val="bg1"/>
                 </a:solidFill>
@@ -13292,18 +13266,13 @@
               <a:t>-</a:t>
             </a:r>
             <a:r>
-              <a:rPr kumimoji="1" lang="zh-CN" altLang="en-US" dirty="0" smtClean="0">
+              <a:rPr kumimoji="1" lang="zh-CN" altLang="en-US" dirty="0">
                 <a:solidFill>
                   <a:schemeClr val="bg1"/>
                 </a:solidFill>
               </a:rPr>
               <a:t>用例设计</a:t>
             </a:r>
-            <a:endParaRPr kumimoji="1" lang="zh-CN" altLang="en-US" dirty="0">
-              <a:solidFill>
-                <a:schemeClr val="bg1"/>
-              </a:solidFill>
-            </a:endParaRPr>
           </a:p>
         </p:txBody>
       </p:sp>
@@ -13349,7 +13318,7 @@
           <p:cNvPr id="7" name="标题 1">
             <a:extLst>
               <a:ext uri="{FF2B5EF4-FFF2-40B4-BE49-F238E27FC236}">
-                <a16:creationId xmlns:a16="http://schemas.microsoft.com/office/drawing/2014/main" xmlns="" id="{D85B6B2A-FBF0-41F4-B80B-0F7EFDDBBFDA}"/>
+                <a16:creationId xmlns:a16="http://schemas.microsoft.com/office/drawing/2014/main" id="{D85B6B2A-FBF0-41F4-B80B-0F7EFDDBBFDA}"/>
               </a:ext>
             </a:extLst>
           </p:cNvPr>
@@ -13394,7 +13363,7 @@
           </a:lstStyle>
           <a:p>
             <a:r>
-              <a:rPr lang="zh-CN" altLang="en-US" dirty="0" smtClean="0">
+              <a:rPr lang="zh-CN" altLang="en-US" dirty="0">
                 <a:solidFill>
                   <a:schemeClr val="bg1"/>
                 </a:solidFill>
@@ -13402,7 +13371,7 @@
               <a:t>单元测试</a:t>
             </a:r>
             <a:r>
-              <a:rPr lang="en-US" altLang="zh-CN" dirty="0" smtClean="0">
+              <a:rPr lang="en-US" altLang="zh-CN" dirty="0">
                 <a:solidFill>
                   <a:schemeClr val="bg1"/>
                 </a:solidFill>
@@ -13410,18 +13379,13 @@
               <a:t>-DAO</a:t>
             </a:r>
             <a:r>
-              <a:rPr lang="zh-CN" altLang="en-US" dirty="0" smtClean="0">
+              <a:rPr lang="zh-CN" altLang="en-US" dirty="0">
                 <a:solidFill>
                   <a:schemeClr val="bg1"/>
                 </a:solidFill>
               </a:rPr>
               <a:t>层</a:t>
             </a:r>
-            <a:endParaRPr lang="zh-CN" altLang="en-US" dirty="0">
-              <a:solidFill>
-                <a:schemeClr val="bg1"/>
-              </a:solidFill>
-            </a:endParaRPr>
           </a:p>
         </p:txBody>
       </p:sp>
@@ -13447,7 +13411,7 @@
           <a:lstStyle/>
           <a:p>
             <a:r>
-              <a:rPr lang="en-US" altLang="zh-CN" dirty="0" smtClean="0">
+              <a:rPr lang="en-US" altLang="zh-CN" dirty="0">
                 <a:solidFill>
                   <a:schemeClr val="bg1"/>
                 </a:solidFill>
@@ -13455,7 +13419,7 @@
               <a:t>DAO</a:t>
             </a:r>
             <a:r>
-              <a:rPr lang="zh-CN" altLang="en-US" dirty="0" smtClean="0">
+              <a:rPr lang="zh-CN" altLang="en-US" dirty="0">
                 <a:solidFill>
                   <a:schemeClr val="bg1"/>
                 </a:solidFill>
@@ -13571,7 +13535,7 @@
           <p:cNvPr id="2" name="标题 1">
             <a:extLst>
               <a:ext uri="{FF2B5EF4-FFF2-40B4-BE49-F238E27FC236}">
-                <a16:creationId xmlns:a16="http://schemas.microsoft.com/office/drawing/2014/main" xmlns="" id="{D85B6B2A-FBF0-41F4-B80B-0F7EFDDBBFDA}"/>
+                <a16:creationId xmlns:a16="http://schemas.microsoft.com/office/drawing/2014/main" id="{D85B6B2A-FBF0-41F4-B80B-0F7EFDDBBFDA}"/>
               </a:ext>
             </a:extLst>
           </p:cNvPr>
@@ -13607,7 +13571,7 @@
           <p:cNvPr id="3" name="文本框 2">
             <a:extLst>
               <a:ext uri="{FF2B5EF4-FFF2-40B4-BE49-F238E27FC236}">
-                <a16:creationId xmlns:a16="http://schemas.microsoft.com/office/drawing/2014/main" xmlns="" id="{C5BF1C69-6244-4E4F-A59F-6EA535E7CB97}"/>
+                <a16:creationId xmlns:a16="http://schemas.microsoft.com/office/drawing/2014/main" id="{C5BF1C69-6244-4E4F-A59F-6EA535E7CB97}"/>
               </a:ext>
             </a:extLst>
           </p:cNvPr>
@@ -13631,25 +13595,25 @@
           <a:lstStyle/>
           <a:p>
             <a:r>
-              <a:rPr lang="en-US" altLang="zh-CN" dirty="0" smtClean="0">
+              <a:rPr lang="en-US" altLang="zh-CN" dirty="0">
                 <a:latin typeface="+mn-ea"/>
               </a:rPr>
               <a:t>Dao</a:t>
             </a:r>
             <a:r>
-              <a:rPr lang="zh-CN" altLang="en-US" dirty="0" smtClean="0">
+              <a:rPr lang="zh-CN" altLang="en-US" dirty="0">
                 <a:latin typeface="+mn-ea"/>
               </a:rPr>
               <a:t>测试</a:t>
             </a:r>
             <a:r>
-              <a:rPr lang="en-US" altLang="zh-CN" dirty="0" smtClean="0">
+              <a:rPr lang="en-US" altLang="zh-CN" dirty="0">
                 <a:latin typeface="+mn-ea"/>
               </a:rPr>
               <a:t>-</a:t>
             </a:r>
             <a:r>
-              <a:rPr lang="zh-CN" altLang="zh-CN" dirty="0" smtClean="0">
+              <a:rPr lang="zh-CN" altLang="zh-CN" dirty="0">
                 <a:solidFill>
                   <a:srgbClr val="808000"/>
                 </a:solidFill>
@@ -13726,7 +13690,7 @@
           <p:cNvPr id="3" name="图片 2">
             <a:extLst>
               <a:ext uri="{FF2B5EF4-FFF2-40B4-BE49-F238E27FC236}">
-                <a16:creationId xmlns:a16="http://schemas.microsoft.com/office/drawing/2014/main" xmlns="" id="{E37709C7-CECD-4BFF-88E6-521DB3410389}"/>
+                <a16:creationId xmlns:a16="http://schemas.microsoft.com/office/drawing/2014/main" id="{E37709C7-CECD-4BFF-88E6-521DB3410389}"/>
               </a:ext>
             </a:extLst>
           </p:cNvPr>
@@ -13756,7 +13720,7 @@
           <p:cNvPr id="5" name="标题 1">
             <a:extLst>
               <a:ext uri="{FF2B5EF4-FFF2-40B4-BE49-F238E27FC236}">
-                <a16:creationId xmlns:a16="http://schemas.microsoft.com/office/drawing/2014/main" xmlns="" id="{D85B6B2A-FBF0-41F4-B80B-0F7EFDDBBFDA}"/>
+                <a16:creationId xmlns:a16="http://schemas.microsoft.com/office/drawing/2014/main" id="{D85B6B2A-FBF0-41F4-B80B-0F7EFDDBBFDA}"/>
               </a:ext>
             </a:extLst>
           </p:cNvPr>
@@ -13797,7 +13761,7 @@
           <p:cNvPr id="6" name="文本框 5">
             <a:extLst>
               <a:ext uri="{FF2B5EF4-FFF2-40B4-BE49-F238E27FC236}">
-                <a16:creationId xmlns:a16="http://schemas.microsoft.com/office/drawing/2014/main" xmlns="" id="{C5BF1C69-6244-4E4F-A59F-6EA535E7CB97}"/>
+                <a16:creationId xmlns:a16="http://schemas.microsoft.com/office/drawing/2014/main" id="{C5BF1C69-6244-4E4F-A59F-6EA535E7CB97}"/>
               </a:ext>
             </a:extLst>
           </p:cNvPr>
@@ -13821,25 +13785,25 @@
           <a:lstStyle/>
           <a:p>
             <a:r>
-              <a:rPr lang="en-US" altLang="zh-CN" dirty="0" smtClean="0">
+              <a:rPr lang="en-US" altLang="zh-CN" dirty="0">
                 <a:latin typeface="+mn-ea"/>
               </a:rPr>
               <a:t>Dao</a:t>
             </a:r>
             <a:r>
-              <a:rPr lang="zh-CN" altLang="en-US" dirty="0" smtClean="0">
+              <a:rPr lang="zh-CN" altLang="en-US" dirty="0">
                 <a:latin typeface="+mn-ea"/>
               </a:rPr>
               <a:t>测试</a:t>
             </a:r>
             <a:r>
-              <a:rPr lang="en-US" altLang="zh-CN" dirty="0" smtClean="0">
+              <a:rPr lang="en-US" altLang="zh-CN" dirty="0">
                 <a:latin typeface="+mn-ea"/>
               </a:rPr>
               <a:t>-</a:t>
             </a:r>
             <a:r>
-              <a:rPr lang="zh-CN" altLang="zh-CN" dirty="0" smtClean="0">
+              <a:rPr lang="zh-CN" altLang="zh-CN" dirty="0">
                 <a:solidFill>
                   <a:srgbClr val="808000"/>
                 </a:solidFill>
@@ -13848,7 +13812,7 @@
               <a:t>@</a:t>
             </a:r>
             <a:r>
-              <a:rPr lang="en-US" altLang="zh-CN" dirty="0" err="1" smtClean="0"/>
+              <a:rPr lang="en-US" altLang="zh-CN" dirty="0" err="1"/>
               <a:t>ParamerizedTest</a:t>
             </a:r>
             <a:endParaRPr lang="zh-CN" altLang="en-US" dirty="0"/>
@@ -13890,7 +13854,7 @@
           <p:cNvPr id="5" name="标题 1">
             <a:extLst>
               <a:ext uri="{FF2B5EF4-FFF2-40B4-BE49-F238E27FC236}">
-                <a16:creationId xmlns:a16="http://schemas.microsoft.com/office/drawing/2014/main" xmlns="" id="{D85B6B2A-FBF0-41F4-B80B-0F7EFDDBBFDA}"/>
+                <a16:creationId xmlns:a16="http://schemas.microsoft.com/office/drawing/2014/main" id="{D85B6B2A-FBF0-41F4-B80B-0F7EFDDBBFDA}"/>
               </a:ext>
             </a:extLst>
           </p:cNvPr>
@@ -13931,7 +13895,7 @@
           <p:cNvPr id="6" name="文本框 5">
             <a:extLst>
               <a:ext uri="{FF2B5EF4-FFF2-40B4-BE49-F238E27FC236}">
-                <a16:creationId xmlns:a16="http://schemas.microsoft.com/office/drawing/2014/main" xmlns="" id="{C5BF1C69-6244-4E4F-A59F-6EA535E7CB97}"/>
+                <a16:creationId xmlns:a16="http://schemas.microsoft.com/office/drawing/2014/main" id="{C5BF1C69-6244-4E4F-A59F-6EA535E7CB97}"/>
               </a:ext>
             </a:extLst>
           </p:cNvPr>
@@ -13955,25 +13919,25 @@
           <a:lstStyle/>
           <a:p>
             <a:r>
-              <a:rPr lang="en-US" altLang="zh-CN" dirty="0" smtClean="0">
+              <a:rPr lang="en-US" altLang="zh-CN" dirty="0">
                 <a:latin typeface="+mn-ea"/>
               </a:rPr>
               <a:t>Dao</a:t>
             </a:r>
             <a:r>
-              <a:rPr lang="zh-CN" altLang="en-US" dirty="0" smtClean="0">
+              <a:rPr lang="zh-CN" altLang="en-US" dirty="0">
                 <a:latin typeface="+mn-ea"/>
               </a:rPr>
               <a:t>测试</a:t>
             </a:r>
             <a:r>
-              <a:rPr lang="en-US" altLang="zh-CN" dirty="0" smtClean="0">
+              <a:rPr lang="en-US" altLang="zh-CN" dirty="0">
                 <a:latin typeface="+mn-ea"/>
               </a:rPr>
               <a:t>-</a:t>
             </a:r>
             <a:r>
-              <a:rPr lang="en-US" altLang="zh-CN" dirty="0" smtClean="0">
+              <a:rPr lang="en-US" altLang="zh-CN" dirty="0">
                 <a:solidFill>
                   <a:srgbClr val="808000"/>
                 </a:solidFill>
@@ -14013,37 +13977,21 @@
             </a:r>
             <a:r>
               <a:rPr lang="zh-CN" altLang="en-US" b="1" dirty="0"/>
-              <a:t>查询可用场馆时，查询出的场馆结果少于实际</a:t>
-            </a:r>
-            <a:r>
-              <a:rPr lang="zh-CN" altLang="en-US" b="1" dirty="0" smtClean="0"/>
-              <a:t>可用</a:t>
+              <a:t>查询可用场馆时，查询出的场馆结果少于实际可用场馆。</a:t>
+            </a:r>
+            <a:endParaRPr lang="en-US" altLang="zh-CN" b="1" dirty="0"/>
+          </a:p>
+          <a:p>
+            <a:endParaRPr lang="en-US" altLang="zh-CN" b="1" dirty="0"/>
+          </a:p>
+          <a:p>
+            <a:r>
+              <a:rPr lang="en-US" altLang="zh-CN" b="1" dirty="0"/>
+              <a:t>ISSUE-2: </a:t>
             </a:r>
             <a:r>
               <a:rPr lang="zh-CN" altLang="en-US" b="1" dirty="0"/>
-              <a:t>场馆</a:t>
-            </a:r>
-            <a:r>
-              <a:rPr lang="zh-CN" altLang="en-US" b="1" dirty="0" smtClean="0"/>
-              <a:t>。</a:t>
-            </a:r>
-            <a:endParaRPr lang="en-US" altLang="zh-CN" b="1" dirty="0" smtClean="0"/>
-          </a:p>
-          <a:p>
-            <a:endParaRPr lang="en-US" altLang="zh-CN" b="1" dirty="0"/>
-          </a:p>
-          <a:p>
-            <a:r>
-              <a:rPr lang="en-US" altLang="zh-CN" b="1" dirty="0" smtClean="0"/>
-              <a:t>ISSUE-2: </a:t>
-            </a:r>
-            <a:r>
-              <a:rPr lang="zh-CN" altLang="en-US" b="1" dirty="0" smtClean="0"/>
-              <a:t> 查询</a:t>
-            </a:r>
-            <a:r>
-              <a:rPr lang="zh-CN" altLang="en-US" b="1" dirty="0"/>
-              <a:t>可用场馆时，</a:t>
+              <a:t> 查询可用场馆时，</a:t>
             </a:r>
             <a:r>
               <a:rPr lang="en-US" altLang="zh-CN" b="1" dirty="0"/>
@@ -14051,21 +13999,9 @@
             </a:r>
             <a:r>
               <a:rPr lang="zh-CN" altLang="en-US" b="1" dirty="0"/>
-              <a:t>参数不合规范，返 </a:t>
-            </a:r>
-            <a:r>
-              <a:rPr lang="zh-CN" altLang="en-US" b="1" dirty="0" smtClean="0"/>
-              <a:t>回</a:t>
-            </a:r>
-            <a:r>
-              <a:rPr lang="zh-CN" altLang="en-US" b="1" dirty="0"/>
-              <a:t>全部场馆，而不是返回空结果</a:t>
-            </a:r>
-            <a:r>
-              <a:rPr lang="zh-CN" altLang="en-US" b="1" dirty="0" smtClean="0"/>
-              <a:t>。</a:t>
-            </a:r>
-            <a:endParaRPr lang="en-US" altLang="zh-CN" b="1" dirty="0" smtClean="0"/>
+              <a:t>参数不合规范，返 回全部场馆，而不是返回空结果。</a:t>
+            </a:r>
+            <a:endParaRPr lang="en-US" altLang="zh-CN" b="1" dirty="0"/>
           </a:p>
           <a:p>
             <a:endParaRPr lang="en-US" altLang="zh-CN" b="1" dirty="0"/>
@@ -14085,21 +14021,9 @@
             </a:r>
             <a:r>
               <a:rPr lang="zh-CN" altLang="en-US" b="1" dirty="0"/>
-              <a:t>中查询全部预约纪录时，同一条</a:t>
-            </a:r>
-            <a:r>
-              <a:rPr lang="zh-CN" altLang="en-US" b="1" dirty="0" smtClean="0"/>
-              <a:t>纪录</a:t>
-            </a:r>
-            <a:r>
-              <a:rPr lang="zh-CN" altLang="en-US" b="1" dirty="0"/>
-              <a:t>会返回两次</a:t>
-            </a:r>
-            <a:r>
-              <a:rPr lang="zh-CN" altLang="en-US" b="1" dirty="0" smtClean="0"/>
-              <a:t>。</a:t>
-            </a:r>
-            <a:endParaRPr lang="en-US" altLang="zh-CN" b="1" dirty="0" smtClean="0"/>
+              <a:t>中查询全部预约纪录时，同一条纪录会返回两次。</a:t>
+            </a:r>
+            <a:endParaRPr lang="en-US" altLang="zh-CN" b="1" dirty="0"/>
           </a:p>
           <a:p>
             <a:endParaRPr lang="en-US" altLang="zh-CN" b="1" dirty="0"/>
@@ -14110,11 +14034,11 @@
               <a:t>ISSUE-4 : </a:t>
             </a:r>
             <a:r>
-              <a:rPr lang="en-US" altLang="zh-CN" b="1" dirty="0" err="1" smtClean="0"/>
+              <a:rPr lang="en-US" altLang="zh-CN" b="1" dirty="0" err="1"/>
               <a:t>TeachDao</a:t>
             </a:r>
             <a:r>
-              <a:rPr lang="en-US" altLang="zh-CN" b="1" dirty="0" smtClean="0"/>
+              <a:rPr lang="en-US" altLang="zh-CN" b="1" dirty="0"/>
               <a:t> </a:t>
             </a:r>
             <a:r>
@@ -14146,11 +14070,11 @@
               <a:t> </a:t>
             </a:r>
             <a:r>
-              <a:rPr lang="en-US" altLang="zh-CN" b="1" dirty="0" err="1" smtClean="0"/>
+              <a:rPr lang="en-US" altLang="zh-CN" b="1" dirty="0" err="1"/>
               <a:t>courseId</a:t>
             </a:r>
             <a:r>
-              <a:rPr lang="en-US" altLang="zh-CN" b="1" dirty="0" smtClean="0"/>
+              <a:rPr lang="en-US" altLang="zh-CN" b="1" dirty="0"/>
               <a:t> </a:t>
             </a:r>
             <a:r>
@@ -14208,7 +14132,7 @@
           <p:cNvPr id="2" name="标题 1">
             <a:extLst>
               <a:ext uri="{FF2B5EF4-FFF2-40B4-BE49-F238E27FC236}">
-                <a16:creationId xmlns:a16="http://schemas.microsoft.com/office/drawing/2014/main" xmlns="" id="{88BF7CCF-890B-45B1-887B-89FC8018897A}"/>
+                <a16:creationId xmlns:a16="http://schemas.microsoft.com/office/drawing/2014/main" id="{88BF7CCF-890B-45B1-887B-89FC8018897A}"/>
               </a:ext>
             </a:extLst>
           </p:cNvPr>
@@ -14244,7 +14168,7 @@
           <p:cNvPr id="3" name="文本框 2">
             <a:extLst>
               <a:ext uri="{FF2B5EF4-FFF2-40B4-BE49-F238E27FC236}">
-                <a16:creationId xmlns:a16="http://schemas.microsoft.com/office/drawing/2014/main" xmlns="" id="{E5380E36-2EEE-46CB-9810-27677A5AE0E3}"/>
+                <a16:creationId xmlns:a16="http://schemas.microsoft.com/office/drawing/2014/main" id="{E5380E36-2EEE-46CB-9810-27677A5AE0E3}"/>
               </a:ext>
             </a:extLst>
           </p:cNvPr>
@@ -14282,7 +14206,7 @@
           <p:cNvPr id="4" name="图片 3">
             <a:extLst>
               <a:ext uri="{FF2B5EF4-FFF2-40B4-BE49-F238E27FC236}">
-                <a16:creationId xmlns:a16="http://schemas.microsoft.com/office/drawing/2014/main" xmlns="" id="{245EBB27-0E9F-4CFC-8739-6141C67739A1}"/>
+                <a16:creationId xmlns:a16="http://schemas.microsoft.com/office/drawing/2014/main" id="{245EBB27-0E9F-4CFC-8739-6141C67739A1}"/>
               </a:ext>
             </a:extLst>
           </p:cNvPr>
@@ -14310,7 +14234,7 @@
           <p:cNvPr id="5" name="图片 4">
             <a:extLst>
               <a:ext uri="{FF2B5EF4-FFF2-40B4-BE49-F238E27FC236}">
-                <a16:creationId xmlns:a16="http://schemas.microsoft.com/office/drawing/2014/main" xmlns="" id="{0CA31B44-9812-4F73-BAC5-76A91F450405}"/>
+                <a16:creationId xmlns:a16="http://schemas.microsoft.com/office/drawing/2014/main" id="{0CA31B44-9812-4F73-BAC5-76A91F450405}"/>
               </a:ext>
             </a:extLst>
           </p:cNvPr>
@@ -14382,7 +14306,7 @@
           <p:cNvPr id="3" name="图片 2">
             <a:extLst>
               <a:ext uri="{FF2B5EF4-FFF2-40B4-BE49-F238E27FC236}">
-                <a16:creationId xmlns:a16="http://schemas.microsoft.com/office/drawing/2014/main" xmlns="" id="{3CB81383-3B46-4C3B-AAB6-B019F72ADE24}"/>
+                <a16:creationId xmlns:a16="http://schemas.microsoft.com/office/drawing/2014/main" id="{3CB81383-3B46-4C3B-AAB6-B019F72ADE24}"/>
               </a:ext>
             </a:extLst>
           </p:cNvPr>
@@ -14412,7 +14336,7 @@
           <p:cNvPr id="4" name="图片 3">
             <a:extLst>
               <a:ext uri="{FF2B5EF4-FFF2-40B4-BE49-F238E27FC236}">
-                <a16:creationId xmlns:a16="http://schemas.microsoft.com/office/drawing/2014/main" xmlns="" id="{C775D917-7037-464F-8CFD-1157A69446FB}"/>
+                <a16:creationId xmlns:a16="http://schemas.microsoft.com/office/drawing/2014/main" id="{C775D917-7037-464F-8CFD-1157A69446FB}"/>
               </a:ext>
             </a:extLst>
           </p:cNvPr>
@@ -14442,7 +14366,7 @@
           <p:cNvPr id="5" name="图片 4">
             <a:extLst>
               <a:ext uri="{FF2B5EF4-FFF2-40B4-BE49-F238E27FC236}">
-                <a16:creationId xmlns:a16="http://schemas.microsoft.com/office/drawing/2014/main" xmlns="" id="{A97BD253-EC1A-4A5F-9E59-80C1E3CDAA9A}"/>
+                <a16:creationId xmlns:a16="http://schemas.microsoft.com/office/drawing/2014/main" id="{A97BD253-EC1A-4A5F-9E59-80C1E3CDAA9A}"/>
               </a:ext>
             </a:extLst>
           </p:cNvPr>
@@ -14472,7 +14396,7 @@
           <p:cNvPr id="6" name="图片 5">
             <a:extLst>
               <a:ext uri="{FF2B5EF4-FFF2-40B4-BE49-F238E27FC236}">
-                <a16:creationId xmlns:a16="http://schemas.microsoft.com/office/drawing/2014/main" xmlns="" id="{E2CDB943-8002-4D1B-AE18-E856A1BDBA3C}"/>
+                <a16:creationId xmlns:a16="http://schemas.microsoft.com/office/drawing/2014/main" id="{E2CDB943-8002-4D1B-AE18-E856A1BDBA3C}"/>
               </a:ext>
             </a:extLst>
           </p:cNvPr>
@@ -14532,7 +14456,7 @@
           <p:cNvPr id="2" name="标题 1">
             <a:extLst>
               <a:ext uri="{FF2B5EF4-FFF2-40B4-BE49-F238E27FC236}">
-                <a16:creationId xmlns:a16="http://schemas.microsoft.com/office/drawing/2014/main" xmlns="" id="{8A48BC13-7541-4B4B-8DBF-3130F469FE00}"/>
+                <a16:creationId xmlns:a16="http://schemas.microsoft.com/office/drawing/2014/main" id="{8A48BC13-7541-4B4B-8DBF-3130F469FE00}"/>
               </a:ext>
             </a:extLst>
           </p:cNvPr>
@@ -14568,7 +14492,7 @@
           <p:cNvPr id="3" name="文本框 2">
             <a:extLst>
               <a:ext uri="{FF2B5EF4-FFF2-40B4-BE49-F238E27FC236}">
-                <a16:creationId xmlns:a16="http://schemas.microsoft.com/office/drawing/2014/main" xmlns="" id="{359C034D-0E69-40E3-A359-EA3FF6722468}"/>
+                <a16:creationId xmlns:a16="http://schemas.microsoft.com/office/drawing/2014/main" id="{359C034D-0E69-40E3-A359-EA3FF6722468}"/>
               </a:ext>
             </a:extLst>
           </p:cNvPr>
@@ -14638,7 +14562,7 @@
           <p:cNvPr id="5" name="图片 4">
             <a:extLst>
               <a:ext uri="{FF2B5EF4-FFF2-40B4-BE49-F238E27FC236}">
-                <a16:creationId xmlns:a16="http://schemas.microsoft.com/office/drawing/2014/main" xmlns="" id="{F2631378-618C-498C-B310-F4CA2F67245D}"/>
+                <a16:creationId xmlns:a16="http://schemas.microsoft.com/office/drawing/2014/main" id="{F2631378-618C-498C-B310-F4CA2F67245D}"/>
               </a:ext>
             </a:extLst>
           </p:cNvPr>
@@ -14668,7 +14592,7 @@
           <p:cNvPr id="6" name="文本框 5">
             <a:extLst>
               <a:ext uri="{FF2B5EF4-FFF2-40B4-BE49-F238E27FC236}">
-                <a16:creationId xmlns:a16="http://schemas.microsoft.com/office/drawing/2014/main" xmlns="" id="{2C6A1523-A232-41E6-99C7-525A981D7CD8}"/>
+                <a16:creationId xmlns:a16="http://schemas.microsoft.com/office/drawing/2014/main" id="{2C6A1523-A232-41E6-99C7-525A981D7CD8}"/>
               </a:ext>
             </a:extLst>
           </p:cNvPr>
@@ -14716,7 +14640,7 @@
           <p:cNvPr id="7" name="图片 6">
             <a:extLst>
               <a:ext uri="{FF2B5EF4-FFF2-40B4-BE49-F238E27FC236}">
-                <a16:creationId xmlns:a16="http://schemas.microsoft.com/office/drawing/2014/main" xmlns="" id="{D7D2D8B5-E264-4BFF-A04C-C14946BF1B44}"/>
+                <a16:creationId xmlns:a16="http://schemas.microsoft.com/office/drawing/2014/main" id="{D7D2D8B5-E264-4BFF-A04C-C14946BF1B44}"/>
               </a:ext>
             </a:extLst>
           </p:cNvPr>
@@ -14746,7 +14670,7 @@
           <p:cNvPr id="8" name="文本框 7">
             <a:extLst>
               <a:ext uri="{FF2B5EF4-FFF2-40B4-BE49-F238E27FC236}">
-                <a16:creationId xmlns:a16="http://schemas.microsoft.com/office/drawing/2014/main" xmlns="" id="{DD594810-5699-4C80-A36F-20B2B87BFA96}"/>
+                <a16:creationId xmlns:a16="http://schemas.microsoft.com/office/drawing/2014/main" id="{DD594810-5699-4C80-A36F-20B2B87BFA96}"/>
               </a:ext>
             </a:extLst>
           </p:cNvPr>
@@ -14816,7 +14740,7 @@
           <p:cNvPr id="2" name="标题 1">
             <a:extLst>
               <a:ext uri="{FF2B5EF4-FFF2-40B4-BE49-F238E27FC236}">
-                <a16:creationId xmlns:a16="http://schemas.microsoft.com/office/drawing/2014/main" xmlns="" id="{8A48BC13-7541-4B4B-8DBF-3130F469FE00}"/>
+                <a16:creationId xmlns:a16="http://schemas.microsoft.com/office/drawing/2014/main" id="{8A48BC13-7541-4B4B-8DBF-3130F469FE00}"/>
               </a:ext>
             </a:extLst>
           </p:cNvPr>
@@ -14852,7 +14776,7 @@
           <p:cNvPr id="3" name="文本框 2">
             <a:extLst>
               <a:ext uri="{FF2B5EF4-FFF2-40B4-BE49-F238E27FC236}">
-                <a16:creationId xmlns:a16="http://schemas.microsoft.com/office/drawing/2014/main" xmlns="" id="{359C034D-0E69-40E3-A359-EA3FF6722468}"/>
+                <a16:creationId xmlns:a16="http://schemas.microsoft.com/office/drawing/2014/main" id="{359C034D-0E69-40E3-A359-EA3FF6722468}"/>
               </a:ext>
             </a:extLst>
           </p:cNvPr>
@@ -14876,7 +14800,7 @@
           <a:lstStyle/>
           <a:p>
             <a:r>
-              <a:rPr lang="zh-CN" altLang="en-US" dirty="0" smtClean="0"/>
+              <a:rPr lang="zh-CN" altLang="en-US" dirty="0"/>
               <a:t>学生用户可以正常添加课程的功能，而游客会被禁止。</a:t>
             </a:r>
             <a:endParaRPr lang="zh-CN" altLang="zh-CN" sz="4400" dirty="0">
@@ -16234,7 +16158,7 @@
               <a:defRPr/>
             </a:pPr>
             <a:r>
-              <a:rPr lang="zh-CN" altLang="en-US" sz="4400" dirty="0" smtClean="0">
+              <a:rPr lang="zh-CN" altLang="en-US" sz="4400" dirty="0">
                 <a:sym typeface="+mn-ea"/>
               </a:rPr>
               <a:t>接口测试</a:t>
@@ -16300,7 +16224,7 @@
           <p:cNvPr id="2" name="标题 1">
             <a:extLst>
               <a:ext uri="{FF2B5EF4-FFF2-40B4-BE49-F238E27FC236}">
-                <a16:creationId xmlns:a16="http://schemas.microsoft.com/office/drawing/2014/main" xmlns="" id="{8618B29A-C5E3-4C69-AFA7-60B61ACF11B6}"/>
+                <a16:creationId xmlns:a16="http://schemas.microsoft.com/office/drawing/2014/main" id="{8618B29A-C5E3-4C69-AFA7-60B61ACF11B6}"/>
               </a:ext>
             </a:extLst>
           </p:cNvPr>
@@ -16333,7 +16257,7 @@
           <p:cNvPr id="3" name="文本框 2">
             <a:extLst>
               <a:ext uri="{FF2B5EF4-FFF2-40B4-BE49-F238E27FC236}">
-                <a16:creationId xmlns:a16="http://schemas.microsoft.com/office/drawing/2014/main" xmlns="" id="{64344D9A-E65D-4102-968E-6100AA67FEF5}"/>
+                <a16:creationId xmlns:a16="http://schemas.microsoft.com/office/drawing/2014/main" id="{64344D9A-E65D-4102-968E-6100AA67FEF5}"/>
               </a:ext>
             </a:extLst>
           </p:cNvPr>
@@ -16357,7 +16281,7 @@
           <a:lstStyle/>
           <a:p>
             <a:r>
-              <a:rPr lang="zh-CN" altLang="en-US" dirty="0" smtClean="0"/>
+              <a:rPr lang="zh-CN" altLang="en-US" dirty="0"/>
               <a:t>登陆：因为</a:t>
             </a:r>
             <a:r>
@@ -16406,7 +16330,7 @@
           <p:cNvPr id="4" name="图片 3">
             <a:extLst>
               <a:ext uri="{FF2B5EF4-FFF2-40B4-BE49-F238E27FC236}">
-                <a16:creationId xmlns:a16="http://schemas.microsoft.com/office/drawing/2014/main" xmlns="" id="{CAAFE79E-C660-48C7-BDC5-F08BFB71C634}"/>
+                <a16:creationId xmlns:a16="http://schemas.microsoft.com/office/drawing/2014/main" id="{CAAFE79E-C660-48C7-BDC5-F08BFB71C634}"/>
               </a:ext>
             </a:extLst>
           </p:cNvPr>
@@ -16466,7 +16390,7 @@
           <p:cNvPr id="4" name="图片 3">
             <a:extLst>
               <a:ext uri="{FF2B5EF4-FFF2-40B4-BE49-F238E27FC236}">
-                <a16:creationId xmlns:a16="http://schemas.microsoft.com/office/drawing/2014/main" xmlns="" id="{70EFF4DA-9003-4F3A-8799-77404567CE52}"/>
+                <a16:creationId xmlns:a16="http://schemas.microsoft.com/office/drawing/2014/main" id="{70EFF4DA-9003-4F3A-8799-77404567CE52}"/>
               </a:ext>
             </a:extLst>
           </p:cNvPr>
@@ -16496,7 +16420,7 @@
           <p:cNvPr id="5" name="图片 4">
             <a:extLst>
               <a:ext uri="{FF2B5EF4-FFF2-40B4-BE49-F238E27FC236}">
-                <a16:creationId xmlns:a16="http://schemas.microsoft.com/office/drawing/2014/main" xmlns="" id="{34936AC6-D30F-426E-8EDB-8E8F29B2DE13}"/>
+                <a16:creationId xmlns:a16="http://schemas.microsoft.com/office/drawing/2014/main" id="{34936AC6-D30F-426E-8EDB-8E8F29B2DE13}"/>
               </a:ext>
             </a:extLst>
           </p:cNvPr>
@@ -16586,7 +16510,7 @@
           <p:cNvPr id="2" name="标题 1">
             <a:extLst>
               <a:ext uri="{FF2B5EF4-FFF2-40B4-BE49-F238E27FC236}">
-                <a16:creationId xmlns:a16="http://schemas.microsoft.com/office/drawing/2014/main" xmlns="" id="{8618B29A-C5E3-4C69-AFA7-60B61ACF11B6}"/>
+                <a16:creationId xmlns:a16="http://schemas.microsoft.com/office/drawing/2014/main" id="{8618B29A-C5E3-4C69-AFA7-60B61ACF11B6}"/>
               </a:ext>
             </a:extLst>
           </p:cNvPr>
@@ -16628,7 +16552,7 @@
           </a:lstStyle>
           <a:p>
             <a:r>
-              <a:rPr lang="zh-CN" altLang="en-US" dirty="0" smtClean="0">
+              <a:rPr lang="zh-CN" altLang="en-US" dirty="0">
                 <a:solidFill>
                   <a:schemeClr val="bg1"/>
                 </a:solidFill>
@@ -16636,7 +16560,7 @@
               <a:t>接口测试</a:t>
             </a:r>
             <a:r>
-              <a:rPr lang="en-US" altLang="zh-CN" dirty="0" smtClean="0">
+              <a:rPr lang="en-US" altLang="zh-CN" dirty="0">
                 <a:solidFill>
                   <a:schemeClr val="bg1"/>
                 </a:solidFill>
@@ -16644,14 +16568,14 @@
               <a:t>-</a:t>
             </a:r>
             <a:r>
-              <a:rPr lang="zh-CN" altLang="en-US" dirty="0" smtClean="0">
+              <a:rPr lang="zh-CN" altLang="en-US" dirty="0">
                 <a:solidFill>
                   <a:schemeClr val="bg1"/>
                 </a:solidFill>
               </a:rPr>
               <a:t>用例设计</a:t>
             </a:r>
-            <a:endParaRPr lang="en-US" altLang="zh-CN" dirty="0" smtClean="0">
+            <a:endParaRPr lang="en-US" altLang="zh-CN" dirty="0">
               <a:solidFill>
                 <a:schemeClr val="bg1"/>
               </a:solidFill>
@@ -16694,7 +16618,7 @@
           <p:cNvPr id="5" name="标题 1">
             <a:extLst>
               <a:ext uri="{FF2B5EF4-FFF2-40B4-BE49-F238E27FC236}">
-                <a16:creationId xmlns:a16="http://schemas.microsoft.com/office/drawing/2014/main" xmlns="" id="{D85B6B2A-FBF0-41F4-B80B-0F7EFDDBBFDA}"/>
+                <a16:creationId xmlns:a16="http://schemas.microsoft.com/office/drawing/2014/main" id="{D85B6B2A-FBF0-41F4-B80B-0F7EFDDBBFDA}"/>
               </a:ext>
             </a:extLst>
           </p:cNvPr>
@@ -16716,10 +16640,9 @@
           <a:lstStyle/>
           <a:p>
             <a:r>
-              <a:rPr lang="zh-CN" altLang="en-US" dirty="0" smtClean="0"/>
+              <a:rPr lang="zh-CN" altLang="en-US" dirty="0"/>
               <a:t>接口测试</a:t>
             </a:r>
-            <a:endParaRPr lang="zh-CN" altLang="en-US" dirty="0"/>
           </a:p>
         </p:txBody>
       </p:sp>
@@ -16728,7 +16651,7 @@
           <p:cNvPr id="6" name="文本框 5">
             <a:extLst>
               <a:ext uri="{FF2B5EF4-FFF2-40B4-BE49-F238E27FC236}">
-                <a16:creationId xmlns:a16="http://schemas.microsoft.com/office/drawing/2014/main" xmlns="" id="{C5BF1C69-6244-4E4F-A59F-6EA535E7CB97}"/>
+                <a16:creationId xmlns:a16="http://schemas.microsoft.com/office/drawing/2014/main" id="{C5BF1C69-6244-4E4F-A59F-6EA535E7CB97}"/>
               </a:ext>
             </a:extLst>
           </p:cNvPr>
@@ -16752,19 +16675,19 @@
           <a:lstStyle/>
           <a:p>
             <a:r>
-              <a:rPr lang="zh-CN" altLang="en-US" dirty="0" smtClean="0">
+              <a:rPr lang="zh-CN" altLang="en-US" dirty="0">
                 <a:latin typeface="+mn-ea"/>
               </a:rPr>
               <a:t>接口测试</a:t>
             </a:r>
             <a:r>
-              <a:rPr lang="en-US" altLang="zh-CN" dirty="0" smtClean="0">
+              <a:rPr lang="en-US" altLang="zh-CN" dirty="0">
                 <a:latin typeface="+mn-ea"/>
               </a:rPr>
               <a:t>-</a:t>
             </a:r>
             <a:r>
-              <a:rPr lang="en-US" altLang="zh-CN" dirty="0" smtClean="0">
+              <a:rPr lang="en-US" altLang="zh-CN" dirty="0">
                 <a:solidFill>
                   <a:srgbClr val="808000"/>
                 </a:solidFill>
@@ -16816,15 +16739,7 @@
             </a:r>
             <a:r>
               <a:rPr lang="zh-CN" altLang="en-US" b="1" dirty="0"/>
-              <a:t>接口测试中发现：当老师 </a:t>
-            </a:r>
-            <a:r>
-              <a:rPr lang="zh-CN" altLang="en-US" b="1" dirty="0" smtClean="0"/>
-              <a:t>查询</a:t>
-            </a:r>
-            <a:r>
-              <a:rPr lang="zh-CN" altLang="en-US" b="1" dirty="0"/>
-              <a:t>可用场馆时，</a:t>
+              <a:t>接口测试中发现：当老师 查询可用场馆时，</a:t>
             </a:r>
             <a:r>
               <a:rPr lang="zh-CN" altLang="en-US" b="1" dirty="0">
@@ -16874,21 +16789,9 @@
             </a:r>
             <a:r>
               <a:rPr lang="zh-CN" altLang="en-US" b="1" dirty="0"/>
-              <a:t>接口测试中发现：某个学 </a:t>
-            </a:r>
-            <a:r>
-              <a:rPr lang="zh-CN" altLang="en-US" b="1" dirty="0" smtClean="0"/>
-              <a:t>生</a:t>
-            </a:r>
-            <a:r>
-              <a:rPr lang="zh-CN" altLang="en-US" b="1" dirty="0"/>
-              <a:t>尝试加入自己已经加入的课程，仍然会提示加入</a:t>
-            </a:r>
-            <a:r>
-              <a:rPr lang="zh-CN" altLang="en-US" b="1" dirty="0" smtClean="0"/>
-              <a:t>成功。</a:t>
-            </a:r>
-            <a:endParaRPr lang="en-US" altLang="zh-CN" b="1" dirty="0" smtClean="0"/>
+              <a:t>接口测试中发现：某个学 生尝试加入自己已经加入的课程，仍然会提示加入成功。</a:t>
+            </a:r>
+            <a:endParaRPr lang="en-US" altLang="zh-CN" b="1" dirty="0"/>
           </a:p>
           <a:p>
             <a:endParaRPr lang="en-US" altLang="zh-CN" b="1" dirty="0"/>
@@ -16908,20 +16811,12 @@
             </a:r>
             <a:r>
               <a:rPr lang="zh-CN" altLang="en-US" b="1" dirty="0"/>
-              <a:t>接口测试中发现：某个学 </a:t>
-            </a:r>
-            <a:r>
-              <a:rPr lang="zh-CN" altLang="en-US" b="1" dirty="0" smtClean="0"/>
-              <a:t>生</a:t>
-            </a:r>
-            <a:r>
-              <a:rPr lang="zh-CN" altLang="en-US" b="1" dirty="0"/>
-              <a:t>尝试删除自己已经加入的课程，程序会出错。</a:t>
+              <a:t>接口测试中发现：某个学 生尝试删除自己已经加入的课程，程序会出错。</a:t>
             </a:r>
             <a:endParaRPr lang="zh-CN" altLang="en-US" dirty="0"/>
           </a:p>
           <a:p>
-            <a:endParaRPr lang="en-US" altLang="zh-CN" dirty="0" smtClean="0"/>
+            <a:endParaRPr lang="en-US" altLang="zh-CN" dirty="0"/>
           </a:p>
           <a:p>
             <a:r>
@@ -16938,24 +16833,16 @@
             </a:r>
             <a:r>
               <a:rPr lang="zh-CN" altLang="en-US" b="1" dirty="0"/>
-              <a:t>接口测试中发现：某个学 </a:t>
-            </a:r>
-            <a:r>
-              <a:rPr lang="zh-CN" altLang="en-US" b="1" dirty="0" smtClean="0"/>
-              <a:t>生</a:t>
-            </a:r>
-            <a:r>
-              <a:rPr lang="zh-CN" altLang="en-US" b="1" dirty="0"/>
-              <a:t>尝试加入不存在课程，程序会返回成功。 </a:t>
+              <a:t>接口测试中发现：某个学 生尝试加入不存在课程，程序会返回成功。 </a:t>
             </a:r>
             <a:endParaRPr lang="zh-CN" altLang="en-US" dirty="0"/>
           </a:p>
           <a:p>
-            <a:endParaRPr lang="en-US" altLang="zh-CN" dirty="0" smtClean="0"/>
-          </a:p>
-          <a:p>
-            <a:r>
-              <a:rPr lang="mr-IN" altLang="zh-CN" dirty="0" smtClean="0"/>
+            <a:endParaRPr lang="en-US" altLang="zh-CN" dirty="0"/>
+          </a:p>
+          <a:p>
+            <a:r>
+              <a:rPr lang="mr-IN" altLang="zh-CN" dirty="0"/>
               <a:t>……</a:t>
             </a:r>
             <a:endParaRPr lang="zh-CN" altLang="en-US" dirty="0"/>
@@ -17401,7 +17288,7 @@
               <a:defRPr/>
             </a:pPr>
             <a:r>
-              <a:rPr lang="zh-CN" altLang="en-US" sz="4400" dirty="0" smtClean="0">
+              <a:rPr lang="zh-CN" altLang="en-US" sz="4400" dirty="0">
                 <a:sym typeface="+mn-ea"/>
               </a:rPr>
               <a:t>系统测试</a:t>
@@ -17462,441 +17349,93 @@
           <a:chExt cx="0" cy="0"/>
         </a:xfrm>
       </p:grpSpPr>
+      <p:sp>
+        <p:nvSpPr>
+          <p:cNvPr id="3" name="标题 1">
+            <a:extLst>
+              <a:ext uri="{FF2B5EF4-FFF2-40B4-BE49-F238E27FC236}">
+                <a16:creationId xmlns:a16="http://schemas.microsoft.com/office/drawing/2014/main" id="{F34B5B6F-B070-4819-B270-522F2C52B97C}"/>
+              </a:ext>
+            </a:extLst>
+          </p:cNvPr>
+          <p:cNvSpPr txBox="1">
+            <a:spLocks/>
+          </p:cNvSpPr>
+          <p:nvPr/>
+        </p:nvSpPr>
+        <p:spPr>
+          <a:xfrm>
+            <a:off x="669882" y="432000"/>
+            <a:ext cx="10852237" cy="648000"/>
+          </a:xfrm>
+          <a:prstGeom prst="rect">
+            <a:avLst/>
+          </a:prstGeom>
+        </p:spPr>
+        <p:txBody>
+          <a:bodyPr/>
+          <a:lstStyle>
+            <a:lvl1pPr algn="l" defTabSz="914400" rtl="0" eaLnBrk="1" fontAlgn="auto" latinLnBrk="0" hangingPunct="1">
+              <a:lnSpc>
+                <a:spcPct val="100000"/>
+              </a:lnSpc>
+              <a:spcBef>
+                <a:spcPct val="0"/>
+              </a:spcBef>
+              <a:buNone/>
+              <a:defRPr sz="2800" b="1" u="none" strike="noStrike" kern="1200" cap="none" spc="200" normalizeH="0">
+                <a:solidFill>
+                  <a:schemeClr val="tx1"/>
+                </a:solidFill>
+                <a:uFillTx/>
+                <a:latin typeface="+mj-lt"/>
+                <a:ea typeface="+mj-ea"/>
+                <a:cs typeface="+mj-cs"/>
+              </a:defRPr>
+            </a:lvl1pPr>
+          </a:lstStyle>
+          <a:p>
+            <a:r>
+              <a:rPr lang="zh-CN" altLang="en-US" dirty="0"/>
+              <a:t>系统测试</a:t>
+            </a:r>
+          </a:p>
+        </p:txBody>
+      </p:sp>
       <p:pic>
         <p:nvPicPr>
-          <p:cNvPr id="23" name="Picture 3"/>
+          <p:cNvPr id="4" name="图片 3">
+            <a:extLst>
+              <a:ext uri="{FF2B5EF4-FFF2-40B4-BE49-F238E27FC236}">
+                <a16:creationId xmlns:a16="http://schemas.microsoft.com/office/drawing/2014/main" id="{38CAB000-5C1A-455A-85A7-6FABDE2ABC28}"/>
+              </a:ext>
+            </a:extLst>
+          </p:cNvPr>
           <p:cNvPicPr>
-            <a:picLocks noChangeAspect="1" noChangeArrowheads="1"/>
+            <a:picLocks noChangeAspect="1"/>
           </p:cNvPicPr>
           <p:nvPr/>
         </p:nvPicPr>
-        <p:blipFill rotWithShape="1">
-          <a:blip r:embed="rId3" cstate="print">
-            <a:extLst>
-              <a:ext uri="{28A0092B-C50C-407E-A947-70E740481C1C}">
-                <a14:useLocalDpi xmlns:a14="http://schemas.microsoft.com/office/drawing/2010/main" val="0"/>
-              </a:ext>
-            </a:extLst>
-          </a:blip>
-          <a:srcRect l="2767" r="7205" b="57679"/>
+        <p:blipFill>
+          <a:blip r:embed="rId2"/>
           <a:stretch>
             <a:fillRect/>
           </a:stretch>
         </p:blipFill>
-        <p:spPr bwMode="auto">
-          <a:xfrm rot="10800000" flipH="1" flipV="1">
-            <a:off x="1187150" y="4617245"/>
-            <a:ext cx="9295641" cy="251915"/>
+        <p:spPr>
+          <a:xfrm>
+            <a:off x="1871662" y="1080000"/>
+            <a:ext cx="8448675" cy="5219700"/>
           </a:xfrm>
           <a:prstGeom prst="rect">
             <a:avLst/>
           </a:prstGeom>
-          <a:noFill/>
-          <a:ln>
-            <a:noFill/>
-          </a:ln>
-          <a:effectLst/>
-          <a:extLst>
-            <a:ext uri="{909E8E84-426E-40DD-AFC4-6F175D3DCCD1}">
-              <a14:hiddenFill xmlns:a14="http://schemas.microsoft.com/office/drawing/2010/main">
-                <a:solidFill>
-                  <a:schemeClr val="accent1"/>
-                </a:solidFill>
-              </a14:hiddenFill>
-            </a:ext>
-            <a:ext uri="{91240B29-F687-4F45-9708-019B960494DF}">
-              <a14:hiddenLine xmlns:a14="http://schemas.microsoft.com/office/drawing/2010/main" w="9525">
-                <a:solidFill>
-                  <a:schemeClr val="tx1"/>
-                </a:solidFill>
-                <a:miter lim="800000"/>
-                <a:headEnd/>
-                <a:tailEnd/>
-              </a14:hiddenLine>
-            </a:ext>
-            <a:ext uri="{AF507438-7753-43E0-B8FC-AC1667EBCBE1}">
-              <a14:hiddenEffects xmlns:a14="http://schemas.microsoft.com/office/drawing/2010/main">
-                <a:effectLst>
-                  <a:outerShdw dist="35921" dir="2700000" algn="ctr" rotWithShape="0">
-                    <a:schemeClr val="bg2"/>
-                  </a:outerShdw>
-                </a:effectLst>
-              </a14:hiddenEffects>
-            </a:ext>
-          </a:extLst>
         </p:spPr>
       </p:pic>
-      <p:sp>
-        <p:nvSpPr>
-          <p:cNvPr id="24" name="圆角矩形 23"/>
-          <p:cNvSpPr/>
-          <p:nvPr/>
-        </p:nvSpPr>
-        <p:spPr>
-          <a:xfrm rot="20935880">
-            <a:off x="4381264" y="3172417"/>
-            <a:ext cx="193241" cy="2366303"/>
-          </a:xfrm>
-          <a:prstGeom prst="roundRect">
-            <a:avLst>
-              <a:gd name="adj" fmla="val 50000"/>
-            </a:avLst>
-          </a:prstGeom>
-          <a:gradFill flip="none" rotWithShape="1">
-            <a:gsLst>
-              <a:gs pos="100000">
-                <a:srgbClr val="878787"/>
-              </a:gs>
-              <a:gs pos="0">
-                <a:sysClr val="window" lastClr="FFFFFF">
-                  <a:lumMod val="85000"/>
-                  <a:shade val="30000"/>
-                  <a:satMod val="115000"/>
-                </a:sysClr>
-              </a:gs>
-              <a:gs pos="45000">
-                <a:sysClr val="window" lastClr="FFFFFF">
-                  <a:lumMod val="85000"/>
-                  <a:shade val="67500"/>
-                  <a:satMod val="115000"/>
-                </a:sysClr>
-              </a:gs>
-              <a:gs pos="62000">
-                <a:sysClr val="window" lastClr="FFFFFF">
-                  <a:lumMod val="85000"/>
-                  <a:shade val="100000"/>
-                  <a:satMod val="115000"/>
-                </a:sysClr>
-              </a:gs>
-            </a:gsLst>
-            <a:lin ang="10800000" scaled="1"/>
-            <a:tileRect/>
-          </a:gradFill>
-          <a:ln w="25400" cap="flat" cmpd="sng" algn="ctr">
-            <a:noFill/>
-            <a:prstDash val="solid"/>
-          </a:ln>
-          <a:effectLst/>
-        </p:spPr>
-        <p:txBody>
-          <a:bodyPr rot="0" spcFirstLastPara="0" vertOverflow="overflow" horzOverflow="overflow" vert="horz" wrap="square" lIns="91440" tIns="45720" rIns="91440" bIns="45720" numCol="1" spcCol="0" rtlCol="0" fromWordArt="0" anchor="ctr" anchorCtr="0" forceAA="0" compatLnSpc="1">
-            <a:noAutofit/>
-          </a:bodyPr>
-          <a:lstStyle/>
-          <a:p>
-            <a:pPr marL="0" marR="0" lvl="0" indent="0" algn="ctr" defTabSz="914400" eaLnBrk="1" fontAlgn="auto" latinLnBrk="0" hangingPunct="1">
-              <a:lnSpc>
-                <a:spcPct val="100000"/>
-              </a:lnSpc>
-              <a:spcBef>
-                <a:spcPts val="0"/>
-              </a:spcBef>
-              <a:spcAft>
-                <a:spcPts val="0"/>
-              </a:spcAft>
-              <a:buClrTx/>
-              <a:buSzTx/>
-              <a:buFontTx/>
-              <a:buNone/>
-              <a:defRPr/>
-            </a:pPr>
-            <a:endParaRPr kumimoji="0" lang="en-US" sz="1800" b="0" i="0" u="none" strike="noStrike" kern="0" cap="none" spc="0" normalizeH="0" baseline="0" noProof="0">
-              <a:ln>
-                <a:noFill/>
-              </a:ln>
-              <a:solidFill>
-                <a:sysClr val="windowText" lastClr="000000"/>
-              </a:solidFill>
-              <a:effectLst/>
-              <a:uLnTx/>
-              <a:uFillTx/>
-              <a:latin typeface="Calibri" panose="020F0502020204030204"/>
-              <a:ea typeface="+mn-ea"/>
-              <a:cs typeface="+mn-cs"/>
-            </a:endParaRPr>
-          </a:p>
-        </p:txBody>
-      </p:sp>
-      <p:sp>
-        <p:nvSpPr>
-          <p:cNvPr id="28" name="圆角矩形 27"/>
-          <p:cNvSpPr/>
-          <p:nvPr/>
-        </p:nvSpPr>
-        <p:spPr>
-          <a:xfrm rot="963333">
-            <a:off x="7468164" y="2895766"/>
-            <a:ext cx="224541" cy="2664296"/>
-          </a:xfrm>
-          <a:prstGeom prst="roundRect">
-            <a:avLst>
-              <a:gd name="adj" fmla="val 50000"/>
-            </a:avLst>
-          </a:prstGeom>
-          <a:gradFill flip="none" rotWithShape="1">
-            <a:gsLst>
-              <a:gs pos="100000">
-                <a:srgbClr val="878787"/>
-              </a:gs>
-              <a:gs pos="0">
-                <a:sysClr val="window" lastClr="FFFFFF">
-                  <a:lumMod val="85000"/>
-                  <a:shade val="30000"/>
-                  <a:satMod val="115000"/>
-                </a:sysClr>
-              </a:gs>
-              <a:gs pos="45000">
-                <a:sysClr val="window" lastClr="FFFFFF">
-                  <a:lumMod val="85000"/>
-                  <a:shade val="67500"/>
-                  <a:satMod val="115000"/>
-                </a:sysClr>
-              </a:gs>
-              <a:gs pos="62000">
-                <a:sysClr val="window" lastClr="FFFFFF">
-                  <a:lumMod val="85000"/>
-                  <a:shade val="100000"/>
-                  <a:satMod val="115000"/>
-                </a:sysClr>
-              </a:gs>
-            </a:gsLst>
-            <a:lin ang="10800000" scaled="1"/>
-            <a:tileRect/>
-          </a:gradFill>
-          <a:ln w="25400" cap="flat" cmpd="sng" algn="ctr">
-            <a:noFill/>
-            <a:prstDash val="solid"/>
-          </a:ln>
-          <a:effectLst/>
-        </p:spPr>
-        <p:txBody>
-          <a:bodyPr rot="0" spcFirstLastPara="0" vertOverflow="overflow" horzOverflow="overflow" vert="horz" wrap="square" lIns="91440" tIns="45720" rIns="91440" bIns="45720" numCol="1" spcCol="0" rtlCol="0" fromWordArt="0" anchor="ctr" anchorCtr="0" forceAA="0" compatLnSpc="1">
-            <a:noAutofit/>
-          </a:bodyPr>
-          <a:lstStyle/>
-          <a:p>
-            <a:pPr marL="0" marR="0" lvl="0" indent="0" algn="ctr" defTabSz="914400" eaLnBrk="1" fontAlgn="auto" latinLnBrk="0" hangingPunct="1">
-              <a:lnSpc>
-                <a:spcPct val="100000"/>
-              </a:lnSpc>
-              <a:spcBef>
-                <a:spcPts val="0"/>
-              </a:spcBef>
-              <a:spcAft>
-                <a:spcPts val="0"/>
-              </a:spcAft>
-              <a:buClrTx/>
-              <a:buSzTx/>
-              <a:buFontTx/>
-              <a:buNone/>
-              <a:defRPr/>
-            </a:pPr>
-            <a:endParaRPr kumimoji="0" lang="en-US" sz="1800" b="0" i="0" u="none" strike="noStrike" kern="0" cap="none" spc="0" normalizeH="0" baseline="0" noProof="0">
-              <a:ln>
-                <a:noFill/>
-              </a:ln>
-              <a:solidFill>
-                <a:sysClr val="windowText" lastClr="000000"/>
-              </a:solidFill>
-              <a:effectLst/>
-              <a:uLnTx/>
-              <a:uFillTx/>
-              <a:latin typeface="Calibri" panose="020F0502020204030204"/>
-              <a:ea typeface="+mn-ea"/>
-              <a:cs typeface="+mn-cs"/>
-            </a:endParaRPr>
-          </a:p>
-        </p:txBody>
-      </p:sp>
-      <p:sp>
-        <p:nvSpPr>
-          <p:cNvPr id="33" name="矩形 32"/>
-          <p:cNvSpPr/>
-          <p:nvPr/>
-        </p:nvSpPr>
-        <p:spPr>
-          <a:xfrm>
-            <a:off x="1524000" y="4869160"/>
-            <a:ext cx="9144000" cy="1656184"/>
-          </a:xfrm>
-          <a:prstGeom prst="rect">
-            <a:avLst/>
-          </a:prstGeom>
-          <a:gradFill flip="none" rotWithShape="1">
-            <a:gsLst>
-              <a:gs pos="48320">
-                <a:srgbClr val="E6C29A"/>
-              </a:gs>
-              <a:gs pos="100000">
-                <a:srgbClr val="8C6233"/>
-              </a:gs>
-              <a:gs pos="0">
-                <a:srgbClr val="DEA464">
-                  <a:shade val="30000"/>
-                  <a:satMod val="115000"/>
-                </a:srgbClr>
-              </a:gs>
-              <a:gs pos="8000">
-                <a:srgbClr val="DEA464">
-                  <a:shade val="67500"/>
-                  <a:satMod val="115000"/>
-                </a:srgbClr>
-              </a:gs>
-              <a:gs pos="92000">
-                <a:srgbClr val="DEA464">
-                  <a:shade val="100000"/>
-                  <a:satMod val="115000"/>
-                </a:srgbClr>
-              </a:gs>
-            </a:gsLst>
-            <a:lin ang="0" scaled="1"/>
-            <a:tileRect/>
-          </a:gradFill>
-          <a:ln w="25400" cap="flat" cmpd="sng" algn="ctr">
-            <a:noFill/>
-            <a:prstDash val="solid"/>
-          </a:ln>
-          <a:effectLst>
-            <a:outerShdw blurRad="50800" dist="38100" dir="16200000" rotWithShape="0">
-              <a:prstClr val="black">
-                <a:alpha val="40000"/>
-              </a:prstClr>
-            </a:outerShdw>
-          </a:effectLst>
-        </p:spPr>
-        <p:txBody>
-          <a:bodyPr rot="0" spcFirstLastPara="0" vertOverflow="overflow" horzOverflow="overflow" vert="horz" wrap="square" lIns="91440" tIns="45720" rIns="91440" bIns="45720" numCol="1" spcCol="0" rtlCol="0" fromWordArt="0" anchor="ctr" anchorCtr="0" forceAA="0" compatLnSpc="1">
-            <a:noAutofit/>
-          </a:bodyPr>
-          <a:lstStyle/>
-          <a:p>
-            <a:pPr marL="0" marR="0" lvl="0" indent="0" algn="ctr" defTabSz="914400" eaLnBrk="1" fontAlgn="auto" latinLnBrk="0" hangingPunct="1">
-              <a:lnSpc>
-                <a:spcPct val="100000"/>
-              </a:lnSpc>
-              <a:spcBef>
-                <a:spcPts val="0"/>
-              </a:spcBef>
-              <a:spcAft>
-                <a:spcPts val="0"/>
-              </a:spcAft>
-              <a:buClrTx/>
-              <a:buSzTx/>
-              <a:buFontTx/>
-              <a:buNone/>
-              <a:defRPr/>
-            </a:pPr>
-            <a:endParaRPr kumimoji="0" lang="en-US" sz="1800" b="0" i="0" u="none" strike="noStrike" kern="0" cap="none" spc="0" normalizeH="0" baseline="0" noProof="0">
-              <a:ln>
-                <a:noFill/>
-              </a:ln>
-              <a:solidFill>
-                <a:sysClr val="windowText" lastClr="000000"/>
-              </a:solidFill>
-              <a:effectLst/>
-              <a:uLnTx/>
-              <a:uFillTx/>
-              <a:latin typeface="Calibri" panose="020F0502020204030204"/>
-              <a:ea typeface="+mn-ea"/>
-              <a:cs typeface="+mn-cs"/>
-            </a:endParaRPr>
-          </a:p>
-        </p:txBody>
-      </p:sp>
-      <p:sp>
-        <p:nvSpPr>
-          <p:cNvPr id="43" name="TextBox 42"/>
-          <p:cNvSpPr txBox="1"/>
-          <p:nvPr/>
-        </p:nvSpPr>
-        <p:spPr>
-          <a:xfrm>
-            <a:off x="3137126" y="5260390"/>
-            <a:ext cx="5688632" cy="884794"/>
-          </a:xfrm>
-          <a:prstGeom prst="rect">
-            <a:avLst/>
-          </a:prstGeom>
-          <a:noFill/>
-        </p:spPr>
-        <p:txBody>
-          <a:bodyPr wrap="square" rtlCol="0">
-            <a:spAutoFit/>
-          </a:bodyPr>
-          <a:lstStyle>
-            <a:defPPr>
-              <a:defRPr lang="en-US"/>
-            </a:defPPr>
-            <a:lvl1pPr>
-              <a:lnSpc>
-                <a:spcPct val="130000"/>
-              </a:lnSpc>
-              <a:defRPr sz="5400" b="1">
-                <a:solidFill>
-                  <a:schemeClr val="tx1">
-                    <a:lumMod val="65000"/>
-                    <a:lumOff val="35000"/>
-                  </a:schemeClr>
-                </a:solidFill>
-                <a:latin typeface="Agency FB" pitchFamily="34" charset="0"/>
-                <a:ea typeface="微软雅黑" panose="020B0503020204020204" charset="-122"/>
-                <a:cs typeface="Calibri" panose="020F0502020204030204" pitchFamily="34" charset="0"/>
-              </a:defRPr>
-            </a:lvl1pPr>
-          </a:lstStyle>
-          <a:p>
-            <a:pPr marL="0" marR="0" lvl="0" indent="0" algn="ctr" defTabSz="914400" eaLnBrk="1" fontAlgn="auto" latinLnBrk="0" hangingPunct="1">
-              <a:lnSpc>
-                <a:spcPct val="130000"/>
-              </a:lnSpc>
-              <a:spcBef>
-                <a:spcPts val="0"/>
-              </a:spcBef>
-              <a:spcAft>
-                <a:spcPts val="0"/>
-              </a:spcAft>
-              <a:buClrTx/>
-              <a:buSzTx/>
-              <a:buFontTx/>
-              <a:buNone/>
-              <a:defRPr/>
-            </a:pPr>
-            <a:r>
-              <a:rPr lang="zh-CN" altLang="en-US" sz="4400" dirty="0" smtClean="0">
-                <a:sym typeface="+mn-ea"/>
-              </a:rPr>
-              <a:t>性能测试</a:t>
-            </a:r>
-            <a:endParaRPr kumimoji="0" lang="zh-CN" altLang="en-US" sz="4400" b="1" i="0" u="none" strike="noStrike" kern="0" cap="none" spc="0" normalizeH="0" baseline="0" noProof="0" dirty="0">
-              <a:ln>
-                <a:noFill/>
-              </a:ln>
-              <a:solidFill>
-                <a:sysClr val="windowText" lastClr="000000">
-                  <a:lumMod val="75000"/>
-                  <a:lumOff val="25000"/>
-                </a:sysClr>
-              </a:solidFill>
-              <a:effectLst>
-                <a:outerShdw dist="38100" dir="5400000" algn="t" rotWithShape="0">
-                  <a:sysClr val="window" lastClr="FFFFFF">
-                    <a:alpha val="48000"/>
-                  </a:sysClr>
-                </a:outerShdw>
-              </a:effectLst>
-              <a:uLnTx/>
-              <a:uFillTx/>
-              <a:latin typeface="Agency FB" pitchFamily="34" charset="0"/>
-              <a:ea typeface="微软雅黑" panose="020B0503020204020204" charset="-122"/>
-              <a:cs typeface="Calibri" panose="020F0502020204030204" pitchFamily="34" charset="0"/>
-            </a:endParaRPr>
-          </a:p>
-        </p:txBody>
-      </p:sp>
     </p:spTree>
     <p:extLst>
       <p:ext uri="{BB962C8B-B14F-4D97-AF65-F5344CB8AC3E}">
-        <p14:creationId xmlns:p14="http://schemas.microsoft.com/office/powerpoint/2010/main" val="812510729"/>
+        <p14:creationId xmlns:p14="http://schemas.microsoft.com/office/powerpoint/2010/main" val="4102072268"/>
       </p:ext>
     </p:extLst>
   </p:cSld>
@@ -17923,30 +17462,317 @@
           <a:chExt cx="0" cy="0"/>
         </a:xfrm>
       </p:grpSpPr>
+      <p:sp>
+        <p:nvSpPr>
+          <p:cNvPr id="3" name="标题 1">
+            <a:extLst>
+              <a:ext uri="{FF2B5EF4-FFF2-40B4-BE49-F238E27FC236}">
+                <a16:creationId xmlns:a16="http://schemas.microsoft.com/office/drawing/2014/main" id="{F34B5B6F-B070-4819-B270-522F2C52B97C}"/>
+              </a:ext>
+            </a:extLst>
+          </p:cNvPr>
+          <p:cNvSpPr txBox="1">
+            <a:spLocks/>
+          </p:cNvSpPr>
+          <p:nvPr/>
+        </p:nvSpPr>
+        <p:spPr>
+          <a:xfrm>
+            <a:off x="669882" y="432000"/>
+            <a:ext cx="10852237" cy="648000"/>
+          </a:xfrm>
+          <a:prstGeom prst="rect">
+            <a:avLst/>
+          </a:prstGeom>
+        </p:spPr>
+        <p:txBody>
+          <a:bodyPr/>
+          <a:lstStyle>
+            <a:lvl1pPr algn="l" defTabSz="914400" rtl="0" eaLnBrk="1" fontAlgn="auto" latinLnBrk="0" hangingPunct="1">
+              <a:lnSpc>
+                <a:spcPct val="100000"/>
+              </a:lnSpc>
+              <a:spcBef>
+                <a:spcPct val="0"/>
+              </a:spcBef>
+              <a:buNone/>
+              <a:defRPr sz="2800" b="1" u="none" strike="noStrike" kern="1200" cap="none" spc="200" normalizeH="0">
+                <a:solidFill>
+                  <a:schemeClr val="tx1"/>
+                </a:solidFill>
+                <a:uFillTx/>
+                <a:latin typeface="+mj-lt"/>
+                <a:ea typeface="+mj-ea"/>
+                <a:cs typeface="+mj-cs"/>
+              </a:defRPr>
+            </a:lvl1pPr>
+          </a:lstStyle>
+          <a:p>
+            <a:r>
+              <a:rPr lang="zh-CN" altLang="en-US" dirty="0"/>
+              <a:t>系统测试</a:t>
+            </a:r>
+          </a:p>
+        </p:txBody>
+      </p:sp>
+      <p:sp>
+        <p:nvSpPr>
+          <p:cNvPr id="5" name="文本框 4">
+            <a:extLst>
+              <a:ext uri="{FF2B5EF4-FFF2-40B4-BE49-F238E27FC236}">
+                <a16:creationId xmlns:a16="http://schemas.microsoft.com/office/drawing/2014/main" id="{FDA4E38A-94E0-4538-9802-5B14CD88B7D4}"/>
+              </a:ext>
+            </a:extLst>
+          </p:cNvPr>
+          <p:cNvSpPr txBox="1"/>
+          <p:nvPr/>
+        </p:nvSpPr>
+        <p:spPr>
+          <a:xfrm>
+            <a:off x="2338252" y="1476478"/>
+            <a:ext cx="1704313" cy="3905043"/>
+          </a:xfrm>
+          <a:prstGeom prst="rect">
+            <a:avLst/>
+          </a:prstGeom>
+        </p:spPr>
+        <p:txBody>
+          <a:bodyPr wrap="square">
+            <a:spAutoFit/>
+          </a:bodyPr>
+          <a:lstStyle>
+            <a:defPPr>
+              <a:defRPr lang="zh-CN"/>
+            </a:defPPr>
+            <a:lvl1pPr marL="285750" indent="-285750">
+              <a:lnSpc>
+                <a:spcPct val="150000"/>
+              </a:lnSpc>
+              <a:buFont typeface="Arial" panose="020B0604020202020204" pitchFamily="34" charset="0"/>
+              <a:buChar char="•"/>
+              <a:defRPr sz="2400">
+                <a:latin typeface="+mn-ea"/>
+              </a:defRPr>
+            </a:lvl1pPr>
+          </a:lstStyle>
+          <a:p>
+            <a:r>
+              <a:rPr lang="zh-CN" altLang="en-US" dirty="0"/>
+              <a:t>用户登录</a:t>
+            </a:r>
+            <a:endParaRPr lang="en-US" altLang="zh-CN" dirty="0"/>
+          </a:p>
+          <a:p>
+            <a:endParaRPr lang="en-US" altLang="zh-CN" dirty="0"/>
+          </a:p>
+          <a:p>
+            <a:r>
+              <a:rPr lang="zh-CN" altLang="en-US" dirty="0"/>
+              <a:t>预约场馆</a:t>
+            </a:r>
+            <a:endParaRPr lang="en-US" altLang="zh-CN" dirty="0"/>
+          </a:p>
+          <a:p>
+            <a:r>
+              <a:rPr lang="zh-CN" altLang="en-US" dirty="0"/>
+              <a:t>删除预约</a:t>
+            </a:r>
+            <a:endParaRPr lang="en-US" altLang="zh-CN" dirty="0"/>
+          </a:p>
+          <a:p>
+            <a:endParaRPr lang="en-US" altLang="zh-CN" dirty="0"/>
+          </a:p>
+          <a:p>
+            <a:r>
+              <a:rPr lang="zh-CN" altLang="en-US" dirty="0"/>
+              <a:t>添加课程</a:t>
+            </a:r>
+            <a:endParaRPr lang="en-US" altLang="zh-CN" dirty="0"/>
+          </a:p>
+          <a:p>
+            <a:r>
+              <a:rPr lang="zh-CN" altLang="en-US" dirty="0"/>
+              <a:t>删除课程</a:t>
+            </a:r>
+            <a:endParaRPr lang="en-US" altLang="zh-CN" dirty="0"/>
+          </a:p>
+        </p:txBody>
+      </p:sp>
+      <p:sp>
+        <p:nvSpPr>
+          <p:cNvPr id="6" name="矩形 5">
+            <a:extLst>
+              <a:ext uri="{FF2B5EF4-FFF2-40B4-BE49-F238E27FC236}">
+                <a16:creationId xmlns:a16="http://schemas.microsoft.com/office/drawing/2014/main" id="{4181E102-8097-4CB0-BF00-81B9B6AAE70F}"/>
+              </a:ext>
+            </a:extLst>
+          </p:cNvPr>
+          <p:cNvSpPr/>
+          <p:nvPr/>
+        </p:nvSpPr>
+        <p:spPr>
+          <a:xfrm>
+            <a:off x="6496595" y="1894113"/>
+            <a:ext cx="2425337" cy="3351046"/>
+          </a:xfrm>
+          <a:prstGeom prst="rect">
+            <a:avLst/>
+          </a:prstGeom>
+        </p:spPr>
+        <p:txBody>
+          <a:bodyPr wrap="square">
+            <a:spAutoFit/>
+          </a:bodyPr>
+          <a:lstStyle/>
+          <a:p>
+            <a:pPr marL="285750" indent="-285750">
+              <a:lnSpc>
+                <a:spcPct val="150000"/>
+              </a:lnSpc>
+              <a:buFont typeface="Arial" panose="020B0604020202020204" pitchFamily="34" charset="0"/>
+              <a:buChar char="•"/>
+            </a:pPr>
+            <a:r>
+              <a:rPr lang="zh-CN" altLang="en-US" sz="2400" dirty="0">
+                <a:latin typeface="+mn-ea"/>
+              </a:rPr>
+              <a:t>选课</a:t>
+            </a:r>
+            <a:endParaRPr lang="en-US" altLang="zh-CN" sz="2400" dirty="0">
+              <a:latin typeface="+mn-ea"/>
+            </a:endParaRPr>
+          </a:p>
+          <a:p>
+            <a:pPr marL="285750" indent="-285750">
+              <a:lnSpc>
+                <a:spcPct val="150000"/>
+              </a:lnSpc>
+              <a:buFont typeface="Arial" panose="020B0604020202020204" pitchFamily="34" charset="0"/>
+              <a:buChar char="•"/>
+            </a:pPr>
+            <a:r>
+              <a:rPr lang="zh-CN" altLang="en-US" sz="2400" dirty="0">
+                <a:latin typeface="+mn-ea"/>
+              </a:rPr>
+              <a:t>退课</a:t>
+            </a:r>
+            <a:endParaRPr lang="en-US" altLang="zh-CN" sz="2400" dirty="0">
+              <a:latin typeface="+mn-ea"/>
+            </a:endParaRPr>
+          </a:p>
+          <a:p>
+            <a:pPr marL="285750" indent="-285750">
+              <a:lnSpc>
+                <a:spcPct val="150000"/>
+              </a:lnSpc>
+              <a:buFont typeface="Arial" panose="020B0604020202020204" pitchFamily="34" charset="0"/>
+              <a:buChar char="•"/>
+            </a:pPr>
+            <a:endParaRPr lang="en-US" altLang="zh-CN" sz="2400" dirty="0">
+              <a:latin typeface="+mn-ea"/>
+            </a:endParaRPr>
+          </a:p>
+          <a:p>
+            <a:pPr marL="285750" indent="-285750">
+              <a:lnSpc>
+                <a:spcPct val="150000"/>
+              </a:lnSpc>
+              <a:buFont typeface="Arial" panose="020B0604020202020204" pitchFamily="34" charset="0"/>
+              <a:buChar char="•"/>
+            </a:pPr>
+            <a:r>
+              <a:rPr lang="zh-CN" altLang="en-US" sz="2400" dirty="0">
+                <a:latin typeface="+mn-ea"/>
+              </a:rPr>
+              <a:t>发布公告</a:t>
+            </a:r>
+            <a:endParaRPr lang="en-US" altLang="zh-CN" sz="2400" dirty="0">
+              <a:latin typeface="+mn-ea"/>
+            </a:endParaRPr>
+          </a:p>
+          <a:p>
+            <a:pPr marL="285750" indent="-285750">
+              <a:lnSpc>
+                <a:spcPct val="150000"/>
+              </a:lnSpc>
+              <a:buFont typeface="Arial" panose="020B0604020202020204" pitchFamily="34" charset="0"/>
+              <a:buChar char="•"/>
+            </a:pPr>
+            <a:endParaRPr lang="en-US" altLang="zh-CN" sz="2400" dirty="0">
+              <a:latin typeface="+mn-ea"/>
+            </a:endParaRPr>
+          </a:p>
+          <a:p>
+            <a:pPr marL="285750" indent="-285750">
+              <a:lnSpc>
+                <a:spcPct val="150000"/>
+              </a:lnSpc>
+              <a:buFont typeface="Arial" panose="020B0604020202020204" pitchFamily="34" charset="0"/>
+              <a:buChar char="•"/>
+            </a:pPr>
+            <a:r>
+              <a:rPr lang="zh-CN" altLang="en-US" sz="2400" dirty="0">
+                <a:latin typeface="+mn-ea"/>
+              </a:rPr>
+              <a:t>用户权限</a:t>
+            </a:r>
+          </a:p>
+        </p:txBody>
+      </p:sp>
+    </p:spTree>
+    <p:extLst>
+      <p:ext uri="{BB962C8B-B14F-4D97-AF65-F5344CB8AC3E}">
+        <p14:creationId xmlns:p14="http://schemas.microsoft.com/office/powerpoint/2010/main" val="1204242670"/>
+      </p:ext>
+    </p:extLst>
+  </p:cSld>
+  <p:clrMapOvr>
+    <a:masterClrMapping/>
+  </p:clrMapOvr>
+</p:sld>
+</file>
+
+<file path=ppt/slides/slide28.xml><?xml version="1.0" encoding="utf-8"?>
+<p:sld xmlns:a="http://schemas.openxmlformats.org/drawingml/2006/main" xmlns:r="http://schemas.openxmlformats.org/officeDocument/2006/relationships" xmlns:p="http://schemas.openxmlformats.org/presentationml/2006/main">
+  <p:cSld>
+    <p:spTree>
+      <p:nvGrpSpPr>
+        <p:cNvPr id="1" name=""/>
+        <p:cNvGrpSpPr/>
+        <p:nvPr/>
+      </p:nvGrpSpPr>
+      <p:grpSpPr>
+        <a:xfrm>
+          <a:off x="0" y="0"/>
+          <a:ext cx="0" cy="0"/>
+          <a:chOff x="0" y="0"/>
+          <a:chExt cx="0" cy="0"/>
+        </a:xfrm>
+      </p:grpSpPr>
       <p:pic>
         <p:nvPicPr>
-          <p:cNvPr id="9" name="图片 8"/>
+          <p:cNvPr id="2" name="图片 1">
+            <a:extLst>
+              <a:ext uri="{FF2B5EF4-FFF2-40B4-BE49-F238E27FC236}">
+                <a16:creationId xmlns:a16="http://schemas.microsoft.com/office/drawing/2014/main" id="{1503361B-F4AF-4B89-B516-13F1E60050F1}"/>
+              </a:ext>
+            </a:extLst>
+          </p:cNvPr>
           <p:cNvPicPr>
             <a:picLocks noChangeAspect="1"/>
           </p:cNvPicPr>
           <p:nvPr/>
         </p:nvPicPr>
         <p:blipFill>
-          <a:blip r:embed="rId3">
-            <a:extLst>
-              <a:ext uri="{28A0092B-C50C-407E-A947-70E740481C1C}">
-                <a14:useLocalDpi xmlns:a14="http://schemas.microsoft.com/office/drawing/2010/main" val="0"/>
-              </a:ext>
-            </a:extLst>
-          </a:blip>
+          <a:blip r:embed="rId2"/>
           <a:stretch>
             <a:fillRect/>
           </a:stretch>
         </p:blipFill>
         <p:spPr>
           <a:xfrm>
-            <a:off x="2268220" y="676275"/>
-            <a:ext cx="7352665" cy="5871210"/>
+            <a:off x="806224" y="1208721"/>
+            <a:ext cx="5842771" cy="4825441"/>
           </a:xfrm>
           <a:prstGeom prst="rect">
             <a:avLst/>
@@ -17955,86 +17781,251 @@
       </p:pic>
       <p:sp>
         <p:nvSpPr>
-          <p:cNvPr id="11" name="TextBox 10"/>
-          <p:cNvSpPr txBox="1"/>
+          <p:cNvPr id="3" name="标题 1">
+            <a:extLst>
+              <a:ext uri="{FF2B5EF4-FFF2-40B4-BE49-F238E27FC236}">
+                <a16:creationId xmlns:a16="http://schemas.microsoft.com/office/drawing/2014/main" id="{F34B5B6F-B070-4819-B270-522F2C52B97C}"/>
+              </a:ext>
+            </a:extLst>
+          </p:cNvPr>
+          <p:cNvSpPr txBox="1">
+            <a:spLocks/>
+          </p:cNvSpPr>
           <p:nvPr/>
         </p:nvSpPr>
         <p:spPr>
-          <a:xfrm rot="331225" flipH="1">
-            <a:off x="2888615" y="3402965"/>
-            <a:ext cx="5931535" cy="829945"/>
+          <a:xfrm>
+            <a:off x="669882" y="432000"/>
+            <a:ext cx="10852237" cy="648000"/>
           </a:xfrm>
           <a:prstGeom prst="rect">
             <a:avLst/>
           </a:prstGeom>
-          <a:noFill/>
         </p:spPr>
         <p:txBody>
-          <a:bodyPr wrap="square" rtlCol="0">
-            <a:spAutoFit/>
-          </a:bodyPr>
+          <a:bodyPr/>
           <a:lstStyle>
-            <a:defPPr>
-              <a:defRPr lang="en-US"/>
-            </a:defPPr>
-            <a:lvl1pPr lvl="0">
+            <a:lvl1pPr algn="l" defTabSz="914400" rtl="0" eaLnBrk="1" fontAlgn="auto" latinLnBrk="0" hangingPunct="1">
               <a:lnSpc>
-                <a:spcPct val="80000"/>
+                <a:spcPct val="100000"/>
               </a:lnSpc>
-              <a:defRPr sz="4400" b="1" kern="0">
-                <a:ln w="18415" cmpd="sng">
-                  <a:noFill/>
-                  <a:prstDash val="solid"/>
-                </a:ln>
+              <a:spcBef>
+                <a:spcPct val="0"/>
+              </a:spcBef>
+              <a:buNone/>
+              <a:defRPr sz="2800" b="1" u="none" strike="noStrike" kern="1200" cap="none" spc="200" normalizeH="0">
                 <a:solidFill>
-                  <a:srgbClr val="FFC000"/>
+                  <a:schemeClr val="tx1"/>
                 </a:solidFill>
-                <a:latin typeface="Agency FB" pitchFamily="34" charset="0"/>
-                <a:ea typeface="微软雅黑" panose="020B0503020204020204" charset="-122"/>
+                <a:uFillTx/>
+                <a:latin typeface="+mj-lt"/>
+                <a:ea typeface="+mj-ea"/>
+                <a:cs typeface="+mj-cs"/>
               </a:defRPr>
             </a:lvl1pPr>
           </a:lstStyle>
           <a:p>
-            <a:pPr marL="0" marR="0" lvl="0" indent="0" defTabSz="914400" eaLnBrk="1" fontAlgn="auto" latinLnBrk="0" hangingPunct="1">
+            <a:r>
+              <a:rPr lang="zh-CN" altLang="en-US" dirty="0"/>
+              <a:t>系统测试</a:t>
+            </a:r>
+            <a:r>
+              <a:rPr lang="en-US" altLang="zh-CN" dirty="0"/>
+              <a:t>——</a:t>
+            </a:r>
+            <a:r>
+              <a:rPr lang="zh-CN" altLang="en-US" dirty="0"/>
+              <a:t>用户登录</a:t>
+            </a:r>
+          </a:p>
+        </p:txBody>
+      </p:sp>
+      <p:pic>
+        <p:nvPicPr>
+          <p:cNvPr id="4" name="图片 3">
+            <a:extLst>
+              <a:ext uri="{FF2B5EF4-FFF2-40B4-BE49-F238E27FC236}">
+                <a16:creationId xmlns:a16="http://schemas.microsoft.com/office/drawing/2014/main" id="{F018937F-20EB-4C59-9775-B93115C635AF}"/>
+              </a:ext>
+            </a:extLst>
+          </p:cNvPr>
+          <p:cNvPicPr>
+            <a:picLocks noChangeAspect="1"/>
+          </p:cNvPicPr>
+          <p:nvPr/>
+        </p:nvPicPr>
+        <p:blipFill>
+          <a:blip r:embed="rId3"/>
+          <a:stretch>
+            <a:fillRect/>
+          </a:stretch>
+        </p:blipFill>
+        <p:spPr>
+          <a:xfrm>
+            <a:off x="7005638" y="1208721"/>
+            <a:ext cx="3667125" cy="3800475"/>
+          </a:xfrm>
+          <a:prstGeom prst="rect">
+            <a:avLst/>
+          </a:prstGeom>
+        </p:spPr>
+      </p:pic>
+    </p:spTree>
+    <p:extLst>
+      <p:ext uri="{BB962C8B-B14F-4D97-AF65-F5344CB8AC3E}">
+        <p14:creationId xmlns:p14="http://schemas.microsoft.com/office/powerpoint/2010/main" val="2038517220"/>
+      </p:ext>
+    </p:extLst>
+  </p:cSld>
+  <p:clrMapOvr>
+    <a:masterClrMapping/>
+  </p:clrMapOvr>
+</p:sld>
+</file>
+
+<file path=ppt/slides/slide29.xml><?xml version="1.0" encoding="utf-8"?>
+<p:sld xmlns:a="http://schemas.openxmlformats.org/drawingml/2006/main" xmlns:r="http://schemas.openxmlformats.org/officeDocument/2006/relationships" xmlns:p="http://schemas.openxmlformats.org/presentationml/2006/main">
+  <p:cSld>
+    <p:spTree>
+      <p:nvGrpSpPr>
+        <p:cNvPr id="1" name=""/>
+        <p:cNvGrpSpPr/>
+        <p:nvPr/>
+      </p:nvGrpSpPr>
+      <p:grpSpPr>
+        <a:xfrm>
+          <a:off x="0" y="0"/>
+          <a:ext cx="0" cy="0"/>
+          <a:chOff x="0" y="0"/>
+          <a:chExt cx="0" cy="0"/>
+        </a:xfrm>
+      </p:grpSpPr>
+      <p:pic>
+        <p:nvPicPr>
+          <p:cNvPr id="2" name="图片 1">
+            <a:extLst>
+              <a:ext uri="{FF2B5EF4-FFF2-40B4-BE49-F238E27FC236}">
+                <a16:creationId xmlns:a16="http://schemas.microsoft.com/office/drawing/2014/main" id="{1503361B-F4AF-4B89-B516-13F1E60050F1}"/>
+              </a:ext>
+            </a:extLst>
+          </p:cNvPr>
+          <p:cNvPicPr>
+            <a:picLocks noChangeAspect="1"/>
+          </p:cNvPicPr>
+          <p:nvPr/>
+        </p:nvPicPr>
+        <p:blipFill>
+          <a:blip r:embed="rId2"/>
+          <a:stretch>
+            <a:fillRect/>
+          </a:stretch>
+        </p:blipFill>
+        <p:spPr>
+          <a:xfrm>
+            <a:off x="806224" y="1208721"/>
+            <a:ext cx="5842771" cy="4825441"/>
+          </a:xfrm>
+          <a:prstGeom prst="rect">
+            <a:avLst/>
+          </a:prstGeom>
+        </p:spPr>
+      </p:pic>
+      <p:sp>
+        <p:nvSpPr>
+          <p:cNvPr id="3" name="标题 1">
+            <a:extLst>
+              <a:ext uri="{FF2B5EF4-FFF2-40B4-BE49-F238E27FC236}">
+                <a16:creationId xmlns:a16="http://schemas.microsoft.com/office/drawing/2014/main" id="{F34B5B6F-B070-4819-B270-522F2C52B97C}"/>
+              </a:ext>
+            </a:extLst>
+          </p:cNvPr>
+          <p:cNvSpPr txBox="1">
+            <a:spLocks/>
+          </p:cNvSpPr>
+          <p:nvPr/>
+        </p:nvSpPr>
+        <p:spPr>
+          <a:xfrm>
+            <a:off x="669882" y="432000"/>
+            <a:ext cx="10852237" cy="648000"/>
+          </a:xfrm>
+          <a:prstGeom prst="rect">
+            <a:avLst/>
+          </a:prstGeom>
+        </p:spPr>
+        <p:txBody>
+          <a:bodyPr/>
+          <a:lstStyle>
+            <a:lvl1pPr algn="l" defTabSz="914400" rtl="0" eaLnBrk="1" fontAlgn="auto" latinLnBrk="0" hangingPunct="1">
               <a:lnSpc>
-                <a:spcPct val="80000"/>
+                <a:spcPct val="100000"/>
               </a:lnSpc>
               <a:spcBef>
-                <a:spcPts val="0"/>
+                <a:spcPct val="0"/>
               </a:spcBef>
-              <a:spcAft>
-                <a:spcPts val="0"/>
-              </a:spcAft>
-              <a:buClrTx/>
-              <a:buSzTx/>
-              <a:buFontTx/>
               <a:buNone/>
-              <a:defRPr/>
-            </a:pPr>
-            <a:r>
-              <a:rPr kumimoji="0" lang="zh-CN" sz="6000" b="1" i="0" u="none" strike="noStrike" kern="0" cap="none" spc="0" normalizeH="0" baseline="0" noProof="0" dirty="0">
-                <a:ln w="18415" cmpd="sng">
-                  <a:noFill/>
-                  <a:prstDash val="solid"/>
-                </a:ln>
+              <a:defRPr sz="2800" b="1" u="none" strike="noStrike" kern="1200" cap="none" spc="200" normalizeH="0">
                 <a:solidFill>
-                  <a:srgbClr val="C0504D">
-                    <a:lumMod val="75000"/>
-                  </a:srgbClr>
+                  <a:schemeClr val="tx1"/>
                 </a:solidFill>
-                <a:effectLst/>
-                <a:uLnTx/>
                 <a:uFillTx/>
-                <a:latin typeface="Arial Rounded MT Bold" pitchFamily="34" charset="0"/>
-                <a:ea typeface="微软雅黑" panose="020B0503020204020204" charset="-122"/>
-                <a:cs typeface="Times New Roman" panose="02020603050405020304" pitchFamily="18" charset="0"/>
-              </a:rPr>
-              <a:t>谢谢各位的聆听</a:t>
+                <a:latin typeface="+mj-lt"/>
+                <a:ea typeface="+mj-ea"/>
+                <a:cs typeface="+mj-cs"/>
+              </a:defRPr>
+            </a:lvl1pPr>
+          </a:lstStyle>
+          <a:p>
+            <a:r>
+              <a:rPr lang="zh-CN" altLang="en-US" dirty="0"/>
+              <a:t>系统测试</a:t>
+            </a:r>
+            <a:r>
+              <a:rPr lang="en-US" altLang="zh-CN" dirty="0"/>
+              <a:t>——</a:t>
+            </a:r>
+            <a:r>
+              <a:rPr lang="zh-CN" altLang="en-US" dirty="0"/>
+              <a:t>用户登录</a:t>
             </a:r>
           </a:p>
         </p:txBody>
       </p:sp>
+      <p:pic>
+        <p:nvPicPr>
+          <p:cNvPr id="5" name="图片 4">
+            <a:extLst>
+              <a:ext uri="{FF2B5EF4-FFF2-40B4-BE49-F238E27FC236}">
+                <a16:creationId xmlns:a16="http://schemas.microsoft.com/office/drawing/2014/main" id="{D7A32D90-0216-41D0-AA40-CC2942CCF4EE}"/>
+              </a:ext>
+            </a:extLst>
+          </p:cNvPr>
+          <p:cNvPicPr>
+            <a:picLocks noChangeAspect="1"/>
+          </p:cNvPicPr>
+          <p:nvPr/>
+        </p:nvPicPr>
+        <p:blipFill rotWithShape="1">
+          <a:blip r:embed="rId3"/>
+          <a:srcRect r="4242"/>
+          <a:stretch/>
+        </p:blipFill>
+        <p:spPr>
+          <a:xfrm>
+            <a:off x="5510893" y="1972627"/>
+            <a:ext cx="6585313" cy="3095625"/>
+          </a:xfrm>
+          <a:prstGeom prst="rect">
+            <a:avLst/>
+          </a:prstGeom>
+        </p:spPr>
+      </p:pic>
     </p:spTree>
+    <p:extLst>
+      <p:ext uri="{BB962C8B-B14F-4D97-AF65-F5344CB8AC3E}">
+        <p14:creationId xmlns:p14="http://schemas.microsoft.com/office/powerpoint/2010/main" val="2322084425"/>
+      </p:ext>
+    </p:extLst>
   </p:cSld>
   <p:clrMapOvr>
     <a:masterClrMapping/>
@@ -18552,7 +18543,7 @@
                 <a:latin typeface="微软雅黑" panose="020B0503020204020204" charset="-122"/>
                 <a:ea typeface="微软雅黑" panose="020B0503020204020204" charset="-122"/>
               </a:rPr>
-              <a:t>系统测试 功能测试</a:t>
+              <a:t>系统测试 性能测试</a:t>
             </a:r>
           </a:p>
         </p:txBody>
@@ -19397,6 +19388,3716 @@
         </p:txBody>
       </p:sp>
     </p:spTree>
+  </p:cSld>
+  <p:clrMapOvr>
+    <a:masterClrMapping/>
+  </p:clrMapOvr>
+</p:sld>
+</file>
+
+<file path=ppt/slides/slide30.xml><?xml version="1.0" encoding="utf-8"?>
+<p:sld xmlns:a="http://schemas.openxmlformats.org/drawingml/2006/main" xmlns:r="http://schemas.openxmlformats.org/officeDocument/2006/relationships" xmlns:p="http://schemas.openxmlformats.org/presentationml/2006/main">
+  <p:cSld>
+    <p:spTree>
+      <p:nvGrpSpPr>
+        <p:cNvPr id="1" name=""/>
+        <p:cNvGrpSpPr/>
+        <p:nvPr/>
+      </p:nvGrpSpPr>
+      <p:grpSpPr>
+        <a:xfrm>
+          <a:off x="0" y="0"/>
+          <a:ext cx="0" cy="0"/>
+          <a:chOff x="0" y="0"/>
+          <a:chExt cx="0" cy="0"/>
+        </a:xfrm>
+      </p:grpSpPr>
+      <p:sp>
+        <p:nvSpPr>
+          <p:cNvPr id="3" name="标题 1">
+            <a:extLst>
+              <a:ext uri="{FF2B5EF4-FFF2-40B4-BE49-F238E27FC236}">
+                <a16:creationId xmlns:a16="http://schemas.microsoft.com/office/drawing/2014/main" id="{F34B5B6F-B070-4819-B270-522F2C52B97C}"/>
+              </a:ext>
+            </a:extLst>
+          </p:cNvPr>
+          <p:cNvSpPr txBox="1">
+            <a:spLocks/>
+          </p:cNvSpPr>
+          <p:nvPr/>
+        </p:nvSpPr>
+        <p:spPr>
+          <a:xfrm>
+            <a:off x="669882" y="432000"/>
+            <a:ext cx="10852237" cy="648000"/>
+          </a:xfrm>
+          <a:prstGeom prst="rect">
+            <a:avLst/>
+          </a:prstGeom>
+        </p:spPr>
+        <p:txBody>
+          <a:bodyPr/>
+          <a:lstStyle>
+            <a:lvl1pPr algn="l" defTabSz="914400" rtl="0" eaLnBrk="1" fontAlgn="auto" latinLnBrk="0" hangingPunct="1">
+              <a:lnSpc>
+                <a:spcPct val="100000"/>
+              </a:lnSpc>
+              <a:spcBef>
+                <a:spcPct val="0"/>
+              </a:spcBef>
+              <a:buNone/>
+              <a:defRPr sz="2800" b="1" u="none" strike="noStrike" kern="1200" cap="none" spc="200" normalizeH="0">
+                <a:solidFill>
+                  <a:schemeClr val="tx1"/>
+                </a:solidFill>
+                <a:uFillTx/>
+                <a:latin typeface="+mj-lt"/>
+                <a:ea typeface="+mj-ea"/>
+                <a:cs typeface="+mj-cs"/>
+              </a:defRPr>
+            </a:lvl1pPr>
+          </a:lstStyle>
+          <a:p>
+            <a:r>
+              <a:rPr lang="zh-CN" altLang="en-US" dirty="0"/>
+              <a:t>系统测试</a:t>
+            </a:r>
+            <a:r>
+              <a:rPr lang="en-US" altLang="zh-CN" dirty="0"/>
+              <a:t>——</a:t>
+            </a:r>
+            <a:r>
+              <a:rPr lang="zh-CN" altLang="en-US" dirty="0"/>
+              <a:t>预约场馆</a:t>
+            </a:r>
+          </a:p>
+        </p:txBody>
+      </p:sp>
+      <p:pic>
+        <p:nvPicPr>
+          <p:cNvPr id="5" name="图片 4">
+            <a:extLst>
+              <a:ext uri="{FF2B5EF4-FFF2-40B4-BE49-F238E27FC236}">
+                <a16:creationId xmlns:a16="http://schemas.microsoft.com/office/drawing/2014/main" id="{E4EE8F96-7A55-4B9A-9E00-33D34D6A925C}"/>
+              </a:ext>
+            </a:extLst>
+          </p:cNvPr>
+          <p:cNvPicPr>
+            <a:picLocks noChangeAspect="1"/>
+          </p:cNvPicPr>
+          <p:nvPr/>
+        </p:nvPicPr>
+        <p:blipFill>
+          <a:blip r:embed="rId2"/>
+          <a:stretch>
+            <a:fillRect/>
+          </a:stretch>
+        </p:blipFill>
+        <p:spPr>
+          <a:xfrm>
+            <a:off x="3405051" y="1192938"/>
+            <a:ext cx="8229600" cy="2695575"/>
+          </a:xfrm>
+          <a:prstGeom prst="rect">
+            <a:avLst/>
+          </a:prstGeom>
+        </p:spPr>
+      </p:pic>
+      <p:pic>
+        <p:nvPicPr>
+          <p:cNvPr id="6" name="图片 5">
+            <a:extLst>
+              <a:ext uri="{FF2B5EF4-FFF2-40B4-BE49-F238E27FC236}">
+                <a16:creationId xmlns:a16="http://schemas.microsoft.com/office/drawing/2014/main" id="{E7C4D2E9-47BC-40FD-AF94-9D06A85D7B62}"/>
+              </a:ext>
+            </a:extLst>
+          </p:cNvPr>
+          <p:cNvPicPr>
+            <a:picLocks noChangeAspect="1"/>
+          </p:cNvPicPr>
+          <p:nvPr/>
+        </p:nvPicPr>
+        <p:blipFill>
+          <a:blip r:embed="rId3"/>
+          <a:stretch>
+            <a:fillRect/>
+          </a:stretch>
+        </p:blipFill>
+        <p:spPr>
+          <a:xfrm>
+            <a:off x="669882" y="3739950"/>
+            <a:ext cx="5086350" cy="2686050"/>
+          </a:xfrm>
+          <a:prstGeom prst="rect">
+            <a:avLst/>
+          </a:prstGeom>
+        </p:spPr>
+      </p:pic>
+    </p:spTree>
+    <p:extLst>
+      <p:ext uri="{BB962C8B-B14F-4D97-AF65-F5344CB8AC3E}">
+        <p14:creationId xmlns:p14="http://schemas.microsoft.com/office/powerpoint/2010/main" val="1358489659"/>
+      </p:ext>
+    </p:extLst>
+  </p:cSld>
+  <p:clrMapOvr>
+    <a:masterClrMapping/>
+  </p:clrMapOvr>
+</p:sld>
+</file>
+
+<file path=ppt/slides/slide31.xml><?xml version="1.0" encoding="utf-8"?>
+<p:sld xmlns:a="http://schemas.openxmlformats.org/drawingml/2006/main" xmlns:r="http://schemas.openxmlformats.org/officeDocument/2006/relationships" xmlns:p="http://schemas.openxmlformats.org/presentationml/2006/main">
+  <p:cSld>
+    <p:spTree>
+      <p:nvGrpSpPr>
+        <p:cNvPr id="1" name=""/>
+        <p:cNvGrpSpPr/>
+        <p:nvPr/>
+      </p:nvGrpSpPr>
+      <p:grpSpPr>
+        <a:xfrm>
+          <a:off x="0" y="0"/>
+          <a:ext cx="0" cy="0"/>
+          <a:chOff x="0" y="0"/>
+          <a:chExt cx="0" cy="0"/>
+        </a:xfrm>
+      </p:grpSpPr>
+      <p:sp>
+        <p:nvSpPr>
+          <p:cNvPr id="3" name="标题 1">
+            <a:extLst>
+              <a:ext uri="{FF2B5EF4-FFF2-40B4-BE49-F238E27FC236}">
+                <a16:creationId xmlns:a16="http://schemas.microsoft.com/office/drawing/2014/main" id="{F34B5B6F-B070-4819-B270-522F2C52B97C}"/>
+              </a:ext>
+            </a:extLst>
+          </p:cNvPr>
+          <p:cNvSpPr txBox="1">
+            <a:spLocks/>
+          </p:cNvSpPr>
+          <p:nvPr/>
+        </p:nvSpPr>
+        <p:spPr>
+          <a:xfrm>
+            <a:off x="669882" y="432000"/>
+            <a:ext cx="10852237" cy="648000"/>
+          </a:xfrm>
+          <a:prstGeom prst="rect">
+            <a:avLst/>
+          </a:prstGeom>
+        </p:spPr>
+        <p:txBody>
+          <a:bodyPr/>
+          <a:lstStyle>
+            <a:lvl1pPr algn="l" defTabSz="914400" rtl="0" eaLnBrk="1" fontAlgn="auto" latinLnBrk="0" hangingPunct="1">
+              <a:lnSpc>
+                <a:spcPct val="100000"/>
+              </a:lnSpc>
+              <a:spcBef>
+                <a:spcPct val="0"/>
+              </a:spcBef>
+              <a:buNone/>
+              <a:defRPr sz="2800" b="1" u="none" strike="noStrike" kern="1200" cap="none" spc="200" normalizeH="0">
+                <a:solidFill>
+                  <a:schemeClr val="tx1"/>
+                </a:solidFill>
+                <a:uFillTx/>
+                <a:latin typeface="+mj-lt"/>
+                <a:ea typeface="+mj-ea"/>
+                <a:cs typeface="+mj-cs"/>
+              </a:defRPr>
+            </a:lvl1pPr>
+          </a:lstStyle>
+          <a:p>
+            <a:r>
+              <a:rPr lang="zh-CN" altLang="en-US" dirty="0"/>
+              <a:t>系统测试</a:t>
+            </a:r>
+            <a:r>
+              <a:rPr lang="en-US" altLang="zh-CN" dirty="0"/>
+              <a:t>——</a:t>
+            </a:r>
+            <a:r>
+              <a:rPr lang="zh-CN" altLang="en-US" dirty="0"/>
+              <a:t>预约场馆</a:t>
+            </a:r>
+          </a:p>
+        </p:txBody>
+      </p:sp>
+      <p:pic>
+        <p:nvPicPr>
+          <p:cNvPr id="7" name="图片 6">
+            <a:extLst>
+              <a:ext uri="{FF2B5EF4-FFF2-40B4-BE49-F238E27FC236}">
+                <a16:creationId xmlns:a16="http://schemas.microsoft.com/office/drawing/2014/main" id="{034847EA-1587-433D-9AC7-94CD954D5525}"/>
+              </a:ext>
+            </a:extLst>
+          </p:cNvPr>
+          <p:cNvPicPr>
+            <a:picLocks noChangeAspect="1"/>
+          </p:cNvPicPr>
+          <p:nvPr/>
+        </p:nvPicPr>
+        <p:blipFill>
+          <a:blip r:embed="rId2"/>
+          <a:stretch>
+            <a:fillRect/>
+          </a:stretch>
+        </p:blipFill>
+        <p:spPr>
+          <a:xfrm>
+            <a:off x="437741" y="2019436"/>
+            <a:ext cx="7972425" cy="4543425"/>
+          </a:xfrm>
+          <a:prstGeom prst="rect">
+            <a:avLst/>
+          </a:prstGeom>
+        </p:spPr>
+      </p:pic>
+      <p:pic>
+        <p:nvPicPr>
+          <p:cNvPr id="8" name="图片 7">
+            <a:extLst>
+              <a:ext uri="{FF2B5EF4-FFF2-40B4-BE49-F238E27FC236}">
+                <a16:creationId xmlns:a16="http://schemas.microsoft.com/office/drawing/2014/main" id="{37870535-B094-4F44-B9FC-DB14C634217C}"/>
+              </a:ext>
+            </a:extLst>
+          </p:cNvPr>
+          <p:cNvPicPr>
+            <a:picLocks noChangeAspect="1"/>
+          </p:cNvPicPr>
+          <p:nvPr/>
+        </p:nvPicPr>
+        <p:blipFill>
+          <a:blip r:embed="rId3"/>
+          <a:stretch>
+            <a:fillRect/>
+          </a:stretch>
+        </p:blipFill>
+        <p:spPr>
+          <a:xfrm>
+            <a:off x="5132545" y="295139"/>
+            <a:ext cx="6555242" cy="2147145"/>
+          </a:xfrm>
+          <a:prstGeom prst="rect">
+            <a:avLst/>
+          </a:prstGeom>
+        </p:spPr>
+      </p:pic>
+    </p:spTree>
+    <p:extLst>
+      <p:ext uri="{BB962C8B-B14F-4D97-AF65-F5344CB8AC3E}">
+        <p14:creationId xmlns:p14="http://schemas.microsoft.com/office/powerpoint/2010/main" val="411659452"/>
+      </p:ext>
+    </p:extLst>
+  </p:cSld>
+  <p:clrMapOvr>
+    <a:masterClrMapping/>
+  </p:clrMapOvr>
+</p:sld>
+</file>
+
+<file path=ppt/slides/slide32.xml><?xml version="1.0" encoding="utf-8"?>
+<p:sld xmlns:a="http://schemas.openxmlformats.org/drawingml/2006/main" xmlns:r="http://schemas.openxmlformats.org/officeDocument/2006/relationships" xmlns:p="http://schemas.openxmlformats.org/presentationml/2006/main">
+  <p:cSld>
+    <p:spTree>
+      <p:nvGrpSpPr>
+        <p:cNvPr id="1" name=""/>
+        <p:cNvGrpSpPr/>
+        <p:nvPr/>
+      </p:nvGrpSpPr>
+      <p:grpSpPr>
+        <a:xfrm>
+          <a:off x="0" y="0"/>
+          <a:ext cx="0" cy="0"/>
+          <a:chOff x="0" y="0"/>
+          <a:chExt cx="0" cy="0"/>
+        </a:xfrm>
+      </p:grpSpPr>
+      <p:sp>
+        <p:nvSpPr>
+          <p:cNvPr id="3" name="标题 1">
+            <a:extLst>
+              <a:ext uri="{FF2B5EF4-FFF2-40B4-BE49-F238E27FC236}">
+                <a16:creationId xmlns:a16="http://schemas.microsoft.com/office/drawing/2014/main" id="{F34B5B6F-B070-4819-B270-522F2C52B97C}"/>
+              </a:ext>
+            </a:extLst>
+          </p:cNvPr>
+          <p:cNvSpPr txBox="1">
+            <a:spLocks/>
+          </p:cNvSpPr>
+          <p:nvPr/>
+        </p:nvSpPr>
+        <p:spPr>
+          <a:xfrm>
+            <a:off x="669882" y="432000"/>
+            <a:ext cx="10852237" cy="648000"/>
+          </a:xfrm>
+          <a:prstGeom prst="rect">
+            <a:avLst/>
+          </a:prstGeom>
+        </p:spPr>
+        <p:txBody>
+          <a:bodyPr/>
+          <a:lstStyle>
+            <a:lvl1pPr algn="l" defTabSz="914400" rtl="0" eaLnBrk="1" fontAlgn="auto" latinLnBrk="0" hangingPunct="1">
+              <a:lnSpc>
+                <a:spcPct val="100000"/>
+              </a:lnSpc>
+              <a:spcBef>
+                <a:spcPct val="0"/>
+              </a:spcBef>
+              <a:buNone/>
+              <a:defRPr sz="2800" b="1" u="none" strike="noStrike" kern="1200" cap="none" spc="200" normalizeH="0">
+                <a:solidFill>
+                  <a:schemeClr val="tx1"/>
+                </a:solidFill>
+                <a:uFillTx/>
+                <a:latin typeface="+mj-lt"/>
+                <a:ea typeface="+mj-ea"/>
+                <a:cs typeface="+mj-cs"/>
+              </a:defRPr>
+            </a:lvl1pPr>
+          </a:lstStyle>
+          <a:p>
+            <a:r>
+              <a:rPr lang="zh-CN" altLang="en-US" dirty="0"/>
+              <a:t>系统测试</a:t>
+            </a:r>
+            <a:r>
+              <a:rPr lang="en-US" altLang="zh-CN" dirty="0"/>
+              <a:t>——</a:t>
+            </a:r>
+            <a:r>
+              <a:rPr lang="zh-CN" altLang="en-US" dirty="0"/>
+              <a:t>课程管理</a:t>
+            </a:r>
+          </a:p>
+        </p:txBody>
+      </p:sp>
+      <p:pic>
+        <p:nvPicPr>
+          <p:cNvPr id="2" name="图片 1">
+            <a:extLst>
+              <a:ext uri="{FF2B5EF4-FFF2-40B4-BE49-F238E27FC236}">
+                <a16:creationId xmlns:a16="http://schemas.microsoft.com/office/drawing/2014/main" id="{0D92FEB5-FB92-4294-88C4-58B1A2175C29}"/>
+              </a:ext>
+            </a:extLst>
+          </p:cNvPr>
+          <p:cNvPicPr>
+            <a:picLocks noChangeAspect="1"/>
+          </p:cNvPicPr>
+          <p:nvPr/>
+        </p:nvPicPr>
+        <p:blipFill>
+          <a:blip r:embed="rId2"/>
+          <a:stretch>
+            <a:fillRect/>
+          </a:stretch>
+        </p:blipFill>
+        <p:spPr>
+          <a:xfrm>
+            <a:off x="2679654" y="1556657"/>
+            <a:ext cx="6257925" cy="4267200"/>
+          </a:xfrm>
+          <a:prstGeom prst="rect">
+            <a:avLst/>
+          </a:prstGeom>
+        </p:spPr>
+      </p:pic>
+    </p:spTree>
+    <p:extLst>
+      <p:ext uri="{BB962C8B-B14F-4D97-AF65-F5344CB8AC3E}">
+        <p14:creationId xmlns:p14="http://schemas.microsoft.com/office/powerpoint/2010/main" val="3808187685"/>
+      </p:ext>
+    </p:extLst>
+  </p:cSld>
+  <p:clrMapOvr>
+    <a:masterClrMapping/>
+  </p:clrMapOvr>
+</p:sld>
+</file>
+
+<file path=ppt/slides/slide33.xml><?xml version="1.0" encoding="utf-8"?>
+<p:sld xmlns:a="http://schemas.openxmlformats.org/drawingml/2006/main" xmlns:r="http://schemas.openxmlformats.org/officeDocument/2006/relationships" xmlns:p="http://schemas.openxmlformats.org/presentationml/2006/main">
+  <p:cSld>
+    <p:spTree>
+      <p:nvGrpSpPr>
+        <p:cNvPr id="1" name=""/>
+        <p:cNvGrpSpPr/>
+        <p:nvPr/>
+      </p:nvGrpSpPr>
+      <p:grpSpPr>
+        <a:xfrm>
+          <a:off x="0" y="0"/>
+          <a:ext cx="0" cy="0"/>
+          <a:chOff x="0" y="0"/>
+          <a:chExt cx="0" cy="0"/>
+        </a:xfrm>
+      </p:grpSpPr>
+      <p:sp>
+        <p:nvSpPr>
+          <p:cNvPr id="3" name="标题 1">
+            <a:extLst>
+              <a:ext uri="{FF2B5EF4-FFF2-40B4-BE49-F238E27FC236}">
+                <a16:creationId xmlns:a16="http://schemas.microsoft.com/office/drawing/2014/main" id="{F34B5B6F-B070-4819-B270-522F2C52B97C}"/>
+              </a:ext>
+            </a:extLst>
+          </p:cNvPr>
+          <p:cNvSpPr txBox="1">
+            <a:spLocks/>
+          </p:cNvSpPr>
+          <p:nvPr/>
+        </p:nvSpPr>
+        <p:spPr>
+          <a:xfrm>
+            <a:off x="669882" y="432000"/>
+            <a:ext cx="10852237" cy="648000"/>
+          </a:xfrm>
+          <a:prstGeom prst="rect">
+            <a:avLst/>
+          </a:prstGeom>
+        </p:spPr>
+        <p:txBody>
+          <a:bodyPr/>
+          <a:lstStyle>
+            <a:lvl1pPr algn="l" defTabSz="914400" rtl="0" eaLnBrk="1" fontAlgn="auto" latinLnBrk="0" hangingPunct="1">
+              <a:lnSpc>
+                <a:spcPct val="100000"/>
+              </a:lnSpc>
+              <a:spcBef>
+                <a:spcPct val="0"/>
+              </a:spcBef>
+              <a:buNone/>
+              <a:defRPr sz="2800" b="1" u="none" strike="noStrike" kern="1200" cap="none" spc="200" normalizeH="0">
+                <a:solidFill>
+                  <a:schemeClr val="tx1"/>
+                </a:solidFill>
+                <a:uFillTx/>
+                <a:latin typeface="+mj-lt"/>
+                <a:ea typeface="+mj-ea"/>
+                <a:cs typeface="+mj-cs"/>
+              </a:defRPr>
+            </a:lvl1pPr>
+          </a:lstStyle>
+          <a:p>
+            <a:r>
+              <a:rPr lang="zh-CN" altLang="en-US" dirty="0"/>
+              <a:t>系统测试</a:t>
+            </a:r>
+            <a:r>
+              <a:rPr lang="en-US" altLang="zh-CN" dirty="0"/>
+              <a:t>——</a:t>
+            </a:r>
+            <a:r>
+              <a:rPr lang="zh-CN" altLang="en-US" dirty="0"/>
+              <a:t>我的课程</a:t>
+            </a:r>
+          </a:p>
+        </p:txBody>
+      </p:sp>
+      <p:pic>
+        <p:nvPicPr>
+          <p:cNvPr id="4" name="图片 3">
+            <a:extLst>
+              <a:ext uri="{FF2B5EF4-FFF2-40B4-BE49-F238E27FC236}">
+                <a16:creationId xmlns:a16="http://schemas.microsoft.com/office/drawing/2014/main" id="{4F324079-F10A-447A-BA3F-EBBE11D07E60}"/>
+              </a:ext>
+            </a:extLst>
+          </p:cNvPr>
+          <p:cNvPicPr>
+            <a:picLocks noChangeAspect="1"/>
+          </p:cNvPicPr>
+          <p:nvPr/>
+        </p:nvPicPr>
+        <p:blipFill>
+          <a:blip r:embed="rId2"/>
+          <a:stretch>
+            <a:fillRect/>
+          </a:stretch>
+        </p:blipFill>
+        <p:spPr>
+          <a:xfrm>
+            <a:off x="3529012" y="1339650"/>
+            <a:ext cx="5133975" cy="5086350"/>
+          </a:xfrm>
+          <a:prstGeom prst="rect">
+            <a:avLst/>
+          </a:prstGeom>
+        </p:spPr>
+      </p:pic>
+    </p:spTree>
+    <p:extLst>
+      <p:ext uri="{BB962C8B-B14F-4D97-AF65-F5344CB8AC3E}">
+        <p14:creationId xmlns:p14="http://schemas.microsoft.com/office/powerpoint/2010/main" val="3958087739"/>
+      </p:ext>
+    </p:extLst>
+  </p:cSld>
+  <p:clrMapOvr>
+    <a:masterClrMapping/>
+  </p:clrMapOvr>
+</p:sld>
+</file>
+
+<file path=ppt/slides/slide34.xml><?xml version="1.0" encoding="utf-8"?>
+<p:sld xmlns:a="http://schemas.openxmlformats.org/drawingml/2006/main" xmlns:r="http://schemas.openxmlformats.org/officeDocument/2006/relationships" xmlns:p="http://schemas.openxmlformats.org/presentationml/2006/main">
+  <p:cSld>
+    <p:spTree>
+      <p:nvGrpSpPr>
+        <p:cNvPr id="1" name=""/>
+        <p:cNvGrpSpPr/>
+        <p:nvPr/>
+      </p:nvGrpSpPr>
+      <p:grpSpPr>
+        <a:xfrm>
+          <a:off x="0" y="0"/>
+          <a:ext cx="0" cy="0"/>
+          <a:chOff x="0" y="0"/>
+          <a:chExt cx="0" cy="0"/>
+        </a:xfrm>
+      </p:grpSpPr>
+      <p:sp>
+        <p:nvSpPr>
+          <p:cNvPr id="3" name="标题 1">
+            <a:extLst>
+              <a:ext uri="{FF2B5EF4-FFF2-40B4-BE49-F238E27FC236}">
+                <a16:creationId xmlns:a16="http://schemas.microsoft.com/office/drawing/2014/main" id="{F34B5B6F-B070-4819-B270-522F2C52B97C}"/>
+              </a:ext>
+            </a:extLst>
+          </p:cNvPr>
+          <p:cNvSpPr txBox="1">
+            <a:spLocks/>
+          </p:cNvSpPr>
+          <p:nvPr/>
+        </p:nvSpPr>
+        <p:spPr>
+          <a:xfrm>
+            <a:off x="669882" y="432000"/>
+            <a:ext cx="10852237" cy="648000"/>
+          </a:xfrm>
+          <a:prstGeom prst="rect">
+            <a:avLst/>
+          </a:prstGeom>
+        </p:spPr>
+        <p:txBody>
+          <a:bodyPr/>
+          <a:lstStyle>
+            <a:lvl1pPr algn="l" defTabSz="914400" rtl="0" eaLnBrk="1" fontAlgn="auto" latinLnBrk="0" hangingPunct="1">
+              <a:lnSpc>
+                <a:spcPct val="100000"/>
+              </a:lnSpc>
+              <a:spcBef>
+                <a:spcPct val="0"/>
+              </a:spcBef>
+              <a:buNone/>
+              <a:defRPr sz="2800" b="1" u="none" strike="noStrike" kern="1200" cap="none" spc="200" normalizeH="0">
+                <a:solidFill>
+                  <a:schemeClr val="tx1"/>
+                </a:solidFill>
+                <a:uFillTx/>
+                <a:latin typeface="+mj-lt"/>
+                <a:ea typeface="+mj-ea"/>
+                <a:cs typeface="+mj-cs"/>
+              </a:defRPr>
+            </a:lvl1pPr>
+          </a:lstStyle>
+          <a:p>
+            <a:r>
+              <a:rPr lang="zh-CN" altLang="en-US" dirty="0"/>
+              <a:t>系统测试</a:t>
+            </a:r>
+            <a:r>
+              <a:rPr lang="en-US" altLang="zh-CN" dirty="0"/>
+              <a:t>——</a:t>
+            </a:r>
+            <a:r>
+              <a:rPr lang="zh-CN" altLang="en-US" dirty="0"/>
+              <a:t>通知公告</a:t>
+            </a:r>
+          </a:p>
+        </p:txBody>
+      </p:sp>
+      <p:pic>
+        <p:nvPicPr>
+          <p:cNvPr id="2" name="图片 1">
+            <a:extLst>
+              <a:ext uri="{FF2B5EF4-FFF2-40B4-BE49-F238E27FC236}">
+                <a16:creationId xmlns:a16="http://schemas.microsoft.com/office/drawing/2014/main" id="{22610529-8BA4-4EC3-954C-E0DCC12B9149}"/>
+              </a:ext>
+            </a:extLst>
+          </p:cNvPr>
+          <p:cNvPicPr>
+            <a:picLocks noChangeAspect="1"/>
+          </p:cNvPicPr>
+          <p:nvPr/>
+        </p:nvPicPr>
+        <p:blipFill>
+          <a:blip r:embed="rId2"/>
+          <a:stretch>
+            <a:fillRect/>
+          </a:stretch>
+        </p:blipFill>
+        <p:spPr>
+          <a:xfrm>
+            <a:off x="3298916" y="2732178"/>
+            <a:ext cx="4968040" cy="2022702"/>
+          </a:xfrm>
+          <a:prstGeom prst="rect">
+            <a:avLst/>
+          </a:prstGeom>
+        </p:spPr>
+      </p:pic>
+    </p:spTree>
+    <p:extLst>
+      <p:ext uri="{BB962C8B-B14F-4D97-AF65-F5344CB8AC3E}">
+        <p14:creationId xmlns:p14="http://schemas.microsoft.com/office/powerpoint/2010/main" val="1393771243"/>
+      </p:ext>
+    </p:extLst>
+  </p:cSld>
+  <p:clrMapOvr>
+    <a:masterClrMapping/>
+  </p:clrMapOvr>
+</p:sld>
+</file>
+
+<file path=ppt/slides/slide35.xml><?xml version="1.0" encoding="utf-8"?>
+<p:sld xmlns:a="http://schemas.openxmlformats.org/drawingml/2006/main" xmlns:r="http://schemas.openxmlformats.org/officeDocument/2006/relationships" xmlns:p="http://schemas.openxmlformats.org/presentationml/2006/main">
+  <p:cSld>
+    <p:spTree>
+      <p:nvGrpSpPr>
+        <p:cNvPr id="1" name=""/>
+        <p:cNvGrpSpPr/>
+        <p:nvPr/>
+      </p:nvGrpSpPr>
+      <p:grpSpPr>
+        <a:xfrm>
+          <a:off x="0" y="0"/>
+          <a:ext cx="0" cy="0"/>
+          <a:chOff x="0" y="0"/>
+          <a:chExt cx="0" cy="0"/>
+        </a:xfrm>
+      </p:grpSpPr>
+      <p:sp>
+        <p:nvSpPr>
+          <p:cNvPr id="5" name="标题 1">
+            <a:extLst>
+              <a:ext uri="{FF2B5EF4-FFF2-40B4-BE49-F238E27FC236}">
+                <a16:creationId xmlns:a16="http://schemas.microsoft.com/office/drawing/2014/main" id="{D85B6B2A-FBF0-41F4-B80B-0F7EFDDBBFDA}"/>
+              </a:ext>
+            </a:extLst>
+          </p:cNvPr>
+          <p:cNvSpPr>
+            <a:spLocks noGrp="1"/>
+          </p:cNvSpPr>
+          <p:nvPr>
+            <p:ph type="title"/>
+          </p:nvPr>
+        </p:nvSpPr>
+        <p:spPr>
+          <a:xfrm>
+            <a:off x="669882" y="432000"/>
+            <a:ext cx="10852237" cy="648000"/>
+          </a:xfrm>
+        </p:spPr>
+        <p:txBody>
+          <a:bodyPr/>
+          <a:lstStyle/>
+          <a:p>
+            <a:r>
+              <a:rPr lang="zh-CN" altLang="en-US" dirty="0"/>
+              <a:t>系统测试</a:t>
+            </a:r>
+            <a:r>
+              <a:rPr lang="en-US" altLang="zh-CN" dirty="0"/>
+              <a:t>——ISSUE</a:t>
+            </a:r>
+            <a:endParaRPr lang="zh-CN" altLang="en-US" dirty="0"/>
+          </a:p>
+        </p:txBody>
+      </p:sp>
+      <p:sp>
+        <p:nvSpPr>
+          <p:cNvPr id="2" name="文本框 1"/>
+          <p:cNvSpPr txBox="1"/>
+          <p:nvPr/>
+        </p:nvSpPr>
+        <p:spPr>
+          <a:xfrm>
+            <a:off x="669881" y="1183228"/>
+            <a:ext cx="10852237" cy="7520007"/>
+          </a:xfrm>
+          <a:prstGeom prst="rect">
+            <a:avLst/>
+          </a:prstGeom>
+          <a:noFill/>
+        </p:spPr>
+        <p:txBody>
+          <a:bodyPr wrap="square" rtlCol="0">
+            <a:spAutoFit/>
+          </a:bodyPr>
+          <a:lstStyle/>
+          <a:p>
+            <a:pPr>
+              <a:lnSpc>
+                <a:spcPct val="150000"/>
+              </a:lnSpc>
+            </a:pPr>
+            <a:r>
+              <a:rPr lang="en-US" altLang="zh-CN" b="1" dirty="0"/>
+              <a:t>ISSUE-1: </a:t>
+            </a:r>
+            <a:r>
+              <a:rPr lang="zh-CN" altLang="en-US" dirty="0"/>
+              <a:t>在 </a:t>
+            </a:r>
+            <a:r>
+              <a:rPr lang="zh-CN" altLang="en-US" u="sng" dirty="0"/>
+              <a:t>删除预约 </a:t>
+            </a:r>
+            <a:r>
+              <a:rPr lang="zh-CN" altLang="en-US" dirty="0"/>
+              <a:t>系统测试中发现：</a:t>
+            </a:r>
+            <a:endParaRPr lang="en-US" altLang="zh-CN" dirty="0"/>
+          </a:p>
+          <a:p>
+            <a:pPr>
+              <a:lnSpc>
+                <a:spcPct val="150000"/>
+              </a:lnSpc>
+            </a:pPr>
+            <a:r>
+              <a:rPr lang="en-US" altLang="zh-CN" dirty="0"/>
+              <a:t>	</a:t>
+            </a:r>
+            <a:r>
+              <a:rPr lang="zh-CN" altLang="en-US" dirty="0"/>
+              <a:t>删除预约后，不会弹出</a:t>
+            </a:r>
+            <a:r>
+              <a:rPr lang="en-US" altLang="zh-CN" dirty="0"/>
+              <a:t>alert</a:t>
+            </a:r>
+            <a:r>
+              <a:rPr lang="zh-CN" altLang="en-US" dirty="0"/>
+              <a:t>“删除预约成功”；</a:t>
+            </a:r>
+            <a:endParaRPr lang="en-US" altLang="zh-CN" dirty="0"/>
+          </a:p>
+          <a:p>
+            <a:pPr>
+              <a:lnSpc>
+                <a:spcPct val="150000"/>
+              </a:lnSpc>
+            </a:pPr>
+            <a:r>
+              <a:rPr lang="en-US" altLang="zh-CN" dirty="0"/>
+              <a:t>	</a:t>
+            </a:r>
+            <a:r>
+              <a:rPr lang="zh-CN" altLang="en-US" dirty="0"/>
+              <a:t>同样的问题在</a:t>
+            </a:r>
+            <a:r>
+              <a:rPr lang="zh-CN" altLang="en-US" u="sng" dirty="0"/>
+              <a:t>通知公告</a:t>
+            </a:r>
+            <a:r>
+              <a:rPr lang="zh-CN" altLang="en-US" dirty="0"/>
+              <a:t>系统测试中也有发现，管理员发布公告后，不会弹出</a:t>
+            </a:r>
+            <a:r>
+              <a:rPr lang="en-US" altLang="zh-CN" dirty="0"/>
+              <a:t>alert</a:t>
+            </a:r>
+            <a:r>
+              <a:rPr lang="zh-CN" altLang="en-US" dirty="0"/>
+              <a:t>“添加成功”。</a:t>
+            </a:r>
+            <a:endParaRPr lang="zh-CN" altLang="en-US" dirty="0">
+              <a:solidFill>
+                <a:srgbClr val="FF0000"/>
+              </a:solidFill>
+            </a:endParaRPr>
+          </a:p>
+          <a:p>
+            <a:pPr>
+              <a:lnSpc>
+                <a:spcPct val="150000"/>
+              </a:lnSpc>
+            </a:pPr>
+            <a:endParaRPr lang="zh-CN" altLang="en-US" dirty="0"/>
+          </a:p>
+          <a:p>
+            <a:pPr>
+              <a:lnSpc>
+                <a:spcPct val="150000"/>
+              </a:lnSpc>
+            </a:pPr>
+            <a:r>
+              <a:rPr lang="en-US" altLang="zh-CN" b="1" dirty="0"/>
+              <a:t>ISSUE-2: </a:t>
+            </a:r>
+            <a:r>
+              <a:rPr lang="zh-CN" altLang="en-US" dirty="0"/>
+              <a:t>在 </a:t>
+            </a:r>
+            <a:r>
+              <a:rPr lang="zh-CN" altLang="en-US" u="sng" dirty="0"/>
+              <a:t>预约场馆</a:t>
+            </a:r>
+            <a:r>
+              <a:rPr lang="zh-CN" altLang="en-US" dirty="0"/>
+              <a:t> </a:t>
+            </a:r>
+            <a:r>
+              <a:rPr lang="zh-CN" altLang="en-US" u="sng" dirty="0"/>
+              <a:t>课程管理</a:t>
+            </a:r>
+            <a:r>
+              <a:rPr lang="zh-CN" altLang="en-US" dirty="0"/>
+              <a:t> </a:t>
+            </a:r>
+            <a:r>
+              <a:rPr lang="zh-CN" altLang="en-US" u="sng" dirty="0"/>
+              <a:t>通知公告</a:t>
+            </a:r>
+            <a:r>
+              <a:rPr lang="zh-CN" altLang="en-US" dirty="0"/>
+              <a:t> 系统测试中发现：</a:t>
+            </a:r>
+            <a:endParaRPr lang="en-US" altLang="zh-CN" dirty="0"/>
+          </a:p>
+          <a:p>
+            <a:pPr>
+              <a:lnSpc>
+                <a:spcPct val="150000"/>
+              </a:lnSpc>
+            </a:pPr>
+            <a:r>
+              <a:rPr lang="en-US" altLang="zh-CN" dirty="0"/>
+              <a:t>	</a:t>
+            </a:r>
+            <a:r>
+              <a:rPr lang="zh-CN" altLang="en-US" dirty="0"/>
+              <a:t>对于输入域的错误格式没有错误检测（无提醒）；</a:t>
+            </a:r>
+            <a:endParaRPr lang="en-US" altLang="zh-CN" dirty="0"/>
+          </a:p>
+          <a:p>
+            <a:pPr>
+              <a:lnSpc>
+                <a:spcPct val="150000"/>
+              </a:lnSpc>
+            </a:pPr>
+            <a:r>
+              <a:rPr lang="en-US" altLang="zh-CN" dirty="0"/>
+              <a:t>	</a:t>
+            </a:r>
+            <a:r>
+              <a:rPr lang="zh-CN" altLang="en-US" dirty="0"/>
+              <a:t>错误的格式将会被添加入数据库中</a:t>
+            </a:r>
+            <a:endParaRPr lang="en-US" altLang="zh-CN" dirty="0"/>
+          </a:p>
+          <a:p>
+            <a:pPr>
+              <a:lnSpc>
+                <a:spcPct val="150000"/>
+              </a:lnSpc>
+            </a:pPr>
+            <a:endParaRPr lang="en-US" altLang="zh-CN" dirty="0"/>
+          </a:p>
+          <a:p>
+            <a:pPr>
+              <a:lnSpc>
+                <a:spcPct val="150000"/>
+              </a:lnSpc>
+            </a:pPr>
+            <a:r>
+              <a:rPr lang="en-US" altLang="zh-CN" b="1" dirty="0"/>
+              <a:t>ISSUE-3</a:t>
+            </a:r>
+            <a:r>
+              <a:rPr lang="en-US" altLang="zh-CN" dirty="0"/>
+              <a:t>: </a:t>
+            </a:r>
+            <a:r>
+              <a:rPr lang="zh-CN" altLang="en-US" dirty="0"/>
+              <a:t>在 课程管理 系统测试中发现：</a:t>
+            </a:r>
+            <a:endParaRPr lang="en-US" altLang="zh-CN" dirty="0"/>
+          </a:p>
+          <a:p>
+            <a:pPr>
+              <a:lnSpc>
+                <a:spcPct val="150000"/>
+              </a:lnSpc>
+            </a:pPr>
+            <a:r>
+              <a:rPr lang="en-US" altLang="zh-CN" dirty="0"/>
+              <a:t>	</a:t>
+            </a:r>
+            <a:r>
+              <a:rPr lang="zh-CN" altLang="en-US" dirty="0"/>
+              <a:t>重复选课等现象无提醒。</a:t>
+            </a:r>
+          </a:p>
+          <a:p>
+            <a:pPr>
+              <a:lnSpc>
+                <a:spcPct val="150000"/>
+              </a:lnSpc>
+            </a:pPr>
+            <a:endParaRPr lang="en-US" altLang="zh-CN" dirty="0"/>
+          </a:p>
+          <a:p>
+            <a:pPr>
+              <a:lnSpc>
+                <a:spcPct val="150000"/>
+              </a:lnSpc>
+            </a:pPr>
+            <a:r>
+              <a:rPr lang="en-US" altLang="zh-CN" b="1" dirty="0"/>
+              <a:t>ISSUE-4</a:t>
+            </a:r>
+            <a:r>
+              <a:rPr lang="en-US" altLang="zh-CN" dirty="0"/>
+              <a:t>: </a:t>
+            </a:r>
+            <a:r>
+              <a:rPr lang="zh-CN" altLang="en-US" dirty="0"/>
+              <a:t>在 场馆预约</a:t>
+            </a:r>
+            <a:r>
+              <a:rPr lang="en-US" altLang="zh-CN" dirty="0"/>
+              <a:t> </a:t>
+            </a:r>
+            <a:r>
+              <a:rPr lang="zh-CN" altLang="en-US" dirty="0"/>
+              <a:t>系统测试中发现：</a:t>
+            </a:r>
+            <a:endParaRPr lang="en-US" altLang="zh-CN" dirty="0"/>
+          </a:p>
+          <a:p>
+            <a:pPr>
+              <a:lnSpc>
+                <a:spcPct val="150000"/>
+              </a:lnSpc>
+            </a:pPr>
+            <a:r>
+              <a:rPr lang="en-US" altLang="zh-CN" dirty="0"/>
+              <a:t>	</a:t>
+            </a:r>
+            <a:r>
+              <a:rPr lang="zh-CN" altLang="en-US" dirty="0"/>
+              <a:t>不合法的预约也会被成功添加。</a:t>
+            </a:r>
+          </a:p>
+          <a:p>
+            <a:pPr>
+              <a:lnSpc>
+                <a:spcPct val="150000"/>
+              </a:lnSpc>
+            </a:pPr>
+            <a:endParaRPr lang="en-US" altLang="zh-CN" dirty="0"/>
+          </a:p>
+          <a:p>
+            <a:pPr>
+              <a:lnSpc>
+                <a:spcPct val="150000"/>
+              </a:lnSpc>
+            </a:pPr>
+            <a:r>
+              <a:rPr lang="mr-IN" altLang="zh-CN" dirty="0"/>
+              <a:t>……</a:t>
+            </a:r>
+            <a:endParaRPr lang="zh-CN" altLang="en-US" dirty="0"/>
+          </a:p>
+          <a:p>
+            <a:pPr>
+              <a:lnSpc>
+                <a:spcPct val="150000"/>
+              </a:lnSpc>
+            </a:pPr>
+            <a:endParaRPr lang="zh-CN" altLang="en-US" dirty="0"/>
+          </a:p>
+          <a:p>
+            <a:pPr>
+              <a:lnSpc>
+                <a:spcPct val="150000"/>
+              </a:lnSpc>
+            </a:pPr>
+            <a:endParaRPr lang="zh-CN" altLang="en-US" dirty="0"/>
+          </a:p>
+          <a:p>
+            <a:pPr>
+              <a:lnSpc>
+                <a:spcPct val="150000"/>
+              </a:lnSpc>
+            </a:pPr>
+            <a:endParaRPr kumimoji="1" lang="zh-CN" altLang="en-US" dirty="0"/>
+          </a:p>
+        </p:txBody>
+      </p:sp>
+    </p:spTree>
+    <p:extLst>
+      <p:ext uri="{BB962C8B-B14F-4D97-AF65-F5344CB8AC3E}">
+        <p14:creationId xmlns:p14="http://schemas.microsoft.com/office/powerpoint/2010/main" val="1831076195"/>
+      </p:ext>
+    </p:extLst>
+  </p:cSld>
+  <p:clrMapOvr>
+    <a:masterClrMapping/>
+  </p:clrMapOvr>
+</p:sld>
+</file>
+
+<file path=ppt/slides/slide36.xml><?xml version="1.0" encoding="utf-8"?>
+<p:sld xmlns:a="http://schemas.openxmlformats.org/drawingml/2006/main" xmlns:r="http://schemas.openxmlformats.org/officeDocument/2006/relationships" xmlns:p="http://schemas.openxmlformats.org/presentationml/2006/main">
+  <p:cSld>
+    <p:spTree>
+      <p:nvGrpSpPr>
+        <p:cNvPr id="1" name=""/>
+        <p:cNvGrpSpPr/>
+        <p:nvPr/>
+      </p:nvGrpSpPr>
+      <p:grpSpPr>
+        <a:xfrm>
+          <a:off x="0" y="0"/>
+          <a:ext cx="0" cy="0"/>
+          <a:chOff x="0" y="0"/>
+          <a:chExt cx="0" cy="0"/>
+        </a:xfrm>
+      </p:grpSpPr>
+      <p:pic>
+        <p:nvPicPr>
+          <p:cNvPr id="23" name="Picture 3"/>
+          <p:cNvPicPr>
+            <a:picLocks noChangeAspect="1" noChangeArrowheads="1"/>
+          </p:cNvPicPr>
+          <p:nvPr/>
+        </p:nvPicPr>
+        <p:blipFill rotWithShape="1">
+          <a:blip r:embed="rId3" cstate="print">
+            <a:extLst>
+              <a:ext uri="{28A0092B-C50C-407E-A947-70E740481C1C}">
+                <a14:useLocalDpi xmlns:a14="http://schemas.microsoft.com/office/drawing/2010/main" val="0"/>
+              </a:ext>
+            </a:extLst>
+          </a:blip>
+          <a:srcRect l="2767" r="7205" b="57679"/>
+          <a:stretch>
+            <a:fillRect/>
+          </a:stretch>
+        </p:blipFill>
+        <p:spPr bwMode="auto">
+          <a:xfrm rot="10800000" flipH="1" flipV="1">
+            <a:off x="1187150" y="4617245"/>
+            <a:ext cx="9295641" cy="251915"/>
+          </a:xfrm>
+          <a:prstGeom prst="rect">
+            <a:avLst/>
+          </a:prstGeom>
+          <a:noFill/>
+          <a:ln>
+            <a:noFill/>
+          </a:ln>
+          <a:effectLst/>
+          <a:extLst>
+            <a:ext uri="{909E8E84-426E-40DD-AFC4-6F175D3DCCD1}">
+              <a14:hiddenFill xmlns:a14="http://schemas.microsoft.com/office/drawing/2010/main">
+                <a:solidFill>
+                  <a:schemeClr val="accent1"/>
+                </a:solidFill>
+              </a14:hiddenFill>
+            </a:ext>
+            <a:ext uri="{91240B29-F687-4F45-9708-019B960494DF}">
+              <a14:hiddenLine xmlns:a14="http://schemas.microsoft.com/office/drawing/2010/main" w="9525">
+                <a:solidFill>
+                  <a:schemeClr val="tx1"/>
+                </a:solidFill>
+                <a:miter lim="800000"/>
+                <a:headEnd/>
+                <a:tailEnd/>
+              </a14:hiddenLine>
+            </a:ext>
+            <a:ext uri="{AF507438-7753-43E0-B8FC-AC1667EBCBE1}">
+              <a14:hiddenEffects xmlns:a14="http://schemas.microsoft.com/office/drawing/2010/main">
+                <a:effectLst>
+                  <a:outerShdw dist="35921" dir="2700000" algn="ctr" rotWithShape="0">
+                    <a:schemeClr val="bg2"/>
+                  </a:outerShdw>
+                </a:effectLst>
+              </a14:hiddenEffects>
+            </a:ext>
+          </a:extLst>
+        </p:spPr>
+      </p:pic>
+      <p:sp>
+        <p:nvSpPr>
+          <p:cNvPr id="24" name="圆角矩形 23"/>
+          <p:cNvSpPr/>
+          <p:nvPr/>
+        </p:nvSpPr>
+        <p:spPr>
+          <a:xfrm rot="20935880">
+            <a:off x="4381264" y="3172417"/>
+            <a:ext cx="193241" cy="2366303"/>
+          </a:xfrm>
+          <a:prstGeom prst="roundRect">
+            <a:avLst>
+              <a:gd name="adj" fmla="val 50000"/>
+            </a:avLst>
+          </a:prstGeom>
+          <a:gradFill flip="none" rotWithShape="1">
+            <a:gsLst>
+              <a:gs pos="100000">
+                <a:srgbClr val="878787"/>
+              </a:gs>
+              <a:gs pos="0">
+                <a:sysClr val="window" lastClr="FFFFFF">
+                  <a:lumMod val="85000"/>
+                  <a:shade val="30000"/>
+                  <a:satMod val="115000"/>
+                </a:sysClr>
+              </a:gs>
+              <a:gs pos="45000">
+                <a:sysClr val="window" lastClr="FFFFFF">
+                  <a:lumMod val="85000"/>
+                  <a:shade val="67500"/>
+                  <a:satMod val="115000"/>
+                </a:sysClr>
+              </a:gs>
+              <a:gs pos="62000">
+                <a:sysClr val="window" lastClr="FFFFFF">
+                  <a:lumMod val="85000"/>
+                  <a:shade val="100000"/>
+                  <a:satMod val="115000"/>
+                </a:sysClr>
+              </a:gs>
+            </a:gsLst>
+            <a:lin ang="10800000" scaled="1"/>
+            <a:tileRect/>
+          </a:gradFill>
+          <a:ln w="25400" cap="flat" cmpd="sng" algn="ctr">
+            <a:noFill/>
+            <a:prstDash val="solid"/>
+          </a:ln>
+          <a:effectLst/>
+        </p:spPr>
+        <p:txBody>
+          <a:bodyPr rot="0" spcFirstLastPara="0" vertOverflow="overflow" horzOverflow="overflow" vert="horz" wrap="square" lIns="91440" tIns="45720" rIns="91440" bIns="45720" numCol="1" spcCol="0" rtlCol="0" fromWordArt="0" anchor="ctr" anchorCtr="0" forceAA="0" compatLnSpc="1">
+            <a:noAutofit/>
+          </a:bodyPr>
+          <a:lstStyle/>
+          <a:p>
+            <a:pPr marL="0" marR="0" lvl="0" indent="0" algn="ctr" defTabSz="914400" eaLnBrk="1" fontAlgn="auto" latinLnBrk="0" hangingPunct="1">
+              <a:lnSpc>
+                <a:spcPct val="100000"/>
+              </a:lnSpc>
+              <a:spcBef>
+                <a:spcPts val="0"/>
+              </a:spcBef>
+              <a:spcAft>
+                <a:spcPts val="0"/>
+              </a:spcAft>
+              <a:buClrTx/>
+              <a:buSzTx/>
+              <a:buFontTx/>
+              <a:buNone/>
+              <a:defRPr/>
+            </a:pPr>
+            <a:endParaRPr kumimoji="0" lang="en-US" sz="1800" b="0" i="0" u="none" strike="noStrike" kern="0" cap="none" spc="0" normalizeH="0" baseline="0" noProof="0">
+              <a:ln>
+                <a:noFill/>
+              </a:ln>
+              <a:solidFill>
+                <a:sysClr val="windowText" lastClr="000000"/>
+              </a:solidFill>
+              <a:effectLst/>
+              <a:uLnTx/>
+              <a:uFillTx/>
+              <a:latin typeface="Calibri" panose="020F0502020204030204"/>
+              <a:ea typeface="+mn-ea"/>
+              <a:cs typeface="+mn-cs"/>
+            </a:endParaRPr>
+          </a:p>
+        </p:txBody>
+      </p:sp>
+      <p:sp>
+        <p:nvSpPr>
+          <p:cNvPr id="28" name="圆角矩形 27"/>
+          <p:cNvSpPr/>
+          <p:nvPr/>
+        </p:nvSpPr>
+        <p:spPr>
+          <a:xfrm rot="963333">
+            <a:off x="7468164" y="2895766"/>
+            <a:ext cx="224541" cy="2664296"/>
+          </a:xfrm>
+          <a:prstGeom prst="roundRect">
+            <a:avLst>
+              <a:gd name="adj" fmla="val 50000"/>
+            </a:avLst>
+          </a:prstGeom>
+          <a:gradFill flip="none" rotWithShape="1">
+            <a:gsLst>
+              <a:gs pos="100000">
+                <a:srgbClr val="878787"/>
+              </a:gs>
+              <a:gs pos="0">
+                <a:sysClr val="window" lastClr="FFFFFF">
+                  <a:lumMod val="85000"/>
+                  <a:shade val="30000"/>
+                  <a:satMod val="115000"/>
+                </a:sysClr>
+              </a:gs>
+              <a:gs pos="45000">
+                <a:sysClr val="window" lastClr="FFFFFF">
+                  <a:lumMod val="85000"/>
+                  <a:shade val="67500"/>
+                  <a:satMod val="115000"/>
+                </a:sysClr>
+              </a:gs>
+              <a:gs pos="62000">
+                <a:sysClr val="window" lastClr="FFFFFF">
+                  <a:lumMod val="85000"/>
+                  <a:shade val="100000"/>
+                  <a:satMod val="115000"/>
+                </a:sysClr>
+              </a:gs>
+            </a:gsLst>
+            <a:lin ang="10800000" scaled="1"/>
+            <a:tileRect/>
+          </a:gradFill>
+          <a:ln w="25400" cap="flat" cmpd="sng" algn="ctr">
+            <a:noFill/>
+            <a:prstDash val="solid"/>
+          </a:ln>
+          <a:effectLst/>
+        </p:spPr>
+        <p:txBody>
+          <a:bodyPr rot="0" spcFirstLastPara="0" vertOverflow="overflow" horzOverflow="overflow" vert="horz" wrap="square" lIns="91440" tIns="45720" rIns="91440" bIns="45720" numCol="1" spcCol="0" rtlCol="0" fromWordArt="0" anchor="ctr" anchorCtr="0" forceAA="0" compatLnSpc="1">
+            <a:noAutofit/>
+          </a:bodyPr>
+          <a:lstStyle/>
+          <a:p>
+            <a:pPr marL="0" marR="0" lvl="0" indent="0" algn="ctr" defTabSz="914400" eaLnBrk="1" fontAlgn="auto" latinLnBrk="0" hangingPunct="1">
+              <a:lnSpc>
+                <a:spcPct val="100000"/>
+              </a:lnSpc>
+              <a:spcBef>
+                <a:spcPts val="0"/>
+              </a:spcBef>
+              <a:spcAft>
+                <a:spcPts val="0"/>
+              </a:spcAft>
+              <a:buClrTx/>
+              <a:buSzTx/>
+              <a:buFontTx/>
+              <a:buNone/>
+              <a:defRPr/>
+            </a:pPr>
+            <a:endParaRPr kumimoji="0" lang="en-US" sz="1800" b="0" i="0" u="none" strike="noStrike" kern="0" cap="none" spc="0" normalizeH="0" baseline="0" noProof="0">
+              <a:ln>
+                <a:noFill/>
+              </a:ln>
+              <a:solidFill>
+                <a:sysClr val="windowText" lastClr="000000"/>
+              </a:solidFill>
+              <a:effectLst/>
+              <a:uLnTx/>
+              <a:uFillTx/>
+              <a:latin typeface="Calibri" panose="020F0502020204030204"/>
+              <a:ea typeface="+mn-ea"/>
+              <a:cs typeface="+mn-cs"/>
+            </a:endParaRPr>
+          </a:p>
+        </p:txBody>
+      </p:sp>
+      <p:sp>
+        <p:nvSpPr>
+          <p:cNvPr id="33" name="矩形 32"/>
+          <p:cNvSpPr/>
+          <p:nvPr/>
+        </p:nvSpPr>
+        <p:spPr>
+          <a:xfrm>
+            <a:off x="1524000" y="4869160"/>
+            <a:ext cx="9144000" cy="1656184"/>
+          </a:xfrm>
+          <a:prstGeom prst="rect">
+            <a:avLst/>
+          </a:prstGeom>
+          <a:gradFill flip="none" rotWithShape="1">
+            <a:gsLst>
+              <a:gs pos="48320">
+                <a:srgbClr val="E6C29A"/>
+              </a:gs>
+              <a:gs pos="100000">
+                <a:srgbClr val="8C6233"/>
+              </a:gs>
+              <a:gs pos="0">
+                <a:srgbClr val="DEA464">
+                  <a:shade val="30000"/>
+                  <a:satMod val="115000"/>
+                </a:srgbClr>
+              </a:gs>
+              <a:gs pos="8000">
+                <a:srgbClr val="DEA464">
+                  <a:shade val="67500"/>
+                  <a:satMod val="115000"/>
+                </a:srgbClr>
+              </a:gs>
+              <a:gs pos="92000">
+                <a:srgbClr val="DEA464">
+                  <a:shade val="100000"/>
+                  <a:satMod val="115000"/>
+                </a:srgbClr>
+              </a:gs>
+            </a:gsLst>
+            <a:lin ang="0" scaled="1"/>
+            <a:tileRect/>
+          </a:gradFill>
+          <a:ln w="25400" cap="flat" cmpd="sng" algn="ctr">
+            <a:noFill/>
+            <a:prstDash val="solid"/>
+          </a:ln>
+          <a:effectLst>
+            <a:outerShdw blurRad="50800" dist="38100" dir="16200000" rotWithShape="0">
+              <a:prstClr val="black">
+                <a:alpha val="40000"/>
+              </a:prstClr>
+            </a:outerShdw>
+          </a:effectLst>
+        </p:spPr>
+        <p:txBody>
+          <a:bodyPr rot="0" spcFirstLastPara="0" vertOverflow="overflow" horzOverflow="overflow" vert="horz" wrap="square" lIns="91440" tIns="45720" rIns="91440" bIns="45720" numCol="1" spcCol="0" rtlCol="0" fromWordArt="0" anchor="ctr" anchorCtr="0" forceAA="0" compatLnSpc="1">
+            <a:noAutofit/>
+          </a:bodyPr>
+          <a:lstStyle/>
+          <a:p>
+            <a:pPr marL="0" marR="0" lvl="0" indent="0" algn="ctr" defTabSz="914400" eaLnBrk="1" fontAlgn="auto" latinLnBrk="0" hangingPunct="1">
+              <a:lnSpc>
+                <a:spcPct val="100000"/>
+              </a:lnSpc>
+              <a:spcBef>
+                <a:spcPts val="0"/>
+              </a:spcBef>
+              <a:spcAft>
+                <a:spcPts val="0"/>
+              </a:spcAft>
+              <a:buClrTx/>
+              <a:buSzTx/>
+              <a:buFontTx/>
+              <a:buNone/>
+              <a:defRPr/>
+            </a:pPr>
+            <a:endParaRPr kumimoji="0" lang="en-US" sz="1800" b="0" i="0" u="none" strike="noStrike" kern="0" cap="none" spc="0" normalizeH="0" baseline="0" noProof="0">
+              <a:ln>
+                <a:noFill/>
+              </a:ln>
+              <a:solidFill>
+                <a:sysClr val="windowText" lastClr="000000"/>
+              </a:solidFill>
+              <a:effectLst/>
+              <a:uLnTx/>
+              <a:uFillTx/>
+              <a:latin typeface="Calibri" panose="020F0502020204030204"/>
+              <a:ea typeface="+mn-ea"/>
+              <a:cs typeface="+mn-cs"/>
+            </a:endParaRPr>
+          </a:p>
+        </p:txBody>
+      </p:sp>
+      <p:sp>
+        <p:nvSpPr>
+          <p:cNvPr id="43" name="TextBox 42"/>
+          <p:cNvSpPr txBox="1"/>
+          <p:nvPr/>
+        </p:nvSpPr>
+        <p:spPr>
+          <a:xfrm>
+            <a:off x="3137126" y="5260390"/>
+            <a:ext cx="5688632" cy="884794"/>
+          </a:xfrm>
+          <a:prstGeom prst="rect">
+            <a:avLst/>
+          </a:prstGeom>
+          <a:noFill/>
+        </p:spPr>
+        <p:txBody>
+          <a:bodyPr wrap="square" rtlCol="0">
+            <a:spAutoFit/>
+          </a:bodyPr>
+          <a:lstStyle>
+            <a:defPPr>
+              <a:defRPr lang="en-US"/>
+            </a:defPPr>
+            <a:lvl1pPr>
+              <a:lnSpc>
+                <a:spcPct val="130000"/>
+              </a:lnSpc>
+              <a:defRPr sz="5400" b="1">
+                <a:solidFill>
+                  <a:schemeClr val="tx1">
+                    <a:lumMod val="65000"/>
+                    <a:lumOff val="35000"/>
+                  </a:schemeClr>
+                </a:solidFill>
+                <a:latin typeface="Agency FB" pitchFamily="34" charset="0"/>
+                <a:ea typeface="微软雅黑" panose="020B0503020204020204" charset="-122"/>
+                <a:cs typeface="Calibri" panose="020F0502020204030204" pitchFamily="34" charset="0"/>
+              </a:defRPr>
+            </a:lvl1pPr>
+          </a:lstStyle>
+          <a:p>
+            <a:pPr marL="0" marR="0" lvl="0" indent="0" algn="ctr" defTabSz="914400" eaLnBrk="1" fontAlgn="auto" latinLnBrk="0" hangingPunct="1">
+              <a:lnSpc>
+                <a:spcPct val="130000"/>
+              </a:lnSpc>
+              <a:spcBef>
+                <a:spcPts val="0"/>
+              </a:spcBef>
+              <a:spcAft>
+                <a:spcPts val="0"/>
+              </a:spcAft>
+              <a:buClrTx/>
+              <a:buSzTx/>
+              <a:buFontTx/>
+              <a:buNone/>
+              <a:defRPr/>
+            </a:pPr>
+            <a:r>
+              <a:rPr lang="zh-CN" altLang="en-US" sz="4400" dirty="0">
+                <a:sym typeface="+mn-ea"/>
+              </a:rPr>
+              <a:t>性能测试</a:t>
+            </a:r>
+            <a:endParaRPr kumimoji="0" lang="zh-CN" altLang="en-US" sz="4400" b="1" i="0" u="none" strike="noStrike" kern="0" cap="none" spc="0" normalizeH="0" baseline="0" noProof="0" dirty="0">
+              <a:ln>
+                <a:noFill/>
+              </a:ln>
+              <a:solidFill>
+                <a:sysClr val="windowText" lastClr="000000">
+                  <a:lumMod val="75000"/>
+                  <a:lumOff val="25000"/>
+                </a:sysClr>
+              </a:solidFill>
+              <a:effectLst>
+                <a:outerShdw dist="38100" dir="5400000" algn="t" rotWithShape="0">
+                  <a:sysClr val="window" lastClr="FFFFFF">
+                    <a:alpha val="48000"/>
+                  </a:sysClr>
+                </a:outerShdw>
+              </a:effectLst>
+              <a:uLnTx/>
+              <a:uFillTx/>
+              <a:latin typeface="Agency FB" pitchFamily="34" charset="0"/>
+              <a:ea typeface="微软雅黑" panose="020B0503020204020204" charset="-122"/>
+              <a:cs typeface="Calibri" panose="020F0502020204030204" pitchFamily="34" charset="0"/>
+            </a:endParaRPr>
+          </a:p>
+        </p:txBody>
+      </p:sp>
+    </p:spTree>
+    <p:extLst>
+      <p:ext uri="{BB962C8B-B14F-4D97-AF65-F5344CB8AC3E}">
+        <p14:creationId xmlns:p14="http://schemas.microsoft.com/office/powerpoint/2010/main" val="812510729"/>
+      </p:ext>
+    </p:extLst>
+  </p:cSld>
+  <p:clrMapOvr>
+    <a:masterClrMapping/>
+  </p:clrMapOvr>
+</p:sld>
+</file>
+
+<file path=ppt/slides/slide37.xml><?xml version="1.0" encoding="utf-8"?>
+<p:sld xmlns:a="http://schemas.openxmlformats.org/drawingml/2006/main" xmlns:r="http://schemas.openxmlformats.org/officeDocument/2006/relationships" xmlns:p="http://schemas.openxmlformats.org/presentationml/2006/main">
+  <p:cSld>
+    <p:spTree>
+      <p:nvGrpSpPr>
+        <p:cNvPr id="1" name=""/>
+        <p:cNvGrpSpPr/>
+        <p:nvPr/>
+      </p:nvGrpSpPr>
+      <p:grpSpPr>
+        <a:xfrm>
+          <a:off x="0" y="0"/>
+          <a:ext cx="0" cy="0"/>
+          <a:chOff x="0" y="0"/>
+          <a:chExt cx="0" cy="0"/>
+        </a:xfrm>
+      </p:grpSpPr>
+      <p:sp>
+        <p:nvSpPr>
+          <p:cNvPr id="5" name="标题 1">
+            <a:extLst>
+              <a:ext uri="{FF2B5EF4-FFF2-40B4-BE49-F238E27FC236}">
+                <a16:creationId xmlns:a16="http://schemas.microsoft.com/office/drawing/2014/main" id="{D85B6B2A-FBF0-41F4-B80B-0F7EFDDBBFDA}"/>
+              </a:ext>
+            </a:extLst>
+          </p:cNvPr>
+          <p:cNvSpPr>
+            <a:spLocks noGrp="1"/>
+          </p:cNvSpPr>
+          <p:nvPr>
+            <p:ph type="title"/>
+          </p:nvPr>
+        </p:nvSpPr>
+        <p:spPr>
+          <a:xfrm>
+            <a:off x="669882" y="432000"/>
+            <a:ext cx="10852237" cy="648000"/>
+          </a:xfrm>
+        </p:spPr>
+        <p:txBody>
+          <a:bodyPr/>
+          <a:lstStyle/>
+          <a:p>
+            <a:r>
+              <a:rPr lang="zh-CN" altLang="en-US" dirty="0"/>
+              <a:t>性能测试</a:t>
+            </a:r>
+            <a:r>
+              <a:rPr lang="en-US" altLang="zh-CN" dirty="0"/>
+              <a:t>——</a:t>
+            </a:r>
+            <a:r>
+              <a:rPr lang="zh-CN" altLang="en-US" dirty="0"/>
+              <a:t>设计</a:t>
+            </a:r>
+          </a:p>
+        </p:txBody>
+      </p:sp>
+      <p:sp>
+        <p:nvSpPr>
+          <p:cNvPr id="4" name="文本框 3">
+            <a:extLst>
+              <a:ext uri="{FF2B5EF4-FFF2-40B4-BE49-F238E27FC236}">
+                <a16:creationId xmlns:a16="http://schemas.microsoft.com/office/drawing/2014/main" id="{87305C33-2B32-45EC-B086-703670CBE87D}"/>
+              </a:ext>
+            </a:extLst>
+          </p:cNvPr>
+          <p:cNvSpPr txBox="1"/>
+          <p:nvPr/>
+        </p:nvSpPr>
+        <p:spPr>
+          <a:xfrm>
+            <a:off x="4532811" y="1114971"/>
+            <a:ext cx="2899954" cy="5013039"/>
+          </a:xfrm>
+          <a:prstGeom prst="rect">
+            <a:avLst/>
+          </a:prstGeom>
+        </p:spPr>
+        <p:txBody>
+          <a:bodyPr wrap="square">
+            <a:spAutoFit/>
+          </a:bodyPr>
+          <a:lstStyle>
+            <a:defPPr>
+              <a:defRPr lang="zh-CN"/>
+            </a:defPPr>
+            <a:lvl1pPr marL="285750" indent="-285750">
+              <a:lnSpc>
+                <a:spcPct val="150000"/>
+              </a:lnSpc>
+              <a:buFont typeface="Arial" panose="020B0604020202020204" pitchFamily="34" charset="0"/>
+              <a:buChar char="•"/>
+              <a:defRPr sz="2400">
+                <a:latin typeface="+mn-ea"/>
+              </a:defRPr>
+            </a:lvl1pPr>
+          </a:lstStyle>
+          <a:p>
+            <a:r>
+              <a:rPr lang="zh-CN" altLang="en-US" dirty="0"/>
+              <a:t>用户登录</a:t>
+            </a:r>
+            <a:endParaRPr lang="en-US" altLang="zh-CN" dirty="0"/>
+          </a:p>
+          <a:p>
+            <a:r>
+              <a:rPr lang="zh-CN" altLang="en-US" dirty="0"/>
+              <a:t>预约场馆</a:t>
+            </a:r>
+            <a:endParaRPr lang="en-US" altLang="zh-CN" dirty="0"/>
+          </a:p>
+          <a:p>
+            <a:r>
+              <a:rPr lang="zh-CN" altLang="en-US" dirty="0"/>
+              <a:t>删除预约</a:t>
+            </a:r>
+            <a:endParaRPr lang="en-US" altLang="zh-CN" dirty="0"/>
+          </a:p>
+          <a:p>
+            <a:r>
+              <a:rPr lang="zh-CN" altLang="en-US" dirty="0"/>
+              <a:t>添加课程</a:t>
+            </a:r>
+            <a:endParaRPr lang="en-US" altLang="zh-CN" dirty="0"/>
+          </a:p>
+          <a:p>
+            <a:r>
+              <a:rPr lang="zh-CN" altLang="en-US" dirty="0"/>
+              <a:t>删除课程</a:t>
+            </a:r>
+            <a:endParaRPr lang="en-US" altLang="zh-CN" dirty="0"/>
+          </a:p>
+          <a:p>
+            <a:r>
+              <a:rPr lang="zh-CN" altLang="en-US" dirty="0"/>
+              <a:t>选课</a:t>
+            </a:r>
+            <a:endParaRPr lang="en-US" altLang="zh-CN" dirty="0"/>
+          </a:p>
+          <a:p>
+            <a:r>
+              <a:rPr lang="zh-CN" altLang="en-US" dirty="0"/>
+              <a:t>退课</a:t>
+            </a:r>
+            <a:endParaRPr lang="en-US" altLang="zh-CN" dirty="0"/>
+          </a:p>
+          <a:p>
+            <a:r>
+              <a:rPr lang="zh-CN" altLang="en-US" dirty="0"/>
+              <a:t>发布公告</a:t>
+            </a:r>
+            <a:endParaRPr lang="en-US" altLang="zh-CN" dirty="0"/>
+          </a:p>
+          <a:p>
+            <a:r>
+              <a:rPr lang="zh-CN" altLang="en-US" dirty="0"/>
+              <a:t>各页面访问</a:t>
+            </a:r>
+            <a:endParaRPr lang="en-US" altLang="zh-CN" dirty="0"/>
+          </a:p>
+        </p:txBody>
+      </p:sp>
+    </p:spTree>
+    <p:extLst>
+      <p:ext uri="{BB962C8B-B14F-4D97-AF65-F5344CB8AC3E}">
+        <p14:creationId xmlns:p14="http://schemas.microsoft.com/office/powerpoint/2010/main" val="670019000"/>
+      </p:ext>
+    </p:extLst>
+  </p:cSld>
+  <p:clrMapOvr>
+    <a:masterClrMapping/>
+  </p:clrMapOvr>
+</p:sld>
+</file>
+
+<file path=ppt/slides/slide38.xml><?xml version="1.0" encoding="utf-8"?>
+<p:sld xmlns:a="http://schemas.openxmlformats.org/drawingml/2006/main" xmlns:r="http://schemas.openxmlformats.org/officeDocument/2006/relationships" xmlns:p="http://schemas.openxmlformats.org/presentationml/2006/main">
+  <p:cSld>
+    <p:spTree>
+      <p:nvGrpSpPr>
+        <p:cNvPr id="1" name=""/>
+        <p:cNvGrpSpPr/>
+        <p:nvPr/>
+      </p:nvGrpSpPr>
+      <p:grpSpPr>
+        <a:xfrm>
+          <a:off x="0" y="0"/>
+          <a:ext cx="0" cy="0"/>
+          <a:chOff x="0" y="0"/>
+          <a:chExt cx="0" cy="0"/>
+        </a:xfrm>
+      </p:grpSpPr>
+      <p:sp>
+        <p:nvSpPr>
+          <p:cNvPr id="5" name="标题 1">
+            <a:extLst>
+              <a:ext uri="{FF2B5EF4-FFF2-40B4-BE49-F238E27FC236}">
+                <a16:creationId xmlns:a16="http://schemas.microsoft.com/office/drawing/2014/main" id="{D85B6B2A-FBF0-41F4-B80B-0F7EFDDBBFDA}"/>
+              </a:ext>
+            </a:extLst>
+          </p:cNvPr>
+          <p:cNvSpPr>
+            <a:spLocks noGrp="1"/>
+          </p:cNvSpPr>
+          <p:nvPr>
+            <p:ph type="title"/>
+          </p:nvPr>
+        </p:nvSpPr>
+        <p:spPr>
+          <a:xfrm>
+            <a:off x="669882" y="432000"/>
+            <a:ext cx="10852237" cy="648000"/>
+          </a:xfrm>
+        </p:spPr>
+        <p:txBody>
+          <a:bodyPr/>
+          <a:lstStyle/>
+          <a:p>
+            <a:r>
+              <a:rPr lang="zh-CN" altLang="en-US" dirty="0"/>
+              <a:t>性能测试</a:t>
+            </a:r>
+            <a:r>
+              <a:rPr lang="en-US" altLang="zh-CN" dirty="0"/>
+              <a:t>——</a:t>
+            </a:r>
+            <a:r>
+              <a:rPr lang="zh-CN" altLang="en-US" dirty="0"/>
+              <a:t>独立场景设计</a:t>
+            </a:r>
+          </a:p>
+        </p:txBody>
+      </p:sp>
+      <p:sp>
+        <p:nvSpPr>
+          <p:cNvPr id="4" name="文本框 3">
+            <a:extLst>
+              <a:ext uri="{FF2B5EF4-FFF2-40B4-BE49-F238E27FC236}">
+                <a16:creationId xmlns:a16="http://schemas.microsoft.com/office/drawing/2014/main" id="{87305C33-2B32-45EC-B086-703670CBE87D}"/>
+              </a:ext>
+            </a:extLst>
+          </p:cNvPr>
+          <p:cNvSpPr txBox="1"/>
+          <p:nvPr/>
+        </p:nvSpPr>
+        <p:spPr>
+          <a:xfrm>
+            <a:off x="966651" y="1063978"/>
+            <a:ext cx="2899954" cy="5013039"/>
+          </a:xfrm>
+          <a:prstGeom prst="rect">
+            <a:avLst/>
+          </a:prstGeom>
+        </p:spPr>
+        <p:txBody>
+          <a:bodyPr wrap="square">
+            <a:spAutoFit/>
+          </a:bodyPr>
+          <a:lstStyle>
+            <a:defPPr>
+              <a:defRPr lang="zh-CN"/>
+            </a:defPPr>
+            <a:lvl1pPr marL="285750" indent="-285750">
+              <a:lnSpc>
+                <a:spcPct val="150000"/>
+              </a:lnSpc>
+              <a:buFont typeface="Arial" panose="020B0604020202020204" pitchFamily="34" charset="0"/>
+              <a:buChar char="•"/>
+              <a:defRPr sz="2400">
+                <a:latin typeface="+mn-ea"/>
+              </a:defRPr>
+            </a:lvl1pPr>
+          </a:lstStyle>
+          <a:p>
+            <a:r>
+              <a:rPr lang="zh-CN" altLang="en-US" dirty="0"/>
+              <a:t>用户登录</a:t>
+            </a:r>
+            <a:endParaRPr lang="en-US" altLang="zh-CN" dirty="0"/>
+          </a:p>
+          <a:p>
+            <a:r>
+              <a:rPr lang="zh-CN" altLang="en-US" dirty="0"/>
+              <a:t>预约场馆</a:t>
+            </a:r>
+            <a:endParaRPr lang="en-US" altLang="zh-CN" dirty="0"/>
+          </a:p>
+          <a:p>
+            <a:r>
+              <a:rPr lang="zh-CN" altLang="en-US" dirty="0"/>
+              <a:t>删除预约</a:t>
+            </a:r>
+            <a:endParaRPr lang="en-US" altLang="zh-CN" dirty="0"/>
+          </a:p>
+          <a:p>
+            <a:r>
+              <a:rPr lang="zh-CN" altLang="en-US" dirty="0"/>
+              <a:t>添加课程</a:t>
+            </a:r>
+            <a:endParaRPr lang="en-US" altLang="zh-CN" dirty="0"/>
+          </a:p>
+          <a:p>
+            <a:r>
+              <a:rPr lang="zh-CN" altLang="en-US" dirty="0"/>
+              <a:t>删除课程</a:t>
+            </a:r>
+            <a:endParaRPr lang="en-US" altLang="zh-CN" dirty="0"/>
+          </a:p>
+          <a:p>
+            <a:r>
+              <a:rPr lang="zh-CN" altLang="en-US" dirty="0"/>
+              <a:t>选课</a:t>
+            </a:r>
+            <a:endParaRPr lang="en-US" altLang="zh-CN" dirty="0"/>
+          </a:p>
+          <a:p>
+            <a:r>
+              <a:rPr lang="zh-CN" altLang="en-US" dirty="0"/>
+              <a:t>退课</a:t>
+            </a:r>
+            <a:endParaRPr lang="en-US" altLang="zh-CN" dirty="0"/>
+          </a:p>
+          <a:p>
+            <a:r>
+              <a:rPr lang="zh-CN" altLang="en-US" dirty="0"/>
+              <a:t>发布公告</a:t>
+            </a:r>
+            <a:endParaRPr lang="en-US" altLang="zh-CN" dirty="0"/>
+          </a:p>
+          <a:p>
+            <a:r>
+              <a:rPr lang="zh-CN" altLang="en-US" dirty="0"/>
+              <a:t>各页面访问</a:t>
+            </a:r>
+            <a:endParaRPr lang="en-US" altLang="zh-CN" dirty="0"/>
+          </a:p>
+        </p:txBody>
+      </p:sp>
+      <p:graphicFrame>
+        <p:nvGraphicFramePr>
+          <p:cNvPr id="8" name="表格 7">
+            <a:extLst>
+              <a:ext uri="{FF2B5EF4-FFF2-40B4-BE49-F238E27FC236}">
+                <a16:creationId xmlns:a16="http://schemas.microsoft.com/office/drawing/2014/main" id="{1112BFC4-6E80-4DA0-9E97-FA338D626DB3}"/>
+              </a:ext>
+            </a:extLst>
+          </p:cNvPr>
+          <p:cNvGraphicFramePr>
+            <a:graphicFrameLocks noGrp="1"/>
+          </p:cNvGraphicFramePr>
+          <p:nvPr/>
+        </p:nvGraphicFramePr>
+        <p:xfrm>
+          <a:off x="3383280" y="1067566"/>
+          <a:ext cx="4095544" cy="5133975"/>
+        </p:xfrm>
+        <a:graphic>
+          <a:graphicData uri="http://schemas.openxmlformats.org/drawingml/2006/table">
+            <a:tbl>
+              <a:tblPr>
+                <a:tableStyleId>{F5AB1C69-6EDB-4FF4-983F-18BD219EF322}</a:tableStyleId>
+              </a:tblPr>
+              <a:tblGrid>
+                <a:gridCol w="1371600">
+                  <a:extLst>
+                    <a:ext uri="{9D8B030D-6E8A-4147-A177-3AD203B41FA5}">
+                      <a16:colId xmlns:a16="http://schemas.microsoft.com/office/drawing/2014/main" val="1837124691"/>
+                    </a:ext>
+                  </a:extLst>
+                </a:gridCol>
+                <a:gridCol w="2723944">
+                  <a:extLst>
+                    <a:ext uri="{9D8B030D-6E8A-4147-A177-3AD203B41FA5}">
+                      <a16:colId xmlns:a16="http://schemas.microsoft.com/office/drawing/2014/main" val="2857543886"/>
+                    </a:ext>
+                  </a:extLst>
+                </a:gridCol>
+              </a:tblGrid>
+              <a:tr h="180975">
+                <a:tc>
+                  <a:txBody>
+                    <a:bodyPr/>
+                    <a:lstStyle/>
+                    <a:p>
+                      <a:pPr algn="ctr" fontAlgn="b">
+                        <a:lnSpc>
+                          <a:spcPct val="150000"/>
+                        </a:lnSpc>
+                        <a:spcBef>
+                          <a:spcPts val="600"/>
+                        </a:spcBef>
+                        <a:spcAft>
+                          <a:spcPts val="600"/>
+                        </a:spcAft>
+                      </a:pPr>
+                      <a:r>
+                        <a:rPr lang="en-US" sz="2000" u="none" strike="noStrike">
+                          <a:effectLst/>
+                        </a:rPr>
+                        <a:t>MPA001</a:t>
+                      </a:r>
+                      <a:endParaRPr lang="en-US" sz="2000" b="0" i="0" u="none" strike="noStrike">
+                        <a:solidFill>
+                          <a:srgbClr val="000000"/>
+                        </a:solidFill>
+                        <a:effectLst/>
+                        <a:latin typeface="等线" panose="02010600030101010101" pitchFamily="2" charset="-122"/>
+                        <a:ea typeface="等线" panose="02010600030101010101" pitchFamily="2" charset="-122"/>
+                      </a:endParaRPr>
+                    </a:p>
+                  </a:txBody>
+                  <a:tcPr marL="9525" marR="9525" marT="9525" marB="0" anchor="b"/>
+                </a:tc>
+                <a:tc>
+                  <a:txBody>
+                    <a:bodyPr/>
+                    <a:lstStyle/>
+                    <a:p>
+                      <a:pPr algn="ctr" fontAlgn="ctr">
+                        <a:lnSpc>
+                          <a:spcPct val="150000"/>
+                        </a:lnSpc>
+                        <a:spcBef>
+                          <a:spcPts val="600"/>
+                        </a:spcBef>
+                        <a:spcAft>
+                          <a:spcPts val="600"/>
+                        </a:spcAft>
+                      </a:pPr>
+                      <a:r>
+                        <a:rPr lang="zh-CN" altLang="en-US" sz="2000" u="none" strike="noStrike" dirty="0">
+                          <a:effectLst/>
+                        </a:rPr>
+                        <a:t>登录界面</a:t>
+                      </a:r>
+                      <a:endParaRPr lang="zh-CN" altLang="en-US" sz="2000" b="0" i="0" u="none" strike="noStrike" dirty="0">
+                        <a:solidFill>
+                          <a:srgbClr val="000000"/>
+                        </a:solidFill>
+                        <a:effectLst/>
+                        <a:latin typeface="等线" panose="02010600030101010101" pitchFamily="2" charset="-122"/>
+                        <a:ea typeface="等线" panose="02010600030101010101" pitchFamily="2" charset="-122"/>
+                      </a:endParaRPr>
+                    </a:p>
+                  </a:txBody>
+                  <a:tcPr marL="9525" marR="9525" marT="9525" marB="0" anchor="ctr"/>
+                </a:tc>
+                <a:extLst>
+                  <a:ext uri="{0D108BD9-81ED-4DB2-BD59-A6C34878D82A}">
+                    <a16:rowId xmlns:a16="http://schemas.microsoft.com/office/drawing/2014/main" val="477284218"/>
+                  </a:ext>
+                </a:extLst>
+              </a:tr>
+              <a:tr h="180975">
+                <a:tc>
+                  <a:txBody>
+                    <a:bodyPr/>
+                    <a:lstStyle/>
+                    <a:p>
+                      <a:pPr algn="ctr" fontAlgn="b">
+                        <a:lnSpc>
+                          <a:spcPct val="150000"/>
+                        </a:lnSpc>
+                        <a:spcBef>
+                          <a:spcPts val="600"/>
+                        </a:spcBef>
+                        <a:spcAft>
+                          <a:spcPts val="600"/>
+                        </a:spcAft>
+                      </a:pPr>
+                      <a:r>
+                        <a:rPr lang="en-US" sz="2000" u="none" strike="noStrike">
+                          <a:effectLst/>
+                        </a:rPr>
+                        <a:t>MPA002</a:t>
+                      </a:r>
+                      <a:endParaRPr lang="en-US" sz="2000" b="0" i="0" u="none" strike="noStrike">
+                        <a:solidFill>
+                          <a:srgbClr val="000000"/>
+                        </a:solidFill>
+                        <a:effectLst/>
+                        <a:latin typeface="等线" panose="02010600030101010101" pitchFamily="2" charset="-122"/>
+                        <a:ea typeface="等线" panose="02010600030101010101" pitchFamily="2" charset="-122"/>
+                      </a:endParaRPr>
+                    </a:p>
+                  </a:txBody>
+                  <a:tcPr marL="9525" marR="9525" marT="9525" marB="0" anchor="b"/>
+                </a:tc>
+                <a:tc>
+                  <a:txBody>
+                    <a:bodyPr/>
+                    <a:lstStyle/>
+                    <a:p>
+                      <a:pPr algn="ctr" fontAlgn="ctr">
+                        <a:lnSpc>
+                          <a:spcPct val="150000"/>
+                        </a:lnSpc>
+                        <a:spcBef>
+                          <a:spcPts val="600"/>
+                        </a:spcBef>
+                        <a:spcAft>
+                          <a:spcPts val="600"/>
+                        </a:spcAft>
+                      </a:pPr>
+                      <a:r>
+                        <a:rPr lang="zh-CN" altLang="en-US" sz="2000" u="none" strike="noStrike">
+                          <a:effectLst/>
+                        </a:rPr>
+                        <a:t>学生登录</a:t>
+                      </a:r>
+                      <a:endParaRPr lang="zh-CN" altLang="en-US" sz="2000" b="0" i="0" u="none" strike="noStrike">
+                        <a:solidFill>
+                          <a:srgbClr val="000000"/>
+                        </a:solidFill>
+                        <a:effectLst/>
+                        <a:latin typeface="等线" panose="02010600030101010101" pitchFamily="2" charset="-122"/>
+                        <a:ea typeface="等线" panose="02010600030101010101" pitchFamily="2" charset="-122"/>
+                      </a:endParaRPr>
+                    </a:p>
+                  </a:txBody>
+                  <a:tcPr marL="9525" marR="9525" marT="9525" marB="0" anchor="ctr"/>
+                </a:tc>
+                <a:extLst>
+                  <a:ext uri="{0D108BD9-81ED-4DB2-BD59-A6C34878D82A}">
+                    <a16:rowId xmlns:a16="http://schemas.microsoft.com/office/drawing/2014/main" val="3289895529"/>
+                  </a:ext>
+                </a:extLst>
+              </a:tr>
+              <a:tr h="180975">
+                <a:tc>
+                  <a:txBody>
+                    <a:bodyPr/>
+                    <a:lstStyle/>
+                    <a:p>
+                      <a:pPr algn="ctr" fontAlgn="b">
+                        <a:lnSpc>
+                          <a:spcPct val="150000"/>
+                        </a:lnSpc>
+                        <a:spcBef>
+                          <a:spcPts val="600"/>
+                        </a:spcBef>
+                        <a:spcAft>
+                          <a:spcPts val="600"/>
+                        </a:spcAft>
+                      </a:pPr>
+                      <a:r>
+                        <a:rPr lang="en-US" sz="2000" u="none" strike="noStrike">
+                          <a:effectLst/>
+                        </a:rPr>
+                        <a:t>MPA003</a:t>
+                      </a:r>
+                      <a:endParaRPr lang="en-US" sz="2000" b="0" i="0" u="none" strike="noStrike">
+                        <a:solidFill>
+                          <a:srgbClr val="000000"/>
+                        </a:solidFill>
+                        <a:effectLst/>
+                        <a:latin typeface="等线" panose="02010600030101010101" pitchFamily="2" charset="-122"/>
+                        <a:ea typeface="等线" panose="02010600030101010101" pitchFamily="2" charset="-122"/>
+                      </a:endParaRPr>
+                    </a:p>
+                  </a:txBody>
+                  <a:tcPr marL="9525" marR="9525" marT="9525" marB="0" anchor="b"/>
+                </a:tc>
+                <a:tc>
+                  <a:txBody>
+                    <a:bodyPr/>
+                    <a:lstStyle/>
+                    <a:p>
+                      <a:pPr algn="ctr" fontAlgn="ctr">
+                        <a:lnSpc>
+                          <a:spcPct val="150000"/>
+                        </a:lnSpc>
+                        <a:spcBef>
+                          <a:spcPts val="600"/>
+                        </a:spcBef>
+                        <a:spcAft>
+                          <a:spcPts val="600"/>
+                        </a:spcAft>
+                      </a:pPr>
+                      <a:r>
+                        <a:rPr lang="zh-CN" altLang="en-US" sz="2000" u="none" strike="noStrike">
+                          <a:effectLst/>
+                        </a:rPr>
+                        <a:t>学生课程管理</a:t>
+                      </a:r>
+                      <a:endParaRPr lang="zh-CN" altLang="en-US" sz="2000" b="0" i="0" u="none" strike="noStrike">
+                        <a:solidFill>
+                          <a:srgbClr val="000000"/>
+                        </a:solidFill>
+                        <a:effectLst/>
+                        <a:latin typeface="等线" panose="02010600030101010101" pitchFamily="2" charset="-122"/>
+                        <a:ea typeface="等线" panose="02010600030101010101" pitchFamily="2" charset="-122"/>
+                      </a:endParaRPr>
+                    </a:p>
+                  </a:txBody>
+                  <a:tcPr marL="9525" marR="9525" marT="9525" marB="0" anchor="ctr"/>
+                </a:tc>
+                <a:extLst>
+                  <a:ext uri="{0D108BD9-81ED-4DB2-BD59-A6C34878D82A}">
+                    <a16:rowId xmlns:a16="http://schemas.microsoft.com/office/drawing/2014/main" val="2526547392"/>
+                  </a:ext>
+                </a:extLst>
+              </a:tr>
+              <a:tr h="180975">
+                <a:tc>
+                  <a:txBody>
+                    <a:bodyPr/>
+                    <a:lstStyle/>
+                    <a:p>
+                      <a:pPr algn="ctr" fontAlgn="b">
+                        <a:lnSpc>
+                          <a:spcPct val="150000"/>
+                        </a:lnSpc>
+                        <a:spcBef>
+                          <a:spcPts val="600"/>
+                        </a:spcBef>
+                        <a:spcAft>
+                          <a:spcPts val="600"/>
+                        </a:spcAft>
+                      </a:pPr>
+                      <a:r>
+                        <a:rPr lang="en-US" sz="2000" u="none" strike="noStrike">
+                          <a:effectLst/>
+                        </a:rPr>
+                        <a:t>MPA004</a:t>
+                      </a:r>
+                      <a:endParaRPr lang="en-US" sz="2000" b="0" i="0" u="none" strike="noStrike">
+                        <a:solidFill>
+                          <a:srgbClr val="000000"/>
+                        </a:solidFill>
+                        <a:effectLst/>
+                        <a:latin typeface="等线" panose="02010600030101010101" pitchFamily="2" charset="-122"/>
+                        <a:ea typeface="等线" panose="02010600030101010101" pitchFamily="2" charset="-122"/>
+                      </a:endParaRPr>
+                    </a:p>
+                  </a:txBody>
+                  <a:tcPr marL="9525" marR="9525" marT="9525" marB="0" anchor="b"/>
+                </a:tc>
+                <a:tc>
+                  <a:txBody>
+                    <a:bodyPr/>
+                    <a:lstStyle/>
+                    <a:p>
+                      <a:pPr algn="ctr" fontAlgn="ctr">
+                        <a:lnSpc>
+                          <a:spcPct val="150000"/>
+                        </a:lnSpc>
+                        <a:spcBef>
+                          <a:spcPts val="600"/>
+                        </a:spcBef>
+                        <a:spcAft>
+                          <a:spcPts val="600"/>
+                        </a:spcAft>
+                      </a:pPr>
+                      <a:r>
+                        <a:rPr lang="zh-CN" altLang="en-US" sz="2000" u="none" strike="noStrike">
+                          <a:effectLst/>
+                        </a:rPr>
+                        <a:t>学生查看全部课程</a:t>
+                      </a:r>
+                      <a:endParaRPr lang="zh-CN" altLang="en-US" sz="2000" b="0" i="0" u="none" strike="noStrike">
+                        <a:solidFill>
+                          <a:srgbClr val="000000"/>
+                        </a:solidFill>
+                        <a:effectLst/>
+                        <a:latin typeface="等线" panose="02010600030101010101" pitchFamily="2" charset="-122"/>
+                        <a:ea typeface="等线" panose="02010600030101010101" pitchFamily="2" charset="-122"/>
+                      </a:endParaRPr>
+                    </a:p>
+                  </a:txBody>
+                  <a:tcPr marL="9525" marR="9525" marT="9525" marB="0" anchor="ctr"/>
+                </a:tc>
+                <a:extLst>
+                  <a:ext uri="{0D108BD9-81ED-4DB2-BD59-A6C34878D82A}">
+                    <a16:rowId xmlns:a16="http://schemas.microsoft.com/office/drawing/2014/main" val="2318815294"/>
+                  </a:ext>
+                </a:extLst>
+              </a:tr>
+              <a:tr h="180975">
+                <a:tc>
+                  <a:txBody>
+                    <a:bodyPr/>
+                    <a:lstStyle/>
+                    <a:p>
+                      <a:pPr algn="ctr" fontAlgn="b">
+                        <a:lnSpc>
+                          <a:spcPct val="150000"/>
+                        </a:lnSpc>
+                        <a:spcBef>
+                          <a:spcPts val="600"/>
+                        </a:spcBef>
+                        <a:spcAft>
+                          <a:spcPts val="600"/>
+                        </a:spcAft>
+                      </a:pPr>
+                      <a:r>
+                        <a:rPr lang="en-US" sz="2000" u="none" strike="noStrike">
+                          <a:effectLst/>
+                        </a:rPr>
+                        <a:t>MPA005</a:t>
+                      </a:r>
+                      <a:endParaRPr lang="en-US" sz="2000" b="0" i="0" u="none" strike="noStrike">
+                        <a:solidFill>
+                          <a:srgbClr val="000000"/>
+                        </a:solidFill>
+                        <a:effectLst/>
+                        <a:latin typeface="等线" panose="02010600030101010101" pitchFamily="2" charset="-122"/>
+                        <a:ea typeface="等线" panose="02010600030101010101" pitchFamily="2" charset="-122"/>
+                      </a:endParaRPr>
+                    </a:p>
+                  </a:txBody>
+                  <a:tcPr marL="9525" marR="9525" marT="9525" marB="0" anchor="b"/>
+                </a:tc>
+                <a:tc>
+                  <a:txBody>
+                    <a:bodyPr/>
+                    <a:lstStyle/>
+                    <a:p>
+                      <a:pPr algn="ctr" fontAlgn="ctr">
+                        <a:lnSpc>
+                          <a:spcPct val="150000"/>
+                        </a:lnSpc>
+                        <a:spcBef>
+                          <a:spcPts val="600"/>
+                        </a:spcBef>
+                        <a:spcAft>
+                          <a:spcPts val="600"/>
+                        </a:spcAft>
+                      </a:pPr>
+                      <a:r>
+                        <a:rPr lang="zh-CN" altLang="en-US" sz="2000" u="none" strike="noStrike">
+                          <a:effectLst/>
+                        </a:rPr>
+                        <a:t>学生选课</a:t>
+                      </a:r>
+                      <a:endParaRPr lang="zh-CN" altLang="en-US" sz="2000" b="0" i="0" u="none" strike="noStrike">
+                        <a:solidFill>
+                          <a:srgbClr val="000000"/>
+                        </a:solidFill>
+                        <a:effectLst/>
+                        <a:latin typeface="等线" panose="02010600030101010101" pitchFamily="2" charset="-122"/>
+                        <a:ea typeface="等线" panose="02010600030101010101" pitchFamily="2" charset="-122"/>
+                      </a:endParaRPr>
+                    </a:p>
+                  </a:txBody>
+                  <a:tcPr marL="9525" marR="9525" marT="9525" marB="0" anchor="ctr"/>
+                </a:tc>
+                <a:extLst>
+                  <a:ext uri="{0D108BD9-81ED-4DB2-BD59-A6C34878D82A}">
+                    <a16:rowId xmlns:a16="http://schemas.microsoft.com/office/drawing/2014/main" val="3087277267"/>
+                  </a:ext>
+                </a:extLst>
+              </a:tr>
+              <a:tr h="180975">
+                <a:tc>
+                  <a:txBody>
+                    <a:bodyPr/>
+                    <a:lstStyle/>
+                    <a:p>
+                      <a:pPr algn="ctr" fontAlgn="b">
+                        <a:lnSpc>
+                          <a:spcPct val="150000"/>
+                        </a:lnSpc>
+                        <a:spcBef>
+                          <a:spcPts val="600"/>
+                        </a:spcBef>
+                        <a:spcAft>
+                          <a:spcPts val="600"/>
+                        </a:spcAft>
+                      </a:pPr>
+                      <a:r>
+                        <a:rPr lang="en-US" sz="2000" u="none" strike="noStrike">
+                          <a:effectLst/>
+                        </a:rPr>
+                        <a:t>MPA006</a:t>
+                      </a:r>
+                      <a:endParaRPr lang="en-US" sz="2000" b="0" i="0" u="none" strike="noStrike">
+                        <a:solidFill>
+                          <a:srgbClr val="000000"/>
+                        </a:solidFill>
+                        <a:effectLst/>
+                        <a:latin typeface="等线" panose="02010600030101010101" pitchFamily="2" charset="-122"/>
+                        <a:ea typeface="等线" panose="02010600030101010101" pitchFamily="2" charset="-122"/>
+                      </a:endParaRPr>
+                    </a:p>
+                  </a:txBody>
+                  <a:tcPr marL="9525" marR="9525" marT="9525" marB="0" anchor="b"/>
+                </a:tc>
+                <a:tc>
+                  <a:txBody>
+                    <a:bodyPr/>
+                    <a:lstStyle/>
+                    <a:p>
+                      <a:pPr algn="ctr" fontAlgn="ctr">
+                        <a:lnSpc>
+                          <a:spcPct val="150000"/>
+                        </a:lnSpc>
+                        <a:spcBef>
+                          <a:spcPts val="600"/>
+                        </a:spcBef>
+                        <a:spcAft>
+                          <a:spcPts val="600"/>
+                        </a:spcAft>
+                      </a:pPr>
+                      <a:r>
+                        <a:rPr lang="zh-CN" altLang="en-US" sz="2000" u="none" strike="noStrike">
+                          <a:effectLst/>
+                        </a:rPr>
+                        <a:t>学生查看我的课程</a:t>
+                      </a:r>
+                      <a:endParaRPr lang="zh-CN" altLang="en-US" sz="2000" b="0" i="0" u="none" strike="noStrike">
+                        <a:solidFill>
+                          <a:srgbClr val="000000"/>
+                        </a:solidFill>
+                        <a:effectLst/>
+                        <a:latin typeface="等线" panose="02010600030101010101" pitchFamily="2" charset="-122"/>
+                        <a:ea typeface="等线" panose="02010600030101010101" pitchFamily="2" charset="-122"/>
+                      </a:endParaRPr>
+                    </a:p>
+                  </a:txBody>
+                  <a:tcPr marL="9525" marR="9525" marT="9525" marB="0" anchor="ctr"/>
+                </a:tc>
+                <a:extLst>
+                  <a:ext uri="{0D108BD9-81ED-4DB2-BD59-A6C34878D82A}">
+                    <a16:rowId xmlns:a16="http://schemas.microsoft.com/office/drawing/2014/main" val="265652406"/>
+                  </a:ext>
+                </a:extLst>
+              </a:tr>
+              <a:tr h="180975">
+                <a:tc>
+                  <a:txBody>
+                    <a:bodyPr/>
+                    <a:lstStyle/>
+                    <a:p>
+                      <a:pPr algn="ctr" fontAlgn="b">
+                        <a:lnSpc>
+                          <a:spcPct val="150000"/>
+                        </a:lnSpc>
+                        <a:spcBef>
+                          <a:spcPts val="600"/>
+                        </a:spcBef>
+                        <a:spcAft>
+                          <a:spcPts val="600"/>
+                        </a:spcAft>
+                      </a:pPr>
+                      <a:r>
+                        <a:rPr lang="en-US" sz="2000" u="none" strike="noStrike">
+                          <a:effectLst/>
+                        </a:rPr>
+                        <a:t>MPA007</a:t>
+                      </a:r>
+                      <a:endParaRPr lang="en-US" sz="2000" b="0" i="0" u="none" strike="noStrike">
+                        <a:solidFill>
+                          <a:srgbClr val="000000"/>
+                        </a:solidFill>
+                        <a:effectLst/>
+                        <a:latin typeface="等线" panose="02010600030101010101" pitchFamily="2" charset="-122"/>
+                        <a:ea typeface="等线" panose="02010600030101010101" pitchFamily="2" charset="-122"/>
+                      </a:endParaRPr>
+                    </a:p>
+                  </a:txBody>
+                  <a:tcPr marL="9525" marR="9525" marT="9525" marB="0" anchor="b"/>
+                </a:tc>
+                <a:tc>
+                  <a:txBody>
+                    <a:bodyPr/>
+                    <a:lstStyle/>
+                    <a:p>
+                      <a:pPr algn="ctr" fontAlgn="ctr">
+                        <a:lnSpc>
+                          <a:spcPct val="150000"/>
+                        </a:lnSpc>
+                        <a:spcBef>
+                          <a:spcPts val="600"/>
+                        </a:spcBef>
+                        <a:spcAft>
+                          <a:spcPts val="600"/>
+                        </a:spcAft>
+                      </a:pPr>
+                      <a:r>
+                        <a:rPr lang="zh-CN" altLang="en-US" sz="2000" u="none" strike="noStrike">
+                          <a:effectLst/>
+                        </a:rPr>
+                        <a:t>学生退课</a:t>
+                      </a:r>
+                      <a:endParaRPr lang="zh-CN" altLang="en-US" sz="2000" b="0" i="0" u="none" strike="noStrike">
+                        <a:solidFill>
+                          <a:srgbClr val="000000"/>
+                        </a:solidFill>
+                        <a:effectLst/>
+                        <a:latin typeface="等线" panose="02010600030101010101" pitchFamily="2" charset="-122"/>
+                        <a:ea typeface="等线" panose="02010600030101010101" pitchFamily="2" charset="-122"/>
+                      </a:endParaRPr>
+                    </a:p>
+                  </a:txBody>
+                  <a:tcPr marL="9525" marR="9525" marT="9525" marB="0" anchor="ctr"/>
+                </a:tc>
+                <a:extLst>
+                  <a:ext uri="{0D108BD9-81ED-4DB2-BD59-A6C34878D82A}">
+                    <a16:rowId xmlns:a16="http://schemas.microsoft.com/office/drawing/2014/main" val="2255357272"/>
+                  </a:ext>
+                </a:extLst>
+              </a:tr>
+              <a:tr h="180975">
+                <a:tc>
+                  <a:txBody>
+                    <a:bodyPr/>
+                    <a:lstStyle/>
+                    <a:p>
+                      <a:pPr algn="ctr" fontAlgn="b">
+                        <a:lnSpc>
+                          <a:spcPct val="150000"/>
+                        </a:lnSpc>
+                        <a:spcBef>
+                          <a:spcPts val="600"/>
+                        </a:spcBef>
+                        <a:spcAft>
+                          <a:spcPts val="600"/>
+                        </a:spcAft>
+                      </a:pPr>
+                      <a:r>
+                        <a:rPr lang="en-US" sz="2000" u="none" strike="noStrike">
+                          <a:effectLst/>
+                        </a:rPr>
+                        <a:t>MPA008</a:t>
+                      </a:r>
+                      <a:endParaRPr lang="en-US" sz="2000" b="0" i="0" u="none" strike="noStrike">
+                        <a:solidFill>
+                          <a:srgbClr val="000000"/>
+                        </a:solidFill>
+                        <a:effectLst/>
+                        <a:latin typeface="等线" panose="02010600030101010101" pitchFamily="2" charset="-122"/>
+                        <a:ea typeface="等线" panose="02010600030101010101" pitchFamily="2" charset="-122"/>
+                      </a:endParaRPr>
+                    </a:p>
+                  </a:txBody>
+                  <a:tcPr marL="9525" marR="9525" marT="9525" marB="0" anchor="b"/>
+                </a:tc>
+                <a:tc>
+                  <a:txBody>
+                    <a:bodyPr/>
+                    <a:lstStyle/>
+                    <a:p>
+                      <a:pPr algn="ctr" fontAlgn="ctr">
+                        <a:lnSpc>
+                          <a:spcPct val="150000"/>
+                        </a:lnSpc>
+                        <a:spcBef>
+                          <a:spcPts val="600"/>
+                        </a:spcBef>
+                        <a:spcAft>
+                          <a:spcPts val="600"/>
+                        </a:spcAft>
+                      </a:pPr>
+                      <a:r>
+                        <a:rPr lang="zh-CN" altLang="en-US" sz="2000" u="none" strike="noStrike">
+                          <a:effectLst/>
+                        </a:rPr>
+                        <a:t>学生预约场地</a:t>
+                      </a:r>
+                      <a:endParaRPr lang="zh-CN" altLang="en-US" sz="2000" b="0" i="0" u="none" strike="noStrike">
+                        <a:solidFill>
+                          <a:srgbClr val="000000"/>
+                        </a:solidFill>
+                        <a:effectLst/>
+                        <a:latin typeface="等线" panose="02010600030101010101" pitchFamily="2" charset="-122"/>
+                        <a:ea typeface="等线" panose="02010600030101010101" pitchFamily="2" charset="-122"/>
+                      </a:endParaRPr>
+                    </a:p>
+                  </a:txBody>
+                  <a:tcPr marL="9525" marR="9525" marT="9525" marB="0" anchor="ctr"/>
+                </a:tc>
+                <a:extLst>
+                  <a:ext uri="{0D108BD9-81ED-4DB2-BD59-A6C34878D82A}">
+                    <a16:rowId xmlns:a16="http://schemas.microsoft.com/office/drawing/2014/main" val="828189546"/>
+                  </a:ext>
+                </a:extLst>
+              </a:tr>
+              <a:tr h="180975">
+                <a:tc>
+                  <a:txBody>
+                    <a:bodyPr/>
+                    <a:lstStyle/>
+                    <a:p>
+                      <a:pPr algn="ctr" fontAlgn="b">
+                        <a:lnSpc>
+                          <a:spcPct val="150000"/>
+                        </a:lnSpc>
+                        <a:spcBef>
+                          <a:spcPts val="600"/>
+                        </a:spcBef>
+                        <a:spcAft>
+                          <a:spcPts val="600"/>
+                        </a:spcAft>
+                      </a:pPr>
+                      <a:r>
+                        <a:rPr lang="en-US" sz="2000" u="none" strike="noStrike">
+                          <a:effectLst/>
+                        </a:rPr>
+                        <a:t>MPA009</a:t>
+                      </a:r>
+                      <a:endParaRPr lang="en-US" sz="2000" b="0" i="0" u="none" strike="noStrike">
+                        <a:solidFill>
+                          <a:srgbClr val="000000"/>
+                        </a:solidFill>
+                        <a:effectLst/>
+                        <a:latin typeface="等线" panose="02010600030101010101" pitchFamily="2" charset="-122"/>
+                        <a:ea typeface="等线" panose="02010600030101010101" pitchFamily="2" charset="-122"/>
+                      </a:endParaRPr>
+                    </a:p>
+                  </a:txBody>
+                  <a:tcPr marL="9525" marR="9525" marT="9525" marB="0" anchor="b"/>
+                </a:tc>
+                <a:tc>
+                  <a:txBody>
+                    <a:bodyPr/>
+                    <a:lstStyle/>
+                    <a:p>
+                      <a:pPr algn="ctr" fontAlgn="ctr">
+                        <a:lnSpc>
+                          <a:spcPct val="150000"/>
+                        </a:lnSpc>
+                        <a:spcBef>
+                          <a:spcPts val="600"/>
+                        </a:spcBef>
+                        <a:spcAft>
+                          <a:spcPts val="600"/>
+                        </a:spcAft>
+                      </a:pPr>
+                      <a:r>
+                        <a:rPr lang="zh-CN" altLang="en-US" sz="2000" u="none" strike="noStrike">
+                          <a:effectLst/>
+                        </a:rPr>
+                        <a:t>学生添加预约</a:t>
+                      </a:r>
+                      <a:endParaRPr lang="zh-CN" altLang="en-US" sz="2000" b="0" i="0" u="none" strike="noStrike">
+                        <a:solidFill>
+                          <a:srgbClr val="000000"/>
+                        </a:solidFill>
+                        <a:effectLst/>
+                        <a:latin typeface="等线" panose="02010600030101010101" pitchFamily="2" charset="-122"/>
+                        <a:ea typeface="等线" panose="02010600030101010101" pitchFamily="2" charset="-122"/>
+                      </a:endParaRPr>
+                    </a:p>
+                  </a:txBody>
+                  <a:tcPr marL="9525" marR="9525" marT="9525" marB="0" anchor="ctr"/>
+                </a:tc>
+                <a:extLst>
+                  <a:ext uri="{0D108BD9-81ED-4DB2-BD59-A6C34878D82A}">
+                    <a16:rowId xmlns:a16="http://schemas.microsoft.com/office/drawing/2014/main" val="4229303383"/>
+                  </a:ext>
+                </a:extLst>
+              </a:tr>
+              <a:tr h="180975">
+                <a:tc>
+                  <a:txBody>
+                    <a:bodyPr/>
+                    <a:lstStyle/>
+                    <a:p>
+                      <a:pPr algn="ctr" fontAlgn="b">
+                        <a:lnSpc>
+                          <a:spcPct val="150000"/>
+                        </a:lnSpc>
+                        <a:spcBef>
+                          <a:spcPts val="600"/>
+                        </a:spcBef>
+                        <a:spcAft>
+                          <a:spcPts val="600"/>
+                        </a:spcAft>
+                      </a:pPr>
+                      <a:r>
+                        <a:rPr lang="en-US" sz="2000" u="none" strike="noStrike">
+                          <a:effectLst/>
+                        </a:rPr>
+                        <a:t>MPA010</a:t>
+                      </a:r>
+                      <a:endParaRPr lang="en-US" sz="2000" b="0" i="0" u="none" strike="noStrike">
+                        <a:solidFill>
+                          <a:srgbClr val="000000"/>
+                        </a:solidFill>
+                        <a:effectLst/>
+                        <a:latin typeface="等线" panose="02010600030101010101" pitchFamily="2" charset="-122"/>
+                        <a:ea typeface="等线" panose="02010600030101010101" pitchFamily="2" charset="-122"/>
+                      </a:endParaRPr>
+                    </a:p>
+                  </a:txBody>
+                  <a:tcPr marL="9525" marR="9525" marT="9525" marB="0" anchor="b"/>
+                </a:tc>
+                <a:tc>
+                  <a:txBody>
+                    <a:bodyPr/>
+                    <a:lstStyle/>
+                    <a:p>
+                      <a:pPr algn="ctr" fontAlgn="ctr">
+                        <a:lnSpc>
+                          <a:spcPct val="150000"/>
+                        </a:lnSpc>
+                        <a:spcBef>
+                          <a:spcPts val="600"/>
+                        </a:spcBef>
+                        <a:spcAft>
+                          <a:spcPts val="600"/>
+                        </a:spcAft>
+                      </a:pPr>
+                      <a:r>
+                        <a:rPr lang="zh-CN" altLang="en-US" sz="2000" u="none" strike="noStrike">
+                          <a:effectLst/>
+                        </a:rPr>
+                        <a:t>查看我的预约</a:t>
+                      </a:r>
+                      <a:endParaRPr lang="zh-CN" altLang="en-US" sz="2000" b="0" i="0" u="none" strike="noStrike">
+                        <a:solidFill>
+                          <a:srgbClr val="000000"/>
+                        </a:solidFill>
+                        <a:effectLst/>
+                        <a:latin typeface="等线" panose="02010600030101010101" pitchFamily="2" charset="-122"/>
+                        <a:ea typeface="等线" panose="02010600030101010101" pitchFamily="2" charset="-122"/>
+                      </a:endParaRPr>
+                    </a:p>
+                  </a:txBody>
+                  <a:tcPr marL="9525" marR="9525" marT="9525" marB="0" anchor="ctr"/>
+                </a:tc>
+                <a:extLst>
+                  <a:ext uri="{0D108BD9-81ED-4DB2-BD59-A6C34878D82A}">
+                    <a16:rowId xmlns:a16="http://schemas.microsoft.com/office/drawing/2014/main" val="1380935837"/>
+                  </a:ext>
+                </a:extLst>
+              </a:tr>
+              <a:tr h="180975">
+                <a:tc>
+                  <a:txBody>
+                    <a:bodyPr/>
+                    <a:lstStyle/>
+                    <a:p>
+                      <a:pPr algn="ctr" fontAlgn="b">
+                        <a:lnSpc>
+                          <a:spcPct val="150000"/>
+                        </a:lnSpc>
+                        <a:spcBef>
+                          <a:spcPts val="600"/>
+                        </a:spcBef>
+                        <a:spcAft>
+                          <a:spcPts val="600"/>
+                        </a:spcAft>
+                      </a:pPr>
+                      <a:r>
+                        <a:rPr lang="en-US" sz="2000" u="none" strike="noStrike">
+                          <a:effectLst/>
+                        </a:rPr>
+                        <a:t>MPA011</a:t>
+                      </a:r>
+                      <a:endParaRPr lang="en-US" sz="2000" b="0" i="0" u="none" strike="noStrike">
+                        <a:solidFill>
+                          <a:srgbClr val="000000"/>
+                        </a:solidFill>
+                        <a:effectLst/>
+                        <a:latin typeface="等线" panose="02010600030101010101" pitchFamily="2" charset="-122"/>
+                        <a:ea typeface="等线" panose="02010600030101010101" pitchFamily="2" charset="-122"/>
+                      </a:endParaRPr>
+                    </a:p>
+                  </a:txBody>
+                  <a:tcPr marL="9525" marR="9525" marT="9525" marB="0" anchor="b"/>
+                </a:tc>
+                <a:tc>
+                  <a:txBody>
+                    <a:bodyPr/>
+                    <a:lstStyle/>
+                    <a:p>
+                      <a:pPr algn="ctr" fontAlgn="ctr">
+                        <a:lnSpc>
+                          <a:spcPct val="150000"/>
+                        </a:lnSpc>
+                        <a:spcBef>
+                          <a:spcPts val="600"/>
+                        </a:spcBef>
+                        <a:spcAft>
+                          <a:spcPts val="600"/>
+                        </a:spcAft>
+                      </a:pPr>
+                      <a:r>
+                        <a:rPr lang="zh-CN" altLang="en-US" sz="2000" u="none" strike="noStrike" dirty="0">
+                          <a:effectLst/>
+                        </a:rPr>
+                        <a:t>学生删除预约</a:t>
+                      </a:r>
+                      <a:endParaRPr lang="zh-CN" altLang="en-US" sz="2000" b="0" i="0" u="none" strike="noStrike" dirty="0">
+                        <a:solidFill>
+                          <a:srgbClr val="000000"/>
+                        </a:solidFill>
+                        <a:effectLst/>
+                        <a:latin typeface="等线" panose="02010600030101010101" pitchFamily="2" charset="-122"/>
+                        <a:ea typeface="等线" panose="02010600030101010101" pitchFamily="2" charset="-122"/>
+                      </a:endParaRPr>
+                    </a:p>
+                  </a:txBody>
+                  <a:tcPr marL="9525" marR="9525" marT="9525" marB="0" anchor="ctr"/>
+                </a:tc>
+                <a:extLst>
+                  <a:ext uri="{0D108BD9-81ED-4DB2-BD59-A6C34878D82A}">
+                    <a16:rowId xmlns:a16="http://schemas.microsoft.com/office/drawing/2014/main" val="2809286546"/>
+                  </a:ext>
+                </a:extLst>
+              </a:tr>
+            </a:tbl>
+          </a:graphicData>
+        </a:graphic>
+      </p:graphicFrame>
+      <p:graphicFrame>
+        <p:nvGraphicFramePr>
+          <p:cNvPr id="9" name="表格 8">
+            <a:extLst>
+              <a:ext uri="{FF2B5EF4-FFF2-40B4-BE49-F238E27FC236}">
+                <a16:creationId xmlns:a16="http://schemas.microsoft.com/office/drawing/2014/main" id="{56052A50-6794-4872-A3CA-EC05BD4035D6}"/>
+              </a:ext>
+            </a:extLst>
+          </p:cNvPr>
+          <p:cNvGraphicFramePr>
+            <a:graphicFrameLocks noGrp="1"/>
+          </p:cNvGraphicFramePr>
+          <p:nvPr/>
+        </p:nvGraphicFramePr>
+        <p:xfrm>
+          <a:off x="7478824" y="1094423"/>
+          <a:ext cx="4251622" cy="5133975"/>
+        </p:xfrm>
+        <a:graphic>
+          <a:graphicData uri="http://schemas.openxmlformats.org/drawingml/2006/table">
+            <a:tbl>
+              <a:tblPr>
+                <a:tableStyleId>{F5AB1C69-6EDB-4FF4-983F-18BD219EF322}</a:tableStyleId>
+              </a:tblPr>
+              <a:tblGrid>
+                <a:gridCol w="1325180">
+                  <a:extLst>
+                    <a:ext uri="{9D8B030D-6E8A-4147-A177-3AD203B41FA5}">
+                      <a16:colId xmlns:a16="http://schemas.microsoft.com/office/drawing/2014/main" val="556117314"/>
+                    </a:ext>
+                  </a:extLst>
+                </a:gridCol>
+                <a:gridCol w="2926442">
+                  <a:extLst>
+                    <a:ext uri="{9D8B030D-6E8A-4147-A177-3AD203B41FA5}">
+                      <a16:colId xmlns:a16="http://schemas.microsoft.com/office/drawing/2014/main" val="3359294090"/>
+                    </a:ext>
+                  </a:extLst>
+                </a:gridCol>
+              </a:tblGrid>
+              <a:tr h="180975">
+                <a:tc>
+                  <a:txBody>
+                    <a:bodyPr/>
+                    <a:lstStyle/>
+                    <a:p>
+                      <a:pPr algn="l" fontAlgn="b">
+                        <a:lnSpc>
+                          <a:spcPct val="150000"/>
+                        </a:lnSpc>
+                        <a:spcBef>
+                          <a:spcPts val="600"/>
+                        </a:spcBef>
+                        <a:spcAft>
+                          <a:spcPts val="600"/>
+                        </a:spcAft>
+                      </a:pPr>
+                      <a:r>
+                        <a:rPr lang="en-US" sz="2000" u="none" strike="noStrike">
+                          <a:effectLst/>
+                        </a:rPr>
+                        <a:t>MPA012</a:t>
+                      </a:r>
+                      <a:endParaRPr lang="en-US" sz="2000" b="0" i="0" u="none" strike="noStrike">
+                        <a:solidFill>
+                          <a:srgbClr val="000000"/>
+                        </a:solidFill>
+                        <a:effectLst/>
+                        <a:latin typeface="等线" panose="02010600030101010101" pitchFamily="2" charset="-122"/>
+                        <a:ea typeface="等线" panose="02010600030101010101" pitchFamily="2" charset="-122"/>
+                      </a:endParaRPr>
+                    </a:p>
+                  </a:txBody>
+                  <a:tcPr marL="9525" marR="9525" marT="9525" marB="0" anchor="b"/>
+                </a:tc>
+                <a:tc>
+                  <a:txBody>
+                    <a:bodyPr/>
+                    <a:lstStyle/>
+                    <a:p>
+                      <a:pPr algn="l" fontAlgn="ctr">
+                        <a:lnSpc>
+                          <a:spcPct val="150000"/>
+                        </a:lnSpc>
+                        <a:spcBef>
+                          <a:spcPts val="600"/>
+                        </a:spcBef>
+                        <a:spcAft>
+                          <a:spcPts val="600"/>
+                        </a:spcAft>
+                      </a:pPr>
+                      <a:r>
+                        <a:rPr lang="zh-CN" altLang="en-US" sz="2000" u="none" strike="noStrike">
+                          <a:effectLst/>
+                        </a:rPr>
+                        <a:t>查看公告</a:t>
+                      </a:r>
+                      <a:endParaRPr lang="zh-CN" altLang="en-US" sz="2000" b="0" i="0" u="none" strike="noStrike">
+                        <a:solidFill>
+                          <a:srgbClr val="000000"/>
+                        </a:solidFill>
+                        <a:effectLst/>
+                        <a:latin typeface="等线" panose="02010600030101010101" pitchFamily="2" charset="-122"/>
+                        <a:ea typeface="等线" panose="02010600030101010101" pitchFamily="2" charset="-122"/>
+                      </a:endParaRPr>
+                    </a:p>
+                  </a:txBody>
+                  <a:tcPr marL="9525" marR="9525" marT="9525" marB="0" anchor="ctr"/>
+                </a:tc>
+                <a:extLst>
+                  <a:ext uri="{0D108BD9-81ED-4DB2-BD59-A6C34878D82A}">
+                    <a16:rowId xmlns:a16="http://schemas.microsoft.com/office/drawing/2014/main" val="730642239"/>
+                  </a:ext>
+                </a:extLst>
+              </a:tr>
+              <a:tr h="180975">
+                <a:tc>
+                  <a:txBody>
+                    <a:bodyPr/>
+                    <a:lstStyle/>
+                    <a:p>
+                      <a:pPr algn="l" fontAlgn="b">
+                        <a:lnSpc>
+                          <a:spcPct val="150000"/>
+                        </a:lnSpc>
+                        <a:spcBef>
+                          <a:spcPts val="600"/>
+                        </a:spcBef>
+                        <a:spcAft>
+                          <a:spcPts val="600"/>
+                        </a:spcAft>
+                      </a:pPr>
+                      <a:r>
+                        <a:rPr lang="en-US" sz="2000" u="none" strike="noStrike">
+                          <a:effectLst/>
+                        </a:rPr>
+                        <a:t>MPA013</a:t>
+                      </a:r>
+                      <a:endParaRPr lang="en-US" sz="2000" b="0" i="0" u="none" strike="noStrike">
+                        <a:solidFill>
+                          <a:srgbClr val="000000"/>
+                        </a:solidFill>
+                        <a:effectLst/>
+                        <a:latin typeface="等线" panose="02010600030101010101" pitchFamily="2" charset="-122"/>
+                        <a:ea typeface="等线" panose="02010600030101010101" pitchFamily="2" charset="-122"/>
+                      </a:endParaRPr>
+                    </a:p>
+                  </a:txBody>
+                  <a:tcPr marL="9525" marR="9525" marT="9525" marB="0" anchor="b"/>
+                </a:tc>
+                <a:tc>
+                  <a:txBody>
+                    <a:bodyPr/>
+                    <a:lstStyle/>
+                    <a:p>
+                      <a:pPr algn="l" fontAlgn="ctr">
+                        <a:lnSpc>
+                          <a:spcPct val="150000"/>
+                        </a:lnSpc>
+                        <a:spcBef>
+                          <a:spcPts val="600"/>
+                        </a:spcBef>
+                        <a:spcAft>
+                          <a:spcPts val="600"/>
+                        </a:spcAft>
+                      </a:pPr>
+                      <a:r>
+                        <a:rPr lang="zh-CN" altLang="en-US" sz="2000" u="none" strike="noStrike" dirty="0">
+                          <a:effectLst/>
+                        </a:rPr>
+                        <a:t>学生我的课程页面</a:t>
+                      </a:r>
+                      <a:endParaRPr lang="zh-CN" altLang="en-US" sz="2000" b="0" i="0" u="none" strike="noStrike" dirty="0">
+                        <a:solidFill>
+                          <a:srgbClr val="000000"/>
+                        </a:solidFill>
+                        <a:effectLst/>
+                        <a:latin typeface="等线" panose="02010600030101010101" pitchFamily="2" charset="-122"/>
+                        <a:ea typeface="等线" panose="02010600030101010101" pitchFamily="2" charset="-122"/>
+                      </a:endParaRPr>
+                    </a:p>
+                  </a:txBody>
+                  <a:tcPr marL="9525" marR="9525" marT="9525" marB="0" anchor="ctr"/>
+                </a:tc>
+                <a:extLst>
+                  <a:ext uri="{0D108BD9-81ED-4DB2-BD59-A6C34878D82A}">
+                    <a16:rowId xmlns:a16="http://schemas.microsoft.com/office/drawing/2014/main" val="350924410"/>
+                  </a:ext>
+                </a:extLst>
+              </a:tr>
+              <a:tr h="180975">
+                <a:tc>
+                  <a:txBody>
+                    <a:bodyPr/>
+                    <a:lstStyle/>
+                    <a:p>
+                      <a:pPr algn="l" fontAlgn="b">
+                        <a:lnSpc>
+                          <a:spcPct val="150000"/>
+                        </a:lnSpc>
+                        <a:spcBef>
+                          <a:spcPts val="600"/>
+                        </a:spcBef>
+                        <a:spcAft>
+                          <a:spcPts val="600"/>
+                        </a:spcAft>
+                      </a:pPr>
+                      <a:r>
+                        <a:rPr lang="en-US" sz="2000" u="none" strike="noStrike">
+                          <a:effectLst/>
+                        </a:rPr>
+                        <a:t>MPA014</a:t>
+                      </a:r>
+                      <a:endParaRPr lang="en-US" sz="2000" b="0" i="0" u="none" strike="noStrike">
+                        <a:solidFill>
+                          <a:srgbClr val="000000"/>
+                        </a:solidFill>
+                        <a:effectLst/>
+                        <a:latin typeface="等线" panose="02010600030101010101" pitchFamily="2" charset="-122"/>
+                        <a:ea typeface="等线" panose="02010600030101010101" pitchFamily="2" charset="-122"/>
+                      </a:endParaRPr>
+                    </a:p>
+                  </a:txBody>
+                  <a:tcPr marL="9525" marR="9525" marT="9525" marB="0" anchor="b"/>
+                </a:tc>
+                <a:tc>
+                  <a:txBody>
+                    <a:bodyPr/>
+                    <a:lstStyle/>
+                    <a:p>
+                      <a:pPr algn="l" fontAlgn="ctr">
+                        <a:lnSpc>
+                          <a:spcPct val="150000"/>
+                        </a:lnSpc>
+                        <a:spcBef>
+                          <a:spcPts val="600"/>
+                        </a:spcBef>
+                        <a:spcAft>
+                          <a:spcPts val="600"/>
+                        </a:spcAft>
+                      </a:pPr>
+                      <a:r>
+                        <a:rPr lang="zh-CN" altLang="en-US" sz="2000" u="none" strike="noStrike">
+                          <a:effectLst/>
+                        </a:rPr>
+                        <a:t>管理员登录</a:t>
+                      </a:r>
+                      <a:endParaRPr lang="zh-CN" altLang="en-US" sz="2000" b="0" i="0" u="none" strike="noStrike">
+                        <a:solidFill>
+                          <a:srgbClr val="000000"/>
+                        </a:solidFill>
+                        <a:effectLst/>
+                        <a:latin typeface="等线" panose="02010600030101010101" pitchFamily="2" charset="-122"/>
+                        <a:ea typeface="等线" panose="02010600030101010101" pitchFamily="2" charset="-122"/>
+                      </a:endParaRPr>
+                    </a:p>
+                  </a:txBody>
+                  <a:tcPr marL="9525" marR="9525" marT="9525" marB="0" anchor="ctr"/>
+                </a:tc>
+                <a:extLst>
+                  <a:ext uri="{0D108BD9-81ED-4DB2-BD59-A6C34878D82A}">
+                    <a16:rowId xmlns:a16="http://schemas.microsoft.com/office/drawing/2014/main" val="2968856443"/>
+                  </a:ext>
+                </a:extLst>
+              </a:tr>
+              <a:tr h="180975">
+                <a:tc>
+                  <a:txBody>
+                    <a:bodyPr/>
+                    <a:lstStyle/>
+                    <a:p>
+                      <a:pPr algn="l" fontAlgn="b">
+                        <a:lnSpc>
+                          <a:spcPct val="150000"/>
+                        </a:lnSpc>
+                        <a:spcBef>
+                          <a:spcPts val="600"/>
+                        </a:spcBef>
+                        <a:spcAft>
+                          <a:spcPts val="600"/>
+                        </a:spcAft>
+                      </a:pPr>
+                      <a:r>
+                        <a:rPr lang="en-US" sz="2000" u="none" strike="noStrike">
+                          <a:effectLst/>
+                        </a:rPr>
+                        <a:t>MPA015</a:t>
+                      </a:r>
+                      <a:endParaRPr lang="en-US" sz="2000" b="0" i="0" u="none" strike="noStrike">
+                        <a:solidFill>
+                          <a:srgbClr val="000000"/>
+                        </a:solidFill>
+                        <a:effectLst/>
+                        <a:latin typeface="等线" panose="02010600030101010101" pitchFamily="2" charset="-122"/>
+                        <a:ea typeface="等线" panose="02010600030101010101" pitchFamily="2" charset="-122"/>
+                      </a:endParaRPr>
+                    </a:p>
+                  </a:txBody>
+                  <a:tcPr marL="9525" marR="9525" marT="9525" marB="0" anchor="b"/>
+                </a:tc>
+                <a:tc>
+                  <a:txBody>
+                    <a:bodyPr/>
+                    <a:lstStyle/>
+                    <a:p>
+                      <a:pPr algn="l" fontAlgn="ctr">
+                        <a:lnSpc>
+                          <a:spcPct val="150000"/>
+                        </a:lnSpc>
+                        <a:spcBef>
+                          <a:spcPts val="600"/>
+                        </a:spcBef>
+                        <a:spcAft>
+                          <a:spcPts val="600"/>
+                        </a:spcAft>
+                      </a:pPr>
+                      <a:r>
+                        <a:rPr lang="zh-CN" altLang="en-US" sz="2000" u="none" strike="noStrike">
+                          <a:effectLst/>
+                        </a:rPr>
+                        <a:t>管理员通知公告</a:t>
+                      </a:r>
+                      <a:endParaRPr lang="zh-CN" altLang="en-US" sz="2000" b="0" i="0" u="none" strike="noStrike">
+                        <a:solidFill>
+                          <a:srgbClr val="000000"/>
+                        </a:solidFill>
+                        <a:effectLst/>
+                        <a:latin typeface="等线" panose="02010600030101010101" pitchFamily="2" charset="-122"/>
+                        <a:ea typeface="等线" panose="02010600030101010101" pitchFamily="2" charset="-122"/>
+                      </a:endParaRPr>
+                    </a:p>
+                  </a:txBody>
+                  <a:tcPr marL="9525" marR="9525" marT="9525" marB="0" anchor="ctr"/>
+                </a:tc>
+                <a:extLst>
+                  <a:ext uri="{0D108BD9-81ED-4DB2-BD59-A6C34878D82A}">
+                    <a16:rowId xmlns:a16="http://schemas.microsoft.com/office/drawing/2014/main" val="3388929091"/>
+                  </a:ext>
+                </a:extLst>
+              </a:tr>
+              <a:tr h="180975">
+                <a:tc>
+                  <a:txBody>
+                    <a:bodyPr/>
+                    <a:lstStyle/>
+                    <a:p>
+                      <a:pPr algn="l" fontAlgn="b">
+                        <a:lnSpc>
+                          <a:spcPct val="150000"/>
+                        </a:lnSpc>
+                        <a:spcBef>
+                          <a:spcPts val="600"/>
+                        </a:spcBef>
+                        <a:spcAft>
+                          <a:spcPts val="600"/>
+                        </a:spcAft>
+                      </a:pPr>
+                      <a:r>
+                        <a:rPr lang="en-US" sz="2000" u="none" strike="noStrike">
+                          <a:effectLst/>
+                        </a:rPr>
+                        <a:t>MPA016</a:t>
+                      </a:r>
+                      <a:endParaRPr lang="en-US" sz="2000" b="0" i="0" u="none" strike="noStrike">
+                        <a:solidFill>
+                          <a:srgbClr val="000000"/>
+                        </a:solidFill>
+                        <a:effectLst/>
+                        <a:latin typeface="等线" panose="02010600030101010101" pitchFamily="2" charset="-122"/>
+                        <a:ea typeface="等线" panose="02010600030101010101" pitchFamily="2" charset="-122"/>
+                      </a:endParaRPr>
+                    </a:p>
+                  </a:txBody>
+                  <a:tcPr marL="9525" marR="9525" marT="9525" marB="0" anchor="b"/>
+                </a:tc>
+                <a:tc>
+                  <a:txBody>
+                    <a:bodyPr/>
+                    <a:lstStyle/>
+                    <a:p>
+                      <a:pPr algn="l" fontAlgn="ctr">
+                        <a:lnSpc>
+                          <a:spcPct val="150000"/>
+                        </a:lnSpc>
+                        <a:spcBef>
+                          <a:spcPts val="600"/>
+                        </a:spcBef>
+                        <a:spcAft>
+                          <a:spcPts val="600"/>
+                        </a:spcAft>
+                      </a:pPr>
+                      <a:r>
+                        <a:rPr lang="zh-CN" altLang="en-US" sz="2000" u="none" strike="noStrike">
+                          <a:effectLst/>
+                        </a:rPr>
+                        <a:t>管理员发布公告</a:t>
+                      </a:r>
+                      <a:endParaRPr lang="zh-CN" altLang="en-US" sz="2000" b="0" i="0" u="none" strike="noStrike">
+                        <a:solidFill>
+                          <a:srgbClr val="000000"/>
+                        </a:solidFill>
+                        <a:effectLst/>
+                        <a:latin typeface="等线" panose="02010600030101010101" pitchFamily="2" charset="-122"/>
+                        <a:ea typeface="等线" panose="02010600030101010101" pitchFamily="2" charset="-122"/>
+                      </a:endParaRPr>
+                    </a:p>
+                  </a:txBody>
+                  <a:tcPr marL="9525" marR="9525" marT="9525" marB="0" anchor="ctr"/>
+                </a:tc>
+                <a:extLst>
+                  <a:ext uri="{0D108BD9-81ED-4DB2-BD59-A6C34878D82A}">
+                    <a16:rowId xmlns:a16="http://schemas.microsoft.com/office/drawing/2014/main" val="3780011118"/>
+                  </a:ext>
+                </a:extLst>
+              </a:tr>
+              <a:tr h="180975">
+                <a:tc>
+                  <a:txBody>
+                    <a:bodyPr/>
+                    <a:lstStyle/>
+                    <a:p>
+                      <a:pPr algn="l" fontAlgn="b">
+                        <a:lnSpc>
+                          <a:spcPct val="150000"/>
+                        </a:lnSpc>
+                        <a:spcBef>
+                          <a:spcPts val="600"/>
+                        </a:spcBef>
+                        <a:spcAft>
+                          <a:spcPts val="600"/>
+                        </a:spcAft>
+                      </a:pPr>
+                      <a:r>
+                        <a:rPr lang="en-US" sz="2000" u="none" strike="noStrike">
+                          <a:effectLst/>
+                        </a:rPr>
+                        <a:t>MPA017</a:t>
+                      </a:r>
+                      <a:endParaRPr lang="en-US" sz="2000" b="0" i="0" u="none" strike="noStrike">
+                        <a:solidFill>
+                          <a:srgbClr val="000000"/>
+                        </a:solidFill>
+                        <a:effectLst/>
+                        <a:latin typeface="等线" panose="02010600030101010101" pitchFamily="2" charset="-122"/>
+                        <a:ea typeface="等线" panose="02010600030101010101" pitchFamily="2" charset="-122"/>
+                      </a:endParaRPr>
+                    </a:p>
+                  </a:txBody>
+                  <a:tcPr marL="9525" marR="9525" marT="9525" marB="0" anchor="b"/>
+                </a:tc>
+                <a:tc>
+                  <a:txBody>
+                    <a:bodyPr/>
+                    <a:lstStyle/>
+                    <a:p>
+                      <a:pPr algn="l" fontAlgn="ctr">
+                        <a:lnSpc>
+                          <a:spcPct val="150000"/>
+                        </a:lnSpc>
+                        <a:spcBef>
+                          <a:spcPts val="600"/>
+                        </a:spcBef>
+                        <a:spcAft>
+                          <a:spcPts val="600"/>
+                        </a:spcAft>
+                      </a:pPr>
+                      <a:r>
+                        <a:rPr lang="zh-CN" altLang="en-US" sz="2000" u="none" strike="noStrike">
+                          <a:effectLst/>
+                        </a:rPr>
+                        <a:t>查看通知公告</a:t>
+                      </a:r>
+                      <a:endParaRPr lang="zh-CN" altLang="en-US" sz="2000" b="0" i="0" u="none" strike="noStrike">
+                        <a:solidFill>
+                          <a:srgbClr val="000000"/>
+                        </a:solidFill>
+                        <a:effectLst/>
+                        <a:latin typeface="等线" panose="02010600030101010101" pitchFamily="2" charset="-122"/>
+                        <a:ea typeface="等线" panose="02010600030101010101" pitchFamily="2" charset="-122"/>
+                      </a:endParaRPr>
+                    </a:p>
+                  </a:txBody>
+                  <a:tcPr marL="9525" marR="9525" marT="9525" marB="0" anchor="ctr"/>
+                </a:tc>
+                <a:extLst>
+                  <a:ext uri="{0D108BD9-81ED-4DB2-BD59-A6C34878D82A}">
+                    <a16:rowId xmlns:a16="http://schemas.microsoft.com/office/drawing/2014/main" val="2697649605"/>
+                  </a:ext>
+                </a:extLst>
+              </a:tr>
+              <a:tr h="180975">
+                <a:tc>
+                  <a:txBody>
+                    <a:bodyPr/>
+                    <a:lstStyle/>
+                    <a:p>
+                      <a:pPr algn="l" fontAlgn="b">
+                        <a:lnSpc>
+                          <a:spcPct val="150000"/>
+                        </a:lnSpc>
+                        <a:spcBef>
+                          <a:spcPts val="600"/>
+                        </a:spcBef>
+                        <a:spcAft>
+                          <a:spcPts val="600"/>
+                        </a:spcAft>
+                      </a:pPr>
+                      <a:r>
+                        <a:rPr lang="en-US" sz="2000" u="none" strike="noStrike">
+                          <a:effectLst/>
+                        </a:rPr>
+                        <a:t>MPA018</a:t>
+                      </a:r>
+                      <a:endParaRPr lang="en-US" sz="2000" b="0" i="0" u="none" strike="noStrike">
+                        <a:solidFill>
+                          <a:srgbClr val="000000"/>
+                        </a:solidFill>
+                        <a:effectLst/>
+                        <a:latin typeface="等线" panose="02010600030101010101" pitchFamily="2" charset="-122"/>
+                        <a:ea typeface="等线" panose="02010600030101010101" pitchFamily="2" charset="-122"/>
+                      </a:endParaRPr>
+                    </a:p>
+                  </a:txBody>
+                  <a:tcPr marL="9525" marR="9525" marT="9525" marB="0" anchor="b"/>
+                </a:tc>
+                <a:tc>
+                  <a:txBody>
+                    <a:bodyPr/>
+                    <a:lstStyle/>
+                    <a:p>
+                      <a:pPr algn="l" fontAlgn="ctr">
+                        <a:lnSpc>
+                          <a:spcPct val="150000"/>
+                        </a:lnSpc>
+                        <a:spcBef>
+                          <a:spcPts val="600"/>
+                        </a:spcBef>
+                        <a:spcAft>
+                          <a:spcPts val="600"/>
+                        </a:spcAft>
+                      </a:pPr>
+                      <a:r>
+                        <a:rPr lang="zh-CN" altLang="en-US" sz="2000" u="none" strike="noStrike">
+                          <a:effectLst/>
+                        </a:rPr>
+                        <a:t>教师登录</a:t>
+                      </a:r>
+                      <a:endParaRPr lang="zh-CN" altLang="en-US" sz="2000" b="0" i="0" u="none" strike="noStrike">
+                        <a:solidFill>
+                          <a:srgbClr val="000000"/>
+                        </a:solidFill>
+                        <a:effectLst/>
+                        <a:latin typeface="等线" panose="02010600030101010101" pitchFamily="2" charset="-122"/>
+                        <a:ea typeface="等线" panose="02010600030101010101" pitchFamily="2" charset="-122"/>
+                      </a:endParaRPr>
+                    </a:p>
+                  </a:txBody>
+                  <a:tcPr marL="9525" marR="9525" marT="9525" marB="0" anchor="ctr"/>
+                </a:tc>
+                <a:extLst>
+                  <a:ext uri="{0D108BD9-81ED-4DB2-BD59-A6C34878D82A}">
+                    <a16:rowId xmlns:a16="http://schemas.microsoft.com/office/drawing/2014/main" val="344600299"/>
+                  </a:ext>
+                </a:extLst>
+              </a:tr>
+              <a:tr h="180975">
+                <a:tc>
+                  <a:txBody>
+                    <a:bodyPr/>
+                    <a:lstStyle/>
+                    <a:p>
+                      <a:pPr algn="l" fontAlgn="b">
+                        <a:lnSpc>
+                          <a:spcPct val="150000"/>
+                        </a:lnSpc>
+                        <a:spcBef>
+                          <a:spcPts val="600"/>
+                        </a:spcBef>
+                        <a:spcAft>
+                          <a:spcPts val="600"/>
+                        </a:spcAft>
+                      </a:pPr>
+                      <a:r>
+                        <a:rPr lang="en-US" sz="2000" u="none" strike="noStrike">
+                          <a:effectLst/>
+                        </a:rPr>
+                        <a:t>MPA019</a:t>
+                      </a:r>
+                      <a:endParaRPr lang="en-US" sz="2000" b="0" i="0" u="none" strike="noStrike">
+                        <a:solidFill>
+                          <a:srgbClr val="000000"/>
+                        </a:solidFill>
+                        <a:effectLst/>
+                        <a:latin typeface="等线" panose="02010600030101010101" pitchFamily="2" charset="-122"/>
+                        <a:ea typeface="等线" panose="02010600030101010101" pitchFamily="2" charset="-122"/>
+                      </a:endParaRPr>
+                    </a:p>
+                  </a:txBody>
+                  <a:tcPr marL="9525" marR="9525" marT="9525" marB="0" anchor="b"/>
+                </a:tc>
+                <a:tc>
+                  <a:txBody>
+                    <a:bodyPr/>
+                    <a:lstStyle/>
+                    <a:p>
+                      <a:pPr algn="l" fontAlgn="ctr">
+                        <a:lnSpc>
+                          <a:spcPct val="150000"/>
+                        </a:lnSpc>
+                        <a:spcBef>
+                          <a:spcPts val="600"/>
+                        </a:spcBef>
+                        <a:spcAft>
+                          <a:spcPts val="600"/>
+                        </a:spcAft>
+                      </a:pPr>
+                      <a:r>
+                        <a:rPr lang="zh-CN" altLang="en-US" sz="2000" u="none" strike="noStrike">
+                          <a:effectLst/>
+                        </a:rPr>
+                        <a:t>教师课程管理</a:t>
+                      </a:r>
+                      <a:endParaRPr lang="zh-CN" altLang="en-US" sz="2000" b="0" i="0" u="none" strike="noStrike">
+                        <a:solidFill>
+                          <a:srgbClr val="000000"/>
+                        </a:solidFill>
+                        <a:effectLst/>
+                        <a:latin typeface="等线" panose="02010600030101010101" pitchFamily="2" charset="-122"/>
+                        <a:ea typeface="等线" panose="02010600030101010101" pitchFamily="2" charset="-122"/>
+                      </a:endParaRPr>
+                    </a:p>
+                  </a:txBody>
+                  <a:tcPr marL="9525" marR="9525" marT="9525" marB="0" anchor="ctr"/>
+                </a:tc>
+                <a:extLst>
+                  <a:ext uri="{0D108BD9-81ED-4DB2-BD59-A6C34878D82A}">
+                    <a16:rowId xmlns:a16="http://schemas.microsoft.com/office/drawing/2014/main" val="4141364297"/>
+                  </a:ext>
+                </a:extLst>
+              </a:tr>
+              <a:tr h="180975">
+                <a:tc>
+                  <a:txBody>
+                    <a:bodyPr/>
+                    <a:lstStyle/>
+                    <a:p>
+                      <a:pPr algn="l" fontAlgn="b">
+                        <a:lnSpc>
+                          <a:spcPct val="150000"/>
+                        </a:lnSpc>
+                        <a:spcBef>
+                          <a:spcPts val="600"/>
+                        </a:spcBef>
+                        <a:spcAft>
+                          <a:spcPts val="600"/>
+                        </a:spcAft>
+                      </a:pPr>
+                      <a:r>
+                        <a:rPr lang="en-US" sz="2000" u="none" strike="noStrike">
+                          <a:effectLst/>
+                        </a:rPr>
+                        <a:t>MPA020</a:t>
+                      </a:r>
+                      <a:endParaRPr lang="en-US" sz="2000" b="0" i="0" u="none" strike="noStrike">
+                        <a:solidFill>
+                          <a:srgbClr val="000000"/>
+                        </a:solidFill>
+                        <a:effectLst/>
+                        <a:latin typeface="等线" panose="02010600030101010101" pitchFamily="2" charset="-122"/>
+                        <a:ea typeface="等线" panose="02010600030101010101" pitchFamily="2" charset="-122"/>
+                      </a:endParaRPr>
+                    </a:p>
+                  </a:txBody>
+                  <a:tcPr marL="9525" marR="9525" marT="9525" marB="0" anchor="b"/>
+                </a:tc>
+                <a:tc>
+                  <a:txBody>
+                    <a:bodyPr/>
+                    <a:lstStyle/>
+                    <a:p>
+                      <a:pPr algn="l" fontAlgn="ctr">
+                        <a:lnSpc>
+                          <a:spcPct val="150000"/>
+                        </a:lnSpc>
+                        <a:spcBef>
+                          <a:spcPts val="600"/>
+                        </a:spcBef>
+                        <a:spcAft>
+                          <a:spcPts val="600"/>
+                        </a:spcAft>
+                      </a:pPr>
+                      <a:r>
+                        <a:rPr lang="zh-CN" altLang="en-US" sz="2000" u="none" strike="noStrike">
+                          <a:effectLst/>
+                        </a:rPr>
+                        <a:t>教师添加课程</a:t>
+                      </a:r>
+                      <a:endParaRPr lang="zh-CN" altLang="en-US" sz="2000" b="0" i="0" u="none" strike="noStrike">
+                        <a:solidFill>
+                          <a:srgbClr val="000000"/>
+                        </a:solidFill>
+                        <a:effectLst/>
+                        <a:latin typeface="等线" panose="02010600030101010101" pitchFamily="2" charset="-122"/>
+                        <a:ea typeface="等线" panose="02010600030101010101" pitchFamily="2" charset="-122"/>
+                      </a:endParaRPr>
+                    </a:p>
+                  </a:txBody>
+                  <a:tcPr marL="9525" marR="9525" marT="9525" marB="0" anchor="ctr"/>
+                </a:tc>
+                <a:extLst>
+                  <a:ext uri="{0D108BD9-81ED-4DB2-BD59-A6C34878D82A}">
+                    <a16:rowId xmlns:a16="http://schemas.microsoft.com/office/drawing/2014/main" val="2377825433"/>
+                  </a:ext>
+                </a:extLst>
+              </a:tr>
+              <a:tr h="180975">
+                <a:tc>
+                  <a:txBody>
+                    <a:bodyPr/>
+                    <a:lstStyle/>
+                    <a:p>
+                      <a:pPr algn="l" fontAlgn="b">
+                        <a:lnSpc>
+                          <a:spcPct val="150000"/>
+                        </a:lnSpc>
+                        <a:spcBef>
+                          <a:spcPts val="600"/>
+                        </a:spcBef>
+                        <a:spcAft>
+                          <a:spcPts val="600"/>
+                        </a:spcAft>
+                      </a:pPr>
+                      <a:r>
+                        <a:rPr lang="en-US" sz="2000" u="none" strike="noStrike">
+                          <a:effectLst/>
+                        </a:rPr>
+                        <a:t>MPA021</a:t>
+                      </a:r>
+                      <a:endParaRPr lang="en-US" sz="2000" b="0" i="0" u="none" strike="noStrike">
+                        <a:solidFill>
+                          <a:srgbClr val="000000"/>
+                        </a:solidFill>
+                        <a:effectLst/>
+                        <a:latin typeface="等线" panose="02010600030101010101" pitchFamily="2" charset="-122"/>
+                        <a:ea typeface="等线" panose="02010600030101010101" pitchFamily="2" charset="-122"/>
+                      </a:endParaRPr>
+                    </a:p>
+                  </a:txBody>
+                  <a:tcPr marL="9525" marR="9525" marT="9525" marB="0" anchor="b"/>
+                </a:tc>
+                <a:tc>
+                  <a:txBody>
+                    <a:bodyPr/>
+                    <a:lstStyle/>
+                    <a:p>
+                      <a:pPr algn="l" fontAlgn="ctr">
+                        <a:lnSpc>
+                          <a:spcPct val="150000"/>
+                        </a:lnSpc>
+                        <a:spcBef>
+                          <a:spcPts val="600"/>
+                        </a:spcBef>
+                        <a:spcAft>
+                          <a:spcPts val="600"/>
+                        </a:spcAft>
+                      </a:pPr>
+                      <a:r>
+                        <a:rPr lang="zh-CN" altLang="en-US" sz="2000" u="none" strike="noStrike">
+                          <a:effectLst/>
+                        </a:rPr>
+                        <a:t>教师查看我的课程</a:t>
+                      </a:r>
+                      <a:endParaRPr lang="zh-CN" altLang="en-US" sz="2000" b="0" i="0" u="none" strike="noStrike">
+                        <a:solidFill>
+                          <a:srgbClr val="000000"/>
+                        </a:solidFill>
+                        <a:effectLst/>
+                        <a:latin typeface="等线" panose="02010600030101010101" pitchFamily="2" charset="-122"/>
+                        <a:ea typeface="等线" panose="02010600030101010101" pitchFamily="2" charset="-122"/>
+                      </a:endParaRPr>
+                    </a:p>
+                  </a:txBody>
+                  <a:tcPr marL="9525" marR="9525" marT="9525" marB="0" anchor="ctr"/>
+                </a:tc>
+                <a:extLst>
+                  <a:ext uri="{0D108BD9-81ED-4DB2-BD59-A6C34878D82A}">
+                    <a16:rowId xmlns:a16="http://schemas.microsoft.com/office/drawing/2014/main" val="1191905277"/>
+                  </a:ext>
+                </a:extLst>
+              </a:tr>
+              <a:tr h="180975">
+                <a:tc>
+                  <a:txBody>
+                    <a:bodyPr/>
+                    <a:lstStyle/>
+                    <a:p>
+                      <a:pPr algn="l" fontAlgn="b">
+                        <a:lnSpc>
+                          <a:spcPct val="150000"/>
+                        </a:lnSpc>
+                        <a:spcBef>
+                          <a:spcPts val="600"/>
+                        </a:spcBef>
+                        <a:spcAft>
+                          <a:spcPts val="600"/>
+                        </a:spcAft>
+                      </a:pPr>
+                      <a:r>
+                        <a:rPr lang="en-US" sz="2000" u="none" strike="noStrike">
+                          <a:effectLst/>
+                        </a:rPr>
+                        <a:t>MPA022</a:t>
+                      </a:r>
+                      <a:endParaRPr lang="en-US" sz="2000" b="0" i="0" u="none" strike="noStrike">
+                        <a:solidFill>
+                          <a:srgbClr val="000000"/>
+                        </a:solidFill>
+                        <a:effectLst/>
+                        <a:latin typeface="等线" panose="02010600030101010101" pitchFamily="2" charset="-122"/>
+                        <a:ea typeface="等线" panose="02010600030101010101" pitchFamily="2" charset="-122"/>
+                      </a:endParaRPr>
+                    </a:p>
+                  </a:txBody>
+                  <a:tcPr marL="9525" marR="9525" marT="9525" marB="0" anchor="b"/>
+                </a:tc>
+                <a:tc>
+                  <a:txBody>
+                    <a:bodyPr/>
+                    <a:lstStyle/>
+                    <a:p>
+                      <a:pPr algn="l" fontAlgn="ctr">
+                        <a:lnSpc>
+                          <a:spcPct val="150000"/>
+                        </a:lnSpc>
+                        <a:spcBef>
+                          <a:spcPts val="600"/>
+                        </a:spcBef>
+                        <a:spcAft>
+                          <a:spcPts val="600"/>
+                        </a:spcAft>
+                      </a:pPr>
+                      <a:r>
+                        <a:rPr lang="zh-CN" altLang="en-US" sz="2000" u="none" strike="noStrike" dirty="0">
+                          <a:effectLst/>
+                        </a:rPr>
+                        <a:t>教师删除课程</a:t>
+                      </a:r>
+                      <a:endParaRPr lang="zh-CN" altLang="en-US" sz="2000" b="0" i="0" u="none" strike="noStrike" dirty="0">
+                        <a:solidFill>
+                          <a:srgbClr val="000000"/>
+                        </a:solidFill>
+                        <a:effectLst/>
+                        <a:latin typeface="等线" panose="02010600030101010101" pitchFamily="2" charset="-122"/>
+                        <a:ea typeface="等线" panose="02010600030101010101" pitchFamily="2" charset="-122"/>
+                      </a:endParaRPr>
+                    </a:p>
+                  </a:txBody>
+                  <a:tcPr marL="9525" marR="9525" marT="9525" marB="0" anchor="ctr"/>
+                </a:tc>
+                <a:extLst>
+                  <a:ext uri="{0D108BD9-81ED-4DB2-BD59-A6C34878D82A}">
+                    <a16:rowId xmlns:a16="http://schemas.microsoft.com/office/drawing/2014/main" val="2011767617"/>
+                  </a:ext>
+                </a:extLst>
+              </a:tr>
+            </a:tbl>
+          </a:graphicData>
+        </a:graphic>
+      </p:graphicFrame>
+    </p:spTree>
+    <p:extLst>
+      <p:ext uri="{BB962C8B-B14F-4D97-AF65-F5344CB8AC3E}">
+        <p14:creationId xmlns:p14="http://schemas.microsoft.com/office/powerpoint/2010/main" val="3703943544"/>
+      </p:ext>
+    </p:extLst>
+  </p:cSld>
+  <p:clrMapOvr>
+    <a:masterClrMapping/>
+  </p:clrMapOvr>
+</p:sld>
+</file>
+
+<file path=ppt/slides/slide39.xml><?xml version="1.0" encoding="utf-8"?>
+<p:sld xmlns:a="http://schemas.openxmlformats.org/drawingml/2006/main" xmlns:r="http://schemas.openxmlformats.org/officeDocument/2006/relationships" xmlns:p="http://schemas.openxmlformats.org/presentationml/2006/main">
+  <p:cSld>
+    <p:spTree>
+      <p:nvGrpSpPr>
+        <p:cNvPr id="1" name=""/>
+        <p:cNvGrpSpPr/>
+        <p:nvPr/>
+      </p:nvGrpSpPr>
+      <p:grpSpPr>
+        <a:xfrm>
+          <a:off x="0" y="0"/>
+          <a:ext cx="0" cy="0"/>
+          <a:chOff x="0" y="0"/>
+          <a:chExt cx="0" cy="0"/>
+        </a:xfrm>
+      </p:grpSpPr>
+      <p:sp>
+        <p:nvSpPr>
+          <p:cNvPr id="5" name="标题 1">
+            <a:extLst>
+              <a:ext uri="{FF2B5EF4-FFF2-40B4-BE49-F238E27FC236}">
+                <a16:creationId xmlns:a16="http://schemas.microsoft.com/office/drawing/2014/main" id="{D85B6B2A-FBF0-41F4-B80B-0F7EFDDBBFDA}"/>
+              </a:ext>
+            </a:extLst>
+          </p:cNvPr>
+          <p:cNvSpPr>
+            <a:spLocks noGrp="1"/>
+          </p:cNvSpPr>
+          <p:nvPr>
+            <p:ph type="title"/>
+          </p:nvPr>
+        </p:nvSpPr>
+        <p:spPr>
+          <a:xfrm>
+            <a:off x="669882" y="432000"/>
+            <a:ext cx="10852237" cy="648000"/>
+          </a:xfrm>
+        </p:spPr>
+        <p:txBody>
+          <a:bodyPr/>
+          <a:lstStyle/>
+          <a:p>
+            <a:r>
+              <a:rPr lang="zh-CN" altLang="en-US" dirty="0"/>
+              <a:t>性能测试</a:t>
+            </a:r>
+            <a:r>
+              <a:rPr lang="en-US" altLang="zh-CN" dirty="0"/>
+              <a:t>——</a:t>
+            </a:r>
+            <a:r>
+              <a:rPr lang="zh-CN" altLang="en-US" dirty="0"/>
+              <a:t>独立场景设计</a:t>
+            </a:r>
+          </a:p>
+        </p:txBody>
+      </p:sp>
+      <p:pic>
+        <p:nvPicPr>
+          <p:cNvPr id="2" name="图片 1">
+            <a:extLst>
+              <a:ext uri="{FF2B5EF4-FFF2-40B4-BE49-F238E27FC236}">
+                <a16:creationId xmlns:a16="http://schemas.microsoft.com/office/drawing/2014/main" id="{73BE4CAA-DDBE-4330-8082-FA6D01A4F391}"/>
+              </a:ext>
+            </a:extLst>
+          </p:cNvPr>
+          <p:cNvPicPr>
+            <a:picLocks noChangeAspect="1"/>
+          </p:cNvPicPr>
+          <p:nvPr/>
+        </p:nvPicPr>
+        <p:blipFill>
+          <a:blip r:embed="rId2"/>
+          <a:stretch>
+            <a:fillRect/>
+          </a:stretch>
+        </p:blipFill>
+        <p:spPr>
+          <a:xfrm>
+            <a:off x="2531064" y="2819672"/>
+            <a:ext cx="6828058" cy="1218656"/>
+          </a:xfrm>
+          <a:prstGeom prst="rect">
+            <a:avLst/>
+          </a:prstGeom>
+        </p:spPr>
+      </p:pic>
+    </p:spTree>
+    <p:extLst>
+      <p:ext uri="{BB962C8B-B14F-4D97-AF65-F5344CB8AC3E}">
+        <p14:creationId xmlns:p14="http://schemas.microsoft.com/office/powerpoint/2010/main" val="641498382"/>
+      </p:ext>
+    </p:extLst>
   </p:cSld>
   <p:clrMapOvr>
     <a:masterClrMapping/>
@@ -19821,7 +23522,7 @@
               <a:defRPr/>
             </a:pPr>
             <a:r>
-              <a:rPr lang="en-US" altLang="zh-CN" sz="4400" dirty="0" smtClean="0">
+              <a:rPr lang="en-US" altLang="zh-CN" sz="4400" dirty="0">
                 <a:sym typeface="+mn-ea"/>
               </a:rPr>
               <a:t>DEMO</a:t>
@@ -19858,6 +23559,3310 @@
         <p14:creationId xmlns:p14="http://schemas.microsoft.com/office/powerpoint/2010/main" val="1260186083"/>
       </p:ext>
     </p:extLst>
+  </p:cSld>
+  <p:clrMapOvr>
+    <a:masterClrMapping/>
+  </p:clrMapOvr>
+</p:sld>
+</file>
+
+<file path=ppt/slides/slide40.xml><?xml version="1.0" encoding="utf-8"?>
+<p:sld xmlns:a="http://schemas.openxmlformats.org/drawingml/2006/main" xmlns:r="http://schemas.openxmlformats.org/officeDocument/2006/relationships" xmlns:p="http://schemas.openxmlformats.org/presentationml/2006/main">
+  <p:cSld>
+    <p:spTree>
+      <p:nvGrpSpPr>
+        <p:cNvPr id="1" name=""/>
+        <p:cNvGrpSpPr/>
+        <p:nvPr/>
+      </p:nvGrpSpPr>
+      <p:grpSpPr>
+        <a:xfrm>
+          <a:off x="0" y="0"/>
+          <a:ext cx="0" cy="0"/>
+          <a:chOff x="0" y="0"/>
+          <a:chExt cx="0" cy="0"/>
+        </a:xfrm>
+      </p:grpSpPr>
+      <p:sp>
+        <p:nvSpPr>
+          <p:cNvPr id="5" name="标题 1">
+            <a:extLst>
+              <a:ext uri="{FF2B5EF4-FFF2-40B4-BE49-F238E27FC236}">
+                <a16:creationId xmlns:a16="http://schemas.microsoft.com/office/drawing/2014/main" id="{D85B6B2A-FBF0-41F4-B80B-0F7EFDDBBFDA}"/>
+              </a:ext>
+            </a:extLst>
+          </p:cNvPr>
+          <p:cNvSpPr>
+            <a:spLocks noGrp="1"/>
+          </p:cNvSpPr>
+          <p:nvPr>
+            <p:ph type="title"/>
+          </p:nvPr>
+        </p:nvSpPr>
+        <p:spPr>
+          <a:xfrm>
+            <a:off x="669882" y="432000"/>
+            <a:ext cx="10852237" cy="648000"/>
+          </a:xfrm>
+        </p:spPr>
+        <p:txBody>
+          <a:bodyPr/>
+          <a:lstStyle/>
+          <a:p>
+            <a:r>
+              <a:rPr lang="zh-CN" altLang="en-US" dirty="0"/>
+              <a:t>性能测试</a:t>
+            </a:r>
+            <a:r>
+              <a:rPr lang="en-US" altLang="zh-CN" dirty="0"/>
+              <a:t>——</a:t>
+            </a:r>
+            <a:r>
+              <a:rPr lang="zh-CN" altLang="en-US" dirty="0"/>
+              <a:t>独立场景：学生选课</a:t>
+            </a:r>
+          </a:p>
+        </p:txBody>
+      </p:sp>
+      <p:pic>
+        <p:nvPicPr>
+          <p:cNvPr id="4" name="图片 3">
+            <a:extLst>
+              <a:ext uri="{FF2B5EF4-FFF2-40B4-BE49-F238E27FC236}">
+                <a16:creationId xmlns:a16="http://schemas.microsoft.com/office/drawing/2014/main" id="{4011B2A6-9B15-4707-BC53-E43248E34628}"/>
+              </a:ext>
+            </a:extLst>
+          </p:cNvPr>
+          <p:cNvPicPr/>
+          <p:nvPr/>
+        </p:nvPicPr>
+        <p:blipFill>
+          <a:blip r:embed="rId2"/>
+          <a:stretch>
+            <a:fillRect/>
+          </a:stretch>
+        </p:blipFill>
+        <p:spPr>
+          <a:xfrm>
+            <a:off x="669882" y="1157214"/>
+            <a:ext cx="8349978" cy="3247571"/>
+          </a:xfrm>
+          <a:prstGeom prst="rect">
+            <a:avLst/>
+          </a:prstGeom>
+        </p:spPr>
+      </p:pic>
+      <p:pic>
+        <p:nvPicPr>
+          <p:cNvPr id="6" name="图片 5">
+            <a:extLst>
+              <a:ext uri="{FF2B5EF4-FFF2-40B4-BE49-F238E27FC236}">
+                <a16:creationId xmlns:a16="http://schemas.microsoft.com/office/drawing/2014/main" id="{8D5FD68A-19E0-491E-9CDE-1A8296639455}"/>
+              </a:ext>
+            </a:extLst>
+          </p:cNvPr>
+          <p:cNvPicPr/>
+          <p:nvPr/>
+        </p:nvPicPr>
+        <p:blipFill>
+          <a:blip r:embed="rId3"/>
+          <a:stretch>
+            <a:fillRect/>
+          </a:stretch>
+        </p:blipFill>
+        <p:spPr>
+          <a:xfrm>
+            <a:off x="1326089" y="1494774"/>
+            <a:ext cx="8416416" cy="3420879"/>
+          </a:xfrm>
+          <a:prstGeom prst="rect">
+            <a:avLst/>
+          </a:prstGeom>
+        </p:spPr>
+      </p:pic>
+      <p:pic>
+        <p:nvPicPr>
+          <p:cNvPr id="7" name="图片 6">
+            <a:extLst>
+              <a:ext uri="{FF2B5EF4-FFF2-40B4-BE49-F238E27FC236}">
+                <a16:creationId xmlns:a16="http://schemas.microsoft.com/office/drawing/2014/main" id="{61649221-9CF6-493A-8158-CC05A93FC117}"/>
+              </a:ext>
+            </a:extLst>
+          </p:cNvPr>
+          <p:cNvPicPr/>
+          <p:nvPr/>
+        </p:nvPicPr>
+        <p:blipFill>
+          <a:blip r:embed="rId4"/>
+          <a:stretch>
+            <a:fillRect/>
+          </a:stretch>
+        </p:blipFill>
+        <p:spPr>
+          <a:xfrm>
+            <a:off x="2132977" y="1873794"/>
+            <a:ext cx="9113094" cy="3704046"/>
+          </a:xfrm>
+          <a:prstGeom prst="rect">
+            <a:avLst/>
+          </a:prstGeom>
+        </p:spPr>
+      </p:pic>
+      <p:pic>
+        <p:nvPicPr>
+          <p:cNvPr id="8" name="图片 7">
+            <a:extLst>
+              <a:ext uri="{FF2B5EF4-FFF2-40B4-BE49-F238E27FC236}">
+                <a16:creationId xmlns:a16="http://schemas.microsoft.com/office/drawing/2014/main" id="{29E57AB8-3715-4B49-9F5A-AD95DA7B4FD8}"/>
+              </a:ext>
+            </a:extLst>
+          </p:cNvPr>
+          <p:cNvPicPr/>
+          <p:nvPr/>
+        </p:nvPicPr>
+        <p:blipFill>
+          <a:blip r:embed="rId5"/>
+          <a:stretch>
+            <a:fillRect/>
+          </a:stretch>
+        </p:blipFill>
+        <p:spPr>
+          <a:xfrm>
+            <a:off x="2682755" y="2500510"/>
+            <a:ext cx="9370204" cy="3808549"/>
+          </a:xfrm>
+          <a:prstGeom prst="rect">
+            <a:avLst/>
+          </a:prstGeom>
+        </p:spPr>
+      </p:pic>
+    </p:spTree>
+    <p:extLst>
+      <p:ext uri="{BB962C8B-B14F-4D97-AF65-F5344CB8AC3E}">
+        <p14:creationId xmlns:p14="http://schemas.microsoft.com/office/powerpoint/2010/main" val="3461644291"/>
+      </p:ext>
+    </p:extLst>
+  </p:cSld>
+  <p:clrMapOvr>
+    <a:masterClrMapping/>
+  </p:clrMapOvr>
+  <p:timing>
+    <p:tnLst>
+      <p:par>
+        <p:cTn id="1" dur="indefinite" restart="never" nodeType="tmRoot">
+          <p:childTnLst>
+            <p:seq concurrent="1" nextAc="seek">
+              <p:cTn id="2" dur="indefinite" nodeType="mainSeq">
+                <p:childTnLst>
+                  <p:par>
+                    <p:cTn id="3" fill="hold">
+                      <p:stCondLst>
+                        <p:cond delay="indefinite"/>
+                      </p:stCondLst>
+                      <p:childTnLst>
+                        <p:par>
+                          <p:cTn id="4" fill="hold">
+                            <p:stCondLst>
+                              <p:cond delay="0"/>
+                            </p:stCondLst>
+                            <p:childTnLst>
+                              <p:par>
+                                <p:cTn id="5" presetID="10" presetClass="entr" presetSubtype="0" fill="hold" nodeType="clickEffect">
+                                  <p:stCondLst>
+                                    <p:cond delay="0"/>
+                                  </p:stCondLst>
+                                  <p:childTnLst>
+                                    <p:set>
+                                      <p:cBhvr>
+                                        <p:cTn id="6" dur="1" fill="hold">
+                                          <p:stCondLst>
+                                            <p:cond delay="0"/>
+                                          </p:stCondLst>
+                                        </p:cTn>
+                                        <p:tgtEl>
+                                          <p:spTgt spid="4"/>
+                                        </p:tgtEl>
+                                        <p:attrNameLst>
+                                          <p:attrName>style.visibility</p:attrName>
+                                        </p:attrNameLst>
+                                      </p:cBhvr>
+                                      <p:to>
+                                        <p:strVal val="visible"/>
+                                      </p:to>
+                                    </p:set>
+                                    <p:animEffect transition="in" filter="fade">
+                                      <p:cBhvr>
+                                        <p:cTn id="7" dur="500"/>
+                                        <p:tgtEl>
+                                          <p:spTgt spid="4"/>
+                                        </p:tgtEl>
+                                      </p:cBhvr>
+                                    </p:animEffect>
+                                  </p:childTnLst>
+                                </p:cTn>
+                              </p:par>
+                            </p:childTnLst>
+                          </p:cTn>
+                        </p:par>
+                      </p:childTnLst>
+                    </p:cTn>
+                  </p:par>
+                  <p:par>
+                    <p:cTn id="8" fill="hold">
+                      <p:stCondLst>
+                        <p:cond delay="indefinite"/>
+                      </p:stCondLst>
+                      <p:childTnLst>
+                        <p:par>
+                          <p:cTn id="9" fill="hold">
+                            <p:stCondLst>
+                              <p:cond delay="0"/>
+                            </p:stCondLst>
+                            <p:childTnLst>
+                              <p:par>
+                                <p:cTn id="10" presetID="10" presetClass="entr" presetSubtype="0" fill="hold" nodeType="clickEffect">
+                                  <p:stCondLst>
+                                    <p:cond delay="0"/>
+                                  </p:stCondLst>
+                                  <p:childTnLst>
+                                    <p:set>
+                                      <p:cBhvr>
+                                        <p:cTn id="11" dur="1" fill="hold">
+                                          <p:stCondLst>
+                                            <p:cond delay="0"/>
+                                          </p:stCondLst>
+                                        </p:cTn>
+                                        <p:tgtEl>
+                                          <p:spTgt spid="6"/>
+                                        </p:tgtEl>
+                                        <p:attrNameLst>
+                                          <p:attrName>style.visibility</p:attrName>
+                                        </p:attrNameLst>
+                                      </p:cBhvr>
+                                      <p:to>
+                                        <p:strVal val="visible"/>
+                                      </p:to>
+                                    </p:set>
+                                    <p:animEffect transition="in" filter="fade">
+                                      <p:cBhvr>
+                                        <p:cTn id="12" dur="500"/>
+                                        <p:tgtEl>
+                                          <p:spTgt spid="6"/>
+                                        </p:tgtEl>
+                                      </p:cBhvr>
+                                    </p:animEffect>
+                                  </p:childTnLst>
+                                </p:cTn>
+                              </p:par>
+                            </p:childTnLst>
+                          </p:cTn>
+                        </p:par>
+                      </p:childTnLst>
+                    </p:cTn>
+                  </p:par>
+                  <p:par>
+                    <p:cTn id="13" fill="hold">
+                      <p:stCondLst>
+                        <p:cond delay="indefinite"/>
+                      </p:stCondLst>
+                      <p:childTnLst>
+                        <p:par>
+                          <p:cTn id="14" fill="hold">
+                            <p:stCondLst>
+                              <p:cond delay="0"/>
+                            </p:stCondLst>
+                            <p:childTnLst>
+                              <p:par>
+                                <p:cTn id="15" presetID="10" presetClass="entr" presetSubtype="0" fill="hold" nodeType="clickEffect">
+                                  <p:stCondLst>
+                                    <p:cond delay="0"/>
+                                  </p:stCondLst>
+                                  <p:childTnLst>
+                                    <p:set>
+                                      <p:cBhvr>
+                                        <p:cTn id="16" dur="1" fill="hold">
+                                          <p:stCondLst>
+                                            <p:cond delay="0"/>
+                                          </p:stCondLst>
+                                        </p:cTn>
+                                        <p:tgtEl>
+                                          <p:spTgt spid="7"/>
+                                        </p:tgtEl>
+                                        <p:attrNameLst>
+                                          <p:attrName>style.visibility</p:attrName>
+                                        </p:attrNameLst>
+                                      </p:cBhvr>
+                                      <p:to>
+                                        <p:strVal val="visible"/>
+                                      </p:to>
+                                    </p:set>
+                                    <p:animEffect transition="in" filter="fade">
+                                      <p:cBhvr>
+                                        <p:cTn id="17" dur="500"/>
+                                        <p:tgtEl>
+                                          <p:spTgt spid="7"/>
+                                        </p:tgtEl>
+                                      </p:cBhvr>
+                                    </p:animEffect>
+                                  </p:childTnLst>
+                                </p:cTn>
+                              </p:par>
+                            </p:childTnLst>
+                          </p:cTn>
+                        </p:par>
+                      </p:childTnLst>
+                    </p:cTn>
+                  </p:par>
+                  <p:par>
+                    <p:cTn id="18" fill="hold">
+                      <p:stCondLst>
+                        <p:cond delay="indefinite"/>
+                      </p:stCondLst>
+                      <p:childTnLst>
+                        <p:par>
+                          <p:cTn id="19" fill="hold">
+                            <p:stCondLst>
+                              <p:cond delay="0"/>
+                            </p:stCondLst>
+                            <p:childTnLst>
+                              <p:par>
+                                <p:cTn id="20" presetID="10" presetClass="entr" presetSubtype="0" fill="hold" nodeType="clickEffect">
+                                  <p:stCondLst>
+                                    <p:cond delay="0"/>
+                                  </p:stCondLst>
+                                  <p:childTnLst>
+                                    <p:set>
+                                      <p:cBhvr>
+                                        <p:cTn id="21" dur="1" fill="hold">
+                                          <p:stCondLst>
+                                            <p:cond delay="0"/>
+                                          </p:stCondLst>
+                                        </p:cTn>
+                                        <p:tgtEl>
+                                          <p:spTgt spid="8"/>
+                                        </p:tgtEl>
+                                        <p:attrNameLst>
+                                          <p:attrName>style.visibility</p:attrName>
+                                        </p:attrNameLst>
+                                      </p:cBhvr>
+                                      <p:to>
+                                        <p:strVal val="visible"/>
+                                      </p:to>
+                                    </p:set>
+                                    <p:animEffect transition="in" filter="fade">
+                                      <p:cBhvr>
+                                        <p:cTn id="22" dur="500"/>
+                                        <p:tgtEl>
+                                          <p:spTgt spid="8"/>
+                                        </p:tgtEl>
+                                      </p:cBhvr>
+                                    </p:animEffect>
+                                  </p:childTnLst>
+                                </p:cTn>
+                              </p:par>
+                            </p:childTnLst>
+                          </p:cTn>
+                        </p:par>
+                      </p:childTnLst>
+                    </p:cTn>
+                  </p:par>
+                </p:childTnLst>
+              </p:cTn>
+              <p:prevCondLst>
+                <p:cond evt="onPrev" delay="0">
+                  <p:tgtEl>
+                    <p:sldTgt/>
+                  </p:tgtEl>
+                </p:cond>
+              </p:prevCondLst>
+              <p:nextCondLst>
+                <p:cond evt="onNext" delay="0">
+                  <p:tgtEl>
+                    <p:sldTgt/>
+                  </p:tgtEl>
+                </p:cond>
+              </p:nextCondLst>
+            </p:seq>
+          </p:childTnLst>
+        </p:cTn>
+      </p:par>
+    </p:tnLst>
+  </p:timing>
+</p:sld>
+</file>
+
+<file path=ppt/slides/slide41.xml><?xml version="1.0" encoding="utf-8"?>
+<p:sld xmlns:a="http://schemas.openxmlformats.org/drawingml/2006/main" xmlns:r="http://schemas.openxmlformats.org/officeDocument/2006/relationships" xmlns:p="http://schemas.openxmlformats.org/presentationml/2006/main">
+  <p:cSld>
+    <p:spTree>
+      <p:nvGrpSpPr>
+        <p:cNvPr id="1" name=""/>
+        <p:cNvGrpSpPr/>
+        <p:nvPr/>
+      </p:nvGrpSpPr>
+      <p:grpSpPr>
+        <a:xfrm>
+          <a:off x="0" y="0"/>
+          <a:ext cx="0" cy="0"/>
+          <a:chOff x="0" y="0"/>
+          <a:chExt cx="0" cy="0"/>
+        </a:xfrm>
+      </p:grpSpPr>
+      <p:sp>
+        <p:nvSpPr>
+          <p:cNvPr id="5" name="标题 1">
+            <a:extLst>
+              <a:ext uri="{FF2B5EF4-FFF2-40B4-BE49-F238E27FC236}">
+                <a16:creationId xmlns:a16="http://schemas.microsoft.com/office/drawing/2014/main" id="{D85B6B2A-FBF0-41F4-B80B-0F7EFDDBBFDA}"/>
+              </a:ext>
+            </a:extLst>
+          </p:cNvPr>
+          <p:cNvSpPr>
+            <a:spLocks noGrp="1"/>
+          </p:cNvSpPr>
+          <p:nvPr>
+            <p:ph type="title"/>
+          </p:nvPr>
+        </p:nvSpPr>
+        <p:spPr>
+          <a:xfrm>
+            <a:off x="669882" y="432000"/>
+            <a:ext cx="10852237" cy="648000"/>
+          </a:xfrm>
+        </p:spPr>
+        <p:txBody>
+          <a:bodyPr/>
+          <a:lstStyle/>
+          <a:p>
+            <a:r>
+              <a:rPr lang="zh-CN" altLang="en-US" dirty="0"/>
+              <a:t>性能测试</a:t>
+            </a:r>
+            <a:r>
+              <a:rPr lang="en-US" altLang="zh-CN" dirty="0"/>
+              <a:t>——</a:t>
+            </a:r>
+            <a:r>
+              <a:rPr lang="zh-CN" altLang="en-US" dirty="0"/>
+              <a:t>混合场景设计</a:t>
+            </a:r>
+          </a:p>
+        </p:txBody>
+      </p:sp>
+      <p:graphicFrame>
+        <p:nvGraphicFramePr>
+          <p:cNvPr id="2" name="表格 1">
+            <a:extLst>
+              <a:ext uri="{FF2B5EF4-FFF2-40B4-BE49-F238E27FC236}">
+                <a16:creationId xmlns:a16="http://schemas.microsoft.com/office/drawing/2014/main" id="{A84C8C99-FBBD-4463-8099-277CA33ADBAB}"/>
+              </a:ext>
+            </a:extLst>
+          </p:cNvPr>
+          <p:cNvGraphicFramePr>
+            <a:graphicFrameLocks noGrp="1"/>
+          </p:cNvGraphicFramePr>
+          <p:nvPr>
+            <p:extLst>
+              <p:ext uri="{D42A27DB-BD31-4B8C-83A1-F6EECF244321}">
+                <p14:modId xmlns:p14="http://schemas.microsoft.com/office/powerpoint/2010/main" val="2015042932"/>
+              </p:ext>
+            </p:extLst>
+          </p:nvPr>
+        </p:nvGraphicFramePr>
+        <p:xfrm>
+          <a:off x="3484336" y="2262187"/>
+          <a:ext cx="4928144" cy="2333625"/>
+        </p:xfrm>
+        <a:graphic>
+          <a:graphicData uri="http://schemas.openxmlformats.org/drawingml/2006/table">
+            <a:tbl>
+              <a:tblPr>
+                <a:tableStyleId>{5C22544A-7EE6-4342-B048-85BDC9FD1C3A}</a:tableStyleId>
+              </a:tblPr>
+              <a:tblGrid>
+                <a:gridCol w="1436543">
+                  <a:extLst>
+                    <a:ext uri="{9D8B030D-6E8A-4147-A177-3AD203B41FA5}">
+                      <a16:colId xmlns:a16="http://schemas.microsoft.com/office/drawing/2014/main" val="2104293075"/>
+                    </a:ext>
+                  </a:extLst>
+                </a:gridCol>
+                <a:gridCol w="3491601">
+                  <a:extLst>
+                    <a:ext uri="{9D8B030D-6E8A-4147-A177-3AD203B41FA5}">
+                      <a16:colId xmlns:a16="http://schemas.microsoft.com/office/drawing/2014/main" val="1402883053"/>
+                    </a:ext>
+                  </a:extLst>
+                </a:gridCol>
+              </a:tblGrid>
+              <a:tr h="0">
+                <a:tc>
+                  <a:txBody>
+                    <a:bodyPr/>
+                    <a:lstStyle/>
+                    <a:p>
+                      <a:pPr algn="ctr" fontAlgn="ctr">
+                        <a:lnSpc>
+                          <a:spcPct val="150000"/>
+                        </a:lnSpc>
+                        <a:spcBef>
+                          <a:spcPts val="600"/>
+                        </a:spcBef>
+                        <a:spcAft>
+                          <a:spcPts val="600"/>
+                        </a:spcAft>
+                      </a:pPr>
+                      <a:r>
+                        <a:rPr lang="en-US" sz="2000" u="none" strike="noStrike">
+                          <a:effectLst/>
+                        </a:rPr>
+                        <a:t>MPB001</a:t>
+                      </a:r>
+                      <a:endParaRPr lang="en-US" sz="2000" b="0" i="0" u="none" strike="noStrike">
+                        <a:solidFill>
+                          <a:srgbClr val="000000"/>
+                        </a:solidFill>
+                        <a:effectLst/>
+                        <a:latin typeface="等线" panose="02010600030101010101" pitchFamily="2" charset="-122"/>
+                        <a:ea typeface="等线" panose="02010600030101010101" pitchFamily="2" charset="-122"/>
+                      </a:endParaRPr>
+                    </a:p>
+                  </a:txBody>
+                  <a:tcPr marL="9525" marR="9525" marT="9525" marB="0" anchor="ctr"/>
+                </a:tc>
+                <a:tc>
+                  <a:txBody>
+                    <a:bodyPr/>
+                    <a:lstStyle/>
+                    <a:p>
+                      <a:pPr algn="ctr" fontAlgn="ctr">
+                        <a:lnSpc>
+                          <a:spcPct val="150000"/>
+                        </a:lnSpc>
+                        <a:spcBef>
+                          <a:spcPts val="600"/>
+                        </a:spcBef>
+                        <a:spcAft>
+                          <a:spcPts val="600"/>
+                        </a:spcAft>
+                      </a:pPr>
+                      <a:r>
+                        <a:rPr lang="zh-CN" altLang="en-US" sz="2000" u="none" strike="noStrike">
+                          <a:effectLst/>
+                        </a:rPr>
+                        <a:t>场地预约与取消</a:t>
+                      </a:r>
+                      <a:endParaRPr lang="zh-CN" altLang="en-US" sz="2000" b="0" i="0" u="none" strike="noStrike">
+                        <a:solidFill>
+                          <a:srgbClr val="000000"/>
+                        </a:solidFill>
+                        <a:effectLst/>
+                        <a:latin typeface="等线" panose="02010600030101010101" pitchFamily="2" charset="-122"/>
+                        <a:ea typeface="等线" panose="02010600030101010101" pitchFamily="2" charset="-122"/>
+                      </a:endParaRPr>
+                    </a:p>
+                  </a:txBody>
+                  <a:tcPr marL="9525" marR="9525" marT="9525" marB="0" anchor="ctr"/>
+                </a:tc>
+                <a:extLst>
+                  <a:ext uri="{0D108BD9-81ED-4DB2-BD59-A6C34878D82A}">
+                    <a16:rowId xmlns:a16="http://schemas.microsoft.com/office/drawing/2014/main" val="2806218830"/>
+                  </a:ext>
+                </a:extLst>
+              </a:tr>
+              <a:tr h="0">
+                <a:tc>
+                  <a:txBody>
+                    <a:bodyPr/>
+                    <a:lstStyle/>
+                    <a:p>
+                      <a:pPr algn="ctr" fontAlgn="ctr">
+                        <a:lnSpc>
+                          <a:spcPct val="150000"/>
+                        </a:lnSpc>
+                        <a:spcBef>
+                          <a:spcPts val="600"/>
+                        </a:spcBef>
+                        <a:spcAft>
+                          <a:spcPts val="600"/>
+                        </a:spcAft>
+                      </a:pPr>
+                      <a:r>
+                        <a:rPr lang="en-US" sz="2000" u="none" strike="noStrike">
+                          <a:effectLst/>
+                        </a:rPr>
+                        <a:t>MPB002</a:t>
+                      </a:r>
+                      <a:endParaRPr lang="en-US" sz="2000" b="0" i="0" u="none" strike="noStrike">
+                        <a:solidFill>
+                          <a:srgbClr val="000000"/>
+                        </a:solidFill>
+                        <a:effectLst/>
+                        <a:latin typeface="等线" panose="02010600030101010101" pitchFamily="2" charset="-122"/>
+                        <a:ea typeface="等线" panose="02010600030101010101" pitchFamily="2" charset="-122"/>
+                      </a:endParaRPr>
+                    </a:p>
+                  </a:txBody>
+                  <a:tcPr marL="9525" marR="9525" marT="9525" marB="0" anchor="ctr"/>
+                </a:tc>
+                <a:tc>
+                  <a:txBody>
+                    <a:bodyPr/>
+                    <a:lstStyle/>
+                    <a:p>
+                      <a:pPr algn="ctr" fontAlgn="ctr">
+                        <a:lnSpc>
+                          <a:spcPct val="150000"/>
+                        </a:lnSpc>
+                        <a:spcBef>
+                          <a:spcPts val="600"/>
+                        </a:spcBef>
+                        <a:spcAft>
+                          <a:spcPts val="600"/>
+                        </a:spcAft>
+                      </a:pPr>
+                      <a:r>
+                        <a:rPr lang="zh-CN" altLang="en-US" sz="2000" u="none" strike="noStrike">
+                          <a:effectLst/>
+                        </a:rPr>
+                        <a:t>学生选课与退课</a:t>
+                      </a:r>
+                      <a:endParaRPr lang="zh-CN" altLang="en-US" sz="2000" b="0" i="0" u="none" strike="noStrike">
+                        <a:solidFill>
+                          <a:srgbClr val="000000"/>
+                        </a:solidFill>
+                        <a:effectLst/>
+                        <a:latin typeface="等线" panose="02010600030101010101" pitchFamily="2" charset="-122"/>
+                        <a:ea typeface="等线" panose="02010600030101010101" pitchFamily="2" charset="-122"/>
+                      </a:endParaRPr>
+                    </a:p>
+                  </a:txBody>
+                  <a:tcPr marL="9525" marR="9525" marT="9525" marB="0" anchor="ctr"/>
+                </a:tc>
+                <a:extLst>
+                  <a:ext uri="{0D108BD9-81ED-4DB2-BD59-A6C34878D82A}">
+                    <a16:rowId xmlns:a16="http://schemas.microsoft.com/office/drawing/2014/main" val="258548164"/>
+                  </a:ext>
+                </a:extLst>
+              </a:tr>
+              <a:tr h="0">
+                <a:tc>
+                  <a:txBody>
+                    <a:bodyPr/>
+                    <a:lstStyle/>
+                    <a:p>
+                      <a:pPr algn="ctr" fontAlgn="ctr">
+                        <a:lnSpc>
+                          <a:spcPct val="150000"/>
+                        </a:lnSpc>
+                        <a:spcBef>
+                          <a:spcPts val="600"/>
+                        </a:spcBef>
+                        <a:spcAft>
+                          <a:spcPts val="600"/>
+                        </a:spcAft>
+                      </a:pPr>
+                      <a:r>
+                        <a:rPr lang="en-US" sz="2000" u="none" strike="noStrike">
+                          <a:effectLst/>
+                        </a:rPr>
+                        <a:t>MPB003</a:t>
+                      </a:r>
+                      <a:endParaRPr lang="en-US" sz="2000" b="0" i="0" u="none" strike="noStrike">
+                        <a:solidFill>
+                          <a:srgbClr val="000000"/>
+                        </a:solidFill>
+                        <a:effectLst/>
+                        <a:latin typeface="等线" panose="02010600030101010101" pitchFamily="2" charset="-122"/>
+                        <a:ea typeface="等线" panose="02010600030101010101" pitchFamily="2" charset="-122"/>
+                      </a:endParaRPr>
+                    </a:p>
+                  </a:txBody>
+                  <a:tcPr marL="9525" marR="9525" marT="9525" marB="0" anchor="ctr"/>
+                </a:tc>
+                <a:tc>
+                  <a:txBody>
+                    <a:bodyPr/>
+                    <a:lstStyle/>
+                    <a:p>
+                      <a:pPr algn="ctr" fontAlgn="ctr">
+                        <a:lnSpc>
+                          <a:spcPct val="150000"/>
+                        </a:lnSpc>
+                        <a:spcBef>
+                          <a:spcPts val="600"/>
+                        </a:spcBef>
+                        <a:spcAft>
+                          <a:spcPts val="600"/>
+                        </a:spcAft>
+                      </a:pPr>
+                      <a:r>
+                        <a:rPr lang="zh-CN" altLang="en-US" sz="2000" u="none" strike="noStrike" dirty="0">
+                          <a:effectLst/>
+                        </a:rPr>
+                        <a:t>用户基本使用流程</a:t>
+                      </a:r>
+                      <a:endParaRPr lang="zh-CN" altLang="en-US" sz="2000" b="0" i="0" u="none" strike="noStrike" dirty="0">
+                        <a:solidFill>
+                          <a:srgbClr val="000000"/>
+                        </a:solidFill>
+                        <a:effectLst/>
+                        <a:latin typeface="等线" panose="02010600030101010101" pitchFamily="2" charset="-122"/>
+                        <a:ea typeface="等线" panose="02010600030101010101" pitchFamily="2" charset="-122"/>
+                      </a:endParaRPr>
+                    </a:p>
+                  </a:txBody>
+                  <a:tcPr marL="9525" marR="9525" marT="9525" marB="0" anchor="ctr"/>
+                </a:tc>
+                <a:extLst>
+                  <a:ext uri="{0D108BD9-81ED-4DB2-BD59-A6C34878D82A}">
+                    <a16:rowId xmlns:a16="http://schemas.microsoft.com/office/drawing/2014/main" val="1811996681"/>
+                  </a:ext>
+                </a:extLst>
+              </a:tr>
+              <a:tr h="0">
+                <a:tc>
+                  <a:txBody>
+                    <a:bodyPr/>
+                    <a:lstStyle/>
+                    <a:p>
+                      <a:pPr algn="ctr" fontAlgn="ctr">
+                        <a:lnSpc>
+                          <a:spcPct val="150000"/>
+                        </a:lnSpc>
+                        <a:spcBef>
+                          <a:spcPts val="600"/>
+                        </a:spcBef>
+                        <a:spcAft>
+                          <a:spcPts val="600"/>
+                        </a:spcAft>
+                      </a:pPr>
+                      <a:r>
+                        <a:rPr lang="en-US" sz="2000" u="none" strike="noStrike">
+                          <a:effectLst/>
+                        </a:rPr>
+                        <a:t>MPB004</a:t>
+                      </a:r>
+                      <a:endParaRPr lang="en-US" sz="2000" b="0" i="0" u="none" strike="noStrike">
+                        <a:solidFill>
+                          <a:srgbClr val="000000"/>
+                        </a:solidFill>
+                        <a:effectLst/>
+                        <a:latin typeface="等线" panose="02010600030101010101" pitchFamily="2" charset="-122"/>
+                        <a:ea typeface="等线" panose="02010600030101010101" pitchFamily="2" charset="-122"/>
+                      </a:endParaRPr>
+                    </a:p>
+                  </a:txBody>
+                  <a:tcPr marL="9525" marR="9525" marT="9525" marB="0" anchor="ctr"/>
+                </a:tc>
+                <a:tc>
+                  <a:txBody>
+                    <a:bodyPr/>
+                    <a:lstStyle/>
+                    <a:p>
+                      <a:pPr algn="ctr" fontAlgn="ctr">
+                        <a:lnSpc>
+                          <a:spcPct val="150000"/>
+                        </a:lnSpc>
+                        <a:spcBef>
+                          <a:spcPts val="600"/>
+                        </a:spcBef>
+                        <a:spcAft>
+                          <a:spcPts val="600"/>
+                        </a:spcAft>
+                      </a:pPr>
+                      <a:r>
+                        <a:rPr lang="zh-CN" altLang="en-US" sz="2000" u="none" strike="noStrike">
+                          <a:effectLst/>
+                        </a:rPr>
+                        <a:t>管理员基本使用流程</a:t>
+                      </a:r>
+                      <a:endParaRPr lang="zh-CN" altLang="en-US" sz="2000" b="0" i="0" u="none" strike="noStrike">
+                        <a:solidFill>
+                          <a:srgbClr val="000000"/>
+                        </a:solidFill>
+                        <a:effectLst/>
+                        <a:latin typeface="等线" panose="02010600030101010101" pitchFamily="2" charset="-122"/>
+                        <a:ea typeface="等线" panose="02010600030101010101" pitchFamily="2" charset="-122"/>
+                      </a:endParaRPr>
+                    </a:p>
+                  </a:txBody>
+                  <a:tcPr marL="9525" marR="9525" marT="9525" marB="0" anchor="ctr"/>
+                </a:tc>
+                <a:extLst>
+                  <a:ext uri="{0D108BD9-81ED-4DB2-BD59-A6C34878D82A}">
+                    <a16:rowId xmlns:a16="http://schemas.microsoft.com/office/drawing/2014/main" val="167863935"/>
+                  </a:ext>
+                </a:extLst>
+              </a:tr>
+              <a:tr h="0">
+                <a:tc>
+                  <a:txBody>
+                    <a:bodyPr/>
+                    <a:lstStyle/>
+                    <a:p>
+                      <a:pPr algn="ctr" fontAlgn="ctr">
+                        <a:lnSpc>
+                          <a:spcPct val="150000"/>
+                        </a:lnSpc>
+                        <a:spcBef>
+                          <a:spcPts val="600"/>
+                        </a:spcBef>
+                        <a:spcAft>
+                          <a:spcPts val="600"/>
+                        </a:spcAft>
+                      </a:pPr>
+                      <a:r>
+                        <a:rPr lang="en-US" sz="2000" u="none" strike="noStrike">
+                          <a:effectLst/>
+                        </a:rPr>
+                        <a:t>MPB005</a:t>
+                      </a:r>
+                      <a:endParaRPr lang="en-US" sz="2000" b="0" i="0" u="none" strike="noStrike">
+                        <a:solidFill>
+                          <a:srgbClr val="000000"/>
+                        </a:solidFill>
+                        <a:effectLst/>
+                        <a:latin typeface="等线" panose="02010600030101010101" pitchFamily="2" charset="-122"/>
+                        <a:ea typeface="等线" panose="02010600030101010101" pitchFamily="2" charset="-122"/>
+                      </a:endParaRPr>
+                    </a:p>
+                  </a:txBody>
+                  <a:tcPr marL="9525" marR="9525" marT="9525" marB="0" anchor="ctr"/>
+                </a:tc>
+                <a:tc>
+                  <a:txBody>
+                    <a:bodyPr/>
+                    <a:lstStyle/>
+                    <a:p>
+                      <a:pPr algn="ctr" fontAlgn="ctr">
+                        <a:lnSpc>
+                          <a:spcPct val="150000"/>
+                        </a:lnSpc>
+                        <a:spcBef>
+                          <a:spcPts val="600"/>
+                        </a:spcBef>
+                        <a:spcAft>
+                          <a:spcPts val="600"/>
+                        </a:spcAft>
+                      </a:pPr>
+                      <a:r>
+                        <a:rPr lang="zh-CN" altLang="en-US" sz="2000" u="none" strike="noStrike" dirty="0">
+                          <a:effectLst/>
+                        </a:rPr>
+                        <a:t>教师添加课程与删除课程</a:t>
+                      </a:r>
+                      <a:endParaRPr lang="zh-CN" altLang="en-US" sz="2000" b="0" i="0" u="none" strike="noStrike" dirty="0">
+                        <a:solidFill>
+                          <a:srgbClr val="000000"/>
+                        </a:solidFill>
+                        <a:effectLst/>
+                        <a:latin typeface="等线" panose="02010600030101010101" pitchFamily="2" charset="-122"/>
+                        <a:ea typeface="等线" panose="02010600030101010101" pitchFamily="2" charset="-122"/>
+                      </a:endParaRPr>
+                    </a:p>
+                  </a:txBody>
+                  <a:tcPr marL="9525" marR="9525" marT="9525" marB="0" anchor="ctr"/>
+                </a:tc>
+                <a:extLst>
+                  <a:ext uri="{0D108BD9-81ED-4DB2-BD59-A6C34878D82A}">
+                    <a16:rowId xmlns:a16="http://schemas.microsoft.com/office/drawing/2014/main" val="3792985933"/>
+                  </a:ext>
+                </a:extLst>
+              </a:tr>
+            </a:tbl>
+          </a:graphicData>
+        </a:graphic>
+      </p:graphicFrame>
+    </p:spTree>
+    <p:extLst>
+      <p:ext uri="{BB962C8B-B14F-4D97-AF65-F5344CB8AC3E}">
+        <p14:creationId xmlns:p14="http://schemas.microsoft.com/office/powerpoint/2010/main" val="316463038"/>
+      </p:ext>
+    </p:extLst>
+  </p:cSld>
+  <p:clrMapOvr>
+    <a:masterClrMapping/>
+  </p:clrMapOvr>
+</p:sld>
+</file>
+
+<file path=ppt/slides/slide42.xml><?xml version="1.0" encoding="utf-8"?>
+<p:sld xmlns:a="http://schemas.openxmlformats.org/drawingml/2006/main" xmlns:r="http://schemas.openxmlformats.org/officeDocument/2006/relationships" xmlns:p="http://schemas.openxmlformats.org/presentationml/2006/main">
+  <p:cSld>
+    <p:spTree>
+      <p:nvGrpSpPr>
+        <p:cNvPr id="1" name=""/>
+        <p:cNvGrpSpPr/>
+        <p:nvPr/>
+      </p:nvGrpSpPr>
+      <p:grpSpPr>
+        <a:xfrm>
+          <a:off x="0" y="0"/>
+          <a:ext cx="0" cy="0"/>
+          <a:chOff x="0" y="0"/>
+          <a:chExt cx="0" cy="0"/>
+        </a:xfrm>
+      </p:grpSpPr>
+      <p:sp>
+        <p:nvSpPr>
+          <p:cNvPr id="5" name="标题 1">
+            <a:extLst>
+              <a:ext uri="{FF2B5EF4-FFF2-40B4-BE49-F238E27FC236}">
+                <a16:creationId xmlns:a16="http://schemas.microsoft.com/office/drawing/2014/main" id="{D85B6B2A-FBF0-41F4-B80B-0F7EFDDBBFDA}"/>
+              </a:ext>
+            </a:extLst>
+          </p:cNvPr>
+          <p:cNvSpPr>
+            <a:spLocks noGrp="1"/>
+          </p:cNvSpPr>
+          <p:nvPr>
+            <p:ph type="title"/>
+          </p:nvPr>
+        </p:nvSpPr>
+        <p:spPr>
+          <a:xfrm>
+            <a:off x="669882" y="432000"/>
+            <a:ext cx="10852237" cy="648000"/>
+          </a:xfrm>
+        </p:spPr>
+        <p:txBody>
+          <a:bodyPr/>
+          <a:lstStyle/>
+          <a:p>
+            <a:r>
+              <a:rPr lang="zh-CN" altLang="en-US" dirty="0"/>
+              <a:t>性能测试</a:t>
+            </a:r>
+            <a:r>
+              <a:rPr lang="en-US" altLang="zh-CN" dirty="0"/>
+              <a:t>——</a:t>
+            </a:r>
+            <a:r>
+              <a:rPr lang="zh-CN" altLang="en-US" dirty="0"/>
+              <a:t>混合场景设计：用户基本使用流程</a:t>
+            </a:r>
+          </a:p>
+        </p:txBody>
+      </p:sp>
+      <p:graphicFrame>
+        <p:nvGraphicFramePr>
+          <p:cNvPr id="3" name="表格 2">
+            <a:extLst>
+              <a:ext uri="{FF2B5EF4-FFF2-40B4-BE49-F238E27FC236}">
+                <a16:creationId xmlns:a16="http://schemas.microsoft.com/office/drawing/2014/main" id="{B86010A6-357A-4EE0-A924-4AC8C8B0D903}"/>
+              </a:ext>
+            </a:extLst>
+          </p:cNvPr>
+          <p:cNvGraphicFramePr>
+            <a:graphicFrameLocks noGrp="1"/>
+          </p:cNvGraphicFramePr>
+          <p:nvPr>
+            <p:extLst>
+              <p:ext uri="{D42A27DB-BD31-4B8C-83A1-F6EECF244321}">
+                <p14:modId xmlns:p14="http://schemas.microsoft.com/office/powerpoint/2010/main" val="2717269446"/>
+              </p:ext>
+            </p:extLst>
+          </p:nvPr>
+        </p:nvGraphicFramePr>
+        <p:xfrm>
+          <a:off x="185058" y="1328737"/>
+          <a:ext cx="6553284" cy="4200525"/>
+        </p:xfrm>
+        <a:graphic>
+          <a:graphicData uri="http://schemas.openxmlformats.org/drawingml/2006/table">
+            <a:tbl>
+              <a:tblPr>
+                <a:tableStyleId>{F5AB1C69-6EDB-4FF4-983F-18BD219EF322}</a:tableStyleId>
+              </a:tblPr>
+              <a:tblGrid>
+                <a:gridCol w="1199584">
+                  <a:extLst>
+                    <a:ext uri="{9D8B030D-6E8A-4147-A177-3AD203B41FA5}">
+                      <a16:colId xmlns:a16="http://schemas.microsoft.com/office/drawing/2014/main" val="2848754783"/>
+                    </a:ext>
+                  </a:extLst>
+                </a:gridCol>
+                <a:gridCol w="2954532">
+                  <a:extLst>
+                    <a:ext uri="{9D8B030D-6E8A-4147-A177-3AD203B41FA5}">
+                      <a16:colId xmlns:a16="http://schemas.microsoft.com/office/drawing/2014/main" val="3438740805"/>
+                    </a:ext>
+                  </a:extLst>
+                </a:gridCol>
+                <a:gridCol w="1199584">
+                  <a:extLst>
+                    <a:ext uri="{9D8B030D-6E8A-4147-A177-3AD203B41FA5}">
+                      <a16:colId xmlns:a16="http://schemas.microsoft.com/office/drawing/2014/main" val="1861618988"/>
+                    </a:ext>
+                  </a:extLst>
+                </a:gridCol>
+                <a:gridCol w="1199584">
+                  <a:extLst>
+                    <a:ext uri="{9D8B030D-6E8A-4147-A177-3AD203B41FA5}">
+                      <a16:colId xmlns:a16="http://schemas.microsoft.com/office/drawing/2014/main" val="3299741112"/>
+                    </a:ext>
+                  </a:extLst>
+                </a:gridCol>
+              </a:tblGrid>
+              <a:tr h="180975">
+                <a:tc>
+                  <a:txBody>
+                    <a:bodyPr/>
+                    <a:lstStyle/>
+                    <a:p>
+                      <a:pPr algn="ctr" fontAlgn="ctr">
+                        <a:lnSpc>
+                          <a:spcPct val="150000"/>
+                        </a:lnSpc>
+                        <a:spcBef>
+                          <a:spcPts val="600"/>
+                        </a:spcBef>
+                        <a:spcAft>
+                          <a:spcPts val="600"/>
+                        </a:spcAft>
+                      </a:pPr>
+                      <a:r>
+                        <a:rPr lang="zh-CN" altLang="en-US" sz="2000" u="none" strike="noStrike">
+                          <a:effectLst/>
+                        </a:rPr>
+                        <a:t>登录界面</a:t>
+                      </a:r>
+                      <a:endParaRPr lang="zh-CN" altLang="en-US" sz="2000" b="0" i="0" u="none" strike="noStrike">
+                        <a:solidFill>
+                          <a:srgbClr val="000000"/>
+                        </a:solidFill>
+                        <a:effectLst/>
+                        <a:latin typeface="等线" panose="02010600030101010101" pitchFamily="2" charset="-122"/>
+                        <a:ea typeface="等线" panose="02010600030101010101" pitchFamily="2" charset="-122"/>
+                      </a:endParaRPr>
+                    </a:p>
+                  </a:txBody>
+                  <a:tcPr marL="9525" marR="9525" marT="9525" marB="0" anchor="ctr"/>
+                </a:tc>
+                <a:tc>
+                  <a:txBody>
+                    <a:bodyPr/>
+                    <a:lstStyle/>
+                    <a:p>
+                      <a:pPr algn="ctr" fontAlgn="ctr">
+                        <a:lnSpc>
+                          <a:spcPct val="150000"/>
+                        </a:lnSpc>
+                        <a:spcBef>
+                          <a:spcPts val="600"/>
+                        </a:spcBef>
+                        <a:spcAft>
+                          <a:spcPts val="600"/>
+                        </a:spcAft>
+                      </a:pPr>
+                      <a:r>
+                        <a:rPr lang="zh-CN" altLang="en-US" sz="2000" u="none" strike="noStrike">
+                          <a:effectLst/>
+                        </a:rPr>
+                        <a:t>登录界面</a:t>
+                      </a:r>
+                      <a:endParaRPr lang="zh-CN" altLang="en-US" sz="2000" b="0" i="0" u="none" strike="noStrike">
+                        <a:solidFill>
+                          <a:srgbClr val="000000"/>
+                        </a:solidFill>
+                        <a:effectLst/>
+                        <a:latin typeface="等线" panose="02010600030101010101" pitchFamily="2" charset="-122"/>
+                        <a:ea typeface="等线" panose="02010600030101010101" pitchFamily="2" charset="-122"/>
+                      </a:endParaRPr>
+                    </a:p>
+                  </a:txBody>
+                  <a:tcPr marL="9525" marR="9525" marT="9525" marB="0" anchor="ctr"/>
+                </a:tc>
+                <a:tc>
+                  <a:txBody>
+                    <a:bodyPr/>
+                    <a:lstStyle/>
+                    <a:p>
+                      <a:pPr algn="ctr" fontAlgn="ctr">
+                        <a:lnSpc>
+                          <a:spcPct val="150000"/>
+                        </a:lnSpc>
+                        <a:spcBef>
+                          <a:spcPts val="600"/>
+                        </a:spcBef>
+                        <a:spcAft>
+                          <a:spcPts val="600"/>
+                        </a:spcAft>
+                      </a:pPr>
+                      <a:r>
+                        <a:rPr lang="en-US" altLang="zh-CN" sz="2000" u="none" strike="noStrike">
+                          <a:effectLst/>
+                        </a:rPr>
+                        <a:t>1</a:t>
+                      </a:r>
+                      <a:endParaRPr lang="en-US" altLang="zh-CN" sz="2000" b="0" i="0" u="none" strike="noStrike">
+                        <a:solidFill>
+                          <a:srgbClr val="000000"/>
+                        </a:solidFill>
+                        <a:effectLst/>
+                        <a:latin typeface="等线" panose="02010600030101010101" pitchFamily="2" charset="-122"/>
+                        <a:ea typeface="等线" panose="02010600030101010101" pitchFamily="2" charset="-122"/>
+                      </a:endParaRPr>
+                    </a:p>
+                  </a:txBody>
+                  <a:tcPr marL="9525" marR="9525" marT="9525" marB="0" anchor="ctr"/>
+                </a:tc>
+                <a:tc>
+                  <a:txBody>
+                    <a:bodyPr/>
+                    <a:lstStyle/>
+                    <a:p>
+                      <a:pPr algn="ctr" fontAlgn="ctr">
+                        <a:lnSpc>
+                          <a:spcPct val="150000"/>
+                        </a:lnSpc>
+                        <a:spcBef>
+                          <a:spcPts val="600"/>
+                        </a:spcBef>
+                        <a:spcAft>
+                          <a:spcPts val="600"/>
+                        </a:spcAft>
+                      </a:pPr>
+                      <a:r>
+                        <a:rPr lang="en-US" altLang="zh-CN" sz="2000" u="none" strike="noStrike">
+                          <a:effectLst/>
+                        </a:rPr>
+                        <a:t>40</a:t>
+                      </a:r>
+                      <a:endParaRPr lang="en-US" altLang="zh-CN" sz="2000" b="0" i="0" u="none" strike="noStrike">
+                        <a:solidFill>
+                          <a:srgbClr val="000000"/>
+                        </a:solidFill>
+                        <a:effectLst/>
+                        <a:latin typeface="等线" panose="02010600030101010101" pitchFamily="2" charset="-122"/>
+                        <a:ea typeface="等线" panose="02010600030101010101" pitchFamily="2" charset="-122"/>
+                      </a:endParaRPr>
+                    </a:p>
+                  </a:txBody>
+                  <a:tcPr marL="9525" marR="9525" marT="9525" marB="0" anchor="ctr"/>
+                </a:tc>
+                <a:extLst>
+                  <a:ext uri="{0D108BD9-81ED-4DB2-BD59-A6C34878D82A}">
+                    <a16:rowId xmlns:a16="http://schemas.microsoft.com/office/drawing/2014/main" val="3059545097"/>
+                  </a:ext>
+                </a:extLst>
+              </a:tr>
+              <a:tr h="180975">
+                <a:tc rowSpan="4">
+                  <a:txBody>
+                    <a:bodyPr/>
+                    <a:lstStyle/>
+                    <a:p>
+                      <a:pPr algn="ctr" fontAlgn="ctr">
+                        <a:lnSpc>
+                          <a:spcPct val="150000"/>
+                        </a:lnSpc>
+                        <a:spcBef>
+                          <a:spcPts val="600"/>
+                        </a:spcBef>
+                        <a:spcAft>
+                          <a:spcPts val="600"/>
+                        </a:spcAft>
+                      </a:pPr>
+                      <a:r>
+                        <a:rPr lang="zh-CN" altLang="en-US" sz="2000" u="none" strike="noStrike">
+                          <a:effectLst/>
+                        </a:rPr>
+                        <a:t>用户登录</a:t>
+                      </a:r>
+                      <a:endParaRPr lang="zh-CN" altLang="en-US" sz="2000" b="0" i="0" u="none" strike="noStrike">
+                        <a:solidFill>
+                          <a:srgbClr val="000000"/>
+                        </a:solidFill>
+                        <a:effectLst/>
+                        <a:latin typeface="等线" panose="02010600030101010101" pitchFamily="2" charset="-122"/>
+                        <a:ea typeface="等线" panose="02010600030101010101" pitchFamily="2" charset="-122"/>
+                      </a:endParaRPr>
+                    </a:p>
+                  </a:txBody>
+                  <a:tcPr marL="9525" marR="9525" marT="9525" marB="0" anchor="ctr"/>
+                </a:tc>
+                <a:tc>
+                  <a:txBody>
+                    <a:bodyPr/>
+                    <a:lstStyle/>
+                    <a:p>
+                      <a:pPr algn="ctr" fontAlgn="ctr">
+                        <a:lnSpc>
+                          <a:spcPct val="150000"/>
+                        </a:lnSpc>
+                        <a:spcBef>
+                          <a:spcPts val="600"/>
+                        </a:spcBef>
+                        <a:spcAft>
+                          <a:spcPts val="600"/>
+                        </a:spcAft>
+                      </a:pPr>
+                      <a:r>
+                        <a:rPr lang="zh-CN" altLang="en-US" sz="2000" u="none" strike="noStrike">
+                          <a:effectLst/>
+                        </a:rPr>
+                        <a:t>学生登录</a:t>
+                      </a:r>
+                      <a:endParaRPr lang="zh-CN" altLang="en-US" sz="2000" b="0" i="0" u="none" strike="noStrike">
+                        <a:solidFill>
+                          <a:srgbClr val="000000"/>
+                        </a:solidFill>
+                        <a:effectLst/>
+                        <a:latin typeface="等线" panose="02010600030101010101" pitchFamily="2" charset="-122"/>
+                        <a:ea typeface="等线" panose="02010600030101010101" pitchFamily="2" charset="-122"/>
+                      </a:endParaRPr>
+                    </a:p>
+                  </a:txBody>
+                  <a:tcPr marL="9525" marR="9525" marT="9525" marB="0" anchor="ctr"/>
+                </a:tc>
+                <a:tc>
+                  <a:txBody>
+                    <a:bodyPr/>
+                    <a:lstStyle/>
+                    <a:p>
+                      <a:pPr algn="ctr" fontAlgn="ctr">
+                        <a:lnSpc>
+                          <a:spcPct val="150000"/>
+                        </a:lnSpc>
+                        <a:spcBef>
+                          <a:spcPts val="600"/>
+                        </a:spcBef>
+                        <a:spcAft>
+                          <a:spcPts val="600"/>
+                        </a:spcAft>
+                      </a:pPr>
+                      <a:r>
+                        <a:rPr lang="en-US" altLang="zh-CN" sz="2000" u="none" strike="noStrike" dirty="0">
+                          <a:effectLst/>
+                        </a:rPr>
+                        <a:t>3</a:t>
+                      </a:r>
+                      <a:endParaRPr lang="en-US" altLang="zh-CN" sz="2000" b="0" i="0" u="none" strike="noStrike" dirty="0">
+                        <a:solidFill>
+                          <a:srgbClr val="000000"/>
+                        </a:solidFill>
+                        <a:effectLst/>
+                        <a:latin typeface="等线" panose="02010600030101010101" pitchFamily="2" charset="-122"/>
+                        <a:ea typeface="等线" panose="02010600030101010101" pitchFamily="2" charset="-122"/>
+                      </a:endParaRPr>
+                    </a:p>
+                  </a:txBody>
+                  <a:tcPr marL="9525" marR="9525" marT="9525" marB="0" anchor="ctr"/>
+                </a:tc>
+                <a:tc>
+                  <a:txBody>
+                    <a:bodyPr/>
+                    <a:lstStyle/>
+                    <a:p>
+                      <a:pPr algn="ctr" fontAlgn="ctr">
+                        <a:lnSpc>
+                          <a:spcPct val="150000"/>
+                        </a:lnSpc>
+                        <a:spcBef>
+                          <a:spcPts val="600"/>
+                        </a:spcBef>
+                        <a:spcAft>
+                          <a:spcPts val="600"/>
+                        </a:spcAft>
+                      </a:pPr>
+                      <a:r>
+                        <a:rPr lang="en-US" altLang="zh-CN" sz="2000" u="none" strike="noStrike">
+                          <a:effectLst/>
+                        </a:rPr>
+                        <a:t>20</a:t>
+                      </a:r>
+                      <a:endParaRPr lang="en-US" altLang="zh-CN" sz="2000" b="0" i="0" u="none" strike="noStrike">
+                        <a:solidFill>
+                          <a:srgbClr val="000000"/>
+                        </a:solidFill>
+                        <a:effectLst/>
+                        <a:latin typeface="等线" panose="02010600030101010101" pitchFamily="2" charset="-122"/>
+                        <a:ea typeface="等线" panose="02010600030101010101" pitchFamily="2" charset="-122"/>
+                      </a:endParaRPr>
+                    </a:p>
+                  </a:txBody>
+                  <a:tcPr marL="9525" marR="9525" marT="9525" marB="0" anchor="ctr"/>
+                </a:tc>
+                <a:extLst>
+                  <a:ext uri="{0D108BD9-81ED-4DB2-BD59-A6C34878D82A}">
+                    <a16:rowId xmlns:a16="http://schemas.microsoft.com/office/drawing/2014/main" val="2047588719"/>
+                  </a:ext>
+                </a:extLst>
+              </a:tr>
+              <a:tr h="180975">
+                <a:tc vMerge="1">
+                  <a:txBody>
+                    <a:bodyPr/>
+                    <a:lstStyle/>
+                    <a:p>
+                      <a:endParaRPr lang="zh-CN" altLang="en-US"/>
+                    </a:p>
+                  </a:txBody>
+                  <a:tcPr/>
+                </a:tc>
+                <a:tc>
+                  <a:txBody>
+                    <a:bodyPr/>
+                    <a:lstStyle/>
+                    <a:p>
+                      <a:pPr algn="ctr" fontAlgn="ctr">
+                        <a:lnSpc>
+                          <a:spcPct val="150000"/>
+                        </a:lnSpc>
+                        <a:spcBef>
+                          <a:spcPts val="600"/>
+                        </a:spcBef>
+                        <a:spcAft>
+                          <a:spcPts val="600"/>
+                        </a:spcAft>
+                      </a:pPr>
+                      <a:r>
+                        <a:rPr lang="zh-CN" altLang="en-US" sz="2000" u="none" strike="noStrike">
+                          <a:effectLst/>
+                        </a:rPr>
+                        <a:t>游客登录</a:t>
+                      </a:r>
+                      <a:endParaRPr lang="zh-CN" altLang="en-US" sz="2000" b="0" i="0" u="none" strike="noStrike">
+                        <a:solidFill>
+                          <a:srgbClr val="000000"/>
+                        </a:solidFill>
+                        <a:effectLst/>
+                        <a:latin typeface="等线" panose="02010600030101010101" pitchFamily="2" charset="-122"/>
+                        <a:ea typeface="等线" panose="02010600030101010101" pitchFamily="2" charset="-122"/>
+                      </a:endParaRPr>
+                    </a:p>
+                  </a:txBody>
+                  <a:tcPr marL="9525" marR="9525" marT="9525" marB="0" anchor="ctr"/>
+                </a:tc>
+                <a:tc>
+                  <a:txBody>
+                    <a:bodyPr/>
+                    <a:lstStyle/>
+                    <a:p>
+                      <a:pPr algn="ctr" fontAlgn="ctr">
+                        <a:lnSpc>
+                          <a:spcPct val="150000"/>
+                        </a:lnSpc>
+                        <a:spcBef>
+                          <a:spcPts val="600"/>
+                        </a:spcBef>
+                        <a:spcAft>
+                          <a:spcPts val="600"/>
+                        </a:spcAft>
+                      </a:pPr>
+                      <a:r>
+                        <a:rPr lang="en-US" altLang="zh-CN" sz="2000" u="none" strike="noStrike">
+                          <a:effectLst/>
+                        </a:rPr>
+                        <a:t>3</a:t>
+                      </a:r>
+                      <a:endParaRPr lang="en-US" altLang="zh-CN" sz="2000" b="0" i="0" u="none" strike="noStrike">
+                        <a:solidFill>
+                          <a:srgbClr val="000000"/>
+                        </a:solidFill>
+                        <a:effectLst/>
+                        <a:latin typeface="等线" panose="02010600030101010101" pitchFamily="2" charset="-122"/>
+                        <a:ea typeface="等线" panose="02010600030101010101" pitchFamily="2" charset="-122"/>
+                      </a:endParaRPr>
+                    </a:p>
+                  </a:txBody>
+                  <a:tcPr marL="9525" marR="9525" marT="9525" marB="0" anchor="ctr"/>
+                </a:tc>
+                <a:tc>
+                  <a:txBody>
+                    <a:bodyPr/>
+                    <a:lstStyle/>
+                    <a:p>
+                      <a:pPr algn="ctr" fontAlgn="ctr">
+                        <a:lnSpc>
+                          <a:spcPct val="150000"/>
+                        </a:lnSpc>
+                        <a:spcBef>
+                          <a:spcPts val="600"/>
+                        </a:spcBef>
+                        <a:spcAft>
+                          <a:spcPts val="600"/>
+                        </a:spcAft>
+                      </a:pPr>
+                      <a:r>
+                        <a:rPr lang="en-US" altLang="zh-CN" sz="2000" u="none" strike="noStrike">
+                          <a:effectLst/>
+                        </a:rPr>
+                        <a:t>5</a:t>
+                      </a:r>
+                      <a:endParaRPr lang="en-US" altLang="zh-CN" sz="2000" b="0" i="0" u="none" strike="noStrike">
+                        <a:solidFill>
+                          <a:srgbClr val="000000"/>
+                        </a:solidFill>
+                        <a:effectLst/>
+                        <a:latin typeface="等线" panose="02010600030101010101" pitchFamily="2" charset="-122"/>
+                        <a:ea typeface="等线" panose="02010600030101010101" pitchFamily="2" charset="-122"/>
+                      </a:endParaRPr>
+                    </a:p>
+                  </a:txBody>
+                  <a:tcPr marL="9525" marR="9525" marT="9525" marB="0" anchor="ctr"/>
+                </a:tc>
+                <a:extLst>
+                  <a:ext uri="{0D108BD9-81ED-4DB2-BD59-A6C34878D82A}">
+                    <a16:rowId xmlns:a16="http://schemas.microsoft.com/office/drawing/2014/main" val="3414731465"/>
+                  </a:ext>
+                </a:extLst>
+              </a:tr>
+              <a:tr h="180975">
+                <a:tc vMerge="1">
+                  <a:txBody>
+                    <a:bodyPr/>
+                    <a:lstStyle/>
+                    <a:p>
+                      <a:endParaRPr lang="zh-CN" altLang="en-US"/>
+                    </a:p>
+                  </a:txBody>
+                  <a:tcPr/>
+                </a:tc>
+                <a:tc>
+                  <a:txBody>
+                    <a:bodyPr/>
+                    <a:lstStyle/>
+                    <a:p>
+                      <a:pPr algn="ctr" fontAlgn="ctr">
+                        <a:lnSpc>
+                          <a:spcPct val="150000"/>
+                        </a:lnSpc>
+                        <a:spcBef>
+                          <a:spcPts val="600"/>
+                        </a:spcBef>
+                        <a:spcAft>
+                          <a:spcPts val="600"/>
+                        </a:spcAft>
+                      </a:pPr>
+                      <a:r>
+                        <a:rPr lang="zh-CN" altLang="en-US" sz="2000" u="none" strike="noStrike">
+                          <a:effectLst/>
+                        </a:rPr>
+                        <a:t>教师登录</a:t>
+                      </a:r>
+                      <a:endParaRPr lang="zh-CN" altLang="en-US" sz="2000" b="0" i="0" u="none" strike="noStrike">
+                        <a:solidFill>
+                          <a:srgbClr val="000000"/>
+                        </a:solidFill>
+                        <a:effectLst/>
+                        <a:latin typeface="等线" panose="02010600030101010101" pitchFamily="2" charset="-122"/>
+                        <a:ea typeface="等线" panose="02010600030101010101" pitchFamily="2" charset="-122"/>
+                      </a:endParaRPr>
+                    </a:p>
+                  </a:txBody>
+                  <a:tcPr marL="9525" marR="9525" marT="9525" marB="0" anchor="ctr"/>
+                </a:tc>
+                <a:tc>
+                  <a:txBody>
+                    <a:bodyPr/>
+                    <a:lstStyle/>
+                    <a:p>
+                      <a:pPr algn="ctr" fontAlgn="ctr">
+                        <a:lnSpc>
+                          <a:spcPct val="150000"/>
+                        </a:lnSpc>
+                        <a:spcBef>
+                          <a:spcPts val="600"/>
+                        </a:spcBef>
+                        <a:spcAft>
+                          <a:spcPts val="600"/>
+                        </a:spcAft>
+                      </a:pPr>
+                      <a:r>
+                        <a:rPr lang="en-US" altLang="zh-CN" sz="2000" u="none" strike="noStrike">
+                          <a:effectLst/>
+                        </a:rPr>
+                        <a:t>3</a:t>
+                      </a:r>
+                      <a:endParaRPr lang="en-US" altLang="zh-CN" sz="2000" b="0" i="0" u="none" strike="noStrike">
+                        <a:solidFill>
+                          <a:srgbClr val="000000"/>
+                        </a:solidFill>
+                        <a:effectLst/>
+                        <a:latin typeface="等线" panose="02010600030101010101" pitchFamily="2" charset="-122"/>
+                        <a:ea typeface="等线" panose="02010600030101010101" pitchFamily="2" charset="-122"/>
+                      </a:endParaRPr>
+                    </a:p>
+                  </a:txBody>
+                  <a:tcPr marL="9525" marR="9525" marT="9525" marB="0" anchor="ctr"/>
+                </a:tc>
+                <a:tc>
+                  <a:txBody>
+                    <a:bodyPr/>
+                    <a:lstStyle/>
+                    <a:p>
+                      <a:pPr algn="ctr" fontAlgn="ctr">
+                        <a:lnSpc>
+                          <a:spcPct val="150000"/>
+                        </a:lnSpc>
+                        <a:spcBef>
+                          <a:spcPts val="600"/>
+                        </a:spcBef>
+                        <a:spcAft>
+                          <a:spcPts val="600"/>
+                        </a:spcAft>
+                      </a:pPr>
+                      <a:r>
+                        <a:rPr lang="en-US" altLang="zh-CN" sz="2000" u="none" strike="noStrike">
+                          <a:effectLst/>
+                        </a:rPr>
+                        <a:t>10</a:t>
+                      </a:r>
+                      <a:endParaRPr lang="en-US" altLang="zh-CN" sz="2000" b="0" i="0" u="none" strike="noStrike">
+                        <a:solidFill>
+                          <a:srgbClr val="000000"/>
+                        </a:solidFill>
+                        <a:effectLst/>
+                        <a:latin typeface="等线" panose="02010600030101010101" pitchFamily="2" charset="-122"/>
+                        <a:ea typeface="等线" panose="02010600030101010101" pitchFamily="2" charset="-122"/>
+                      </a:endParaRPr>
+                    </a:p>
+                  </a:txBody>
+                  <a:tcPr marL="9525" marR="9525" marT="9525" marB="0" anchor="ctr"/>
+                </a:tc>
+                <a:extLst>
+                  <a:ext uri="{0D108BD9-81ED-4DB2-BD59-A6C34878D82A}">
+                    <a16:rowId xmlns:a16="http://schemas.microsoft.com/office/drawing/2014/main" val="3009939834"/>
+                  </a:ext>
+                </a:extLst>
+              </a:tr>
+              <a:tr h="180975">
+                <a:tc vMerge="1">
+                  <a:txBody>
+                    <a:bodyPr/>
+                    <a:lstStyle/>
+                    <a:p>
+                      <a:endParaRPr lang="zh-CN" altLang="en-US"/>
+                    </a:p>
+                  </a:txBody>
+                  <a:tcPr/>
+                </a:tc>
+                <a:tc>
+                  <a:txBody>
+                    <a:bodyPr/>
+                    <a:lstStyle/>
+                    <a:p>
+                      <a:pPr algn="ctr" fontAlgn="ctr">
+                        <a:lnSpc>
+                          <a:spcPct val="150000"/>
+                        </a:lnSpc>
+                        <a:spcBef>
+                          <a:spcPts val="600"/>
+                        </a:spcBef>
+                        <a:spcAft>
+                          <a:spcPts val="600"/>
+                        </a:spcAft>
+                      </a:pPr>
+                      <a:r>
+                        <a:rPr lang="zh-CN" altLang="en-US" sz="2000" u="none" strike="noStrike">
+                          <a:effectLst/>
+                        </a:rPr>
+                        <a:t>管理员登录</a:t>
+                      </a:r>
+                      <a:endParaRPr lang="zh-CN" altLang="en-US" sz="2000" b="0" i="0" u="none" strike="noStrike">
+                        <a:solidFill>
+                          <a:srgbClr val="000000"/>
+                        </a:solidFill>
+                        <a:effectLst/>
+                        <a:latin typeface="等线" panose="02010600030101010101" pitchFamily="2" charset="-122"/>
+                        <a:ea typeface="等线" panose="02010600030101010101" pitchFamily="2" charset="-122"/>
+                      </a:endParaRPr>
+                    </a:p>
+                  </a:txBody>
+                  <a:tcPr marL="9525" marR="9525" marT="9525" marB="0" anchor="ctr"/>
+                </a:tc>
+                <a:tc>
+                  <a:txBody>
+                    <a:bodyPr/>
+                    <a:lstStyle/>
+                    <a:p>
+                      <a:pPr algn="ctr" fontAlgn="ctr">
+                        <a:lnSpc>
+                          <a:spcPct val="150000"/>
+                        </a:lnSpc>
+                        <a:spcBef>
+                          <a:spcPts val="600"/>
+                        </a:spcBef>
+                        <a:spcAft>
+                          <a:spcPts val="600"/>
+                        </a:spcAft>
+                      </a:pPr>
+                      <a:r>
+                        <a:rPr lang="en-US" altLang="zh-CN" sz="2000" u="none" strike="noStrike">
+                          <a:effectLst/>
+                        </a:rPr>
+                        <a:t>3</a:t>
+                      </a:r>
+                      <a:endParaRPr lang="en-US" altLang="zh-CN" sz="2000" b="0" i="0" u="none" strike="noStrike">
+                        <a:solidFill>
+                          <a:srgbClr val="000000"/>
+                        </a:solidFill>
+                        <a:effectLst/>
+                        <a:latin typeface="等线" panose="02010600030101010101" pitchFamily="2" charset="-122"/>
+                        <a:ea typeface="等线" panose="02010600030101010101" pitchFamily="2" charset="-122"/>
+                      </a:endParaRPr>
+                    </a:p>
+                  </a:txBody>
+                  <a:tcPr marL="9525" marR="9525" marT="9525" marB="0" anchor="ctr"/>
+                </a:tc>
+                <a:tc>
+                  <a:txBody>
+                    <a:bodyPr/>
+                    <a:lstStyle/>
+                    <a:p>
+                      <a:pPr algn="ctr" fontAlgn="ctr">
+                        <a:lnSpc>
+                          <a:spcPct val="150000"/>
+                        </a:lnSpc>
+                        <a:spcBef>
+                          <a:spcPts val="600"/>
+                        </a:spcBef>
+                        <a:spcAft>
+                          <a:spcPts val="600"/>
+                        </a:spcAft>
+                      </a:pPr>
+                      <a:r>
+                        <a:rPr lang="en-US" altLang="zh-CN" sz="2000" u="none" strike="noStrike">
+                          <a:effectLst/>
+                        </a:rPr>
+                        <a:t>5</a:t>
+                      </a:r>
+                      <a:endParaRPr lang="en-US" altLang="zh-CN" sz="2000" b="0" i="0" u="none" strike="noStrike">
+                        <a:solidFill>
+                          <a:srgbClr val="000000"/>
+                        </a:solidFill>
+                        <a:effectLst/>
+                        <a:latin typeface="等线" panose="02010600030101010101" pitchFamily="2" charset="-122"/>
+                        <a:ea typeface="等线" panose="02010600030101010101" pitchFamily="2" charset="-122"/>
+                      </a:endParaRPr>
+                    </a:p>
+                  </a:txBody>
+                  <a:tcPr marL="9525" marR="9525" marT="9525" marB="0" anchor="ctr"/>
+                </a:tc>
+                <a:extLst>
+                  <a:ext uri="{0D108BD9-81ED-4DB2-BD59-A6C34878D82A}">
+                    <a16:rowId xmlns:a16="http://schemas.microsoft.com/office/drawing/2014/main" val="1537391776"/>
+                  </a:ext>
+                </a:extLst>
+              </a:tr>
+              <a:tr h="180975">
+                <a:tc rowSpan="4">
+                  <a:txBody>
+                    <a:bodyPr/>
+                    <a:lstStyle/>
+                    <a:p>
+                      <a:pPr algn="ctr" fontAlgn="ctr">
+                        <a:lnSpc>
+                          <a:spcPct val="150000"/>
+                        </a:lnSpc>
+                        <a:spcBef>
+                          <a:spcPts val="600"/>
+                        </a:spcBef>
+                        <a:spcAft>
+                          <a:spcPts val="600"/>
+                        </a:spcAft>
+                      </a:pPr>
+                      <a:r>
+                        <a:rPr lang="zh-CN" altLang="en-US" sz="2000" u="none" strike="noStrike" dirty="0">
+                          <a:effectLst/>
+                        </a:rPr>
+                        <a:t>课程管理</a:t>
+                      </a:r>
+                      <a:endParaRPr lang="zh-CN" altLang="en-US" sz="2000" b="0" i="0" u="none" strike="noStrike" dirty="0">
+                        <a:solidFill>
+                          <a:srgbClr val="000000"/>
+                        </a:solidFill>
+                        <a:effectLst/>
+                        <a:latin typeface="等线" panose="02010600030101010101" pitchFamily="2" charset="-122"/>
+                        <a:ea typeface="等线" panose="02010600030101010101" pitchFamily="2" charset="-122"/>
+                      </a:endParaRPr>
+                    </a:p>
+                  </a:txBody>
+                  <a:tcPr marL="9525" marR="9525" marT="9525" marB="0" anchor="ctr"/>
+                </a:tc>
+                <a:tc>
+                  <a:txBody>
+                    <a:bodyPr/>
+                    <a:lstStyle/>
+                    <a:p>
+                      <a:pPr algn="ctr" fontAlgn="ctr">
+                        <a:lnSpc>
+                          <a:spcPct val="150000"/>
+                        </a:lnSpc>
+                        <a:spcBef>
+                          <a:spcPts val="600"/>
+                        </a:spcBef>
+                        <a:spcAft>
+                          <a:spcPts val="600"/>
+                        </a:spcAft>
+                      </a:pPr>
+                      <a:r>
+                        <a:rPr lang="zh-CN" altLang="en-US" sz="2000" u="none" strike="noStrike">
+                          <a:effectLst/>
+                        </a:rPr>
+                        <a:t>查看全部课程</a:t>
+                      </a:r>
+                      <a:endParaRPr lang="zh-CN" altLang="en-US" sz="2000" b="0" i="0" u="none" strike="noStrike">
+                        <a:solidFill>
+                          <a:srgbClr val="000000"/>
+                        </a:solidFill>
+                        <a:effectLst/>
+                        <a:latin typeface="等线" panose="02010600030101010101" pitchFamily="2" charset="-122"/>
+                        <a:ea typeface="等线" panose="02010600030101010101" pitchFamily="2" charset="-122"/>
+                      </a:endParaRPr>
+                    </a:p>
+                  </a:txBody>
+                  <a:tcPr marL="9525" marR="9525" marT="9525" marB="0" anchor="ctr"/>
+                </a:tc>
+                <a:tc>
+                  <a:txBody>
+                    <a:bodyPr/>
+                    <a:lstStyle/>
+                    <a:p>
+                      <a:pPr algn="ctr" fontAlgn="ctr">
+                        <a:lnSpc>
+                          <a:spcPct val="150000"/>
+                        </a:lnSpc>
+                        <a:spcBef>
+                          <a:spcPts val="600"/>
+                        </a:spcBef>
+                        <a:spcAft>
+                          <a:spcPts val="600"/>
+                        </a:spcAft>
+                      </a:pPr>
+                      <a:r>
+                        <a:rPr lang="en-US" altLang="zh-CN" sz="2000" u="none" strike="noStrike">
+                          <a:effectLst/>
+                        </a:rPr>
+                        <a:t>5</a:t>
+                      </a:r>
+                      <a:endParaRPr lang="en-US" altLang="zh-CN" sz="2000" b="0" i="0" u="none" strike="noStrike">
+                        <a:solidFill>
+                          <a:srgbClr val="000000"/>
+                        </a:solidFill>
+                        <a:effectLst/>
+                        <a:latin typeface="等线" panose="02010600030101010101" pitchFamily="2" charset="-122"/>
+                        <a:ea typeface="等线" panose="02010600030101010101" pitchFamily="2" charset="-122"/>
+                      </a:endParaRPr>
+                    </a:p>
+                  </a:txBody>
+                  <a:tcPr marL="9525" marR="9525" marT="9525" marB="0" anchor="ctr"/>
+                </a:tc>
+                <a:tc>
+                  <a:txBody>
+                    <a:bodyPr/>
+                    <a:lstStyle/>
+                    <a:p>
+                      <a:pPr algn="ctr" fontAlgn="ctr">
+                        <a:lnSpc>
+                          <a:spcPct val="150000"/>
+                        </a:lnSpc>
+                        <a:spcBef>
+                          <a:spcPts val="600"/>
+                        </a:spcBef>
+                        <a:spcAft>
+                          <a:spcPts val="600"/>
+                        </a:spcAft>
+                      </a:pPr>
+                      <a:r>
+                        <a:rPr lang="en-US" altLang="zh-CN" sz="2000" u="none" strike="noStrike">
+                          <a:effectLst/>
+                        </a:rPr>
+                        <a:t>25</a:t>
+                      </a:r>
+                      <a:endParaRPr lang="en-US" altLang="zh-CN" sz="2000" b="0" i="0" u="none" strike="noStrike">
+                        <a:solidFill>
+                          <a:srgbClr val="000000"/>
+                        </a:solidFill>
+                        <a:effectLst/>
+                        <a:latin typeface="等线" panose="02010600030101010101" pitchFamily="2" charset="-122"/>
+                        <a:ea typeface="等线" panose="02010600030101010101" pitchFamily="2" charset="-122"/>
+                      </a:endParaRPr>
+                    </a:p>
+                  </a:txBody>
+                  <a:tcPr marL="9525" marR="9525" marT="9525" marB="0" anchor="ctr"/>
+                </a:tc>
+                <a:extLst>
+                  <a:ext uri="{0D108BD9-81ED-4DB2-BD59-A6C34878D82A}">
+                    <a16:rowId xmlns:a16="http://schemas.microsoft.com/office/drawing/2014/main" val="3901906960"/>
+                  </a:ext>
+                </a:extLst>
+              </a:tr>
+              <a:tr h="180975">
+                <a:tc vMerge="1">
+                  <a:txBody>
+                    <a:bodyPr/>
+                    <a:lstStyle/>
+                    <a:p>
+                      <a:endParaRPr lang="zh-CN" altLang="en-US"/>
+                    </a:p>
+                  </a:txBody>
+                  <a:tcPr/>
+                </a:tc>
+                <a:tc>
+                  <a:txBody>
+                    <a:bodyPr/>
+                    <a:lstStyle/>
+                    <a:p>
+                      <a:pPr algn="ctr" fontAlgn="ctr">
+                        <a:lnSpc>
+                          <a:spcPct val="150000"/>
+                        </a:lnSpc>
+                        <a:spcBef>
+                          <a:spcPts val="600"/>
+                        </a:spcBef>
+                        <a:spcAft>
+                          <a:spcPts val="600"/>
+                        </a:spcAft>
+                      </a:pPr>
+                      <a:r>
+                        <a:rPr lang="zh-CN" altLang="en-US" sz="2000" u="none" strike="noStrike">
+                          <a:effectLst/>
+                        </a:rPr>
+                        <a:t>查看我的课程</a:t>
+                      </a:r>
+                      <a:endParaRPr lang="zh-CN" altLang="en-US" sz="2000" b="0" i="0" u="none" strike="noStrike">
+                        <a:solidFill>
+                          <a:srgbClr val="000000"/>
+                        </a:solidFill>
+                        <a:effectLst/>
+                        <a:latin typeface="等线" panose="02010600030101010101" pitchFamily="2" charset="-122"/>
+                        <a:ea typeface="等线" panose="02010600030101010101" pitchFamily="2" charset="-122"/>
+                      </a:endParaRPr>
+                    </a:p>
+                  </a:txBody>
+                  <a:tcPr marL="9525" marR="9525" marT="9525" marB="0" anchor="ctr"/>
+                </a:tc>
+                <a:tc>
+                  <a:txBody>
+                    <a:bodyPr/>
+                    <a:lstStyle/>
+                    <a:p>
+                      <a:pPr algn="ctr" fontAlgn="ctr">
+                        <a:lnSpc>
+                          <a:spcPct val="150000"/>
+                        </a:lnSpc>
+                        <a:spcBef>
+                          <a:spcPts val="600"/>
+                        </a:spcBef>
+                        <a:spcAft>
+                          <a:spcPts val="600"/>
+                        </a:spcAft>
+                      </a:pPr>
+                      <a:r>
+                        <a:rPr lang="en-US" altLang="zh-CN" sz="2000" u="none" strike="noStrike">
+                          <a:effectLst/>
+                        </a:rPr>
+                        <a:t>5</a:t>
+                      </a:r>
+                      <a:endParaRPr lang="en-US" altLang="zh-CN" sz="2000" b="0" i="0" u="none" strike="noStrike">
+                        <a:solidFill>
+                          <a:srgbClr val="000000"/>
+                        </a:solidFill>
+                        <a:effectLst/>
+                        <a:latin typeface="等线" panose="02010600030101010101" pitchFamily="2" charset="-122"/>
+                        <a:ea typeface="等线" panose="02010600030101010101" pitchFamily="2" charset="-122"/>
+                      </a:endParaRPr>
+                    </a:p>
+                  </a:txBody>
+                  <a:tcPr marL="9525" marR="9525" marT="9525" marB="0" anchor="ctr"/>
+                </a:tc>
+                <a:tc>
+                  <a:txBody>
+                    <a:bodyPr/>
+                    <a:lstStyle/>
+                    <a:p>
+                      <a:pPr algn="ctr" fontAlgn="ctr">
+                        <a:lnSpc>
+                          <a:spcPct val="150000"/>
+                        </a:lnSpc>
+                        <a:spcBef>
+                          <a:spcPts val="600"/>
+                        </a:spcBef>
+                        <a:spcAft>
+                          <a:spcPts val="600"/>
+                        </a:spcAft>
+                      </a:pPr>
+                      <a:r>
+                        <a:rPr lang="en-US" altLang="zh-CN" sz="2000" u="none" strike="noStrike">
+                          <a:effectLst/>
+                        </a:rPr>
+                        <a:t>23</a:t>
+                      </a:r>
+                      <a:endParaRPr lang="en-US" altLang="zh-CN" sz="2000" b="0" i="0" u="none" strike="noStrike">
+                        <a:solidFill>
+                          <a:srgbClr val="000000"/>
+                        </a:solidFill>
+                        <a:effectLst/>
+                        <a:latin typeface="等线" panose="02010600030101010101" pitchFamily="2" charset="-122"/>
+                        <a:ea typeface="等线" panose="02010600030101010101" pitchFamily="2" charset="-122"/>
+                      </a:endParaRPr>
+                    </a:p>
+                  </a:txBody>
+                  <a:tcPr marL="9525" marR="9525" marT="9525" marB="0" anchor="ctr"/>
+                </a:tc>
+                <a:extLst>
+                  <a:ext uri="{0D108BD9-81ED-4DB2-BD59-A6C34878D82A}">
+                    <a16:rowId xmlns:a16="http://schemas.microsoft.com/office/drawing/2014/main" val="585319396"/>
+                  </a:ext>
+                </a:extLst>
+              </a:tr>
+              <a:tr h="180975">
+                <a:tc vMerge="1">
+                  <a:txBody>
+                    <a:bodyPr/>
+                    <a:lstStyle/>
+                    <a:p>
+                      <a:endParaRPr lang="zh-CN" altLang="en-US"/>
+                    </a:p>
+                  </a:txBody>
+                  <a:tcPr/>
+                </a:tc>
+                <a:tc>
+                  <a:txBody>
+                    <a:bodyPr/>
+                    <a:lstStyle/>
+                    <a:p>
+                      <a:pPr algn="ctr" fontAlgn="ctr">
+                        <a:lnSpc>
+                          <a:spcPct val="150000"/>
+                        </a:lnSpc>
+                        <a:spcBef>
+                          <a:spcPts val="600"/>
+                        </a:spcBef>
+                        <a:spcAft>
+                          <a:spcPts val="600"/>
+                        </a:spcAft>
+                      </a:pPr>
+                      <a:r>
+                        <a:rPr lang="zh-CN" altLang="en-US" sz="2000" u="none" strike="noStrike">
+                          <a:effectLst/>
+                        </a:rPr>
+                        <a:t>添加课程</a:t>
+                      </a:r>
+                      <a:endParaRPr lang="zh-CN" altLang="en-US" sz="2000" b="0" i="0" u="none" strike="noStrike">
+                        <a:solidFill>
+                          <a:srgbClr val="000000"/>
+                        </a:solidFill>
+                        <a:effectLst/>
+                        <a:latin typeface="等线" panose="02010600030101010101" pitchFamily="2" charset="-122"/>
+                        <a:ea typeface="等线" panose="02010600030101010101" pitchFamily="2" charset="-122"/>
+                      </a:endParaRPr>
+                    </a:p>
+                  </a:txBody>
+                  <a:tcPr marL="9525" marR="9525" marT="9525" marB="0" anchor="ctr"/>
+                </a:tc>
+                <a:tc>
+                  <a:txBody>
+                    <a:bodyPr/>
+                    <a:lstStyle/>
+                    <a:p>
+                      <a:pPr algn="ctr" fontAlgn="ctr">
+                        <a:lnSpc>
+                          <a:spcPct val="150000"/>
+                        </a:lnSpc>
+                        <a:spcBef>
+                          <a:spcPts val="600"/>
+                        </a:spcBef>
+                        <a:spcAft>
+                          <a:spcPts val="600"/>
+                        </a:spcAft>
+                      </a:pPr>
+                      <a:r>
+                        <a:rPr lang="en-US" altLang="zh-CN" sz="2000" u="none" strike="noStrike">
+                          <a:effectLst/>
+                        </a:rPr>
+                        <a:t>5</a:t>
+                      </a:r>
+                      <a:endParaRPr lang="en-US" altLang="zh-CN" sz="2000" b="0" i="0" u="none" strike="noStrike">
+                        <a:solidFill>
+                          <a:srgbClr val="000000"/>
+                        </a:solidFill>
+                        <a:effectLst/>
+                        <a:latin typeface="等线" panose="02010600030101010101" pitchFamily="2" charset="-122"/>
+                        <a:ea typeface="等线" panose="02010600030101010101" pitchFamily="2" charset="-122"/>
+                      </a:endParaRPr>
+                    </a:p>
+                  </a:txBody>
+                  <a:tcPr marL="9525" marR="9525" marT="9525" marB="0" anchor="ctr"/>
+                </a:tc>
+                <a:tc>
+                  <a:txBody>
+                    <a:bodyPr/>
+                    <a:lstStyle/>
+                    <a:p>
+                      <a:pPr algn="ctr" fontAlgn="ctr">
+                        <a:lnSpc>
+                          <a:spcPct val="150000"/>
+                        </a:lnSpc>
+                        <a:spcBef>
+                          <a:spcPts val="600"/>
+                        </a:spcBef>
+                        <a:spcAft>
+                          <a:spcPts val="600"/>
+                        </a:spcAft>
+                      </a:pPr>
+                      <a:r>
+                        <a:rPr lang="en-US" altLang="zh-CN" sz="2000" u="none" strike="noStrike">
+                          <a:effectLst/>
+                        </a:rPr>
+                        <a:t>15</a:t>
+                      </a:r>
+                      <a:endParaRPr lang="en-US" altLang="zh-CN" sz="2000" b="0" i="0" u="none" strike="noStrike">
+                        <a:solidFill>
+                          <a:srgbClr val="000000"/>
+                        </a:solidFill>
+                        <a:effectLst/>
+                        <a:latin typeface="等线" panose="02010600030101010101" pitchFamily="2" charset="-122"/>
+                        <a:ea typeface="等线" panose="02010600030101010101" pitchFamily="2" charset="-122"/>
+                      </a:endParaRPr>
+                    </a:p>
+                  </a:txBody>
+                  <a:tcPr marL="9525" marR="9525" marT="9525" marB="0" anchor="ctr"/>
+                </a:tc>
+                <a:extLst>
+                  <a:ext uri="{0D108BD9-81ED-4DB2-BD59-A6C34878D82A}">
+                    <a16:rowId xmlns:a16="http://schemas.microsoft.com/office/drawing/2014/main" val="1337989687"/>
+                  </a:ext>
+                </a:extLst>
+              </a:tr>
+              <a:tr h="180975">
+                <a:tc vMerge="1">
+                  <a:txBody>
+                    <a:bodyPr/>
+                    <a:lstStyle/>
+                    <a:p>
+                      <a:endParaRPr lang="zh-CN" altLang="en-US"/>
+                    </a:p>
+                  </a:txBody>
+                  <a:tcPr/>
+                </a:tc>
+                <a:tc>
+                  <a:txBody>
+                    <a:bodyPr/>
+                    <a:lstStyle/>
+                    <a:p>
+                      <a:pPr algn="ctr" fontAlgn="ctr">
+                        <a:lnSpc>
+                          <a:spcPct val="150000"/>
+                        </a:lnSpc>
+                        <a:spcBef>
+                          <a:spcPts val="600"/>
+                        </a:spcBef>
+                        <a:spcAft>
+                          <a:spcPts val="600"/>
+                        </a:spcAft>
+                      </a:pPr>
+                      <a:r>
+                        <a:rPr lang="zh-CN" altLang="en-US" sz="2000" u="none" strike="noStrike">
+                          <a:effectLst/>
+                        </a:rPr>
+                        <a:t>删除课程</a:t>
+                      </a:r>
+                      <a:endParaRPr lang="zh-CN" altLang="en-US" sz="2000" b="0" i="0" u="none" strike="noStrike">
+                        <a:solidFill>
+                          <a:srgbClr val="000000"/>
+                        </a:solidFill>
+                        <a:effectLst/>
+                        <a:latin typeface="等线" panose="02010600030101010101" pitchFamily="2" charset="-122"/>
+                        <a:ea typeface="等线" panose="02010600030101010101" pitchFamily="2" charset="-122"/>
+                      </a:endParaRPr>
+                    </a:p>
+                  </a:txBody>
+                  <a:tcPr marL="9525" marR="9525" marT="9525" marB="0" anchor="ctr"/>
+                </a:tc>
+                <a:tc>
+                  <a:txBody>
+                    <a:bodyPr/>
+                    <a:lstStyle/>
+                    <a:p>
+                      <a:pPr algn="ctr" fontAlgn="ctr">
+                        <a:lnSpc>
+                          <a:spcPct val="150000"/>
+                        </a:lnSpc>
+                        <a:spcBef>
+                          <a:spcPts val="600"/>
+                        </a:spcBef>
+                        <a:spcAft>
+                          <a:spcPts val="600"/>
+                        </a:spcAft>
+                      </a:pPr>
+                      <a:r>
+                        <a:rPr lang="en-US" altLang="zh-CN" sz="2000" u="none" strike="noStrike">
+                          <a:effectLst/>
+                        </a:rPr>
+                        <a:t>5</a:t>
+                      </a:r>
+                      <a:endParaRPr lang="en-US" altLang="zh-CN" sz="2000" b="0" i="0" u="none" strike="noStrike">
+                        <a:solidFill>
+                          <a:srgbClr val="000000"/>
+                        </a:solidFill>
+                        <a:effectLst/>
+                        <a:latin typeface="等线" panose="02010600030101010101" pitchFamily="2" charset="-122"/>
+                        <a:ea typeface="等线" panose="02010600030101010101" pitchFamily="2" charset="-122"/>
+                      </a:endParaRPr>
+                    </a:p>
+                  </a:txBody>
+                  <a:tcPr marL="9525" marR="9525" marT="9525" marB="0" anchor="ctr"/>
+                </a:tc>
+                <a:tc>
+                  <a:txBody>
+                    <a:bodyPr/>
+                    <a:lstStyle/>
+                    <a:p>
+                      <a:pPr algn="ctr" fontAlgn="ctr">
+                        <a:lnSpc>
+                          <a:spcPct val="150000"/>
+                        </a:lnSpc>
+                        <a:spcBef>
+                          <a:spcPts val="600"/>
+                        </a:spcBef>
+                        <a:spcAft>
+                          <a:spcPts val="600"/>
+                        </a:spcAft>
+                      </a:pPr>
+                      <a:r>
+                        <a:rPr lang="en-US" altLang="zh-CN" sz="2000" u="none" strike="noStrike" dirty="0">
+                          <a:effectLst/>
+                        </a:rPr>
+                        <a:t>12</a:t>
+                      </a:r>
+                      <a:endParaRPr lang="en-US" altLang="zh-CN" sz="2000" b="0" i="0" u="none" strike="noStrike" dirty="0">
+                        <a:solidFill>
+                          <a:srgbClr val="000000"/>
+                        </a:solidFill>
+                        <a:effectLst/>
+                        <a:latin typeface="等线" panose="02010600030101010101" pitchFamily="2" charset="-122"/>
+                        <a:ea typeface="等线" panose="02010600030101010101" pitchFamily="2" charset="-122"/>
+                      </a:endParaRPr>
+                    </a:p>
+                  </a:txBody>
+                  <a:tcPr marL="9525" marR="9525" marT="9525" marB="0" anchor="ctr"/>
+                </a:tc>
+                <a:extLst>
+                  <a:ext uri="{0D108BD9-81ED-4DB2-BD59-A6C34878D82A}">
+                    <a16:rowId xmlns:a16="http://schemas.microsoft.com/office/drawing/2014/main" val="640748622"/>
+                  </a:ext>
+                </a:extLst>
+              </a:tr>
+            </a:tbl>
+          </a:graphicData>
+        </a:graphic>
+      </p:graphicFrame>
+      <p:graphicFrame>
+        <p:nvGraphicFramePr>
+          <p:cNvPr id="6" name="表格 5">
+            <a:extLst>
+              <a:ext uri="{FF2B5EF4-FFF2-40B4-BE49-F238E27FC236}">
+                <a16:creationId xmlns:a16="http://schemas.microsoft.com/office/drawing/2014/main" id="{E321F3CD-A6C4-40A7-87D5-AFAB0CB218ED}"/>
+              </a:ext>
+            </a:extLst>
+          </p:cNvPr>
+          <p:cNvGraphicFramePr>
+            <a:graphicFrameLocks noGrp="1"/>
+          </p:cNvGraphicFramePr>
+          <p:nvPr>
+            <p:extLst>
+              <p:ext uri="{D42A27DB-BD31-4B8C-83A1-F6EECF244321}">
+                <p14:modId xmlns:p14="http://schemas.microsoft.com/office/powerpoint/2010/main" val="3947691500"/>
+              </p:ext>
+            </p:extLst>
+          </p:nvPr>
+        </p:nvGraphicFramePr>
+        <p:xfrm>
+          <a:off x="6395539" y="2510924"/>
+          <a:ext cx="5796461" cy="3267075"/>
+        </p:xfrm>
+        <a:graphic>
+          <a:graphicData uri="http://schemas.openxmlformats.org/drawingml/2006/table">
+            <a:tbl>
+              <a:tblPr>
+                <a:tableStyleId>{5C22544A-7EE6-4342-B048-85BDC9FD1C3A}</a:tableStyleId>
+              </a:tblPr>
+              <a:tblGrid>
+                <a:gridCol w="1061047">
+                  <a:extLst>
+                    <a:ext uri="{9D8B030D-6E8A-4147-A177-3AD203B41FA5}">
+                      <a16:colId xmlns:a16="http://schemas.microsoft.com/office/drawing/2014/main" val="1989788248"/>
+                    </a:ext>
+                  </a:extLst>
+                </a:gridCol>
+                <a:gridCol w="2613320">
+                  <a:extLst>
+                    <a:ext uri="{9D8B030D-6E8A-4147-A177-3AD203B41FA5}">
+                      <a16:colId xmlns:a16="http://schemas.microsoft.com/office/drawing/2014/main" val="2560489635"/>
+                    </a:ext>
+                  </a:extLst>
+                </a:gridCol>
+                <a:gridCol w="1061047">
+                  <a:extLst>
+                    <a:ext uri="{9D8B030D-6E8A-4147-A177-3AD203B41FA5}">
+                      <a16:colId xmlns:a16="http://schemas.microsoft.com/office/drawing/2014/main" val="3446722444"/>
+                    </a:ext>
+                  </a:extLst>
+                </a:gridCol>
+                <a:gridCol w="1061047">
+                  <a:extLst>
+                    <a:ext uri="{9D8B030D-6E8A-4147-A177-3AD203B41FA5}">
+                      <a16:colId xmlns:a16="http://schemas.microsoft.com/office/drawing/2014/main" val="3778078255"/>
+                    </a:ext>
+                  </a:extLst>
+                </a:gridCol>
+              </a:tblGrid>
+              <a:tr h="180975">
+                <a:tc rowSpan="3">
+                  <a:txBody>
+                    <a:bodyPr/>
+                    <a:lstStyle/>
+                    <a:p>
+                      <a:pPr algn="ctr" fontAlgn="ctr">
+                        <a:lnSpc>
+                          <a:spcPct val="150000"/>
+                        </a:lnSpc>
+                        <a:spcBef>
+                          <a:spcPts val="600"/>
+                        </a:spcBef>
+                        <a:spcAft>
+                          <a:spcPts val="600"/>
+                        </a:spcAft>
+                      </a:pPr>
+                      <a:r>
+                        <a:rPr lang="zh-CN" altLang="en-US" sz="2000" u="none" strike="noStrike">
+                          <a:effectLst/>
+                        </a:rPr>
+                        <a:t>预约场馆</a:t>
+                      </a:r>
+                      <a:endParaRPr lang="zh-CN" altLang="en-US" sz="2000" b="0" i="0" u="none" strike="noStrike">
+                        <a:solidFill>
+                          <a:srgbClr val="000000"/>
+                        </a:solidFill>
+                        <a:effectLst/>
+                        <a:latin typeface="等线" panose="02010600030101010101" pitchFamily="2" charset="-122"/>
+                        <a:ea typeface="等线" panose="02010600030101010101" pitchFamily="2" charset="-122"/>
+                      </a:endParaRPr>
+                    </a:p>
+                  </a:txBody>
+                  <a:tcPr marL="9525" marR="9525" marT="9525" marB="0" anchor="ctr"/>
+                </a:tc>
+                <a:tc>
+                  <a:txBody>
+                    <a:bodyPr/>
+                    <a:lstStyle/>
+                    <a:p>
+                      <a:pPr algn="ctr" fontAlgn="ctr">
+                        <a:lnSpc>
+                          <a:spcPct val="150000"/>
+                        </a:lnSpc>
+                        <a:spcBef>
+                          <a:spcPts val="600"/>
+                        </a:spcBef>
+                        <a:spcAft>
+                          <a:spcPts val="600"/>
+                        </a:spcAft>
+                      </a:pPr>
+                      <a:r>
+                        <a:rPr lang="zh-CN" altLang="en-US" sz="2000" u="none" strike="noStrike">
+                          <a:effectLst/>
+                        </a:rPr>
+                        <a:t>查看我的预约</a:t>
+                      </a:r>
+                      <a:endParaRPr lang="zh-CN" altLang="en-US" sz="2000" b="0" i="0" u="none" strike="noStrike">
+                        <a:solidFill>
+                          <a:srgbClr val="000000"/>
+                        </a:solidFill>
+                        <a:effectLst/>
+                        <a:latin typeface="等线" panose="02010600030101010101" pitchFamily="2" charset="-122"/>
+                        <a:ea typeface="等线" panose="02010600030101010101" pitchFamily="2" charset="-122"/>
+                      </a:endParaRPr>
+                    </a:p>
+                  </a:txBody>
+                  <a:tcPr marL="9525" marR="9525" marT="9525" marB="0" anchor="ctr"/>
+                </a:tc>
+                <a:tc>
+                  <a:txBody>
+                    <a:bodyPr/>
+                    <a:lstStyle/>
+                    <a:p>
+                      <a:pPr algn="ctr" fontAlgn="ctr">
+                        <a:lnSpc>
+                          <a:spcPct val="150000"/>
+                        </a:lnSpc>
+                        <a:spcBef>
+                          <a:spcPts val="600"/>
+                        </a:spcBef>
+                        <a:spcAft>
+                          <a:spcPts val="600"/>
+                        </a:spcAft>
+                      </a:pPr>
+                      <a:r>
+                        <a:rPr lang="en-US" altLang="zh-CN" sz="2000" u="none" strike="noStrike">
+                          <a:effectLst/>
+                        </a:rPr>
+                        <a:t>5</a:t>
+                      </a:r>
+                      <a:endParaRPr lang="en-US" altLang="zh-CN" sz="2000" b="0" i="0" u="none" strike="noStrike">
+                        <a:solidFill>
+                          <a:srgbClr val="000000"/>
+                        </a:solidFill>
+                        <a:effectLst/>
+                        <a:latin typeface="等线" panose="02010600030101010101" pitchFamily="2" charset="-122"/>
+                        <a:ea typeface="等线" panose="02010600030101010101" pitchFamily="2" charset="-122"/>
+                      </a:endParaRPr>
+                    </a:p>
+                  </a:txBody>
+                  <a:tcPr marL="9525" marR="9525" marT="9525" marB="0" anchor="ctr"/>
+                </a:tc>
+                <a:tc>
+                  <a:txBody>
+                    <a:bodyPr/>
+                    <a:lstStyle/>
+                    <a:p>
+                      <a:pPr algn="ctr" fontAlgn="ctr">
+                        <a:lnSpc>
+                          <a:spcPct val="150000"/>
+                        </a:lnSpc>
+                        <a:spcBef>
+                          <a:spcPts val="600"/>
+                        </a:spcBef>
+                        <a:spcAft>
+                          <a:spcPts val="600"/>
+                        </a:spcAft>
+                      </a:pPr>
+                      <a:r>
+                        <a:rPr lang="en-US" altLang="zh-CN" sz="2000" u="none" strike="noStrike">
+                          <a:effectLst/>
+                        </a:rPr>
+                        <a:t>28</a:t>
+                      </a:r>
+                      <a:endParaRPr lang="en-US" altLang="zh-CN" sz="2000" b="0" i="0" u="none" strike="noStrike">
+                        <a:solidFill>
+                          <a:srgbClr val="000000"/>
+                        </a:solidFill>
+                        <a:effectLst/>
+                        <a:latin typeface="等线" panose="02010600030101010101" pitchFamily="2" charset="-122"/>
+                        <a:ea typeface="等线" panose="02010600030101010101" pitchFamily="2" charset="-122"/>
+                      </a:endParaRPr>
+                    </a:p>
+                  </a:txBody>
+                  <a:tcPr marL="9525" marR="9525" marT="9525" marB="0" anchor="ctr"/>
+                </a:tc>
+                <a:extLst>
+                  <a:ext uri="{0D108BD9-81ED-4DB2-BD59-A6C34878D82A}">
+                    <a16:rowId xmlns:a16="http://schemas.microsoft.com/office/drawing/2014/main" val="3696736030"/>
+                  </a:ext>
+                </a:extLst>
+              </a:tr>
+              <a:tr h="180975">
+                <a:tc vMerge="1">
+                  <a:txBody>
+                    <a:bodyPr/>
+                    <a:lstStyle/>
+                    <a:p>
+                      <a:endParaRPr lang="zh-CN" altLang="en-US"/>
+                    </a:p>
+                  </a:txBody>
+                  <a:tcPr/>
+                </a:tc>
+                <a:tc>
+                  <a:txBody>
+                    <a:bodyPr/>
+                    <a:lstStyle/>
+                    <a:p>
+                      <a:pPr algn="ctr" fontAlgn="ctr">
+                        <a:lnSpc>
+                          <a:spcPct val="150000"/>
+                        </a:lnSpc>
+                        <a:spcBef>
+                          <a:spcPts val="600"/>
+                        </a:spcBef>
+                        <a:spcAft>
+                          <a:spcPts val="600"/>
+                        </a:spcAft>
+                      </a:pPr>
+                      <a:r>
+                        <a:rPr lang="zh-CN" altLang="en-US" sz="2000" u="none" strike="noStrike">
+                          <a:effectLst/>
+                        </a:rPr>
+                        <a:t>添加预约</a:t>
+                      </a:r>
+                      <a:endParaRPr lang="zh-CN" altLang="en-US" sz="2000" b="0" i="0" u="none" strike="noStrike">
+                        <a:solidFill>
+                          <a:srgbClr val="000000"/>
+                        </a:solidFill>
+                        <a:effectLst/>
+                        <a:latin typeface="等线" panose="02010600030101010101" pitchFamily="2" charset="-122"/>
+                        <a:ea typeface="等线" panose="02010600030101010101" pitchFamily="2" charset="-122"/>
+                      </a:endParaRPr>
+                    </a:p>
+                  </a:txBody>
+                  <a:tcPr marL="9525" marR="9525" marT="9525" marB="0" anchor="ctr"/>
+                </a:tc>
+                <a:tc>
+                  <a:txBody>
+                    <a:bodyPr/>
+                    <a:lstStyle/>
+                    <a:p>
+                      <a:pPr algn="ctr" fontAlgn="ctr">
+                        <a:lnSpc>
+                          <a:spcPct val="150000"/>
+                        </a:lnSpc>
+                        <a:spcBef>
+                          <a:spcPts val="600"/>
+                        </a:spcBef>
+                        <a:spcAft>
+                          <a:spcPts val="600"/>
+                        </a:spcAft>
+                      </a:pPr>
+                      <a:r>
+                        <a:rPr lang="en-US" altLang="zh-CN" sz="2000" u="none" strike="noStrike">
+                          <a:effectLst/>
+                        </a:rPr>
+                        <a:t>5</a:t>
+                      </a:r>
+                      <a:endParaRPr lang="en-US" altLang="zh-CN" sz="2000" b="0" i="0" u="none" strike="noStrike">
+                        <a:solidFill>
+                          <a:srgbClr val="000000"/>
+                        </a:solidFill>
+                        <a:effectLst/>
+                        <a:latin typeface="等线" panose="02010600030101010101" pitchFamily="2" charset="-122"/>
+                        <a:ea typeface="等线" panose="02010600030101010101" pitchFamily="2" charset="-122"/>
+                      </a:endParaRPr>
+                    </a:p>
+                  </a:txBody>
+                  <a:tcPr marL="9525" marR="9525" marT="9525" marB="0" anchor="ctr"/>
+                </a:tc>
+                <a:tc>
+                  <a:txBody>
+                    <a:bodyPr/>
+                    <a:lstStyle/>
+                    <a:p>
+                      <a:pPr algn="ctr" fontAlgn="ctr">
+                        <a:lnSpc>
+                          <a:spcPct val="150000"/>
+                        </a:lnSpc>
+                        <a:spcBef>
+                          <a:spcPts val="600"/>
+                        </a:spcBef>
+                        <a:spcAft>
+                          <a:spcPts val="600"/>
+                        </a:spcAft>
+                      </a:pPr>
+                      <a:r>
+                        <a:rPr lang="en-US" altLang="zh-CN" sz="2000" u="none" strike="noStrike">
+                          <a:effectLst/>
+                        </a:rPr>
+                        <a:t>27</a:t>
+                      </a:r>
+                      <a:endParaRPr lang="en-US" altLang="zh-CN" sz="2000" b="0" i="0" u="none" strike="noStrike">
+                        <a:solidFill>
+                          <a:srgbClr val="000000"/>
+                        </a:solidFill>
+                        <a:effectLst/>
+                        <a:latin typeface="等线" panose="02010600030101010101" pitchFamily="2" charset="-122"/>
+                        <a:ea typeface="等线" panose="02010600030101010101" pitchFamily="2" charset="-122"/>
+                      </a:endParaRPr>
+                    </a:p>
+                  </a:txBody>
+                  <a:tcPr marL="9525" marR="9525" marT="9525" marB="0" anchor="ctr"/>
+                </a:tc>
+                <a:extLst>
+                  <a:ext uri="{0D108BD9-81ED-4DB2-BD59-A6C34878D82A}">
+                    <a16:rowId xmlns:a16="http://schemas.microsoft.com/office/drawing/2014/main" val="1822449404"/>
+                  </a:ext>
+                </a:extLst>
+              </a:tr>
+              <a:tr h="180975">
+                <a:tc vMerge="1">
+                  <a:txBody>
+                    <a:bodyPr/>
+                    <a:lstStyle/>
+                    <a:p>
+                      <a:endParaRPr lang="zh-CN" altLang="en-US"/>
+                    </a:p>
+                  </a:txBody>
+                  <a:tcPr/>
+                </a:tc>
+                <a:tc>
+                  <a:txBody>
+                    <a:bodyPr/>
+                    <a:lstStyle/>
+                    <a:p>
+                      <a:pPr algn="ctr" fontAlgn="ctr">
+                        <a:lnSpc>
+                          <a:spcPct val="150000"/>
+                        </a:lnSpc>
+                        <a:spcBef>
+                          <a:spcPts val="600"/>
+                        </a:spcBef>
+                        <a:spcAft>
+                          <a:spcPts val="600"/>
+                        </a:spcAft>
+                      </a:pPr>
+                      <a:r>
+                        <a:rPr lang="zh-CN" altLang="en-US" sz="2000" u="none" strike="noStrike">
+                          <a:effectLst/>
+                        </a:rPr>
+                        <a:t>删除预约</a:t>
+                      </a:r>
+                      <a:endParaRPr lang="zh-CN" altLang="en-US" sz="2000" b="0" i="0" u="none" strike="noStrike">
+                        <a:solidFill>
+                          <a:srgbClr val="000000"/>
+                        </a:solidFill>
+                        <a:effectLst/>
+                        <a:latin typeface="等线" panose="02010600030101010101" pitchFamily="2" charset="-122"/>
+                        <a:ea typeface="等线" panose="02010600030101010101" pitchFamily="2" charset="-122"/>
+                      </a:endParaRPr>
+                    </a:p>
+                  </a:txBody>
+                  <a:tcPr marL="9525" marR="9525" marT="9525" marB="0" anchor="ctr"/>
+                </a:tc>
+                <a:tc>
+                  <a:txBody>
+                    <a:bodyPr/>
+                    <a:lstStyle/>
+                    <a:p>
+                      <a:pPr algn="ctr" fontAlgn="ctr">
+                        <a:lnSpc>
+                          <a:spcPct val="150000"/>
+                        </a:lnSpc>
+                        <a:spcBef>
+                          <a:spcPts val="600"/>
+                        </a:spcBef>
+                        <a:spcAft>
+                          <a:spcPts val="600"/>
+                        </a:spcAft>
+                      </a:pPr>
+                      <a:r>
+                        <a:rPr lang="en-US" altLang="zh-CN" sz="2000" u="none" strike="noStrike">
+                          <a:effectLst/>
+                        </a:rPr>
+                        <a:t>5</a:t>
+                      </a:r>
+                      <a:endParaRPr lang="en-US" altLang="zh-CN" sz="2000" b="0" i="0" u="none" strike="noStrike">
+                        <a:solidFill>
+                          <a:srgbClr val="000000"/>
+                        </a:solidFill>
+                        <a:effectLst/>
+                        <a:latin typeface="等线" panose="02010600030101010101" pitchFamily="2" charset="-122"/>
+                        <a:ea typeface="等线" panose="02010600030101010101" pitchFamily="2" charset="-122"/>
+                      </a:endParaRPr>
+                    </a:p>
+                  </a:txBody>
+                  <a:tcPr marL="9525" marR="9525" marT="9525" marB="0" anchor="ctr"/>
+                </a:tc>
+                <a:tc>
+                  <a:txBody>
+                    <a:bodyPr/>
+                    <a:lstStyle/>
+                    <a:p>
+                      <a:pPr algn="ctr" fontAlgn="ctr">
+                        <a:lnSpc>
+                          <a:spcPct val="150000"/>
+                        </a:lnSpc>
+                        <a:spcBef>
+                          <a:spcPts val="600"/>
+                        </a:spcBef>
+                        <a:spcAft>
+                          <a:spcPts val="600"/>
+                        </a:spcAft>
+                      </a:pPr>
+                      <a:r>
+                        <a:rPr lang="en-US" altLang="zh-CN" sz="2000" u="none" strike="noStrike">
+                          <a:effectLst/>
+                        </a:rPr>
+                        <a:t>18</a:t>
+                      </a:r>
+                      <a:endParaRPr lang="en-US" altLang="zh-CN" sz="2000" b="0" i="0" u="none" strike="noStrike">
+                        <a:solidFill>
+                          <a:srgbClr val="000000"/>
+                        </a:solidFill>
+                        <a:effectLst/>
+                        <a:latin typeface="等线" panose="02010600030101010101" pitchFamily="2" charset="-122"/>
+                        <a:ea typeface="等线" panose="02010600030101010101" pitchFamily="2" charset="-122"/>
+                      </a:endParaRPr>
+                    </a:p>
+                  </a:txBody>
+                  <a:tcPr marL="9525" marR="9525" marT="9525" marB="0" anchor="ctr"/>
+                </a:tc>
+                <a:extLst>
+                  <a:ext uri="{0D108BD9-81ED-4DB2-BD59-A6C34878D82A}">
+                    <a16:rowId xmlns:a16="http://schemas.microsoft.com/office/drawing/2014/main" val="2288877415"/>
+                  </a:ext>
+                </a:extLst>
+              </a:tr>
+              <a:tr h="180975">
+                <a:tc rowSpan="2">
+                  <a:txBody>
+                    <a:bodyPr/>
+                    <a:lstStyle/>
+                    <a:p>
+                      <a:pPr algn="ctr" fontAlgn="ctr">
+                        <a:lnSpc>
+                          <a:spcPct val="150000"/>
+                        </a:lnSpc>
+                        <a:spcBef>
+                          <a:spcPts val="600"/>
+                        </a:spcBef>
+                        <a:spcAft>
+                          <a:spcPts val="600"/>
+                        </a:spcAft>
+                      </a:pPr>
+                      <a:r>
+                        <a:rPr lang="zh-CN" altLang="en-US" sz="2000" u="none" strike="noStrike">
+                          <a:effectLst/>
+                        </a:rPr>
+                        <a:t>通知公告</a:t>
+                      </a:r>
+                      <a:endParaRPr lang="zh-CN" altLang="en-US" sz="2000" b="0" i="0" u="none" strike="noStrike">
+                        <a:solidFill>
+                          <a:srgbClr val="000000"/>
+                        </a:solidFill>
+                        <a:effectLst/>
+                        <a:latin typeface="等线" panose="02010600030101010101" pitchFamily="2" charset="-122"/>
+                        <a:ea typeface="等线" panose="02010600030101010101" pitchFamily="2" charset="-122"/>
+                      </a:endParaRPr>
+                    </a:p>
+                  </a:txBody>
+                  <a:tcPr marL="9525" marR="9525" marT="9525" marB="0" anchor="ctr"/>
+                </a:tc>
+                <a:tc>
+                  <a:txBody>
+                    <a:bodyPr/>
+                    <a:lstStyle/>
+                    <a:p>
+                      <a:pPr algn="ctr" fontAlgn="ctr">
+                        <a:lnSpc>
+                          <a:spcPct val="150000"/>
+                        </a:lnSpc>
+                        <a:spcBef>
+                          <a:spcPts val="600"/>
+                        </a:spcBef>
+                        <a:spcAft>
+                          <a:spcPts val="600"/>
+                        </a:spcAft>
+                      </a:pPr>
+                      <a:r>
+                        <a:rPr lang="zh-CN" altLang="en-US" sz="2000" u="none" strike="noStrike">
+                          <a:effectLst/>
+                        </a:rPr>
+                        <a:t>发布公告</a:t>
+                      </a:r>
+                      <a:endParaRPr lang="zh-CN" altLang="en-US" sz="2000" b="0" i="0" u="none" strike="noStrike">
+                        <a:solidFill>
+                          <a:srgbClr val="000000"/>
+                        </a:solidFill>
+                        <a:effectLst/>
+                        <a:latin typeface="等线" panose="02010600030101010101" pitchFamily="2" charset="-122"/>
+                        <a:ea typeface="等线" panose="02010600030101010101" pitchFamily="2" charset="-122"/>
+                      </a:endParaRPr>
+                    </a:p>
+                  </a:txBody>
+                  <a:tcPr marL="9525" marR="9525" marT="9525" marB="0" anchor="ctr"/>
+                </a:tc>
+                <a:tc>
+                  <a:txBody>
+                    <a:bodyPr/>
+                    <a:lstStyle/>
+                    <a:p>
+                      <a:pPr algn="ctr" fontAlgn="ctr">
+                        <a:lnSpc>
+                          <a:spcPct val="150000"/>
+                        </a:lnSpc>
+                        <a:spcBef>
+                          <a:spcPts val="600"/>
+                        </a:spcBef>
+                        <a:spcAft>
+                          <a:spcPts val="600"/>
+                        </a:spcAft>
+                      </a:pPr>
+                      <a:r>
+                        <a:rPr lang="en-US" altLang="zh-CN" sz="2000" u="none" strike="noStrike">
+                          <a:effectLst/>
+                        </a:rPr>
+                        <a:t>5</a:t>
+                      </a:r>
+                      <a:endParaRPr lang="en-US" altLang="zh-CN" sz="2000" b="0" i="0" u="none" strike="noStrike">
+                        <a:solidFill>
+                          <a:srgbClr val="000000"/>
+                        </a:solidFill>
+                        <a:effectLst/>
+                        <a:latin typeface="等线" panose="02010600030101010101" pitchFamily="2" charset="-122"/>
+                        <a:ea typeface="等线" panose="02010600030101010101" pitchFamily="2" charset="-122"/>
+                      </a:endParaRPr>
+                    </a:p>
+                  </a:txBody>
+                  <a:tcPr marL="9525" marR="9525" marT="9525" marB="0" anchor="ctr"/>
+                </a:tc>
+                <a:tc>
+                  <a:txBody>
+                    <a:bodyPr/>
+                    <a:lstStyle/>
+                    <a:p>
+                      <a:pPr algn="ctr" fontAlgn="ctr">
+                        <a:lnSpc>
+                          <a:spcPct val="150000"/>
+                        </a:lnSpc>
+                        <a:spcBef>
+                          <a:spcPts val="600"/>
+                        </a:spcBef>
+                        <a:spcAft>
+                          <a:spcPts val="600"/>
+                        </a:spcAft>
+                      </a:pPr>
+                      <a:r>
+                        <a:rPr lang="en-US" altLang="zh-CN" sz="2000" u="none" strike="noStrike">
+                          <a:effectLst/>
+                        </a:rPr>
+                        <a:t>4</a:t>
+                      </a:r>
+                      <a:endParaRPr lang="en-US" altLang="zh-CN" sz="2000" b="0" i="0" u="none" strike="noStrike">
+                        <a:solidFill>
+                          <a:srgbClr val="000000"/>
+                        </a:solidFill>
+                        <a:effectLst/>
+                        <a:latin typeface="等线" panose="02010600030101010101" pitchFamily="2" charset="-122"/>
+                        <a:ea typeface="等线" panose="02010600030101010101" pitchFamily="2" charset="-122"/>
+                      </a:endParaRPr>
+                    </a:p>
+                  </a:txBody>
+                  <a:tcPr marL="9525" marR="9525" marT="9525" marB="0" anchor="ctr"/>
+                </a:tc>
+                <a:extLst>
+                  <a:ext uri="{0D108BD9-81ED-4DB2-BD59-A6C34878D82A}">
+                    <a16:rowId xmlns:a16="http://schemas.microsoft.com/office/drawing/2014/main" val="1374198152"/>
+                  </a:ext>
+                </a:extLst>
+              </a:tr>
+              <a:tr h="180975">
+                <a:tc vMerge="1">
+                  <a:txBody>
+                    <a:bodyPr/>
+                    <a:lstStyle/>
+                    <a:p>
+                      <a:endParaRPr lang="zh-CN" altLang="en-US"/>
+                    </a:p>
+                  </a:txBody>
+                  <a:tcPr/>
+                </a:tc>
+                <a:tc>
+                  <a:txBody>
+                    <a:bodyPr/>
+                    <a:lstStyle/>
+                    <a:p>
+                      <a:pPr algn="ctr" fontAlgn="ctr">
+                        <a:lnSpc>
+                          <a:spcPct val="150000"/>
+                        </a:lnSpc>
+                        <a:spcBef>
+                          <a:spcPts val="600"/>
+                        </a:spcBef>
+                        <a:spcAft>
+                          <a:spcPts val="600"/>
+                        </a:spcAft>
+                      </a:pPr>
+                      <a:r>
+                        <a:rPr lang="zh-CN" altLang="en-US" sz="2000" u="none" strike="noStrike">
+                          <a:effectLst/>
+                        </a:rPr>
+                        <a:t>查看公告</a:t>
+                      </a:r>
+                      <a:endParaRPr lang="zh-CN" altLang="en-US" sz="2000" b="0" i="0" u="none" strike="noStrike">
+                        <a:solidFill>
+                          <a:srgbClr val="000000"/>
+                        </a:solidFill>
+                        <a:effectLst/>
+                        <a:latin typeface="等线" panose="02010600030101010101" pitchFamily="2" charset="-122"/>
+                        <a:ea typeface="等线" panose="02010600030101010101" pitchFamily="2" charset="-122"/>
+                      </a:endParaRPr>
+                    </a:p>
+                  </a:txBody>
+                  <a:tcPr marL="9525" marR="9525" marT="9525" marB="0" anchor="ctr"/>
+                </a:tc>
+                <a:tc>
+                  <a:txBody>
+                    <a:bodyPr/>
+                    <a:lstStyle/>
+                    <a:p>
+                      <a:pPr algn="ctr" fontAlgn="ctr">
+                        <a:lnSpc>
+                          <a:spcPct val="150000"/>
+                        </a:lnSpc>
+                        <a:spcBef>
+                          <a:spcPts val="600"/>
+                        </a:spcBef>
+                        <a:spcAft>
+                          <a:spcPts val="600"/>
+                        </a:spcAft>
+                      </a:pPr>
+                      <a:r>
+                        <a:rPr lang="en-US" altLang="zh-CN" sz="2000" u="none" strike="noStrike">
+                          <a:effectLst/>
+                        </a:rPr>
+                        <a:t>5</a:t>
+                      </a:r>
+                      <a:endParaRPr lang="en-US" altLang="zh-CN" sz="2000" b="0" i="0" u="none" strike="noStrike">
+                        <a:solidFill>
+                          <a:srgbClr val="000000"/>
+                        </a:solidFill>
+                        <a:effectLst/>
+                        <a:latin typeface="等线" panose="02010600030101010101" pitchFamily="2" charset="-122"/>
+                        <a:ea typeface="等线" panose="02010600030101010101" pitchFamily="2" charset="-122"/>
+                      </a:endParaRPr>
+                    </a:p>
+                  </a:txBody>
+                  <a:tcPr marL="9525" marR="9525" marT="9525" marB="0" anchor="ctr"/>
+                </a:tc>
+                <a:tc>
+                  <a:txBody>
+                    <a:bodyPr/>
+                    <a:lstStyle/>
+                    <a:p>
+                      <a:pPr algn="ctr" fontAlgn="ctr">
+                        <a:lnSpc>
+                          <a:spcPct val="150000"/>
+                        </a:lnSpc>
+                        <a:spcBef>
+                          <a:spcPts val="600"/>
+                        </a:spcBef>
+                        <a:spcAft>
+                          <a:spcPts val="600"/>
+                        </a:spcAft>
+                      </a:pPr>
+                      <a:r>
+                        <a:rPr lang="en-US" altLang="zh-CN" sz="2000" u="none" strike="noStrike">
+                          <a:effectLst/>
+                        </a:rPr>
+                        <a:t>36</a:t>
+                      </a:r>
+                      <a:endParaRPr lang="en-US" altLang="zh-CN" sz="2000" b="0" i="0" u="none" strike="noStrike">
+                        <a:solidFill>
+                          <a:srgbClr val="000000"/>
+                        </a:solidFill>
+                        <a:effectLst/>
+                        <a:latin typeface="等线" panose="02010600030101010101" pitchFamily="2" charset="-122"/>
+                        <a:ea typeface="等线" panose="02010600030101010101" pitchFamily="2" charset="-122"/>
+                      </a:endParaRPr>
+                    </a:p>
+                  </a:txBody>
+                  <a:tcPr marL="9525" marR="9525" marT="9525" marB="0" anchor="ctr"/>
+                </a:tc>
+                <a:extLst>
+                  <a:ext uri="{0D108BD9-81ED-4DB2-BD59-A6C34878D82A}">
+                    <a16:rowId xmlns:a16="http://schemas.microsoft.com/office/drawing/2014/main" val="407004014"/>
+                  </a:ext>
+                </a:extLst>
+              </a:tr>
+              <a:tr h="180975">
+                <a:tc rowSpan="2">
+                  <a:txBody>
+                    <a:bodyPr/>
+                    <a:lstStyle/>
+                    <a:p>
+                      <a:pPr algn="ctr" fontAlgn="ctr">
+                        <a:lnSpc>
+                          <a:spcPct val="150000"/>
+                        </a:lnSpc>
+                        <a:spcBef>
+                          <a:spcPts val="600"/>
+                        </a:spcBef>
+                        <a:spcAft>
+                          <a:spcPts val="600"/>
+                        </a:spcAft>
+                      </a:pPr>
+                      <a:r>
+                        <a:rPr lang="zh-CN" altLang="en-US" sz="2000" u="none" strike="noStrike">
+                          <a:effectLst/>
+                        </a:rPr>
+                        <a:t>我的课程</a:t>
+                      </a:r>
+                      <a:endParaRPr lang="zh-CN" altLang="en-US" sz="2000" b="0" i="0" u="none" strike="noStrike">
+                        <a:solidFill>
+                          <a:srgbClr val="000000"/>
+                        </a:solidFill>
+                        <a:effectLst/>
+                        <a:latin typeface="等线" panose="02010600030101010101" pitchFamily="2" charset="-122"/>
+                        <a:ea typeface="等线" panose="02010600030101010101" pitchFamily="2" charset="-122"/>
+                      </a:endParaRPr>
+                    </a:p>
+                  </a:txBody>
+                  <a:tcPr marL="9525" marR="9525" marT="9525" marB="0" anchor="ctr"/>
+                </a:tc>
+                <a:tc>
+                  <a:txBody>
+                    <a:bodyPr/>
+                    <a:lstStyle/>
+                    <a:p>
+                      <a:pPr algn="ctr" fontAlgn="ctr">
+                        <a:lnSpc>
+                          <a:spcPct val="150000"/>
+                        </a:lnSpc>
+                        <a:spcBef>
+                          <a:spcPts val="600"/>
+                        </a:spcBef>
+                        <a:spcAft>
+                          <a:spcPts val="600"/>
+                        </a:spcAft>
+                      </a:pPr>
+                      <a:r>
+                        <a:rPr lang="zh-CN" altLang="en-US" sz="2000" u="none" strike="noStrike">
+                          <a:effectLst/>
+                        </a:rPr>
+                        <a:t>查看我的课程</a:t>
+                      </a:r>
+                      <a:endParaRPr lang="zh-CN" altLang="en-US" sz="2000" b="0" i="0" u="none" strike="noStrike">
+                        <a:solidFill>
+                          <a:srgbClr val="000000"/>
+                        </a:solidFill>
+                        <a:effectLst/>
+                        <a:latin typeface="等线" panose="02010600030101010101" pitchFamily="2" charset="-122"/>
+                        <a:ea typeface="等线" panose="02010600030101010101" pitchFamily="2" charset="-122"/>
+                      </a:endParaRPr>
+                    </a:p>
+                  </a:txBody>
+                  <a:tcPr marL="9525" marR="9525" marT="9525" marB="0" anchor="ctr"/>
+                </a:tc>
+                <a:tc>
+                  <a:txBody>
+                    <a:bodyPr/>
+                    <a:lstStyle/>
+                    <a:p>
+                      <a:pPr algn="ctr" fontAlgn="ctr">
+                        <a:lnSpc>
+                          <a:spcPct val="150000"/>
+                        </a:lnSpc>
+                        <a:spcBef>
+                          <a:spcPts val="600"/>
+                        </a:spcBef>
+                        <a:spcAft>
+                          <a:spcPts val="600"/>
+                        </a:spcAft>
+                      </a:pPr>
+                      <a:r>
+                        <a:rPr lang="en-US" altLang="zh-CN" sz="2000" u="none" strike="noStrike">
+                          <a:effectLst/>
+                        </a:rPr>
+                        <a:t>5</a:t>
+                      </a:r>
+                      <a:endParaRPr lang="en-US" altLang="zh-CN" sz="2000" b="0" i="0" u="none" strike="noStrike">
+                        <a:solidFill>
+                          <a:srgbClr val="000000"/>
+                        </a:solidFill>
+                        <a:effectLst/>
+                        <a:latin typeface="等线" panose="02010600030101010101" pitchFamily="2" charset="-122"/>
+                        <a:ea typeface="等线" panose="02010600030101010101" pitchFamily="2" charset="-122"/>
+                      </a:endParaRPr>
+                    </a:p>
+                  </a:txBody>
+                  <a:tcPr marL="9525" marR="9525" marT="9525" marB="0" anchor="ctr"/>
+                </a:tc>
+                <a:tc>
+                  <a:txBody>
+                    <a:bodyPr/>
+                    <a:lstStyle/>
+                    <a:p>
+                      <a:pPr algn="ctr" fontAlgn="ctr">
+                        <a:lnSpc>
+                          <a:spcPct val="150000"/>
+                        </a:lnSpc>
+                        <a:spcBef>
+                          <a:spcPts val="600"/>
+                        </a:spcBef>
+                        <a:spcAft>
+                          <a:spcPts val="600"/>
+                        </a:spcAft>
+                      </a:pPr>
+                      <a:r>
+                        <a:rPr lang="en-US" altLang="zh-CN" sz="2000" u="none" strike="noStrike">
+                          <a:effectLst/>
+                        </a:rPr>
+                        <a:t>25</a:t>
+                      </a:r>
+                      <a:endParaRPr lang="en-US" altLang="zh-CN" sz="2000" b="0" i="0" u="none" strike="noStrike">
+                        <a:solidFill>
+                          <a:srgbClr val="000000"/>
+                        </a:solidFill>
+                        <a:effectLst/>
+                        <a:latin typeface="等线" panose="02010600030101010101" pitchFamily="2" charset="-122"/>
+                        <a:ea typeface="等线" panose="02010600030101010101" pitchFamily="2" charset="-122"/>
+                      </a:endParaRPr>
+                    </a:p>
+                  </a:txBody>
+                  <a:tcPr marL="9525" marR="9525" marT="9525" marB="0" anchor="ctr"/>
+                </a:tc>
+                <a:extLst>
+                  <a:ext uri="{0D108BD9-81ED-4DB2-BD59-A6C34878D82A}">
+                    <a16:rowId xmlns:a16="http://schemas.microsoft.com/office/drawing/2014/main" val="835788367"/>
+                  </a:ext>
+                </a:extLst>
+              </a:tr>
+              <a:tr h="180975">
+                <a:tc vMerge="1">
+                  <a:txBody>
+                    <a:bodyPr/>
+                    <a:lstStyle/>
+                    <a:p>
+                      <a:endParaRPr lang="zh-CN" altLang="en-US"/>
+                    </a:p>
+                  </a:txBody>
+                  <a:tcPr/>
+                </a:tc>
+                <a:tc>
+                  <a:txBody>
+                    <a:bodyPr/>
+                    <a:lstStyle/>
+                    <a:p>
+                      <a:pPr algn="ctr" fontAlgn="ctr">
+                        <a:lnSpc>
+                          <a:spcPct val="150000"/>
+                        </a:lnSpc>
+                        <a:spcBef>
+                          <a:spcPts val="600"/>
+                        </a:spcBef>
+                        <a:spcAft>
+                          <a:spcPts val="600"/>
+                        </a:spcAft>
+                      </a:pPr>
+                      <a:r>
+                        <a:rPr lang="zh-CN" altLang="en-US" sz="2000" u="none" strike="noStrike">
+                          <a:effectLst/>
+                        </a:rPr>
+                        <a:t>查看全部课程</a:t>
+                      </a:r>
+                      <a:endParaRPr lang="zh-CN" altLang="en-US" sz="2000" b="0" i="0" u="none" strike="noStrike">
+                        <a:solidFill>
+                          <a:srgbClr val="000000"/>
+                        </a:solidFill>
+                        <a:effectLst/>
+                        <a:latin typeface="等线" panose="02010600030101010101" pitchFamily="2" charset="-122"/>
+                        <a:ea typeface="等线" panose="02010600030101010101" pitchFamily="2" charset="-122"/>
+                      </a:endParaRPr>
+                    </a:p>
+                  </a:txBody>
+                  <a:tcPr marL="9525" marR="9525" marT="9525" marB="0" anchor="ctr"/>
+                </a:tc>
+                <a:tc>
+                  <a:txBody>
+                    <a:bodyPr/>
+                    <a:lstStyle/>
+                    <a:p>
+                      <a:pPr algn="ctr" fontAlgn="ctr">
+                        <a:lnSpc>
+                          <a:spcPct val="150000"/>
+                        </a:lnSpc>
+                        <a:spcBef>
+                          <a:spcPts val="600"/>
+                        </a:spcBef>
+                        <a:spcAft>
+                          <a:spcPts val="600"/>
+                        </a:spcAft>
+                      </a:pPr>
+                      <a:r>
+                        <a:rPr lang="en-US" altLang="zh-CN" sz="2000" u="none" strike="noStrike">
+                          <a:effectLst/>
+                        </a:rPr>
+                        <a:t>5</a:t>
+                      </a:r>
+                      <a:endParaRPr lang="en-US" altLang="zh-CN" sz="2000" b="0" i="0" u="none" strike="noStrike">
+                        <a:solidFill>
+                          <a:srgbClr val="000000"/>
+                        </a:solidFill>
+                        <a:effectLst/>
+                        <a:latin typeface="等线" panose="02010600030101010101" pitchFamily="2" charset="-122"/>
+                        <a:ea typeface="等线" panose="02010600030101010101" pitchFamily="2" charset="-122"/>
+                      </a:endParaRPr>
+                    </a:p>
+                  </a:txBody>
+                  <a:tcPr marL="9525" marR="9525" marT="9525" marB="0" anchor="ctr"/>
+                </a:tc>
+                <a:tc>
+                  <a:txBody>
+                    <a:bodyPr/>
+                    <a:lstStyle/>
+                    <a:p>
+                      <a:pPr algn="ctr" fontAlgn="ctr">
+                        <a:lnSpc>
+                          <a:spcPct val="150000"/>
+                        </a:lnSpc>
+                        <a:spcBef>
+                          <a:spcPts val="600"/>
+                        </a:spcBef>
+                        <a:spcAft>
+                          <a:spcPts val="600"/>
+                        </a:spcAft>
+                      </a:pPr>
+                      <a:r>
+                        <a:rPr lang="en-US" altLang="zh-CN" sz="2000" u="none" strike="noStrike" dirty="0">
+                          <a:effectLst/>
+                        </a:rPr>
+                        <a:t>23</a:t>
+                      </a:r>
+                      <a:endParaRPr lang="en-US" altLang="zh-CN" sz="2000" b="0" i="0" u="none" strike="noStrike" dirty="0">
+                        <a:solidFill>
+                          <a:srgbClr val="000000"/>
+                        </a:solidFill>
+                        <a:effectLst/>
+                        <a:latin typeface="等线" panose="02010600030101010101" pitchFamily="2" charset="-122"/>
+                        <a:ea typeface="等线" panose="02010600030101010101" pitchFamily="2" charset="-122"/>
+                      </a:endParaRPr>
+                    </a:p>
+                  </a:txBody>
+                  <a:tcPr marL="9525" marR="9525" marT="9525" marB="0" anchor="ctr"/>
+                </a:tc>
+                <a:extLst>
+                  <a:ext uri="{0D108BD9-81ED-4DB2-BD59-A6C34878D82A}">
+                    <a16:rowId xmlns:a16="http://schemas.microsoft.com/office/drawing/2014/main" val="446839380"/>
+                  </a:ext>
+                </a:extLst>
+              </a:tr>
+            </a:tbl>
+          </a:graphicData>
+        </a:graphic>
+      </p:graphicFrame>
+    </p:spTree>
+    <p:extLst>
+      <p:ext uri="{BB962C8B-B14F-4D97-AF65-F5344CB8AC3E}">
+        <p14:creationId xmlns:p14="http://schemas.microsoft.com/office/powerpoint/2010/main" val="2298491900"/>
+      </p:ext>
+    </p:extLst>
+  </p:cSld>
+  <p:clrMapOvr>
+    <a:masterClrMapping/>
+  </p:clrMapOvr>
+</p:sld>
+</file>
+
+<file path=ppt/slides/slide43.xml><?xml version="1.0" encoding="utf-8"?>
+<p:sld xmlns:a="http://schemas.openxmlformats.org/drawingml/2006/main" xmlns:r="http://schemas.openxmlformats.org/officeDocument/2006/relationships" xmlns:p="http://schemas.openxmlformats.org/presentationml/2006/main">
+  <p:cSld>
+    <p:spTree>
+      <p:nvGrpSpPr>
+        <p:cNvPr id="1" name=""/>
+        <p:cNvGrpSpPr/>
+        <p:nvPr/>
+      </p:nvGrpSpPr>
+      <p:grpSpPr>
+        <a:xfrm>
+          <a:off x="0" y="0"/>
+          <a:ext cx="0" cy="0"/>
+          <a:chOff x="0" y="0"/>
+          <a:chExt cx="0" cy="0"/>
+        </a:xfrm>
+      </p:grpSpPr>
+      <p:pic>
+        <p:nvPicPr>
+          <p:cNvPr id="9" name="图片 8"/>
+          <p:cNvPicPr>
+            <a:picLocks noChangeAspect="1"/>
+          </p:cNvPicPr>
+          <p:nvPr/>
+        </p:nvPicPr>
+        <p:blipFill>
+          <a:blip r:embed="rId3">
+            <a:extLst>
+              <a:ext uri="{28A0092B-C50C-407E-A947-70E740481C1C}">
+                <a14:useLocalDpi xmlns:a14="http://schemas.microsoft.com/office/drawing/2010/main" val="0"/>
+              </a:ext>
+            </a:extLst>
+          </a:blip>
+          <a:stretch>
+            <a:fillRect/>
+          </a:stretch>
+        </p:blipFill>
+        <p:spPr>
+          <a:xfrm>
+            <a:off x="2268220" y="676275"/>
+            <a:ext cx="7352665" cy="5871210"/>
+          </a:xfrm>
+          <a:prstGeom prst="rect">
+            <a:avLst/>
+          </a:prstGeom>
+        </p:spPr>
+      </p:pic>
+      <p:sp>
+        <p:nvSpPr>
+          <p:cNvPr id="11" name="TextBox 10"/>
+          <p:cNvSpPr txBox="1"/>
+          <p:nvPr/>
+        </p:nvSpPr>
+        <p:spPr>
+          <a:xfrm rot="331225" flipH="1">
+            <a:off x="2888615" y="3402965"/>
+            <a:ext cx="5931535" cy="829945"/>
+          </a:xfrm>
+          <a:prstGeom prst="rect">
+            <a:avLst/>
+          </a:prstGeom>
+          <a:noFill/>
+        </p:spPr>
+        <p:txBody>
+          <a:bodyPr wrap="square" rtlCol="0">
+            <a:spAutoFit/>
+          </a:bodyPr>
+          <a:lstStyle>
+            <a:defPPr>
+              <a:defRPr lang="en-US"/>
+            </a:defPPr>
+            <a:lvl1pPr lvl="0">
+              <a:lnSpc>
+                <a:spcPct val="80000"/>
+              </a:lnSpc>
+              <a:defRPr sz="4400" b="1" kern="0">
+                <a:ln w="18415" cmpd="sng">
+                  <a:noFill/>
+                  <a:prstDash val="solid"/>
+                </a:ln>
+                <a:solidFill>
+                  <a:srgbClr val="FFC000"/>
+                </a:solidFill>
+                <a:latin typeface="Agency FB" pitchFamily="34" charset="0"/>
+                <a:ea typeface="微软雅黑" panose="020B0503020204020204" charset="-122"/>
+              </a:defRPr>
+            </a:lvl1pPr>
+          </a:lstStyle>
+          <a:p>
+            <a:pPr marL="0" marR="0" lvl="0" indent="0" defTabSz="914400" eaLnBrk="1" fontAlgn="auto" latinLnBrk="0" hangingPunct="1">
+              <a:lnSpc>
+                <a:spcPct val="80000"/>
+              </a:lnSpc>
+              <a:spcBef>
+                <a:spcPts val="0"/>
+              </a:spcBef>
+              <a:spcAft>
+                <a:spcPts val="0"/>
+              </a:spcAft>
+              <a:buClrTx/>
+              <a:buSzTx/>
+              <a:buFontTx/>
+              <a:buNone/>
+              <a:defRPr/>
+            </a:pPr>
+            <a:r>
+              <a:rPr kumimoji="0" lang="zh-CN" sz="6000" b="1" i="0" u="none" strike="noStrike" kern="0" cap="none" spc="0" normalizeH="0" baseline="0" noProof="0" dirty="0">
+                <a:ln w="18415" cmpd="sng">
+                  <a:noFill/>
+                  <a:prstDash val="solid"/>
+                </a:ln>
+                <a:solidFill>
+                  <a:srgbClr val="C0504D">
+                    <a:lumMod val="75000"/>
+                  </a:srgbClr>
+                </a:solidFill>
+                <a:effectLst/>
+                <a:uLnTx/>
+                <a:uFillTx/>
+                <a:latin typeface="Arial Rounded MT Bold" pitchFamily="34" charset="0"/>
+                <a:ea typeface="微软雅黑" panose="020B0503020204020204" charset="-122"/>
+                <a:cs typeface="Times New Roman" panose="02020603050405020304" pitchFamily="18" charset="0"/>
+              </a:rPr>
+              <a:t>谢谢各位的聆听</a:t>
+            </a:r>
+          </a:p>
+        </p:txBody>
+      </p:sp>
+    </p:spTree>
   </p:cSld>
   <p:clrMapOvr>
     <a:masterClrMapping/>
@@ -19910,20 +26915,17 @@
               <a:t>目内容</a:t>
             </a:r>
             <a:r>
-              <a:rPr lang="en-US" altLang="zh-CN" sz="3200" dirty="0" smtClean="0">
+              <a:rPr lang="en-US" altLang="zh-CN" sz="3200" dirty="0">
                 <a:sym typeface="+mn-ea"/>
               </a:rPr>
               <a:t>——</a:t>
             </a:r>
             <a:r>
-              <a:rPr lang="zh-CN" altLang="en-US" sz="3200" dirty="0" smtClean="0">
+              <a:rPr lang="zh-CN" altLang="en-US" sz="3200" dirty="0">
                 <a:sym typeface="+mn-ea"/>
               </a:rPr>
               <a:t>项目后端结构</a:t>
             </a:r>
-            <a:endParaRPr lang="zh-CN" altLang="en-US" sz="3200" dirty="0">
-              <a:sym typeface="+mn-ea"/>
-            </a:endParaRPr>
           </a:p>
         </p:txBody>
       </p:sp>
@@ -19936,7 +26938,7 @@
           <p:nvPr/>
         </p:nvPicPr>
         <p:blipFill rotWithShape="1">
-          <a:blip r:embed="rId2">
+          <a:blip r:embed="rId2" cstate="print">
             <a:extLst>
               <a:ext uri="{28A0092B-C50C-407E-A947-70E740481C1C}">
                 <a14:useLocalDpi xmlns:a14="http://schemas.microsoft.com/office/drawing/2010/main" val="0"/>
@@ -19963,7 +26965,7 @@
           <p:cNvPr id="5" name="文本框 4">
             <a:extLst>
               <a:ext uri="{FF2B5EF4-FFF2-40B4-BE49-F238E27FC236}">
-                <a16:creationId xmlns:a16="http://schemas.microsoft.com/office/drawing/2014/main" xmlns="" id="{99B000F1-5A15-40A1-B27A-AC19C9A215F2}"/>
+                <a16:creationId xmlns:a16="http://schemas.microsoft.com/office/drawing/2014/main" id="{99B000F1-5A15-40A1-B27A-AC19C9A215F2}"/>
               </a:ext>
             </a:extLst>
           </p:cNvPr>
@@ -19987,7 +26989,7 @@
           <a:lstStyle/>
           <a:p>
             <a:r>
-              <a:rPr lang="en-US" altLang="zh-CN" smtClean="0"/>
+              <a:rPr lang="en-US" altLang="zh-CN"/>
               <a:t>Springboot</a:t>
             </a:r>
             <a:endParaRPr lang="zh-CN" altLang="en-US" dirty="0"/>
@@ -20076,13 +27078,6 @@
   <p:clrMapOvr>
     <a:masterClrMapping/>
   </p:clrMapOvr>
-  <p:timing>
-    <p:tnLst>
-      <p:par>
-        <p:cTn id="1" dur="indefinite" restart="never" nodeType="tmRoot"/>
-      </p:par>
-    </p:tnLst>
-  </p:timing>
 </p:sld>
 </file>
 
@@ -20420,12 +27415,8 @@
           </a:p>
           <a:p>
             <a:r>
-              <a:rPr lang="zh-CN" altLang="en-US" sz="2000" dirty="0" smtClean="0"/>
-              <a:t>10、发布</a:t>
-            </a:r>
-            <a:r>
               <a:rPr lang="zh-CN" altLang="en-US" sz="2000" dirty="0"/>
-              <a:t>课程</a:t>
+              <a:t>10、发布课程</a:t>
             </a:r>
           </a:p>
           <a:p>
@@ -20447,7 +27438,7 @@
           <p:cNvPr id="5" name="文本框 4">
             <a:extLst>
               <a:ext uri="{FF2B5EF4-FFF2-40B4-BE49-F238E27FC236}">
-                <a16:creationId xmlns:a16="http://schemas.microsoft.com/office/drawing/2014/main" xmlns="" id="{99B000F1-5A15-40A1-B27A-AC19C9A215F2}"/>
+                <a16:creationId xmlns:a16="http://schemas.microsoft.com/office/drawing/2014/main" id="{99B000F1-5A15-40A1-B27A-AC19C9A215F2}"/>
               </a:ext>
             </a:extLst>
           </p:cNvPr>
@@ -20491,13 +27482,6 @@
   <p:clrMapOvr>
     <a:masterClrMapping/>
   </p:clrMapOvr>
-  <p:timing>
-    <p:tnLst>
-      <p:par>
-        <p:cTn id="1" dur="indefinite" restart="never" nodeType="tmRoot"/>
-      </p:par>
-    </p:tnLst>
-  </p:timing>
 </p:sld>
 </file>
 
@@ -20523,7 +27507,7 @@
           <p:cNvPr id="2" name="标题 1">
             <a:extLst>
               <a:ext uri="{FF2B5EF4-FFF2-40B4-BE49-F238E27FC236}">
-                <a16:creationId xmlns:a16="http://schemas.microsoft.com/office/drawing/2014/main" xmlns="" id="{D77C5B1F-A5C5-4E11-B25F-FB692B403A09}"/>
+                <a16:creationId xmlns:a16="http://schemas.microsoft.com/office/drawing/2014/main" id="{D77C5B1F-A5C5-4E11-B25F-FB692B403A09}"/>
               </a:ext>
             </a:extLst>
           </p:cNvPr>
@@ -20551,7 +27535,7 @@
           <p:cNvPr id="3" name="文本框 2">
             <a:extLst>
               <a:ext uri="{FF2B5EF4-FFF2-40B4-BE49-F238E27FC236}">
-                <a16:creationId xmlns:a16="http://schemas.microsoft.com/office/drawing/2014/main" xmlns="" id="{56432CDF-F596-4D89-A3B2-3C5C12A118FF}"/>
+                <a16:creationId xmlns:a16="http://schemas.microsoft.com/office/drawing/2014/main" id="{56432CDF-F596-4D89-A3B2-3C5C12A118FF}"/>
               </a:ext>
             </a:extLst>
           </p:cNvPr>
@@ -20632,7 +27616,7 @@
           <p:cNvPr id="5" name="文本框 4">
             <a:extLst>
               <a:ext uri="{FF2B5EF4-FFF2-40B4-BE49-F238E27FC236}">
-                <a16:creationId xmlns:a16="http://schemas.microsoft.com/office/drawing/2014/main" xmlns="" id="{0300C5E1-B754-4953-9281-CE481300DD21}"/>
+                <a16:creationId xmlns:a16="http://schemas.microsoft.com/office/drawing/2014/main" id="{0300C5E1-B754-4953-9281-CE481300DD21}"/>
               </a:ext>
             </a:extLst>
           </p:cNvPr>
@@ -20656,7 +27640,7 @@
           <a:lstStyle/>
           <a:p>
             <a:r>
-              <a:rPr lang="zh-CN" altLang="en-US" dirty="0" smtClean="0"/>
+              <a:rPr lang="zh-CN" altLang="en-US" dirty="0"/>
               <a:t>应用</a:t>
             </a:r>
             <a:r>
@@ -20680,13 +27664,6 @@
   <p:clrMapOvr>
     <a:masterClrMapping/>
   </p:clrMapOvr>
-  <p:timing>
-    <p:tnLst>
-      <p:par>
-        <p:cTn id="1" dur="indefinite" restart="never" nodeType="tmRoot"/>
-      </p:par>
-    </p:tnLst>
-  </p:timing>
 </p:sld>
 </file>
 
@@ -21068,7 +28045,7 @@
           <p:cNvPr id="4" name="图片 3">
             <a:extLst>
               <a:ext uri="{FF2B5EF4-FFF2-40B4-BE49-F238E27FC236}">
-                <a16:creationId xmlns:a16="http://schemas.microsoft.com/office/drawing/2014/main" xmlns="" id="{27386FB7-DDAC-4997-872C-65F388A0D618}"/>
+                <a16:creationId xmlns:a16="http://schemas.microsoft.com/office/drawing/2014/main" id="{27386FB7-DDAC-4997-872C-65F388A0D618}"/>
               </a:ext>
             </a:extLst>
           </p:cNvPr>
@@ -21098,7 +28075,7 @@
           <p:cNvPr id="5" name="矩形 4">
             <a:extLst>
               <a:ext uri="{FF2B5EF4-FFF2-40B4-BE49-F238E27FC236}">
-                <a16:creationId xmlns:a16="http://schemas.microsoft.com/office/drawing/2014/main" xmlns="" id="{DF3497DF-A330-407B-B3BE-4D7953AE203E}"/>
+                <a16:creationId xmlns:a16="http://schemas.microsoft.com/office/drawing/2014/main" id="{DF3497DF-A330-407B-B3BE-4D7953AE203E}"/>
               </a:ext>
             </a:extLst>
           </p:cNvPr>

--- a/Pre/Group-4-MeetHerePre.pptx
+++ b/Pre/Group-4-MeetHerePre.pptx
@@ -5,10 +5,10 @@
     <p:sldMasterId id="2147483648" r:id="rId1"/>
   </p:sldMasterIdLst>
   <p:notesMasterIdLst>
-    <p:notesMasterId r:id="rId45"/>
+    <p:notesMasterId r:id="rId43"/>
   </p:notesMasterIdLst>
   <p:handoutMasterIdLst>
-    <p:handoutMasterId r:id="rId46"/>
+    <p:handoutMasterId r:id="rId44"/>
   </p:handoutMasterIdLst>
   <p:sldIdLst>
     <p:sldId id="256" r:id="rId2"/>
@@ -16,49 +16,47 @@
     <p:sldId id="323" r:id="rId4"/>
     <p:sldId id="336" r:id="rId5"/>
     <p:sldId id="300" r:id="rId6"/>
-    <p:sldId id="335" r:id="rId7"/>
-    <p:sldId id="325" r:id="rId8"/>
-    <p:sldId id="299" r:id="rId9"/>
-    <p:sldId id="326" r:id="rId10"/>
-    <p:sldId id="338" r:id="rId11"/>
-    <p:sldId id="324" r:id="rId12"/>
-    <p:sldId id="342" r:id="rId13"/>
-    <p:sldId id="341" r:id="rId14"/>
-    <p:sldId id="327" r:id="rId15"/>
-    <p:sldId id="343" r:id="rId16"/>
-    <p:sldId id="328" r:id="rId17"/>
-    <p:sldId id="329" r:id="rId18"/>
-    <p:sldId id="330" r:id="rId19"/>
-    <p:sldId id="344" r:id="rId20"/>
-    <p:sldId id="337" r:id="rId21"/>
-    <p:sldId id="331" r:id="rId22"/>
-    <p:sldId id="332" r:id="rId23"/>
-    <p:sldId id="345" r:id="rId24"/>
-    <p:sldId id="346" r:id="rId25"/>
-    <p:sldId id="340" r:id="rId26"/>
-    <p:sldId id="347" r:id="rId27"/>
-    <p:sldId id="349" r:id="rId28"/>
-    <p:sldId id="350" r:id="rId29"/>
-    <p:sldId id="351" r:id="rId30"/>
-    <p:sldId id="353" r:id="rId31"/>
-    <p:sldId id="355" r:id="rId32"/>
-    <p:sldId id="354" r:id="rId33"/>
-    <p:sldId id="356" r:id="rId34"/>
-    <p:sldId id="357" r:id="rId35"/>
-    <p:sldId id="352" r:id="rId36"/>
-    <p:sldId id="339" r:id="rId37"/>
-    <p:sldId id="358" r:id="rId38"/>
-    <p:sldId id="359" r:id="rId39"/>
-    <p:sldId id="360" r:id="rId40"/>
-    <p:sldId id="361" r:id="rId41"/>
-    <p:sldId id="362" r:id="rId42"/>
-    <p:sldId id="363" r:id="rId43"/>
-    <p:sldId id="297" r:id="rId44"/>
+    <p:sldId id="325" r:id="rId7"/>
+    <p:sldId id="326" r:id="rId8"/>
+    <p:sldId id="338" r:id="rId9"/>
+    <p:sldId id="324" r:id="rId10"/>
+    <p:sldId id="342" r:id="rId11"/>
+    <p:sldId id="341" r:id="rId12"/>
+    <p:sldId id="327" r:id="rId13"/>
+    <p:sldId id="343" r:id="rId14"/>
+    <p:sldId id="328" r:id="rId15"/>
+    <p:sldId id="329" r:id="rId16"/>
+    <p:sldId id="330" r:id="rId17"/>
+    <p:sldId id="344" r:id="rId18"/>
+    <p:sldId id="337" r:id="rId19"/>
+    <p:sldId id="331" r:id="rId20"/>
+    <p:sldId id="332" r:id="rId21"/>
+    <p:sldId id="345" r:id="rId22"/>
+    <p:sldId id="346" r:id="rId23"/>
+    <p:sldId id="340" r:id="rId24"/>
+    <p:sldId id="347" r:id="rId25"/>
+    <p:sldId id="349" r:id="rId26"/>
+    <p:sldId id="350" r:id="rId27"/>
+    <p:sldId id="351" r:id="rId28"/>
+    <p:sldId id="353" r:id="rId29"/>
+    <p:sldId id="355" r:id="rId30"/>
+    <p:sldId id="354" r:id="rId31"/>
+    <p:sldId id="356" r:id="rId32"/>
+    <p:sldId id="357" r:id="rId33"/>
+    <p:sldId id="352" r:id="rId34"/>
+    <p:sldId id="339" r:id="rId35"/>
+    <p:sldId id="358" r:id="rId36"/>
+    <p:sldId id="359" r:id="rId37"/>
+    <p:sldId id="360" r:id="rId38"/>
+    <p:sldId id="361" r:id="rId39"/>
+    <p:sldId id="362" r:id="rId40"/>
+    <p:sldId id="363" r:id="rId41"/>
+    <p:sldId id="297" r:id="rId42"/>
   </p:sldIdLst>
   <p:sldSz cx="12192000" cy="6858000"/>
   <p:notesSz cx="6858000" cy="9144000"/>
   <p:custDataLst>
-    <p:tags r:id="rId47"/>
+    <p:tags r:id="rId45"/>
   </p:custDataLst>
   <p:defaultTextStyle>
     <a:defPPr>
@@ -1537,7 +1535,7 @@
           <a:p>
             <a:fld id="{4AE1D939-3E60-4063-B05E-56844F97CE60}" type="slidenum">
               <a:rPr lang="zh-CN" altLang="en-US" smtClean="0"/>
-              <a:t>10</a:t>
+              <a:t>8</a:t>
             </a:fld>
             <a:endParaRPr lang="zh-CN" altLang="en-US"/>
           </a:p>
@@ -1795,7 +1793,7 @@
           <a:p>
             <a:fld id="{4AE1D939-3E60-4063-B05E-56844F97CE60}" type="slidenum">
               <a:rPr lang="zh-CN" altLang="en-US" smtClean="0"/>
-              <a:t>20</a:t>
+              <a:t>18</a:t>
             </a:fld>
             <a:endParaRPr lang="zh-CN" altLang="en-US"/>
           </a:p>
@@ -2053,7 +2051,7 @@
           <a:p>
             <a:fld id="{4AE1D939-3E60-4063-B05E-56844F97CE60}" type="slidenum">
               <a:rPr lang="zh-CN" altLang="en-US" smtClean="0"/>
-              <a:t>25</a:t>
+              <a:t>23</a:t>
             </a:fld>
             <a:endParaRPr lang="zh-CN" altLang="en-US"/>
           </a:p>
@@ -2311,7 +2309,7 @@
           <a:p>
             <a:fld id="{4AE1D939-3E60-4063-B05E-56844F97CE60}" type="slidenum">
               <a:rPr lang="zh-CN" altLang="en-US" smtClean="0"/>
-              <a:t>36</a:t>
+              <a:t>34</a:t>
             </a:fld>
             <a:endParaRPr lang="zh-CN" altLang="en-US"/>
           </a:p>
@@ -2569,7 +2567,7 @@
           <a:p>
             <a:fld id="{4AE1D939-3E60-4063-B05E-56844F97CE60}" type="slidenum">
               <a:rPr lang="zh-CN" altLang="en-US" smtClean="0"/>
-              <a:t>43</a:t>
+              <a:t>41</a:t>
             </a:fld>
             <a:endParaRPr lang="zh-CN" altLang="en-US"/>
           </a:p>
@@ -12552,675 +12550,6 @@
           <a:chExt cx="0" cy="0"/>
         </a:xfrm>
       </p:grpSpPr>
-      <p:pic>
-        <p:nvPicPr>
-          <p:cNvPr id="23" name="Picture 3"/>
-          <p:cNvPicPr>
-            <a:picLocks noChangeAspect="1" noChangeArrowheads="1"/>
-          </p:cNvPicPr>
-          <p:nvPr/>
-        </p:nvPicPr>
-        <p:blipFill rotWithShape="1">
-          <a:blip r:embed="rId3" cstate="print">
-            <a:extLst>
-              <a:ext uri="{28A0092B-C50C-407E-A947-70E740481C1C}">
-                <a14:useLocalDpi xmlns:a14="http://schemas.microsoft.com/office/drawing/2010/main" val="0"/>
-              </a:ext>
-            </a:extLst>
-          </a:blip>
-          <a:srcRect l="2767" r="7205" b="57679"/>
-          <a:stretch>
-            <a:fillRect/>
-          </a:stretch>
-        </p:blipFill>
-        <p:spPr bwMode="auto">
-          <a:xfrm rot="10800000" flipH="1" flipV="1">
-            <a:off x="1187150" y="4617245"/>
-            <a:ext cx="9295641" cy="251915"/>
-          </a:xfrm>
-          <a:prstGeom prst="rect">
-            <a:avLst/>
-          </a:prstGeom>
-          <a:noFill/>
-          <a:ln>
-            <a:noFill/>
-          </a:ln>
-          <a:effectLst/>
-          <a:extLst>
-            <a:ext uri="{909E8E84-426E-40DD-AFC4-6F175D3DCCD1}">
-              <a14:hiddenFill xmlns:a14="http://schemas.microsoft.com/office/drawing/2010/main">
-                <a:solidFill>
-                  <a:schemeClr val="accent1"/>
-                </a:solidFill>
-              </a14:hiddenFill>
-            </a:ext>
-            <a:ext uri="{91240B29-F687-4F45-9708-019B960494DF}">
-              <a14:hiddenLine xmlns:a14="http://schemas.microsoft.com/office/drawing/2010/main" w="9525">
-                <a:solidFill>
-                  <a:schemeClr val="tx1"/>
-                </a:solidFill>
-                <a:miter lim="800000"/>
-                <a:headEnd/>
-                <a:tailEnd/>
-              </a14:hiddenLine>
-            </a:ext>
-            <a:ext uri="{AF507438-7753-43E0-B8FC-AC1667EBCBE1}">
-              <a14:hiddenEffects xmlns:a14="http://schemas.microsoft.com/office/drawing/2010/main">
-                <a:effectLst>
-                  <a:outerShdw dist="35921" dir="2700000" algn="ctr" rotWithShape="0">
-                    <a:schemeClr val="bg2"/>
-                  </a:outerShdw>
-                </a:effectLst>
-              </a14:hiddenEffects>
-            </a:ext>
-          </a:extLst>
-        </p:spPr>
-      </p:pic>
-      <p:sp>
-        <p:nvSpPr>
-          <p:cNvPr id="24" name="圆角矩形 23"/>
-          <p:cNvSpPr/>
-          <p:nvPr/>
-        </p:nvSpPr>
-        <p:spPr>
-          <a:xfrm rot="20935880">
-            <a:off x="4381264" y="3172417"/>
-            <a:ext cx="193241" cy="2366303"/>
-          </a:xfrm>
-          <a:prstGeom prst="roundRect">
-            <a:avLst>
-              <a:gd name="adj" fmla="val 50000"/>
-            </a:avLst>
-          </a:prstGeom>
-          <a:gradFill flip="none" rotWithShape="1">
-            <a:gsLst>
-              <a:gs pos="100000">
-                <a:srgbClr val="878787"/>
-              </a:gs>
-              <a:gs pos="0">
-                <a:sysClr val="window" lastClr="FFFFFF">
-                  <a:lumMod val="85000"/>
-                  <a:shade val="30000"/>
-                  <a:satMod val="115000"/>
-                </a:sysClr>
-              </a:gs>
-              <a:gs pos="45000">
-                <a:sysClr val="window" lastClr="FFFFFF">
-                  <a:lumMod val="85000"/>
-                  <a:shade val="67500"/>
-                  <a:satMod val="115000"/>
-                </a:sysClr>
-              </a:gs>
-              <a:gs pos="62000">
-                <a:sysClr val="window" lastClr="FFFFFF">
-                  <a:lumMod val="85000"/>
-                  <a:shade val="100000"/>
-                  <a:satMod val="115000"/>
-                </a:sysClr>
-              </a:gs>
-            </a:gsLst>
-            <a:lin ang="10800000" scaled="1"/>
-            <a:tileRect/>
-          </a:gradFill>
-          <a:ln w="25400" cap="flat" cmpd="sng" algn="ctr">
-            <a:noFill/>
-            <a:prstDash val="solid"/>
-          </a:ln>
-          <a:effectLst/>
-        </p:spPr>
-        <p:txBody>
-          <a:bodyPr rot="0" spcFirstLastPara="0" vertOverflow="overflow" horzOverflow="overflow" vert="horz" wrap="square" lIns="91440" tIns="45720" rIns="91440" bIns="45720" numCol="1" spcCol="0" rtlCol="0" fromWordArt="0" anchor="ctr" anchorCtr="0" forceAA="0" compatLnSpc="1">
-            <a:noAutofit/>
-          </a:bodyPr>
-          <a:lstStyle/>
-          <a:p>
-            <a:pPr marL="0" marR="0" lvl="0" indent="0" algn="ctr" defTabSz="914400" eaLnBrk="1" fontAlgn="auto" latinLnBrk="0" hangingPunct="1">
-              <a:lnSpc>
-                <a:spcPct val="100000"/>
-              </a:lnSpc>
-              <a:spcBef>
-                <a:spcPts val="0"/>
-              </a:spcBef>
-              <a:spcAft>
-                <a:spcPts val="0"/>
-              </a:spcAft>
-              <a:buClrTx/>
-              <a:buSzTx/>
-              <a:buFontTx/>
-              <a:buNone/>
-              <a:defRPr/>
-            </a:pPr>
-            <a:endParaRPr kumimoji="0" lang="en-US" sz="1800" b="0" i="0" u="none" strike="noStrike" kern="0" cap="none" spc="0" normalizeH="0" baseline="0" noProof="0">
-              <a:ln>
-                <a:noFill/>
-              </a:ln>
-              <a:solidFill>
-                <a:sysClr val="windowText" lastClr="000000"/>
-              </a:solidFill>
-              <a:effectLst/>
-              <a:uLnTx/>
-              <a:uFillTx/>
-              <a:latin typeface="Calibri" panose="020F0502020204030204"/>
-              <a:ea typeface="+mn-ea"/>
-              <a:cs typeface="+mn-cs"/>
-            </a:endParaRPr>
-          </a:p>
-        </p:txBody>
-      </p:sp>
-      <p:sp>
-        <p:nvSpPr>
-          <p:cNvPr id="28" name="圆角矩形 27"/>
-          <p:cNvSpPr/>
-          <p:nvPr/>
-        </p:nvSpPr>
-        <p:spPr>
-          <a:xfrm rot="963333">
-            <a:off x="7468164" y="2895766"/>
-            <a:ext cx="224541" cy="2664296"/>
-          </a:xfrm>
-          <a:prstGeom prst="roundRect">
-            <a:avLst>
-              <a:gd name="adj" fmla="val 50000"/>
-            </a:avLst>
-          </a:prstGeom>
-          <a:gradFill flip="none" rotWithShape="1">
-            <a:gsLst>
-              <a:gs pos="100000">
-                <a:srgbClr val="878787"/>
-              </a:gs>
-              <a:gs pos="0">
-                <a:sysClr val="window" lastClr="FFFFFF">
-                  <a:lumMod val="85000"/>
-                  <a:shade val="30000"/>
-                  <a:satMod val="115000"/>
-                </a:sysClr>
-              </a:gs>
-              <a:gs pos="45000">
-                <a:sysClr val="window" lastClr="FFFFFF">
-                  <a:lumMod val="85000"/>
-                  <a:shade val="67500"/>
-                  <a:satMod val="115000"/>
-                </a:sysClr>
-              </a:gs>
-              <a:gs pos="62000">
-                <a:sysClr val="window" lastClr="FFFFFF">
-                  <a:lumMod val="85000"/>
-                  <a:shade val="100000"/>
-                  <a:satMod val="115000"/>
-                </a:sysClr>
-              </a:gs>
-            </a:gsLst>
-            <a:lin ang="10800000" scaled="1"/>
-            <a:tileRect/>
-          </a:gradFill>
-          <a:ln w="25400" cap="flat" cmpd="sng" algn="ctr">
-            <a:noFill/>
-            <a:prstDash val="solid"/>
-          </a:ln>
-          <a:effectLst/>
-        </p:spPr>
-        <p:txBody>
-          <a:bodyPr rot="0" spcFirstLastPara="0" vertOverflow="overflow" horzOverflow="overflow" vert="horz" wrap="square" lIns="91440" tIns="45720" rIns="91440" bIns="45720" numCol="1" spcCol="0" rtlCol="0" fromWordArt="0" anchor="ctr" anchorCtr="0" forceAA="0" compatLnSpc="1">
-            <a:noAutofit/>
-          </a:bodyPr>
-          <a:lstStyle/>
-          <a:p>
-            <a:pPr marL="0" marR="0" lvl="0" indent="0" algn="ctr" defTabSz="914400" eaLnBrk="1" fontAlgn="auto" latinLnBrk="0" hangingPunct="1">
-              <a:lnSpc>
-                <a:spcPct val="100000"/>
-              </a:lnSpc>
-              <a:spcBef>
-                <a:spcPts val="0"/>
-              </a:spcBef>
-              <a:spcAft>
-                <a:spcPts val="0"/>
-              </a:spcAft>
-              <a:buClrTx/>
-              <a:buSzTx/>
-              <a:buFontTx/>
-              <a:buNone/>
-              <a:defRPr/>
-            </a:pPr>
-            <a:endParaRPr kumimoji="0" lang="en-US" sz="1800" b="0" i="0" u="none" strike="noStrike" kern="0" cap="none" spc="0" normalizeH="0" baseline="0" noProof="0">
-              <a:ln>
-                <a:noFill/>
-              </a:ln>
-              <a:solidFill>
-                <a:sysClr val="windowText" lastClr="000000"/>
-              </a:solidFill>
-              <a:effectLst/>
-              <a:uLnTx/>
-              <a:uFillTx/>
-              <a:latin typeface="Calibri" panose="020F0502020204030204"/>
-              <a:ea typeface="+mn-ea"/>
-              <a:cs typeface="+mn-cs"/>
-            </a:endParaRPr>
-          </a:p>
-        </p:txBody>
-      </p:sp>
-      <p:sp>
-        <p:nvSpPr>
-          <p:cNvPr id="33" name="矩形 32"/>
-          <p:cNvSpPr/>
-          <p:nvPr/>
-        </p:nvSpPr>
-        <p:spPr>
-          <a:xfrm>
-            <a:off x="1524000" y="4869160"/>
-            <a:ext cx="9144000" cy="1656184"/>
-          </a:xfrm>
-          <a:prstGeom prst="rect">
-            <a:avLst/>
-          </a:prstGeom>
-          <a:gradFill flip="none" rotWithShape="1">
-            <a:gsLst>
-              <a:gs pos="48320">
-                <a:srgbClr val="E6C29A"/>
-              </a:gs>
-              <a:gs pos="100000">
-                <a:srgbClr val="8C6233"/>
-              </a:gs>
-              <a:gs pos="0">
-                <a:srgbClr val="DEA464">
-                  <a:shade val="30000"/>
-                  <a:satMod val="115000"/>
-                </a:srgbClr>
-              </a:gs>
-              <a:gs pos="8000">
-                <a:srgbClr val="DEA464">
-                  <a:shade val="67500"/>
-                  <a:satMod val="115000"/>
-                </a:srgbClr>
-              </a:gs>
-              <a:gs pos="92000">
-                <a:srgbClr val="DEA464">
-                  <a:shade val="100000"/>
-                  <a:satMod val="115000"/>
-                </a:srgbClr>
-              </a:gs>
-            </a:gsLst>
-            <a:lin ang="0" scaled="1"/>
-            <a:tileRect/>
-          </a:gradFill>
-          <a:ln w="25400" cap="flat" cmpd="sng" algn="ctr">
-            <a:noFill/>
-            <a:prstDash val="solid"/>
-          </a:ln>
-          <a:effectLst>
-            <a:outerShdw blurRad="50800" dist="38100" dir="16200000" rotWithShape="0">
-              <a:prstClr val="black">
-                <a:alpha val="40000"/>
-              </a:prstClr>
-            </a:outerShdw>
-          </a:effectLst>
-        </p:spPr>
-        <p:txBody>
-          <a:bodyPr rot="0" spcFirstLastPara="0" vertOverflow="overflow" horzOverflow="overflow" vert="horz" wrap="square" lIns="91440" tIns="45720" rIns="91440" bIns="45720" numCol="1" spcCol="0" rtlCol="0" fromWordArt="0" anchor="ctr" anchorCtr="0" forceAA="0" compatLnSpc="1">
-            <a:noAutofit/>
-          </a:bodyPr>
-          <a:lstStyle/>
-          <a:p>
-            <a:pPr marL="0" marR="0" lvl="0" indent="0" algn="ctr" defTabSz="914400" eaLnBrk="1" fontAlgn="auto" latinLnBrk="0" hangingPunct="1">
-              <a:lnSpc>
-                <a:spcPct val="100000"/>
-              </a:lnSpc>
-              <a:spcBef>
-                <a:spcPts val="0"/>
-              </a:spcBef>
-              <a:spcAft>
-                <a:spcPts val="0"/>
-              </a:spcAft>
-              <a:buClrTx/>
-              <a:buSzTx/>
-              <a:buFontTx/>
-              <a:buNone/>
-              <a:defRPr/>
-            </a:pPr>
-            <a:endParaRPr kumimoji="0" lang="en-US" sz="1800" b="0" i="0" u="none" strike="noStrike" kern="0" cap="none" spc="0" normalizeH="0" baseline="0" noProof="0">
-              <a:ln>
-                <a:noFill/>
-              </a:ln>
-              <a:solidFill>
-                <a:sysClr val="windowText" lastClr="000000"/>
-              </a:solidFill>
-              <a:effectLst/>
-              <a:uLnTx/>
-              <a:uFillTx/>
-              <a:latin typeface="Calibri" panose="020F0502020204030204"/>
-              <a:ea typeface="+mn-ea"/>
-              <a:cs typeface="+mn-cs"/>
-            </a:endParaRPr>
-          </a:p>
-        </p:txBody>
-      </p:sp>
-      <p:sp>
-        <p:nvSpPr>
-          <p:cNvPr id="43" name="TextBox 42"/>
-          <p:cNvSpPr txBox="1"/>
-          <p:nvPr/>
-        </p:nvSpPr>
-        <p:spPr>
-          <a:xfrm>
-            <a:off x="3137126" y="5260390"/>
-            <a:ext cx="5688632" cy="884794"/>
-          </a:xfrm>
-          <a:prstGeom prst="rect">
-            <a:avLst/>
-          </a:prstGeom>
-          <a:noFill/>
-        </p:spPr>
-        <p:txBody>
-          <a:bodyPr wrap="square" rtlCol="0">
-            <a:spAutoFit/>
-          </a:bodyPr>
-          <a:lstStyle>
-            <a:defPPr>
-              <a:defRPr lang="en-US"/>
-            </a:defPPr>
-            <a:lvl1pPr>
-              <a:lnSpc>
-                <a:spcPct val="130000"/>
-              </a:lnSpc>
-              <a:defRPr sz="5400" b="1">
-                <a:solidFill>
-                  <a:schemeClr val="tx1">
-                    <a:lumMod val="65000"/>
-                    <a:lumOff val="35000"/>
-                  </a:schemeClr>
-                </a:solidFill>
-                <a:latin typeface="Agency FB" pitchFamily="34" charset="0"/>
-                <a:ea typeface="微软雅黑" panose="020B0503020204020204" charset="-122"/>
-                <a:cs typeface="Calibri" panose="020F0502020204030204" pitchFamily="34" charset="0"/>
-              </a:defRPr>
-            </a:lvl1pPr>
-          </a:lstStyle>
-          <a:p>
-            <a:pPr marL="0" marR="0" lvl="0" indent="0" algn="ctr" defTabSz="914400" eaLnBrk="1" fontAlgn="auto" latinLnBrk="0" hangingPunct="1">
-              <a:lnSpc>
-                <a:spcPct val="130000"/>
-              </a:lnSpc>
-              <a:spcBef>
-                <a:spcPts val="0"/>
-              </a:spcBef>
-              <a:spcAft>
-                <a:spcPts val="0"/>
-              </a:spcAft>
-              <a:buClrTx/>
-              <a:buSzTx/>
-              <a:buFontTx/>
-              <a:buNone/>
-              <a:defRPr/>
-            </a:pPr>
-            <a:r>
-              <a:rPr lang="zh-CN" altLang="en-US" sz="4400" dirty="0">
-                <a:sym typeface="+mn-ea"/>
-              </a:rPr>
-              <a:t>单元测试</a:t>
-            </a:r>
-            <a:endParaRPr kumimoji="0" lang="zh-CN" altLang="en-US" sz="4400" b="1" i="0" u="none" strike="noStrike" kern="0" cap="none" spc="0" normalizeH="0" baseline="0" noProof="0" dirty="0">
-              <a:ln>
-                <a:noFill/>
-              </a:ln>
-              <a:solidFill>
-                <a:sysClr val="windowText" lastClr="000000">
-                  <a:lumMod val="75000"/>
-                  <a:lumOff val="25000"/>
-                </a:sysClr>
-              </a:solidFill>
-              <a:effectLst>
-                <a:outerShdw dist="38100" dir="5400000" algn="t" rotWithShape="0">
-                  <a:sysClr val="window" lastClr="FFFFFF">
-                    <a:alpha val="48000"/>
-                  </a:sysClr>
-                </a:outerShdw>
-              </a:effectLst>
-              <a:uLnTx/>
-              <a:uFillTx/>
-              <a:latin typeface="Agency FB" pitchFamily="34" charset="0"/>
-              <a:ea typeface="微软雅黑" panose="020B0503020204020204" charset="-122"/>
-              <a:cs typeface="Calibri" panose="020F0502020204030204" pitchFamily="34" charset="0"/>
-            </a:endParaRPr>
-          </a:p>
-        </p:txBody>
-      </p:sp>
-    </p:spTree>
-    <p:extLst>
-      <p:ext uri="{BB962C8B-B14F-4D97-AF65-F5344CB8AC3E}">
-        <p14:creationId xmlns:p14="http://schemas.microsoft.com/office/powerpoint/2010/main" val="1095610284"/>
-      </p:ext>
-    </p:extLst>
-  </p:cSld>
-  <p:clrMapOvr>
-    <a:masterClrMapping/>
-  </p:clrMapOvr>
-</p:sld>
-</file>
-
-<file path=ppt/slides/slide11.xml><?xml version="1.0" encoding="utf-8"?>
-<p:sld xmlns:a="http://schemas.openxmlformats.org/drawingml/2006/main" xmlns:r="http://schemas.openxmlformats.org/officeDocument/2006/relationships" xmlns:p="http://schemas.openxmlformats.org/presentationml/2006/main">
-  <p:cSld>
-    <p:spTree>
-      <p:nvGrpSpPr>
-        <p:cNvPr id="1" name=""/>
-        <p:cNvGrpSpPr/>
-        <p:nvPr/>
-      </p:nvGrpSpPr>
-      <p:grpSpPr>
-        <a:xfrm>
-          <a:off x="0" y="0"/>
-          <a:ext cx="0" cy="0"/>
-          <a:chOff x="0" y="0"/>
-          <a:chExt cx="0" cy="0"/>
-        </a:xfrm>
-      </p:grpSpPr>
-      <p:pic>
-        <p:nvPicPr>
-          <p:cNvPr id="4" name="图片 3"/>
-          <p:cNvPicPr>
-            <a:picLocks noChangeAspect="1"/>
-          </p:cNvPicPr>
-          <p:nvPr/>
-        </p:nvPicPr>
-        <p:blipFill>
-          <a:blip r:embed="rId2">
-            <a:extLst>
-              <a:ext uri="{28A0092B-C50C-407E-A947-70E740481C1C}">
-                <a14:useLocalDpi xmlns:a14="http://schemas.microsoft.com/office/drawing/2010/main" val="0"/>
-              </a:ext>
-            </a:extLst>
-          </a:blip>
-          <a:stretch>
-            <a:fillRect/>
-          </a:stretch>
-        </p:blipFill>
-        <p:spPr>
-          <a:xfrm>
-            <a:off x="0" y="0"/>
-            <a:ext cx="12192000" cy="6858001"/>
-          </a:xfrm>
-          <a:prstGeom prst="rect">
-            <a:avLst/>
-          </a:prstGeom>
-        </p:spPr>
-      </p:pic>
-      <p:sp>
-        <p:nvSpPr>
-          <p:cNvPr id="13" name="标题 1">
-            <a:extLst>
-              <a:ext uri="{FF2B5EF4-FFF2-40B4-BE49-F238E27FC236}">
-                <a16:creationId xmlns:a16="http://schemas.microsoft.com/office/drawing/2014/main" id="{D85B6B2A-FBF0-41F4-B80B-0F7EFDDBBFDA}"/>
-              </a:ext>
-            </a:extLst>
-          </p:cNvPr>
-          <p:cNvSpPr txBox="1">
-            <a:spLocks/>
-          </p:cNvSpPr>
-          <p:nvPr/>
-        </p:nvSpPr>
-        <p:spPr>
-          <a:xfrm>
-            <a:off x="822282" y="584400"/>
-            <a:ext cx="10852237" cy="648000"/>
-          </a:xfrm>
-          <a:prstGeom prst="rect">
-            <a:avLst/>
-          </a:prstGeom>
-        </p:spPr>
-        <p:txBody>
-          <a:bodyPr vert="horz" lIns="101600" tIns="38100" rIns="76200" bIns="38100" rtlCol="0" anchor="ctr" anchorCtr="0">
-            <a:noAutofit/>
-          </a:bodyPr>
-          <a:lstStyle>
-            <a:lvl1pPr marL="0" marR="0" lvl="0" algn="l" defTabSz="914400" rtl="0" eaLnBrk="1" fontAlgn="auto" latinLnBrk="0" hangingPunct="1">
-              <a:lnSpc>
-                <a:spcPct val="100000"/>
-              </a:lnSpc>
-              <a:spcBef>
-                <a:spcPct val="0"/>
-              </a:spcBef>
-              <a:buNone/>
-              <a:defRPr kumimoji="0" lang="zh-CN" altLang="en-US" sz="2800" b="1" i="0" u="none" strike="noStrike" kern="1200" cap="none" spc="200" normalizeH="0" baseline="0" noProof="1" dirty="0">
-                <a:solidFill>
-                  <a:schemeClr val="tx1"/>
-                </a:solidFill>
-                <a:uFillTx/>
-                <a:latin typeface="+mj-lt"/>
-                <a:ea typeface="+mj-ea"/>
-                <a:cs typeface="+mj-cs"/>
-                <a:sym typeface="+mn-ea"/>
-              </a:defRPr>
-            </a:lvl1pPr>
-          </a:lstStyle>
-          <a:p>
-            <a:r>
-              <a:rPr lang="zh-CN" altLang="en-US" dirty="0">
-                <a:solidFill>
-                  <a:schemeClr val="bg1"/>
-                </a:solidFill>
-              </a:rPr>
-              <a:t>单元测试</a:t>
-            </a:r>
-            <a:r>
-              <a:rPr lang="en-US" altLang="zh-CN" dirty="0">
-                <a:solidFill>
-                  <a:schemeClr val="bg1"/>
-                </a:solidFill>
-              </a:rPr>
-              <a:t>-DAO</a:t>
-            </a:r>
-            <a:r>
-              <a:rPr lang="zh-CN" altLang="en-US" dirty="0">
-                <a:solidFill>
-                  <a:schemeClr val="bg1"/>
-                </a:solidFill>
-              </a:rPr>
-              <a:t>层</a:t>
-            </a:r>
-          </a:p>
-        </p:txBody>
-      </p:sp>
-      <p:sp>
-        <p:nvSpPr>
-          <p:cNvPr id="14" name="矩形 13"/>
-          <p:cNvSpPr/>
-          <p:nvPr/>
-        </p:nvSpPr>
-        <p:spPr>
-          <a:xfrm>
-            <a:off x="822282" y="1447468"/>
-            <a:ext cx="3672800" cy="369332"/>
-          </a:xfrm>
-          <a:prstGeom prst="rect">
-            <a:avLst/>
-          </a:prstGeom>
-        </p:spPr>
-        <p:txBody>
-          <a:bodyPr wrap="none">
-            <a:spAutoFit/>
-          </a:bodyPr>
-          <a:lstStyle/>
-          <a:p>
-            <a:r>
-              <a:rPr lang="en-US" altLang="zh-CN" dirty="0">
-                <a:solidFill>
-                  <a:schemeClr val="bg1"/>
-                </a:solidFill>
-              </a:rPr>
-              <a:t>DAO</a:t>
-            </a:r>
-            <a:r>
-              <a:rPr lang="zh-CN" altLang="en-US" dirty="0">
-                <a:solidFill>
-                  <a:schemeClr val="bg1"/>
-                </a:solidFill>
-              </a:rPr>
-              <a:t>层设计</a:t>
-            </a:r>
-            <a:r>
-              <a:rPr lang="en-US" altLang="zh-CN" dirty="0">
-                <a:solidFill>
-                  <a:schemeClr val="bg1"/>
-                </a:solidFill>
-              </a:rPr>
-              <a:t>-</a:t>
-            </a:r>
-            <a:r>
-              <a:rPr lang="zh-CN" altLang="en-US" dirty="0">
-                <a:solidFill>
-                  <a:schemeClr val="bg1"/>
-                </a:solidFill>
-              </a:rPr>
-              <a:t>用例设计</a:t>
-            </a:r>
-            <a:r>
-              <a:rPr lang="en-US" altLang="zh-CN" dirty="0">
-                <a:solidFill>
-                  <a:schemeClr val="bg1"/>
-                </a:solidFill>
-              </a:rPr>
-              <a:t>-</a:t>
-            </a:r>
-            <a:r>
-              <a:rPr lang="zh-CN" altLang="en-US" dirty="0">
-                <a:solidFill>
-                  <a:schemeClr val="bg1"/>
-                </a:solidFill>
-              </a:rPr>
-              <a:t>启发式原则 </a:t>
-            </a:r>
-          </a:p>
-        </p:txBody>
-      </p:sp>
-    </p:spTree>
-    <p:extLst>
-      <p:ext uri="{BB962C8B-B14F-4D97-AF65-F5344CB8AC3E}">
-        <p14:creationId xmlns:p14="http://schemas.microsoft.com/office/powerpoint/2010/main" val="3148062056"/>
-      </p:ext>
-    </p:extLst>
-  </p:cSld>
-  <p:clrMapOvr>
-    <a:masterClrMapping/>
-  </p:clrMapOvr>
-</p:sld>
-</file>
-
-<file path=ppt/slides/slide12.xml><?xml version="1.0" encoding="utf-8"?>
-<p:sld xmlns:a="http://schemas.openxmlformats.org/drawingml/2006/main" xmlns:r="http://schemas.openxmlformats.org/officeDocument/2006/relationships" xmlns:p="http://schemas.openxmlformats.org/presentationml/2006/main">
-  <p:cSld>
-    <p:spTree>
-      <p:nvGrpSpPr>
-        <p:cNvPr id="1" name=""/>
-        <p:cNvGrpSpPr/>
-        <p:nvPr/>
-      </p:nvGrpSpPr>
-      <p:grpSpPr>
-        <a:xfrm>
-          <a:off x="0" y="0"/>
-          <a:ext cx="0" cy="0"/>
-          <a:chOff x="0" y="0"/>
-          <a:chExt cx="0" cy="0"/>
-        </a:xfrm>
-      </p:grpSpPr>
       <p:sp>
         <p:nvSpPr>
           <p:cNvPr id="10" name="标题 8"/>
@@ -13513,7 +12842,7 @@
 </p:sld>
 </file>
 
-<file path=ppt/slides/slide13.xml><?xml version="1.0" encoding="utf-8"?>
+<file path=ppt/slides/slide11.xml><?xml version="1.0" encoding="utf-8"?>
 <p:sld xmlns:a="http://schemas.openxmlformats.org/drawingml/2006/main" xmlns:r="http://schemas.openxmlformats.org/officeDocument/2006/relationships" xmlns:p="http://schemas.openxmlformats.org/presentationml/2006/main">
   <p:cSld>
     <p:spTree>
@@ -13668,7 +12997,7 @@
 </p:sld>
 </file>
 
-<file path=ppt/slides/slide14.xml><?xml version="1.0" encoding="utf-8"?>
+<file path=ppt/slides/slide12.xml><?xml version="1.0" encoding="utf-8"?>
 <p:sld xmlns:a="http://schemas.openxmlformats.org/drawingml/2006/main" xmlns:r="http://schemas.openxmlformats.org/officeDocument/2006/relationships" xmlns:p="http://schemas.openxmlformats.org/presentationml/2006/main">
   <p:cSld>
     <p:spTree>
@@ -13832,7 +13161,7 @@
 </p:sld>
 </file>
 
-<file path=ppt/slides/slide15.xml><?xml version="1.0" encoding="utf-8"?>
+<file path=ppt/slides/slide13.xml><?xml version="1.0" encoding="utf-8"?>
 <p:sld xmlns:a="http://schemas.openxmlformats.org/drawingml/2006/main" xmlns:r="http://schemas.openxmlformats.org/officeDocument/2006/relationships" xmlns:p="http://schemas.openxmlformats.org/presentationml/2006/main">
   <p:cSld>
     <p:spTree>
@@ -14110,7 +13439,7 @@
 </p:sld>
 </file>
 
-<file path=ppt/slides/slide16.xml><?xml version="1.0" encoding="utf-8"?>
+<file path=ppt/slides/slide14.xml><?xml version="1.0" encoding="utf-8"?>
 <p:sld xmlns:a="http://schemas.openxmlformats.org/drawingml/2006/main" xmlns:r="http://schemas.openxmlformats.org/officeDocument/2006/relationships" xmlns:p="http://schemas.openxmlformats.org/presentationml/2006/main">
   <p:cSld>
     <p:spTree>
@@ -14284,7 +13613,7 @@
 </p:sld>
 </file>
 
-<file path=ppt/slides/slide17.xml><?xml version="1.0" encoding="utf-8"?>
+<file path=ppt/slides/slide15.xml><?xml version="1.0" encoding="utf-8"?>
 <p:sld xmlns:a="http://schemas.openxmlformats.org/drawingml/2006/main" xmlns:r="http://schemas.openxmlformats.org/officeDocument/2006/relationships" xmlns:p="http://schemas.openxmlformats.org/presentationml/2006/main">
   <p:cSld>
     <p:spTree>
@@ -14434,7 +13763,7 @@
 </p:sld>
 </file>
 
-<file path=ppt/slides/slide18.xml><?xml version="1.0" encoding="utf-8"?>
+<file path=ppt/slides/slide16.xml><?xml version="1.0" encoding="utf-8"?>
 <p:sld xmlns:a="http://schemas.openxmlformats.org/drawingml/2006/main" xmlns:r="http://schemas.openxmlformats.org/officeDocument/2006/relationships" xmlns:p="http://schemas.openxmlformats.org/presentationml/2006/main">
   <p:cSld>
     <p:spTree>
@@ -14718,7 +14047,7 @@
 </p:sld>
 </file>
 
-<file path=ppt/slides/slide19.xml><?xml version="1.0" encoding="utf-8"?>
+<file path=ppt/slides/slide17.xml><?xml version="1.0" encoding="utf-8"?>
 <p:sld xmlns:a="http://schemas.openxmlformats.org/drawingml/2006/main" xmlns:r="http://schemas.openxmlformats.org/officeDocument/2006/relationships" xmlns:p="http://schemas.openxmlformats.org/presentationml/2006/main">
   <p:cSld>
     <p:spTree>
@@ -14846,6 +14175,633 @@
     <p:extLst>
       <p:ext uri="{BB962C8B-B14F-4D97-AF65-F5344CB8AC3E}">
         <p14:creationId xmlns:p14="http://schemas.microsoft.com/office/powerpoint/2010/main" val="1642466672"/>
+      </p:ext>
+    </p:extLst>
+  </p:cSld>
+  <p:clrMapOvr>
+    <a:masterClrMapping/>
+  </p:clrMapOvr>
+</p:sld>
+</file>
+
+<file path=ppt/slides/slide18.xml><?xml version="1.0" encoding="utf-8"?>
+<p:sld xmlns:a="http://schemas.openxmlformats.org/drawingml/2006/main" xmlns:r="http://schemas.openxmlformats.org/officeDocument/2006/relationships" xmlns:p="http://schemas.openxmlformats.org/presentationml/2006/main">
+  <p:cSld>
+    <p:spTree>
+      <p:nvGrpSpPr>
+        <p:cNvPr id="1" name=""/>
+        <p:cNvGrpSpPr/>
+        <p:nvPr/>
+      </p:nvGrpSpPr>
+      <p:grpSpPr>
+        <a:xfrm>
+          <a:off x="0" y="0"/>
+          <a:ext cx="0" cy="0"/>
+          <a:chOff x="0" y="0"/>
+          <a:chExt cx="0" cy="0"/>
+        </a:xfrm>
+      </p:grpSpPr>
+      <p:pic>
+        <p:nvPicPr>
+          <p:cNvPr id="23" name="Picture 3"/>
+          <p:cNvPicPr>
+            <a:picLocks noChangeAspect="1" noChangeArrowheads="1"/>
+          </p:cNvPicPr>
+          <p:nvPr/>
+        </p:nvPicPr>
+        <p:blipFill rotWithShape="1">
+          <a:blip r:embed="rId3" cstate="print">
+            <a:extLst>
+              <a:ext uri="{28A0092B-C50C-407E-A947-70E740481C1C}">
+                <a14:useLocalDpi xmlns:a14="http://schemas.microsoft.com/office/drawing/2010/main" val="0"/>
+              </a:ext>
+            </a:extLst>
+          </a:blip>
+          <a:srcRect l="2767" r="7205" b="57679"/>
+          <a:stretch>
+            <a:fillRect/>
+          </a:stretch>
+        </p:blipFill>
+        <p:spPr bwMode="auto">
+          <a:xfrm rot="10800000" flipH="1" flipV="1">
+            <a:off x="1187150" y="4617245"/>
+            <a:ext cx="9295641" cy="251915"/>
+          </a:xfrm>
+          <a:prstGeom prst="rect">
+            <a:avLst/>
+          </a:prstGeom>
+          <a:noFill/>
+          <a:ln>
+            <a:noFill/>
+          </a:ln>
+          <a:effectLst/>
+          <a:extLst>
+            <a:ext uri="{909E8E84-426E-40DD-AFC4-6F175D3DCCD1}">
+              <a14:hiddenFill xmlns:a14="http://schemas.microsoft.com/office/drawing/2010/main">
+                <a:solidFill>
+                  <a:schemeClr val="accent1"/>
+                </a:solidFill>
+              </a14:hiddenFill>
+            </a:ext>
+            <a:ext uri="{91240B29-F687-4F45-9708-019B960494DF}">
+              <a14:hiddenLine xmlns:a14="http://schemas.microsoft.com/office/drawing/2010/main" w="9525">
+                <a:solidFill>
+                  <a:schemeClr val="tx1"/>
+                </a:solidFill>
+                <a:miter lim="800000"/>
+                <a:headEnd/>
+                <a:tailEnd/>
+              </a14:hiddenLine>
+            </a:ext>
+            <a:ext uri="{AF507438-7753-43E0-B8FC-AC1667EBCBE1}">
+              <a14:hiddenEffects xmlns:a14="http://schemas.microsoft.com/office/drawing/2010/main">
+                <a:effectLst>
+                  <a:outerShdw dist="35921" dir="2700000" algn="ctr" rotWithShape="0">
+                    <a:schemeClr val="bg2"/>
+                  </a:outerShdw>
+                </a:effectLst>
+              </a14:hiddenEffects>
+            </a:ext>
+          </a:extLst>
+        </p:spPr>
+      </p:pic>
+      <p:sp>
+        <p:nvSpPr>
+          <p:cNvPr id="24" name="圆角矩形 23"/>
+          <p:cNvSpPr/>
+          <p:nvPr/>
+        </p:nvSpPr>
+        <p:spPr>
+          <a:xfrm rot="20935880">
+            <a:off x="4381264" y="3172417"/>
+            <a:ext cx="193241" cy="2366303"/>
+          </a:xfrm>
+          <a:prstGeom prst="roundRect">
+            <a:avLst>
+              <a:gd name="adj" fmla="val 50000"/>
+            </a:avLst>
+          </a:prstGeom>
+          <a:gradFill flip="none" rotWithShape="1">
+            <a:gsLst>
+              <a:gs pos="100000">
+                <a:srgbClr val="878787"/>
+              </a:gs>
+              <a:gs pos="0">
+                <a:sysClr val="window" lastClr="FFFFFF">
+                  <a:lumMod val="85000"/>
+                  <a:shade val="30000"/>
+                  <a:satMod val="115000"/>
+                </a:sysClr>
+              </a:gs>
+              <a:gs pos="45000">
+                <a:sysClr val="window" lastClr="FFFFFF">
+                  <a:lumMod val="85000"/>
+                  <a:shade val="67500"/>
+                  <a:satMod val="115000"/>
+                </a:sysClr>
+              </a:gs>
+              <a:gs pos="62000">
+                <a:sysClr val="window" lastClr="FFFFFF">
+                  <a:lumMod val="85000"/>
+                  <a:shade val="100000"/>
+                  <a:satMod val="115000"/>
+                </a:sysClr>
+              </a:gs>
+            </a:gsLst>
+            <a:lin ang="10800000" scaled="1"/>
+            <a:tileRect/>
+          </a:gradFill>
+          <a:ln w="25400" cap="flat" cmpd="sng" algn="ctr">
+            <a:noFill/>
+            <a:prstDash val="solid"/>
+          </a:ln>
+          <a:effectLst/>
+        </p:spPr>
+        <p:txBody>
+          <a:bodyPr rot="0" spcFirstLastPara="0" vertOverflow="overflow" horzOverflow="overflow" vert="horz" wrap="square" lIns="91440" tIns="45720" rIns="91440" bIns="45720" numCol="1" spcCol="0" rtlCol="0" fromWordArt="0" anchor="ctr" anchorCtr="0" forceAA="0" compatLnSpc="1">
+            <a:noAutofit/>
+          </a:bodyPr>
+          <a:lstStyle/>
+          <a:p>
+            <a:pPr marL="0" marR="0" lvl="0" indent="0" algn="ctr" defTabSz="914400" eaLnBrk="1" fontAlgn="auto" latinLnBrk="0" hangingPunct="1">
+              <a:lnSpc>
+                <a:spcPct val="100000"/>
+              </a:lnSpc>
+              <a:spcBef>
+                <a:spcPts val="0"/>
+              </a:spcBef>
+              <a:spcAft>
+                <a:spcPts val="0"/>
+              </a:spcAft>
+              <a:buClrTx/>
+              <a:buSzTx/>
+              <a:buFontTx/>
+              <a:buNone/>
+              <a:defRPr/>
+            </a:pPr>
+            <a:endParaRPr kumimoji="0" lang="en-US" sz="1800" b="0" i="0" u="none" strike="noStrike" kern="0" cap="none" spc="0" normalizeH="0" baseline="0" noProof="0">
+              <a:ln>
+                <a:noFill/>
+              </a:ln>
+              <a:solidFill>
+                <a:sysClr val="windowText" lastClr="000000"/>
+              </a:solidFill>
+              <a:effectLst/>
+              <a:uLnTx/>
+              <a:uFillTx/>
+              <a:latin typeface="Calibri" panose="020F0502020204030204"/>
+              <a:ea typeface="+mn-ea"/>
+              <a:cs typeface="+mn-cs"/>
+            </a:endParaRPr>
+          </a:p>
+        </p:txBody>
+      </p:sp>
+      <p:sp>
+        <p:nvSpPr>
+          <p:cNvPr id="28" name="圆角矩形 27"/>
+          <p:cNvSpPr/>
+          <p:nvPr/>
+        </p:nvSpPr>
+        <p:spPr>
+          <a:xfrm rot="963333">
+            <a:off x="7468164" y="2895766"/>
+            <a:ext cx="224541" cy="2664296"/>
+          </a:xfrm>
+          <a:prstGeom prst="roundRect">
+            <a:avLst>
+              <a:gd name="adj" fmla="val 50000"/>
+            </a:avLst>
+          </a:prstGeom>
+          <a:gradFill flip="none" rotWithShape="1">
+            <a:gsLst>
+              <a:gs pos="100000">
+                <a:srgbClr val="878787"/>
+              </a:gs>
+              <a:gs pos="0">
+                <a:sysClr val="window" lastClr="FFFFFF">
+                  <a:lumMod val="85000"/>
+                  <a:shade val="30000"/>
+                  <a:satMod val="115000"/>
+                </a:sysClr>
+              </a:gs>
+              <a:gs pos="45000">
+                <a:sysClr val="window" lastClr="FFFFFF">
+                  <a:lumMod val="85000"/>
+                  <a:shade val="67500"/>
+                  <a:satMod val="115000"/>
+                </a:sysClr>
+              </a:gs>
+              <a:gs pos="62000">
+                <a:sysClr val="window" lastClr="FFFFFF">
+                  <a:lumMod val="85000"/>
+                  <a:shade val="100000"/>
+                  <a:satMod val="115000"/>
+                </a:sysClr>
+              </a:gs>
+            </a:gsLst>
+            <a:lin ang="10800000" scaled="1"/>
+            <a:tileRect/>
+          </a:gradFill>
+          <a:ln w="25400" cap="flat" cmpd="sng" algn="ctr">
+            <a:noFill/>
+            <a:prstDash val="solid"/>
+          </a:ln>
+          <a:effectLst/>
+        </p:spPr>
+        <p:txBody>
+          <a:bodyPr rot="0" spcFirstLastPara="0" vertOverflow="overflow" horzOverflow="overflow" vert="horz" wrap="square" lIns="91440" tIns="45720" rIns="91440" bIns="45720" numCol="1" spcCol="0" rtlCol="0" fromWordArt="0" anchor="ctr" anchorCtr="0" forceAA="0" compatLnSpc="1">
+            <a:noAutofit/>
+          </a:bodyPr>
+          <a:lstStyle/>
+          <a:p>
+            <a:pPr marL="0" marR="0" lvl="0" indent="0" algn="ctr" defTabSz="914400" eaLnBrk="1" fontAlgn="auto" latinLnBrk="0" hangingPunct="1">
+              <a:lnSpc>
+                <a:spcPct val="100000"/>
+              </a:lnSpc>
+              <a:spcBef>
+                <a:spcPts val="0"/>
+              </a:spcBef>
+              <a:spcAft>
+                <a:spcPts val="0"/>
+              </a:spcAft>
+              <a:buClrTx/>
+              <a:buSzTx/>
+              <a:buFontTx/>
+              <a:buNone/>
+              <a:defRPr/>
+            </a:pPr>
+            <a:endParaRPr kumimoji="0" lang="en-US" sz="1800" b="0" i="0" u="none" strike="noStrike" kern="0" cap="none" spc="0" normalizeH="0" baseline="0" noProof="0">
+              <a:ln>
+                <a:noFill/>
+              </a:ln>
+              <a:solidFill>
+                <a:sysClr val="windowText" lastClr="000000"/>
+              </a:solidFill>
+              <a:effectLst/>
+              <a:uLnTx/>
+              <a:uFillTx/>
+              <a:latin typeface="Calibri" panose="020F0502020204030204"/>
+              <a:ea typeface="+mn-ea"/>
+              <a:cs typeface="+mn-cs"/>
+            </a:endParaRPr>
+          </a:p>
+        </p:txBody>
+      </p:sp>
+      <p:sp>
+        <p:nvSpPr>
+          <p:cNvPr id="33" name="矩形 32"/>
+          <p:cNvSpPr/>
+          <p:nvPr/>
+        </p:nvSpPr>
+        <p:spPr>
+          <a:xfrm>
+            <a:off x="1524000" y="4869160"/>
+            <a:ext cx="9144000" cy="1656184"/>
+          </a:xfrm>
+          <a:prstGeom prst="rect">
+            <a:avLst/>
+          </a:prstGeom>
+          <a:gradFill flip="none" rotWithShape="1">
+            <a:gsLst>
+              <a:gs pos="48320">
+                <a:srgbClr val="E6C29A"/>
+              </a:gs>
+              <a:gs pos="100000">
+                <a:srgbClr val="8C6233"/>
+              </a:gs>
+              <a:gs pos="0">
+                <a:srgbClr val="DEA464">
+                  <a:shade val="30000"/>
+                  <a:satMod val="115000"/>
+                </a:srgbClr>
+              </a:gs>
+              <a:gs pos="8000">
+                <a:srgbClr val="DEA464">
+                  <a:shade val="67500"/>
+                  <a:satMod val="115000"/>
+                </a:srgbClr>
+              </a:gs>
+              <a:gs pos="92000">
+                <a:srgbClr val="DEA464">
+                  <a:shade val="100000"/>
+                  <a:satMod val="115000"/>
+                </a:srgbClr>
+              </a:gs>
+            </a:gsLst>
+            <a:lin ang="0" scaled="1"/>
+            <a:tileRect/>
+          </a:gradFill>
+          <a:ln w="25400" cap="flat" cmpd="sng" algn="ctr">
+            <a:noFill/>
+            <a:prstDash val="solid"/>
+          </a:ln>
+          <a:effectLst>
+            <a:outerShdw blurRad="50800" dist="38100" dir="16200000" rotWithShape="0">
+              <a:prstClr val="black">
+                <a:alpha val="40000"/>
+              </a:prstClr>
+            </a:outerShdw>
+          </a:effectLst>
+        </p:spPr>
+        <p:txBody>
+          <a:bodyPr rot="0" spcFirstLastPara="0" vertOverflow="overflow" horzOverflow="overflow" vert="horz" wrap="square" lIns="91440" tIns="45720" rIns="91440" bIns="45720" numCol="1" spcCol="0" rtlCol="0" fromWordArt="0" anchor="ctr" anchorCtr="0" forceAA="0" compatLnSpc="1">
+            <a:noAutofit/>
+          </a:bodyPr>
+          <a:lstStyle/>
+          <a:p>
+            <a:pPr marL="0" marR="0" lvl="0" indent="0" algn="ctr" defTabSz="914400" eaLnBrk="1" fontAlgn="auto" latinLnBrk="0" hangingPunct="1">
+              <a:lnSpc>
+                <a:spcPct val="100000"/>
+              </a:lnSpc>
+              <a:spcBef>
+                <a:spcPts val="0"/>
+              </a:spcBef>
+              <a:spcAft>
+                <a:spcPts val="0"/>
+              </a:spcAft>
+              <a:buClrTx/>
+              <a:buSzTx/>
+              <a:buFontTx/>
+              <a:buNone/>
+              <a:defRPr/>
+            </a:pPr>
+            <a:endParaRPr kumimoji="0" lang="en-US" sz="1800" b="0" i="0" u="none" strike="noStrike" kern="0" cap="none" spc="0" normalizeH="0" baseline="0" noProof="0">
+              <a:ln>
+                <a:noFill/>
+              </a:ln>
+              <a:solidFill>
+                <a:sysClr val="windowText" lastClr="000000"/>
+              </a:solidFill>
+              <a:effectLst/>
+              <a:uLnTx/>
+              <a:uFillTx/>
+              <a:latin typeface="Calibri" panose="020F0502020204030204"/>
+              <a:ea typeface="+mn-ea"/>
+              <a:cs typeface="+mn-cs"/>
+            </a:endParaRPr>
+          </a:p>
+        </p:txBody>
+      </p:sp>
+      <p:sp>
+        <p:nvSpPr>
+          <p:cNvPr id="43" name="TextBox 42"/>
+          <p:cNvSpPr txBox="1"/>
+          <p:nvPr/>
+        </p:nvSpPr>
+        <p:spPr>
+          <a:xfrm>
+            <a:off x="3137126" y="5260390"/>
+            <a:ext cx="5688632" cy="884794"/>
+          </a:xfrm>
+          <a:prstGeom prst="rect">
+            <a:avLst/>
+          </a:prstGeom>
+          <a:noFill/>
+        </p:spPr>
+        <p:txBody>
+          <a:bodyPr wrap="square" rtlCol="0">
+            <a:spAutoFit/>
+          </a:bodyPr>
+          <a:lstStyle>
+            <a:defPPr>
+              <a:defRPr lang="en-US"/>
+            </a:defPPr>
+            <a:lvl1pPr>
+              <a:lnSpc>
+                <a:spcPct val="130000"/>
+              </a:lnSpc>
+              <a:defRPr sz="5400" b="1">
+                <a:solidFill>
+                  <a:schemeClr val="tx1">
+                    <a:lumMod val="65000"/>
+                    <a:lumOff val="35000"/>
+                  </a:schemeClr>
+                </a:solidFill>
+                <a:latin typeface="Agency FB" pitchFamily="34" charset="0"/>
+                <a:ea typeface="微软雅黑" panose="020B0503020204020204" charset="-122"/>
+                <a:cs typeface="Calibri" panose="020F0502020204030204" pitchFamily="34" charset="0"/>
+              </a:defRPr>
+            </a:lvl1pPr>
+          </a:lstStyle>
+          <a:p>
+            <a:pPr marL="0" marR="0" lvl="0" indent="0" algn="ctr" defTabSz="914400" eaLnBrk="1" fontAlgn="auto" latinLnBrk="0" hangingPunct="1">
+              <a:lnSpc>
+                <a:spcPct val="130000"/>
+              </a:lnSpc>
+              <a:spcBef>
+                <a:spcPts val="0"/>
+              </a:spcBef>
+              <a:spcAft>
+                <a:spcPts val="0"/>
+              </a:spcAft>
+              <a:buClrTx/>
+              <a:buSzTx/>
+              <a:buFontTx/>
+              <a:buNone/>
+              <a:defRPr/>
+            </a:pPr>
+            <a:r>
+              <a:rPr lang="zh-CN" altLang="en-US" sz="4400" dirty="0">
+                <a:sym typeface="+mn-ea"/>
+              </a:rPr>
+              <a:t>接口测试</a:t>
+            </a:r>
+            <a:endParaRPr kumimoji="0" lang="zh-CN" altLang="en-US" sz="4400" b="1" i="0" u="none" strike="noStrike" kern="0" cap="none" spc="0" normalizeH="0" baseline="0" noProof="0" dirty="0">
+              <a:ln>
+                <a:noFill/>
+              </a:ln>
+              <a:solidFill>
+                <a:sysClr val="windowText" lastClr="000000">
+                  <a:lumMod val="75000"/>
+                  <a:lumOff val="25000"/>
+                </a:sysClr>
+              </a:solidFill>
+              <a:effectLst>
+                <a:outerShdw dist="38100" dir="5400000" algn="t" rotWithShape="0">
+                  <a:sysClr val="window" lastClr="FFFFFF">
+                    <a:alpha val="48000"/>
+                  </a:sysClr>
+                </a:outerShdw>
+              </a:effectLst>
+              <a:uLnTx/>
+              <a:uFillTx/>
+              <a:latin typeface="Agency FB" pitchFamily="34" charset="0"/>
+              <a:ea typeface="微软雅黑" panose="020B0503020204020204" charset="-122"/>
+              <a:cs typeface="Calibri" panose="020F0502020204030204" pitchFamily="34" charset="0"/>
+            </a:endParaRPr>
+          </a:p>
+        </p:txBody>
+      </p:sp>
+    </p:spTree>
+    <p:extLst>
+      <p:ext uri="{BB962C8B-B14F-4D97-AF65-F5344CB8AC3E}">
+        <p14:creationId xmlns:p14="http://schemas.microsoft.com/office/powerpoint/2010/main" val="488975706"/>
+      </p:ext>
+    </p:extLst>
+  </p:cSld>
+  <p:clrMapOvr>
+    <a:masterClrMapping/>
+  </p:clrMapOvr>
+</p:sld>
+</file>
+
+<file path=ppt/slides/slide19.xml><?xml version="1.0" encoding="utf-8"?>
+<p:sld xmlns:a="http://schemas.openxmlformats.org/drawingml/2006/main" xmlns:r="http://schemas.openxmlformats.org/officeDocument/2006/relationships" xmlns:p="http://schemas.openxmlformats.org/presentationml/2006/main">
+  <p:cSld>
+    <p:spTree>
+      <p:nvGrpSpPr>
+        <p:cNvPr id="1" name=""/>
+        <p:cNvGrpSpPr/>
+        <p:nvPr/>
+      </p:nvGrpSpPr>
+      <p:grpSpPr>
+        <a:xfrm>
+          <a:off x="0" y="0"/>
+          <a:ext cx="0" cy="0"/>
+          <a:chOff x="0" y="0"/>
+          <a:chExt cx="0" cy="0"/>
+        </a:xfrm>
+      </p:grpSpPr>
+      <p:sp>
+        <p:nvSpPr>
+          <p:cNvPr id="2" name="标题 1">
+            <a:extLst>
+              <a:ext uri="{FF2B5EF4-FFF2-40B4-BE49-F238E27FC236}">
+                <a16:creationId xmlns:a16="http://schemas.microsoft.com/office/drawing/2014/main" id="{8618B29A-C5E3-4C69-AFA7-60B61ACF11B6}"/>
+              </a:ext>
+            </a:extLst>
+          </p:cNvPr>
+          <p:cNvSpPr>
+            <a:spLocks noGrp="1"/>
+          </p:cNvSpPr>
+          <p:nvPr>
+            <p:ph type="title"/>
+          </p:nvPr>
+        </p:nvSpPr>
+        <p:spPr/>
+        <p:txBody>
+          <a:bodyPr/>
+          <a:lstStyle/>
+          <a:p>
+            <a:r>
+              <a:rPr lang="zh-CN" altLang="en-US" dirty="0"/>
+              <a:t>接口测试</a:t>
+            </a:r>
+            <a:r>
+              <a:rPr lang="en-US" altLang="zh-CN" dirty="0"/>
+              <a:t>-Postman</a:t>
+            </a:r>
+            <a:endParaRPr lang="zh-CN" altLang="en-US" dirty="0"/>
+          </a:p>
+        </p:txBody>
+      </p:sp>
+      <p:sp>
+        <p:nvSpPr>
+          <p:cNvPr id="3" name="文本框 2">
+            <a:extLst>
+              <a:ext uri="{FF2B5EF4-FFF2-40B4-BE49-F238E27FC236}">
+                <a16:creationId xmlns:a16="http://schemas.microsoft.com/office/drawing/2014/main" id="{64344D9A-E65D-4102-968E-6100AA67FEF5}"/>
+              </a:ext>
+            </a:extLst>
+          </p:cNvPr>
+          <p:cNvSpPr txBox="1"/>
+          <p:nvPr/>
+        </p:nvSpPr>
+        <p:spPr>
+          <a:xfrm>
+            <a:off x="669882" y="1393793"/>
+            <a:ext cx="10595881" cy="923330"/>
+          </a:xfrm>
+          <a:prstGeom prst="rect">
+            <a:avLst/>
+          </a:prstGeom>
+          <a:noFill/>
+        </p:spPr>
+        <p:txBody>
+          <a:bodyPr wrap="square" rtlCol="0">
+            <a:spAutoFit/>
+          </a:bodyPr>
+          <a:lstStyle/>
+          <a:p>
+            <a:r>
+              <a:rPr lang="zh-CN" altLang="en-US" dirty="0"/>
+              <a:t>登陆：因为</a:t>
+            </a:r>
+            <a:r>
+              <a:rPr lang="en-US" altLang="zh-CN" dirty="0"/>
+              <a:t>Security</a:t>
+            </a:r>
+            <a:r>
+              <a:rPr lang="zh-CN" altLang="en-US" dirty="0"/>
+              <a:t>安全验证，所以需要登录后获取</a:t>
+            </a:r>
+            <a:r>
+              <a:rPr lang="en-US" altLang="zh-CN" dirty="0"/>
+              <a:t>cookie</a:t>
+            </a:r>
+            <a:r>
+              <a:rPr lang="zh-CN" altLang="en-US" dirty="0"/>
+              <a:t>，在接下来的接口访问中将</a:t>
+            </a:r>
+            <a:r>
+              <a:rPr lang="en-US" altLang="zh-CN" dirty="0"/>
+              <a:t>cookie</a:t>
+            </a:r>
+            <a:r>
+              <a:rPr lang="zh-CN" altLang="en-US" dirty="0"/>
+              <a:t>填入</a:t>
+            </a:r>
+            <a:r>
+              <a:rPr lang="en-US" altLang="zh-CN" dirty="0"/>
+              <a:t>Headers</a:t>
+            </a:r>
+            <a:r>
+              <a:rPr lang="zh-CN" altLang="en-US" dirty="0"/>
+              <a:t>中才能正常测试。</a:t>
+            </a:r>
+            <a:endParaRPr lang="zh-CN" altLang="zh-CN" sz="4400" dirty="0">
+              <a:latin typeface="Arial" panose="020B0604020202020204" pitchFamily="34" charset="0"/>
+            </a:endParaRPr>
+          </a:p>
+          <a:p>
+            <a:endParaRPr lang="zh-CN" altLang="en-US" dirty="0"/>
+          </a:p>
+        </p:txBody>
+      </p:sp>
+      <p:pic>
+        <p:nvPicPr>
+          <p:cNvPr id="4" name="图片 3">
+            <a:extLst>
+              <a:ext uri="{FF2B5EF4-FFF2-40B4-BE49-F238E27FC236}">
+                <a16:creationId xmlns:a16="http://schemas.microsoft.com/office/drawing/2014/main" id="{CAAFE79E-C660-48C7-BDC5-F08BFB71C634}"/>
+              </a:ext>
+            </a:extLst>
+          </p:cNvPr>
+          <p:cNvPicPr>
+            <a:picLocks noChangeAspect="1"/>
+          </p:cNvPicPr>
+          <p:nvPr/>
+        </p:nvPicPr>
+        <p:blipFill>
+          <a:blip r:embed="rId2"/>
+          <a:stretch>
+            <a:fillRect/>
+          </a:stretch>
+        </p:blipFill>
+        <p:spPr>
+          <a:xfrm>
+            <a:off x="327003" y="2372608"/>
+            <a:ext cx="11751058" cy="3558848"/>
+          </a:xfrm>
+          <a:prstGeom prst="rect">
+            <a:avLst/>
+          </a:prstGeom>
+        </p:spPr>
+      </p:pic>
+    </p:spTree>
+    <p:extLst>
+      <p:ext uri="{BB962C8B-B14F-4D97-AF65-F5344CB8AC3E}">
+        <p14:creationId xmlns:p14="http://schemas.microsoft.com/office/powerpoint/2010/main" val="3668166307"/>
       </p:ext>
     </p:extLst>
   </p:cSld>
@@ -15760,633 +15716,6 @@
       </p:grpSpPr>
       <p:pic>
         <p:nvPicPr>
-          <p:cNvPr id="23" name="Picture 3"/>
-          <p:cNvPicPr>
-            <a:picLocks noChangeAspect="1" noChangeArrowheads="1"/>
-          </p:cNvPicPr>
-          <p:nvPr/>
-        </p:nvPicPr>
-        <p:blipFill rotWithShape="1">
-          <a:blip r:embed="rId3" cstate="print">
-            <a:extLst>
-              <a:ext uri="{28A0092B-C50C-407E-A947-70E740481C1C}">
-                <a14:useLocalDpi xmlns:a14="http://schemas.microsoft.com/office/drawing/2010/main" val="0"/>
-              </a:ext>
-            </a:extLst>
-          </a:blip>
-          <a:srcRect l="2767" r="7205" b="57679"/>
-          <a:stretch>
-            <a:fillRect/>
-          </a:stretch>
-        </p:blipFill>
-        <p:spPr bwMode="auto">
-          <a:xfrm rot="10800000" flipH="1" flipV="1">
-            <a:off x="1187150" y="4617245"/>
-            <a:ext cx="9295641" cy="251915"/>
-          </a:xfrm>
-          <a:prstGeom prst="rect">
-            <a:avLst/>
-          </a:prstGeom>
-          <a:noFill/>
-          <a:ln>
-            <a:noFill/>
-          </a:ln>
-          <a:effectLst/>
-          <a:extLst>
-            <a:ext uri="{909E8E84-426E-40DD-AFC4-6F175D3DCCD1}">
-              <a14:hiddenFill xmlns:a14="http://schemas.microsoft.com/office/drawing/2010/main">
-                <a:solidFill>
-                  <a:schemeClr val="accent1"/>
-                </a:solidFill>
-              </a14:hiddenFill>
-            </a:ext>
-            <a:ext uri="{91240B29-F687-4F45-9708-019B960494DF}">
-              <a14:hiddenLine xmlns:a14="http://schemas.microsoft.com/office/drawing/2010/main" w="9525">
-                <a:solidFill>
-                  <a:schemeClr val="tx1"/>
-                </a:solidFill>
-                <a:miter lim="800000"/>
-                <a:headEnd/>
-                <a:tailEnd/>
-              </a14:hiddenLine>
-            </a:ext>
-            <a:ext uri="{AF507438-7753-43E0-B8FC-AC1667EBCBE1}">
-              <a14:hiddenEffects xmlns:a14="http://schemas.microsoft.com/office/drawing/2010/main">
-                <a:effectLst>
-                  <a:outerShdw dist="35921" dir="2700000" algn="ctr" rotWithShape="0">
-                    <a:schemeClr val="bg2"/>
-                  </a:outerShdw>
-                </a:effectLst>
-              </a14:hiddenEffects>
-            </a:ext>
-          </a:extLst>
-        </p:spPr>
-      </p:pic>
-      <p:sp>
-        <p:nvSpPr>
-          <p:cNvPr id="24" name="圆角矩形 23"/>
-          <p:cNvSpPr/>
-          <p:nvPr/>
-        </p:nvSpPr>
-        <p:spPr>
-          <a:xfrm rot="20935880">
-            <a:off x="4381264" y="3172417"/>
-            <a:ext cx="193241" cy="2366303"/>
-          </a:xfrm>
-          <a:prstGeom prst="roundRect">
-            <a:avLst>
-              <a:gd name="adj" fmla="val 50000"/>
-            </a:avLst>
-          </a:prstGeom>
-          <a:gradFill flip="none" rotWithShape="1">
-            <a:gsLst>
-              <a:gs pos="100000">
-                <a:srgbClr val="878787"/>
-              </a:gs>
-              <a:gs pos="0">
-                <a:sysClr val="window" lastClr="FFFFFF">
-                  <a:lumMod val="85000"/>
-                  <a:shade val="30000"/>
-                  <a:satMod val="115000"/>
-                </a:sysClr>
-              </a:gs>
-              <a:gs pos="45000">
-                <a:sysClr val="window" lastClr="FFFFFF">
-                  <a:lumMod val="85000"/>
-                  <a:shade val="67500"/>
-                  <a:satMod val="115000"/>
-                </a:sysClr>
-              </a:gs>
-              <a:gs pos="62000">
-                <a:sysClr val="window" lastClr="FFFFFF">
-                  <a:lumMod val="85000"/>
-                  <a:shade val="100000"/>
-                  <a:satMod val="115000"/>
-                </a:sysClr>
-              </a:gs>
-            </a:gsLst>
-            <a:lin ang="10800000" scaled="1"/>
-            <a:tileRect/>
-          </a:gradFill>
-          <a:ln w="25400" cap="flat" cmpd="sng" algn="ctr">
-            <a:noFill/>
-            <a:prstDash val="solid"/>
-          </a:ln>
-          <a:effectLst/>
-        </p:spPr>
-        <p:txBody>
-          <a:bodyPr rot="0" spcFirstLastPara="0" vertOverflow="overflow" horzOverflow="overflow" vert="horz" wrap="square" lIns="91440" tIns="45720" rIns="91440" bIns="45720" numCol="1" spcCol="0" rtlCol="0" fromWordArt="0" anchor="ctr" anchorCtr="0" forceAA="0" compatLnSpc="1">
-            <a:noAutofit/>
-          </a:bodyPr>
-          <a:lstStyle/>
-          <a:p>
-            <a:pPr marL="0" marR="0" lvl="0" indent="0" algn="ctr" defTabSz="914400" eaLnBrk="1" fontAlgn="auto" latinLnBrk="0" hangingPunct="1">
-              <a:lnSpc>
-                <a:spcPct val="100000"/>
-              </a:lnSpc>
-              <a:spcBef>
-                <a:spcPts val="0"/>
-              </a:spcBef>
-              <a:spcAft>
-                <a:spcPts val="0"/>
-              </a:spcAft>
-              <a:buClrTx/>
-              <a:buSzTx/>
-              <a:buFontTx/>
-              <a:buNone/>
-              <a:defRPr/>
-            </a:pPr>
-            <a:endParaRPr kumimoji="0" lang="en-US" sz="1800" b="0" i="0" u="none" strike="noStrike" kern="0" cap="none" spc="0" normalizeH="0" baseline="0" noProof="0">
-              <a:ln>
-                <a:noFill/>
-              </a:ln>
-              <a:solidFill>
-                <a:sysClr val="windowText" lastClr="000000"/>
-              </a:solidFill>
-              <a:effectLst/>
-              <a:uLnTx/>
-              <a:uFillTx/>
-              <a:latin typeface="Calibri" panose="020F0502020204030204"/>
-              <a:ea typeface="+mn-ea"/>
-              <a:cs typeface="+mn-cs"/>
-            </a:endParaRPr>
-          </a:p>
-        </p:txBody>
-      </p:sp>
-      <p:sp>
-        <p:nvSpPr>
-          <p:cNvPr id="28" name="圆角矩形 27"/>
-          <p:cNvSpPr/>
-          <p:nvPr/>
-        </p:nvSpPr>
-        <p:spPr>
-          <a:xfrm rot="963333">
-            <a:off x="7468164" y="2895766"/>
-            <a:ext cx="224541" cy="2664296"/>
-          </a:xfrm>
-          <a:prstGeom prst="roundRect">
-            <a:avLst>
-              <a:gd name="adj" fmla="val 50000"/>
-            </a:avLst>
-          </a:prstGeom>
-          <a:gradFill flip="none" rotWithShape="1">
-            <a:gsLst>
-              <a:gs pos="100000">
-                <a:srgbClr val="878787"/>
-              </a:gs>
-              <a:gs pos="0">
-                <a:sysClr val="window" lastClr="FFFFFF">
-                  <a:lumMod val="85000"/>
-                  <a:shade val="30000"/>
-                  <a:satMod val="115000"/>
-                </a:sysClr>
-              </a:gs>
-              <a:gs pos="45000">
-                <a:sysClr val="window" lastClr="FFFFFF">
-                  <a:lumMod val="85000"/>
-                  <a:shade val="67500"/>
-                  <a:satMod val="115000"/>
-                </a:sysClr>
-              </a:gs>
-              <a:gs pos="62000">
-                <a:sysClr val="window" lastClr="FFFFFF">
-                  <a:lumMod val="85000"/>
-                  <a:shade val="100000"/>
-                  <a:satMod val="115000"/>
-                </a:sysClr>
-              </a:gs>
-            </a:gsLst>
-            <a:lin ang="10800000" scaled="1"/>
-            <a:tileRect/>
-          </a:gradFill>
-          <a:ln w="25400" cap="flat" cmpd="sng" algn="ctr">
-            <a:noFill/>
-            <a:prstDash val="solid"/>
-          </a:ln>
-          <a:effectLst/>
-        </p:spPr>
-        <p:txBody>
-          <a:bodyPr rot="0" spcFirstLastPara="0" vertOverflow="overflow" horzOverflow="overflow" vert="horz" wrap="square" lIns="91440" tIns="45720" rIns="91440" bIns="45720" numCol="1" spcCol="0" rtlCol="0" fromWordArt="0" anchor="ctr" anchorCtr="0" forceAA="0" compatLnSpc="1">
-            <a:noAutofit/>
-          </a:bodyPr>
-          <a:lstStyle/>
-          <a:p>
-            <a:pPr marL="0" marR="0" lvl="0" indent="0" algn="ctr" defTabSz="914400" eaLnBrk="1" fontAlgn="auto" latinLnBrk="0" hangingPunct="1">
-              <a:lnSpc>
-                <a:spcPct val="100000"/>
-              </a:lnSpc>
-              <a:spcBef>
-                <a:spcPts val="0"/>
-              </a:spcBef>
-              <a:spcAft>
-                <a:spcPts val="0"/>
-              </a:spcAft>
-              <a:buClrTx/>
-              <a:buSzTx/>
-              <a:buFontTx/>
-              <a:buNone/>
-              <a:defRPr/>
-            </a:pPr>
-            <a:endParaRPr kumimoji="0" lang="en-US" sz="1800" b="0" i="0" u="none" strike="noStrike" kern="0" cap="none" spc="0" normalizeH="0" baseline="0" noProof="0">
-              <a:ln>
-                <a:noFill/>
-              </a:ln>
-              <a:solidFill>
-                <a:sysClr val="windowText" lastClr="000000"/>
-              </a:solidFill>
-              <a:effectLst/>
-              <a:uLnTx/>
-              <a:uFillTx/>
-              <a:latin typeface="Calibri" panose="020F0502020204030204"/>
-              <a:ea typeface="+mn-ea"/>
-              <a:cs typeface="+mn-cs"/>
-            </a:endParaRPr>
-          </a:p>
-        </p:txBody>
-      </p:sp>
-      <p:sp>
-        <p:nvSpPr>
-          <p:cNvPr id="33" name="矩形 32"/>
-          <p:cNvSpPr/>
-          <p:nvPr/>
-        </p:nvSpPr>
-        <p:spPr>
-          <a:xfrm>
-            <a:off x="1524000" y="4869160"/>
-            <a:ext cx="9144000" cy="1656184"/>
-          </a:xfrm>
-          <a:prstGeom prst="rect">
-            <a:avLst/>
-          </a:prstGeom>
-          <a:gradFill flip="none" rotWithShape="1">
-            <a:gsLst>
-              <a:gs pos="48320">
-                <a:srgbClr val="E6C29A"/>
-              </a:gs>
-              <a:gs pos="100000">
-                <a:srgbClr val="8C6233"/>
-              </a:gs>
-              <a:gs pos="0">
-                <a:srgbClr val="DEA464">
-                  <a:shade val="30000"/>
-                  <a:satMod val="115000"/>
-                </a:srgbClr>
-              </a:gs>
-              <a:gs pos="8000">
-                <a:srgbClr val="DEA464">
-                  <a:shade val="67500"/>
-                  <a:satMod val="115000"/>
-                </a:srgbClr>
-              </a:gs>
-              <a:gs pos="92000">
-                <a:srgbClr val="DEA464">
-                  <a:shade val="100000"/>
-                  <a:satMod val="115000"/>
-                </a:srgbClr>
-              </a:gs>
-            </a:gsLst>
-            <a:lin ang="0" scaled="1"/>
-            <a:tileRect/>
-          </a:gradFill>
-          <a:ln w="25400" cap="flat" cmpd="sng" algn="ctr">
-            <a:noFill/>
-            <a:prstDash val="solid"/>
-          </a:ln>
-          <a:effectLst>
-            <a:outerShdw blurRad="50800" dist="38100" dir="16200000" rotWithShape="0">
-              <a:prstClr val="black">
-                <a:alpha val="40000"/>
-              </a:prstClr>
-            </a:outerShdw>
-          </a:effectLst>
-        </p:spPr>
-        <p:txBody>
-          <a:bodyPr rot="0" spcFirstLastPara="0" vertOverflow="overflow" horzOverflow="overflow" vert="horz" wrap="square" lIns="91440" tIns="45720" rIns="91440" bIns="45720" numCol="1" spcCol="0" rtlCol="0" fromWordArt="0" anchor="ctr" anchorCtr="0" forceAA="0" compatLnSpc="1">
-            <a:noAutofit/>
-          </a:bodyPr>
-          <a:lstStyle/>
-          <a:p>
-            <a:pPr marL="0" marR="0" lvl="0" indent="0" algn="ctr" defTabSz="914400" eaLnBrk="1" fontAlgn="auto" latinLnBrk="0" hangingPunct="1">
-              <a:lnSpc>
-                <a:spcPct val="100000"/>
-              </a:lnSpc>
-              <a:spcBef>
-                <a:spcPts val="0"/>
-              </a:spcBef>
-              <a:spcAft>
-                <a:spcPts val="0"/>
-              </a:spcAft>
-              <a:buClrTx/>
-              <a:buSzTx/>
-              <a:buFontTx/>
-              <a:buNone/>
-              <a:defRPr/>
-            </a:pPr>
-            <a:endParaRPr kumimoji="0" lang="en-US" sz="1800" b="0" i="0" u="none" strike="noStrike" kern="0" cap="none" spc="0" normalizeH="0" baseline="0" noProof="0">
-              <a:ln>
-                <a:noFill/>
-              </a:ln>
-              <a:solidFill>
-                <a:sysClr val="windowText" lastClr="000000"/>
-              </a:solidFill>
-              <a:effectLst/>
-              <a:uLnTx/>
-              <a:uFillTx/>
-              <a:latin typeface="Calibri" panose="020F0502020204030204"/>
-              <a:ea typeface="+mn-ea"/>
-              <a:cs typeface="+mn-cs"/>
-            </a:endParaRPr>
-          </a:p>
-        </p:txBody>
-      </p:sp>
-      <p:sp>
-        <p:nvSpPr>
-          <p:cNvPr id="43" name="TextBox 42"/>
-          <p:cNvSpPr txBox="1"/>
-          <p:nvPr/>
-        </p:nvSpPr>
-        <p:spPr>
-          <a:xfrm>
-            <a:off x="3137126" y="5260390"/>
-            <a:ext cx="5688632" cy="884794"/>
-          </a:xfrm>
-          <a:prstGeom prst="rect">
-            <a:avLst/>
-          </a:prstGeom>
-          <a:noFill/>
-        </p:spPr>
-        <p:txBody>
-          <a:bodyPr wrap="square" rtlCol="0">
-            <a:spAutoFit/>
-          </a:bodyPr>
-          <a:lstStyle>
-            <a:defPPr>
-              <a:defRPr lang="en-US"/>
-            </a:defPPr>
-            <a:lvl1pPr>
-              <a:lnSpc>
-                <a:spcPct val="130000"/>
-              </a:lnSpc>
-              <a:defRPr sz="5400" b="1">
-                <a:solidFill>
-                  <a:schemeClr val="tx1">
-                    <a:lumMod val="65000"/>
-                    <a:lumOff val="35000"/>
-                  </a:schemeClr>
-                </a:solidFill>
-                <a:latin typeface="Agency FB" pitchFamily="34" charset="0"/>
-                <a:ea typeface="微软雅黑" panose="020B0503020204020204" charset="-122"/>
-                <a:cs typeface="Calibri" panose="020F0502020204030204" pitchFamily="34" charset="0"/>
-              </a:defRPr>
-            </a:lvl1pPr>
-          </a:lstStyle>
-          <a:p>
-            <a:pPr marL="0" marR="0" lvl="0" indent="0" algn="ctr" defTabSz="914400" eaLnBrk="1" fontAlgn="auto" latinLnBrk="0" hangingPunct="1">
-              <a:lnSpc>
-                <a:spcPct val="130000"/>
-              </a:lnSpc>
-              <a:spcBef>
-                <a:spcPts val="0"/>
-              </a:spcBef>
-              <a:spcAft>
-                <a:spcPts val="0"/>
-              </a:spcAft>
-              <a:buClrTx/>
-              <a:buSzTx/>
-              <a:buFontTx/>
-              <a:buNone/>
-              <a:defRPr/>
-            </a:pPr>
-            <a:r>
-              <a:rPr lang="zh-CN" altLang="en-US" sz="4400" dirty="0">
-                <a:sym typeface="+mn-ea"/>
-              </a:rPr>
-              <a:t>接口测试</a:t>
-            </a:r>
-            <a:endParaRPr kumimoji="0" lang="zh-CN" altLang="en-US" sz="4400" b="1" i="0" u="none" strike="noStrike" kern="0" cap="none" spc="0" normalizeH="0" baseline="0" noProof="0" dirty="0">
-              <a:ln>
-                <a:noFill/>
-              </a:ln>
-              <a:solidFill>
-                <a:sysClr val="windowText" lastClr="000000">
-                  <a:lumMod val="75000"/>
-                  <a:lumOff val="25000"/>
-                </a:sysClr>
-              </a:solidFill>
-              <a:effectLst>
-                <a:outerShdw dist="38100" dir="5400000" algn="t" rotWithShape="0">
-                  <a:sysClr val="window" lastClr="FFFFFF">
-                    <a:alpha val="48000"/>
-                  </a:sysClr>
-                </a:outerShdw>
-              </a:effectLst>
-              <a:uLnTx/>
-              <a:uFillTx/>
-              <a:latin typeface="Agency FB" pitchFamily="34" charset="0"/>
-              <a:ea typeface="微软雅黑" panose="020B0503020204020204" charset="-122"/>
-              <a:cs typeface="Calibri" panose="020F0502020204030204" pitchFamily="34" charset="0"/>
-            </a:endParaRPr>
-          </a:p>
-        </p:txBody>
-      </p:sp>
-    </p:spTree>
-    <p:extLst>
-      <p:ext uri="{BB962C8B-B14F-4D97-AF65-F5344CB8AC3E}">
-        <p14:creationId xmlns:p14="http://schemas.microsoft.com/office/powerpoint/2010/main" val="488975706"/>
-      </p:ext>
-    </p:extLst>
-  </p:cSld>
-  <p:clrMapOvr>
-    <a:masterClrMapping/>
-  </p:clrMapOvr>
-</p:sld>
-</file>
-
-<file path=ppt/slides/slide21.xml><?xml version="1.0" encoding="utf-8"?>
-<p:sld xmlns:a="http://schemas.openxmlformats.org/drawingml/2006/main" xmlns:r="http://schemas.openxmlformats.org/officeDocument/2006/relationships" xmlns:p="http://schemas.openxmlformats.org/presentationml/2006/main">
-  <p:cSld>
-    <p:spTree>
-      <p:nvGrpSpPr>
-        <p:cNvPr id="1" name=""/>
-        <p:cNvGrpSpPr/>
-        <p:nvPr/>
-      </p:nvGrpSpPr>
-      <p:grpSpPr>
-        <a:xfrm>
-          <a:off x="0" y="0"/>
-          <a:ext cx="0" cy="0"/>
-          <a:chOff x="0" y="0"/>
-          <a:chExt cx="0" cy="0"/>
-        </a:xfrm>
-      </p:grpSpPr>
-      <p:sp>
-        <p:nvSpPr>
-          <p:cNvPr id="2" name="标题 1">
-            <a:extLst>
-              <a:ext uri="{FF2B5EF4-FFF2-40B4-BE49-F238E27FC236}">
-                <a16:creationId xmlns:a16="http://schemas.microsoft.com/office/drawing/2014/main" id="{8618B29A-C5E3-4C69-AFA7-60B61ACF11B6}"/>
-              </a:ext>
-            </a:extLst>
-          </p:cNvPr>
-          <p:cNvSpPr>
-            <a:spLocks noGrp="1"/>
-          </p:cNvSpPr>
-          <p:nvPr>
-            <p:ph type="title"/>
-          </p:nvPr>
-        </p:nvSpPr>
-        <p:spPr/>
-        <p:txBody>
-          <a:bodyPr/>
-          <a:lstStyle/>
-          <a:p>
-            <a:r>
-              <a:rPr lang="zh-CN" altLang="en-US" dirty="0"/>
-              <a:t>接口测试</a:t>
-            </a:r>
-            <a:r>
-              <a:rPr lang="en-US" altLang="zh-CN" dirty="0"/>
-              <a:t>-Postman</a:t>
-            </a:r>
-            <a:endParaRPr lang="zh-CN" altLang="en-US" dirty="0"/>
-          </a:p>
-        </p:txBody>
-      </p:sp>
-      <p:sp>
-        <p:nvSpPr>
-          <p:cNvPr id="3" name="文本框 2">
-            <a:extLst>
-              <a:ext uri="{FF2B5EF4-FFF2-40B4-BE49-F238E27FC236}">
-                <a16:creationId xmlns:a16="http://schemas.microsoft.com/office/drawing/2014/main" id="{64344D9A-E65D-4102-968E-6100AA67FEF5}"/>
-              </a:ext>
-            </a:extLst>
-          </p:cNvPr>
-          <p:cNvSpPr txBox="1"/>
-          <p:nvPr/>
-        </p:nvSpPr>
-        <p:spPr>
-          <a:xfrm>
-            <a:off x="669882" y="1393793"/>
-            <a:ext cx="10595881" cy="923330"/>
-          </a:xfrm>
-          <a:prstGeom prst="rect">
-            <a:avLst/>
-          </a:prstGeom>
-          <a:noFill/>
-        </p:spPr>
-        <p:txBody>
-          <a:bodyPr wrap="square" rtlCol="0">
-            <a:spAutoFit/>
-          </a:bodyPr>
-          <a:lstStyle/>
-          <a:p>
-            <a:r>
-              <a:rPr lang="zh-CN" altLang="en-US" dirty="0"/>
-              <a:t>登陆：因为</a:t>
-            </a:r>
-            <a:r>
-              <a:rPr lang="en-US" altLang="zh-CN" dirty="0"/>
-              <a:t>Security</a:t>
-            </a:r>
-            <a:r>
-              <a:rPr lang="zh-CN" altLang="en-US" dirty="0"/>
-              <a:t>安全验证，所以需要登录后获取</a:t>
-            </a:r>
-            <a:r>
-              <a:rPr lang="en-US" altLang="zh-CN" dirty="0"/>
-              <a:t>cookie</a:t>
-            </a:r>
-            <a:r>
-              <a:rPr lang="zh-CN" altLang="en-US" dirty="0"/>
-              <a:t>，在接下来的接口访问中将</a:t>
-            </a:r>
-            <a:r>
-              <a:rPr lang="en-US" altLang="zh-CN" dirty="0"/>
-              <a:t>cookie</a:t>
-            </a:r>
-            <a:r>
-              <a:rPr lang="zh-CN" altLang="en-US" dirty="0"/>
-              <a:t>填入</a:t>
-            </a:r>
-            <a:r>
-              <a:rPr lang="en-US" altLang="zh-CN" dirty="0"/>
-              <a:t>Headers</a:t>
-            </a:r>
-            <a:r>
-              <a:rPr lang="zh-CN" altLang="en-US" dirty="0"/>
-              <a:t>中才能正常测试。</a:t>
-            </a:r>
-            <a:endParaRPr lang="zh-CN" altLang="zh-CN" sz="4400" dirty="0">
-              <a:latin typeface="Arial" panose="020B0604020202020204" pitchFamily="34" charset="0"/>
-            </a:endParaRPr>
-          </a:p>
-          <a:p>
-            <a:endParaRPr lang="zh-CN" altLang="en-US" dirty="0"/>
-          </a:p>
-        </p:txBody>
-      </p:sp>
-      <p:pic>
-        <p:nvPicPr>
-          <p:cNvPr id="4" name="图片 3">
-            <a:extLst>
-              <a:ext uri="{FF2B5EF4-FFF2-40B4-BE49-F238E27FC236}">
-                <a16:creationId xmlns:a16="http://schemas.microsoft.com/office/drawing/2014/main" id="{CAAFE79E-C660-48C7-BDC5-F08BFB71C634}"/>
-              </a:ext>
-            </a:extLst>
-          </p:cNvPr>
-          <p:cNvPicPr>
-            <a:picLocks noChangeAspect="1"/>
-          </p:cNvPicPr>
-          <p:nvPr/>
-        </p:nvPicPr>
-        <p:blipFill>
-          <a:blip r:embed="rId2"/>
-          <a:stretch>
-            <a:fillRect/>
-          </a:stretch>
-        </p:blipFill>
-        <p:spPr>
-          <a:xfrm>
-            <a:off x="327003" y="2372608"/>
-            <a:ext cx="11751058" cy="3558848"/>
-          </a:xfrm>
-          <a:prstGeom prst="rect">
-            <a:avLst/>
-          </a:prstGeom>
-        </p:spPr>
-      </p:pic>
-    </p:spTree>
-    <p:extLst>
-      <p:ext uri="{BB962C8B-B14F-4D97-AF65-F5344CB8AC3E}">
-        <p14:creationId xmlns:p14="http://schemas.microsoft.com/office/powerpoint/2010/main" val="3668166307"/>
-      </p:ext>
-    </p:extLst>
-  </p:cSld>
-  <p:clrMapOvr>
-    <a:masterClrMapping/>
-  </p:clrMapOvr>
-</p:sld>
-</file>
-
-<file path=ppt/slides/slide22.xml><?xml version="1.0" encoding="utf-8"?>
-<p:sld xmlns:a="http://schemas.openxmlformats.org/drawingml/2006/main" xmlns:r="http://schemas.openxmlformats.org/officeDocument/2006/relationships" xmlns:p="http://schemas.openxmlformats.org/presentationml/2006/main">
-  <p:cSld>
-    <p:spTree>
-      <p:nvGrpSpPr>
-        <p:cNvPr id="1" name=""/>
-        <p:cNvGrpSpPr/>
-        <p:nvPr/>
-      </p:nvGrpSpPr>
-      <p:grpSpPr>
-        <a:xfrm>
-          <a:off x="0" y="0"/>
-          <a:ext cx="0" cy="0"/>
-          <a:chOff x="0" y="0"/>
-          <a:chExt cx="0" cy="0"/>
-        </a:xfrm>
-      </p:grpSpPr>
-      <p:pic>
-        <p:nvPicPr>
           <p:cNvPr id="4" name="图片 3">
             <a:extLst>
               <a:ext uri="{FF2B5EF4-FFF2-40B4-BE49-F238E27FC236}">
@@ -16458,7 +15787,7 @@
 </p:sld>
 </file>
 
-<file path=ppt/slides/slide23.xml><?xml version="1.0" encoding="utf-8"?>
+<file path=ppt/slides/slide21.xml><?xml version="1.0" encoding="utf-8"?>
 <p:sld xmlns:a="http://schemas.openxmlformats.org/drawingml/2006/main" xmlns:r="http://schemas.openxmlformats.org/officeDocument/2006/relationships" xmlns:p="http://schemas.openxmlformats.org/presentationml/2006/main">
   <p:cSld>
     <p:spTree>
@@ -16596,7 +15925,7 @@
 </p:sld>
 </file>
 
-<file path=ppt/slides/slide24.xml><?xml version="1.0" encoding="utf-8"?>
+<file path=ppt/slides/slide22.xml><?xml version="1.0" encoding="utf-8"?>
 <p:sld xmlns:a="http://schemas.openxmlformats.org/drawingml/2006/main" xmlns:r="http://schemas.openxmlformats.org/officeDocument/2006/relationships" xmlns:p="http://schemas.openxmlformats.org/presentationml/2006/main">
   <p:cSld>
     <p:spTree>
@@ -16871,7 +16200,7 @@
 </p:sld>
 </file>
 
-<file path=ppt/slides/slide25.xml><?xml version="1.0" encoding="utf-8"?>
+<file path=ppt/slides/slide23.xml><?xml version="1.0" encoding="utf-8"?>
 <p:sld xmlns:a="http://schemas.openxmlformats.org/drawingml/2006/main" xmlns:r="http://schemas.openxmlformats.org/officeDocument/2006/relationships" xmlns:p="http://schemas.openxmlformats.org/presentationml/2006/main">
   <p:cSld>
     <p:spTree>
@@ -17332,7 +16661,7 @@
 </p:sld>
 </file>
 
-<file path=ppt/slides/slide26.xml><?xml version="1.0" encoding="utf-8"?>
+<file path=ppt/slides/slide24.xml><?xml version="1.0" encoding="utf-8"?>
 <p:sld xmlns:a="http://schemas.openxmlformats.org/drawingml/2006/main" xmlns:r="http://schemas.openxmlformats.org/officeDocument/2006/relationships" xmlns:p="http://schemas.openxmlformats.org/presentationml/2006/main">
   <p:cSld>
     <p:spTree>
@@ -17445,7 +16774,7 @@
 </p:sld>
 </file>
 
-<file path=ppt/slides/slide27.xml><?xml version="1.0" encoding="utf-8"?>
+<file path=ppt/slides/slide25.xml><?xml version="1.0" encoding="utf-8"?>
 <p:sld xmlns:a="http://schemas.openxmlformats.org/drawingml/2006/main" xmlns:r="http://schemas.openxmlformats.org/officeDocument/2006/relationships" xmlns:p="http://schemas.openxmlformats.org/presentationml/2006/main">
   <p:cSld>
     <p:spTree>
@@ -17732,7 +17061,7 @@
 </p:sld>
 </file>
 
-<file path=ppt/slides/slide28.xml><?xml version="1.0" encoding="utf-8"?>
+<file path=ppt/slides/slide26.xml><?xml version="1.0" encoding="utf-8"?>
 <p:sld xmlns:a="http://schemas.openxmlformats.org/drawingml/2006/main" xmlns:r="http://schemas.openxmlformats.org/officeDocument/2006/relationships" xmlns:p="http://schemas.openxmlformats.org/presentationml/2006/main">
   <p:cSld>
     <p:spTree>
@@ -17883,7 +17212,7 @@
 </p:sld>
 </file>
 
-<file path=ppt/slides/slide29.xml><?xml version="1.0" encoding="utf-8"?>
+<file path=ppt/slides/slide27.xml><?xml version="1.0" encoding="utf-8"?>
 <p:sld xmlns:a="http://schemas.openxmlformats.org/drawingml/2006/main" xmlns:r="http://schemas.openxmlformats.org/officeDocument/2006/relationships" xmlns:p="http://schemas.openxmlformats.org/presentationml/2006/main">
   <p:cSld>
     <p:spTree>
@@ -18024,6 +17353,308 @@
     <p:extLst>
       <p:ext uri="{BB962C8B-B14F-4D97-AF65-F5344CB8AC3E}">
         <p14:creationId xmlns:p14="http://schemas.microsoft.com/office/powerpoint/2010/main" val="2322084425"/>
+      </p:ext>
+    </p:extLst>
+  </p:cSld>
+  <p:clrMapOvr>
+    <a:masterClrMapping/>
+  </p:clrMapOvr>
+</p:sld>
+</file>
+
+<file path=ppt/slides/slide28.xml><?xml version="1.0" encoding="utf-8"?>
+<p:sld xmlns:a="http://schemas.openxmlformats.org/drawingml/2006/main" xmlns:r="http://schemas.openxmlformats.org/officeDocument/2006/relationships" xmlns:p="http://schemas.openxmlformats.org/presentationml/2006/main">
+  <p:cSld>
+    <p:spTree>
+      <p:nvGrpSpPr>
+        <p:cNvPr id="1" name=""/>
+        <p:cNvGrpSpPr/>
+        <p:nvPr/>
+      </p:nvGrpSpPr>
+      <p:grpSpPr>
+        <a:xfrm>
+          <a:off x="0" y="0"/>
+          <a:ext cx="0" cy="0"/>
+          <a:chOff x="0" y="0"/>
+          <a:chExt cx="0" cy="0"/>
+        </a:xfrm>
+      </p:grpSpPr>
+      <p:sp>
+        <p:nvSpPr>
+          <p:cNvPr id="3" name="标题 1">
+            <a:extLst>
+              <a:ext uri="{FF2B5EF4-FFF2-40B4-BE49-F238E27FC236}">
+                <a16:creationId xmlns:a16="http://schemas.microsoft.com/office/drawing/2014/main" id="{F34B5B6F-B070-4819-B270-522F2C52B97C}"/>
+              </a:ext>
+            </a:extLst>
+          </p:cNvPr>
+          <p:cNvSpPr txBox="1">
+            <a:spLocks/>
+          </p:cNvSpPr>
+          <p:nvPr/>
+        </p:nvSpPr>
+        <p:spPr>
+          <a:xfrm>
+            <a:off x="669882" y="432000"/>
+            <a:ext cx="10852237" cy="648000"/>
+          </a:xfrm>
+          <a:prstGeom prst="rect">
+            <a:avLst/>
+          </a:prstGeom>
+        </p:spPr>
+        <p:txBody>
+          <a:bodyPr/>
+          <a:lstStyle>
+            <a:lvl1pPr algn="l" defTabSz="914400" rtl="0" eaLnBrk="1" fontAlgn="auto" latinLnBrk="0" hangingPunct="1">
+              <a:lnSpc>
+                <a:spcPct val="100000"/>
+              </a:lnSpc>
+              <a:spcBef>
+                <a:spcPct val="0"/>
+              </a:spcBef>
+              <a:buNone/>
+              <a:defRPr sz="2800" b="1" u="none" strike="noStrike" kern="1200" cap="none" spc="200" normalizeH="0">
+                <a:solidFill>
+                  <a:schemeClr val="tx1"/>
+                </a:solidFill>
+                <a:uFillTx/>
+                <a:latin typeface="+mj-lt"/>
+                <a:ea typeface="+mj-ea"/>
+                <a:cs typeface="+mj-cs"/>
+              </a:defRPr>
+            </a:lvl1pPr>
+          </a:lstStyle>
+          <a:p>
+            <a:r>
+              <a:rPr lang="zh-CN" altLang="en-US" dirty="0"/>
+              <a:t>系统测试</a:t>
+            </a:r>
+            <a:r>
+              <a:rPr lang="en-US" altLang="zh-CN" dirty="0"/>
+              <a:t>——</a:t>
+            </a:r>
+            <a:r>
+              <a:rPr lang="zh-CN" altLang="en-US" dirty="0"/>
+              <a:t>预约场馆</a:t>
+            </a:r>
+          </a:p>
+        </p:txBody>
+      </p:sp>
+      <p:pic>
+        <p:nvPicPr>
+          <p:cNvPr id="5" name="图片 4">
+            <a:extLst>
+              <a:ext uri="{FF2B5EF4-FFF2-40B4-BE49-F238E27FC236}">
+                <a16:creationId xmlns:a16="http://schemas.microsoft.com/office/drawing/2014/main" id="{E4EE8F96-7A55-4B9A-9E00-33D34D6A925C}"/>
+              </a:ext>
+            </a:extLst>
+          </p:cNvPr>
+          <p:cNvPicPr>
+            <a:picLocks noChangeAspect="1"/>
+          </p:cNvPicPr>
+          <p:nvPr/>
+        </p:nvPicPr>
+        <p:blipFill>
+          <a:blip r:embed="rId2"/>
+          <a:stretch>
+            <a:fillRect/>
+          </a:stretch>
+        </p:blipFill>
+        <p:spPr>
+          <a:xfrm>
+            <a:off x="3405051" y="1192938"/>
+            <a:ext cx="8229600" cy="2695575"/>
+          </a:xfrm>
+          <a:prstGeom prst="rect">
+            <a:avLst/>
+          </a:prstGeom>
+        </p:spPr>
+      </p:pic>
+      <p:pic>
+        <p:nvPicPr>
+          <p:cNvPr id="6" name="图片 5">
+            <a:extLst>
+              <a:ext uri="{FF2B5EF4-FFF2-40B4-BE49-F238E27FC236}">
+                <a16:creationId xmlns:a16="http://schemas.microsoft.com/office/drawing/2014/main" id="{E7C4D2E9-47BC-40FD-AF94-9D06A85D7B62}"/>
+              </a:ext>
+            </a:extLst>
+          </p:cNvPr>
+          <p:cNvPicPr>
+            <a:picLocks noChangeAspect="1"/>
+          </p:cNvPicPr>
+          <p:nvPr/>
+        </p:nvPicPr>
+        <p:blipFill>
+          <a:blip r:embed="rId3"/>
+          <a:stretch>
+            <a:fillRect/>
+          </a:stretch>
+        </p:blipFill>
+        <p:spPr>
+          <a:xfrm>
+            <a:off x="669882" y="3739950"/>
+            <a:ext cx="5086350" cy="2686050"/>
+          </a:xfrm>
+          <a:prstGeom prst="rect">
+            <a:avLst/>
+          </a:prstGeom>
+        </p:spPr>
+      </p:pic>
+    </p:spTree>
+    <p:extLst>
+      <p:ext uri="{BB962C8B-B14F-4D97-AF65-F5344CB8AC3E}">
+        <p14:creationId xmlns:p14="http://schemas.microsoft.com/office/powerpoint/2010/main" val="1358489659"/>
+      </p:ext>
+    </p:extLst>
+  </p:cSld>
+  <p:clrMapOvr>
+    <a:masterClrMapping/>
+  </p:clrMapOvr>
+</p:sld>
+</file>
+
+<file path=ppt/slides/slide29.xml><?xml version="1.0" encoding="utf-8"?>
+<p:sld xmlns:a="http://schemas.openxmlformats.org/drawingml/2006/main" xmlns:r="http://schemas.openxmlformats.org/officeDocument/2006/relationships" xmlns:p="http://schemas.openxmlformats.org/presentationml/2006/main">
+  <p:cSld>
+    <p:spTree>
+      <p:nvGrpSpPr>
+        <p:cNvPr id="1" name=""/>
+        <p:cNvGrpSpPr/>
+        <p:nvPr/>
+      </p:nvGrpSpPr>
+      <p:grpSpPr>
+        <a:xfrm>
+          <a:off x="0" y="0"/>
+          <a:ext cx="0" cy="0"/>
+          <a:chOff x="0" y="0"/>
+          <a:chExt cx="0" cy="0"/>
+        </a:xfrm>
+      </p:grpSpPr>
+      <p:sp>
+        <p:nvSpPr>
+          <p:cNvPr id="3" name="标题 1">
+            <a:extLst>
+              <a:ext uri="{FF2B5EF4-FFF2-40B4-BE49-F238E27FC236}">
+                <a16:creationId xmlns:a16="http://schemas.microsoft.com/office/drawing/2014/main" id="{F34B5B6F-B070-4819-B270-522F2C52B97C}"/>
+              </a:ext>
+            </a:extLst>
+          </p:cNvPr>
+          <p:cNvSpPr txBox="1">
+            <a:spLocks/>
+          </p:cNvSpPr>
+          <p:nvPr/>
+        </p:nvSpPr>
+        <p:spPr>
+          <a:xfrm>
+            <a:off x="669882" y="432000"/>
+            <a:ext cx="10852237" cy="648000"/>
+          </a:xfrm>
+          <a:prstGeom prst="rect">
+            <a:avLst/>
+          </a:prstGeom>
+        </p:spPr>
+        <p:txBody>
+          <a:bodyPr/>
+          <a:lstStyle>
+            <a:lvl1pPr algn="l" defTabSz="914400" rtl="0" eaLnBrk="1" fontAlgn="auto" latinLnBrk="0" hangingPunct="1">
+              <a:lnSpc>
+                <a:spcPct val="100000"/>
+              </a:lnSpc>
+              <a:spcBef>
+                <a:spcPct val="0"/>
+              </a:spcBef>
+              <a:buNone/>
+              <a:defRPr sz="2800" b="1" u="none" strike="noStrike" kern="1200" cap="none" spc="200" normalizeH="0">
+                <a:solidFill>
+                  <a:schemeClr val="tx1"/>
+                </a:solidFill>
+                <a:uFillTx/>
+                <a:latin typeface="+mj-lt"/>
+                <a:ea typeface="+mj-ea"/>
+                <a:cs typeface="+mj-cs"/>
+              </a:defRPr>
+            </a:lvl1pPr>
+          </a:lstStyle>
+          <a:p>
+            <a:r>
+              <a:rPr lang="zh-CN" altLang="en-US" dirty="0"/>
+              <a:t>系统测试</a:t>
+            </a:r>
+            <a:r>
+              <a:rPr lang="en-US" altLang="zh-CN" dirty="0"/>
+              <a:t>——</a:t>
+            </a:r>
+            <a:r>
+              <a:rPr lang="zh-CN" altLang="en-US" dirty="0"/>
+              <a:t>预约场馆</a:t>
+            </a:r>
+          </a:p>
+        </p:txBody>
+      </p:sp>
+      <p:pic>
+        <p:nvPicPr>
+          <p:cNvPr id="7" name="图片 6">
+            <a:extLst>
+              <a:ext uri="{FF2B5EF4-FFF2-40B4-BE49-F238E27FC236}">
+                <a16:creationId xmlns:a16="http://schemas.microsoft.com/office/drawing/2014/main" id="{034847EA-1587-433D-9AC7-94CD954D5525}"/>
+              </a:ext>
+            </a:extLst>
+          </p:cNvPr>
+          <p:cNvPicPr>
+            <a:picLocks noChangeAspect="1"/>
+          </p:cNvPicPr>
+          <p:nvPr/>
+        </p:nvPicPr>
+        <p:blipFill>
+          <a:blip r:embed="rId2"/>
+          <a:stretch>
+            <a:fillRect/>
+          </a:stretch>
+        </p:blipFill>
+        <p:spPr>
+          <a:xfrm>
+            <a:off x="437741" y="2019436"/>
+            <a:ext cx="7972425" cy="4543425"/>
+          </a:xfrm>
+          <a:prstGeom prst="rect">
+            <a:avLst/>
+          </a:prstGeom>
+        </p:spPr>
+      </p:pic>
+      <p:pic>
+        <p:nvPicPr>
+          <p:cNvPr id="8" name="图片 7">
+            <a:extLst>
+              <a:ext uri="{FF2B5EF4-FFF2-40B4-BE49-F238E27FC236}">
+                <a16:creationId xmlns:a16="http://schemas.microsoft.com/office/drawing/2014/main" id="{37870535-B094-4F44-B9FC-DB14C634217C}"/>
+              </a:ext>
+            </a:extLst>
+          </p:cNvPr>
+          <p:cNvPicPr>
+            <a:picLocks noChangeAspect="1"/>
+          </p:cNvPicPr>
+          <p:nvPr/>
+        </p:nvPicPr>
+        <p:blipFill>
+          <a:blip r:embed="rId3"/>
+          <a:stretch>
+            <a:fillRect/>
+          </a:stretch>
+        </p:blipFill>
+        <p:spPr>
+          <a:xfrm>
+            <a:off x="5132545" y="295139"/>
+            <a:ext cx="6555242" cy="2147145"/>
+          </a:xfrm>
+          <a:prstGeom prst="rect">
+            <a:avLst/>
+          </a:prstGeom>
+        </p:spPr>
+      </p:pic>
+    </p:spTree>
+    <p:extLst>
+      <p:ext uri="{BB962C8B-B14F-4D97-AF65-F5344CB8AC3E}">
+        <p14:creationId xmlns:p14="http://schemas.microsoft.com/office/powerpoint/2010/main" val="411659452"/>
       </p:ext>
     </p:extLst>
   </p:cSld>
@@ -19468,17 +19099,17 @@
             </a:r>
             <a:r>
               <a:rPr lang="zh-CN" altLang="en-US" dirty="0"/>
-              <a:t>预约场馆</a:t>
+              <a:t>课程管理</a:t>
             </a:r>
           </a:p>
         </p:txBody>
       </p:sp>
       <p:pic>
         <p:nvPicPr>
-          <p:cNvPr id="5" name="图片 4">
+          <p:cNvPr id="2" name="图片 1">
             <a:extLst>
               <a:ext uri="{FF2B5EF4-FFF2-40B4-BE49-F238E27FC236}">
-                <a16:creationId xmlns:a16="http://schemas.microsoft.com/office/drawing/2014/main" id="{E4EE8F96-7A55-4B9A-9E00-33D34D6A925C}"/>
+                <a16:creationId xmlns:a16="http://schemas.microsoft.com/office/drawing/2014/main" id="{0D92FEB5-FB92-4294-88C4-58B1A2175C29}"/>
               </a:ext>
             </a:extLst>
           </p:cNvPr>
@@ -19495,38 +19126,8 @@
         </p:blipFill>
         <p:spPr>
           <a:xfrm>
-            <a:off x="3405051" y="1192938"/>
-            <a:ext cx="8229600" cy="2695575"/>
-          </a:xfrm>
-          <a:prstGeom prst="rect">
-            <a:avLst/>
-          </a:prstGeom>
-        </p:spPr>
-      </p:pic>
-      <p:pic>
-        <p:nvPicPr>
-          <p:cNvPr id="6" name="图片 5">
-            <a:extLst>
-              <a:ext uri="{FF2B5EF4-FFF2-40B4-BE49-F238E27FC236}">
-                <a16:creationId xmlns:a16="http://schemas.microsoft.com/office/drawing/2014/main" id="{E7C4D2E9-47BC-40FD-AF94-9D06A85D7B62}"/>
-              </a:ext>
-            </a:extLst>
-          </p:cNvPr>
-          <p:cNvPicPr>
-            <a:picLocks noChangeAspect="1"/>
-          </p:cNvPicPr>
-          <p:nvPr/>
-        </p:nvPicPr>
-        <p:blipFill>
-          <a:blip r:embed="rId3"/>
-          <a:stretch>
-            <a:fillRect/>
-          </a:stretch>
-        </p:blipFill>
-        <p:spPr>
-          <a:xfrm>
-            <a:off x="669882" y="3739950"/>
-            <a:ext cx="5086350" cy="2686050"/>
+            <a:off x="2679654" y="1556657"/>
+            <a:ext cx="6257925" cy="4267200"/>
           </a:xfrm>
           <a:prstGeom prst="rect">
             <a:avLst/>
@@ -19536,7 +19137,7 @@
     </p:spTree>
     <p:extLst>
       <p:ext uri="{BB962C8B-B14F-4D97-AF65-F5344CB8AC3E}">
-        <p14:creationId xmlns:p14="http://schemas.microsoft.com/office/powerpoint/2010/main" val="1358489659"/>
+        <p14:creationId xmlns:p14="http://schemas.microsoft.com/office/powerpoint/2010/main" val="3808187685"/>
       </p:ext>
     </p:extLst>
   </p:cSld>
@@ -19619,17 +19220,17 @@
             </a:r>
             <a:r>
               <a:rPr lang="zh-CN" altLang="en-US" dirty="0"/>
-              <a:t>预约场馆</a:t>
+              <a:t>我的课程</a:t>
             </a:r>
           </a:p>
         </p:txBody>
       </p:sp>
       <p:pic>
         <p:nvPicPr>
-          <p:cNvPr id="7" name="图片 6">
+          <p:cNvPr id="4" name="图片 3">
             <a:extLst>
               <a:ext uri="{FF2B5EF4-FFF2-40B4-BE49-F238E27FC236}">
-                <a16:creationId xmlns:a16="http://schemas.microsoft.com/office/drawing/2014/main" id="{034847EA-1587-433D-9AC7-94CD954D5525}"/>
+                <a16:creationId xmlns:a16="http://schemas.microsoft.com/office/drawing/2014/main" id="{4F324079-F10A-447A-BA3F-EBBE11D07E60}"/>
               </a:ext>
             </a:extLst>
           </p:cNvPr>
@@ -19646,38 +19247,8 @@
         </p:blipFill>
         <p:spPr>
           <a:xfrm>
-            <a:off x="437741" y="2019436"/>
-            <a:ext cx="7972425" cy="4543425"/>
-          </a:xfrm>
-          <a:prstGeom prst="rect">
-            <a:avLst/>
-          </a:prstGeom>
-        </p:spPr>
-      </p:pic>
-      <p:pic>
-        <p:nvPicPr>
-          <p:cNvPr id="8" name="图片 7">
-            <a:extLst>
-              <a:ext uri="{FF2B5EF4-FFF2-40B4-BE49-F238E27FC236}">
-                <a16:creationId xmlns:a16="http://schemas.microsoft.com/office/drawing/2014/main" id="{37870535-B094-4F44-B9FC-DB14C634217C}"/>
-              </a:ext>
-            </a:extLst>
-          </p:cNvPr>
-          <p:cNvPicPr>
-            <a:picLocks noChangeAspect="1"/>
-          </p:cNvPicPr>
-          <p:nvPr/>
-        </p:nvPicPr>
-        <p:blipFill>
-          <a:blip r:embed="rId3"/>
-          <a:stretch>
-            <a:fillRect/>
-          </a:stretch>
-        </p:blipFill>
-        <p:spPr>
-          <a:xfrm>
-            <a:off x="5132545" y="295139"/>
-            <a:ext cx="6555242" cy="2147145"/>
+            <a:off x="3529012" y="1339650"/>
+            <a:ext cx="5133975" cy="5086350"/>
           </a:xfrm>
           <a:prstGeom prst="rect">
             <a:avLst/>
@@ -19687,7 +19258,7 @@
     </p:spTree>
     <p:extLst>
       <p:ext uri="{BB962C8B-B14F-4D97-AF65-F5344CB8AC3E}">
-        <p14:creationId xmlns:p14="http://schemas.microsoft.com/office/powerpoint/2010/main" val="411659452"/>
+        <p14:creationId xmlns:p14="http://schemas.microsoft.com/office/powerpoint/2010/main" val="3958087739"/>
       </p:ext>
     </p:extLst>
   </p:cSld>
@@ -19770,248 +19341,6 @@
             </a:r>
             <a:r>
               <a:rPr lang="zh-CN" altLang="en-US" dirty="0"/>
-              <a:t>课程管理</a:t>
-            </a:r>
-          </a:p>
-        </p:txBody>
-      </p:sp>
-      <p:pic>
-        <p:nvPicPr>
-          <p:cNvPr id="2" name="图片 1">
-            <a:extLst>
-              <a:ext uri="{FF2B5EF4-FFF2-40B4-BE49-F238E27FC236}">
-                <a16:creationId xmlns:a16="http://schemas.microsoft.com/office/drawing/2014/main" id="{0D92FEB5-FB92-4294-88C4-58B1A2175C29}"/>
-              </a:ext>
-            </a:extLst>
-          </p:cNvPr>
-          <p:cNvPicPr>
-            <a:picLocks noChangeAspect="1"/>
-          </p:cNvPicPr>
-          <p:nvPr/>
-        </p:nvPicPr>
-        <p:blipFill>
-          <a:blip r:embed="rId2"/>
-          <a:stretch>
-            <a:fillRect/>
-          </a:stretch>
-        </p:blipFill>
-        <p:spPr>
-          <a:xfrm>
-            <a:off x="2679654" y="1556657"/>
-            <a:ext cx="6257925" cy="4267200"/>
-          </a:xfrm>
-          <a:prstGeom prst="rect">
-            <a:avLst/>
-          </a:prstGeom>
-        </p:spPr>
-      </p:pic>
-    </p:spTree>
-    <p:extLst>
-      <p:ext uri="{BB962C8B-B14F-4D97-AF65-F5344CB8AC3E}">
-        <p14:creationId xmlns:p14="http://schemas.microsoft.com/office/powerpoint/2010/main" val="3808187685"/>
-      </p:ext>
-    </p:extLst>
-  </p:cSld>
-  <p:clrMapOvr>
-    <a:masterClrMapping/>
-  </p:clrMapOvr>
-</p:sld>
-</file>
-
-<file path=ppt/slides/slide33.xml><?xml version="1.0" encoding="utf-8"?>
-<p:sld xmlns:a="http://schemas.openxmlformats.org/drawingml/2006/main" xmlns:r="http://schemas.openxmlformats.org/officeDocument/2006/relationships" xmlns:p="http://schemas.openxmlformats.org/presentationml/2006/main">
-  <p:cSld>
-    <p:spTree>
-      <p:nvGrpSpPr>
-        <p:cNvPr id="1" name=""/>
-        <p:cNvGrpSpPr/>
-        <p:nvPr/>
-      </p:nvGrpSpPr>
-      <p:grpSpPr>
-        <a:xfrm>
-          <a:off x="0" y="0"/>
-          <a:ext cx="0" cy="0"/>
-          <a:chOff x="0" y="0"/>
-          <a:chExt cx="0" cy="0"/>
-        </a:xfrm>
-      </p:grpSpPr>
-      <p:sp>
-        <p:nvSpPr>
-          <p:cNvPr id="3" name="标题 1">
-            <a:extLst>
-              <a:ext uri="{FF2B5EF4-FFF2-40B4-BE49-F238E27FC236}">
-                <a16:creationId xmlns:a16="http://schemas.microsoft.com/office/drawing/2014/main" id="{F34B5B6F-B070-4819-B270-522F2C52B97C}"/>
-              </a:ext>
-            </a:extLst>
-          </p:cNvPr>
-          <p:cNvSpPr txBox="1">
-            <a:spLocks/>
-          </p:cNvSpPr>
-          <p:nvPr/>
-        </p:nvSpPr>
-        <p:spPr>
-          <a:xfrm>
-            <a:off x="669882" y="432000"/>
-            <a:ext cx="10852237" cy="648000"/>
-          </a:xfrm>
-          <a:prstGeom prst="rect">
-            <a:avLst/>
-          </a:prstGeom>
-        </p:spPr>
-        <p:txBody>
-          <a:bodyPr/>
-          <a:lstStyle>
-            <a:lvl1pPr algn="l" defTabSz="914400" rtl="0" eaLnBrk="1" fontAlgn="auto" latinLnBrk="0" hangingPunct="1">
-              <a:lnSpc>
-                <a:spcPct val="100000"/>
-              </a:lnSpc>
-              <a:spcBef>
-                <a:spcPct val="0"/>
-              </a:spcBef>
-              <a:buNone/>
-              <a:defRPr sz="2800" b="1" u="none" strike="noStrike" kern="1200" cap="none" spc="200" normalizeH="0">
-                <a:solidFill>
-                  <a:schemeClr val="tx1"/>
-                </a:solidFill>
-                <a:uFillTx/>
-                <a:latin typeface="+mj-lt"/>
-                <a:ea typeface="+mj-ea"/>
-                <a:cs typeface="+mj-cs"/>
-              </a:defRPr>
-            </a:lvl1pPr>
-          </a:lstStyle>
-          <a:p>
-            <a:r>
-              <a:rPr lang="zh-CN" altLang="en-US" dirty="0"/>
-              <a:t>系统测试</a:t>
-            </a:r>
-            <a:r>
-              <a:rPr lang="en-US" altLang="zh-CN" dirty="0"/>
-              <a:t>——</a:t>
-            </a:r>
-            <a:r>
-              <a:rPr lang="zh-CN" altLang="en-US" dirty="0"/>
-              <a:t>我的课程</a:t>
-            </a:r>
-          </a:p>
-        </p:txBody>
-      </p:sp>
-      <p:pic>
-        <p:nvPicPr>
-          <p:cNvPr id="4" name="图片 3">
-            <a:extLst>
-              <a:ext uri="{FF2B5EF4-FFF2-40B4-BE49-F238E27FC236}">
-                <a16:creationId xmlns:a16="http://schemas.microsoft.com/office/drawing/2014/main" id="{4F324079-F10A-447A-BA3F-EBBE11D07E60}"/>
-              </a:ext>
-            </a:extLst>
-          </p:cNvPr>
-          <p:cNvPicPr>
-            <a:picLocks noChangeAspect="1"/>
-          </p:cNvPicPr>
-          <p:nvPr/>
-        </p:nvPicPr>
-        <p:blipFill>
-          <a:blip r:embed="rId2"/>
-          <a:stretch>
-            <a:fillRect/>
-          </a:stretch>
-        </p:blipFill>
-        <p:spPr>
-          <a:xfrm>
-            <a:off x="3529012" y="1339650"/>
-            <a:ext cx="5133975" cy="5086350"/>
-          </a:xfrm>
-          <a:prstGeom prst="rect">
-            <a:avLst/>
-          </a:prstGeom>
-        </p:spPr>
-      </p:pic>
-    </p:spTree>
-    <p:extLst>
-      <p:ext uri="{BB962C8B-B14F-4D97-AF65-F5344CB8AC3E}">
-        <p14:creationId xmlns:p14="http://schemas.microsoft.com/office/powerpoint/2010/main" val="3958087739"/>
-      </p:ext>
-    </p:extLst>
-  </p:cSld>
-  <p:clrMapOvr>
-    <a:masterClrMapping/>
-  </p:clrMapOvr>
-</p:sld>
-</file>
-
-<file path=ppt/slides/slide34.xml><?xml version="1.0" encoding="utf-8"?>
-<p:sld xmlns:a="http://schemas.openxmlformats.org/drawingml/2006/main" xmlns:r="http://schemas.openxmlformats.org/officeDocument/2006/relationships" xmlns:p="http://schemas.openxmlformats.org/presentationml/2006/main">
-  <p:cSld>
-    <p:spTree>
-      <p:nvGrpSpPr>
-        <p:cNvPr id="1" name=""/>
-        <p:cNvGrpSpPr/>
-        <p:nvPr/>
-      </p:nvGrpSpPr>
-      <p:grpSpPr>
-        <a:xfrm>
-          <a:off x="0" y="0"/>
-          <a:ext cx="0" cy="0"/>
-          <a:chOff x="0" y="0"/>
-          <a:chExt cx="0" cy="0"/>
-        </a:xfrm>
-      </p:grpSpPr>
-      <p:sp>
-        <p:nvSpPr>
-          <p:cNvPr id="3" name="标题 1">
-            <a:extLst>
-              <a:ext uri="{FF2B5EF4-FFF2-40B4-BE49-F238E27FC236}">
-                <a16:creationId xmlns:a16="http://schemas.microsoft.com/office/drawing/2014/main" id="{F34B5B6F-B070-4819-B270-522F2C52B97C}"/>
-              </a:ext>
-            </a:extLst>
-          </p:cNvPr>
-          <p:cNvSpPr txBox="1">
-            <a:spLocks/>
-          </p:cNvSpPr>
-          <p:nvPr/>
-        </p:nvSpPr>
-        <p:spPr>
-          <a:xfrm>
-            <a:off x="669882" y="432000"/>
-            <a:ext cx="10852237" cy="648000"/>
-          </a:xfrm>
-          <a:prstGeom prst="rect">
-            <a:avLst/>
-          </a:prstGeom>
-        </p:spPr>
-        <p:txBody>
-          <a:bodyPr/>
-          <a:lstStyle>
-            <a:lvl1pPr algn="l" defTabSz="914400" rtl="0" eaLnBrk="1" fontAlgn="auto" latinLnBrk="0" hangingPunct="1">
-              <a:lnSpc>
-                <a:spcPct val="100000"/>
-              </a:lnSpc>
-              <a:spcBef>
-                <a:spcPct val="0"/>
-              </a:spcBef>
-              <a:buNone/>
-              <a:defRPr sz="2800" b="1" u="none" strike="noStrike" kern="1200" cap="none" spc="200" normalizeH="0">
-                <a:solidFill>
-                  <a:schemeClr val="tx1"/>
-                </a:solidFill>
-                <a:uFillTx/>
-                <a:latin typeface="+mj-lt"/>
-                <a:ea typeface="+mj-ea"/>
-                <a:cs typeface="+mj-cs"/>
-              </a:defRPr>
-            </a:lvl1pPr>
-          </a:lstStyle>
-          <a:p>
-            <a:r>
-              <a:rPr lang="zh-CN" altLang="en-US" dirty="0"/>
-              <a:t>系统测试</a:t>
-            </a:r>
-            <a:r>
-              <a:rPr lang="en-US" altLang="zh-CN" dirty="0"/>
-              <a:t>——</a:t>
-            </a:r>
-            <a:r>
-              <a:rPr lang="zh-CN" altLang="en-US" dirty="0"/>
               <a:t>通知公告</a:t>
             </a:r>
           </a:p>
@@ -20060,7 +19389,7 @@
 </p:sld>
 </file>
 
-<file path=ppt/slides/slide35.xml><?xml version="1.0" encoding="utf-8"?>
+<file path=ppt/slides/slide33.xml><?xml version="1.0" encoding="utf-8"?>
 <p:sld xmlns:a="http://schemas.openxmlformats.org/drawingml/2006/main" xmlns:r="http://schemas.openxmlformats.org/officeDocument/2006/relationships" xmlns:p="http://schemas.openxmlformats.org/presentationml/2006/main">
   <p:cSld>
     <p:spTree>
@@ -20453,7 +19782,7 @@
 </p:sld>
 </file>
 
-<file path=ppt/slides/slide36.xml><?xml version="1.0" encoding="utf-8"?>
+<file path=ppt/slides/slide34.xml><?xml version="1.0" encoding="utf-8"?>
 <p:sld xmlns:a="http://schemas.openxmlformats.org/drawingml/2006/main" xmlns:r="http://schemas.openxmlformats.org/officeDocument/2006/relationships" xmlns:p="http://schemas.openxmlformats.org/presentationml/2006/main">
   <p:cSld>
     <p:spTree>
@@ -20914,7 +20243,7 @@
 </p:sld>
 </file>
 
-<file path=ppt/slides/slide37.xml><?xml version="1.0" encoding="utf-8"?>
+<file path=ppt/slides/slide35.xml><?xml version="1.0" encoding="utf-8"?>
 <p:sld xmlns:a="http://schemas.openxmlformats.org/drawingml/2006/main" xmlns:r="http://schemas.openxmlformats.org/officeDocument/2006/relationships" xmlns:p="http://schemas.openxmlformats.org/presentationml/2006/main">
   <p:cSld>
     <p:spTree>
@@ -21090,7 +20419,7 @@
 </p:sld>
 </file>
 
-<file path=ppt/slides/slide38.xml><?xml version="1.0" encoding="utf-8"?>
+<file path=ppt/slides/slide36.xml><?xml version="1.0" encoding="utf-8"?>
 <p:sld xmlns:a="http://schemas.openxmlformats.org/drawingml/2006/main" xmlns:r="http://schemas.openxmlformats.org/officeDocument/2006/relationships" xmlns:p="http://schemas.openxmlformats.org/presentationml/2006/main">
   <p:cSld>
     <p:spTree>
@@ -23004,7 +22333,7 @@
 </p:sld>
 </file>
 
-<file path=ppt/slides/slide39.xml><?xml version="1.0" encoding="utf-8"?>
+<file path=ppt/slides/slide37.xml><?xml version="1.0" encoding="utf-8"?>
 <p:sld xmlns:a="http://schemas.openxmlformats.org/drawingml/2006/main" xmlns:r="http://schemas.openxmlformats.org/officeDocument/2006/relationships" xmlns:p="http://schemas.openxmlformats.org/presentationml/2006/main">
   <p:cSld>
     <p:spTree>
@@ -23105,468 +22434,7 @@
 </p:sld>
 </file>
 
-<file path=ppt/slides/slide4.xml><?xml version="1.0" encoding="utf-8"?>
-<p:sld xmlns:a="http://schemas.openxmlformats.org/drawingml/2006/main" xmlns:r="http://schemas.openxmlformats.org/officeDocument/2006/relationships" xmlns:p="http://schemas.openxmlformats.org/presentationml/2006/main">
-  <p:cSld>
-    <p:spTree>
-      <p:nvGrpSpPr>
-        <p:cNvPr id="1" name=""/>
-        <p:cNvGrpSpPr/>
-        <p:nvPr/>
-      </p:nvGrpSpPr>
-      <p:grpSpPr>
-        <a:xfrm>
-          <a:off x="0" y="0"/>
-          <a:ext cx="0" cy="0"/>
-          <a:chOff x="0" y="0"/>
-          <a:chExt cx="0" cy="0"/>
-        </a:xfrm>
-      </p:grpSpPr>
-      <p:pic>
-        <p:nvPicPr>
-          <p:cNvPr id="23" name="Picture 3"/>
-          <p:cNvPicPr>
-            <a:picLocks noChangeAspect="1" noChangeArrowheads="1"/>
-          </p:cNvPicPr>
-          <p:nvPr/>
-        </p:nvPicPr>
-        <p:blipFill rotWithShape="1">
-          <a:blip r:embed="rId3" cstate="print">
-            <a:extLst>
-              <a:ext uri="{28A0092B-C50C-407E-A947-70E740481C1C}">
-                <a14:useLocalDpi xmlns:a14="http://schemas.microsoft.com/office/drawing/2010/main" val="0"/>
-              </a:ext>
-            </a:extLst>
-          </a:blip>
-          <a:srcRect l="2767" r="7205" b="57679"/>
-          <a:stretch>
-            <a:fillRect/>
-          </a:stretch>
-        </p:blipFill>
-        <p:spPr bwMode="auto">
-          <a:xfrm rot="10800000" flipH="1" flipV="1">
-            <a:off x="1187150" y="4617245"/>
-            <a:ext cx="9295641" cy="251915"/>
-          </a:xfrm>
-          <a:prstGeom prst="rect">
-            <a:avLst/>
-          </a:prstGeom>
-          <a:noFill/>
-          <a:ln>
-            <a:noFill/>
-          </a:ln>
-          <a:effectLst/>
-          <a:extLst>
-            <a:ext uri="{909E8E84-426E-40DD-AFC4-6F175D3DCCD1}">
-              <a14:hiddenFill xmlns:a14="http://schemas.microsoft.com/office/drawing/2010/main">
-                <a:solidFill>
-                  <a:schemeClr val="accent1"/>
-                </a:solidFill>
-              </a14:hiddenFill>
-            </a:ext>
-            <a:ext uri="{91240B29-F687-4F45-9708-019B960494DF}">
-              <a14:hiddenLine xmlns:a14="http://schemas.microsoft.com/office/drawing/2010/main" w="9525">
-                <a:solidFill>
-                  <a:schemeClr val="tx1"/>
-                </a:solidFill>
-                <a:miter lim="800000"/>
-                <a:headEnd/>
-                <a:tailEnd/>
-              </a14:hiddenLine>
-            </a:ext>
-            <a:ext uri="{AF507438-7753-43E0-B8FC-AC1667EBCBE1}">
-              <a14:hiddenEffects xmlns:a14="http://schemas.microsoft.com/office/drawing/2010/main">
-                <a:effectLst>
-                  <a:outerShdw dist="35921" dir="2700000" algn="ctr" rotWithShape="0">
-                    <a:schemeClr val="bg2"/>
-                  </a:outerShdw>
-                </a:effectLst>
-              </a14:hiddenEffects>
-            </a:ext>
-          </a:extLst>
-        </p:spPr>
-      </p:pic>
-      <p:sp>
-        <p:nvSpPr>
-          <p:cNvPr id="24" name="圆角矩形 23"/>
-          <p:cNvSpPr/>
-          <p:nvPr/>
-        </p:nvSpPr>
-        <p:spPr>
-          <a:xfrm rot="20935880">
-            <a:off x="4381264" y="3172417"/>
-            <a:ext cx="193241" cy="2366303"/>
-          </a:xfrm>
-          <a:prstGeom prst="roundRect">
-            <a:avLst>
-              <a:gd name="adj" fmla="val 50000"/>
-            </a:avLst>
-          </a:prstGeom>
-          <a:gradFill flip="none" rotWithShape="1">
-            <a:gsLst>
-              <a:gs pos="100000">
-                <a:srgbClr val="878787"/>
-              </a:gs>
-              <a:gs pos="0">
-                <a:sysClr val="window" lastClr="FFFFFF">
-                  <a:lumMod val="85000"/>
-                  <a:shade val="30000"/>
-                  <a:satMod val="115000"/>
-                </a:sysClr>
-              </a:gs>
-              <a:gs pos="45000">
-                <a:sysClr val="window" lastClr="FFFFFF">
-                  <a:lumMod val="85000"/>
-                  <a:shade val="67500"/>
-                  <a:satMod val="115000"/>
-                </a:sysClr>
-              </a:gs>
-              <a:gs pos="62000">
-                <a:sysClr val="window" lastClr="FFFFFF">
-                  <a:lumMod val="85000"/>
-                  <a:shade val="100000"/>
-                  <a:satMod val="115000"/>
-                </a:sysClr>
-              </a:gs>
-            </a:gsLst>
-            <a:lin ang="10800000" scaled="1"/>
-            <a:tileRect/>
-          </a:gradFill>
-          <a:ln w="25400" cap="flat" cmpd="sng" algn="ctr">
-            <a:noFill/>
-            <a:prstDash val="solid"/>
-          </a:ln>
-          <a:effectLst/>
-        </p:spPr>
-        <p:txBody>
-          <a:bodyPr rot="0" spcFirstLastPara="0" vertOverflow="overflow" horzOverflow="overflow" vert="horz" wrap="square" lIns="91440" tIns="45720" rIns="91440" bIns="45720" numCol="1" spcCol="0" rtlCol="0" fromWordArt="0" anchor="ctr" anchorCtr="0" forceAA="0" compatLnSpc="1">
-            <a:noAutofit/>
-          </a:bodyPr>
-          <a:lstStyle/>
-          <a:p>
-            <a:pPr marL="0" marR="0" lvl="0" indent="0" algn="ctr" defTabSz="914400" eaLnBrk="1" fontAlgn="auto" latinLnBrk="0" hangingPunct="1">
-              <a:lnSpc>
-                <a:spcPct val="100000"/>
-              </a:lnSpc>
-              <a:spcBef>
-                <a:spcPts val="0"/>
-              </a:spcBef>
-              <a:spcAft>
-                <a:spcPts val="0"/>
-              </a:spcAft>
-              <a:buClrTx/>
-              <a:buSzTx/>
-              <a:buFontTx/>
-              <a:buNone/>
-              <a:defRPr/>
-            </a:pPr>
-            <a:endParaRPr kumimoji="0" lang="en-US" sz="1800" b="0" i="0" u="none" strike="noStrike" kern="0" cap="none" spc="0" normalizeH="0" baseline="0" noProof="0">
-              <a:ln>
-                <a:noFill/>
-              </a:ln>
-              <a:solidFill>
-                <a:sysClr val="windowText" lastClr="000000"/>
-              </a:solidFill>
-              <a:effectLst/>
-              <a:uLnTx/>
-              <a:uFillTx/>
-              <a:latin typeface="Calibri" panose="020F0502020204030204"/>
-              <a:ea typeface="+mn-ea"/>
-              <a:cs typeface="+mn-cs"/>
-            </a:endParaRPr>
-          </a:p>
-        </p:txBody>
-      </p:sp>
-      <p:sp>
-        <p:nvSpPr>
-          <p:cNvPr id="28" name="圆角矩形 27"/>
-          <p:cNvSpPr/>
-          <p:nvPr/>
-        </p:nvSpPr>
-        <p:spPr>
-          <a:xfrm rot="963333">
-            <a:off x="7468164" y="2895766"/>
-            <a:ext cx="224541" cy="2664296"/>
-          </a:xfrm>
-          <a:prstGeom prst="roundRect">
-            <a:avLst>
-              <a:gd name="adj" fmla="val 50000"/>
-            </a:avLst>
-          </a:prstGeom>
-          <a:gradFill flip="none" rotWithShape="1">
-            <a:gsLst>
-              <a:gs pos="100000">
-                <a:srgbClr val="878787"/>
-              </a:gs>
-              <a:gs pos="0">
-                <a:sysClr val="window" lastClr="FFFFFF">
-                  <a:lumMod val="85000"/>
-                  <a:shade val="30000"/>
-                  <a:satMod val="115000"/>
-                </a:sysClr>
-              </a:gs>
-              <a:gs pos="45000">
-                <a:sysClr val="window" lastClr="FFFFFF">
-                  <a:lumMod val="85000"/>
-                  <a:shade val="67500"/>
-                  <a:satMod val="115000"/>
-                </a:sysClr>
-              </a:gs>
-              <a:gs pos="62000">
-                <a:sysClr val="window" lastClr="FFFFFF">
-                  <a:lumMod val="85000"/>
-                  <a:shade val="100000"/>
-                  <a:satMod val="115000"/>
-                </a:sysClr>
-              </a:gs>
-            </a:gsLst>
-            <a:lin ang="10800000" scaled="1"/>
-            <a:tileRect/>
-          </a:gradFill>
-          <a:ln w="25400" cap="flat" cmpd="sng" algn="ctr">
-            <a:noFill/>
-            <a:prstDash val="solid"/>
-          </a:ln>
-          <a:effectLst/>
-        </p:spPr>
-        <p:txBody>
-          <a:bodyPr rot="0" spcFirstLastPara="0" vertOverflow="overflow" horzOverflow="overflow" vert="horz" wrap="square" lIns="91440" tIns="45720" rIns="91440" bIns="45720" numCol="1" spcCol="0" rtlCol="0" fromWordArt="0" anchor="ctr" anchorCtr="0" forceAA="0" compatLnSpc="1">
-            <a:noAutofit/>
-          </a:bodyPr>
-          <a:lstStyle/>
-          <a:p>
-            <a:pPr marL="0" marR="0" lvl="0" indent="0" algn="ctr" defTabSz="914400" eaLnBrk="1" fontAlgn="auto" latinLnBrk="0" hangingPunct="1">
-              <a:lnSpc>
-                <a:spcPct val="100000"/>
-              </a:lnSpc>
-              <a:spcBef>
-                <a:spcPts val="0"/>
-              </a:spcBef>
-              <a:spcAft>
-                <a:spcPts val="0"/>
-              </a:spcAft>
-              <a:buClrTx/>
-              <a:buSzTx/>
-              <a:buFontTx/>
-              <a:buNone/>
-              <a:defRPr/>
-            </a:pPr>
-            <a:endParaRPr kumimoji="0" lang="en-US" sz="1800" b="0" i="0" u="none" strike="noStrike" kern="0" cap="none" spc="0" normalizeH="0" baseline="0" noProof="0">
-              <a:ln>
-                <a:noFill/>
-              </a:ln>
-              <a:solidFill>
-                <a:sysClr val="windowText" lastClr="000000"/>
-              </a:solidFill>
-              <a:effectLst/>
-              <a:uLnTx/>
-              <a:uFillTx/>
-              <a:latin typeface="Calibri" panose="020F0502020204030204"/>
-              <a:ea typeface="+mn-ea"/>
-              <a:cs typeface="+mn-cs"/>
-            </a:endParaRPr>
-          </a:p>
-        </p:txBody>
-      </p:sp>
-      <p:sp>
-        <p:nvSpPr>
-          <p:cNvPr id="33" name="矩形 32"/>
-          <p:cNvSpPr/>
-          <p:nvPr/>
-        </p:nvSpPr>
-        <p:spPr>
-          <a:xfrm>
-            <a:off x="1524000" y="4869160"/>
-            <a:ext cx="9144000" cy="1656184"/>
-          </a:xfrm>
-          <a:prstGeom prst="rect">
-            <a:avLst/>
-          </a:prstGeom>
-          <a:gradFill flip="none" rotWithShape="1">
-            <a:gsLst>
-              <a:gs pos="48320">
-                <a:srgbClr val="E6C29A"/>
-              </a:gs>
-              <a:gs pos="100000">
-                <a:srgbClr val="8C6233"/>
-              </a:gs>
-              <a:gs pos="0">
-                <a:srgbClr val="DEA464">
-                  <a:shade val="30000"/>
-                  <a:satMod val="115000"/>
-                </a:srgbClr>
-              </a:gs>
-              <a:gs pos="8000">
-                <a:srgbClr val="DEA464">
-                  <a:shade val="67500"/>
-                  <a:satMod val="115000"/>
-                </a:srgbClr>
-              </a:gs>
-              <a:gs pos="92000">
-                <a:srgbClr val="DEA464">
-                  <a:shade val="100000"/>
-                  <a:satMod val="115000"/>
-                </a:srgbClr>
-              </a:gs>
-            </a:gsLst>
-            <a:lin ang="0" scaled="1"/>
-            <a:tileRect/>
-          </a:gradFill>
-          <a:ln w="25400" cap="flat" cmpd="sng" algn="ctr">
-            <a:noFill/>
-            <a:prstDash val="solid"/>
-          </a:ln>
-          <a:effectLst>
-            <a:outerShdw blurRad="50800" dist="38100" dir="16200000" rotWithShape="0">
-              <a:prstClr val="black">
-                <a:alpha val="40000"/>
-              </a:prstClr>
-            </a:outerShdw>
-          </a:effectLst>
-        </p:spPr>
-        <p:txBody>
-          <a:bodyPr rot="0" spcFirstLastPara="0" vertOverflow="overflow" horzOverflow="overflow" vert="horz" wrap="square" lIns="91440" tIns="45720" rIns="91440" bIns="45720" numCol="1" spcCol="0" rtlCol="0" fromWordArt="0" anchor="ctr" anchorCtr="0" forceAA="0" compatLnSpc="1">
-            <a:noAutofit/>
-          </a:bodyPr>
-          <a:lstStyle/>
-          <a:p>
-            <a:pPr marL="0" marR="0" lvl="0" indent="0" algn="ctr" defTabSz="914400" eaLnBrk="1" fontAlgn="auto" latinLnBrk="0" hangingPunct="1">
-              <a:lnSpc>
-                <a:spcPct val="100000"/>
-              </a:lnSpc>
-              <a:spcBef>
-                <a:spcPts val="0"/>
-              </a:spcBef>
-              <a:spcAft>
-                <a:spcPts val="0"/>
-              </a:spcAft>
-              <a:buClrTx/>
-              <a:buSzTx/>
-              <a:buFontTx/>
-              <a:buNone/>
-              <a:defRPr/>
-            </a:pPr>
-            <a:endParaRPr kumimoji="0" lang="en-US" sz="1800" b="0" i="0" u="none" strike="noStrike" kern="0" cap="none" spc="0" normalizeH="0" baseline="0" noProof="0">
-              <a:ln>
-                <a:noFill/>
-              </a:ln>
-              <a:solidFill>
-                <a:sysClr val="windowText" lastClr="000000"/>
-              </a:solidFill>
-              <a:effectLst/>
-              <a:uLnTx/>
-              <a:uFillTx/>
-              <a:latin typeface="Calibri" panose="020F0502020204030204"/>
-              <a:ea typeface="+mn-ea"/>
-              <a:cs typeface="+mn-cs"/>
-            </a:endParaRPr>
-          </a:p>
-        </p:txBody>
-      </p:sp>
-      <p:sp>
-        <p:nvSpPr>
-          <p:cNvPr id="43" name="TextBox 42"/>
-          <p:cNvSpPr txBox="1"/>
-          <p:nvPr/>
-        </p:nvSpPr>
-        <p:spPr>
-          <a:xfrm>
-            <a:off x="3137126" y="5260390"/>
-            <a:ext cx="5688632" cy="884794"/>
-          </a:xfrm>
-          <a:prstGeom prst="rect">
-            <a:avLst/>
-          </a:prstGeom>
-          <a:noFill/>
-        </p:spPr>
-        <p:txBody>
-          <a:bodyPr wrap="square" rtlCol="0">
-            <a:spAutoFit/>
-          </a:bodyPr>
-          <a:lstStyle>
-            <a:defPPr>
-              <a:defRPr lang="en-US"/>
-            </a:defPPr>
-            <a:lvl1pPr>
-              <a:lnSpc>
-                <a:spcPct val="130000"/>
-              </a:lnSpc>
-              <a:defRPr sz="5400" b="1">
-                <a:solidFill>
-                  <a:schemeClr val="tx1">
-                    <a:lumMod val="65000"/>
-                    <a:lumOff val="35000"/>
-                  </a:schemeClr>
-                </a:solidFill>
-                <a:latin typeface="Agency FB" pitchFamily="34" charset="0"/>
-                <a:ea typeface="微软雅黑" panose="020B0503020204020204" charset="-122"/>
-                <a:cs typeface="Calibri" panose="020F0502020204030204" pitchFamily="34" charset="0"/>
-              </a:defRPr>
-            </a:lvl1pPr>
-          </a:lstStyle>
-          <a:p>
-            <a:pPr marL="0" marR="0" lvl="0" indent="0" algn="ctr" defTabSz="914400" eaLnBrk="1" fontAlgn="auto" latinLnBrk="0" hangingPunct="1">
-              <a:lnSpc>
-                <a:spcPct val="130000"/>
-              </a:lnSpc>
-              <a:spcBef>
-                <a:spcPts val="0"/>
-              </a:spcBef>
-              <a:spcAft>
-                <a:spcPts val="0"/>
-              </a:spcAft>
-              <a:buClrTx/>
-              <a:buSzTx/>
-              <a:buFontTx/>
-              <a:buNone/>
-              <a:defRPr/>
-            </a:pPr>
-            <a:r>
-              <a:rPr lang="en-US" altLang="zh-CN" sz="4400" dirty="0">
-                <a:sym typeface="+mn-ea"/>
-              </a:rPr>
-              <a:t>DEMO</a:t>
-            </a:r>
-            <a:endParaRPr kumimoji="0" lang="zh-CN" altLang="en-US" sz="4400" b="1" i="0" u="none" strike="noStrike" kern="0" cap="none" spc="0" normalizeH="0" baseline="0" noProof="0" dirty="0">
-              <a:ln>
-                <a:noFill/>
-              </a:ln>
-              <a:solidFill>
-                <a:sysClr val="windowText" lastClr="000000">
-                  <a:lumMod val="75000"/>
-                  <a:lumOff val="25000"/>
-                </a:sysClr>
-              </a:solidFill>
-              <a:effectLst>
-                <a:outerShdw dist="38100" dir="5400000" algn="t" rotWithShape="0">
-                  <a:sysClr val="window" lastClr="FFFFFF">
-                    <a:alpha val="48000"/>
-                  </a:sysClr>
-                </a:outerShdw>
-              </a:effectLst>
-              <a:uLnTx/>
-              <a:uFillTx/>
-              <a:latin typeface="Agency FB" pitchFamily="34" charset="0"/>
-              <a:ea typeface="微软雅黑" panose="020B0503020204020204" charset="-122"/>
-              <a:cs typeface="Calibri" panose="020F0502020204030204" pitchFamily="34" charset="0"/>
-            </a:endParaRPr>
-          </a:p>
-        </p:txBody>
-      </p:sp>
-    </p:spTree>
-    <p:extLst>
-      <p:ext uri="{BB962C8B-B14F-4D97-AF65-F5344CB8AC3E}">
-        <p14:creationId xmlns:p14="http://schemas.microsoft.com/office/powerpoint/2010/main" val="1260186083"/>
-      </p:ext>
-    </p:extLst>
-  </p:cSld>
-  <p:clrMapOvr>
-    <a:masterClrMapping/>
-  </p:clrMapOvr>
-</p:sld>
-</file>
-
-<file path=ppt/slides/slide40.xml><?xml version="1.0" encoding="utf-8"?>
+<file path=ppt/slides/slide38.xml><?xml version="1.0" encoding="utf-8"?>
 <p:sld xmlns:a="http://schemas.openxmlformats.org/drawingml/2006/main" xmlns:r="http://schemas.openxmlformats.org/officeDocument/2006/relationships" xmlns:p="http://schemas.openxmlformats.org/presentationml/2006/main">
   <p:cSld>
     <p:spTree>
@@ -23991,7 +22859,7 @@
 </p:sld>
 </file>
 
-<file path=ppt/slides/slide41.xml><?xml version="1.0" encoding="utf-8"?>
+<file path=ppt/slides/slide39.xml><?xml version="1.0" encoding="utf-8"?>
 <p:sld xmlns:a="http://schemas.openxmlformats.org/drawingml/2006/main" xmlns:r="http://schemas.openxmlformats.org/officeDocument/2006/relationships" xmlns:p="http://schemas.openxmlformats.org/presentationml/2006/main">
   <p:cSld>
     <p:spTree>
@@ -24487,7 +23355,468 @@
 </p:sld>
 </file>
 
-<file path=ppt/slides/slide42.xml><?xml version="1.0" encoding="utf-8"?>
+<file path=ppt/slides/slide4.xml><?xml version="1.0" encoding="utf-8"?>
+<p:sld xmlns:a="http://schemas.openxmlformats.org/drawingml/2006/main" xmlns:r="http://schemas.openxmlformats.org/officeDocument/2006/relationships" xmlns:p="http://schemas.openxmlformats.org/presentationml/2006/main">
+  <p:cSld>
+    <p:spTree>
+      <p:nvGrpSpPr>
+        <p:cNvPr id="1" name=""/>
+        <p:cNvGrpSpPr/>
+        <p:nvPr/>
+      </p:nvGrpSpPr>
+      <p:grpSpPr>
+        <a:xfrm>
+          <a:off x="0" y="0"/>
+          <a:ext cx="0" cy="0"/>
+          <a:chOff x="0" y="0"/>
+          <a:chExt cx="0" cy="0"/>
+        </a:xfrm>
+      </p:grpSpPr>
+      <p:pic>
+        <p:nvPicPr>
+          <p:cNvPr id="23" name="Picture 3"/>
+          <p:cNvPicPr>
+            <a:picLocks noChangeAspect="1" noChangeArrowheads="1"/>
+          </p:cNvPicPr>
+          <p:nvPr/>
+        </p:nvPicPr>
+        <p:blipFill rotWithShape="1">
+          <a:blip r:embed="rId3" cstate="print">
+            <a:extLst>
+              <a:ext uri="{28A0092B-C50C-407E-A947-70E740481C1C}">
+                <a14:useLocalDpi xmlns:a14="http://schemas.microsoft.com/office/drawing/2010/main" val="0"/>
+              </a:ext>
+            </a:extLst>
+          </a:blip>
+          <a:srcRect l="2767" r="7205" b="57679"/>
+          <a:stretch>
+            <a:fillRect/>
+          </a:stretch>
+        </p:blipFill>
+        <p:spPr bwMode="auto">
+          <a:xfrm rot="10800000" flipH="1" flipV="1">
+            <a:off x="1187150" y="4617245"/>
+            <a:ext cx="9295641" cy="251915"/>
+          </a:xfrm>
+          <a:prstGeom prst="rect">
+            <a:avLst/>
+          </a:prstGeom>
+          <a:noFill/>
+          <a:ln>
+            <a:noFill/>
+          </a:ln>
+          <a:effectLst/>
+          <a:extLst>
+            <a:ext uri="{909E8E84-426E-40DD-AFC4-6F175D3DCCD1}">
+              <a14:hiddenFill xmlns:a14="http://schemas.microsoft.com/office/drawing/2010/main">
+                <a:solidFill>
+                  <a:schemeClr val="accent1"/>
+                </a:solidFill>
+              </a14:hiddenFill>
+            </a:ext>
+            <a:ext uri="{91240B29-F687-4F45-9708-019B960494DF}">
+              <a14:hiddenLine xmlns:a14="http://schemas.microsoft.com/office/drawing/2010/main" w="9525">
+                <a:solidFill>
+                  <a:schemeClr val="tx1"/>
+                </a:solidFill>
+                <a:miter lim="800000"/>
+                <a:headEnd/>
+                <a:tailEnd/>
+              </a14:hiddenLine>
+            </a:ext>
+            <a:ext uri="{AF507438-7753-43E0-B8FC-AC1667EBCBE1}">
+              <a14:hiddenEffects xmlns:a14="http://schemas.microsoft.com/office/drawing/2010/main">
+                <a:effectLst>
+                  <a:outerShdw dist="35921" dir="2700000" algn="ctr" rotWithShape="0">
+                    <a:schemeClr val="bg2"/>
+                  </a:outerShdw>
+                </a:effectLst>
+              </a14:hiddenEffects>
+            </a:ext>
+          </a:extLst>
+        </p:spPr>
+      </p:pic>
+      <p:sp>
+        <p:nvSpPr>
+          <p:cNvPr id="24" name="圆角矩形 23"/>
+          <p:cNvSpPr/>
+          <p:nvPr/>
+        </p:nvSpPr>
+        <p:spPr>
+          <a:xfrm rot="20935880">
+            <a:off x="4381264" y="3172417"/>
+            <a:ext cx="193241" cy="2366303"/>
+          </a:xfrm>
+          <a:prstGeom prst="roundRect">
+            <a:avLst>
+              <a:gd name="adj" fmla="val 50000"/>
+            </a:avLst>
+          </a:prstGeom>
+          <a:gradFill flip="none" rotWithShape="1">
+            <a:gsLst>
+              <a:gs pos="100000">
+                <a:srgbClr val="878787"/>
+              </a:gs>
+              <a:gs pos="0">
+                <a:sysClr val="window" lastClr="FFFFFF">
+                  <a:lumMod val="85000"/>
+                  <a:shade val="30000"/>
+                  <a:satMod val="115000"/>
+                </a:sysClr>
+              </a:gs>
+              <a:gs pos="45000">
+                <a:sysClr val="window" lastClr="FFFFFF">
+                  <a:lumMod val="85000"/>
+                  <a:shade val="67500"/>
+                  <a:satMod val="115000"/>
+                </a:sysClr>
+              </a:gs>
+              <a:gs pos="62000">
+                <a:sysClr val="window" lastClr="FFFFFF">
+                  <a:lumMod val="85000"/>
+                  <a:shade val="100000"/>
+                  <a:satMod val="115000"/>
+                </a:sysClr>
+              </a:gs>
+            </a:gsLst>
+            <a:lin ang="10800000" scaled="1"/>
+            <a:tileRect/>
+          </a:gradFill>
+          <a:ln w="25400" cap="flat" cmpd="sng" algn="ctr">
+            <a:noFill/>
+            <a:prstDash val="solid"/>
+          </a:ln>
+          <a:effectLst/>
+        </p:spPr>
+        <p:txBody>
+          <a:bodyPr rot="0" spcFirstLastPara="0" vertOverflow="overflow" horzOverflow="overflow" vert="horz" wrap="square" lIns="91440" tIns="45720" rIns="91440" bIns="45720" numCol="1" spcCol="0" rtlCol="0" fromWordArt="0" anchor="ctr" anchorCtr="0" forceAA="0" compatLnSpc="1">
+            <a:noAutofit/>
+          </a:bodyPr>
+          <a:lstStyle/>
+          <a:p>
+            <a:pPr marL="0" marR="0" lvl="0" indent="0" algn="ctr" defTabSz="914400" eaLnBrk="1" fontAlgn="auto" latinLnBrk="0" hangingPunct="1">
+              <a:lnSpc>
+                <a:spcPct val="100000"/>
+              </a:lnSpc>
+              <a:spcBef>
+                <a:spcPts val="0"/>
+              </a:spcBef>
+              <a:spcAft>
+                <a:spcPts val="0"/>
+              </a:spcAft>
+              <a:buClrTx/>
+              <a:buSzTx/>
+              <a:buFontTx/>
+              <a:buNone/>
+              <a:defRPr/>
+            </a:pPr>
+            <a:endParaRPr kumimoji="0" lang="en-US" sz="1800" b="0" i="0" u="none" strike="noStrike" kern="0" cap="none" spc="0" normalizeH="0" baseline="0" noProof="0">
+              <a:ln>
+                <a:noFill/>
+              </a:ln>
+              <a:solidFill>
+                <a:sysClr val="windowText" lastClr="000000"/>
+              </a:solidFill>
+              <a:effectLst/>
+              <a:uLnTx/>
+              <a:uFillTx/>
+              <a:latin typeface="Calibri" panose="020F0502020204030204"/>
+              <a:ea typeface="+mn-ea"/>
+              <a:cs typeface="+mn-cs"/>
+            </a:endParaRPr>
+          </a:p>
+        </p:txBody>
+      </p:sp>
+      <p:sp>
+        <p:nvSpPr>
+          <p:cNvPr id="28" name="圆角矩形 27"/>
+          <p:cNvSpPr/>
+          <p:nvPr/>
+        </p:nvSpPr>
+        <p:spPr>
+          <a:xfrm rot="963333">
+            <a:off x="7468164" y="2895766"/>
+            <a:ext cx="224541" cy="2664296"/>
+          </a:xfrm>
+          <a:prstGeom prst="roundRect">
+            <a:avLst>
+              <a:gd name="adj" fmla="val 50000"/>
+            </a:avLst>
+          </a:prstGeom>
+          <a:gradFill flip="none" rotWithShape="1">
+            <a:gsLst>
+              <a:gs pos="100000">
+                <a:srgbClr val="878787"/>
+              </a:gs>
+              <a:gs pos="0">
+                <a:sysClr val="window" lastClr="FFFFFF">
+                  <a:lumMod val="85000"/>
+                  <a:shade val="30000"/>
+                  <a:satMod val="115000"/>
+                </a:sysClr>
+              </a:gs>
+              <a:gs pos="45000">
+                <a:sysClr val="window" lastClr="FFFFFF">
+                  <a:lumMod val="85000"/>
+                  <a:shade val="67500"/>
+                  <a:satMod val="115000"/>
+                </a:sysClr>
+              </a:gs>
+              <a:gs pos="62000">
+                <a:sysClr val="window" lastClr="FFFFFF">
+                  <a:lumMod val="85000"/>
+                  <a:shade val="100000"/>
+                  <a:satMod val="115000"/>
+                </a:sysClr>
+              </a:gs>
+            </a:gsLst>
+            <a:lin ang="10800000" scaled="1"/>
+            <a:tileRect/>
+          </a:gradFill>
+          <a:ln w="25400" cap="flat" cmpd="sng" algn="ctr">
+            <a:noFill/>
+            <a:prstDash val="solid"/>
+          </a:ln>
+          <a:effectLst/>
+        </p:spPr>
+        <p:txBody>
+          <a:bodyPr rot="0" spcFirstLastPara="0" vertOverflow="overflow" horzOverflow="overflow" vert="horz" wrap="square" lIns="91440" tIns="45720" rIns="91440" bIns="45720" numCol="1" spcCol="0" rtlCol="0" fromWordArt="0" anchor="ctr" anchorCtr="0" forceAA="0" compatLnSpc="1">
+            <a:noAutofit/>
+          </a:bodyPr>
+          <a:lstStyle/>
+          <a:p>
+            <a:pPr marL="0" marR="0" lvl="0" indent="0" algn="ctr" defTabSz="914400" eaLnBrk="1" fontAlgn="auto" latinLnBrk="0" hangingPunct="1">
+              <a:lnSpc>
+                <a:spcPct val="100000"/>
+              </a:lnSpc>
+              <a:spcBef>
+                <a:spcPts val="0"/>
+              </a:spcBef>
+              <a:spcAft>
+                <a:spcPts val="0"/>
+              </a:spcAft>
+              <a:buClrTx/>
+              <a:buSzTx/>
+              <a:buFontTx/>
+              <a:buNone/>
+              <a:defRPr/>
+            </a:pPr>
+            <a:endParaRPr kumimoji="0" lang="en-US" sz="1800" b="0" i="0" u="none" strike="noStrike" kern="0" cap="none" spc="0" normalizeH="0" baseline="0" noProof="0">
+              <a:ln>
+                <a:noFill/>
+              </a:ln>
+              <a:solidFill>
+                <a:sysClr val="windowText" lastClr="000000"/>
+              </a:solidFill>
+              <a:effectLst/>
+              <a:uLnTx/>
+              <a:uFillTx/>
+              <a:latin typeface="Calibri" panose="020F0502020204030204"/>
+              <a:ea typeface="+mn-ea"/>
+              <a:cs typeface="+mn-cs"/>
+            </a:endParaRPr>
+          </a:p>
+        </p:txBody>
+      </p:sp>
+      <p:sp>
+        <p:nvSpPr>
+          <p:cNvPr id="33" name="矩形 32"/>
+          <p:cNvSpPr/>
+          <p:nvPr/>
+        </p:nvSpPr>
+        <p:spPr>
+          <a:xfrm>
+            <a:off x="1524000" y="4869160"/>
+            <a:ext cx="9144000" cy="1656184"/>
+          </a:xfrm>
+          <a:prstGeom prst="rect">
+            <a:avLst/>
+          </a:prstGeom>
+          <a:gradFill flip="none" rotWithShape="1">
+            <a:gsLst>
+              <a:gs pos="48320">
+                <a:srgbClr val="E6C29A"/>
+              </a:gs>
+              <a:gs pos="100000">
+                <a:srgbClr val="8C6233"/>
+              </a:gs>
+              <a:gs pos="0">
+                <a:srgbClr val="DEA464">
+                  <a:shade val="30000"/>
+                  <a:satMod val="115000"/>
+                </a:srgbClr>
+              </a:gs>
+              <a:gs pos="8000">
+                <a:srgbClr val="DEA464">
+                  <a:shade val="67500"/>
+                  <a:satMod val="115000"/>
+                </a:srgbClr>
+              </a:gs>
+              <a:gs pos="92000">
+                <a:srgbClr val="DEA464">
+                  <a:shade val="100000"/>
+                  <a:satMod val="115000"/>
+                </a:srgbClr>
+              </a:gs>
+            </a:gsLst>
+            <a:lin ang="0" scaled="1"/>
+            <a:tileRect/>
+          </a:gradFill>
+          <a:ln w="25400" cap="flat" cmpd="sng" algn="ctr">
+            <a:noFill/>
+            <a:prstDash val="solid"/>
+          </a:ln>
+          <a:effectLst>
+            <a:outerShdw blurRad="50800" dist="38100" dir="16200000" rotWithShape="0">
+              <a:prstClr val="black">
+                <a:alpha val="40000"/>
+              </a:prstClr>
+            </a:outerShdw>
+          </a:effectLst>
+        </p:spPr>
+        <p:txBody>
+          <a:bodyPr rot="0" spcFirstLastPara="0" vertOverflow="overflow" horzOverflow="overflow" vert="horz" wrap="square" lIns="91440" tIns="45720" rIns="91440" bIns="45720" numCol="1" spcCol="0" rtlCol="0" fromWordArt="0" anchor="ctr" anchorCtr="0" forceAA="0" compatLnSpc="1">
+            <a:noAutofit/>
+          </a:bodyPr>
+          <a:lstStyle/>
+          <a:p>
+            <a:pPr marL="0" marR="0" lvl="0" indent="0" algn="ctr" defTabSz="914400" eaLnBrk="1" fontAlgn="auto" latinLnBrk="0" hangingPunct="1">
+              <a:lnSpc>
+                <a:spcPct val="100000"/>
+              </a:lnSpc>
+              <a:spcBef>
+                <a:spcPts val="0"/>
+              </a:spcBef>
+              <a:spcAft>
+                <a:spcPts val="0"/>
+              </a:spcAft>
+              <a:buClrTx/>
+              <a:buSzTx/>
+              <a:buFontTx/>
+              <a:buNone/>
+              <a:defRPr/>
+            </a:pPr>
+            <a:endParaRPr kumimoji="0" lang="en-US" sz="1800" b="0" i="0" u="none" strike="noStrike" kern="0" cap="none" spc="0" normalizeH="0" baseline="0" noProof="0">
+              <a:ln>
+                <a:noFill/>
+              </a:ln>
+              <a:solidFill>
+                <a:sysClr val="windowText" lastClr="000000"/>
+              </a:solidFill>
+              <a:effectLst/>
+              <a:uLnTx/>
+              <a:uFillTx/>
+              <a:latin typeface="Calibri" panose="020F0502020204030204"/>
+              <a:ea typeface="+mn-ea"/>
+              <a:cs typeface="+mn-cs"/>
+            </a:endParaRPr>
+          </a:p>
+        </p:txBody>
+      </p:sp>
+      <p:sp>
+        <p:nvSpPr>
+          <p:cNvPr id="43" name="TextBox 42"/>
+          <p:cNvSpPr txBox="1"/>
+          <p:nvPr/>
+        </p:nvSpPr>
+        <p:spPr>
+          <a:xfrm>
+            <a:off x="3137126" y="5260390"/>
+            <a:ext cx="5688632" cy="884794"/>
+          </a:xfrm>
+          <a:prstGeom prst="rect">
+            <a:avLst/>
+          </a:prstGeom>
+          <a:noFill/>
+        </p:spPr>
+        <p:txBody>
+          <a:bodyPr wrap="square" rtlCol="0">
+            <a:spAutoFit/>
+          </a:bodyPr>
+          <a:lstStyle>
+            <a:defPPr>
+              <a:defRPr lang="en-US"/>
+            </a:defPPr>
+            <a:lvl1pPr>
+              <a:lnSpc>
+                <a:spcPct val="130000"/>
+              </a:lnSpc>
+              <a:defRPr sz="5400" b="1">
+                <a:solidFill>
+                  <a:schemeClr val="tx1">
+                    <a:lumMod val="65000"/>
+                    <a:lumOff val="35000"/>
+                  </a:schemeClr>
+                </a:solidFill>
+                <a:latin typeface="Agency FB" pitchFamily="34" charset="0"/>
+                <a:ea typeface="微软雅黑" panose="020B0503020204020204" charset="-122"/>
+                <a:cs typeface="Calibri" panose="020F0502020204030204" pitchFamily="34" charset="0"/>
+              </a:defRPr>
+            </a:lvl1pPr>
+          </a:lstStyle>
+          <a:p>
+            <a:pPr marL="0" marR="0" lvl="0" indent="0" algn="ctr" defTabSz="914400" eaLnBrk="1" fontAlgn="auto" latinLnBrk="0" hangingPunct="1">
+              <a:lnSpc>
+                <a:spcPct val="130000"/>
+              </a:lnSpc>
+              <a:spcBef>
+                <a:spcPts val="0"/>
+              </a:spcBef>
+              <a:spcAft>
+                <a:spcPts val="0"/>
+              </a:spcAft>
+              <a:buClrTx/>
+              <a:buSzTx/>
+              <a:buFontTx/>
+              <a:buNone/>
+              <a:defRPr/>
+            </a:pPr>
+            <a:r>
+              <a:rPr lang="en-US" altLang="zh-CN" sz="4400" dirty="0">
+                <a:sym typeface="+mn-ea"/>
+              </a:rPr>
+              <a:t>DEMO</a:t>
+            </a:r>
+            <a:endParaRPr kumimoji="0" lang="zh-CN" altLang="en-US" sz="4400" b="1" i="0" u="none" strike="noStrike" kern="0" cap="none" spc="0" normalizeH="0" baseline="0" noProof="0" dirty="0">
+              <a:ln>
+                <a:noFill/>
+              </a:ln>
+              <a:solidFill>
+                <a:sysClr val="windowText" lastClr="000000">
+                  <a:lumMod val="75000"/>
+                  <a:lumOff val="25000"/>
+                </a:sysClr>
+              </a:solidFill>
+              <a:effectLst>
+                <a:outerShdw dist="38100" dir="5400000" algn="t" rotWithShape="0">
+                  <a:sysClr val="window" lastClr="FFFFFF">
+                    <a:alpha val="48000"/>
+                  </a:sysClr>
+                </a:outerShdw>
+              </a:effectLst>
+              <a:uLnTx/>
+              <a:uFillTx/>
+              <a:latin typeface="Agency FB" pitchFamily="34" charset="0"/>
+              <a:ea typeface="微软雅黑" panose="020B0503020204020204" charset="-122"/>
+              <a:cs typeface="Calibri" panose="020F0502020204030204" pitchFamily="34" charset="0"/>
+            </a:endParaRPr>
+          </a:p>
+        </p:txBody>
+      </p:sp>
+    </p:spTree>
+    <p:extLst>
+      <p:ext uri="{BB962C8B-B14F-4D97-AF65-F5344CB8AC3E}">
+        <p14:creationId xmlns:p14="http://schemas.microsoft.com/office/powerpoint/2010/main" val="1260186083"/>
+      </p:ext>
+    </p:extLst>
+  </p:cSld>
+  <p:clrMapOvr>
+    <a:masterClrMapping/>
+  </p:clrMapOvr>
+</p:sld>
+</file>
+
+<file path=ppt/slides/slide40.xml><?xml version="1.0" encoding="utf-8"?>
 <p:sld xmlns:a="http://schemas.openxmlformats.org/drawingml/2006/main" xmlns:r="http://schemas.openxmlformats.org/officeDocument/2006/relationships" xmlns:p="http://schemas.openxmlformats.org/presentationml/2006/main">
   <p:cSld>
     <p:spTree>
@@ -26734,7 +26063,7 @@
 </p:sld>
 </file>
 
-<file path=ppt/slides/slide43.xml><?xml version="1.0" encoding="utf-8"?>
+<file path=ppt/slides/slide41.xml><?xml version="1.0" encoding="utf-8"?>
 <p:sld xmlns:a="http://schemas.openxmlformats.org/drawingml/2006/main" xmlns:r="http://schemas.openxmlformats.org/officeDocument/2006/relationships" xmlns:p="http://schemas.openxmlformats.org/presentationml/2006/main">
   <p:cSld>
     <p:spTree>
@@ -27100,410 +26429,6 @@
       </p:grpSpPr>
       <p:sp>
         <p:nvSpPr>
-          <p:cNvPr id="2" name="标题 1"/>
-          <p:cNvSpPr>
-            <a:spLocks noGrp="1"/>
-          </p:cNvSpPr>
-          <p:nvPr>
-            <p:ph type="title"/>
-          </p:nvPr>
-        </p:nvSpPr>
-        <p:spPr/>
-        <p:txBody>
-          <a:bodyPr/>
-          <a:lstStyle/>
-          <a:p>
-            <a:r>
-              <a:rPr lang="en-US" altLang="zh-CN" sz="3200">
-                <a:sym typeface="+mn-ea"/>
-              </a:rPr>
-              <a:t>项</a:t>
-            </a:r>
-            <a:r>
-              <a:rPr sz="3200">
-                <a:sym typeface="+mn-ea"/>
-              </a:rPr>
-              <a:t>目内容</a:t>
-            </a:r>
-            <a:r>
-              <a:rPr lang="en-US" altLang="zh-CN" sz="3200">
-                <a:sym typeface="+mn-ea"/>
-              </a:rPr>
-              <a:t>——</a:t>
-            </a:r>
-            <a:r>
-              <a:rPr sz="3200">
-                <a:sym typeface="+mn-ea"/>
-              </a:rPr>
-              <a:t>数据库关系提供各项服务介绍</a:t>
-            </a:r>
-            <a:endParaRPr lang="zh-CN" altLang="en-US" sz="3200">
-              <a:sym typeface="+mn-ea"/>
-            </a:endParaRPr>
-          </a:p>
-        </p:txBody>
-      </p:sp>
-      <p:cxnSp>
-        <p:nvCxnSpPr>
-          <p:cNvPr id="50" name="直接连接符 49"/>
-          <p:cNvCxnSpPr/>
-          <p:nvPr/>
-        </p:nvCxnSpPr>
-        <p:spPr>
-          <a:xfrm>
-            <a:off x="5884535" y="5990426"/>
-            <a:ext cx="3851920" cy="0"/>
-          </a:xfrm>
-          <a:prstGeom prst="line">
-            <a:avLst/>
-          </a:prstGeom>
-          <a:noFill/>
-          <a:ln w="133350" cap="flat" cmpd="thickThin" algn="ctr">
-            <a:solidFill>
-              <a:srgbClr val="DC4806"/>
-            </a:solidFill>
-            <a:prstDash val="solid"/>
-          </a:ln>
-          <a:effectLst/>
-        </p:spPr>
-      </p:cxnSp>
-      <p:pic>
-        <p:nvPicPr>
-          <p:cNvPr id="51" name="图片 50"/>
-          <p:cNvPicPr>
-            <a:picLocks noChangeAspect="1"/>
-          </p:cNvPicPr>
-          <p:nvPr/>
-        </p:nvPicPr>
-        <p:blipFill rotWithShape="1">
-          <a:blip r:embed="rId2" cstate="print">
-            <a:extLst>
-              <a:ext uri="{28A0092B-C50C-407E-A947-70E740481C1C}">
-                <a14:useLocalDpi xmlns:a14="http://schemas.microsoft.com/office/drawing/2010/main" val="0"/>
-              </a:ext>
-            </a:extLst>
-          </a:blip>
-          <a:srcRect l="9129" t="26051" r="14652" b="33128"/>
-          <a:stretch>
-            <a:fillRect/>
-          </a:stretch>
-        </p:blipFill>
-        <p:spPr>
-          <a:xfrm>
-            <a:off x="4953574" y="4951272"/>
-            <a:ext cx="1543029" cy="1483396"/>
-          </a:xfrm>
-          <a:prstGeom prst="rect">
-            <a:avLst/>
-          </a:prstGeom>
-        </p:spPr>
-      </p:pic>
-      <p:pic>
-        <p:nvPicPr>
-          <p:cNvPr id="52" name="图片 51"/>
-          <p:cNvPicPr>
-            <a:picLocks noChangeAspect="1"/>
-          </p:cNvPicPr>
-          <p:nvPr/>
-        </p:nvPicPr>
-        <p:blipFill rotWithShape="1">
-          <a:blip r:embed="rId3" cstate="print">
-            <a:extLst>
-              <a:ext uri="{28A0092B-C50C-407E-A947-70E740481C1C}">
-                <a14:useLocalDpi xmlns:a14="http://schemas.microsoft.com/office/drawing/2010/main" val="0"/>
-              </a:ext>
-            </a:extLst>
-          </a:blip>
-          <a:srcRect l="9129" t="26051" r="14652" b="33128"/>
-          <a:stretch>
-            <a:fillRect/>
-          </a:stretch>
-        </p:blipFill>
-        <p:spPr>
-          <a:xfrm>
-            <a:off x="3256243" y="4102606"/>
-            <a:ext cx="2166829" cy="2083089"/>
-          </a:xfrm>
-          <a:prstGeom prst="rect">
-            <a:avLst/>
-          </a:prstGeom>
-        </p:spPr>
-      </p:pic>
-      <p:pic>
-        <p:nvPicPr>
-          <p:cNvPr id="54" name="图片 53"/>
-          <p:cNvPicPr>
-            <a:picLocks noChangeAspect="1"/>
-          </p:cNvPicPr>
-          <p:nvPr/>
-        </p:nvPicPr>
-        <p:blipFill rotWithShape="1">
-          <a:blip r:embed="rId3">
-            <a:extLst>
-              <a:ext uri="{28A0092B-C50C-407E-A947-70E740481C1C}">
-                <a14:useLocalDpi xmlns:a14="http://schemas.microsoft.com/office/drawing/2010/main" val="0"/>
-              </a:ext>
-            </a:extLst>
-          </a:blip>
-          <a:srcRect l="9129" t="30570" r="14652" b="33128"/>
-          <a:stretch>
-            <a:fillRect/>
-          </a:stretch>
-        </p:blipFill>
-        <p:spPr>
-          <a:xfrm>
-            <a:off x="1664957" y="1292974"/>
-            <a:ext cx="4064745" cy="3475040"/>
-          </a:xfrm>
-          <a:prstGeom prst="rect">
-            <a:avLst/>
-          </a:prstGeom>
-        </p:spPr>
-      </p:pic>
-      <p:sp>
-        <p:nvSpPr>
-          <p:cNvPr id="55" name="TextBox 54"/>
-          <p:cNvSpPr txBox="1"/>
-          <p:nvPr/>
-        </p:nvSpPr>
-        <p:spPr>
-          <a:xfrm>
-            <a:off x="6244575" y="5282540"/>
-            <a:ext cx="3600400" cy="706755"/>
-          </a:xfrm>
-          <a:prstGeom prst="rect">
-            <a:avLst/>
-          </a:prstGeom>
-          <a:noFill/>
-        </p:spPr>
-        <p:txBody>
-          <a:bodyPr wrap="square" rtlCol="0">
-            <a:spAutoFit/>
-          </a:bodyPr>
-          <a:lstStyle>
-            <a:defPPr>
-              <a:defRPr lang="en-US"/>
-            </a:defPPr>
-            <a:lvl1pPr>
-              <a:lnSpc>
-                <a:spcPct val="130000"/>
-              </a:lnSpc>
-              <a:defRPr sz="5400" b="1">
-                <a:solidFill>
-                  <a:schemeClr val="tx1">
-                    <a:lumMod val="65000"/>
-                    <a:lumOff val="35000"/>
-                  </a:schemeClr>
-                </a:solidFill>
-                <a:latin typeface="Agency FB" pitchFamily="34" charset="0"/>
-                <a:ea typeface="微软雅黑" panose="020B0503020204020204" charset="-122"/>
-                <a:cs typeface="Calibri" panose="020F0502020204030204" pitchFamily="34" charset="0"/>
-              </a:defRPr>
-            </a:lvl1pPr>
-          </a:lstStyle>
-          <a:p>
-            <a:pPr marL="0" marR="0" lvl="0" indent="0" algn="ctr" defTabSz="914400" eaLnBrk="1" fontAlgn="auto" latinLnBrk="0" hangingPunct="1">
-              <a:lnSpc>
-                <a:spcPct val="100000"/>
-              </a:lnSpc>
-              <a:spcBef>
-                <a:spcPts val="0"/>
-              </a:spcBef>
-              <a:spcAft>
-                <a:spcPts val="0"/>
-              </a:spcAft>
-              <a:buClrTx/>
-              <a:buSzTx/>
-              <a:buFontTx/>
-              <a:buNone/>
-              <a:defRPr/>
-            </a:pPr>
-            <a:r>
-              <a:rPr kumimoji="0" lang="zh-CN" altLang="en-US" sz="4000" b="1" i="0" u="none" strike="noStrike" kern="0" cap="none" spc="0" normalizeH="0" baseline="0" noProof="0" dirty="0">
-                <a:ln>
-                  <a:noFill/>
-                </a:ln>
-                <a:solidFill>
-                  <a:srgbClr val="B73C05"/>
-                </a:solidFill>
-                <a:effectLst/>
-                <a:uLnTx/>
-                <a:uFillTx/>
-                <a:latin typeface="Times New Roman" panose="02020603050405020304" pitchFamily="18" charset="0"/>
-                <a:cs typeface="Times New Roman" panose="02020603050405020304" pitchFamily="18" charset="0"/>
-              </a:rPr>
-              <a:t>服务汇总</a:t>
-            </a:r>
-          </a:p>
-        </p:txBody>
-      </p:sp>
-      <p:sp>
-        <p:nvSpPr>
-          <p:cNvPr id="3" name="文本框 2"/>
-          <p:cNvSpPr txBox="1"/>
-          <p:nvPr/>
-        </p:nvSpPr>
-        <p:spPr>
-          <a:xfrm>
-            <a:off x="6650355" y="1497965"/>
-            <a:ext cx="3902075" cy="3785652"/>
-          </a:xfrm>
-          <a:prstGeom prst="rect">
-            <a:avLst/>
-          </a:prstGeom>
-          <a:noFill/>
-        </p:spPr>
-        <p:txBody>
-          <a:bodyPr wrap="square" rtlCol="0">
-            <a:spAutoFit/>
-          </a:bodyPr>
-          <a:lstStyle/>
-          <a:p>
-            <a:r>
-              <a:rPr lang="zh-CN" altLang="en-US" sz="2000" dirty="0"/>
-              <a:t>1、发布公告</a:t>
-            </a:r>
-          </a:p>
-          <a:p>
-            <a:r>
-              <a:rPr lang="zh-CN" altLang="en-US" sz="2000" dirty="0"/>
-              <a:t>2、查询所有课程</a:t>
-            </a:r>
-          </a:p>
-          <a:p>
-            <a:r>
-              <a:rPr lang="zh-CN" altLang="en-US" sz="2000" dirty="0"/>
-              <a:t>3、加入课程</a:t>
-            </a:r>
-          </a:p>
-          <a:p>
-            <a:r>
-              <a:rPr lang="zh-CN" altLang="en-US" sz="2000" dirty="0"/>
-              <a:t>4、用户登录</a:t>
-            </a:r>
-          </a:p>
-          <a:p>
-            <a:r>
-              <a:rPr lang="zh-CN" altLang="en-US" sz="2000" dirty="0"/>
-              <a:t>5、查询用户信息</a:t>
-            </a:r>
-          </a:p>
-          <a:p>
-            <a:r>
-              <a:rPr lang="zh-CN" altLang="en-US" sz="2000" dirty="0"/>
-              <a:t>6、查询所有公告</a:t>
-            </a:r>
-          </a:p>
-          <a:p>
-            <a:r>
-              <a:rPr lang="zh-CN" altLang="en-US" sz="2000" dirty="0"/>
-              <a:t>7、删除课程</a:t>
-            </a:r>
-            <a:endParaRPr lang="en-US" altLang="zh-CN" sz="2000" dirty="0"/>
-          </a:p>
-          <a:p>
-            <a:r>
-              <a:rPr lang="zh-CN" altLang="en-US" sz="2000" dirty="0"/>
-              <a:t>8、删除预约</a:t>
-            </a:r>
-          </a:p>
-          <a:p>
-            <a:r>
-              <a:rPr lang="zh-CN" altLang="en-US" sz="2000" dirty="0"/>
-              <a:t>9、课程查询可用场馆</a:t>
-            </a:r>
-          </a:p>
-          <a:p>
-            <a:r>
-              <a:rPr lang="zh-CN" altLang="en-US" sz="2000" dirty="0"/>
-              <a:t>10、发布课程</a:t>
-            </a:r>
-          </a:p>
-          <a:p>
-            <a:r>
-              <a:rPr lang="zh-CN" altLang="en-US" sz="2000" dirty="0"/>
-              <a:t>11、预约查询可用场地</a:t>
-            </a:r>
-          </a:p>
-          <a:p>
-            <a:r>
-              <a:rPr lang="zh-CN" altLang="en-US" sz="2000" dirty="0"/>
-              <a:t>12、发布预约</a:t>
-            </a:r>
-          </a:p>
-        </p:txBody>
-      </p:sp>
-      <p:sp>
-        <p:nvSpPr>
-          <p:cNvPr id="5" name="文本框 4">
-            <a:extLst>
-              <a:ext uri="{FF2B5EF4-FFF2-40B4-BE49-F238E27FC236}">
-                <a16:creationId xmlns:a16="http://schemas.microsoft.com/office/drawing/2014/main" id="{99B000F1-5A15-40A1-B27A-AC19C9A215F2}"/>
-              </a:ext>
-            </a:extLst>
-          </p:cNvPr>
-          <p:cNvSpPr txBox="1"/>
-          <p:nvPr/>
-        </p:nvSpPr>
-        <p:spPr>
-          <a:xfrm>
-            <a:off x="2352584" y="2627272"/>
-            <a:ext cx="2308194" cy="369332"/>
-          </a:xfrm>
-          <a:prstGeom prst="rect">
-            <a:avLst/>
-          </a:prstGeom>
-          <a:noFill/>
-        </p:spPr>
-        <p:txBody>
-          <a:bodyPr wrap="square" rtlCol="0">
-            <a:spAutoFit/>
-          </a:bodyPr>
-          <a:lstStyle/>
-          <a:p>
-            <a:r>
-              <a:rPr lang="en-US" altLang="zh-CN" dirty="0" err="1"/>
-              <a:t>Springboot</a:t>
-            </a:r>
-            <a:r>
-              <a:rPr lang="zh-CN" altLang="en-US" dirty="0"/>
-              <a:t>后端框架</a:t>
-            </a:r>
-          </a:p>
-        </p:txBody>
-      </p:sp>
-    </p:spTree>
-    <p:extLst>
-      <p:ext uri="{BB962C8B-B14F-4D97-AF65-F5344CB8AC3E}">
-        <p14:creationId xmlns:p14="http://schemas.microsoft.com/office/powerpoint/2010/main" val="205063588"/>
-      </p:ext>
-    </p:extLst>
-  </p:cSld>
-  <p:clrMapOvr>
-    <a:masterClrMapping/>
-  </p:clrMapOvr>
-</p:sld>
-</file>
-
-<file path=ppt/slides/slide7.xml><?xml version="1.0" encoding="utf-8"?>
-<p:sld xmlns:a="http://schemas.openxmlformats.org/drawingml/2006/main" xmlns:r="http://schemas.openxmlformats.org/officeDocument/2006/relationships" xmlns:p="http://schemas.openxmlformats.org/presentationml/2006/main">
-  <p:cSld>
-    <p:spTree>
-      <p:nvGrpSpPr>
-        <p:cNvPr id="1" name=""/>
-        <p:cNvGrpSpPr/>
-        <p:nvPr/>
-      </p:nvGrpSpPr>
-      <p:grpSpPr>
-        <a:xfrm>
-          <a:off x="0" y="0"/>
-          <a:ext cx="0" cy="0"/>
-          <a:chOff x="0" y="0"/>
-          <a:chExt cx="0" cy="0"/>
-        </a:xfrm>
-      </p:grpSpPr>
-      <p:sp>
-        <p:nvSpPr>
           <p:cNvPr id="2" name="标题 1">
             <a:extLst>
               <a:ext uri="{FF2B5EF4-FFF2-40B4-BE49-F238E27FC236}">
@@ -27667,363 +26592,7 @@
 </p:sld>
 </file>
 
-<file path=ppt/slides/slide8.xml><?xml version="1.0" encoding="utf-8"?>
-<p:sld xmlns:a="http://schemas.openxmlformats.org/drawingml/2006/main" xmlns:r="http://schemas.openxmlformats.org/officeDocument/2006/relationships" xmlns:p="http://schemas.openxmlformats.org/presentationml/2006/main">
-  <p:cSld>
-    <p:spTree>
-      <p:nvGrpSpPr>
-        <p:cNvPr id="1" name=""/>
-        <p:cNvGrpSpPr/>
-        <p:nvPr/>
-      </p:nvGrpSpPr>
-      <p:grpSpPr>
-        <a:xfrm>
-          <a:off x="0" y="0"/>
-          <a:ext cx="0" cy="0"/>
-          <a:chOff x="0" y="0"/>
-          <a:chExt cx="0" cy="0"/>
-        </a:xfrm>
-      </p:grpSpPr>
-      <p:sp>
-        <p:nvSpPr>
-          <p:cNvPr id="2" name="标题 1"/>
-          <p:cNvSpPr>
-            <a:spLocks noGrp="1"/>
-          </p:cNvSpPr>
-          <p:nvPr>
-            <p:ph type="title"/>
-          </p:nvPr>
-        </p:nvSpPr>
-        <p:spPr/>
-        <p:txBody>
-          <a:bodyPr/>
-          <a:lstStyle/>
-          <a:p>
-            <a:r>
-              <a:rPr lang="en-US" altLang="zh-CN" sz="3200">
-                <a:sym typeface="+mn-ea"/>
-              </a:rPr>
-              <a:t>项</a:t>
-            </a:r>
-            <a:r>
-              <a:rPr sz="3200">
-                <a:sym typeface="+mn-ea"/>
-              </a:rPr>
-              <a:t>目内容</a:t>
-            </a:r>
-            <a:r>
-              <a:rPr lang="en-US" altLang="zh-CN" sz="3200">
-                <a:sym typeface="+mn-ea"/>
-              </a:rPr>
-              <a:t>——</a:t>
-            </a:r>
-            <a:r>
-              <a:rPr sz="3200">
-                <a:sym typeface="+mn-ea"/>
-              </a:rPr>
-              <a:t>数据库关系模型设计</a:t>
-            </a:r>
-            <a:endParaRPr lang="zh-CN" altLang="en-US" sz="3200">
-              <a:sym typeface="+mn-ea"/>
-            </a:endParaRPr>
-          </a:p>
-        </p:txBody>
-      </p:sp>
-      <p:sp>
-        <p:nvSpPr>
-          <p:cNvPr id="3" name="文本框 2"/>
-          <p:cNvSpPr txBox="1"/>
-          <p:nvPr/>
-        </p:nvSpPr>
-        <p:spPr>
-          <a:xfrm>
-            <a:off x="421640" y="1255395"/>
-            <a:ext cx="5994400" cy="6185535"/>
-          </a:xfrm>
-          <a:prstGeom prst="rect">
-            <a:avLst/>
-          </a:prstGeom>
-          <a:noFill/>
-        </p:spPr>
-        <p:txBody>
-          <a:bodyPr wrap="square" rtlCol="0">
-            <a:spAutoFit/>
-          </a:bodyPr>
-          <a:lstStyle/>
-          <a:p>
-            <a:r>
-              <a:rPr lang="zh-CN" altLang="en-US" dirty="0"/>
-              <a:t>role(role_id,name)  </a:t>
-            </a:r>
-          </a:p>
-          <a:p>
-            <a:r>
-              <a:rPr lang="zh-CN" altLang="en-US" dirty="0"/>
-              <a:t>primary key role_id</a:t>
-            </a:r>
-          </a:p>
-          <a:p>
-            <a:endParaRPr lang="zh-CN" altLang="en-US" dirty="0"/>
-          </a:p>
-          <a:p>
-            <a:r>
-              <a:rPr lang="zh-CN" altLang="en-US" dirty="0"/>
-              <a:t>user(user_id,username,password,name,dept,role_id) </a:t>
-            </a:r>
-          </a:p>
-          <a:p>
-            <a:r>
-              <a:rPr lang="zh-CN" altLang="en-US" dirty="0"/>
-              <a:t>primary key user_id</a:t>
-            </a:r>
-          </a:p>
-          <a:p>
-            <a:r>
-              <a:rPr lang="zh-CN" altLang="en-US" dirty="0"/>
-              <a:t>foreign key role_id references role(role_id)</a:t>
-            </a:r>
-          </a:p>
-          <a:p>
-            <a:endParaRPr lang="zh-CN" altLang="en-US" dirty="0"/>
-          </a:p>
-          <a:p>
-            <a:r>
-              <a:rPr lang="zh-CN" altLang="en-US" dirty="0"/>
-              <a:t>gym(gym_id,name,starttime,endtime)</a:t>
-            </a:r>
-          </a:p>
-          <a:p>
-            <a:r>
-              <a:rPr lang="zh-CN" altLang="en-US" dirty="0"/>
-              <a:t>primary_key gym_id</a:t>
-            </a:r>
-          </a:p>
-          <a:p>
-            <a:endParaRPr lang="zh-CN" altLang="en-US" dirty="0"/>
-          </a:p>
-          <a:p>
-            <a:r>
-              <a:rPr lang="zh-CN" altLang="en-US" dirty="0"/>
-              <a:t>field(gym_id,field_id,name)</a:t>
-            </a:r>
-          </a:p>
-          <a:p>
-            <a:r>
-              <a:rPr lang="zh-CN" altLang="en-US" dirty="0"/>
-              <a:t>primary key(gym_id,field_id)</a:t>
-            </a:r>
-          </a:p>
-          <a:p>
-            <a:r>
-              <a:rPr lang="zh-CN" altLang="en-US" dirty="0"/>
-              <a:t>foreign key gym_id references gym(gym_id)</a:t>
-            </a:r>
-          </a:p>
-          <a:p>
-            <a:endParaRPr lang="zh-CN" altLang="en-US" dirty="0"/>
-          </a:p>
-          <a:p>
-            <a:r>
-              <a:rPr lang="zh-CN" altLang="en-US" dirty="0"/>
-              <a:t>reserve(reserve_id,user_id,gym_id,field_id,date,starttime,endtime)</a:t>
-            </a:r>
-          </a:p>
-          <a:p>
-            <a:r>
-              <a:rPr lang="zh-CN" altLang="en-US" dirty="0"/>
-              <a:t>primary key(reserve_id)</a:t>
-            </a:r>
-          </a:p>
-          <a:p>
-            <a:r>
-              <a:rPr lang="zh-CN" altLang="en-US" dirty="0"/>
-              <a:t>foreign key user_id references user(user_id)</a:t>
-            </a:r>
-          </a:p>
-          <a:p>
-            <a:r>
-              <a:rPr lang="zh-CN" altLang="en-US" dirty="0"/>
-              <a:t>foreign key gym_id references user(gym_id)</a:t>
-            </a:r>
-          </a:p>
-          <a:p>
-            <a:r>
-              <a:rPr lang="zh-CN" altLang="en-US" dirty="0"/>
-              <a:t>foreign key field_id references user(field_id)</a:t>
-            </a:r>
-          </a:p>
-          <a:p>
-            <a:endParaRPr lang="zh-CN" altLang="en-US" dirty="0"/>
-          </a:p>
-          <a:p>
-            <a:endParaRPr lang="zh-CN" altLang="en-US" dirty="0"/>
-          </a:p>
-        </p:txBody>
-      </p:sp>
-      <p:sp>
-        <p:nvSpPr>
-          <p:cNvPr id="4" name="文本框 3"/>
-          <p:cNvSpPr txBox="1"/>
-          <p:nvPr/>
-        </p:nvSpPr>
-        <p:spPr>
-          <a:xfrm>
-            <a:off x="6608445" y="1255395"/>
-            <a:ext cx="5445125" cy="5354320"/>
-          </a:xfrm>
-          <a:prstGeom prst="rect">
-            <a:avLst/>
-          </a:prstGeom>
-          <a:noFill/>
-        </p:spPr>
-        <p:txBody>
-          <a:bodyPr wrap="square" rtlCol="0">
-            <a:spAutoFit/>
-          </a:bodyPr>
-          <a:lstStyle/>
-          <a:p>
-            <a:r>
-              <a:rPr lang="zh-CN" altLang="en-US" dirty="0">
-                <a:sym typeface="+mn-ea"/>
-              </a:rPr>
-              <a:t>course(course_id,gym_id,weekday,name,starttime,endtime)</a:t>
-            </a:r>
-            <a:endParaRPr lang="zh-CN" altLang="en-US" dirty="0"/>
-          </a:p>
-          <a:p>
-            <a:r>
-              <a:rPr lang="zh-CN" altLang="en-US" dirty="0">
-                <a:sym typeface="+mn-ea"/>
-              </a:rPr>
-              <a:t>primary key course_id</a:t>
-            </a:r>
-            <a:endParaRPr lang="zh-CN" altLang="en-US" dirty="0"/>
-          </a:p>
-          <a:p>
-            <a:r>
-              <a:rPr lang="zh-CN" altLang="en-US" dirty="0">
-                <a:sym typeface="+mn-ea"/>
-              </a:rPr>
-              <a:t>foreign key gmy_id references gym(gym_id)</a:t>
-            </a:r>
-            <a:endParaRPr lang="zh-CN" altLang="en-US" dirty="0"/>
-          </a:p>
-          <a:p>
-            <a:endParaRPr lang="zh-CN" altLang="en-US" dirty="0"/>
-          </a:p>
-          <a:p>
-            <a:r>
-              <a:rPr lang="zh-CN" altLang="en-US" dirty="0">
-                <a:sym typeface="+mn-ea"/>
-              </a:rPr>
-              <a:t>take(user_id,course_id)</a:t>
-            </a:r>
-            <a:endParaRPr lang="zh-CN" altLang="en-US" dirty="0"/>
-          </a:p>
-          <a:p>
-            <a:r>
-              <a:rPr lang="zh-CN" altLang="en-US" dirty="0">
-                <a:sym typeface="+mn-ea"/>
-              </a:rPr>
-              <a:t>primary key (user_id,course_id)</a:t>
-            </a:r>
-            <a:endParaRPr lang="zh-CN" altLang="en-US" dirty="0"/>
-          </a:p>
-          <a:p>
-            <a:r>
-              <a:rPr lang="zh-CN" altLang="en-US" dirty="0">
-                <a:sym typeface="+mn-ea"/>
-              </a:rPr>
-              <a:t>foreign key user_id references user(user_id)</a:t>
-            </a:r>
-            <a:endParaRPr lang="zh-CN" altLang="en-US" dirty="0"/>
-          </a:p>
-          <a:p>
-            <a:r>
-              <a:rPr lang="zh-CN" altLang="en-US" dirty="0">
-                <a:sym typeface="+mn-ea"/>
-              </a:rPr>
-              <a:t>foreign key course_id references course(course_id)</a:t>
-            </a:r>
-            <a:endParaRPr lang="zh-CN" altLang="en-US" dirty="0"/>
-          </a:p>
-          <a:p>
-            <a:endParaRPr lang="zh-CN" altLang="en-US" dirty="0"/>
-          </a:p>
-          <a:p>
-            <a:r>
-              <a:rPr lang="zh-CN" altLang="en-US" dirty="0">
-                <a:sym typeface="+mn-ea"/>
-              </a:rPr>
-              <a:t>teach(user_id,course_id)</a:t>
-            </a:r>
-            <a:endParaRPr lang="zh-CN" altLang="en-US" dirty="0"/>
-          </a:p>
-          <a:p>
-            <a:r>
-              <a:rPr lang="zh-CN" altLang="en-US" dirty="0">
-                <a:sym typeface="+mn-ea"/>
-              </a:rPr>
-              <a:t>primary key (user_id,course_id)</a:t>
-            </a:r>
-            <a:endParaRPr lang="zh-CN" altLang="en-US" dirty="0"/>
-          </a:p>
-          <a:p>
-            <a:r>
-              <a:rPr lang="zh-CN" altLang="en-US" dirty="0">
-                <a:sym typeface="+mn-ea"/>
-              </a:rPr>
-              <a:t>foreign key user_id references user(user_id)</a:t>
-            </a:r>
-            <a:endParaRPr lang="zh-CN" altLang="en-US" dirty="0"/>
-          </a:p>
-          <a:p>
-            <a:r>
-              <a:rPr lang="zh-CN" altLang="en-US" dirty="0">
-                <a:sym typeface="+mn-ea"/>
-              </a:rPr>
-              <a:t>foreign key course_id references course(course_id)</a:t>
-            </a:r>
-            <a:endParaRPr lang="zh-CN" altLang="en-US" dirty="0"/>
-          </a:p>
-          <a:p>
-            <a:endParaRPr lang="zh-CN" altLang="en-US" dirty="0"/>
-          </a:p>
-          <a:p>
-            <a:r>
-              <a:rPr lang="zh-CN" altLang="en-US" dirty="0">
-                <a:sym typeface="+mn-ea"/>
-              </a:rPr>
-              <a:t>announce(id,time,content)</a:t>
-            </a:r>
-            <a:endParaRPr lang="zh-CN" altLang="en-US" dirty="0"/>
-          </a:p>
-          <a:p>
-            <a:r>
-              <a:rPr lang="zh-CN" altLang="en-US" dirty="0">
-                <a:sym typeface="+mn-ea"/>
-              </a:rPr>
-              <a:t>primary key (id)</a:t>
-            </a:r>
-            <a:endParaRPr lang="zh-CN" altLang="en-US" dirty="0"/>
-          </a:p>
-          <a:p>
-            <a:endParaRPr lang="zh-CN" altLang="en-US" dirty="0"/>
-          </a:p>
-          <a:p>
-            <a:endParaRPr lang="zh-CN" altLang="en-US" dirty="0"/>
-          </a:p>
-        </p:txBody>
-      </p:sp>
-    </p:spTree>
-  </p:cSld>
-  <p:clrMapOvr>
-    <a:masterClrMapping/>
-  </p:clrMapOvr>
-</p:sld>
-</file>
-
-<file path=ppt/slides/slide9.xml><?xml version="1.0" encoding="utf-8"?>
+<file path=ppt/slides/slide7.xml><?xml version="1.0" encoding="utf-8"?>
 <p:sld xmlns:a="http://schemas.openxmlformats.org/drawingml/2006/main" xmlns:r="http://schemas.openxmlformats.org/officeDocument/2006/relationships" xmlns:p="http://schemas.openxmlformats.org/presentationml/2006/main">
   <p:cSld>
     <p:spTree>
@@ -28128,6 +26697,675 @@
     <p:extLst>
       <p:ext uri="{BB962C8B-B14F-4D97-AF65-F5344CB8AC3E}">
         <p14:creationId xmlns:p14="http://schemas.microsoft.com/office/powerpoint/2010/main" val="3549635268"/>
+      </p:ext>
+    </p:extLst>
+  </p:cSld>
+  <p:clrMapOvr>
+    <a:masterClrMapping/>
+  </p:clrMapOvr>
+</p:sld>
+</file>
+
+<file path=ppt/slides/slide8.xml><?xml version="1.0" encoding="utf-8"?>
+<p:sld xmlns:a="http://schemas.openxmlformats.org/drawingml/2006/main" xmlns:r="http://schemas.openxmlformats.org/officeDocument/2006/relationships" xmlns:p="http://schemas.openxmlformats.org/presentationml/2006/main">
+  <p:cSld>
+    <p:spTree>
+      <p:nvGrpSpPr>
+        <p:cNvPr id="1" name=""/>
+        <p:cNvGrpSpPr/>
+        <p:nvPr/>
+      </p:nvGrpSpPr>
+      <p:grpSpPr>
+        <a:xfrm>
+          <a:off x="0" y="0"/>
+          <a:ext cx="0" cy="0"/>
+          <a:chOff x="0" y="0"/>
+          <a:chExt cx="0" cy="0"/>
+        </a:xfrm>
+      </p:grpSpPr>
+      <p:pic>
+        <p:nvPicPr>
+          <p:cNvPr id="23" name="Picture 3"/>
+          <p:cNvPicPr>
+            <a:picLocks noChangeAspect="1" noChangeArrowheads="1"/>
+          </p:cNvPicPr>
+          <p:nvPr/>
+        </p:nvPicPr>
+        <p:blipFill rotWithShape="1">
+          <a:blip r:embed="rId3" cstate="print">
+            <a:extLst>
+              <a:ext uri="{28A0092B-C50C-407E-A947-70E740481C1C}">
+                <a14:useLocalDpi xmlns:a14="http://schemas.microsoft.com/office/drawing/2010/main" val="0"/>
+              </a:ext>
+            </a:extLst>
+          </a:blip>
+          <a:srcRect l="2767" r="7205" b="57679"/>
+          <a:stretch>
+            <a:fillRect/>
+          </a:stretch>
+        </p:blipFill>
+        <p:spPr bwMode="auto">
+          <a:xfrm rot="10800000" flipH="1" flipV="1">
+            <a:off x="1187150" y="4617245"/>
+            <a:ext cx="9295641" cy="251915"/>
+          </a:xfrm>
+          <a:prstGeom prst="rect">
+            <a:avLst/>
+          </a:prstGeom>
+          <a:noFill/>
+          <a:ln>
+            <a:noFill/>
+          </a:ln>
+          <a:effectLst/>
+          <a:extLst>
+            <a:ext uri="{909E8E84-426E-40DD-AFC4-6F175D3DCCD1}">
+              <a14:hiddenFill xmlns:a14="http://schemas.microsoft.com/office/drawing/2010/main">
+                <a:solidFill>
+                  <a:schemeClr val="accent1"/>
+                </a:solidFill>
+              </a14:hiddenFill>
+            </a:ext>
+            <a:ext uri="{91240B29-F687-4F45-9708-019B960494DF}">
+              <a14:hiddenLine xmlns:a14="http://schemas.microsoft.com/office/drawing/2010/main" w="9525">
+                <a:solidFill>
+                  <a:schemeClr val="tx1"/>
+                </a:solidFill>
+                <a:miter lim="800000"/>
+                <a:headEnd/>
+                <a:tailEnd/>
+              </a14:hiddenLine>
+            </a:ext>
+            <a:ext uri="{AF507438-7753-43E0-B8FC-AC1667EBCBE1}">
+              <a14:hiddenEffects xmlns:a14="http://schemas.microsoft.com/office/drawing/2010/main">
+                <a:effectLst>
+                  <a:outerShdw dist="35921" dir="2700000" algn="ctr" rotWithShape="0">
+                    <a:schemeClr val="bg2"/>
+                  </a:outerShdw>
+                </a:effectLst>
+              </a14:hiddenEffects>
+            </a:ext>
+          </a:extLst>
+        </p:spPr>
+      </p:pic>
+      <p:sp>
+        <p:nvSpPr>
+          <p:cNvPr id="24" name="圆角矩形 23"/>
+          <p:cNvSpPr/>
+          <p:nvPr/>
+        </p:nvSpPr>
+        <p:spPr>
+          <a:xfrm rot="20935880">
+            <a:off x="4381264" y="3172417"/>
+            <a:ext cx="193241" cy="2366303"/>
+          </a:xfrm>
+          <a:prstGeom prst="roundRect">
+            <a:avLst>
+              <a:gd name="adj" fmla="val 50000"/>
+            </a:avLst>
+          </a:prstGeom>
+          <a:gradFill flip="none" rotWithShape="1">
+            <a:gsLst>
+              <a:gs pos="100000">
+                <a:srgbClr val="878787"/>
+              </a:gs>
+              <a:gs pos="0">
+                <a:sysClr val="window" lastClr="FFFFFF">
+                  <a:lumMod val="85000"/>
+                  <a:shade val="30000"/>
+                  <a:satMod val="115000"/>
+                </a:sysClr>
+              </a:gs>
+              <a:gs pos="45000">
+                <a:sysClr val="window" lastClr="FFFFFF">
+                  <a:lumMod val="85000"/>
+                  <a:shade val="67500"/>
+                  <a:satMod val="115000"/>
+                </a:sysClr>
+              </a:gs>
+              <a:gs pos="62000">
+                <a:sysClr val="window" lastClr="FFFFFF">
+                  <a:lumMod val="85000"/>
+                  <a:shade val="100000"/>
+                  <a:satMod val="115000"/>
+                </a:sysClr>
+              </a:gs>
+            </a:gsLst>
+            <a:lin ang="10800000" scaled="1"/>
+            <a:tileRect/>
+          </a:gradFill>
+          <a:ln w="25400" cap="flat" cmpd="sng" algn="ctr">
+            <a:noFill/>
+            <a:prstDash val="solid"/>
+          </a:ln>
+          <a:effectLst/>
+        </p:spPr>
+        <p:txBody>
+          <a:bodyPr rot="0" spcFirstLastPara="0" vertOverflow="overflow" horzOverflow="overflow" vert="horz" wrap="square" lIns="91440" tIns="45720" rIns="91440" bIns="45720" numCol="1" spcCol="0" rtlCol="0" fromWordArt="0" anchor="ctr" anchorCtr="0" forceAA="0" compatLnSpc="1">
+            <a:noAutofit/>
+          </a:bodyPr>
+          <a:lstStyle/>
+          <a:p>
+            <a:pPr marL="0" marR="0" lvl="0" indent="0" algn="ctr" defTabSz="914400" eaLnBrk="1" fontAlgn="auto" latinLnBrk="0" hangingPunct="1">
+              <a:lnSpc>
+                <a:spcPct val="100000"/>
+              </a:lnSpc>
+              <a:spcBef>
+                <a:spcPts val="0"/>
+              </a:spcBef>
+              <a:spcAft>
+                <a:spcPts val="0"/>
+              </a:spcAft>
+              <a:buClrTx/>
+              <a:buSzTx/>
+              <a:buFontTx/>
+              <a:buNone/>
+              <a:defRPr/>
+            </a:pPr>
+            <a:endParaRPr kumimoji="0" lang="en-US" sz="1800" b="0" i="0" u="none" strike="noStrike" kern="0" cap="none" spc="0" normalizeH="0" baseline="0" noProof="0">
+              <a:ln>
+                <a:noFill/>
+              </a:ln>
+              <a:solidFill>
+                <a:sysClr val="windowText" lastClr="000000"/>
+              </a:solidFill>
+              <a:effectLst/>
+              <a:uLnTx/>
+              <a:uFillTx/>
+              <a:latin typeface="Calibri" panose="020F0502020204030204"/>
+              <a:ea typeface="+mn-ea"/>
+              <a:cs typeface="+mn-cs"/>
+            </a:endParaRPr>
+          </a:p>
+        </p:txBody>
+      </p:sp>
+      <p:sp>
+        <p:nvSpPr>
+          <p:cNvPr id="28" name="圆角矩形 27"/>
+          <p:cNvSpPr/>
+          <p:nvPr/>
+        </p:nvSpPr>
+        <p:spPr>
+          <a:xfrm rot="963333">
+            <a:off x="7468164" y="2895766"/>
+            <a:ext cx="224541" cy="2664296"/>
+          </a:xfrm>
+          <a:prstGeom prst="roundRect">
+            <a:avLst>
+              <a:gd name="adj" fmla="val 50000"/>
+            </a:avLst>
+          </a:prstGeom>
+          <a:gradFill flip="none" rotWithShape="1">
+            <a:gsLst>
+              <a:gs pos="100000">
+                <a:srgbClr val="878787"/>
+              </a:gs>
+              <a:gs pos="0">
+                <a:sysClr val="window" lastClr="FFFFFF">
+                  <a:lumMod val="85000"/>
+                  <a:shade val="30000"/>
+                  <a:satMod val="115000"/>
+                </a:sysClr>
+              </a:gs>
+              <a:gs pos="45000">
+                <a:sysClr val="window" lastClr="FFFFFF">
+                  <a:lumMod val="85000"/>
+                  <a:shade val="67500"/>
+                  <a:satMod val="115000"/>
+                </a:sysClr>
+              </a:gs>
+              <a:gs pos="62000">
+                <a:sysClr val="window" lastClr="FFFFFF">
+                  <a:lumMod val="85000"/>
+                  <a:shade val="100000"/>
+                  <a:satMod val="115000"/>
+                </a:sysClr>
+              </a:gs>
+            </a:gsLst>
+            <a:lin ang="10800000" scaled="1"/>
+            <a:tileRect/>
+          </a:gradFill>
+          <a:ln w="25400" cap="flat" cmpd="sng" algn="ctr">
+            <a:noFill/>
+            <a:prstDash val="solid"/>
+          </a:ln>
+          <a:effectLst/>
+        </p:spPr>
+        <p:txBody>
+          <a:bodyPr rot="0" spcFirstLastPara="0" vertOverflow="overflow" horzOverflow="overflow" vert="horz" wrap="square" lIns="91440" tIns="45720" rIns="91440" bIns="45720" numCol="1" spcCol="0" rtlCol="0" fromWordArt="0" anchor="ctr" anchorCtr="0" forceAA="0" compatLnSpc="1">
+            <a:noAutofit/>
+          </a:bodyPr>
+          <a:lstStyle/>
+          <a:p>
+            <a:pPr marL="0" marR="0" lvl="0" indent="0" algn="ctr" defTabSz="914400" eaLnBrk="1" fontAlgn="auto" latinLnBrk="0" hangingPunct="1">
+              <a:lnSpc>
+                <a:spcPct val="100000"/>
+              </a:lnSpc>
+              <a:spcBef>
+                <a:spcPts val="0"/>
+              </a:spcBef>
+              <a:spcAft>
+                <a:spcPts val="0"/>
+              </a:spcAft>
+              <a:buClrTx/>
+              <a:buSzTx/>
+              <a:buFontTx/>
+              <a:buNone/>
+              <a:defRPr/>
+            </a:pPr>
+            <a:endParaRPr kumimoji="0" lang="en-US" sz="1800" b="0" i="0" u="none" strike="noStrike" kern="0" cap="none" spc="0" normalizeH="0" baseline="0" noProof="0">
+              <a:ln>
+                <a:noFill/>
+              </a:ln>
+              <a:solidFill>
+                <a:sysClr val="windowText" lastClr="000000"/>
+              </a:solidFill>
+              <a:effectLst/>
+              <a:uLnTx/>
+              <a:uFillTx/>
+              <a:latin typeface="Calibri" panose="020F0502020204030204"/>
+              <a:ea typeface="+mn-ea"/>
+              <a:cs typeface="+mn-cs"/>
+            </a:endParaRPr>
+          </a:p>
+        </p:txBody>
+      </p:sp>
+      <p:sp>
+        <p:nvSpPr>
+          <p:cNvPr id="33" name="矩形 32"/>
+          <p:cNvSpPr/>
+          <p:nvPr/>
+        </p:nvSpPr>
+        <p:spPr>
+          <a:xfrm>
+            <a:off x="1524000" y="4869160"/>
+            <a:ext cx="9144000" cy="1656184"/>
+          </a:xfrm>
+          <a:prstGeom prst="rect">
+            <a:avLst/>
+          </a:prstGeom>
+          <a:gradFill flip="none" rotWithShape="1">
+            <a:gsLst>
+              <a:gs pos="48320">
+                <a:srgbClr val="E6C29A"/>
+              </a:gs>
+              <a:gs pos="100000">
+                <a:srgbClr val="8C6233"/>
+              </a:gs>
+              <a:gs pos="0">
+                <a:srgbClr val="DEA464">
+                  <a:shade val="30000"/>
+                  <a:satMod val="115000"/>
+                </a:srgbClr>
+              </a:gs>
+              <a:gs pos="8000">
+                <a:srgbClr val="DEA464">
+                  <a:shade val="67500"/>
+                  <a:satMod val="115000"/>
+                </a:srgbClr>
+              </a:gs>
+              <a:gs pos="92000">
+                <a:srgbClr val="DEA464">
+                  <a:shade val="100000"/>
+                  <a:satMod val="115000"/>
+                </a:srgbClr>
+              </a:gs>
+            </a:gsLst>
+            <a:lin ang="0" scaled="1"/>
+            <a:tileRect/>
+          </a:gradFill>
+          <a:ln w="25400" cap="flat" cmpd="sng" algn="ctr">
+            <a:noFill/>
+            <a:prstDash val="solid"/>
+          </a:ln>
+          <a:effectLst>
+            <a:outerShdw blurRad="50800" dist="38100" dir="16200000" rotWithShape="0">
+              <a:prstClr val="black">
+                <a:alpha val="40000"/>
+              </a:prstClr>
+            </a:outerShdw>
+          </a:effectLst>
+        </p:spPr>
+        <p:txBody>
+          <a:bodyPr rot="0" spcFirstLastPara="0" vertOverflow="overflow" horzOverflow="overflow" vert="horz" wrap="square" lIns="91440" tIns="45720" rIns="91440" bIns="45720" numCol="1" spcCol="0" rtlCol="0" fromWordArt="0" anchor="ctr" anchorCtr="0" forceAA="0" compatLnSpc="1">
+            <a:noAutofit/>
+          </a:bodyPr>
+          <a:lstStyle/>
+          <a:p>
+            <a:pPr marL="0" marR="0" lvl="0" indent="0" algn="ctr" defTabSz="914400" eaLnBrk="1" fontAlgn="auto" latinLnBrk="0" hangingPunct="1">
+              <a:lnSpc>
+                <a:spcPct val="100000"/>
+              </a:lnSpc>
+              <a:spcBef>
+                <a:spcPts val="0"/>
+              </a:spcBef>
+              <a:spcAft>
+                <a:spcPts val="0"/>
+              </a:spcAft>
+              <a:buClrTx/>
+              <a:buSzTx/>
+              <a:buFontTx/>
+              <a:buNone/>
+              <a:defRPr/>
+            </a:pPr>
+            <a:endParaRPr kumimoji="0" lang="en-US" sz="1800" b="0" i="0" u="none" strike="noStrike" kern="0" cap="none" spc="0" normalizeH="0" baseline="0" noProof="0">
+              <a:ln>
+                <a:noFill/>
+              </a:ln>
+              <a:solidFill>
+                <a:sysClr val="windowText" lastClr="000000"/>
+              </a:solidFill>
+              <a:effectLst/>
+              <a:uLnTx/>
+              <a:uFillTx/>
+              <a:latin typeface="Calibri" panose="020F0502020204030204"/>
+              <a:ea typeface="+mn-ea"/>
+              <a:cs typeface="+mn-cs"/>
+            </a:endParaRPr>
+          </a:p>
+        </p:txBody>
+      </p:sp>
+      <p:sp>
+        <p:nvSpPr>
+          <p:cNvPr id="43" name="TextBox 42"/>
+          <p:cNvSpPr txBox="1"/>
+          <p:nvPr/>
+        </p:nvSpPr>
+        <p:spPr>
+          <a:xfrm>
+            <a:off x="3137126" y="5260390"/>
+            <a:ext cx="5688632" cy="884794"/>
+          </a:xfrm>
+          <a:prstGeom prst="rect">
+            <a:avLst/>
+          </a:prstGeom>
+          <a:noFill/>
+        </p:spPr>
+        <p:txBody>
+          <a:bodyPr wrap="square" rtlCol="0">
+            <a:spAutoFit/>
+          </a:bodyPr>
+          <a:lstStyle>
+            <a:defPPr>
+              <a:defRPr lang="en-US"/>
+            </a:defPPr>
+            <a:lvl1pPr>
+              <a:lnSpc>
+                <a:spcPct val="130000"/>
+              </a:lnSpc>
+              <a:defRPr sz="5400" b="1">
+                <a:solidFill>
+                  <a:schemeClr val="tx1">
+                    <a:lumMod val="65000"/>
+                    <a:lumOff val="35000"/>
+                  </a:schemeClr>
+                </a:solidFill>
+                <a:latin typeface="Agency FB" pitchFamily="34" charset="0"/>
+                <a:ea typeface="微软雅黑" panose="020B0503020204020204" charset="-122"/>
+                <a:cs typeface="Calibri" panose="020F0502020204030204" pitchFamily="34" charset="0"/>
+              </a:defRPr>
+            </a:lvl1pPr>
+          </a:lstStyle>
+          <a:p>
+            <a:pPr marL="0" marR="0" lvl="0" indent="0" algn="ctr" defTabSz="914400" eaLnBrk="1" fontAlgn="auto" latinLnBrk="0" hangingPunct="1">
+              <a:lnSpc>
+                <a:spcPct val="130000"/>
+              </a:lnSpc>
+              <a:spcBef>
+                <a:spcPts val="0"/>
+              </a:spcBef>
+              <a:spcAft>
+                <a:spcPts val="0"/>
+              </a:spcAft>
+              <a:buClrTx/>
+              <a:buSzTx/>
+              <a:buFontTx/>
+              <a:buNone/>
+              <a:defRPr/>
+            </a:pPr>
+            <a:r>
+              <a:rPr lang="zh-CN" altLang="en-US" sz="4400" dirty="0">
+                <a:sym typeface="+mn-ea"/>
+              </a:rPr>
+              <a:t>单元测试</a:t>
+            </a:r>
+            <a:endParaRPr kumimoji="0" lang="zh-CN" altLang="en-US" sz="4400" b="1" i="0" u="none" strike="noStrike" kern="0" cap="none" spc="0" normalizeH="0" baseline="0" noProof="0" dirty="0">
+              <a:ln>
+                <a:noFill/>
+              </a:ln>
+              <a:solidFill>
+                <a:sysClr val="windowText" lastClr="000000">
+                  <a:lumMod val="75000"/>
+                  <a:lumOff val="25000"/>
+                </a:sysClr>
+              </a:solidFill>
+              <a:effectLst>
+                <a:outerShdw dist="38100" dir="5400000" algn="t" rotWithShape="0">
+                  <a:sysClr val="window" lastClr="FFFFFF">
+                    <a:alpha val="48000"/>
+                  </a:sysClr>
+                </a:outerShdw>
+              </a:effectLst>
+              <a:uLnTx/>
+              <a:uFillTx/>
+              <a:latin typeface="Agency FB" pitchFamily="34" charset="0"/>
+              <a:ea typeface="微软雅黑" panose="020B0503020204020204" charset="-122"/>
+              <a:cs typeface="Calibri" panose="020F0502020204030204" pitchFamily="34" charset="0"/>
+            </a:endParaRPr>
+          </a:p>
+        </p:txBody>
+      </p:sp>
+    </p:spTree>
+    <p:extLst>
+      <p:ext uri="{BB962C8B-B14F-4D97-AF65-F5344CB8AC3E}">
+        <p14:creationId xmlns:p14="http://schemas.microsoft.com/office/powerpoint/2010/main" val="1095610284"/>
+      </p:ext>
+    </p:extLst>
+  </p:cSld>
+  <p:clrMapOvr>
+    <a:masterClrMapping/>
+  </p:clrMapOvr>
+</p:sld>
+</file>
+
+<file path=ppt/slides/slide9.xml><?xml version="1.0" encoding="utf-8"?>
+<p:sld xmlns:a="http://schemas.openxmlformats.org/drawingml/2006/main" xmlns:r="http://schemas.openxmlformats.org/officeDocument/2006/relationships" xmlns:p="http://schemas.openxmlformats.org/presentationml/2006/main">
+  <p:cSld>
+    <p:spTree>
+      <p:nvGrpSpPr>
+        <p:cNvPr id="1" name=""/>
+        <p:cNvGrpSpPr/>
+        <p:nvPr/>
+      </p:nvGrpSpPr>
+      <p:grpSpPr>
+        <a:xfrm>
+          <a:off x="0" y="0"/>
+          <a:ext cx="0" cy="0"/>
+          <a:chOff x="0" y="0"/>
+          <a:chExt cx="0" cy="0"/>
+        </a:xfrm>
+      </p:grpSpPr>
+      <p:pic>
+        <p:nvPicPr>
+          <p:cNvPr id="4" name="图片 3"/>
+          <p:cNvPicPr>
+            <a:picLocks noChangeAspect="1"/>
+          </p:cNvPicPr>
+          <p:nvPr/>
+        </p:nvPicPr>
+        <p:blipFill>
+          <a:blip r:embed="rId2">
+            <a:extLst>
+              <a:ext uri="{28A0092B-C50C-407E-A947-70E740481C1C}">
+                <a14:useLocalDpi xmlns:a14="http://schemas.microsoft.com/office/drawing/2010/main" val="0"/>
+              </a:ext>
+            </a:extLst>
+          </a:blip>
+          <a:stretch>
+            <a:fillRect/>
+          </a:stretch>
+        </p:blipFill>
+        <p:spPr>
+          <a:xfrm>
+            <a:off x="0" y="0"/>
+            <a:ext cx="12192000" cy="6858001"/>
+          </a:xfrm>
+          <a:prstGeom prst="rect">
+            <a:avLst/>
+          </a:prstGeom>
+        </p:spPr>
+      </p:pic>
+      <p:sp>
+        <p:nvSpPr>
+          <p:cNvPr id="13" name="标题 1">
+            <a:extLst>
+              <a:ext uri="{FF2B5EF4-FFF2-40B4-BE49-F238E27FC236}">
+                <a16:creationId xmlns:a16="http://schemas.microsoft.com/office/drawing/2014/main" id="{D85B6B2A-FBF0-41F4-B80B-0F7EFDDBBFDA}"/>
+              </a:ext>
+            </a:extLst>
+          </p:cNvPr>
+          <p:cNvSpPr txBox="1">
+            <a:spLocks/>
+          </p:cNvSpPr>
+          <p:nvPr/>
+        </p:nvSpPr>
+        <p:spPr>
+          <a:xfrm>
+            <a:off x="822282" y="584400"/>
+            <a:ext cx="10852237" cy="648000"/>
+          </a:xfrm>
+          <a:prstGeom prst="rect">
+            <a:avLst/>
+          </a:prstGeom>
+        </p:spPr>
+        <p:txBody>
+          <a:bodyPr vert="horz" lIns="101600" tIns="38100" rIns="76200" bIns="38100" rtlCol="0" anchor="ctr" anchorCtr="0">
+            <a:noAutofit/>
+          </a:bodyPr>
+          <a:lstStyle>
+            <a:lvl1pPr marL="0" marR="0" lvl="0" algn="l" defTabSz="914400" rtl="0" eaLnBrk="1" fontAlgn="auto" latinLnBrk="0" hangingPunct="1">
+              <a:lnSpc>
+                <a:spcPct val="100000"/>
+              </a:lnSpc>
+              <a:spcBef>
+                <a:spcPct val="0"/>
+              </a:spcBef>
+              <a:buNone/>
+              <a:defRPr kumimoji="0" lang="zh-CN" altLang="en-US" sz="2800" b="1" i="0" u="none" strike="noStrike" kern="1200" cap="none" spc="200" normalizeH="0" baseline="0" noProof="1" dirty="0">
+                <a:solidFill>
+                  <a:schemeClr val="tx1"/>
+                </a:solidFill>
+                <a:uFillTx/>
+                <a:latin typeface="+mj-lt"/>
+                <a:ea typeface="+mj-ea"/>
+                <a:cs typeface="+mj-cs"/>
+                <a:sym typeface="+mn-ea"/>
+              </a:defRPr>
+            </a:lvl1pPr>
+          </a:lstStyle>
+          <a:p>
+            <a:r>
+              <a:rPr lang="zh-CN" altLang="en-US" dirty="0">
+                <a:solidFill>
+                  <a:schemeClr val="bg1"/>
+                </a:solidFill>
+              </a:rPr>
+              <a:t>单元测试</a:t>
+            </a:r>
+            <a:r>
+              <a:rPr lang="en-US" altLang="zh-CN" dirty="0">
+                <a:solidFill>
+                  <a:schemeClr val="bg1"/>
+                </a:solidFill>
+              </a:rPr>
+              <a:t>-DAO</a:t>
+            </a:r>
+            <a:r>
+              <a:rPr lang="zh-CN" altLang="en-US" dirty="0">
+                <a:solidFill>
+                  <a:schemeClr val="bg1"/>
+                </a:solidFill>
+              </a:rPr>
+              <a:t>层</a:t>
+            </a:r>
+          </a:p>
+        </p:txBody>
+      </p:sp>
+      <p:sp>
+        <p:nvSpPr>
+          <p:cNvPr id="14" name="矩形 13"/>
+          <p:cNvSpPr/>
+          <p:nvPr/>
+        </p:nvSpPr>
+        <p:spPr>
+          <a:xfrm>
+            <a:off x="822282" y="1447468"/>
+            <a:ext cx="3672800" cy="369332"/>
+          </a:xfrm>
+          <a:prstGeom prst="rect">
+            <a:avLst/>
+          </a:prstGeom>
+        </p:spPr>
+        <p:txBody>
+          <a:bodyPr wrap="none">
+            <a:spAutoFit/>
+          </a:bodyPr>
+          <a:lstStyle/>
+          <a:p>
+            <a:r>
+              <a:rPr lang="en-US" altLang="zh-CN" dirty="0">
+                <a:solidFill>
+                  <a:schemeClr val="bg1"/>
+                </a:solidFill>
+              </a:rPr>
+              <a:t>DAO</a:t>
+            </a:r>
+            <a:r>
+              <a:rPr lang="zh-CN" altLang="en-US" dirty="0">
+                <a:solidFill>
+                  <a:schemeClr val="bg1"/>
+                </a:solidFill>
+              </a:rPr>
+              <a:t>层设计</a:t>
+            </a:r>
+            <a:r>
+              <a:rPr lang="en-US" altLang="zh-CN" dirty="0">
+                <a:solidFill>
+                  <a:schemeClr val="bg1"/>
+                </a:solidFill>
+              </a:rPr>
+              <a:t>-</a:t>
+            </a:r>
+            <a:r>
+              <a:rPr lang="zh-CN" altLang="en-US" dirty="0">
+                <a:solidFill>
+                  <a:schemeClr val="bg1"/>
+                </a:solidFill>
+              </a:rPr>
+              <a:t>用例设计</a:t>
+            </a:r>
+            <a:r>
+              <a:rPr lang="en-US" altLang="zh-CN" dirty="0">
+                <a:solidFill>
+                  <a:schemeClr val="bg1"/>
+                </a:solidFill>
+              </a:rPr>
+              <a:t>-</a:t>
+            </a:r>
+            <a:r>
+              <a:rPr lang="zh-CN" altLang="en-US" dirty="0">
+                <a:solidFill>
+                  <a:schemeClr val="bg1"/>
+                </a:solidFill>
+              </a:rPr>
+              <a:t>启发式原则 </a:t>
+            </a:r>
+          </a:p>
+        </p:txBody>
+      </p:sp>
+    </p:spTree>
+    <p:extLst>
+      <p:ext uri="{BB962C8B-B14F-4D97-AF65-F5344CB8AC3E}">
+        <p14:creationId xmlns:p14="http://schemas.microsoft.com/office/powerpoint/2010/main" val="3148062056"/>
       </p:ext>
     </p:extLst>
   </p:cSld>
